--- a/docs/Presentazione.pptx
+++ b/docs/Presentazione.pptx
@@ -6824,7 +6824,25 @@
                 </a:solidFill>
                 <a:latin typeface="Candara" panose="020E0502030303020204" pitchFamily="34" charset="0"/>
               </a:rPr>
-              <a:t>Procedimento</a:t>
+              <a:t>Problemi</a:t>
+            </a:r>
+            <a:r>
+              <a:rPr lang="en-US" sz="4400" b="1" dirty="0">
+                <a:solidFill>
+                  <a:srgbClr val="4C4F54"/>
+                </a:solidFill>
+                <a:latin typeface="Candara" panose="020E0502030303020204" pitchFamily="34" charset="0"/>
+              </a:rPr>
+              <a:t> / </a:t>
+            </a:r>
+            <a:r>
+              <a:rPr lang="en-US" sz="4400" b="1" dirty="0" err="1">
+                <a:solidFill>
+                  <a:srgbClr val="4C4F54"/>
+                </a:solidFill>
+                <a:latin typeface="Candara" panose="020E0502030303020204" pitchFamily="34" charset="0"/>
+              </a:rPr>
+              <a:t>risultati</a:t>
             </a:r>
             <a:endParaRPr lang="en-US" sz="4400" b="1" dirty="0">
               <a:solidFill>
@@ -7902,6 +7920,36 @@
               <a:gd name="connsiteY5" fmla="*/ 2329032 h 2329032"/>
               <a:gd name="connsiteX6" fmla="*/ 0 w 12184224"/>
               <a:gd name="connsiteY6" fmla="*/ 2329032 h 2329032"/>
+              <a:gd name="connsiteX0" fmla="*/ 0 w 12184224"/>
+              <a:gd name="connsiteY0" fmla="*/ 0 h 2329032"/>
+              <a:gd name="connsiteX1" fmla="*/ 1065006 w 12184224"/>
+              <a:gd name="connsiteY1" fmla="*/ 0 h 2329032"/>
+              <a:gd name="connsiteX2" fmla="*/ 1309964 w 12184224"/>
+              <a:gd name="connsiteY2" fmla="*/ 7245 h 2329032"/>
+              <a:gd name="connsiteX3" fmla="*/ 1613644 w 12184224"/>
+              <a:gd name="connsiteY3" fmla="*/ 0 h 2329032"/>
+              <a:gd name="connsiteX4" fmla="*/ 12184224 w 12184224"/>
+              <a:gd name="connsiteY4" fmla="*/ 0 h 2329032"/>
+              <a:gd name="connsiteX5" fmla="*/ 12184224 w 12184224"/>
+              <a:gd name="connsiteY5" fmla="*/ 2329032 h 2329032"/>
+              <a:gd name="connsiteX6" fmla="*/ 0 w 12184224"/>
+              <a:gd name="connsiteY6" fmla="*/ 2329032 h 2329032"/>
+              <a:gd name="connsiteX7" fmla="*/ 0 w 12184224"/>
+              <a:gd name="connsiteY7" fmla="*/ 0 h 2329032"/>
+              <a:gd name="connsiteX0" fmla="*/ 0 w 12184224"/>
+              <a:gd name="connsiteY0" fmla="*/ 0 h 2329032"/>
+              <a:gd name="connsiteX1" fmla="*/ 1065006 w 12184224"/>
+              <a:gd name="connsiteY1" fmla="*/ 0 h 2329032"/>
+              <a:gd name="connsiteX2" fmla="*/ 1613644 w 12184224"/>
+              <a:gd name="connsiteY2" fmla="*/ 0 h 2329032"/>
+              <a:gd name="connsiteX3" fmla="*/ 12184224 w 12184224"/>
+              <a:gd name="connsiteY3" fmla="*/ 0 h 2329032"/>
+              <a:gd name="connsiteX4" fmla="*/ 12184224 w 12184224"/>
+              <a:gd name="connsiteY4" fmla="*/ 2329032 h 2329032"/>
+              <a:gd name="connsiteX5" fmla="*/ 0 w 12184224"/>
+              <a:gd name="connsiteY5" fmla="*/ 2329032 h 2329032"/>
+              <a:gd name="connsiteX6" fmla="*/ 0 w 12184224"/>
+              <a:gd name="connsiteY6" fmla="*/ 0 h 2329032"/>
             </a:gdLst>
             <a:ahLst/>
             <a:cxnLst>
@@ -7935,9 +7983,6 @@
                 </a:moveTo>
                 <a:lnTo>
                   <a:pt x="1065006" y="0"/>
-                </a:lnTo>
-                <a:lnTo>
-                  <a:pt x="1339325" y="365759"/>
                 </a:lnTo>
                 <a:lnTo>
                   <a:pt x="1613644" y="0"/>
@@ -7950,6 +7995,9 @@
                 </a:lnTo>
                 <a:lnTo>
                   <a:pt x="0" y="2329032"/>
+                </a:lnTo>
+                <a:lnTo>
+                  <a:pt x="0" y="0"/>
                 </a:lnTo>
                 <a:close/>
               </a:path>
@@ -11517,15 +11565,12 @@
               </a:rPr>
               <a:t>Procedimento</a:t>
             </a:r>
-            <a:r>
-              <a:rPr lang="en-US" sz="4400" b="1" dirty="0">
-                <a:solidFill>
-                  <a:srgbClr val="4C4F54"/>
-                </a:solidFill>
-                <a:latin typeface="Candara" panose="020E0502030303020204" pitchFamily="34" charset="0"/>
-              </a:rPr>
-              <a:t> 2</a:t>
-            </a:r>
+            <a:endParaRPr lang="en-US" sz="4400" b="1" dirty="0">
+              <a:solidFill>
+                <a:srgbClr val="4C4F54"/>
+              </a:solidFill>
+              <a:latin typeface="Candara" panose="020E0502030303020204" pitchFamily="34" charset="0"/>
+            </a:endParaRPr>
           </a:p>
           <a:p>
             <a:pPr algn="ctr"/>
@@ -11573,6 +11618,636 @@
           </a:prstGeom>
         </p:spPr>
       </p:pic>
+      <p:sp>
+        <p:nvSpPr>
+          <p:cNvPr id="21" name="Freeform 49">
+            <a:extLst>
+              <a:ext uri="{FF2B5EF4-FFF2-40B4-BE49-F238E27FC236}">
+                <a16:creationId xmlns:a16="http://schemas.microsoft.com/office/drawing/2014/main" id="{0F56A11D-DC8B-4C71-8047-0747E22949D3}"/>
+              </a:ext>
+            </a:extLst>
+          </p:cNvPr>
+          <p:cNvSpPr/>
+          <p:nvPr/>
+        </p:nvSpPr>
+        <p:spPr>
+          <a:xfrm>
+            <a:off x="7776" y="5074985"/>
+            <a:ext cx="12184224" cy="1771181"/>
+          </a:xfrm>
+          <a:custGeom>
+            <a:avLst/>
+            <a:gdLst>
+              <a:gd name="connsiteX0" fmla="*/ 0 w 12184224"/>
+              <a:gd name="connsiteY0" fmla="*/ 0 h 2329032"/>
+              <a:gd name="connsiteX1" fmla="*/ 1065006 w 12184224"/>
+              <a:gd name="connsiteY1" fmla="*/ 0 h 2329032"/>
+              <a:gd name="connsiteX2" fmla="*/ 1339325 w 12184224"/>
+              <a:gd name="connsiteY2" fmla="*/ 365759 h 2329032"/>
+              <a:gd name="connsiteX3" fmla="*/ 1613644 w 12184224"/>
+              <a:gd name="connsiteY3" fmla="*/ 0 h 2329032"/>
+              <a:gd name="connsiteX4" fmla="*/ 12184224 w 12184224"/>
+              <a:gd name="connsiteY4" fmla="*/ 0 h 2329032"/>
+              <a:gd name="connsiteX5" fmla="*/ 12184224 w 12184224"/>
+              <a:gd name="connsiteY5" fmla="*/ 2329032 h 2329032"/>
+              <a:gd name="connsiteX6" fmla="*/ 0 w 12184224"/>
+              <a:gd name="connsiteY6" fmla="*/ 2329032 h 2329032"/>
+              <a:gd name="connsiteX0" fmla="*/ 0 w 12184224"/>
+              <a:gd name="connsiteY0" fmla="*/ 0 h 2329032"/>
+              <a:gd name="connsiteX1" fmla="*/ 1065006 w 12184224"/>
+              <a:gd name="connsiteY1" fmla="*/ 0 h 2329032"/>
+              <a:gd name="connsiteX2" fmla="*/ 1309964 w 12184224"/>
+              <a:gd name="connsiteY2" fmla="*/ 7245 h 2329032"/>
+              <a:gd name="connsiteX3" fmla="*/ 1613644 w 12184224"/>
+              <a:gd name="connsiteY3" fmla="*/ 0 h 2329032"/>
+              <a:gd name="connsiteX4" fmla="*/ 12184224 w 12184224"/>
+              <a:gd name="connsiteY4" fmla="*/ 0 h 2329032"/>
+              <a:gd name="connsiteX5" fmla="*/ 12184224 w 12184224"/>
+              <a:gd name="connsiteY5" fmla="*/ 2329032 h 2329032"/>
+              <a:gd name="connsiteX6" fmla="*/ 0 w 12184224"/>
+              <a:gd name="connsiteY6" fmla="*/ 2329032 h 2329032"/>
+              <a:gd name="connsiteX7" fmla="*/ 0 w 12184224"/>
+              <a:gd name="connsiteY7" fmla="*/ 0 h 2329032"/>
+              <a:gd name="connsiteX0" fmla="*/ 0 w 12184224"/>
+              <a:gd name="connsiteY0" fmla="*/ 0 h 2329032"/>
+              <a:gd name="connsiteX1" fmla="*/ 1065006 w 12184224"/>
+              <a:gd name="connsiteY1" fmla="*/ 0 h 2329032"/>
+              <a:gd name="connsiteX2" fmla="*/ 1613644 w 12184224"/>
+              <a:gd name="connsiteY2" fmla="*/ 0 h 2329032"/>
+              <a:gd name="connsiteX3" fmla="*/ 12184224 w 12184224"/>
+              <a:gd name="connsiteY3" fmla="*/ 0 h 2329032"/>
+              <a:gd name="connsiteX4" fmla="*/ 12184224 w 12184224"/>
+              <a:gd name="connsiteY4" fmla="*/ 2329032 h 2329032"/>
+              <a:gd name="connsiteX5" fmla="*/ 0 w 12184224"/>
+              <a:gd name="connsiteY5" fmla="*/ 2329032 h 2329032"/>
+              <a:gd name="connsiteX6" fmla="*/ 0 w 12184224"/>
+              <a:gd name="connsiteY6" fmla="*/ 0 h 2329032"/>
+            </a:gdLst>
+            <a:ahLst/>
+            <a:cxnLst>
+              <a:cxn ang="0">
+                <a:pos x="connsiteX0" y="connsiteY0"/>
+              </a:cxn>
+              <a:cxn ang="0">
+                <a:pos x="connsiteX1" y="connsiteY1"/>
+              </a:cxn>
+              <a:cxn ang="0">
+                <a:pos x="connsiteX2" y="connsiteY2"/>
+              </a:cxn>
+              <a:cxn ang="0">
+                <a:pos x="connsiteX3" y="connsiteY3"/>
+              </a:cxn>
+              <a:cxn ang="0">
+                <a:pos x="connsiteX4" y="connsiteY4"/>
+              </a:cxn>
+              <a:cxn ang="0">
+                <a:pos x="connsiteX5" y="connsiteY5"/>
+              </a:cxn>
+              <a:cxn ang="0">
+                <a:pos x="connsiteX6" y="connsiteY6"/>
+              </a:cxn>
+            </a:cxnLst>
+            <a:rect l="l" t="t" r="r" b="b"/>
+            <a:pathLst>
+              <a:path w="12184224" h="2329032">
+                <a:moveTo>
+                  <a:pt x="0" y="0"/>
+                </a:moveTo>
+                <a:lnTo>
+                  <a:pt x="1065006" y="0"/>
+                </a:lnTo>
+                <a:lnTo>
+                  <a:pt x="1613644" y="0"/>
+                </a:lnTo>
+                <a:lnTo>
+                  <a:pt x="12184224" y="0"/>
+                </a:lnTo>
+                <a:lnTo>
+                  <a:pt x="12184224" y="2329032"/>
+                </a:lnTo>
+                <a:lnTo>
+                  <a:pt x="0" y="2329032"/>
+                </a:lnTo>
+                <a:lnTo>
+                  <a:pt x="0" y="0"/>
+                </a:lnTo>
+                <a:close/>
+              </a:path>
+            </a:pathLst>
+          </a:custGeom>
+          <a:solidFill>
+            <a:srgbClr val="189A80"/>
+          </a:solidFill>
+          <a:ln>
+            <a:noFill/>
+          </a:ln>
+        </p:spPr>
+        <p:style>
+          <a:lnRef idx="2">
+            <a:schemeClr val="accent1">
+              <a:shade val="50000"/>
+            </a:schemeClr>
+          </a:lnRef>
+          <a:fillRef idx="1">
+            <a:schemeClr val="accent1"/>
+          </a:fillRef>
+          <a:effectRef idx="0">
+            <a:schemeClr val="accent1"/>
+          </a:effectRef>
+          <a:fontRef idx="minor">
+            <a:schemeClr val="lt1"/>
+          </a:fontRef>
+        </p:style>
+        <p:txBody>
+          <a:bodyPr rtlCol="0" anchor="ctr"/>
+          <a:lstStyle/>
+          <a:p>
+            <a:pPr algn="ctr"/>
+            <a:endParaRPr lang="en-US"/>
+          </a:p>
+        </p:txBody>
+      </p:sp>
+      <p:sp>
+        <p:nvSpPr>
+          <p:cNvPr id="22" name="TextBox 50">
+            <a:extLst>
+              <a:ext uri="{FF2B5EF4-FFF2-40B4-BE49-F238E27FC236}">
+                <a16:creationId xmlns:a16="http://schemas.microsoft.com/office/drawing/2014/main" id="{6B700C43-9177-45F8-A143-C2B7B9FAA815}"/>
+              </a:ext>
+            </a:extLst>
+          </p:cNvPr>
+          <p:cNvSpPr txBox="1"/>
+          <p:nvPr/>
+        </p:nvSpPr>
+        <p:spPr>
+          <a:xfrm>
+            <a:off x="450775" y="5451280"/>
+            <a:ext cx="10585647" cy="1138773"/>
+          </a:xfrm>
+          <a:prstGeom prst="rect">
+            <a:avLst/>
+          </a:prstGeom>
+          <a:solidFill>
+            <a:srgbClr val="189A80"/>
+          </a:solidFill>
+        </p:spPr>
+        <p:txBody>
+          <a:bodyPr wrap="square" rtlCol="0">
+            <a:spAutoFit/>
+          </a:bodyPr>
+          <a:lstStyle/>
+          <a:p>
+            <a:r>
+              <a:rPr lang="en-US" sz="1600" b="1" dirty="0">
+                <a:solidFill>
+                  <a:schemeClr val="bg1"/>
+                </a:solidFill>
+                <a:latin typeface="Candara" panose="020E0502030303020204" pitchFamily="34" charset="0"/>
+              </a:rPr>
+              <a:t>LOREM IPSUM DOLOR</a:t>
+            </a:r>
+          </a:p>
+          <a:p>
+            <a:endParaRPr lang="en-US" sz="1000" b="1" dirty="0">
+              <a:solidFill>
+                <a:schemeClr val="bg1"/>
+              </a:solidFill>
+              <a:latin typeface="Candara" panose="020E0502030303020204" pitchFamily="34" charset="0"/>
+            </a:endParaRPr>
+          </a:p>
+          <a:p>
+            <a:r>
+              <a:rPr lang="en-US" sz="1400" dirty="0">
+                <a:solidFill>
+                  <a:schemeClr val="bg1"/>
+                </a:solidFill>
+                <a:latin typeface="Candara" panose="020E0502030303020204" pitchFamily="34" charset="0"/>
+              </a:rPr>
+              <a:t>Lorem ipsum dolor sit amet, consectetur adipiscing elit, sed do eiusmod tempor incididunt ut labore et dolore magna aliqua. Ut enim ad minim veniam, quis nostrud exercitation. Lorem ipsum dolor sit amet, consectetur adipiscing elit, sed do eiusmod tempor incididunt ut labore et dolore magna aliqua. Ut enim ad minim veniam, quis nostrud. </a:t>
+            </a:r>
+          </a:p>
+        </p:txBody>
+      </p:sp>
+      <p:sp>
+        <p:nvSpPr>
+          <p:cNvPr id="23" name="Freeform 49">
+            <a:extLst>
+              <a:ext uri="{FF2B5EF4-FFF2-40B4-BE49-F238E27FC236}">
+                <a16:creationId xmlns:a16="http://schemas.microsoft.com/office/drawing/2014/main" id="{EF8EB1B6-13D4-4C7D-BE4D-29734844EB9E}"/>
+              </a:ext>
+            </a:extLst>
+          </p:cNvPr>
+          <p:cNvSpPr/>
+          <p:nvPr/>
+        </p:nvSpPr>
+        <p:spPr>
+          <a:xfrm>
+            <a:off x="7776" y="5074984"/>
+            <a:ext cx="12184224" cy="1771181"/>
+          </a:xfrm>
+          <a:custGeom>
+            <a:avLst/>
+            <a:gdLst>
+              <a:gd name="connsiteX0" fmla="*/ 0 w 12184224"/>
+              <a:gd name="connsiteY0" fmla="*/ 0 h 2329032"/>
+              <a:gd name="connsiteX1" fmla="*/ 1065006 w 12184224"/>
+              <a:gd name="connsiteY1" fmla="*/ 0 h 2329032"/>
+              <a:gd name="connsiteX2" fmla="*/ 1339325 w 12184224"/>
+              <a:gd name="connsiteY2" fmla="*/ 365759 h 2329032"/>
+              <a:gd name="connsiteX3" fmla="*/ 1613644 w 12184224"/>
+              <a:gd name="connsiteY3" fmla="*/ 0 h 2329032"/>
+              <a:gd name="connsiteX4" fmla="*/ 12184224 w 12184224"/>
+              <a:gd name="connsiteY4" fmla="*/ 0 h 2329032"/>
+              <a:gd name="connsiteX5" fmla="*/ 12184224 w 12184224"/>
+              <a:gd name="connsiteY5" fmla="*/ 2329032 h 2329032"/>
+              <a:gd name="connsiteX6" fmla="*/ 0 w 12184224"/>
+              <a:gd name="connsiteY6" fmla="*/ 2329032 h 2329032"/>
+              <a:gd name="connsiteX0" fmla="*/ 0 w 12184224"/>
+              <a:gd name="connsiteY0" fmla="*/ 0 h 2329032"/>
+              <a:gd name="connsiteX1" fmla="*/ 1065006 w 12184224"/>
+              <a:gd name="connsiteY1" fmla="*/ 0 h 2329032"/>
+              <a:gd name="connsiteX2" fmla="*/ 1309964 w 12184224"/>
+              <a:gd name="connsiteY2" fmla="*/ 7245 h 2329032"/>
+              <a:gd name="connsiteX3" fmla="*/ 1613644 w 12184224"/>
+              <a:gd name="connsiteY3" fmla="*/ 0 h 2329032"/>
+              <a:gd name="connsiteX4" fmla="*/ 12184224 w 12184224"/>
+              <a:gd name="connsiteY4" fmla="*/ 0 h 2329032"/>
+              <a:gd name="connsiteX5" fmla="*/ 12184224 w 12184224"/>
+              <a:gd name="connsiteY5" fmla="*/ 2329032 h 2329032"/>
+              <a:gd name="connsiteX6" fmla="*/ 0 w 12184224"/>
+              <a:gd name="connsiteY6" fmla="*/ 2329032 h 2329032"/>
+              <a:gd name="connsiteX7" fmla="*/ 0 w 12184224"/>
+              <a:gd name="connsiteY7" fmla="*/ 0 h 2329032"/>
+              <a:gd name="connsiteX0" fmla="*/ 0 w 12184224"/>
+              <a:gd name="connsiteY0" fmla="*/ 0 h 2329032"/>
+              <a:gd name="connsiteX1" fmla="*/ 1065006 w 12184224"/>
+              <a:gd name="connsiteY1" fmla="*/ 0 h 2329032"/>
+              <a:gd name="connsiteX2" fmla="*/ 1613644 w 12184224"/>
+              <a:gd name="connsiteY2" fmla="*/ 0 h 2329032"/>
+              <a:gd name="connsiteX3" fmla="*/ 12184224 w 12184224"/>
+              <a:gd name="connsiteY3" fmla="*/ 0 h 2329032"/>
+              <a:gd name="connsiteX4" fmla="*/ 12184224 w 12184224"/>
+              <a:gd name="connsiteY4" fmla="*/ 2329032 h 2329032"/>
+              <a:gd name="connsiteX5" fmla="*/ 0 w 12184224"/>
+              <a:gd name="connsiteY5" fmla="*/ 2329032 h 2329032"/>
+              <a:gd name="connsiteX6" fmla="*/ 0 w 12184224"/>
+              <a:gd name="connsiteY6" fmla="*/ 0 h 2329032"/>
+            </a:gdLst>
+            <a:ahLst/>
+            <a:cxnLst>
+              <a:cxn ang="0">
+                <a:pos x="connsiteX0" y="connsiteY0"/>
+              </a:cxn>
+              <a:cxn ang="0">
+                <a:pos x="connsiteX1" y="connsiteY1"/>
+              </a:cxn>
+              <a:cxn ang="0">
+                <a:pos x="connsiteX2" y="connsiteY2"/>
+              </a:cxn>
+              <a:cxn ang="0">
+                <a:pos x="connsiteX3" y="connsiteY3"/>
+              </a:cxn>
+              <a:cxn ang="0">
+                <a:pos x="connsiteX4" y="connsiteY4"/>
+              </a:cxn>
+              <a:cxn ang="0">
+                <a:pos x="connsiteX5" y="connsiteY5"/>
+              </a:cxn>
+              <a:cxn ang="0">
+                <a:pos x="connsiteX6" y="connsiteY6"/>
+              </a:cxn>
+            </a:cxnLst>
+            <a:rect l="l" t="t" r="r" b="b"/>
+            <a:pathLst>
+              <a:path w="12184224" h="2329032">
+                <a:moveTo>
+                  <a:pt x="0" y="0"/>
+                </a:moveTo>
+                <a:lnTo>
+                  <a:pt x="1065006" y="0"/>
+                </a:lnTo>
+                <a:lnTo>
+                  <a:pt x="1613644" y="0"/>
+                </a:lnTo>
+                <a:lnTo>
+                  <a:pt x="12184224" y="0"/>
+                </a:lnTo>
+                <a:lnTo>
+                  <a:pt x="12184224" y="2329032"/>
+                </a:lnTo>
+                <a:lnTo>
+                  <a:pt x="0" y="2329032"/>
+                </a:lnTo>
+                <a:lnTo>
+                  <a:pt x="0" y="0"/>
+                </a:lnTo>
+                <a:close/>
+              </a:path>
+            </a:pathLst>
+          </a:custGeom>
+          <a:solidFill>
+            <a:srgbClr val="EF9D27"/>
+          </a:solidFill>
+          <a:ln>
+            <a:noFill/>
+          </a:ln>
+        </p:spPr>
+        <p:style>
+          <a:lnRef idx="2">
+            <a:schemeClr val="accent1">
+              <a:shade val="50000"/>
+            </a:schemeClr>
+          </a:lnRef>
+          <a:fillRef idx="1">
+            <a:schemeClr val="accent1"/>
+          </a:fillRef>
+          <a:effectRef idx="0">
+            <a:schemeClr val="accent1"/>
+          </a:effectRef>
+          <a:fontRef idx="minor">
+            <a:schemeClr val="lt1"/>
+          </a:fontRef>
+        </p:style>
+        <p:txBody>
+          <a:bodyPr rtlCol="0" anchor="ctr"/>
+          <a:lstStyle/>
+          <a:p>
+            <a:pPr algn="ctr"/>
+            <a:endParaRPr lang="en-US"/>
+          </a:p>
+        </p:txBody>
+      </p:sp>
+      <p:sp>
+        <p:nvSpPr>
+          <p:cNvPr id="24" name="TextBox 50">
+            <a:extLst>
+              <a:ext uri="{FF2B5EF4-FFF2-40B4-BE49-F238E27FC236}">
+                <a16:creationId xmlns:a16="http://schemas.microsoft.com/office/drawing/2014/main" id="{79AFA067-C86B-4371-A885-3ADE73D714FF}"/>
+              </a:ext>
+            </a:extLst>
+          </p:cNvPr>
+          <p:cNvSpPr txBox="1"/>
+          <p:nvPr/>
+        </p:nvSpPr>
+        <p:spPr>
+          <a:xfrm>
+            <a:off x="450775" y="5465985"/>
+            <a:ext cx="10585647" cy="1138773"/>
+          </a:xfrm>
+          <a:prstGeom prst="rect">
+            <a:avLst/>
+          </a:prstGeom>
+          <a:solidFill>
+            <a:srgbClr val="EF9D27"/>
+          </a:solidFill>
+        </p:spPr>
+        <p:txBody>
+          <a:bodyPr wrap="square" rtlCol="0">
+            <a:spAutoFit/>
+          </a:bodyPr>
+          <a:lstStyle/>
+          <a:p>
+            <a:r>
+              <a:rPr lang="en-US" sz="1600" b="1" dirty="0">
+                <a:solidFill>
+                  <a:schemeClr val="bg1"/>
+                </a:solidFill>
+                <a:latin typeface="Candara" panose="020E0502030303020204" pitchFamily="34" charset="0"/>
+              </a:rPr>
+              <a:t>LOREM IPSUM DOLOR</a:t>
+            </a:r>
+          </a:p>
+          <a:p>
+            <a:endParaRPr lang="en-US" sz="1000" b="1" dirty="0">
+              <a:solidFill>
+                <a:schemeClr val="bg1"/>
+              </a:solidFill>
+              <a:latin typeface="Candara" panose="020E0502030303020204" pitchFamily="34" charset="0"/>
+            </a:endParaRPr>
+          </a:p>
+          <a:p>
+            <a:r>
+              <a:rPr lang="en-US" sz="1400" dirty="0">
+                <a:solidFill>
+                  <a:schemeClr val="bg1"/>
+                </a:solidFill>
+                <a:latin typeface="Candara" panose="020E0502030303020204" pitchFamily="34" charset="0"/>
+              </a:rPr>
+              <a:t>Lorem ipsum dolor sit amet, consectetur adipiscing elit, sed do eiusmod tempor incididunt ut labore et dolore magna aliqua. Ut enim ad minim veniam, quis nostrud exercitation. Lorem ipsum dolor sit amet, consectetur adipiscing elit, sed do eiusmod tempor incididunt ut labore et dolore magna aliqua. Ut enim ad minim veniam, quis nostrud. </a:t>
+            </a:r>
+          </a:p>
+        </p:txBody>
+      </p:sp>
+      <p:sp>
+        <p:nvSpPr>
+          <p:cNvPr id="25" name="Freeform 49">
+            <a:extLst>
+              <a:ext uri="{FF2B5EF4-FFF2-40B4-BE49-F238E27FC236}">
+                <a16:creationId xmlns:a16="http://schemas.microsoft.com/office/drawing/2014/main" id="{7CF41F8A-DA66-4806-A033-86EA2E6EADB1}"/>
+              </a:ext>
+            </a:extLst>
+          </p:cNvPr>
+          <p:cNvSpPr/>
+          <p:nvPr/>
+        </p:nvSpPr>
+        <p:spPr>
+          <a:xfrm>
+            <a:off x="7776" y="5073419"/>
+            <a:ext cx="12184224" cy="1771181"/>
+          </a:xfrm>
+          <a:custGeom>
+            <a:avLst/>
+            <a:gdLst>
+              <a:gd name="connsiteX0" fmla="*/ 0 w 12184224"/>
+              <a:gd name="connsiteY0" fmla="*/ 0 h 2329032"/>
+              <a:gd name="connsiteX1" fmla="*/ 1065006 w 12184224"/>
+              <a:gd name="connsiteY1" fmla="*/ 0 h 2329032"/>
+              <a:gd name="connsiteX2" fmla="*/ 1339325 w 12184224"/>
+              <a:gd name="connsiteY2" fmla="*/ 365759 h 2329032"/>
+              <a:gd name="connsiteX3" fmla="*/ 1613644 w 12184224"/>
+              <a:gd name="connsiteY3" fmla="*/ 0 h 2329032"/>
+              <a:gd name="connsiteX4" fmla="*/ 12184224 w 12184224"/>
+              <a:gd name="connsiteY4" fmla="*/ 0 h 2329032"/>
+              <a:gd name="connsiteX5" fmla="*/ 12184224 w 12184224"/>
+              <a:gd name="connsiteY5" fmla="*/ 2329032 h 2329032"/>
+              <a:gd name="connsiteX6" fmla="*/ 0 w 12184224"/>
+              <a:gd name="connsiteY6" fmla="*/ 2329032 h 2329032"/>
+              <a:gd name="connsiteX0" fmla="*/ 0 w 12184224"/>
+              <a:gd name="connsiteY0" fmla="*/ 0 h 2329032"/>
+              <a:gd name="connsiteX1" fmla="*/ 1065006 w 12184224"/>
+              <a:gd name="connsiteY1" fmla="*/ 0 h 2329032"/>
+              <a:gd name="connsiteX2" fmla="*/ 1309964 w 12184224"/>
+              <a:gd name="connsiteY2" fmla="*/ 7245 h 2329032"/>
+              <a:gd name="connsiteX3" fmla="*/ 1613644 w 12184224"/>
+              <a:gd name="connsiteY3" fmla="*/ 0 h 2329032"/>
+              <a:gd name="connsiteX4" fmla="*/ 12184224 w 12184224"/>
+              <a:gd name="connsiteY4" fmla="*/ 0 h 2329032"/>
+              <a:gd name="connsiteX5" fmla="*/ 12184224 w 12184224"/>
+              <a:gd name="connsiteY5" fmla="*/ 2329032 h 2329032"/>
+              <a:gd name="connsiteX6" fmla="*/ 0 w 12184224"/>
+              <a:gd name="connsiteY6" fmla="*/ 2329032 h 2329032"/>
+              <a:gd name="connsiteX7" fmla="*/ 0 w 12184224"/>
+              <a:gd name="connsiteY7" fmla="*/ 0 h 2329032"/>
+              <a:gd name="connsiteX0" fmla="*/ 0 w 12184224"/>
+              <a:gd name="connsiteY0" fmla="*/ 0 h 2329032"/>
+              <a:gd name="connsiteX1" fmla="*/ 1065006 w 12184224"/>
+              <a:gd name="connsiteY1" fmla="*/ 0 h 2329032"/>
+              <a:gd name="connsiteX2" fmla="*/ 1613644 w 12184224"/>
+              <a:gd name="connsiteY2" fmla="*/ 0 h 2329032"/>
+              <a:gd name="connsiteX3" fmla="*/ 12184224 w 12184224"/>
+              <a:gd name="connsiteY3" fmla="*/ 0 h 2329032"/>
+              <a:gd name="connsiteX4" fmla="*/ 12184224 w 12184224"/>
+              <a:gd name="connsiteY4" fmla="*/ 2329032 h 2329032"/>
+              <a:gd name="connsiteX5" fmla="*/ 0 w 12184224"/>
+              <a:gd name="connsiteY5" fmla="*/ 2329032 h 2329032"/>
+              <a:gd name="connsiteX6" fmla="*/ 0 w 12184224"/>
+              <a:gd name="connsiteY6" fmla="*/ 0 h 2329032"/>
+            </a:gdLst>
+            <a:ahLst/>
+            <a:cxnLst>
+              <a:cxn ang="0">
+                <a:pos x="connsiteX0" y="connsiteY0"/>
+              </a:cxn>
+              <a:cxn ang="0">
+                <a:pos x="connsiteX1" y="connsiteY1"/>
+              </a:cxn>
+              <a:cxn ang="0">
+                <a:pos x="connsiteX2" y="connsiteY2"/>
+              </a:cxn>
+              <a:cxn ang="0">
+                <a:pos x="connsiteX3" y="connsiteY3"/>
+              </a:cxn>
+              <a:cxn ang="0">
+                <a:pos x="connsiteX4" y="connsiteY4"/>
+              </a:cxn>
+              <a:cxn ang="0">
+                <a:pos x="connsiteX5" y="connsiteY5"/>
+              </a:cxn>
+              <a:cxn ang="0">
+                <a:pos x="connsiteX6" y="connsiteY6"/>
+              </a:cxn>
+            </a:cxnLst>
+            <a:rect l="l" t="t" r="r" b="b"/>
+            <a:pathLst>
+              <a:path w="12184224" h="2329032">
+                <a:moveTo>
+                  <a:pt x="0" y="0"/>
+                </a:moveTo>
+                <a:lnTo>
+                  <a:pt x="1065006" y="0"/>
+                </a:lnTo>
+                <a:lnTo>
+                  <a:pt x="1613644" y="0"/>
+                </a:lnTo>
+                <a:lnTo>
+                  <a:pt x="12184224" y="0"/>
+                </a:lnTo>
+                <a:lnTo>
+                  <a:pt x="12184224" y="2329032"/>
+                </a:lnTo>
+                <a:lnTo>
+                  <a:pt x="0" y="2329032"/>
+                </a:lnTo>
+                <a:lnTo>
+                  <a:pt x="0" y="0"/>
+                </a:lnTo>
+                <a:close/>
+              </a:path>
+            </a:pathLst>
+          </a:custGeom>
+          <a:solidFill>
+            <a:srgbClr val="D34132"/>
+          </a:solidFill>
+          <a:ln>
+            <a:noFill/>
+          </a:ln>
+        </p:spPr>
+        <p:style>
+          <a:lnRef idx="2">
+            <a:schemeClr val="accent1">
+              <a:shade val="50000"/>
+            </a:schemeClr>
+          </a:lnRef>
+          <a:fillRef idx="1">
+            <a:schemeClr val="accent1"/>
+          </a:fillRef>
+          <a:effectRef idx="0">
+            <a:schemeClr val="accent1"/>
+          </a:effectRef>
+          <a:fontRef idx="minor">
+            <a:schemeClr val="lt1"/>
+          </a:fontRef>
+        </p:style>
+        <p:txBody>
+          <a:bodyPr rtlCol="0" anchor="ctr"/>
+          <a:lstStyle/>
+          <a:p>
+            <a:pPr algn="ctr"/>
+            <a:endParaRPr lang="en-US"/>
+          </a:p>
+        </p:txBody>
+      </p:sp>
+      <p:sp>
+        <p:nvSpPr>
+          <p:cNvPr id="26" name="TextBox 50">
+            <a:extLst>
+              <a:ext uri="{FF2B5EF4-FFF2-40B4-BE49-F238E27FC236}">
+                <a16:creationId xmlns:a16="http://schemas.microsoft.com/office/drawing/2014/main" id="{1258FD76-DFA2-4547-84FF-9DC776774672}"/>
+              </a:ext>
+            </a:extLst>
+          </p:cNvPr>
+          <p:cNvSpPr txBox="1"/>
+          <p:nvPr/>
+        </p:nvSpPr>
+        <p:spPr>
+          <a:xfrm>
+            <a:off x="450775" y="5449714"/>
+            <a:ext cx="10585647" cy="1138773"/>
+          </a:xfrm>
+          <a:prstGeom prst="rect">
+            <a:avLst/>
+          </a:prstGeom>
+          <a:solidFill>
+            <a:srgbClr val="D34132"/>
+          </a:solidFill>
+        </p:spPr>
+        <p:txBody>
+          <a:bodyPr wrap="square" rtlCol="0">
+            <a:spAutoFit/>
+          </a:bodyPr>
+          <a:lstStyle/>
+          <a:p>
+            <a:r>
+              <a:rPr lang="en-US" sz="1600" b="1" dirty="0">
+                <a:solidFill>
+                  <a:schemeClr val="bg1"/>
+                </a:solidFill>
+                <a:latin typeface="Candara" panose="020E0502030303020204" pitchFamily="34" charset="0"/>
+              </a:rPr>
+              <a:t>LOREM IPSUM DOLOR</a:t>
+            </a:r>
+          </a:p>
+          <a:p>
+            <a:endParaRPr lang="en-US" sz="1000" b="1" dirty="0">
+              <a:solidFill>
+                <a:schemeClr val="bg1"/>
+              </a:solidFill>
+              <a:latin typeface="Candara" panose="020E0502030303020204" pitchFamily="34" charset="0"/>
+            </a:endParaRPr>
+          </a:p>
+          <a:p>
+            <a:r>
+              <a:rPr lang="en-US" sz="1400" dirty="0">
+                <a:solidFill>
+                  <a:schemeClr val="bg1"/>
+                </a:solidFill>
+                <a:latin typeface="Candara" panose="020E0502030303020204" pitchFamily="34" charset="0"/>
+              </a:rPr>
+              <a:t>Lorem ipsum dolor sit amet, consectetur adipiscing elit, sed do eiusmod tempor incididunt ut labore et dolore magna aliqua. Ut enim ad minim veniam, quis nostrud exercitation. Lorem ipsum dolor sit amet, consectetur adipiscing elit, sed do eiusmod tempor incididunt ut labore et dolore magna aliqua. Ut enim ad minim veniam, quis nostrud. </a:t>
+            </a:r>
+          </a:p>
+        </p:txBody>
+      </p:sp>
     </p:spTree>
     <p:extLst>
       <p:ext uri="{BB962C8B-B14F-4D97-AF65-F5344CB8AC3E}">
@@ -12994,6 +13669,546 @@
                       </p:childTnLst>
                     </p:cTn>
                   </p:par>
+                  <p:par>
+                    <p:cTn id="99" fill="hold">
+                      <p:stCondLst>
+                        <p:cond delay="indefinite"/>
+                      </p:stCondLst>
+                      <p:childTnLst>
+                        <p:par>
+                          <p:cTn id="100" fill="hold">
+                            <p:stCondLst>
+                              <p:cond delay="0"/>
+                            </p:stCondLst>
+                            <p:childTnLst>
+                              <p:par>
+                                <p:cTn id="101" presetID="42" presetClass="entr" presetSubtype="0" fill="hold" grpId="0" nodeType="clickEffect">
+                                  <p:stCondLst>
+                                    <p:cond delay="0"/>
+                                  </p:stCondLst>
+                                  <p:childTnLst>
+                                    <p:set>
+                                      <p:cBhvr>
+                                        <p:cTn id="102" dur="1" fill="hold">
+                                          <p:stCondLst>
+                                            <p:cond delay="0"/>
+                                          </p:stCondLst>
+                                        </p:cTn>
+                                        <p:tgtEl>
+                                          <p:spTgt spid="21"/>
+                                        </p:tgtEl>
+                                        <p:attrNameLst>
+                                          <p:attrName>style.visibility</p:attrName>
+                                        </p:attrNameLst>
+                                      </p:cBhvr>
+                                      <p:to>
+                                        <p:strVal val="visible"/>
+                                      </p:to>
+                                    </p:set>
+                                    <p:animEffect transition="in" filter="fade">
+                                      <p:cBhvr>
+                                        <p:cTn id="103" dur="1000"/>
+                                        <p:tgtEl>
+                                          <p:spTgt spid="21"/>
+                                        </p:tgtEl>
+                                      </p:cBhvr>
+                                    </p:animEffect>
+                                    <p:anim calcmode="lin" valueType="num">
+                                      <p:cBhvr>
+                                        <p:cTn id="104" dur="1000" fill="hold"/>
+                                        <p:tgtEl>
+                                          <p:spTgt spid="21"/>
+                                        </p:tgtEl>
+                                        <p:attrNameLst>
+                                          <p:attrName>ppt_x</p:attrName>
+                                        </p:attrNameLst>
+                                      </p:cBhvr>
+                                      <p:tavLst>
+                                        <p:tav tm="0">
+                                          <p:val>
+                                            <p:strVal val="#ppt_x"/>
+                                          </p:val>
+                                        </p:tav>
+                                        <p:tav tm="100000">
+                                          <p:val>
+                                            <p:strVal val="#ppt_x"/>
+                                          </p:val>
+                                        </p:tav>
+                                      </p:tavLst>
+                                    </p:anim>
+                                    <p:anim calcmode="lin" valueType="num">
+                                      <p:cBhvr>
+                                        <p:cTn id="105" dur="1000" fill="hold"/>
+                                        <p:tgtEl>
+                                          <p:spTgt spid="21"/>
+                                        </p:tgtEl>
+                                        <p:attrNameLst>
+                                          <p:attrName>ppt_y</p:attrName>
+                                        </p:attrNameLst>
+                                      </p:cBhvr>
+                                      <p:tavLst>
+                                        <p:tav tm="0">
+                                          <p:val>
+                                            <p:strVal val="#ppt_y+.1"/>
+                                          </p:val>
+                                        </p:tav>
+                                        <p:tav tm="100000">
+                                          <p:val>
+                                            <p:strVal val="#ppt_y"/>
+                                          </p:val>
+                                        </p:tav>
+                                      </p:tavLst>
+                                    </p:anim>
+                                  </p:childTnLst>
+                                </p:cTn>
+                              </p:par>
+                              <p:par>
+                                <p:cTn id="106" presetID="42" presetClass="entr" presetSubtype="0" fill="hold" grpId="0" nodeType="withEffect">
+                                  <p:stCondLst>
+                                    <p:cond delay="0"/>
+                                  </p:stCondLst>
+                                  <p:childTnLst>
+                                    <p:set>
+                                      <p:cBhvr>
+                                        <p:cTn id="107" dur="1" fill="hold">
+                                          <p:stCondLst>
+                                            <p:cond delay="0"/>
+                                          </p:stCondLst>
+                                        </p:cTn>
+                                        <p:tgtEl>
+                                          <p:spTgt spid="22"/>
+                                        </p:tgtEl>
+                                        <p:attrNameLst>
+                                          <p:attrName>style.visibility</p:attrName>
+                                        </p:attrNameLst>
+                                      </p:cBhvr>
+                                      <p:to>
+                                        <p:strVal val="visible"/>
+                                      </p:to>
+                                    </p:set>
+                                    <p:animEffect transition="in" filter="fade">
+                                      <p:cBhvr>
+                                        <p:cTn id="108" dur="1000"/>
+                                        <p:tgtEl>
+                                          <p:spTgt spid="22"/>
+                                        </p:tgtEl>
+                                      </p:cBhvr>
+                                    </p:animEffect>
+                                    <p:anim calcmode="lin" valueType="num">
+                                      <p:cBhvr>
+                                        <p:cTn id="109" dur="1000" fill="hold"/>
+                                        <p:tgtEl>
+                                          <p:spTgt spid="22"/>
+                                        </p:tgtEl>
+                                        <p:attrNameLst>
+                                          <p:attrName>ppt_x</p:attrName>
+                                        </p:attrNameLst>
+                                      </p:cBhvr>
+                                      <p:tavLst>
+                                        <p:tav tm="0">
+                                          <p:val>
+                                            <p:strVal val="#ppt_x"/>
+                                          </p:val>
+                                        </p:tav>
+                                        <p:tav tm="100000">
+                                          <p:val>
+                                            <p:strVal val="#ppt_x"/>
+                                          </p:val>
+                                        </p:tav>
+                                      </p:tavLst>
+                                    </p:anim>
+                                    <p:anim calcmode="lin" valueType="num">
+                                      <p:cBhvr>
+                                        <p:cTn id="110" dur="1000" fill="hold"/>
+                                        <p:tgtEl>
+                                          <p:spTgt spid="22"/>
+                                        </p:tgtEl>
+                                        <p:attrNameLst>
+                                          <p:attrName>ppt_y</p:attrName>
+                                        </p:attrNameLst>
+                                      </p:cBhvr>
+                                      <p:tavLst>
+                                        <p:tav tm="0">
+                                          <p:val>
+                                            <p:strVal val="#ppt_y+.1"/>
+                                          </p:val>
+                                        </p:tav>
+                                        <p:tav tm="100000">
+                                          <p:val>
+                                            <p:strVal val="#ppt_y"/>
+                                          </p:val>
+                                        </p:tav>
+                                      </p:tavLst>
+                                    </p:anim>
+                                  </p:childTnLst>
+                                </p:cTn>
+                              </p:par>
+                            </p:childTnLst>
+                          </p:cTn>
+                        </p:par>
+                      </p:childTnLst>
+                    </p:cTn>
+                  </p:par>
+                  <p:par>
+                    <p:cTn id="111" fill="hold">
+                      <p:stCondLst>
+                        <p:cond delay="indefinite"/>
+                      </p:stCondLst>
+                      <p:childTnLst>
+                        <p:par>
+                          <p:cTn id="112" fill="hold">
+                            <p:stCondLst>
+                              <p:cond delay="0"/>
+                            </p:stCondLst>
+                            <p:childTnLst>
+                              <p:par>
+                                <p:cTn id="113" presetID="42" presetClass="entr" presetSubtype="0" fill="hold" grpId="0" nodeType="clickEffect">
+                                  <p:stCondLst>
+                                    <p:cond delay="0"/>
+                                  </p:stCondLst>
+                                  <p:childTnLst>
+                                    <p:set>
+                                      <p:cBhvr>
+                                        <p:cTn id="114" dur="1" fill="hold">
+                                          <p:stCondLst>
+                                            <p:cond delay="0"/>
+                                          </p:stCondLst>
+                                        </p:cTn>
+                                        <p:tgtEl>
+                                          <p:spTgt spid="23"/>
+                                        </p:tgtEl>
+                                        <p:attrNameLst>
+                                          <p:attrName>style.visibility</p:attrName>
+                                        </p:attrNameLst>
+                                      </p:cBhvr>
+                                      <p:to>
+                                        <p:strVal val="visible"/>
+                                      </p:to>
+                                    </p:set>
+                                    <p:animEffect transition="in" filter="fade">
+                                      <p:cBhvr>
+                                        <p:cTn id="115" dur="1000"/>
+                                        <p:tgtEl>
+                                          <p:spTgt spid="23"/>
+                                        </p:tgtEl>
+                                      </p:cBhvr>
+                                    </p:animEffect>
+                                    <p:anim calcmode="lin" valueType="num">
+                                      <p:cBhvr>
+                                        <p:cTn id="116" dur="1000" fill="hold"/>
+                                        <p:tgtEl>
+                                          <p:spTgt spid="23"/>
+                                        </p:tgtEl>
+                                        <p:attrNameLst>
+                                          <p:attrName>ppt_x</p:attrName>
+                                        </p:attrNameLst>
+                                      </p:cBhvr>
+                                      <p:tavLst>
+                                        <p:tav tm="0">
+                                          <p:val>
+                                            <p:strVal val="#ppt_x"/>
+                                          </p:val>
+                                        </p:tav>
+                                        <p:tav tm="100000">
+                                          <p:val>
+                                            <p:strVal val="#ppt_x"/>
+                                          </p:val>
+                                        </p:tav>
+                                      </p:tavLst>
+                                    </p:anim>
+                                    <p:anim calcmode="lin" valueType="num">
+                                      <p:cBhvr>
+                                        <p:cTn id="117" dur="1000" fill="hold"/>
+                                        <p:tgtEl>
+                                          <p:spTgt spid="23"/>
+                                        </p:tgtEl>
+                                        <p:attrNameLst>
+                                          <p:attrName>ppt_y</p:attrName>
+                                        </p:attrNameLst>
+                                      </p:cBhvr>
+                                      <p:tavLst>
+                                        <p:tav tm="0">
+                                          <p:val>
+                                            <p:strVal val="#ppt_y+.1"/>
+                                          </p:val>
+                                        </p:tav>
+                                        <p:tav tm="100000">
+                                          <p:val>
+                                            <p:strVal val="#ppt_y"/>
+                                          </p:val>
+                                        </p:tav>
+                                      </p:tavLst>
+                                    </p:anim>
+                                  </p:childTnLst>
+                                </p:cTn>
+                              </p:par>
+                              <p:par>
+                                <p:cTn id="118" presetID="42" presetClass="entr" presetSubtype="0" fill="hold" grpId="0" nodeType="withEffect">
+                                  <p:stCondLst>
+                                    <p:cond delay="0"/>
+                                  </p:stCondLst>
+                                  <p:childTnLst>
+                                    <p:set>
+                                      <p:cBhvr>
+                                        <p:cTn id="119" dur="1" fill="hold">
+                                          <p:stCondLst>
+                                            <p:cond delay="0"/>
+                                          </p:stCondLst>
+                                        </p:cTn>
+                                        <p:tgtEl>
+                                          <p:spTgt spid="24"/>
+                                        </p:tgtEl>
+                                        <p:attrNameLst>
+                                          <p:attrName>style.visibility</p:attrName>
+                                        </p:attrNameLst>
+                                      </p:cBhvr>
+                                      <p:to>
+                                        <p:strVal val="visible"/>
+                                      </p:to>
+                                    </p:set>
+                                    <p:animEffect transition="in" filter="fade">
+                                      <p:cBhvr>
+                                        <p:cTn id="120" dur="1000"/>
+                                        <p:tgtEl>
+                                          <p:spTgt spid="24"/>
+                                        </p:tgtEl>
+                                      </p:cBhvr>
+                                    </p:animEffect>
+                                    <p:anim calcmode="lin" valueType="num">
+                                      <p:cBhvr>
+                                        <p:cTn id="121" dur="1000" fill="hold"/>
+                                        <p:tgtEl>
+                                          <p:spTgt spid="24"/>
+                                        </p:tgtEl>
+                                        <p:attrNameLst>
+                                          <p:attrName>ppt_x</p:attrName>
+                                        </p:attrNameLst>
+                                      </p:cBhvr>
+                                      <p:tavLst>
+                                        <p:tav tm="0">
+                                          <p:val>
+                                            <p:strVal val="#ppt_x"/>
+                                          </p:val>
+                                        </p:tav>
+                                        <p:tav tm="100000">
+                                          <p:val>
+                                            <p:strVal val="#ppt_x"/>
+                                          </p:val>
+                                        </p:tav>
+                                      </p:tavLst>
+                                    </p:anim>
+                                    <p:anim calcmode="lin" valueType="num">
+                                      <p:cBhvr>
+                                        <p:cTn id="122" dur="1000" fill="hold"/>
+                                        <p:tgtEl>
+                                          <p:spTgt spid="24"/>
+                                        </p:tgtEl>
+                                        <p:attrNameLst>
+                                          <p:attrName>ppt_y</p:attrName>
+                                        </p:attrNameLst>
+                                      </p:cBhvr>
+                                      <p:tavLst>
+                                        <p:tav tm="0">
+                                          <p:val>
+                                            <p:strVal val="#ppt_y+.1"/>
+                                          </p:val>
+                                        </p:tav>
+                                        <p:tav tm="100000">
+                                          <p:val>
+                                            <p:strVal val="#ppt_y"/>
+                                          </p:val>
+                                        </p:tav>
+                                      </p:tavLst>
+                                    </p:anim>
+                                  </p:childTnLst>
+                                </p:cTn>
+                              </p:par>
+                            </p:childTnLst>
+                          </p:cTn>
+                        </p:par>
+                      </p:childTnLst>
+                    </p:cTn>
+                  </p:par>
+                  <p:par>
+                    <p:cTn id="123" fill="hold">
+                      <p:stCondLst>
+                        <p:cond delay="indefinite"/>
+                      </p:stCondLst>
+                      <p:childTnLst>
+                        <p:par>
+                          <p:cTn id="124" fill="hold">
+                            <p:stCondLst>
+                              <p:cond delay="0"/>
+                            </p:stCondLst>
+                            <p:childTnLst>
+                              <p:par>
+                                <p:cTn id="125" presetID="42" presetClass="entr" presetSubtype="0" fill="hold" grpId="0" nodeType="clickEffect">
+                                  <p:stCondLst>
+                                    <p:cond delay="0"/>
+                                  </p:stCondLst>
+                                  <p:childTnLst>
+                                    <p:set>
+                                      <p:cBhvr>
+                                        <p:cTn id="126" dur="1" fill="hold">
+                                          <p:stCondLst>
+                                            <p:cond delay="0"/>
+                                          </p:stCondLst>
+                                        </p:cTn>
+                                        <p:tgtEl>
+                                          <p:spTgt spid="25"/>
+                                        </p:tgtEl>
+                                        <p:attrNameLst>
+                                          <p:attrName>style.visibility</p:attrName>
+                                        </p:attrNameLst>
+                                      </p:cBhvr>
+                                      <p:to>
+                                        <p:strVal val="visible"/>
+                                      </p:to>
+                                    </p:set>
+                                    <p:animEffect transition="in" filter="fade">
+                                      <p:cBhvr>
+                                        <p:cTn id="127" dur="1000"/>
+                                        <p:tgtEl>
+                                          <p:spTgt spid="25"/>
+                                        </p:tgtEl>
+                                      </p:cBhvr>
+                                    </p:animEffect>
+                                    <p:anim calcmode="lin" valueType="num">
+                                      <p:cBhvr>
+                                        <p:cTn id="128" dur="1000" fill="hold"/>
+                                        <p:tgtEl>
+                                          <p:spTgt spid="25"/>
+                                        </p:tgtEl>
+                                        <p:attrNameLst>
+                                          <p:attrName>ppt_x</p:attrName>
+                                        </p:attrNameLst>
+                                      </p:cBhvr>
+                                      <p:tavLst>
+                                        <p:tav tm="0">
+                                          <p:val>
+                                            <p:strVal val="#ppt_x"/>
+                                          </p:val>
+                                        </p:tav>
+                                        <p:tav tm="100000">
+                                          <p:val>
+                                            <p:strVal val="#ppt_x"/>
+                                          </p:val>
+                                        </p:tav>
+                                      </p:tavLst>
+                                    </p:anim>
+                                    <p:anim calcmode="lin" valueType="num">
+                                      <p:cBhvr>
+                                        <p:cTn id="129" dur="1000" fill="hold"/>
+                                        <p:tgtEl>
+                                          <p:spTgt spid="25"/>
+                                        </p:tgtEl>
+                                        <p:attrNameLst>
+                                          <p:attrName>ppt_y</p:attrName>
+                                        </p:attrNameLst>
+                                      </p:cBhvr>
+                                      <p:tavLst>
+                                        <p:tav tm="0">
+                                          <p:val>
+                                            <p:strVal val="#ppt_y+.1"/>
+                                          </p:val>
+                                        </p:tav>
+                                        <p:tav tm="100000">
+                                          <p:val>
+                                            <p:strVal val="#ppt_y"/>
+                                          </p:val>
+                                        </p:tav>
+                                      </p:tavLst>
+                                    </p:anim>
+                                  </p:childTnLst>
+                                </p:cTn>
+                              </p:par>
+                              <p:par>
+                                <p:cTn id="130" presetID="42" presetClass="entr" presetSubtype="0" fill="hold" grpId="0" nodeType="withEffect">
+                                  <p:stCondLst>
+                                    <p:cond delay="0"/>
+                                  </p:stCondLst>
+                                  <p:childTnLst>
+                                    <p:set>
+                                      <p:cBhvr>
+                                        <p:cTn id="131" dur="1" fill="hold">
+                                          <p:stCondLst>
+                                            <p:cond delay="0"/>
+                                          </p:stCondLst>
+                                        </p:cTn>
+                                        <p:tgtEl>
+                                          <p:spTgt spid="26"/>
+                                        </p:tgtEl>
+                                        <p:attrNameLst>
+                                          <p:attrName>style.visibility</p:attrName>
+                                        </p:attrNameLst>
+                                      </p:cBhvr>
+                                      <p:to>
+                                        <p:strVal val="visible"/>
+                                      </p:to>
+                                    </p:set>
+                                    <p:animEffect transition="in" filter="fade">
+                                      <p:cBhvr>
+                                        <p:cTn id="132" dur="1000"/>
+                                        <p:tgtEl>
+                                          <p:spTgt spid="26"/>
+                                        </p:tgtEl>
+                                      </p:cBhvr>
+                                    </p:animEffect>
+                                    <p:anim calcmode="lin" valueType="num">
+                                      <p:cBhvr>
+                                        <p:cTn id="133" dur="1000" fill="hold"/>
+                                        <p:tgtEl>
+                                          <p:spTgt spid="26"/>
+                                        </p:tgtEl>
+                                        <p:attrNameLst>
+                                          <p:attrName>ppt_x</p:attrName>
+                                        </p:attrNameLst>
+                                      </p:cBhvr>
+                                      <p:tavLst>
+                                        <p:tav tm="0">
+                                          <p:val>
+                                            <p:strVal val="#ppt_x"/>
+                                          </p:val>
+                                        </p:tav>
+                                        <p:tav tm="100000">
+                                          <p:val>
+                                            <p:strVal val="#ppt_x"/>
+                                          </p:val>
+                                        </p:tav>
+                                      </p:tavLst>
+                                    </p:anim>
+                                    <p:anim calcmode="lin" valueType="num">
+                                      <p:cBhvr>
+                                        <p:cTn id="134" dur="1000" fill="hold"/>
+                                        <p:tgtEl>
+                                          <p:spTgt spid="26"/>
+                                        </p:tgtEl>
+                                        <p:attrNameLst>
+                                          <p:attrName>ppt_y</p:attrName>
+                                        </p:attrNameLst>
+                                      </p:cBhvr>
+                                      <p:tavLst>
+                                        <p:tav tm="0">
+                                          <p:val>
+                                            <p:strVal val="#ppt_y+.1"/>
+                                          </p:val>
+                                        </p:tav>
+                                        <p:tav tm="100000">
+                                          <p:val>
+                                            <p:strVal val="#ppt_y"/>
+                                          </p:val>
+                                        </p:tav>
+                                      </p:tavLst>
+                                    </p:anim>
+                                  </p:childTnLst>
+                                </p:cTn>
+                              </p:par>
+                            </p:childTnLst>
+                          </p:cTn>
+                        </p:par>
+                      </p:childTnLst>
+                    </p:cTn>
+                  </p:par>
                 </p:childTnLst>
               </p:cTn>
               <p:prevCondLst>
@@ -13034,6 +14249,12 @@
       <p:bldP spid="48" grpId="0"/>
       <p:bldP spid="49" grpId="0"/>
       <p:bldP spid="54" grpId="0"/>
+      <p:bldP spid="21" grpId="0" animBg="1"/>
+      <p:bldP spid="22" grpId="0" animBg="1"/>
+      <p:bldP spid="23" grpId="0" animBg="1"/>
+      <p:bldP spid="24" grpId="0" animBg="1"/>
+      <p:bldP spid="25" grpId="0" animBg="1"/>
+      <p:bldP spid="26" grpId="0" animBg="1"/>
     </p:bldLst>
   </p:timing>
 </p:sld>

--- a/docs/Presentazione.pptx
+++ b/docs/Presentazione.pptx
@@ -10,8 +10,8 @@
   <p:sldIdLst>
     <p:sldId id="457" r:id="rId2"/>
     <p:sldId id="445" r:id="rId3"/>
-    <p:sldId id="447" r:id="rId4"/>
-    <p:sldId id="446" r:id="rId5"/>
+    <p:sldId id="446" r:id="rId4"/>
+    <p:sldId id="447" r:id="rId5"/>
     <p:sldId id="390" r:id="rId6"/>
   </p:sldIdLst>
   <p:sldSz cx="12192000" cy="6858000"/>
@@ -3850,7 +3850,7 @@
             <a:lstStyle/>
             <a:p>
               <a:pPr algn="ctr"/>
-              <a:endParaRPr lang="en-US"/>
+              <a:endParaRPr lang="en-US" dirty="0"/>
             </a:p>
           </p:txBody>
         </p:sp>
@@ -4067,7 +4067,7 @@
             <a:lstStyle/>
             <a:p>
               <a:pPr algn="ctr"/>
-              <a:endParaRPr lang="en-US"/>
+              <a:endParaRPr lang="en-US" dirty="0"/>
             </a:p>
           </p:txBody>
         </p:sp>
@@ -6365,7 +6365,7 @@
         </p:blipFill>
         <p:spPr>
           <a:xfrm>
-            <a:off x="5556000" y="6199714"/>
+            <a:off x="5556000" y="6220686"/>
             <a:ext cx="1080000" cy="658286"/>
           </a:xfrm>
           <a:prstGeom prst="rect">
@@ -6584,1316 +6584,6 @@
       </p:grpSpPr>
       <p:sp>
         <p:nvSpPr>
-          <p:cNvPr id="46" name="Teardrop 45"/>
-          <p:cNvSpPr/>
-          <p:nvPr/>
-        </p:nvSpPr>
-        <p:spPr>
-          <a:xfrm rot="2720395">
-            <a:off x="8353048" y="1985958"/>
-            <a:ext cx="2492136" cy="2500525"/>
-          </a:xfrm>
-          <a:prstGeom prst="teardrop">
-            <a:avLst/>
-          </a:prstGeom>
-          <a:solidFill>
-            <a:srgbClr val="D34132"/>
-          </a:solidFill>
-          <a:ln>
-            <a:noFill/>
-          </a:ln>
-          <a:effectLst>
-            <a:outerShdw blurRad="50800" dist="38100" algn="l" rotWithShape="0">
-              <a:prstClr val="black">
-                <a:alpha val="40000"/>
-              </a:prstClr>
-            </a:outerShdw>
-          </a:effectLst>
-        </p:spPr>
-        <p:style>
-          <a:lnRef idx="2">
-            <a:schemeClr val="accent1">
-              <a:shade val="50000"/>
-            </a:schemeClr>
-          </a:lnRef>
-          <a:fillRef idx="1">
-            <a:schemeClr val="accent1"/>
-          </a:fillRef>
-          <a:effectRef idx="0">
-            <a:schemeClr val="accent1"/>
-          </a:effectRef>
-          <a:fontRef idx="minor">
-            <a:schemeClr val="lt1"/>
-          </a:fontRef>
-        </p:style>
-        <p:txBody>
-          <a:bodyPr rtlCol="0" anchor="ctr"/>
-          <a:lstStyle/>
-          <a:p>
-            <a:pPr algn="ctr"/>
-            <a:endParaRPr lang="en-US"/>
-          </a:p>
-        </p:txBody>
-      </p:sp>
-      <p:sp>
-        <p:nvSpPr>
-          <p:cNvPr id="45" name="Teardrop 44"/>
-          <p:cNvSpPr/>
-          <p:nvPr/>
-        </p:nvSpPr>
-        <p:spPr>
-          <a:xfrm rot="2720395">
-            <a:off x="5889017" y="2014117"/>
-            <a:ext cx="2492136" cy="2500525"/>
-          </a:xfrm>
-          <a:prstGeom prst="teardrop">
-            <a:avLst/>
-          </a:prstGeom>
-          <a:solidFill>
-            <a:srgbClr val="EF9D27"/>
-          </a:solidFill>
-          <a:ln>
-            <a:noFill/>
-          </a:ln>
-          <a:effectLst>
-            <a:outerShdw blurRad="50800" dist="38100" algn="l" rotWithShape="0">
-              <a:prstClr val="black">
-                <a:alpha val="40000"/>
-              </a:prstClr>
-            </a:outerShdw>
-          </a:effectLst>
-        </p:spPr>
-        <p:style>
-          <a:lnRef idx="2">
-            <a:schemeClr val="accent1">
-              <a:shade val="50000"/>
-            </a:schemeClr>
-          </a:lnRef>
-          <a:fillRef idx="1">
-            <a:schemeClr val="accent1"/>
-          </a:fillRef>
-          <a:effectRef idx="0">
-            <a:schemeClr val="accent1"/>
-          </a:effectRef>
-          <a:fontRef idx="minor">
-            <a:schemeClr val="lt1"/>
-          </a:fontRef>
-        </p:style>
-        <p:txBody>
-          <a:bodyPr rtlCol="0" anchor="ctr"/>
-          <a:lstStyle/>
-          <a:p>
-            <a:pPr algn="ctr"/>
-            <a:endParaRPr lang="en-US"/>
-          </a:p>
-        </p:txBody>
-      </p:sp>
-      <p:sp>
-        <p:nvSpPr>
-          <p:cNvPr id="44" name="Teardrop 43"/>
-          <p:cNvSpPr/>
-          <p:nvPr/>
-        </p:nvSpPr>
-        <p:spPr>
-          <a:xfrm rot="2720395">
-            <a:off x="3327065" y="1999820"/>
-            <a:ext cx="2492136" cy="2500525"/>
-          </a:xfrm>
-          <a:prstGeom prst="teardrop">
-            <a:avLst/>
-          </a:prstGeom>
-          <a:solidFill>
-            <a:srgbClr val="189A80"/>
-          </a:solidFill>
-          <a:ln>
-            <a:noFill/>
-          </a:ln>
-          <a:effectLst>
-            <a:outerShdw blurRad="50800" dist="38100" algn="l" rotWithShape="0">
-              <a:prstClr val="black">
-                <a:alpha val="40000"/>
-              </a:prstClr>
-            </a:outerShdw>
-          </a:effectLst>
-        </p:spPr>
-        <p:style>
-          <a:lnRef idx="2">
-            <a:schemeClr val="accent1">
-              <a:shade val="50000"/>
-            </a:schemeClr>
-          </a:lnRef>
-          <a:fillRef idx="1">
-            <a:schemeClr val="accent1"/>
-          </a:fillRef>
-          <a:effectRef idx="0">
-            <a:schemeClr val="accent1"/>
-          </a:effectRef>
-          <a:fontRef idx="minor">
-            <a:schemeClr val="lt1"/>
-          </a:fontRef>
-        </p:style>
-        <p:txBody>
-          <a:bodyPr rtlCol="0" anchor="ctr"/>
-          <a:lstStyle/>
-          <a:p>
-            <a:pPr algn="ctr"/>
-            <a:endParaRPr lang="en-US"/>
-          </a:p>
-        </p:txBody>
-      </p:sp>
-      <p:sp>
-        <p:nvSpPr>
-          <p:cNvPr id="11" name="Teardrop 10"/>
-          <p:cNvSpPr/>
-          <p:nvPr/>
-        </p:nvSpPr>
-        <p:spPr>
-          <a:xfrm rot="2720395">
-            <a:off x="817719" y="1990326"/>
-            <a:ext cx="2492136" cy="2500525"/>
-          </a:xfrm>
-          <a:prstGeom prst="teardrop">
-            <a:avLst/>
-          </a:prstGeom>
-          <a:solidFill>
-            <a:srgbClr val="34738D"/>
-          </a:solidFill>
-          <a:ln>
-            <a:noFill/>
-          </a:ln>
-          <a:effectLst>
-            <a:outerShdw blurRad="50800" dist="38100" algn="l" rotWithShape="0">
-              <a:prstClr val="black">
-                <a:alpha val="40000"/>
-              </a:prstClr>
-            </a:outerShdw>
-          </a:effectLst>
-        </p:spPr>
-        <p:style>
-          <a:lnRef idx="2">
-            <a:schemeClr val="accent1">
-              <a:shade val="50000"/>
-            </a:schemeClr>
-          </a:lnRef>
-          <a:fillRef idx="1">
-            <a:schemeClr val="accent1"/>
-          </a:fillRef>
-          <a:effectRef idx="0">
-            <a:schemeClr val="accent1"/>
-          </a:effectRef>
-          <a:fontRef idx="minor">
-            <a:schemeClr val="lt1"/>
-          </a:fontRef>
-        </p:style>
-        <p:txBody>
-          <a:bodyPr rtlCol="0" anchor="ctr"/>
-          <a:lstStyle/>
-          <a:p>
-            <a:pPr algn="ctr"/>
-            <a:endParaRPr lang="en-US"/>
-          </a:p>
-        </p:txBody>
-      </p:sp>
-      <p:sp>
-        <p:nvSpPr>
-          <p:cNvPr id="25" name="TextBox 24"/>
-          <p:cNvSpPr txBox="1"/>
-          <p:nvPr/>
-        </p:nvSpPr>
-        <p:spPr>
-          <a:xfrm>
-            <a:off x="3341511" y="258228"/>
-            <a:ext cx="5508978" cy="1046440"/>
-          </a:xfrm>
-          <a:prstGeom prst="rect">
-            <a:avLst/>
-          </a:prstGeom>
-          <a:noFill/>
-        </p:spPr>
-        <p:txBody>
-          <a:bodyPr wrap="square" rtlCol="0">
-            <a:spAutoFit/>
-          </a:bodyPr>
-          <a:lstStyle/>
-          <a:p>
-            <a:pPr algn="ctr"/>
-            <a:r>
-              <a:rPr lang="en-US" sz="4400" b="1" dirty="0" err="1">
-                <a:solidFill>
-                  <a:srgbClr val="4C4F54"/>
-                </a:solidFill>
-                <a:latin typeface="Candara" panose="020E0502030303020204" pitchFamily="34" charset="0"/>
-              </a:rPr>
-              <a:t>Problemi</a:t>
-            </a:r>
-            <a:r>
-              <a:rPr lang="en-US" sz="4400" b="1" dirty="0">
-                <a:solidFill>
-                  <a:srgbClr val="4C4F54"/>
-                </a:solidFill>
-                <a:latin typeface="Candara" panose="020E0502030303020204" pitchFamily="34" charset="0"/>
-              </a:rPr>
-              <a:t> / </a:t>
-            </a:r>
-            <a:r>
-              <a:rPr lang="en-US" sz="4400" b="1" dirty="0" err="1">
-                <a:solidFill>
-                  <a:srgbClr val="4C4F54"/>
-                </a:solidFill>
-                <a:latin typeface="Candara" panose="020E0502030303020204" pitchFamily="34" charset="0"/>
-              </a:rPr>
-              <a:t>risultati</a:t>
-            </a:r>
-            <a:endParaRPr lang="en-US" sz="4400" b="1" dirty="0">
-              <a:solidFill>
-                <a:srgbClr val="4C4F54"/>
-              </a:solidFill>
-              <a:latin typeface="Candara" panose="020E0502030303020204" pitchFamily="34" charset="0"/>
-            </a:endParaRPr>
-          </a:p>
-          <a:p>
-            <a:pPr algn="ctr"/>
-            <a:r>
-              <a:rPr lang="en-US" dirty="0">
-                <a:solidFill>
-                  <a:srgbClr val="4C4F54"/>
-                </a:solidFill>
-                <a:latin typeface="Candara" panose="020E0502030303020204" pitchFamily="34" charset="0"/>
-              </a:rPr>
-              <a:t>Your Subtitle</a:t>
-            </a:r>
-          </a:p>
-        </p:txBody>
-      </p:sp>
-      <p:sp>
-        <p:nvSpPr>
-          <p:cNvPr id="26" name="TextBox 25"/>
-          <p:cNvSpPr txBox="1"/>
-          <p:nvPr/>
-        </p:nvSpPr>
-        <p:spPr>
-          <a:xfrm>
-            <a:off x="996030" y="4705209"/>
-            <a:ext cx="2073511" cy="1298817"/>
-          </a:xfrm>
-          <a:prstGeom prst="rect">
-            <a:avLst/>
-          </a:prstGeom>
-          <a:noFill/>
-        </p:spPr>
-        <p:txBody>
-          <a:bodyPr wrap="square" rtlCol="0">
-            <a:spAutoFit/>
-          </a:bodyPr>
-          <a:lstStyle/>
-          <a:p>
-            <a:pPr algn="ctr" defTabSz="1219170">
-              <a:spcBef>
-                <a:spcPct val="20000"/>
-              </a:spcBef>
-              <a:defRPr/>
-            </a:pPr>
-            <a:r>
-              <a:rPr lang="en-US" sz="1600" b="1" dirty="0">
-                <a:solidFill>
-                  <a:srgbClr val="34738D"/>
-                </a:solidFill>
-                <a:latin typeface="Candara" panose="020E0502030303020204" pitchFamily="34" charset="0"/>
-              </a:rPr>
-              <a:t>LOREM IPSUM</a:t>
-            </a:r>
-          </a:p>
-          <a:p>
-            <a:pPr algn="ctr" defTabSz="1219170">
-              <a:spcBef>
-                <a:spcPct val="20000"/>
-              </a:spcBef>
-              <a:defRPr/>
-            </a:pPr>
-            <a:r>
-              <a:rPr lang="en-US" sz="1200" dirty="0">
-                <a:solidFill>
-                  <a:schemeClr val="bg2">
-                    <a:lumMod val="10000"/>
-                  </a:schemeClr>
-                </a:solidFill>
-                <a:latin typeface="Candara" panose="020E0502030303020204" pitchFamily="34" charset="0"/>
-              </a:rPr>
-              <a:t>Lorem ipsum dolor sit amet, consectetur adipiscing elit, sed do eiusmod tempor incididunt ut labore et dolore magna aliqua. </a:t>
-            </a:r>
-          </a:p>
-        </p:txBody>
-      </p:sp>
-      <p:sp>
-        <p:nvSpPr>
-          <p:cNvPr id="27" name="TextBox 26"/>
-          <p:cNvSpPr txBox="1"/>
-          <p:nvPr/>
-        </p:nvSpPr>
-        <p:spPr>
-          <a:xfrm>
-            <a:off x="3446798" y="4705209"/>
-            <a:ext cx="2073511" cy="1298817"/>
-          </a:xfrm>
-          <a:prstGeom prst="rect">
-            <a:avLst/>
-          </a:prstGeom>
-          <a:noFill/>
-        </p:spPr>
-        <p:txBody>
-          <a:bodyPr wrap="square" rtlCol="0">
-            <a:spAutoFit/>
-          </a:bodyPr>
-          <a:lstStyle/>
-          <a:p>
-            <a:pPr algn="ctr" defTabSz="1219170">
-              <a:spcBef>
-                <a:spcPct val="20000"/>
-              </a:spcBef>
-              <a:defRPr/>
-            </a:pPr>
-            <a:r>
-              <a:rPr lang="en-US" sz="1600" b="1" dirty="0">
-                <a:solidFill>
-                  <a:srgbClr val="189A80"/>
-                </a:solidFill>
-                <a:latin typeface="Candara" panose="020E0502030303020204" pitchFamily="34" charset="0"/>
-              </a:rPr>
-              <a:t>LOREM IPSUM</a:t>
-            </a:r>
-          </a:p>
-          <a:p>
-            <a:pPr algn="ctr" defTabSz="1219170">
-              <a:spcBef>
-                <a:spcPct val="20000"/>
-              </a:spcBef>
-              <a:defRPr/>
-            </a:pPr>
-            <a:r>
-              <a:rPr lang="en-US" sz="1200" dirty="0">
-                <a:solidFill>
-                  <a:schemeClr val="bg2">
-                    <a:lumMod val="10000"/>
-                  </a:schemeClr>
-                </a:solidFill>
-                <a:latin typeface="Candara" panose="020E0502030303020204" pitchFamily="34" charset="0"/>
-              </a:rPr>
-              <a:t>Lorem ipsum dolor sit amet, consectetur adipiscing elit, sed do eiusmod tempor incididunt ut labore et dolore magna aliqua. </a:t>
-            </a:r>
-          </a:p>
-        </p:txBody>
-      </p:sp>
-      <p:sp>
-        <p:nvSpPr>
-          <p:cNvPr id="28" name="TextBox 27"/>
-          <p:cNvSpPr txBox="1"/>
-          <p:nvPr/>
-        </p:nvSpPr>
-        <p:spPr>
-          <a:xfrm>
-            <a:off x="6030484" y="4705209"/>
-            <a:ext cx="2073511" cy="1298817"/>
-          </a:xfrm>
-          <a:prstGeom prst="rect">
-            <a:avLst/>
-          </a:prstGeom>
-          <a:noFill/>
-        </p:spPr>
-        <p:txBody>
-          <a:bodyPr wrap="square" rtlCol="0">
-            <a:spAutoFit/>
-          </a:bodyPr>
-          <a:lstStyle/>
-          <a:p>
-            <a:pPr algn="ctr" defTabSz="1219170">
-              <a:spcBef>
-                <a:spcPct val="20000"/>
-              </a:spcBef>
-              <a:defRPr/>
-            </a:pPr>
-            <a:r>
-              <a:rPr lang="en-US" sz="1600" b="1" dirty="0">
-                <a:solidFill>
-                  <a:srgbClr val="EF9D27"/>
-                </a:solidFill>
-                <a:latin typeface="Candara" panose="020E0502030303020204" pitchFamily="34" charset="0"/>
-              </a:rPr>
-              <a:t>LOREM IPSUM</a:t>
-            </a:r>
-          </a:p>
-          <a:p>
-            <a:pPr algn="ctr" defTabSz="1219170">
-              <a:spcBef>
-                <a:spcPct val="20000"/>
-              </a:spcBef>
-              <a:defRPr/>
-            </a:pPr>
-            <a:r>
-              <a:rPr lang="en-US" sz="1200" dirty="0">
-                <a:solidFill>
-                  <a:schemeClr val="bg2">
-                    <a:lumMod val="10000"/>
-                  </a:schemeClr>
-                </a:solidFill>
-                <a:latin typeface="Candara" panose="020E0502030303020204" pitchFamily="34" charset="0"/>
-              </a:rPr>
-              <a:t>Lorem ipsum dolor sit amet, consectetur adipiscing elit, sed do eiusmod tempor incididunt ut labore et dolore magna aliqua. </a:t>
-            </a:r>
-          </a:p>
-        </p:txBody>
-      </p:sp>
-      <p:sp>
-        <p:nvSpPr>
-          <p:cNvPr id="29" name="TextBox 28"/>
-          <p:cNvSpPr txBox="1"/>
-          <p:nvPr/>
-        </p:nvSpPr>
-        <p:spPr>
-          <a:xfrm>
-            <a:off x="8614170" y="4705208"/>
-            <a:ext cx="2073511" cy="1298817"/>
-          </a:xfrm>
-          <a:prstGeom prst="rect">
-            <a:avLst/>
-          </a:prstGeom>
-          <a:noFill/>
-        </p:spPr>
-        <p:txBody>
-          <a:bodyPr wrap="square" rtlCol="0">
-            <a:spAutoFit/>
-          </a:bodyPr>
-          <a:lstStyle/>
-          <a:p>
-            <a:pPr algn="ctr" defTabSz="1219170">
-              <a:spcBef>
-                <a:spcPct val="20000"/>
-              </a:spcBef>
-              <a:defRPr/>
-            </a:pPr>
-            <a:r>
-              <a:rPr lang="en-US" sz="1600" b="1" dirty="0">
-                <a:solidFill>
-                  <a:srgbClr val="D34132"/>
-                </a:solidFill>
-                <a:latin typeface="Candara" panose="020E0502030303020204" pitchFamily="34" charset="0"/>
-              </a:rPr>
-              <a:t>LOREM IPSUM</a:t>
-            </a:r>
-          </a:p>
-          <a:p>
-            <a:pPr algn="ctr" defTabSz="1219170">
-              <a:spcBef>
-                <a:spcPct val="20000"/>
-              </a:spcBef>
-              <a:defRPr/>
-            </a:pPr>
-            <a:r>
-              <a:rPr lang="en-US" sz="1200" dirty="0">
-                <a:solidFill>
-                  <a:schemeClr val="bg2">
-                    <a:lumMod val="10000"/>
-                  </a:schemeClr>
-                </a:solidFill>
-                <a:latin typeface="Candara" panose="020E0502030303020204" pitchFamily="34" charset="0"/>
-              </a:rPr>
-              <a:t>Lorem ipsum dolor sit amet, consectetur adipiscing elit, sed do eiusmod tempor incididunt ut labore et dolore magna aliqua. </a:t>
-            </a:r>
-          </a:p>
-        </p:txBody>
-      </p:sp>
-      <p:pic>
-        <p:nvPicPr>
-          <p:cNvPr id="23" name="Immagine 22">
-            <a:extLst>
-              <a:ext uri="{FF2B5EF4-FFF2-40B4-BE49-F238E27FC236}">
-                <a16:creationId xmlns:a16="http://schemas.microsoft.com/office/drawing/2014/main" id="{ECC136B0-01AF-4D0D-867A-E97C6B248233}"/>
-              </a:ext>
-            </a:extLst>
-          </p:cNvPr>
-          <p:cNvPicPr>
-            <a:picLocks noChangeAspect="1"/>
-          </p:cNvPicPr>
-          <p:nvPr/>
-        </p:nvPicPr>
-        <p:blipFill>
-          <a:blip r:embed="rId2" cstate="print">
-            <a:extLst>
-              <a:ext uri="{28A0092B-C50C-407E-A947-70E740481C1C}">
-                <a14:useLocalDpi xmlns:a14="http://schemas.microsoft.com/office/drawing/2010/main" val="0"/>
-              </a:ext>
-            </a:extLst>
-          </a:blip>
-          <a:stretch>
-            <a:fillRect/>
-          </a:stretch>
-        </p:blipFill>
-        <p:spPr>
-          <a:xfrm>
-            <a:off x="5490484" y="6199714"/>
-            <a:ext cx="1080000" cy="658286"/>
-          </a:xfrm>
-          <a:prstGeom prst="rect">
-            <a:avLst/>
-          </a:prstGeom>
-        </p:spPr>
-      </p:pic>
-    </p:spTree>
-    <p:extLst>
-      <p:ext uri="{BB962C8B-B14F-4D97-AF65-F5344CB8AC3E}">
-        <p14:creationId xmlns:p14="http://schemas.microsoft.com/office/powerpoint/2010/main" val="3236745396"/>
-      </p:ext>
-    </p:extLst>
-  </p:cSld>
-  <p:clrMapOvr>
-    <a:masterClrMapping/>
-  </p:clrMapOvr>
-  <p:timing>
-    <p:tnLst>
-      <p:par>
-        <p:cTn id="1" dur="indefinite" restart="never" nodeType="tmRoot">
-          <p:childTnLst>
-            <p:seq concurrent="1" nextAc="seek">
-              <p:cTn id="2" dur="indefinite" nodeType="mainSeq">
-                <p:childTnLst>
-                  <p:par>
-                    <p:cTn id="3" fill="hold">
-                      <p:stCondLst>
-                        <p:cond delay="indefinite"/>
-                        <p:cond evt="onBegin" delay="0">
-                          <p:tn val="2"/>
-                        </p:cond>
-                      </p:stCondLst>
-                      <p:childTnLst>
-                        <p:par>
-                          <p:cTn id="4" fill="hold">
-                            <p:stCondLst>
-                              <p:cond delay="0"/>
-                            </p:stCondLst>
-                            <p:childTnLst>
-                              <p:par>
-                                <p:cTn id="5" presetID="22" presetClass="entr" presetSubtype="8" fill="hold" grpId="0" nodeType="afterEffect">
-                                  <p:stCondLst>
-                                    <p:cond delay="0"/>
-                                  </p:stCondLst>
-                                  <p:childTnLst>
-                                    <p:set>
-                                      <p:cBhvr>
-                                        <p:cTn id="6" dur="1" fill="hold">
-                                          <p:stCondLst>
-                                            <p:cond delay="0"/>
-                                          </p:stCondLst>
-                                        </p:cTn>
-                                        <p:tgtEl>
-                                          <p:spTgt spid="25"/>
-                                        </p:tgtEl>
-                                        <p:attrNameLst>
-                                          <p:attrName>style.visibility</p:attrName>
-                                        </p:attrNameLst>
-                                      </p:cBhvr>
-                                      <p:to>
-                                        <p:strVal val="visible"/>
-                                      </p:to>
-                                    </p:set>
-                                    <p:animEffect transition="in" filter="wipe(left)">
-                                      <p:cBhvr>
-                                        <p:cTn id="7" dur="500"/>
-                                        <p:tgtEl>
-                                          <p:spTgt spid="25"/>
-                                        </p:tgtEl>
-                                      </p:cBhvr>
-                                    </p:animEffect>
-                                  </p:childTnLst>
-                                </p:cTn>
-                              </p:par>
-                            </p:childTnLst>
-                          </p:cTn>
-                        </p:par>
-                        <p:par>
-                          <p:cTn id="8" fill="hold">
-                            <p:stCondLst>
-                              <p:cond delay="500"/>
-                            </p:stCondLst>
-                            <p:childTnLst>
-                              <p:par>
-                                <p:cTn id="9" presetID="49" presetClass="entr" presetSubtype="0" decel="100000" fill="hold" grpId="0" nodeType="afterEffect">
-                                  <p:stCondLst>
-                                    <p:cond delay="0"/>
-                                  </p:stCondLst>
-                                  <p:childTnLst>
-                                    <p:set>
-                                      <p:cBhvr>
-                                        <p:cTn id="10" dur="1" fill="hold">
-                                          <p:stCondLst>
-                                            <p:cond delay="0"/>
-                                          </p:stCondLst>
-                                        </p:cTn>
-                                        <p:tgtEl>
-                                          <p:spTgt spid="11"/>
-                                        </p:tgtEl>
-                                        <p:attrNameLst>
-                                          <p:attrName>style.visibility</p:attrName>
-                                        </p:attrNameLst>
-                                      </p:cBhvr>
-                                      <p:to>
-                                        <p:strVal val="visible"/>
-                                      </p:to>
-                                    </p:set>
-                                    <p:anim calcmode="lin" valueType="num">
-                                      <p:cBhvr>
-                                        <p:cTn id="11" dur="500" fill="hold"/>
-                                        <p:tgtEl>
-                                          <p:spTgt spid="11"/>
-                                        </p:tgtEl>
-                                        <p:attrNameLst>
-                                          <p:attrName>ppt_w</p:attrName>
-                                        </p:attrNameLst>
-                                      </p:cBhvr>
-                                      <p:tavLst>
-                                        <p:tav tm="0">
-                                          <p:val>
-                                            <p:fltVal val="0"/>
-                                          </p:val>
-                                        </p:tav>
-                                        <p:tav tm="100000">
-                                          <p:val>
-                                            <p:strVal val="#ppt_w"/>
-                                          </p:val>
-                                        </p:tav>
-                                      </p:tavLst>
-                                    </p:anim>
-                                    <p:anim calcmode="lin" valueType="num">
-                                      <p:cBhvr>
-                                        <p:cTn id="12" dur="500" fill="hold"/>
-                                        <p:tgtEl>
-                                          <p:spTgt spid="11"/>
-                                        </p:tgtEl>
-                                        <p:attrNameLst>
-                                          <p:attrName>ppt_h</p:attrName>
-                                        </p:attrNameLst>
-                                      </p:cBhvr>
-                                      <p:tavLst>
-                                        <p:tav tm="0">
-                                          <p:val>
-                                            <p:fltVal val="0"/>
-                                          </p:val>
-                                        </p:tav>
-                                        <p:tav tm="100000">
-                                          <p:val>
-                                            <p:strVal val="#ppt_h"/>
-                                          </p:val>
-                                        </p:tav>
-                                      </p:tavLst>
-                                    </p:anim>
-                                    <p:anim calcmode="lin" valueType="num">
-                                      <p:cBhvr>
-                                        <p:cTn id="13" dur="500" fill="hold"/>
-                                        <p:tgtEl>
-                                          <p:spTgt spid="11"/>
-                                        </p:tgtEl>
-                                        <p:attrNameLst>
-                                          <p:attrName>style.rotation</p:attrName>
-                                        </p:attrNameLst>
-                                      </p:cBhvr>
-                                      <p:tavLst>
-                                        <p:tav tm="0">
-                                          <p:val>
-                                            <p:fltVal val="360"/>
-                                          </p:val>
-                                        </p:tav>
-                                        <p:tav tm="100000">
-                                          <p:val>
-                                            <p:fltVal val="0"/>
-                                          </p:val>
-                                        </p:tav>
-                                      </p:tavLst>
-                                    </p:anim>
-                                    <p:animEffect transition="in" filter="fade">
-                                      <p:cBhvr>
-                                        <p:cTn id="14" dur="500"/>
-                                        <p:tgtEl>
-                                          <p:spTgt spid="11"/>
-                                        </p:tgtEl>
-                                      </p:cBhvr>
-                                    </p:animEffect>
-                                  </p:childTnLst>
-                                </p:cTn>
-                              </p:par>
-                            </p:childTnLst>
-                          </p:cTn>
-                        </p:par>
-                        <p:par>
-                          <p:cTn id="15" fill="hold">
-                            <p:stCondLst>
-                              <p:cond delay="1000"/>
-                            </p:stCondLst>
-                            <p:childTnLst>
-                              <p:par>
-                                <p:cTn id="16" presetID="22" presetClass="entr" presetSubtype="1" fill="hold" grpId="0" nodeType="afterEffect">
-                                  <p:stCondLst>
-                                    <p:cond delay="0"/>
-                                  </p:stCondLst>
-                                  <p:childTnLst>
-                                    <p:set>
-                                      <p:cBhvr>
-                                        <p:cTn id="17" dur="1" fill="hold">
-                                          <p:stCondLst>
-                                            <p:cond delay="0"/>
-                                          </p:stCondLst>
-                                        </p:cTn>
-                                        <p:tgtEl>
-                                          <p:spTgt spid="26"/>
-                                        </p:tgtEl>
-                                        <p:attrNameLst>
-                                          <p:attrName>style.visibility</p:attrName>
-                                        </p:attrNameLst>
-                                      </p:cBhvr>
-                                      <p:to>
-                                        <p:strVal val="visible"/>
-                                      </p:to>
-                                    </p:set>
-                                    <p:animEffect transition="in" filter="wipe(up)">
-                                      <p:cBhvr>
-                                        <p:cTn id="18" dur="500"/>
-                                        <p:tgtEl>
-                                          <p:spTgt spid="26"/>
-                                        </p:tgtEl>
-                                      </p:cBhvr>
-                                    </p:animEffect>
-                                  </p:childTnLst>
-                                </p:cTn>
-                              </p:par>
-                            </p:childTnLst>
-                          </p:cTn>
-                        </p:par>
-                        <p:par>
-                          <p:cTn id="19" fill="hold">
-                            <p:stCondLst>
-                              <p:cond delay="1500"/>
-                            </p:stCondLst>
-                            <p:childTnLst>
-                              <p:par>
-                                <p:cTn id="20" presetID="49" presetClass="entr" presetSubtype="0" decel="100000" fill="hold" grpId="0" nodeType="afterEffect">
-                                  <p:stCondLst>
-                                    <p:cond delay="0"/>
-                                  </p:stCondLst>
-                                  <p:childTnLst>
-                                    <p:set>
-                                      <p:cBhvr>
-                                        <p:cTn id="21" dur="1" fill="hold">
-                                          <p:stCondLst>
-                                            <p:cond delay="0"/>
-                                          </p:stCondLst>
-                                        </p:cTn>
-                                        <p:tgtEl>
-                                          <p:spTgt spid="44"/>
-                                        </p:tgtEl>
-                                        <p:attrNameLst>
-                                          <p:attrName>style.visibility</p:attrName>
-                                        </p:attrNameLst>
-                                      </p:cBhvr>
-                                      <p:to>
-                                        <p:strVal val="visible"/>
-                                      </p:to>
-                                    </p:set>
-                                    <p:anim calcmode="lin" valueType="num">
-                                      <p:cBhvr>
-                                        <p:cTn id="22" dur="500" fill="hold"/>
-                                        <p:tgtEl>
-                                          <p:spTgt spid="44"/>
-                                        </p:tgtEl>
-                                        <p:attrNameLst>
-                                          <p:attrName>ppt_w</p:attrName>
-                                        </p:attrNameLst>
-                                      </p:cBhvr>
-                                      <p:tavLst>
-                                        <p:tav tm="0">
-                                          <p:val>
-                                            <p:fltVal val="0"/>
-                                          </p:val>
-                                        </p:tav>
-                                        <p:tav tm="100000">
-                                          <p:val>
-                                            <p:strVal val="#ppt_w"/>
-                                          </p:val>
-                                        </p:tav>
-                                      </p:tavLst>
-                                    </p:anim>
-                                    <p:anim calcmode="lin" valueType="num">
-                                      <p:cBhvr>
-                                        <p:cTn id="23" dur="500" fill="hold"/>
-                                        <p:tgtEl>
-                                          <p:spTgt spid="44"/>
-                                        </p:tgtEl>
-                                        <p:attrNameLst>
-                                          <p:attrName>ppt_h</p:attrName>
-                                        </p:attrNameLst>
-                                      </p:cBhvr>
-                                      <p:tavLst>
-                                        <p:tav tm="0">
-                                          <p:val>
-                                            <p:fltVal val="0"/>
-                                          </p:val>
-                                        </p:tav>
-                                        <p:tav tm="100000">
-                                          <p:val>
-                                            <p:strVal val="#ppt_h"/>
-                                          </p:val>
-                                        </p:tav>
-                                      </p:tavLst>
-                                    </p:anim>
-                                    <p:anim calcmode="lin" valueType="num">
-                                      <p:cBhvr>
-                                        <p:cTn id="24" dur="500" fill="hold"/>
-                                        <p:tgtEl>
-                                          <p:spTgt spid="44"/>
-                                        </p:tgtEl>
-                                        <p:attrNameLst>
-                                          <p:attrName>style.rotation</p:attrName>
-                                        </p:attrNameLst>
-                                      </p:cBhvr>
-                                      <p:tavLst>
-                                        <p:tav tm="0">
-                                          <p:val>
-                                            <p:fltVal val="360"/>
-                                          </p:val>
-                                        </p:tav>
-                                        <p:tav tm="100000">
-                                          <p:val>
-                                            <p:fltVal val="0"/>
-                                          </p:val>
-                                        </p:tav>
-                                      </p:tavLst>
-                                    </p:anim>
-                                    <p:animEffect transition="in" filter="fade">
-                                      <p:cBhvr>
-                                        <p:cTn id="25" dur="500"/>
-                                        <p:tgtEl>
-                                          <p:spTgt spid="44"/>
-                                        </p:tgtEl>
-                                      </p:cBhvr>
-                                    </p:animEffect>
-                                  </p:childTnLst>
-                                </p:cTn>
-                              </p:par>
-                            </p:childTnLst>
-                          </p:cTn>
-                        </p:par>
-                        <p:par>
-                          <p:cTn id="26" fill="hold">
-                            <p:stCondLst>
-                              <p:cond delay="2000"/>
-                            </p:stCondLst>
-                            <p:childTnLst>
-                              <p:par>
-                                <p:cTn id="27" presetID="22" presetClass="entr" presetSubtype="1" fill="hold" grpId="0" nodeType="afterEffect">
-                                  <p:stCondLst>
-                                    <p:cond delay="0"/>
-                                  </p:stCondLst>
-                                  <p:childTnLst>
-                                    <p:set>
-                                      <p:cBhvr>
-                                        <p:cTn id="28" dur="1" fill="hold">
-                                          <p:stCondLst>
-                                            <p:cond delay="0"/>
-                                          </p:stCondLst>
-                                        </p:cTn>
-                                        <p:tgtEl>
-                                          <p:spTgt spid="27"/>
-                                        </p:tgtEl>
-                                        <p:attrNameLst>
-                                          <p:attrName>style.visibility</p:attrName>
-                                        </p:attrNameLst>
-                                      </p:cBhvr>
-                                      <p:to>
-                                        <p:strVal val="visible"/>
-                                      </p:to>
-                                    </p:set>
-                                    <p:animEffect transition="in" filter="wipe(up)">
-                                      <p:cBhvr>
-                                        <p:cTn id="29" dur="500"/>
-                                        <p:tgtEl>
-                                          <p:spTgt spid="27"/>
-                                        </p:tgtEl>
-                                      </p:cBhvr>
-                                    </p:animEffect>
-                                  </p:childTnLst>
-                                </p:cTn>
-                              </p:par>
-                            </p:childTnLst>
-                          </p:cTn>
-                        </p:par>
-                        <p:par>
-                          <p:cTn id="30" fill="hold">
-                            <p:stCondLst>
-                              <p:cond delay="2500"/>
-                            </p:stCondLst>
-                            <p:childTnLst>
-                              <p:par>
-                                <p:cTn id="31" presetID="49" presetClass="entr" presetSubtype="0" decel="100000" fill="hold" grpId="0" nodeType="afterEffect">
-                                  <p:stCondLst>
-                                    <p:cond delay="0"/>
-                                  </p:stCondLst>
-                                  <p:childTnLst>
-                                    <p:set>
-                                      <p:cBhvr>
-                                        <p:cTn id="32" dur="1" fill="hold">
-                                          <p:stCondLst>
-                                            <p:cond delay="0"/>
-                                          </p:stCondLst>
-                                        </p:cTn>
-                                        <p:tgtEl>
-                                          <p:spTgt spid="45"/>
-                                        </p:tgtEl>
-                                        <p:attrNameLst>
-                                          <p:attrName>style.visibility</p:attrName>
-                                        </p:attrNameLst>
-                                      </p:cBhvr>
-                                      <p:to>
-                                        <p:strVal val="visible"/>
-                                      </p:to>
-                                    </p:set>
-                                    <p:anim calcmode="lin" valueType="num">
-                                      <p:cBhvr>
-                                        <p:cTn id="33" dur="500" fill="hold"/>
-                                        <p:tgtEl>
-                                          <p:spTgt spid="45"/>
-                                        </p:tgtEl>
-                                        <p:attrNameLst>
-                                          <p:attrName>ppt_w</p:attrName>
-                                        </p:attrNameLst>
-                                      </p:cBhvr>
-                                      <p:tavLst>
-                                        <p:tav tm="0">
-                                          <p:val>
-                                            <p:fltVal val="0"/>
-                                          </p:val>
-                                        </p:tav>
-                                        <p:tav tm="100000">
-                                          <p:val>
-                                            <p:strVal val="#ppt_w"/>
-                                          </p:val>
-                                        </p:tav>
-                                      </p:tavLst>
-                                    </p:anim>
-                                    <p:anim calcmode="lin" valueType="num">
-                                      <p:cBhvr>
-                                        <p:cTn id="34" dur="500" fill="hold"/>
-                                        <p:tgtEl>
-                                          <p:spTgt spid="45"/>
-                                        </p:tgtEl>
-                                        <p:attrNameLst>
-                                          <p:attrName>ppt_h</p:attrName>
-                                        </p:attrNameLst>
-                                      </p:cBhvr>
-                                      <p:tavLst>
-                                        <p:tav tm="0">
-                                          <p:val>
-                                            <p:fltVal val="0"/>
-                                          </p:val>
-                                        </p:tav>
-                                        <p:tav tm="100000">
-                                          <p:val>
-                                            <p:strVal val="#ppt_h"/>
-                                          </p:val>
-                                        </p:tav>
-                                      </p:tavLst>
-                                    </p:anim>
-                                    <p:anim calcmode="lin" valueType="num">
-                                      <p:cBhvr>
-                                        <p:cTn id="35" dur="500" fill="hold"/>
-                                        <p:tgtEl>
-                                          <p:spTgt spid="45"/>
-                                        </p:tgtEl>
-                                        <p:attrNameLst>
-                                          <p:attrName>style.rotation</p:attrName>
-                                        </p:attrNameLst>
-                                      </p:cBhvr>
-                                      <p:tavLst>
-                                        <p:tav tm="0">
-                                          <p:val>
-                                            <p:fltVal val="360"/>
-                                          </p:val>
-                                        </p:tav>
-                                        <p:tav tm="100000">
-                                          <p:val>
-                                            <p:fltVal val="0"/>
-                                          </p:val>
-                                        </p:tav>
-                                      </p:tavLst>
-                                    </p:anim>
-                                    <p:animEffect transition="in" filter="fade">
-                                      <p:cBhvr>
-                                        <p:cTn id="36" dur="500"/>
-                                        <p:tgtEl>
-                                          <p:spTgt spid="45"/>
-                                        </p:tgtEl>
-                                      </p:cBhvr>
-                                    </p:animEffect>
-                                  </p:childTnLst>
-                                </p:cTn>
-                              </p:par>
-                            </p:childTnLst>
-                          </p:cTn>
-                        </p:par>
-                        <p:par>
-                          <p:cTn id="37" fill="hold">
-                            <p:stCondLst>
-                              <p:cond delay="3000"/>
-                            </p:stCondLst>
-                            <p:childTnLst>
-                              <p:par>
-                                <p:cTn id="38" presetID="22" presetClass="entr" presetSubtype="1" fill="hold" grpId="0" nodeType="afterEffect">
-                                  <p:stCondLst>
-                                    <p:cond delay="0"/>
-                                  </p:stCondLst>
-                                  <p:childTnLst>
-                                    <p:set>
-                                      <p:cBhvr>
-                                        <p:cTn id="39" dur="1" fill="hold">
-                                          <p:stCondLst>
-                                            <p:cond delay="0"/>
-                                          </p:stCondLst>
-                                        </p:cTn>
-                                        <p:tgtEl>
-                                          <p:spTgt spid="28"/>
-                                        </p:tgtEl>
-                                        <p:attrNameLst>
-                                          <p:attrName>style.visibility</p:attrName>
-                                        </p:attrNameLst>
-                                      </p:cBhvr>
-                                      <p:to>
-                                        <p:strVal val="visible"/>
-                                      </p:to>
-                                    </p:set>
-                                    <p:animEffect transition="in" filter="wipe(up)">
-                                      <p:cBhvr>
-                                        <p:cTn id="40" dur="500"/>
-                                        <p:tgtEl>
-                                          <p:spTgt spid="28"/>
-                                        </p:tgtEl>
-                                      </p:cBhvr>
-                                    </p:animEffect>
-                                  </p:childTnLst>
-                                </p:cTn>
-                              </p:par>
-                            </p:childTnLst>
-                          </p:cTn>
-                        </p:par>
-                        <p:par>
-                          <p:cTn id="41" fill="hold">
-                            <p:stCondLst>
-                              <p:cond delay="3500"/>
-                            </p:stCondLst>
-                            <p:childTnLst>
-                              <p:par>
-                                <p:cTn id="42" presetID="49" presetClass="entr" presetSubtype="0" decel="100000" fill="hold" grpId="0" nodeType="afterEffect">
-                                  <p:stCondLst>
-                                    <p:cond delay="0"/>
-                                  </p:stCondLst>
-                                  <p:childTnLst>
-                                    <p:set>
-                                      <p:cBhvr>
-                                        <p:cTn id="43" dur="1" fill="hold">
-                                          <p:stCondLst>
-                                            <p:cond delay="0"/>
-                                          </p:stCondLst>
-                                        </p:cTn>
-                                        <p:tgtEl>
-                                          <p:spTgt spid="46"/>
-                                        </p:tgtEl>
-                                        <p:attrNameLst>
-                                          <p:attrName>style.visibility</p:attrName>
-                                        </p:attrNameLst>
-                                      </p:cBhvr>
-                                      <p:to>
-                                        <p:strVal val="visible"/>
-                                      </p:to>
-                                    </p:set>
-                                    <p:anim calcmode="lin" valueType="num">
-                                      <p:cBhvr>
-                                        <p:cTn id="44" dur="500" fill="hold"/>
-                                        <p:tgtEl>
-                                          <p:spTgt spid="46"/>
-                                        </p:tgtEl>
-                                        <p:attrNameLst>
-                                          <p:attrName>ppt_w</p:attrName>
-                                        </p:attrNameLst>
-                                      </p:cBhvr>
-                                      <p:tavLst>
-                                        <p:tav tm="0">
-                                          <p:val>
-                                            <p:fltVal val="0"/>
-                                          </p:val>
-                                        </p:tav>
-                                        <p:tav tm="100000">
-                                          <p:val>
-                                            <p:strVal val="#ppt_w"/>
-                                          </p:val>
-                                        </p:tav>
-                                      </p:tavLst>
-                                    </p:anim>
-                                    <p:anim calcmode="lin" valueType="num">
-                                      <p:cBhvr>
-                                        <p:cTn id="45" dur="500" fill="hold"/>
-                                        <p:tgtEl>
-                                          <p:spTgt spid="46"/>
-                                        </p:tgtEl>
-                                        <p:attrNameLst>
-                                          <p:attrName>ppt_h</p:attrName>
-                                        </p:attrNameLst>
-                                      </p:cBhvr>
-                                      <p:tavLst>
-                                        <p:tav tm="0">
-                                          <p:val>
-                                            <p:fltVal val="0"/>
-                                          </p:val>
-                                        </p:tav>
-                                        <p:tav tm="100000">
-                                          <p:val>
-                                            <p:strVal val="#ppt_h"/>
-                                          </p:val>
-                                        </p:tav>
-                                      </p:tavLst>
-                                    </p:anim>
-                                    <p:anim calcmode="lin" valueType="num">
-                                      <p:cBhvr>
-                                        <p:cTn id="46" dur="500" fill="hold"/>
-                                        <p:tgtEl>
-                                          <p:spTgt spid="46"/>
-                                        </p:tgtEl>
-                                        <p:attrNameLst>
-                                          <p:attrName>style.rotation</p:attrName>
-                                        </p:attrNameLst>
-                                      </p:cBhvr>
-                                      <p:tavLst>
-                                        <p:tav tm="0">
-                                          <p:val>
-                                            <p:fltVal val="360"/>
-                                          </p:val>
-                                        </p:tav>
-                                        <p:tav tm="100000">
-                                          <p:val>
-                                            <p:fltVal val="0"/>
-                                          </p:val>
-                                        </p:tav>
-                                      </p:tavLst>
-                                    </p:anim>
-                                    <p:animEffect transition="in" filter="fade">
-                                      <p:cBhvr>
-                                        <p:cTn id="47" dur="500"/>
-                                        <p:tgtEl>
-                                          <p:spTgt spid="46"/>
-                                        </p:tgtEl>
-                                      </p:cBhvr>
-                                    </p:animEffect>
-                                  </p:childTnLst>
-                                </p:cTn>
-                              </p:par>
-                            </p:childTnLst>
-                          </p:cTn>
-                        </p:par>
-                        <p:par>
-                          <p:cTn id="48" fill="hold">
-                            <p:stCondLst>
-                              <p:cond delay="4000"/>
-                            </p:stCondLst>
-                            <p:childTnLst>
-                              <p:par>
-                                <p:cTn id="49" presetID="22" presetClass="entr" presetSubtype="1" fill="hold" grpId="0" nodeType="afterEffect">
-                                  <p:stCondLst>
-                                    <p:cond delay="0"/>
-                                  </p:stCondLst>
-                                  <p:childTnLst>
-                                    <p:set>
-                                      <p:cBhvr>
-                                        <p:cTn id="50" dur="1" fill="hold">
-                                          <p:stCondLst>
-                                            <p:cond delay="0"/>
-                                          </p:stCondLst>
-                                        </p:cTn>
-                                        <p:tgtEl>
-                                          <p:spTgt spid="29"/>
-                                        </p:tgtEl>
-                                        <p:attrNameLst>
-                                          <p:attrName>style.visibility</p:attrName>
-                                        </p:attrNameLst>
-                                      </p:cBhvr>
-                                      <p:to>
-                                        <p:strVal val="visible"/>
-                                      </p:to>
-                                    </p:set>
-                                    <p:animEffect transition="in" filter="wipe(up)">
-                                      <p:cBhvr>
-                                        <p:cTn id="51" dur="500"/>
-                                        <p:tgtEl>
-                                          <p:spTgt spid="29"/>
-                                        </p:tgtEl>
-                                      </p:cBhvr>
-                                    </p:animEffect>
-                                  </p:childTnLst>
-                                </p:cTn>
-                              </p:par>
-                            </p:childTnLst>
-                          </p:cTn>
-                        </p:par>
-                      </p:childTnLst>
-                    </p:cTn>
-                  </p:par>
-                </p:childTnLst>
-              </p:cTn>
-              <p:prevCondLst>
-                <p:cond evt="onPrev" delay="0">
-                  <p:tgtEl>
-                    <p:sldTgt/>
-                  </p:tgtEl>
-                </p:cond>
-              </p:prevCondLst>
-              <p:nextCondLst>
-                <p:cond evt="onNext" delay="0">
-                  <p:tgtEl>
-                    <p:sldTgt/>
-                  </p:tgtEl>
-                </p:cond>
-              </p:nextCondLst>
-            </p:seq>
-          </p:childTnLst>
-        </p:cTn>
-      </p:par>
-    </p:tnLst>
-    <p:bldLst>
-      <p:bldP spid="46" grpId="0" animBg="1"/>
-      <p:bldP spid="45" grpId="0" animBg="1"/>
-      <p:bldP spid="44" grpId="0" animBg="1"/>
-      <p:bldP spid="11" grpId="0" animBg="1"/>
-      <p:bldP spid="25" grpId="0"/>
-      <p:bldP spid="26" grpId="0"/>
-      <p:bldP spid="27" grpId="0"/>
-      <p:bldP spid="28" grpId="0"/>
-      <p:bldP spid="29" grpId="0"/>
-    </p:bldLst>
-  </p:timing>
-</p:sld>
-</file>
-
-<file path=ppt/slides/slide4.xml><?xml version="1.0" encoding="utf-8"?>
-<p:sld xmlns:a="http://schemas.openxmlformats.org/drawingml/2006/main" xmlns:r="http://schemas.openxmlformats.org/officeDocument/2006/relationships" xmlns:p="http://schemas.openxmlformats.org/presentationml/2006/main">
-  <p:cSld>
-    <p:spTree>
-      <p:nvGrpSpPr>
-        <p:cNvPr id="1" name=""/>
-        <p:cNvGrpSpPr/>
-        <p:nvPr/>
-      </p:nvGrpSpPr>
-      <p:grpSpPr>
-        <a:xfrm>
-          <a:off x="0" y="0"/>
-          <a:ext cx="0" cy="0"/>
-          <a:chOff x="0" y="0"/>
-          <a:chExt cx="0" cy="0"/>
-        </a:xfrm>
-      </p:grpSpPr>
-      <p:sp>
-        <p:nvSpPr>
           <p:cNvPr id="50" name="Freeform 49"/>
           <p:cNvSpPr/>
           <p:nvPr/>
@@ -8409,2911 +7099,696 @@
       </p:sp>
       <p:sp>
         <p:nvSpPr>
-          <p:cNvPr id="42" name="Freeform 517"/>
-          <p:cNvSpPr>
-            <a:spLocks noChangeAspect="1" noEditPoints="1"/>
-          </p:cNvSpPr>
-          <p:nvPr/>
-        </p:nvSpPr>
-        <p:spPr bwMode="auto">
-          <a:xfrm>
-            <a:off x="9791380" y="2606150"/>
-            <a:ext cx="731520" cy="288605"/>
-          </a:xfrm>
-          <a:custGeom>
-            <a:avLst/>
-            <a:gdLst/>
-            <a:ahLst/>
-            <a:cxnLst>
-              <a:cxn ang="0">
-                <a:pos x="91" y="84"/>
-              </a:cxn>
-              <a:cxn ang="0">
-                <a:pos x="35" y="47"/>
-              </a:cxn>
-              <a:cxn ang="0">
-                <a:pos x="14" y="47"/>
-              </a:cxn>
-              <a:cxn ang="0">
-                <a:pos x="30" y="31"/>
-              </a:cxn>
-              <a:cxn ang="0">
-                <a:pos x="75" y="67"/>
-              </a:cxn>
-              <a:cxn ang="0">
-                <a:pos x="52" y="67"/>
-              </a:cxn>
-              <a:cxn ang="0">
-                <a:pos x="69" y="12"/>
-              </a:cxn>
-              <a:cxn ang="0">
-                <a:pos x="244" y="0"/>
-              </a:cxn>
-              <a:cxn ang="0">
-                <a:pos x="409" y="84"/>
-              </a:cxn>
-              <a:cxn ang="0">
-                <a:pos x="133" y="53"/>
-              </a:cxn>
-              <a:cxn ang="0">
-                <a:pos x="118" y="37"/>
-              </a:cxn>
-              <a:cxn ang="0">
-                <a:pos x="139" y="37"/>
-              </a:cxn>
-              <a:cxn ang="0">
-                <a:pos x="170" y="53"/>
-              </a:cxn>
-              <a:cxn ang="0">
-                <a:pos x="154" y="37"/>
-              </a:cxn>
-              <a:cxn ang="0">
-                <a:pos x="175" y="37"/>
-              </a:cxn>
-              <a:cxn ang="0">
-                <a:pos x="206" y="53"/>
-              </a:cxn>
-              <a:cxn ang="0">
-                <a:pos x="191" y="37"/>
-              </a:cxn>
-              <a:cxn ang="0">
-                <a:pos x="212" y="37"/>
-              </a:cxn>
-              <a:cxn ang="0">
-                <a:pos x="246" y="72"/>
-              </a:cxn>
-              <a:cxn ang="0">
-                <a:pos x="229" y="17"/>
-              </a:cxn>
-              <a:cxn ang="0">
-                <a:pos x="252" y="17"/>
-              </a:cxn>
-              <a:cxn ang="0">
-                <a:pos x="276" y="21"/>
-              </a:cxn>
-              <a:cxn ang="0">
-                <a:pos x="336" y="63"/>
-              </a:cxn>
-              <a:cxn ang="0">
-                <a:pos x="410" y="138"/>
-              </a:cxn>
-              <a:cxn ang="0">
-                <a:pos x="398" y="138"/>
-              </a:cxn>
-              <a:cxn ang="0">
-                <a:pos x="375" y="146"/>
-              </a:cxn>
-              <a:cxn ang="0">
-                <a:pos x="363" y="146"/>
-              </a:cxn>
-              <a:cxn ang="0">
-                <a:pos x="339" y="138"/>
-              </a:cxn>
-              <a:cxn ang="0">
-                <a:pos x="328" y="138"/>
-              </a:cxn>
-              <a:cxn ang="0">
-                <a:pos x="305" y="146"/>
-              </a:cxn>
-              <a:cxn ang="0">
-                <a:pos x="293" y="146"/>
-              </a:cxn>
-              <a:cxn ang="0">
-                <a:pos x="269" y="138"/>
-              </a:cxn>
-              <a:cxn ang="0">
-                <a:pos x="258" y="138"/>
-              </a:cxn>
-              <a:cxn ang="0">
-                <a:pos x="234" y="146"/>
-              </a:cxn>
-              <a:cxn ang="0">
-                <a:pos x="222" y="146"/>
-              </a:cxn>
-              <a:cxn ang="0">
-                <a:pos x="199" y="138"/>
-              </a:cxn>
-              <a:cxn ang="0">
-                <a:pos x="188" y="138"/>
-              </a:cxn>
-              <a:cxn ang="0">
-                <a:pos x="164" y="146"/>
-              </a:cxn>
-              <a:cxn ang="0">
-                <a:pos x="152" y="146"/>
-              </a:cxn>
-              <a:cxn ang="0">
-                <a:pos x="129" y="138"/>
-              </a:cxn>
-              <a:cxn ang="0">
-                <a:pos x="117" y="138"/>
-              </a:cxn>
-              <a:cxn ang="0">
-                <a:pos x="94" y="146"/>
-              </a:cxn>
-              <a:cxn ang="0">
-                <a:pos x="82" y="146"/>
-              </a:cxn>
-              <a:cxn ang="0">
-                <a:pos x="59" y="138"/>
-              </a:cxn>
-              <a:cxn ang="0">
-                <a:pos x="47" y="138"/>
-              </a:cxn>
-              <a:cxn ang="0">
-                <a:pos x="24" y="146"/>
-              </a:cxn>
-              <a:cxn ang="0">
-                <a:pos x="12" y="146"/>
-              </a:cxn>
-              <a:cxn ang="0">
-                <a:pos x="0" y="138"/>
-              </a:cxn>
-              <a:cxn ang="0">
-                <a:pos x="32" y="112"/>
-              </a:cxn>
-              <a:cxn ang="0">
-                <a:pos x="32" y="112"/>
-              </a:cxn>
-              <a:cxn ang="0">
-                <a:pos x="133" y="112"/>
-              </a:cxn>
-              <a:cxn ang="0">
-                <a:pos x="282" y="125"/>
-              </a:cxn>
-              <a:cxn ang="0">
-                <a:pos x="2" y="95"/>
-              </a:cxn>
-              <a:cxn ang="0">
-                <a:pos x="73" y="116"/>
-              </a:cxn>
-              <a:cxn ang="0">
-                <a:pos x="24" y="116"/>
-              </a:cxn>
-              <a:cxn ang="0">
-                <a:pos x="105" y="95"/>
-              </a:cxn>
-              <a:cxn ang="0">
-                <a:pos x="309" y="116"/>
-              </a:cxn>
-              <a:cxn ang="0">
-                <a:pos x="260" y="116"/>
-              </a:cxn>
-              <a:cxn ang="0">
-                <a:pos x="130" y="104"/>
-              </a:cxn>
-              <a:cxn ang="0">
-                <a:pos x="105" y="95"/>
-              </a:cxn>
-            </a:cxnLst>
-            <a:rect l="0" t="0" r="r" b="b"/>
-            <a:pathLst>
-              <a:path w="410" h="146">
-                <a:moveTo>
-                  <a:pt x="0" y="0"/>
-                </a:moveTo>
-                <a:cubicBezTo>
-                  <a:pt x="0" y="84"/>
-                  <a:pt x="0" y="84"/>
-                  <a:pt x="0" y="84"/>
-                </a:cubicBezTo>
-                <a:cubicBezTo>
-                  <a:pt x="91" y="84"/>
-                  <a:pt x="91" y="84"/>
-                  <a:pt x="91" y="84"/>
-                </a:cubicBezTo>
-                <a:cubicBezTo>
-                  <a:pt x="91" y="0"/>
-                  <a:pt x="91" y="0"/>
-                  <a:pt x="91" y="0"/>
-                </a:cubicBezTo>
-                <a:lnTo>
-                  <a:pt x="0" y="0"/>
-                </a:lnTo>
-                <a:close/>
-                <a:moveTo>
-                  <a:pt x="35" y="47"/>
-                </a:moveTo>
-                <a:cubicBezTo>
-                  <a:pt x="35" y="50"/>
-                  <a:pt x="33" y="53"/>
-                  <a:pt x="30" y="53"/>
-                </a:cubicBezTo>
-                <a:cubicBezTo>
-                  <a:pt x="20" y="53"/>
-                  <a:pt x="20" y="53"/>
-                  <a:pt x="20" y="53"/>
-                </a:cubicBezTo>
-                <a:cubicBezTo>
-                  <a:pt x="17" y="53"/>
-                  <a:pt x="14" y="50"/>
-                  <a:pt x="14" y="47"/>
-                </a:cubicBezTo>
-                <a:cubicBezTo>
-                  <a:pt x="14" y="37"/>
-                  <a:pt x="14" y="37"/>
-                  <a:pt x="14" y="37"/>
-                </a:cubicBezTo>
-                <a:cubicBezTo>
-                  <a:pt x="14" y="34"/>
-                  <a:pt x="17" y="31"/>
-                  <a:pt x="20" y="31"/>
-                </a:cubicBezTo>
-                <a:cubicBezTo>
-                  <a:pt x="30" y="31"/>
-                  <a:pt x="30" y="31"/>
-                  <a:pt x="30" y="31"/>
-                </a:cubicBezTo>
-                <a:cubicBezTo>
-                  <a:pt x="33" y="31"/>
-                  <a:pt x="35" y="34"/>
-                  <a:pt x="35" y="37"/>
-                </a:cubicBezTo>
-                <a:lnTo>
-                  <a:pt x="35" y="47"/>
-                </a:lnTo>
-                <a:close/>
-                <a:moveTo>
-                  <a:pt x="75" y="67"/>
-                </a:moveTo>
-                <a:cubicBezTo>
-                  <a:pt x="75" y="70"/>
-                  <a:pt x="72" y="72"/>
-                  <a:pt x="69" y="72"/>
-                </a:cubicBezTo>
-                <a:cubicBezTo>
-                  <a:pt x="58" y="72"/>
-                  <a:pt x="58" y="72"/>
-                  <a:pt x="58" y="72"/>
-                </a:cubicBezTo>
-                <a:cubicBezTo>
-                  <a:pt x="54" y="72"/>
-                  <a:pt x="52" y="70"/>
-                  <a:pt x="52" y="67"/>
-                </a:cubicBezTo>
-                <a:cubicBezTo>
-                  <a:pt x="52" y="17"/>
-                  <a:pt x="52" y="17"/>
-                  <a:pt x="52" y="17"/>
-                </a:cubicBezTo>
-                <a:cubicBezTo>
-                  <a:pt x="52" y="14"/>
-                  <a:pt x="54" y="12"/>
-                  <a:pt x="58" y="12"/>
-                </a:cubicBezTo>
-                <a:cubicBezTo>
-                  <a:pt x="69" y="12"/>
-                  <a:pt x="69" y="12"/>
-                  <a:pt x="69" y="12"/>
-                </a:cubicBezTo>
-                <a:cubicBezTo>
-                  <a:pt x="72" y="12"/>
-                  <a:pt x="75" y="14"/>
-                  <a:pt x="75" y="17"/>
-                </a:cubicBezTo>
-                <a:lnTo>
-                  <a:pt x="75" y="67"/>
-                </a:lnTo>
-                <a:close/>
-                <a:moveTo>
-                  <a:pt x="244" y="0"/>
-                </a:moveTo>
-                <a:cubicBezTo>
-                  <a:pt x="155" y="0"/>
-                  <a:pt x="113" y="0"/>
-                  <a:pt x="103" y="0"/>
-                </a:cubicBezTo>
-                <a:cubicBezTo>
-                  <a:pt x="103" y="84"/>
-                  <a:pt x="103" y="84"/>
-                  <a:pt x="103" y="84"/>
-                </a:cubicBezTo>
-                <a:cubicBezTo>
-                  <a:pt x="409" y="84"/>
-                  <a:pt x="409" y="84"/>
-                  <a:pt x="409" y="84"/>
-                </a:cubicBezTo>
-                <a:cubicBezTo>
-                  <a:pt x="406" y="61"/>
-                  <a:pt x="336" y="0"/>
-                  <a:pt x="244" y="0"/>
-                </a:cubicBezTo>
-                <a:close/>
-                <a:moveTo>
-                  <a:pt x="139" y="47"/>
-                </a:moveTo>
-                <a:cubicBezTo>
-                  <a:pt x="139" y="50"/>
-                  <a:pt x="136" y="53"/>
-                  <a:pt x="133" y="53"/>
-                </a:cubicBezTo>
-                <a:cubicBezTo>
-                  <a:pt x="123" y="53"/>
-                  <a:pt x="123" y="53"/>
-                  <a:pt x="123" y="53"/>
-                </a:cubicBezTo>
-                <a:cubicBezTo>
-                  <a:pt x="120" y="53"/>
-                  <a:pt x="118" y="50"/>
-                  <a:pt x="118" y="47"/>
-                </a:cubicBezTo>
-                <a:cubicBezTo>
-                  <a:pt x="118" y="37"/>
-                  <a:pt x="118" y="37"/>
-                  <a:pt x="118" y="37"/>
-                </a:cubicBezTo>
-                <a:cubicBezTo>
-                  <a:pt x="118" y="34"/>
-                  <a:pt x="120" y="31"/>
-                  <a:pt x="123" y="31"/>
-                </a:cubicBezTo>
-                <a:cubicBezTo>
-                  <a:pt x="133" y="31"/>
-                  <a:pt x="133" y="31"/>
-                  <a:pt x="133" y="31"/>
-                </a:cubicBezTo>
-                <a:cubicBezTo>
-                  <a:pt x="136" y="31"/>
-                  <a:pt x="139" y="34"/>
-                  <a:pt x="139" y="37"/>
-                </a:cubicBezTo>
-                <a:lnTo>
-                  <a:pt x="139" y="47"/>
-                </a:lnTo>
-                <a:close/>
-                <a:moveTo>
-                  <a:pt x="175" y="47"/>
-                </a:moveTo>
-                <a:cubicBezTo>
-                  <a:pt x="175" y="50"/>
-                  <a:pt x="173" y="53"/>
-                  <a:pt x="170" y="53"/>
-                </a:cubicBezTo>
-                <a:cubicBezTo>
-                  <a:pt x="160" y="53"/>
-                  <a:pt x="160" y="53"/>
-                  <a:pt x="160" y="53"/>
-                </a:cubicBezTo>
-                <a:cubicBezTo>
-                  <a:pt x="157" y="53"/>
-                  <a:pt x="154" y="50"/>
-                  <a:pt x="154" y="47"/>
-                </a:cubicBezTo>
-                <a:cubicBezTo>
-                  <a:pt x="154" y="37"/>
-                  <a:pt x="154" y="37"/>
-                  <a:pt x="154" y="37"/>
-                </a:cubicBezTo>
-                <a:cubicBezTo>
-                  <a:pt x="154" y="34"/>
-                  <a:pt x="157" y="31"/>
-                  <a:pt x="160" y="31"/>
-                </a:cubicBezTo>
-                <a:cubicBezTo>
-                  <a:pt x="170" y="31"/>
-                  <a:pt x="170" y="31"/>
-                  <a:pt x="170" y="31"/>
-                </a:cubicBezTo>
-                <a:cubicBezTo>
-                  <a:pt x="173" y="31"/>
-                  <a:pt x="175" y="34"/>
-                  <a:pt x="175" y="37"/>
-                </a:cubicBezTo>
-                <a:lnTo>
-                  <a:pt x="175" y="47"/>
-                </a:lnTo>
-                <a:close/>
-                <a:moveTo>
-                  <a:pt x="212" y="47"/>
-                </a:moveTo>
-                <a:cubicBezTo>
-                  <a:pt x="212" y="50"/>
-                  <a:pt x="210" y="53"/>
-                  <a:pt x="206" y="53"/>
-                </a:cubicBezTo>
-                <a:cubicBezTo>
-                  <a:pt x="197" y="53"/>
-                  <a:pt x="197" y="53"/>
-                  <a:pt x="197" y="53"/>
-                </a:cubicBezTo>
-                <a:cubicBezTo>
-                  <a:pt x="194" y="53"/>
-                  <a:pt x="191" y="50"/>
-                  <a:pt x="191" y="47"/>
-                </a:cubicBezTo>
-                <a:cubicBezTo>
-                  <a:pt x="191" y="37"/>
-                  <a:pt x="191" y="37"/>
-                  <a:pt x="191" y="37"/>
-                </a:cubicBezTo>
-                <a:cubicBezTo>
-                  <a:pt x="191" y="34"/>
-                  <a:pt x="194" y="31"/>
-                  <a:pt x="197" y="31"/>
-                </a:cubicBezTo>
-                <a:cubicBezTo>
-                  <a:pt x="206" y="31"/>
-                  <a:pt x="206" y="31"/>
-                  <a:pt x="206" y="31"/>
-                </a:cubicBezTo>
-                <a:cubicBezTo>
-                  <a:pt x="210" y="31"/>
-                  <a:pt x="212" y="34"/>
-                  <a:pt x="212" y="37"/>
-                </a:cubicBezTo>
-                <a:lnTo>
-                  <a:pt x="212" y="47"/>
-                </a:lnTo>
-                <a:close/>
-                <a:moveTo>
-                  <a:pt x="252" y="67"/>
-                </a:moveTo>
-                <a:cubicBezTo>
-                  <a:pt x="252" y="70"/>
-                  <a:pt x="249" y="72"/>
-                  <a:pt x="246" y="72"/>
-                </a:cubicBezTo>
-                <a:cubicBezTo>
-                  <a:pt x="235" y="72"/>
-                  <a:pt x="235" y="72"/>
-                  <a:pt x="235" y="72"/>
-                </a:cubicBezTo>
-                <a:cubicBezTo>
-                  <a:pt x="231" y="72"/>
-                  <a:pt x="229" y="70"/>
-                  <a:pt x="229" y="67"/>
-                </a:cubicBezTo>
-                <a:cubicBezTo>
-                  <a:pt x="229" y="17"/>
-                  <a:pt x="229" y="17"/>
-                  <a:pt x="229" y="17"/>
-                </a:cubicBezTo>
-                <a:cubicBezTo>
-                  <a:pt x="229" y="14"/>
-                  <a:pt x="231" y="12"/>
-                  <a:pt x="235" y="12"/>
-                </a:cubicBezTo>
-                <a:cubicBezTo>
-                  <a:pt x="246" y="12"/>
-                  <a:pt x="246" y="12"/>
-                  <a:pt x="246" y="12"/>
-                </a:cubicBezTo>
-                <a:cubicBezTo>
-                  <a:pt x="249" y="12"/>
-                  <a:pt x="252" y="14"/>
-                  <a:pt x="252" y="17"/>
-                </a:cubicBezTo>
-                <a:lnTo>
-                  <a:pt x="252" y="67"/>
-                </a:lnTo>
-                <a:close/>
-                <a:moveTo>
-                  <a:pt x="336" y="63"/>
-                </a:moveTo>
-                <a:cubicBezTo>
-                  <a:pt x="300" y="63"/>
-                  <a:pt x="276" y="53"/>
-                  <a:pt x="276" y="21"/>
-                </a:cubicBezTo>
-                <a:cubicBezTo>
-                  <a:pt x="276" y="19"/>
-                  <a:pt x="276" y="16"/>
-                  <a:pt x="276" y="13"/>
-                </a:cubicBezTo>
-                <a:cubicBezTo>
-                  <a:pt x="325" y="21"/>
-                  <a:pt x="363" y="45"/>
-                  <a:pt x="383" y="64"/>
-                </a:cubicBezTo>
-                <a:lnTo>
-                  <a:pt x="336" y="63"/>
-                </a:lnTo>
-                <a:close/>
-                <a:moveTo>
-                  <a:pt x="410" y="130"/>
-                </a:moveTo>
-                <a:cubicBezTo>
-                  <a:pt x="410" y="138"/>
-                  <a:pt x="410" y="138"/>
-                  <a:pt x="410" y="138"/>
-                </a:cubicBezTo>
-                <a:cubicBezTo>
-                  <a:pt x="410" y="138"/>
-                  <a:pt x="410" y="138"/>
-                  <a:pt x="410" y="138"/>
-                </a:cubicBezTo>
-                <a:cubicBezTo>
-                  <a:pt x="410" y="146"/>
-                  <a:pt x="410" y="146"/>
-                  <a:pt x="410" y="146"/>
-                </a:cubicBezTo>
-                <a:cubicBezTo>
-                  <a:pt x="398" y="146"/>
-                  <a:pt x="398" y="146"/>
-                  <a:pt x="398" y="146"/>
-                </a:cubicBezTo>
-                <a:cubicBezTo>
-                  <a:pt x="398" y="138"/>
-                  <a:pt x="398" y="138"/>
-                  <a:pt x="398" y="138"/>
-                </a:cubicBezTo>
-                <a:cubicBezTo>
-                  <a:pt x="386" y="138"/>
-                  <a:pt x="386" y="138"/>
-                  <a:pt x="386" y="138"/>
-                </a:cubicBezTo>
-                <a:cubicBezTo>
-                  <a:pt x="386" y="146"/>
-                  <a:pt x="386" y="146"/>
-                  <a:pt x="386" y="146"/>
-                </a:cubicBezTo>
-                <a:cubicBezTo>
-                  <a:pt x="375" y="146"/>
-                  <a:pt x="375" y="146"/>
-                  <a:pt x="375" y="146"/>
-                </a:cubicBezTo>
-                <a:cubicBezTo>
-                  <a:pt x="375" y="138"/>
-                  <a:pt x="375" y="138"/>
-                  <a:pt x="375" y="138"/>
-                </a:cubicBezTo>
-                <a:cubicBezTo>
-                  <a:pt x="363" y="138"/>
-                  <a:pt x="363" y="138"/>
-                  <a:pt x="363" y="138"/>
-                </a:cubicBezTo>
-                <a:cubicBezTo>
-                  <a:pt x="363" y="146"/>
-                  <a:pt x="363" y="146"/>
-                  <a:pt x="363" y="146"/>
-                </a:cubicBezTo>
-                <a:cubicBezTo>
-                  <a:pt x="351" y="146"/>
-                  <a:pt x="351" y="146"/>
-                  <a:pt x="351" y="146"/>
-                </a:cubicBezTo>
-                <a:cubicBezTo>
-                  <a:pt x="351" y="138"/>
-                  <a:pt x="351" y="138"/>
-                  <a:pt x="351" y="138"/>
-                </a:cubicBezTo>
-                <a:cubicBezTo>
-                  <a:pt x="339" y="138"/>
-                  <a:pt x="339" y="138"/>
-                  <a:pt x="339" y="138"/>
-                </a:cubicBezTo>
-                <a:cubicBezTo>
-                  <a:pt x="339" y="146"/>
-                  <a:pt x="339" y="146"/>
-                  <a:pt x="339" y="146"/>
-                </a:cubicBezTo>
-                <a:cubicBezTo>
-                  <a:pt x="328" y="146"/>
-                  <a:pt x="328" y="146"/>
-                  <a:pt x="328" y="146"/>
-                </a:cubicBezTo>
-                <a:cubicBezTo>
-                  <a:pt x="328" y="138"/>
-                  <a:pt x="328" y="138"/>
-                  <a:pt x="328" y="138"/>
-                </a:cubicBezTo>
-                <a:cubicBezTo>
-                  <a:pt x="316" y="138"/>
-                  <a:pt x="316" y="138"/>
-                  <a:pt x="316" y="138"/>
-                </a:cubicBezTo>
-                <a:cubicBezTo>
-                  <a:pt x="316" y="146"/>
-                  <a:pt x="316" y="146"/>
-                  <a:pt x="316" y="146"/>
-                </a:cubicBezTo>
-                <a:cubicBezTo>
-                  <a:pt x="305" y="146"/>
-                  <a:pt x="305" y="146"/>
-                  <a:pt x="305" y="146"/>
-                </a:cubicBezTo>
-                <a:cubicBezTo>
-                  <a:pt x="305" y="138"/>
-                  <a:pt x="305" y="138"/>
-                  <a:pt x="305" y="138"/>
-                </a:cubicBezTo>
-                <a:cubicBezTo>
-                  <a:pt x="293" y="138"/>
-                  <a:pt x="293" y="138"/>
-                  <a:pt x="293" y="138"/>
-                </a:cubicBezTo>
-                <a:cubicBezTo>
-                  <a:pt x="293" y="146"/>
-                  <a:pt x="293" y="146"/>
-                  <a:pt x="293" y="146"/>
-                </a:cubicBezTo>
-                <a:cubicBezTo>
-                  <a:pt x="281" y="146"/>
-                  <a:pt x="281" y="146"/>
-                  <a:pt x="281" y="146"/>
-                </a:cubicBezTo>
-                <a:cubicBezTo>
-                  <a:pt x="281" y="138"/>
-                  <a:pt x="281" y="138"/>
-                  <a:pt x="281" y="138"/>
-                </a:cubicBezTo>
-                <a:cubicBezTo>
-                  <a:pt x="269" y="138"/>
-                  <a:pt x="269" y="138"/>
-                  <a:pt x="269" y="138"/>
-                </a:cubicBezTo>
-                <a:cubicBezTo>
-                  <a:pt x="269" y="146"/>
-                  <a:pt x="269" y="146"/>
-                  <a:pt x="269" y="146"/>
-                </a:cubicBezTo>
-                <a:cubicBezTo>
-                  <a:pt x="258" y="146"/>
-                  <a:pt x="258" y="146"/>
-                  <a:pt x="258" y="146"/>
-                </a:cubicBezTo>
-                <a:cubicBezTo>
-                  <a:pt x="258" y="138"/>
-                  <a:pt x="258" y="138"/>
-                  <a:pt x="258" y="138"/>
-                </a:cubicBezTo>
-                <a:cubicBezTo>
-                  <a:pt x="246" y="138"/>
-                  <a:pt x="246" y="138"/>
-                  <a:pt x="246" y="138"/>
-                </a:cubicBezTo>
-                <a:cubicBezTo>
-                  <a:pt x="246" y="146"/>
-                  <a:pt x="246" y="146"/>
-                  <a:pt x="246" y="146"/>
-                </a:cubicBezTo>
-                <a:cubicBezTo>
-                  <a:pt x="234" y="146"/>
-                  <a:pt x="234" y="146"/>
-                  <a:pt x="234" y="146"/>
-                </a:cubicBezTo>
-                <a:cubicBezTo>
-                  <a:pt x="234" y="138"/>
-                  <a:pt x="234" y="138"/>
-                  <a:pt x="234" y="138"/>
-                </a:cubicBezTo>
-                <a:cubicBezTo>
-                  <a:pt x="222" y="138"/>
-                  <a:pt x="222" y="138"/>
-                  <a:pt x="222" y="138"/>
-                </a:cubicBezTo>
-                <a:cubicBezTo>
-                  <a:pt x="222" y="146"/>
-                  <a:pt x="222" y="146"/>
-                  <a:pt x="222" y="146"/>
-                </a:cubicBezTo>
-                <a:cubicBezTo>
-                  <a:pt x="211" y="146"/>
-                  <a:pt x="211" y="146"/>
-                  <a:pt x="211" y="146"/>
-                </a:cubicBezTo>
-                <a:cubicBezTo>
-                  <a:pt x="211" y="138"/>
-                  <a:pt x="211" y="138"/>
-                  <a:pt x="211" y="138"/>
-                </a:cubicBezTo>
-                <a:cubicBezTo>
-                  <a:pt x="199" y="138"/>
-                  <a:pt x="199" y="138"/>
-                  <a:pt x="199" y="138"/>
-                </a:cubicBezTo>
-                <a:cubicBezTo>
-                  <a:pt x="199" y="146"/>
-                  <a:pt x="199" y="146"/>
-                  <a:pt x="199" y="146"/>
-                </a:cubicBezTo>
-                <a:cubicBezTo>
-                  <a:pt x="188" y="146"/>
-                  <a:pt x="188" y="146"/>
-                  <a:pt x="188" y="146"/>
-                </a:cubicBezTo>
-                <a:cubicBezTo>
-                  <a:pt x="188" y="138"/>
-                  <a:pt x="188" y="138"/>
-                  <a:pt x="188" y="138"/>
-                </a:cubicBezTo>
-                <a:cubicBezTo>
-                  <a:pt x="176" y="138"/>
-                  <a:pt x="176" y="138"/>
-                  <a:pt x="176" y="138"/>
-                </a:cubicBezTo>
-                <a:cubicBezTo>
-                  <a:pt x="176" y="146"/>
-                  <a:pt x="176" y="146"/>
-                  <a:pt x="176" y="146"/>
-                </a:cubicBezTo>
-                <a:cubicBezTo>
-                  <a:pt x="164" y="146"/>
-                  <a:pt x="164" y="146"/>
-                  <a:pt x="164" y="146"/>
-                </a:cubicBezTo>
-                <a:cubicBezTo>
-                  <a:pt x="164" y="138"/>
-                  <a:pt x="164" y="138"/>
-                  <a:pt x="164" y="138"/>
-                </a:cubicBezTo>
-                <a:cubicBezTo>
-                  <a:pt x="152" y="138"/>
-                  <a:pt x="152" y="138"/>
-                  <a:pt x="152" y="138"/>
-                </a:cubicBezTo>
-                <a:cubicBezTo>
-                  <a:pt x="152" y="146"/>
-                  <a:pt x="152" y="146"/>
-                  <a:pt x="152" y="146"/>
-                </a:cubicBezTo>
-                <a:cubicBezTo>
-                  <a:pt x="141" y="146"/>
-                  <a:pt x="141" y="146"/>
-                  <a:pt x="141" y="146"/>
-                </a:cubicBezTo>
-                <a:cubicBezTo>
-                  <a:pt x="141" y="138"/>
-                  <a:pt x="141" y="138"/>
-                  <a:pt x="141" y="138"/>
-                </a:cubicBezTo>
-                <a:cubicBezTo>
-                  <a:pt x="129" y="138"/>
-                  <a:pt x="129" y="138"/>
-                  <a:pt x="129" y="138"/>
-                </a:cubicBezTo>
-                <a:cubicBezTo>
-                  <a:pt x="129" y="146"/>
-                  <a:pt x="129" y="146"/>
-                  <a:pt x="129" y="146"/>
-                </a:cubicBezTo>
-                <a:cubicBezTo>
-                  <a:pt x="117" y="146"/>
-                  <a:pt x="117" y="146"/>
-                  <a:pt x="117" y="146"/>
-                </a:cubicBezTo>
-                <a:cubicBezTo>
-                  <a:pt x="117" y="138"/>
-                  <a:pt x="117" y="138"/>
-                  <a:pt x="117" y="138"/>
-                </a:cubicBezTo>
-                <a:cubicBezTo>
-                  <a:pt x="105" y="138"/>
-                  <a:pt x="105" y="138"/>
-                  <a:pt x="105" y="138"/>
-                </a:cubicBezTo>
-                <a:cubicBezTo>
-                  <a:pt x="105" y="146"/>
-                  <a:pt x="105" y="146"/>
-                  <a:pt x="105" y="146"/>
-                </a:cubicBezTo>
-                <a:cubicBezTo>
-                  <a:pt x="94" y="146"/>
-                  <a:pt x="94" y="146"/>
-                  <a:pt x="94" y="146"/>
-                </a:cubicBezTo>
-                <a:cubicBezTo>
-                  <a:pt x="94" y="138"/>
-                  <a:pt x="94" y="138"/>
-                  <a:pt x="94" y="138"/>
-                </a:cubicBezTo>
-                <a:cubicBezTo>
-                  <a:pt x="82" y="138"/>
-                  <a:pt x="82" y="138"/>
-                  <a:pt x="82" y="138"/>
-                </a:cubicBezTo>
-                <a:cubicBezTo>
-                  <a:pt x="82" y="146"/>
-                  <a:pt x="82" y="146"/>
-                  <a:pt x="82" y="146"/>
-                </a:cubicBezTo>
-                <a:cubicBezTo>
-                  <a:pt x="71" y="146"/>
-                  <a:pt x="71" y="146"/>
-                  <a:pt x="71" y="146"/>
-                </a:cubicBezTo>
-                <a:cubicBezTo>
-                  <a:pt x="71" y="138"/>
-                  <a:pt x="71" y="138"/>
-                  <a:pt x="71" y="138"/>
-                </a:cubicBezTo>
-                <a:cubicBezTo>
-                  <a:pt x="59" y="138"/>
-                  <a:pt x="59" y="138"/>
-                  <a:pt x="59" y="138"/>
-                </a:cubicBezTo>
-                <a:cubicBezTo>
-                  <a:pt x="59" y="146"/>
-                  <a:pt x="59" y="146"/>
-                  <a:pt x="59" y="146"/>
-                </a:cubicBezTo>
-                <a:cubicBezTo>
-                  <a:pt x="47" y="146"/>
-                  <a:pt x="47" y="146"/>
-                  <a:pt x="47" y="146"/>
-                </a:cubicBezTo>
-                <a:cubicBezTo>
-                  <a:pt x="47" y="138"/>
-                  <a:pt x="47" y="138"/>
-                  <a:pt x="47" y="138"/>
-                </a:cubicBezTo>
-                <a:cubicBezTo>
-                  <a:pt x="35" y="138"/>
-                  <a:pt x="35" y="138"/>
-                  <a:pt x="35" y="138"/>
-                </a:cubicBezTo>
-                <a:cubicBezTo>
-                  <a:pt x="35" y="146"/>
-                  <a:pt x="35" y="146"/>
-                  <a:pt x="35" y="146"/>
-                </a:cubicBezTo>
-                <a:cubicBezTo>
-                  <a:pt x="24" y="146"/>
-                  <a:pt x="24" y="146"/>
-                  <a:pt x="24" y="146"/>
-                </a:cubicBezTo>
-                <a:cubicBezTo>
-                  <a:pt x="24" y="138"/>
-                  <a:pt x="24" y="138"/>
-                  <a:pt x="24" y="138"/>
-                </a:cubicBezTo>
-                <a:cubicBezTo>
-                  <a:pt x="12" y="138"/>
-                  <a:pt x="12" y="138"/>
-                  <a:pt x="12" y="138"/>
-                </a:cubicBezTo>
-                <a:cubicBezTo>
-                  <a:pt x="12" y="146"/>
-                  <a:pt x="12" y="146"/>
-                  <a:pt x="12" y="146"/>
-                </a:cubicBezTo>
-                <a:cubicBezTo>
-                  <a:pt x="0" y="146"/>
-                  <a:pt x="0" y="146"/>
-                  <a:pt x="0" y="146"/>
-                </a:cubicBezTo>
-                <a:cubicBezTo>
-                  <a:pt x="0" y="138"/>
-                  <a:pt x="0" y="138"/>
-                  <a:pt x="0" y="138"/>
-                </a:cubicBezTo>
-                <a:cubicBezTo>
-                  <a:pt x="0" y="138"/>
-                  <a:pt x="0" y="138"/>
-                  <a:pt x="0" y="138"/>
-                </a:cubicBezTo>
-                <a:cubicBezTo>
-                  <a:pt x="0" y="130"/>
-                  <a:pt x="0" y="130"/>
-                  <a:pt x="0" y="130"/>
-                </a:cubicBezTo>
-                <a:lnTo>
-                  <a:pt x="410" y="130"/>
-                </a:lnTo>
-                <a:close/>
-                <a:moveTo>
-                  <a:pt x="32" y="112"/>
-                </a:moveTo>
-                <a:cubicBezTo>
-                  <a:pt x="33" y="119"/>
-                  <a:pt x="39" y="125"/>
-                  <a:pt x="46" y="125"/>
-                </a:cubicBezTo>
-                <a:cubicBezTo>
-                  <a:pt x="54" y="125"/>
-                  <a:pt x="60" y="119"/>
-                  <a:pt x="60" y="112"/>
-                </a:cubicBezTo>
-                <a:lnTo>
-                  <a:pt x="32" y="112"/>
-                </a:lnTo>
-                <a:close/>
-                <a:moveTo>
-                  <a:pt x="161" y="112"/>
-                </a:moveTo>
-                <a:cubicBezTo>
-                  <a:pt x="160" y="119"/>
-                  <a:pt x="154" y="125"/>
-                  <a:pt x="147" y="125"/>
-                </a:cubicBezTo>
-                <a:cubicBezTo>
-                  <a:pt x="140" y="125"/>
-                  <a:pt x="134" y="119"/>
-                  <a:pt x="133" y="112"/>
-                </a:cubicBezTo>
-                <a:lnTo>
-                  <a:pt x="161" y="112"/>
-                </a:lnTo>
-                <a:close/>
-                <a:moveTo>
-                  <a:pt x="296" y="112"/>
-                </a:moveTo>
-                <a:cubicBezTo>
-                  <a:pt x="296" y="119"/>
-                  <a:pt x="290" y="125"/>
-                  <a:pt x="282" y="125"/>
-                </a:cubicBezTo>
-                <a:cubicBezTo>
-                  <a:pt x="275" y="125"/>
-                  <a:pt x="269" y="119"/>
-                  <a:pt x="268" y="112"/>
-                </a:cubicBezTo>
-                <a:lnTo>
-                  <a:pt x="296" y="112"/>
-                </a:lnTo>
-                <a:close/>
-                <a:moveTo>
-                  <a:pt x="2" y="95"/>
-                </a:moveTo>
-                <a:cubicBezTo>
-                  <a:pt x="93" y="95"/>
-                  <a:pt x="93" y="95"/>
-                  <a:pt x="93" y="95"/>
-                </a:cubicBezTo>
-                <a:cubicBezTo>
-                  <a:pt x="93" y="116"/>
-                  <a:pt x="93" y="116"/>
-                  <a:pt x="93" y="116"/>
-                </a:cubicBezTo>
-                <a:cubicBezTo>
-                  <a:pt x="73" y="116"/>
-                  <a:pt x="73" y="116"/>
-                  <a:pt x="73" y="116"/>
-                </a:cubicBezTo>
-                <a:cubicBezTo>
-                  <a:pt x="67" y="104"/>
-                  <a:pt x="67" y="104"/>
-                  <a:pt x="67" y="104"/>
-                </a:cubicBezTo>
-                <a:cubicBezTo>
-                  <a:pt x="29" y="104"/>
-                  <a:pt x="29" y="104"/>
-                  <a:pt x="29" y="104"/>
-                </a:cubicBezTo>
-                <a:cubicBezTo>
-                  <a:pt x="24" y="116"/>
-                  <a:pt x="24" y="116"/>
-                  <a:pt x="24" y="116"/>
-                </a:cubicBezTo>
-                <a:cubicBezTo>
-                  <a:pt x="2" y="116"/>
-                  <a:pt x="2" y="116"/>
-                  <a:pt x="2" y="116"/>
-                </a:cubicBezTo>
-                <a:lnTo>
-                  <a:pt x="2" y="95"/>
-                </a:lnTo>
-                <a:close/>
-                <a:moveTo>
-                  <a:pt x="105" y="95"/>
-                </a:moveTo>
-                <a:cubicBezTo>
-                  <a:pt x="407" y="95"/>
-                  <a:pt x="407" y="95"/>
-                  <a:pt x="407" y="95"/>
-                </a:cubicBezTo>
-                <a:cubicBezTo>
-                  <a:pt x="390" y="116"/>
-                  <a:pt x="323" y="116"/>
-                  <a:pt x="323" y="116"/>
-                </a:cubicBezTo>
-                <a:cubicBezTo>
-                  <a:pt x="309" y="116"/>
-                  <a:pt x="309" y="116"/>
-                  <a:pt x="309" y="116"/>
-                </a:cubicBezTo>
-                <a:cubicBezTo>
-                  <a:pt x="303" y="104"/>
-                  <a:pt x="303" y="104"/>
-                  <a:pt x="303" y="104"/>
-                </a:cubicBezTo>
-                <a:cubicBezTo>
-                  <a:pt x="265" y="104"/>
-                  <a:pt x="265" y="104"/>
-                  <a:pt x="265" y="104"/>
-                </a:cubicBezTo>
-                <a:cubicBezTo>
-                  <a:pt x="260" y="116"/>
-                  <a:pt x="260" y="116"/>
-                  <a:pt x="260" y="116"/>
-                </a:cubicBezTo>
-                <a:cubicBezTo>
-                  <a:pt x="174" y="116"/>
-                  <a:pt x="174" y="116"/>
-                  <a:pt x="174" y="116"/>
-                </a:cubicBezTo>
-                <a:cubicBezTo>
-                  <a:pt x="169" y="104"/>
-                  <a:pt x="169" y="104"/>
-                  <a:pt x="169" y="104"/>
-                </a:cubicBezTo>
-                <a:cubicBezTo>
-                  <a:pt x="130" y="104"/>
-                  <a:pt x="130" y="104"/>
-                  <a:pt x="130" y="104"/>
-                </a:cubicBezTo>
-                <a:cubicBezTo>
-                  <a:pt x="125" y="116"/>
-                  <a:pt x="125" y="116"/>
-                  <a:pt x="125" y="116"/>
-                </a:cubicBezTo>
-                <a:cubicBezTo>
-                  <a:pt x="105" y="116"/>
-                  <a:pt x="105" y="116"/>
-                  <a:pt x="105" y="116"/>
-                </a:cubicBezTo>
-                <a:lnTo>
-                  <a:pt x="105" y="95"/>
-                </a:lnTo>
-                <a:close/>
-              </a:path>
-            </a:pathLst>
-          </a:custGeom>
-          <a:solidFill>
-            <a:schemeClr val="bg1"/>
-          </a:solidFill>
-          <a:ln w="9525">
-            <a:noFill/>
-            <a:round/>
-            <a:headEnd/>
-            <a:tailEnd/>
-          </a:ln>
-          <a:effectLst>
-            <a:outerShdw blurRad="50800" dist="38100" dir="2700000" algn="tl" rotWithShape="0">
-              <a:prstClr val="black">
-                <a:alpha val="40000"/>
-              </a:prstClr>
-            </a:outerShdw>
-          </a:effectLst>
-        </p:spPr>
-        <p:txBody>
-          <a:bodyPr vert="horz" wrap="square" lIns="121920" tIns="60960" rIns="121920" bIns="60960" numCol="1" anchor="t" anchorCtr="0" compatLnSpc="1">
-            <a:prstTxWarp prst="textNoShape">
-              <a:avLst/>
-            </a:prstTxWarp>
-          </a:bodyPr>
-          <a:lstStyle/>
-          <a:p>
-            <a:endParaRPr lang="en-US" sz="2400"/>
-          </a:p>
-        </p:txBody>
-      </p:sp>
-      <p:sp>
-        <p:nvSpPr>
-          <p:cNvPr id="43" name="Freeform 525"/>
-          <p:cNvSpPr>
-            <a:spLocks noChangeAspect="1" noEditPoints="1"/>
-          </p:cNvSpPr>
-          <p:nvPr/>
-        </p:nvSpPr>
-        <p:spPr bwMode="auto">
-          <a:xfrm>
-            <a:off x="7092447" y="2510889"/>
-            <a:ext cx="817119" cy="365760"/>
-          </a:xfrm>
-          <a:custGeom>
-            <a:avLst/>
-            <a:gdLst/>
-            <a:ahLst/>
-            <a:cxnLst>
-              <a:cxn ang="0">
-                <a:pos x="61" y="50"/>
-              </a:cxn>
-              <a:cxn ang="0">
-                <a:pos x="419" y="130"/>
-              </a:cxn>
-              <a:cxn ang="0">
-                <a:pos x="68" y="61"/>
-              </a:cxn>
-              <a:cxn ang="0">
-                <a:pos x="344" y="67"/>
-              </a:cxn>
-              <a:cxn ang="0">
-                <a:pos x="63" y="73"/>
-              </a:cxn>
-              <a:cxn ang="0">
-                <a:pos x="58" y="84"/>
-              </a:cxn>
-              <a:cxn ang="0">
-                <a:pos x="369" y="90"/>
-              </a:cxn>
-              <a:cxn ang="0">
-                <a:pos x="52" y="96"/>
-              </a:cxn>
-              <a:cxn ang="0">
-                <a:pos x="383" y="119"/>
-              </a:cxn>
-              <a:cxn ang="0">
-                <a:pos x="47" y="107"/>
-              </a:cxn>
-              <a:cxn ang="0">
-                <a:pos x="388" y="113"/>
-              </a:cxn>
-              <a:cxn ang="0">
-                <a:pos x="331" y="38"/>
-              </a:cxn>
-              <a:cxn ang="0">
-                <a:pos x="212" y="27"/>
-              </a:cxn>
-              <a:cxn ang="0">
-                <a:pos x="331" y="38"/>
-              </a:cxn>
-              <a:cxn ang="0">
-                <a:pos x="101" y="0"/>
-              </a:cxn>
-              <a:cxn ang="0">
-                <a:pos x="132" y="38"/>
-              </a:cxn>
-              <a:cxn ang="0">
-                <a:pos x="481" y="141"/>
-              </a:cxn>
-              <a:cxn ang="0">
-                <a:pos x="404" y="214"/>
-              </a:cxn>
-              <a:cxn ang="0">
-                <a:pos x="6" y="168"/>
-              </a:cxn>
-              <a:cxn ang="0">
-                <a:pos x="481" y="141"/>
-              </a:cxn>
-              <a:cxn ang="0">
-                <a:pos x="75" y="153"/>
-              </a:cxn>
-              <a:cxn ang="0">
-                <a:pos x="104" y="168"/>
-              </a:cxn>
-              <a:cxn ang="0">
-                <a:pos x="150" y="153"/>
-              </a:cxn>
-              <a:cxn ang="0">
-                <a:pos x="116" y="168"/>
-              </a:cxn>
-              <a:cxn ang="0">
-                <a:pos x="150" y="153"/>
-              </a:cxn>
-              <a:cxn ang="0">
-                <a:pos x="163" y="153"/>
-              </a:cxn>
-              <a:cxn ang="0">
-                <a:pos x="197" y="168"/>
-              </a:cxn>
-              <a:cxn ang="0">
-                <a:pos x="244" y="153"/>
-              </a:cxn>
-              <a:cxn ang="0">
-                <a:pos x="209" y="168"/>
-              </a:cxn>
-              <a:cxn ang="0">
-                <a:pos x="244" y="153"/>
-              </a:cxn>
-              <a:cxn ang="0">
-                <a:pos x="256" y="153"/>
-              </a:cxn>
-              <a:cxn ang="0">
-                <a:pos x="291" y="168"/>
-              </a:cxn>
-              <a:cxn ang="0">
-                <a:pos x="387" y="184"/>
-              </a:cxn>
-              <a:cxn ang="0">
-                <a:pos x="375" y="196"/>
-              </a:cxn>
-            </a:cxnLst>
-            <a:rect l="0" t="0" r="r" b="b"/>
-            <a:pathLst>
-              <a:path w="481" h="214">
-                <a:moveTo>
-                  <a:pt x="331" y="50"/>
-                </a:moveTo>
-                <a:cubicBezTo>
-                  <a:pt x="275" y="50"/>
-                  <a:pt x="61" y="50"/>
-                  <a:pt x="61" y="50"/>
-                </a:cubicBezTo>
-                <a:cubicBezTo>
-                  <a:pt x="25" y="130"/>
-                  <a:pt x="25" y="130"/>
-                  <a:pt x="25" y="130"/>
-                </a:cubicBezTo>
-                <a:cubicBezTo>
-                  <a:pt x="25" y="130"/>
-                  <a:pt x="346" y="130"/>
-                  <a:pt x="419" y="130"/>
-                </a:cubicBezTo>
-                <a:cubicBezTo>
-                  <a:pt x="375" y="76"/>
-                  <a:pt x="360" y="50"/>
-                  <a:pt x="331" y="50"/>
-                </a:cubicBezTo>
-                <a:close/>
-                <a:moveTo>
-                  <a:pt x="68" y="61"/>
-                </a:moveTo>
-                <a:cubicBezTo>
-                  <a:pt x="338" y="61"/>
-                  <a:pt x="338" y="61"/>
-                  <a:pt x="338" y="61"/>
-                </a:cubicBezTo>
-                <a:cubicBezTo>
-                  <a:pt x="341" y="61"/>
-                  <a:pt x="344" y="64"/>
-                  <a:pt x="344" y="67"/>
-                </a:cubicBezTo>
-                <a:cubicBezTo>
-                  <a:pt x="344" y="70"/>
-                  <a:pt x="341" y="73"/>
-                  <a:pt x="338" y="73"/>
-                </a:cubicBezTo>
-                <a:cubicBezTo>
-                  <a:pt x="63" y="73"/>
-                  <a:pt x="63" y="73"/>
-                  <a:pt x="63" y="73"/>
-                </a:cubicBezTo>
-                <a:lnTo>
-                  <a:pt x="68" y="61"/>
-                </a:lnTo>
-                <a:close/>
-                <a:moveTo>
-                  <a:pt x="58" y="84"/>
-                </a:moveTo>
-                <a:cubicBezTo>
-                  <a:pt x="363" y="84"/>
-                  <a:pt x="363" y="84"/>
-                  <a:pt x="363" y="84"/>
-                </a:cubicBezTo>
-                <a:cubicBezTo>
-                  <a:pt x="366" y="84"/>
-                  <a:pt x="369" y="87"/>
-                  <a:pt x="369" y="90"/>
-                </a:cubicBezTo>
-                <a:cubicBezTo>
-                  <a:pt x="369" y="93"/>
-                  <a:pt x="366" y="96"/>
-                  <a:pt x="363" y="96"/>
-                </a:cubicBezTo>
-                <a:cubicBezTo>
-                  <a:pt x="52" y="96"/>
-                  <a:pt x="52" y="96"/>
-                  <a:pt x="52" y="96"/>
-                </a:cubicBezTo>
-                <a:lnTo>
-                  <a:pt x="58" y="84"/>
-                </a:lnTo>
-                <a:close/>
-                <a:moveTo>
-                  <a:pt x="383" y="119"/>
-                </a:moveTo>
-                <a:cubicBezTo>
-                  <a:pt x="42" y="119"/>
-                  <a:pt x="42" y="119"/>
-                  <a:pt x="42" y="119"/>
-                </a:cubicBezTo>
-                <a:cubicBezTo>
-                  <a:pt x="47" y="107"/>
-                  <a:pt x="47" y="107"/>
-                  <a:pt x="47" y="107"/>
-                </a:cubicBezTo>
-                <a:cubicBezTo>
-                  <a:pt x="383" y="107"/>
-                  <a:pt x="383" y="107"/>
-                  <a:pt x="383" y="107"/>
-                </a:cubicBezTo>
-                <a:cubicBezTo>
-                  <a:pt x="386" y="107"/>
-                  <a:pt x="388" y="110"/>
-                  <a:pt x="388" y="113"/>
-                </a:cubicBezTo>
-                <a:cubicBezTo>
-                  <a:pt x="388" y="116"/>
-                  <a:pt x="386" y="119"/>
-                  <a:pt x="383" y="119"/>
-                </a:cubicBezTo>
-                <a:close/>
-                <a:moveTo>
-                  <a:pt x="331" y="38"/>
-                </a:moveTo>
-                <a:cubicBezTo>
-                  <a:pt x="207" y="38"/>
-                  <a:pt x="207" y="38"/>
-                  <a:pt x="207" y="38"/>
-                </a:cubicBezTo>
-                <a:cubicBezTo>
-                  <a:pt x="212" y="27"/>
-                  <a:pt x="212" y="27"/>
-                  <a:pt x="212" y="27"/>
-                </a:cubicBezTo>
-                <a:cubicBezTo>
-                  <a:pt x="309" y="27"/>
-                  <a:pt x="309" y="27"/>
-                  <a:pt x="309" y="27"/>
-                </a:cubicBezTo>
-                <a:cubicBezTo>
-                  <a:pt x="321" y="27"/>
-                  <a:pt x="322" y="29"/>
-                  <a:pt x="331" y="38"/>
-                </a:cubicBezTo>
-                <a:close/>
-                <a:moveTo>
-                  <a:pt x="131" y="0"/>
-                </a:moveTo>
-                <a:cubicBezTo>
-                  <a:pt x="101" y="0"/>
-                  <a:pt x="101" y="0"/>
-                  <a:pt x="101" y="0"/>
-                </a:cubicBezTo>
-                <a:cubicBezTo>
-                  <a:pt x="84" y="38"/>
-                  <a:pt x="84" y="38"/>
-                  <a:pt x="84" y="38"/>
-                </a:cubicBezTo>
-                <a:cubicBezTo>
-                  <a:pt x="132" y="38"/>
-                  <a:pt x="132" y="38"/>
-                  <a:pt x="132" y="38"/>
-                </a:cubicBezTo>
-                <a:lnTo>
-                  <a:pt x="131" y="0"/>
-                </a:lnTo>
-                <a:close/>
-                <a:moveTo>
-                  <a:pt x="481" y="141"/>
-                </a:moveTo>
-                <a:cubicBezTo>
-                  <a:pt x="481" y="147"/>
-                  <a:pt x="481" y="147"/>
-                  <a:pt x="481" y="147"/>
-                </a:cubicBezTo>
-                <a:cubicBezTo>
-                  <a:pt x="428" y="182"/>
-                  <a:pt x="404" y="195"/>
-                  <a:pt x="404" y="214"/>
-                </a:cubicBezTo>
-                <a:cubicBezTo>
-                  <a:pt x="382" y="214"/>
-                  <a:pt x="71" y="214"/>
-                  <a:pt x="42" y="214"/>
-                </a:cubicBezTo>
-                <a:cubicBezTo>
-                  <a:pt x="0" y="214"/>
-                  <a:pt x="6" y="194"/>
-                  <a:pt x="6" y="168"/>
-                </a:cubicBezTo>
-                <a:cubicBezTo>
-                  <a:pt x="19" y="141"/>
-                  <a:pt x="19" y="141"/>
-                  <a:pt x="19" y="141"/>
-                </a:cubicBezTo>
-                <a:lnTo>
-                  <a:pt x="481" y="141"/>
-                </a:lnTo>
-                <a:close/>
-                <a:moveTo>
-                  <a:pt x="104" y="153"/>
-                </a:moveTo>
-                <a:cubicBezTo>
-                  <a:pt x="75" y="153"/>
-                  <a:pt x="75" y="153"/>
-                  <a:pt x="75" y="153"/>
-                </a:cubicBezTo>
-                <a:cubicBezTo>
-                  <a:pt x="68" y="168"/>
-                  <a:pt x="68" y="168"/>
-                  <a:pt x="68" y="168"/>
-                </a:cubicBezTo>
-                <a:cubicBezTo>
-                  <a:pt x="104" y="168"/>
-                  <a:pt x="104" y="168"/>
-                  <a:pt x="104" y="168"/>
-                </a:cubicBezTo>
-                <a:lnTo>
-                  <a:pt x="104" y="153"/>
-                </a:lnTo>
-                <a:close/>
-                <a:moveTo>
-                  <a:pt x="150" y="153"/>
-                </a:moveTo>
-                <a:cubicBezTo>
-                  <a:pt x="116" y="153"/>
-                  <a:pt x="116" y="153"/>
-                  <a:pt x="116" y="153"/>
-                </a:cubicBezTo>
-                <a:cubicBezTo>
-                  <a:pt x="116" y="168"/>
-                  <a:pt x="116" y="168"/>
-                  <a:pt x="116" y="168"/>
-                </a:cubicBezTo>
-                <a:cubicBezTo>
-                  <a:pt x="150" y="168"/>
-                  <a:pt x="150" y="168"/>
-                  <a:pt x="150" y="168"/>
-                </a:cubicBezTo>
-                <a:lnTo>
-                  <a:pt x="150" y="153"/>
-                </a:lnTo>
-                <a:close/>
-                <a:moveTo>
-                  <a:pt x="197" y="153"/>
-                </a:moveTo>
-                <a:cubicBezTo>
-                  <a:pt x="163" y="153"/>
-                  <a:pt x="163" y="153"/>
-                  <a:pt x="163" y="153"/>
-                </a:cubicBezTo>
-                <a:cubicBezTo>
-                  <a:pt x="163" y="168"/>
-                  <a:pt x="163" y="168"/>
-                  <a:pt x="163" y="168"/>
-                </a:cubicBezTo>
-                <a:cubicBezTo>
-                  <a:pt x="197" y="168"/>
-                  <a:pt x="197" y="168"/>
-                  <a:pt x="197" y="168"/>
-                </a:cubicBezTo>
-                <a:lnTo>
-                  <a:pt x="197" y="153"/>
-                </a:lnTo>
-                <a:close/>
-                <a:moveTo>
-                  <a:pt x="244" y="153"/>
-                </a:moveTo>
-                <a:cubicBezTo>
-                  <a:pt x="209" y="153"/>
-                  <a:pt x="209" y="153"/>
-                  <a:pt x="209" y="153"/>
-                </a:cubicBezTo>
-                <a:cubicBezTo>
-                  <a:pt x="209" y="168"/>
-                  <a:pt x="209" y="168"/>
-                  <a:pt x="209" y="168"/>
-                </a:cubicBezTo>
-                <a:cubicBezTo>
-                  <a:pt x="244" y="168"/>
-                  <a:pt x="244" y="168"/>
-                  <a:pt x="244" y="168"/>
-                </a:cubicBezTo>
-                <a:lnTo>
-                  <a:pt x="244" y="153"/>
-                </a:lnTo>
-                <a:close/>
-                <a:moveTo>
-                  <a:pt x="291" y="153"/>
-                </a:moveTo>
-                <a:cubicBezTo>
-                  <a:pt x="256" y="153"/>
-                  <a:pt x="256" y="153"/>
-                  <a:pt x="256" y="153"/>
-                </a:cubicBezTo>
-                <a:cubicBezTo>
-                  <a:pt x="256" y="168"/>
-                  <a:pt x="256" y="168"/>
-                  <a:pt x="256" y="168"/>
-                </a:cubicBezTo>
-                <a:cubicBezTo>
-                  <a:pt x="291" y="168"/>
-                  <a:pt x="291" y="168"/>
-                  <a:pt x="291" y="168"/>
-                </a:cubicBezTo>
-                <a:lnTo>
-                  <a:pt x="291" y="153"/>
-                </a:lnTo>
-                <a:close/>
-                <a:moveTo>
-                  <a:pt x="387" y="184"/>
-                </a:moveTo>
-                <a:cubicBezTo>
-                  <a:pt x="364" y="184"/>
-                  <a:pt x="364" y="184"/>
-                  <a:pt x="364" y="184"/>
-                </a:cubicBezTo>
-                <a:cubicBezTo>
-                  <a:pt x="364" y="191"/>
-                  <a:pt x="369" y="196"/>
-                  <a:pt x="375" y="196"/>
-                </a:cubicBezTo>
-                <a:cubicBezTo>
-                  <a:pt x="382" y="196"/>
-                  <a:pt x="387" y="191"/>
-                  <a:pt x="387" y="184"/>
-                </a:cubicBezTo>
-                <a:close/>
-              </a:path>
-            </a:pathLst>
-          </a:custGeom>
-          <a:solidFill>
-            <a:schemeClr val="bg1"/>
-          </a:solidFill>
-          <a:ln w="9525">
-            <a:noFill/>
-            <a:round/>
-            <a:headEnd/>
-            <a:tailEnd/>
-          </a:ln>
-          <a:effectLst>
-            <a:outerShdw blurRad="50800" dist="38100" dir="2700000" algn="tl" rotWithShape="0">
-              <a:prstClr val="black">
-                <a:alpha val="40000"/>
-              </a:prstClr>
-            </a:outerShdw>
-          </a:effectLst>
-        </p:spPr>
-        <p:txBody>
-          <a:bodyPr vert="horz" wrap="square" lIns="121920" tIns="60960" rIns="121920" bIns="60960" numCol="1" anchor="t" anchorCtr="0" compatLnSpc="1">
-            <a:prstTxWarp prst="textNoShape">
-              <a:avLst/>
-            </a:prstTxWarp>
-          </a:bodyPr>
-          <a:lstStyle/>
-          <a:p>
-            <a:endParaRPr lang="en-US" sz="2400"/>
-          </a:p>
-        </p:txBody>
-      </p:sp>
-      <p:sp>
-        <p:nvSpPr>
-          <p:cNvPr id="44" name="Freeform 543"/>
-          <p:cNvSpPr>
-            <a:spLocks noChangeAspect="1" noEditPoints="1"/>
-          </p:cNvSpPr>
-          <p:nvPr/>
-        </p:nvSpPr>
-        <p:spPr bwMode="auto">
-          <a:xfrm>
-            <a:off x="1684836" y="2527317"/>
-            <a:ext cx="731520" cy="446272"/>
-          </a:xfrm>
-          <a:custGeom>
-            <a:avLst/>
-            <a:gdLst/>
-            <a:ahLst/>
-            <a:cxnLst>
-              <a:cxn ang="0">
-                <a:pos x="43" y="115"/>
-              </a:cxn>
-              <a:cxn ang="0">
-                <a:pos x="14" y="128"/>
-              </a:cxn>
-              <a:cxn ang="0">
-                <a:pos x="238" y="59"/>
-              </a:cxn>
-              <a:cxn ang="0">
-                <a:pos x="242" y="47"/>
-              </a:cxn>
-              <a:cxn ang="0">
-                <a:pos x="214" y="48"/>
-              </a:cxn>
-              <a:cxn ang="0">
-                <a:pos x="238" y="59"/>
-              </a:cxn>
-              <a:cxn ang="0">
-                <a:pos x="247" y="59"/>
-              </a:cxn>
-              <a:cxn ang="0">
-                <a:pos x="250" y="53"/>
-              </a:cxn>
-              <a:cxn ang="0">
-                <a:pos x="247" y="162"/>
-              </a:cxn>
-              <a:cxn ang="0">
-                <a:pos x="255" y="162"/>
-              </a:cxn>
-              <a:cxn ang="0">
-                <a:pos x="245" y="145"/>
-              </a:cxn>
-              <a:cxn ang="0">
-                <a:pos x="242" y="144"/>
-              </a:cxn>
-              <a:cxn ang="0">
-                <a:pos x="226" y="179"/>
-              </a:cxn>
-              <a:cxn ang="0">
-                <a:pos x="245" y="179"/>
-              </a:cxn>
-              <a:cxn ang="0">
-                <a:pos x="245" y="145"/>
-              </a:cxn>
-              <a:cxn ang="0">
-                <a:pos x="137" y="1"/>
-              </a:cxn>
-              <a:cxn ang="0">
-                <a:pos x="138" y="59"/>
-              </a:cxn>
-              <a:cxn ang="0">
-                <a:pos x="363" y="107"/>
-              </a:cxn>
-              <a:cxn ang="0">
-                <a:pos x="249" y="125"/>
-              </a:cxn>
-              <a:cxn ang="0">
-                <a:pos x="75" y="221"/>
-              </a:cxn>
-              <a:cxn ang="0">
-                <a:pos x="139" y="125"/>
-              </a:cxn>
-              <a:cxn ang="0">
-                <a:pos x="19" y="93"/>
-              </a:cxn>
-              <a:cxn ang="0">
-                <a:pos x="19" y="70"/>
-              </a:cxn>
-              <a:cxn ang="0">
-                <a:pos x="21" y="5"/>
-              </a:cxn>
-              <a:cxn ang="0">
-                <a:pos x="103" y="70"/>
-              </a:cxn>
-              <a:cxn ang="0">
-                <a:pos x="317" y="76"/>
-              </a:cxn>
-              <a:cxn ang="0">
-                <a:pos x="363" y="107"/>
-              </a:cxn>
-              <a:cxn ang="0">
-                <a:pos x="139" y="87"/>
-              </a:cxn>
-              <a:cxn ang="0">
-                <a:pos x="139" y="104"/>
-              </a:cxn>
-              <a:cxn ang="0">
-                <a:pos x="176" y="96"/>
-              </a:cxn>
-              <a:cxn ang="0">
-                <a:pos x="159" y="96"/>
-              </a:cxn>
-              <a:cxn ang="0">
-                <a:pos x="176" y="96"/>
-              </a:cxn>
-              <a:cxn ang="0">
-                <a:pos x="197" y="87"/>
-              </a:cxn>
-              <a:cxn ang="0">
-                <a:pos x="197" y="104"/>
-              </a:cxn>
-              <a:cxn ang="0">
-                <a:pos x="234" y="96"/>
-              </a:cxn>
-              <a:cxn ang="0">
-                <a:pos x="217" y="96"/>
-              </a:cxn>
-              <a:cxn ang="0">
-                <a:pos x="234" y="96"/>
-              </a:cxn>
-              <a:cxn ang="0">
-                <a:pos x="255" y="87"/>
-              </a:cxn>
-              <a:cxn ang="0">
-                <a:pos x="255" y="104"/>
-              </a:cxn>
-              <a:cxn ang="0">
-                <a:pos x="341" y="97"/>
-              </a:cxn>
-              <a:cxn ang="0">
-                <a:pos x="310" y="92"/>
-              </a:cxn>
-              <a:cxn ang="0">
-                <a:pos x="341" y="97"/>
-              </a:cxn>
-            </a:cxnLst>
-            <a:rect l="0" t="0" r="r" b="b"/>
-            <a:pathLst>
-              <a:path w="363" h="221">
-                <a:moveTo>
-                  <a:pt x="26" y="108"/>
-                </a:moveTo>
-                <a:cubicBezTo>
-                  <a:pt x="43" y="115"/>
-                  <a:pt x="43" y="115"/>
-                  <a:pt x="43" y="115"/>
-                </a:cubicBezTo>
-                <a:cubicBezTo>
-                  <a:pt x="27" y="128"/>
-                  <a:pt x="27" y="128"/>
-                  <a:pt x="27" y="128"/>
-                </a:cubicBezTo>
-                <a:cubicBezTo>
-                  <a:pt x="14" y="128"/>
-                  <a:pt x="14" y="128"/>
-                  <a:pt x="14" y="128"/>
-                </a:cubicBezTo>
-                <a:lnTo>
-                  <a:pt x="26" y="108"/>
-                </a:lnTo>
-                <a:close/>
-                <a:moveTo>
-                  <a:pt x="238" y="59"/>
-                </a:moveTo>
-                <a:cubicBezTo>
-                  <a:pt x="239" y="54"/>
-                  <a:pt x="241" y="50"/>
-                  <a:pt x="244" y="48"/>
-                </a:cubicBezTo>
-                <a:cubicBezTo>
-                  <a:pt x="243" y="48"/>
-                  <a:pt x="243" y="47"/>
-                  <a:pt x="242" y="47"/>
-                </a:cubicBezTo>
-                <a:cubicBezTo>
-                  <a:pt x="238" y="47"/>
-                  <a:pt x="230" y="47"/>
-                  <a:pt x="224" y="47"/>
-                </a:cubicBezTo>
-                <a:cubicBezTo>
-                  <a:pt x="221" y="47"/>
-                  <a:pt x="217" y="48"/>
-                  <a:pt x="214" y="48"/>
-                </a:cubicBezTo>
-                <a:cubicBezTo>
-                  <a:pt x="227" y="59"/>
-                  <a:pt x="227" y="59"/>
-                  <a:pt x="227" y="59"/>
-                </a:cubicBezTo>
-                <a:lnTo>
-                  <a:pt x="238" y="59"/>
-                </a:lnTo>
-                <a:close/>
-                <a:moveTo>
-                  <a:pt x="250" y="53"/>
-                </a:moveTo>
-                <a:cubicBezTo>
-                  <a:pt x="249" y="53"/>
-                  <a:pt x="247" y="55"/>
-                  <a:pt x="247" y="59"/>
-                </a:cubicBezTo>
-                <a:cubicBezTo>
-                  <a:pt x="253" y="59"/>
-                  <a:pt x="253" y="59"/>
-                  <a:pt x="253" y="59"/>
-                </a:cubicBezTo>
-                <a:cubicBezTo>
-                  <a:pt x="252" y="55"/>
-                  <a:pt x="250" y="53"/>
-                  <a:pt x="250" y="53"/>
-                </a:cubicBezTo>
-                <a:close/>
-                <a:moveTo>
-                  <a:pt x="251" y="150"/>
-                </a:moveTo>
-                <a:cubicBezTo>
-                  <a:pt x="250" y="150"/>
-                  <a:pt x="247" y="154"/>
-                  <a:pt x="247" y="162"/>
-                </a:cubicBezTo>
-                <a:cubicBezTo>
-                  <a:pt x="247" y="169"/>
-                  <a:pt x="250" y="173"/>
-                  <a:pt x="251" y="173"/>
-                </a:cubicBezTo>
-                <a:cubicBezTo>
-                  <a:pt x="252" y="173"/>
-                  <a:pt x="255" y="169"/>
-                  <a:pt x="255" y="162"/>
-                </a:cubicBezTo>
-                <a:cubicBezTo>
-                  <a:pt x="255" y="154"/>
-                  <a:pt x="252" y="150"/>
-                  <a:pt x="251" y="150"/>
-                </a:cubicBezTo>
-                <a:close/>
-                <a:moveTo>
-                  <a:pt x="245" y="145"/>
-                </a:moveTo>
-                <a:cubicBezTo>
-                  <a:pt x="245" y="145"/>
-                  <a:pt x="244" y="144"/>
-                  <a:pt x="243" y="144"/>
-                </a:cubicBezTo>
-                <a:cubicBezTo>
-                  <a:pt x="243" y="144"/>
-                  <a:pt x="242" y="144"/>
-                  <a:pt x="242" y="144"/>
-                </a:cubicBezTo>
-                <a:cubicBezTo>
-                  <a:pt x="200" y="171"/>
-                  <a:pt x="200" y="171"/>
-                  <a:pt x="200" y="171"/>
-                </a:cubicBezTo>
-                <a:cubicBezTo>
-                  <a:pt x="205" y="176"/>
-                  <a:pt x="214" y="179"/>
-                  <a:pt x="226" y="179"/>
-                </a:cubicBezTo>
-                <a:cubicBezTo>
-                  <a:pt x="231" y="179"/>
-                  <a:pt x="239" y="179"/>
-                  <a:pt x="243" y="179"/>
-                </a:cubicBezTo>
-                <a:cubicBezTo>
-                  <a:pt x="244" y="179"/>
-                  <a:pt x="245" y="179"/>
-                  <a:pt x="245" y="179"/>
-                </a:cubicBezTo>
-                <a:cubicBezTo>
-                  <a:pt x="241" y="176"/>
-                  <a:pt x="239" y="169"/>
-                  <a:pt x="239" y="162"/>
-                </a:cubicBezTo>
-                <a:cubicBezTo>
-                  <a:pt x="239" y="154"/>
-                  <a:pt x="241" y="148"/>
-                  <a:pt x="245" y="145"/>
-                </a:cubicBezTo>
-                <a:close/>
-                <a:moveTo>
-                  <a:pt x="209" y="59"/>
-                </a:moveTo>
-                <a:cubicBezTo>
-                  <a:pt x="137" y="1"/>
-                  <a:pt x="137" y="1"/>
-                  <a:pt x="137" y="1"/>
-                </a:cubicBezTo>
-                <a:cubicBezTo>
-                  <a:pt x="110" y="0"/>
-                  <a:pt x="110" y="0"/>
-                  <a:pt x="110" y="0"/>
-                </a:cubicBezTo>
-                <a:cubicBezTo>
-                  <a:pt x="110" y="0"/>
-                  <a:pt x="133" y="48"/>
-                  <a:pt x="138" y="59"/>
-                </a:cubicBezTo>
-                <a:lnTo>
-                  <a:pt x="209" y="59"/>
-                </a:lnTo>
-                <a:close/>
-                <a:moveTo>
-                  <a:pt x="363" y="107"/>
-                </a:moveTo>
-                <a:cubicBezTo>
-                  <a:pt x="362" y="119"/>
-                  <a:pt x="332" y="125"/>
-                  <a:pt x="317" y="125"/>
-                </a:cubicBezTo>
-                <a:cubicBezTo>
-                  <a:pt x="249" y="125"/>
-                  <a:pt x="249" y="125"/>
-                  <a:pt x="249" y="125"/>
-                </a:cubicBezTo>
-                <a:cubicBezTo>
-                  <a:pt x="102" y="221"/>
-                  <a:pt x="102" y="221"/>
-                  <a:pt x="102" y="221"/>
-                </a:cubicBezTo>
-                <a:cubicBezTo>
-                  <a:pt x="75" y="221"/>
-                  <a:pt x="75" y="221"/>
-                  <a:pt x="75" y="221"/>
-                </a:cubicBezTo>
-                <a:cubicBezTo>
-                  <a:pt x="75" y="221"/>
-                  <a:pt x="114" y="172"/>
-                  <a:pt x="121" y="162"/>
-                </a:cubicBezTo>
-                <a:cubicBezTo>
-                  <a:pt x="128" y="153"/>
-                  <a:pt x="139" y="141"/>
-                  <a:pt x="139" y="125"/>
-                </a:cubicBezTo>
-                <a:cubicBezTo>
-                  <a:pt x="126" y="125"/>
-                  <a:pt x="126" y="125"/>
-                  <a:pt x="126" y="125"/>
-                </a:cubicBezTo>
-                <a:cubicBezTo>
-                  <a:pt x="92" y="125"/>
-                  <a:pt x="46" y="104"/>
-                  <a:pt x="19" y="93"/>
-                </a:cubicBezTo>
-                <a:cubicBezTo>
-                  <a:pt x="3" y="87"/>
-                  <a:pt x="5" y="70"/>
-                  <a:pt x="19" y="70"/>
-                </a:cubicBezTo>
-                <a:cubicBezTo>
-                  <a:pt x="19" y="70"/>
-                  <a:pt x="19" y="70"/>
-                  <a:pt x="19" y="70"/>
-                </a:cubicBezTo>
-                <a:cubicBezTo>
-                  <a:pt x="0" y="5"/>
-                  <a:pt x="0" y="5"/>
-                  <a:pt x="0" y="5"/>
-                </a:cubicBezTo>
-                <a:cubicBezTo>
-                  <a:pt x="21" y="5"/>
-                  <a:pt x="21" y="5"/>
-                  <a:pt x="21" y="5"/>
-                </a:cubicBezTo>
-                <a:cubicBezTo>
-                  <a:pt x="21" y="5"/>
-                  <a:pt x="46" y="37"/>
-                  <a:pt x="55" y="48"/>
-                </a:cubicBezTo>
-                <a:cubicBezTo>
-                  <a:pt x="67" y="62"/>
-                  <a:pt x="81" y="69"/>
-                  <a:pt x="103" y="70"/>
-                </a:cubicBezTo>
-                <a:cubicBezTo>
-                  <a:pt x="281" y="70"/>
-                  <a:pt x="281" y="70"/>
-                  <a:pt x="281" y="70"/>
-                </a:cubicBezTo>
-                <a:cubicBezTo>
-                  <a:pt x="293" y="70"/>
-                  <a:pt x="306" y="72"/>
-                  <a:pt x="317" y="76"/>
-                </a:cubicBezTo>
-                <a:cubicBezTo>
-                  <a:pt x="337" y="83"/>
-                  <a:pt x="351" y="92"/>
-                  <a:pt x="359" y="99"/>
-                </a:cubicBezTo>
-                <a:cubicBezTo>
-                  <a:pt x="362" y="103"/>
-                  <a:pt x="363" y="105"/>
-                  <a:pt x="363" y="107"/>
-                </a:cubicBezTo>
-                <a:close/>
-                <a:moveTo>
-                  <a:pt x="147" y="96"/>
-                </a:moveTo>
-                <a:cubicBezTo>
-                  <a:pt x="147" y="91"/>
-                  <a:pt x="143" y="87"/>
-                  <a:pt x="139" y="87"/>
-                </a:cubicBezTo>
-                <a:cubicBezTo>
-                  <a:pt x="134" y="87"/>
-                  <a:pt x="130" y="91"/>
-                  <a:pt x="130" y="96"/>
-                </a:cubicBezTo>
-                <a:cubicBezTo>
-                  <a:pt x="130" y="101"/>
-                  <a:pt x="134" y="104"/>
-                  <a:pt x="139" y="104"/>
-                </a:cubicBezTo>
-                <a:cubicBezTo>
-                  <a:pt x="143" y="104"/>
-                  <a:pt x="147" y="101"/>
-                  <a:pt x="147" y="96"/>
-                </a:cubicBezTo>
-                <a:close/>
-                <a:moveTo>
-                  <a:pt x="176" y="96"/>
-                </a:moveTo>
-                <a:cubicBezTo>
-                  <a:pt x="176" y="91"/>
-                  <a:pt x="172" y="87"/>
-                  <a:pt x="168" y="87"/>
-                </a:cubicBezTo>
-                <a:cubicBezTo>
-                  <a:pt x="163" y="87"/>
-                  <a:pt x="159" y="91"/>
-                  <a:pt x="159" y="96"/>
-                </a:cubicBezTo>
-                <a:cubicBezTo>
-                  <a:pt x="159" y="101"/>
-                  <a:pt x="163" y="104"/>
-                  <a:pt x="168" y="104"/>
-                </a:cubicBezTo>
-                <a:cubicBezTo>
-                  <a:pt x="172" y="104"/>
-                  <a:pt x="176" y="101"/>
-                  <a:pt x="176" y="96"/>
-                </a:cubicBezTo>
-                <a:close/>
-                <a:moveTo>
-                  <a:pt x="205" y="96"/>
-                </a:moveTo>
-                <a:cubicBezTo>
-                  <a:pt x="205" y="91"/>
-                  <a:pt x="201" y="87"/>
-                  <a:pt x="197" y="87"/>
-                </a:cubicBezTo>
-                <a:cubicBezTo>
-                  <a:pt x="192" y="87"/>
-                  <a:pt x="188" y="91"/>
-                  <a:pt x="188" y="96"/>
-                </a:cubicBezTo>
-                <a:cubicBezTo>
-                  <a:pt x="188" y="101"/>
-                  <a:pt x="192" y="104"/>
-                  <a:pt x="197" y="104"/>
-                </a:cubicBezTo>
-                <a:cubicBezTo>
-                  <a:pt x="201" y="104"/>
-                  <a:pt x="205" y="101"/>
-                  <a:pt x="205" y="96"/>
-                </a:cubicBezTo>
-                <a:close/>
-                <a:moveTo>
-                  <a:pt x="234" y="96"/>
-                </a:moveTo>
-                <a:cubicBezTo>
-                  <a:pt x="234" y="91"/>
-                  <a:pt x="230" y="87"/>
-                  <a:pt x="226" y="87"/>
-                </a:cubicBezTo>
-                <a:cubicBezTo>
-                  <a:pt x="221" y="87"/>
-                  <a:pt x="217" y="91"/>
-                  <a:pt x="217" y="96"/>
-                </a:cubicBezTo>
-                <a:cubicBezTo>
-                  <a:pt x="217" y="101"/>
-                  <a:pt x="221" y="104"/>
-                  <a:pt x="226" y="104"/>
-                </a:cubicBezTo>
-                <a:cubicBezTo>
-                  <a:pt x="230" y="104"/>
-                  <a:pt x="234" y="101"/>
-                  <a:pt x="234" y="96"/>
-                </a:cubicBezTo>
-                <a:close/>
-                <a:moveTo>
-                  <a:pt x="263" y="96"/>
-                </a:moveTo>
-                <a:cubicBezTo>
-                  <a:pt x="263" y="91"/>
-                  <a:pt x="259" y="87"/>
-                  <a:pt x="255" y="87"/>
-                </a:cubicBezTo>
-                <a:cubicBezTo>
-                  <a:pt x="250" y="87"/>
-                  <a:pt x="246" y="91"/>
-                  <a:pt x="246" y="96"/>
-                </a:cubicBezTo>
-                <a:cubicBezTo>
-                  <a:pt x="246" y="101"/>
-                  <a:pt x="250" y="104"/>
-                  <a:pt x="255" y="104"/>
-                </a:cubicBezTo>
-                <a:cubicBezTo>
-                  <a:pt x="259" y="104"/>
-                  <a:pt x="263" y="101"/>
-                  <a:pt x="263" y="96"/>
-                </a:cubicBezTo>
-                <a:close/>
-                <a:moveTo>
-                  <a:pt x="341" y="97"/>
-                </a:moveTo>
-                <a:cubicBezTo>
-                  <a:pt x="337" y="94"/>
-                  <a:pt x="332" y="92"/>
-                  <a:pt x="326" y="89"/>
-                </a:cubicBezTo>
-                <a:cubicBezTo>
-                  <a:pt x="322" y="91"/>
-                  <a:pt x="317" y="92"/>
-                  <a:pt x="310" y="92"/>
-                </a:cubicBezTo>
-                <a:cubicBezTo>
-                  <a:pt x="301" y="92"/>
-                  <a:pt x="300" y="105"/>
-                  <a:pt x="311" y="105"/>
-                </a:cubicBezTo>
-                <a:cubicBezTo>
-                  <a:pt x="323" y="105"/>
-                  <a:pt x="336" y="101"/>
-                  <a:pt x="341" y="97"/>
-                </a:cubicBezTo>
-                <a:close/>
-              </a:path>
-            </a:pathLst>
-          </a:custGeom>
-          <a:solidFill>
-            <a:schemeClr val="bg1"/>
-          </a:solidFill>
-          <a:ln w="9525">
-            <a:noFill/>
-            <a:round/>
-            <a:headEnd/>
-            <a:tailEnd/>
-          </a:ln>
-          <a:effectLst>
-            <a:outerShdw blurRad="50800" dist="38100" dir="2700000" algn="tl" rotWithShape="0">
-              <a:prstClr val="black">
-                <a:alpha val="40000"/>
-              </a:prstClr>
-            </a:outerShdw>
-          </a:effectLst>
-        </p:spPr>
-        <p:txBody>
-          <a:bodyPr vert="horz" wrap="square" lIns="121920" tIns="60960" rIns="121920" bIns="60960" numCol="1" anchor="t" anchorCtr="0" compatLnSpc="1">
-            <a:prstTxWarp prst="textNoShape">
-              <a:avLst/>
-            </a:prstTxWarp>
-          </a:bodyPr>
-          <a:lstStyle/>
-          <a:p>
-            <a:endParaRPr lang="en-US" sz="2400"/>
-          </a:p>
-        </p:txBody>
-      </p:sp>
-      <p:sp>
-        <p:nvSpPr>
-          <p:cNvPr id="45" name="Freeform 559"/>
-          <p:cNvSpPr>
-            <a:spLocks noChangeAspect="1" noEditPoints="1"/>
-          </p:cNvSpPr>
-          <p:nvPr/>
-        </p:nvSpPr>
-        <p:spPr bwMode="auto">
-          <a:xfrm>
-            <a:off x="4391736" y="2527317"/>
-            <a:ext cx="731520" cy="332905"/>
-          </a:xfrm>
-          <a:custGeom>
-            <a:avLst/>
-            <a:gdLst/>
-            <a:ahLst/>
-            <a:cxnLst>
-              <a:cxn ang="0">
-                <a:pos x="30" y="132"/>
-              </a:cxn>
-              <a:cxn ang="0">
-                <a:pos x="29" y="150"/>
-              </a:cxn>
-              <a:cxn ang="0">
-                <a:pos x="1" y="135"/>
-              </a:cxn>
-              <a:cxn ang="0">
-                <a:pos x="98" y="143"/>
-              </a:cxn>
-              <a:cxn ang="0">
-                <a:pos x="38" y="143"/>
-              </a:cxn>
-              <a:cxn ang="0">
-                <a:pos x="98" y="143"/>
-              </a:cxn>
-              <a:cxn ang="0">
-                <a:pos x="68" y="127"/>
-              </a:cxn>
-              <a:cxn ang="0">
-                <a:pos x="68" y="159"/>
-              </a:cxn>
-              <a:cxn ang="0">
-                <a:pos x="334" y="143"/>
-              </a:cxn>
-              <a:cxn ang="0">
-                <a:pos x="361" y="154"/>
-              </a:cxn>
-              <a:cxn ang="0">
-                <a:pos x="332" y="132"/>
-              </a:cxn>
-              <a:cxn ang="0">
-                <a:pos x="108" y="143"/>
-              </a:cxn>
-              <a:cxn ang="0">
-                <a:pos x="255" y="158"/>
-              </a:cxn>
-              <a:cxn ang="0">
-                <a:pos x="256" y="132"/>
-              </a:cxn>
-              <a:cxn ang="0">
-                <a:pos x="108" y="143"/>
-              </a:cxn>
-              <a:cxn ang="0">
-                <a:pos x="294" y="173"/>
-              </a:cxn>
-              <a:cxn ang="0">
-                <a:pos x="294" y="113"/>
-              </a:cxn>
-              <a:cxn ang="0">
-                <a:pos x="310" y="143"/>
-              </a:cxn>
-              <a:cxn ang="0">
-                <a:pos x="278" y="143"/>
-              </a:cxn>
-              <a:cxn ang="0">
-                <a:pos x="310" y="143"/>
-              </a:cxn>
-              <a:cxn ang="0">
-                <a:pos x="326" y="120"/>
-              </a:cxn>
-              <a:cxn ang="0">
-                <a:pos x="261" y="120"/>
-              </a:cxn>
-              <a:cxn ang="0">
-                <a:pos x="176" y="75"/>
-              </a:cxn>
-              <a:cxn ang="0">
-                <a:pos x="266" y="68"/>
-              </a:cxn>
-              <a:cxn ang="0">
-                <a:pos x="165" y="120"/>
-              </a:cxn>
-              <a:cxn ang="0">
-                <a:pos x="84" y="107"/>
-              </a:cxn>
-              <a:cxn ang="0">
-                <a:pos x="78" y="75"/>
-              </a:cxn>
-              <a:cxn ang="0">
-                <a:pos x="150" y="34"/>
-              </a:cxn>
-              <a:cxn ang="0">
-                <a:pos x="67" y="74"/>
-              </a:cxn>
-              <a:cxn ang="0">
-                <a:pos x="68" y="103"/>
-              </a:cxn>
-              <a:cxn ang="0">
-                <a:pos x="34" y="120"/>
-              </a:cxn>
-              <a:cxn ang="0">
-                <a:pos x="0" y="114"/>
-              </a:cxn>
-              <a:cxn ang="0">
-                <a:pos x="20" y="71"/>
-              </a:cxn>
-              <a:cxn ang="0">
-                <a:pos x="32" y="57"/>
-              </a:cxn>
-              <a:cxn ang="0">
-                <a:pos x="133" y="21"/>
-              </a:cxn>
-              <a:cxn ang="0">
-                <a:pos x="165" y="0"/>
-              </a:cxn>
-              <a:cxn ang="0">
-                <a:pos x="287" y="63"/>
-              </a:cxn>
-              <a:cxn ang="0">
-                <a:pos x="380" y="117"/>
-              </a:cxn>
-              <a:cxn ang="0">
-                <a:pos x="29" y="78"/>
-              </a:cxn>
-              <a:cxn ang="0">
-                <a:pos x="13" y="103"/>
-              </a:cxn>
-              <a:cxn ang="0">
-                <a:pos x="29" y="78"/>
-              </a:cxn>
-              <a:cxn ang="0">
-                <a:pos x="183" y="97"/>
-              </a:cxn>
-              <a:cxn ang="0">
-                <a:pos x="197" y="111"/>
-              </a:cxn>
-              <a:cxn ang="0">
-                <a:pos x="211" y="84"/>
-              </a:cxn>
-              <a:cxn ang="0">
-                <a:pos x="197" y="97"/>
-              </a:cxn>
-              <a:cxn ang="0">
-                <a:pos x="211" y="84"/>
-              </a:cxn>
-              <a:cxn ang="0">
-                <a:pos x="211" y="97"/>
-              </a:cxn>
-              <a:cxn ang="0">
-                <a:pos x="225" y="111"/>
-              </a:cxn>
-              <a:cxn ang="0">
-                <a:pos x="239" y="84"/>
-              </a:cxn>
-              <a:cxn ang="0">
-                <a:pos x="225" y="97"/>
-              </a:cxn>
-              <a:cxn ang="0">
-                <a:pos x="239" y="84"/>
-              </a:cxn>
-              <a:cxn ang="0">
-                <a:pos x="239" y="97"/>
-              </a:cxn>
-              <a:cxn ang="0">
-                <a:pos x="253" y="111"/>
-              </a:cxn>
-              <a:cxn ang="0">
-                <a:pos x="367" y="104"/>
-              </a:cxn>
-              <a:cxn ang="0">
-                <a:pos x="308" y="85"/>
-              </a:cxn>
-              <a:cxn ang="0">
-                <a:pos x="353" y="104"/>
-              </a:cxn>
-            </a:cxnLst>
-            <a:rect l="0" t="0" r="r" b="b"/>
-            <a:pathLst>
-              <a:path w="380" h="173">
-                <a:moveTo>
-                  <a:pt x="1" y="132"/>
-                </a:moveTo>
-                <a:cubicBezTo>
-                  <a:pt x="30" y="132"/>
-                  <a:pt x="30" y="132"/>
-                  <a:pt x="30" y="132"/>
-                </a:cubicBezTo>
-                <a:cubicBezTo>
-                  <a:pt x="29" y="135"/>
-                  <a:pt x="29" y="139"/>
-                  <a:pt x="29" y="143"/>
-                </a:cubicBezTo>
-                <a:cubicBezTo>
-                  <a:pt x="29" y="150"/>
-                  <a:pt x="29" y="150"/>
-                  <a:pt x="29" y="150"/>
-                </a:cubicBezTo>
-                <a:cubicBezTo>
-                  <a:pt x="20" y="147"/>
-                  <a:pt x="11" y="144"/>
-                  <a:pt x="9" y="144"/>
-                </a:cubicBezTo>
-                <a:cubicBezTo>
-                  <a:pt x="6" y="142"/>
-                  <a:pt x="2" y="140"/>
-                  <a:pt x="1" y="135"/>
-                </a:cubicBezTo>
-                <a:lnTo>
-                  <a:pt x="1" y="132"/>
-                </a:lnTo>
-                <a:close/>
-                <a:moveTo>
-                  <a:pt x="98" y="143"/>
-                </a:moveTo>
-                <a:cubicBezTo>
-                  <a:pt x="98" y="160"/>
-                  <a:pt x="85" y="173"/>
-                  <a:pt x="68" y="173"/>
-                </a:cubicBezTo>
-                <a:cubicBezTo>
-                  <a:pt x="52" y="173"/>
-                  <a:pt x="38" y="160"/>
-                  <a:pt x="38" y="143"/>
-                </a:cubicBezTo>
-                <a:cubicBezTo>
-                  <a:pt x="38" y="126"/>
-                  <a:pt x="52" y="113"/>
-                  <a:pt x="68" y="113"/>
-                </a:cubicBezTo>
-                <a:cubicBezTo>
-                  <a:pt x="85" y="113"/>
-                  <a:pt x="98" y="126"/>
-                  <a:pt x="98" y="143"/>
-                </a:cubicBezTo>
-                <a:close/>
-                <a:moveTo>
-                  <a:pt x="84" y="143"/>
-                </a:moveTo>
-                <a:cubicBezTo>
-                  <a:pt x="84" y="134"/>
-                  <a:pt x="77" y="127"/>
-                  <a:pt x="68" y="127"/>
-                </a:cubicBezTo>
-                <a:cubicBezTo>
-                  <a:pt x="59" y="127"/>
-                  <a:pt x="52" y="134"/>
-                  <a:pt x="52" y="143"/>
-                </a:cubicBezTo>
-                <a:cubicBezTo>
-                  <a:pt x="52" y="152"/>
-                  <a:pt x="59" y="159"/>
-                  <a:pt x="68" y="159"/>
-                </a:cubicBezTo>
-                <a:cubicBezTo>
-                  <a:pt x="77" y="159"/>
-                  <a:pt x="84" y="152"/>
-                  <a:pt x="84" y="143"/>
-                </a:cubicBezTo>
-                <a:close/>
-                <a:moveTo>
-                  <a:pt x="334" y="143"/>
-                </a:moveTo>
-                <a:cubicBezTo>
-                  <a:pt x="334" y="158"/>
-                  <a:pt x="334" y="158"/>
-                  <a:pt x="334" y="158"/>
-                </a:cubicBezTo>
-                <a:cubicBezTo>
-                  <a:pt x="337" y="158"/>
-                  <a:pt x="346" y="157"/>
-                  <a:pt x="361" y="154"/>
-                </a:cubicBezTo>
-                <a:cubicBezTo>
-                  <a:pt x="371" y="153"/>
-                  <a:pt x="374" y="144"/>
-                  <a:pt x="379" y="132"/>
-                </a:cubicBezTo>
-                <a:cubicBezTo>
-                  <a:pt x="332" y="132"/>
-                  <a:pt x="332" y="132"/>
-                  <a:pt x="332" y="132"/>
-                </a:cubicBezTo>
-                <a:cubicBezTo>
-                  <a:pt x="333" y="135"/>
-                  <a:pt x="334" y="139"/>
-                  <a:pt x="334" y="143"/>
-                </a:cubicBezTo>
-                <a:close/>
-                <a:moveTo>
-                  <a:pt x="108" y="143"/>
-                </a:moveTo>
-                <a:cubicBezTo>
-                  <a:pt x="108" y="158"/>
-                  <a:pt x="108" y="158"/>
-                  <a:pt x="108" y="158"/>
-                </a:cubicBezTo>
-                <a:cubicBezTo>
-                  <a:pt x="255" y="158"/>
-                  <a:pt x="255" y="158"/>
-                  <a:pt x="255" y="158"/>
-                </a:cubicBezTo>
-                <a:cubicBezTo>
-                  <a:pt x="255" y="143"/>
-                  <a:pt x="255" y="143"/>
-                  <a:pt x="255" y="143"/>
-                </a:cubicBezTo>
-                <a:cubicBezTo>
-                  <a:pt x="255" y="139"/>
-                  <a:pt x="255" y="135"/>
-                  <a:pt x="256" y="132"/>
-                </a:cubicBezTo>
-                <a:cubicBezTo>
-                  <a:pt x="106" y="132"/>
-                  <a:pt x="106" y="132"/>
-                  <a:pt x="106" y="132"/>
-                </a:cubicBezTo>
-                <a:cubicBezTo>
-                  <a:pt x="107" y="135"/>
-                  <a:pt x="108" y="139"/>
-                  <a:pt x="108" y="143"/>
-                </a:cubicBezTo>
-                <a:close/>
-                <a:moveTo>
-                  <a:pt x="324" y="143"/>
-                </a:moveTo>
-                <a:cubicBezTo>
-                  <a:pt x="324" y="160"/>
-                  <a:pt x="311" y="173"/>
-                  <a:pt x="294" y="173"/>
-                </a:cubicBezTo>
-                <a:cubicBezTo>
-                  <a:pt x="278" y="173"/>
-                  <a:pt x="264" y="160"/>
-                  <a:pt x="264" y="143"/>
-                </a:cubicBezTo>
-                <a:cubicBezTo>
-                  <a:pt x="264" y="126"/>
-                  <a:pt x="278" y="113"/>
-                  <a:pt x="294" y="113"/>
-                </a:cubicBezTo>
-                <a:cubicBezTo>
-                  <a:pt x="311" y="113"/>
-                  <a:pt x="324" y="126"/>
-                  <a:pt x="324" y="143"/>
-                </a:cubicBezTo>
-                <a:close/>
-                <a:moveTo>
-                  <a:pt x="310" y="143"/>
-                </a:moveTo>
-                <a:cubicBezTo>
-                  <a:pt x="310" y="134"/>
-                  <a:pt x="303" y="127"/>
-                  <a:pt x="294" y="127"/>
-                </a:cubicBezTo>
-                <a:cubicBezTo>
-                  <a:pt x="285" y="127"/>
-                  <a:pt x="278" y="134"/>
-                  <a:pt x="278" y="143"/>
-                </a:cubicBezTo>
-                <a:cubicBezTo>
-                  <a:pt x="278" y="152"/>
-                  <a:pt x="285" y="159"/>
-                  <a:pt x="294" y="159"/>
-                </a:cubicBezTo>
-                <a:cubicBezTo>
-                  <a:pt x="303" y="159"/>
-                  <a:pt x="310" y="152"/>
-                  <a:pt x="310" y="143"/>
-                </a:cubicBezTo>
-                <a:close/>
-                <a:moveTo>
-                  <a:pt x="380" y="120"/>
-                </a:moveTo>
-                <a:cubicBezTo>
-                  <a:pt x="326" y="120"/>
-                  <a:pt x="326" y="120"/>
-                  <a:pt x="326" y="120"/>
-                </a:cubicBezTo>
-                <a:cubicBezTo>
-                  <a:pt x="319" y="110"/>
-                  <a:pt x="307" y="103"/>
-                  <a:pt x="293" y="103"/>
-                </a:cubicBezTo>
-                <a:cubicBezTo>
-                  <a:pt x="280" y="103"/>
-                  <a:pt x="268" y="110"/>
-                  <a:pt x="261" y="120"/>
-                </a:cubicBezTo>
-                <a:cubicBezTo>
-                  <a:pt x="176" y="120"/>
-                  <a:pt x="176" y="120"/>
-                  <a:pt x="176" y="120"/>
-                </a:cubicBezTo>
-                <a:cubicBezTo>
-                  <a:pt x="176" y="75"/>
-                  <a:pt x="176" y="75"/>
-                  <a:pt x="176" y="75"/>
-                </a:cubicBezTo>
-                <a:cubicBezTo>
-                  <a:pt x="257" y="75"/>
-                  <a:pt x="257" y="75"/>
-                  <a:pt x="257" y="75"/>
-                </a:cubicBezTo>
-                <a:cubicBezTo>
-                  <a:pt x="266" y="75"/>
-                  <a:pt x="266" y="71"/>
-                  <a:pt x="266" y="68"/>
-                </a:cubicBezTo>
-                <a:cubicBezTo>
-                  <a:pt x="231" y="49"/>
-                  <a:pt x="200" y="35"/>
-                  <a:pt x="165" y="34"/>
-                </a:cubicBezTo>
-                <a:cubicBezTo>
-                  <a:pt x="165" y="120"/>
-                  <a:pt x="165" y="120"/>
-                  <a:pt x="165" y="120"/>
-                </a:cubicBezTo>
-                <a:cubicBezTo>
-                  <a:pt x="100" y="120"/>
-                  <a:pt x="100" y="120"/>
-                  <a:pt x="100" y="120"/>
-                </a:cubicBezTo>
-                <a:cubicBezTo>
-                  <a:pt x="96" y="115"/>
-                  <a:pt x="91" y="110"/>
-                  <a:pt x="84" y="107"/>
-                </a:cubicBezTo>
-                <a:cubicBezTo>
-                  <a:pt x="80" y="103"/>
-                  <a:pt x="78" y="98"/>
-                  <a:pt x="78" y="89"/>
-                </a:cubicBezTo>
-                <a:cubicBezTo>
-                  <a:pt x="78" y="75"/>
-                  <a:pt x="78" y="75"/>
-                  <a:pt x="78" y="75"/>
-                </a:cubicBezTo>
-                <a:cubicBezTo>
-                  <a:pt x="150" y="75"/>
-                  <a:pt x="150" y="75"/>
-                  <a:pt x="150" y="75"/>
-                </a:cubicBezTo>
-                <a:cubicBezTo>
-                  <a:pt x="150" y="34"/>
-                  <a:pt x="150" y="34"/>
-                  <a:pt x="150" y="34"/>
-                </a:cubicBezTo>
-                <a:cubicBezTo>
-                  <a:pt x="102" y="36"/>
-                  <a:pt x="76" y="50"/>
-                  <a:pt x="54" y="62"/>
-                </a:cubicBezTo>
-                <a:cubicBezTo>
-                  <a:pt x="67" y="74"/>
-                  <a:pt x="67" y="74"/>
-                  <a:pt x="67" y="74"/>
-                </a:cubicBezTo>
-                <a:cubicBezTo>
-                  <a:pt x="67" y="89"/>
-                  <a:pt x="67" y="89"/>
-                  <a:pt x="67" y="89"/>
-                </a:cubicBezTo>
-                <a:cubicBezTo>
-                  <a:pt x="67" y="94"/>
-                  <a:pt x="67" y="99"/>
-                  <a:pt x="68" y="103"/>
-                </a:cubicBezTo>
-                <a:cubicBezTo>
-                  <a:pt x="68" y="103"/>
-                  <a:pt x="68" y="103"/>
-                  <a:pt x="67" y="103"/>
-                </a:cubicBezTo>
-                <a:cubicBezTo>
-                  <a:pt x="54" y="103"/>
-                  <a:pt x="42" y="110"/>
-                  <a:pt x="34" y="120"/>
-                </a:cubicBezTo>
-                <a:cubicBezTo>
-                  <a:pt x="0" y="120"/>
-                  <a:pt x="0" y="120"/>
-                  <a:pt x="0" y="120"/>
-                </a:cubicBezTo>
-                <a:cubicBezTo>
-                  <a:pt x="0" y="114"/>
-                  <a:pt x="0" y="114"/>
-                  <a:pt x="0" y="114"/>
-                </a:cubicBezTo>
-                <a:cubicBezTo>
-                  <a:pt x="0" y="109"/>
-                  <a:pt x="2" y="104"/>
-                  <a:pt x="7" y="102"/>
-                </a:cubicBezTo>
-                <a:cubicBezTo>
-                  <a:pt x="8" y="90"/>
-                  <a:pt x="12" y="79"/>
-                  <a:pt x="20" y="71"/>
-                </a:cubicBezTo>
-                <a:cubicBezTo>
-                  <a:pt x="16" y="64"/>
-                  <a:pt x="19" y="57"/>
-                  <a:pt x="29" y="57"/>
-                </a:cubicBezTo>
-                <a:cubicBezTo>
-                  <a:pt x="32" y="57"/>
-                  <a:pt x="32" y="57"/>
-                  <a:pt x="32" y="57"/>
-                </a:cubicBezTo>
-                <a:cubicBezTo>
-                  <a:pt x="32" y="57"/>
-                  <a:pt x="39" y="53"/>
-                  <a:pt x="43" y="51"/>
-                </a:cubicBezTo>
-                <a:cubicBezTo>
-                  <a:pt x="62" y="40"/>
-                  <a:pt x="89" y="25"/>
-                  <a:pt x="133" y="21"/>
-                </a:cubicBezTo>
-                <a:cubicBezTo>
-                  <a:pt x="155" y="0"/>
-                  <a:pt x="155" y="0"/>
-                  <a:pt x="155" y="0"/>
-                </a:cubicBezTo>
-                <a:cubicBezTo>
-                  <a:pt x="165" y="0"/>
-                  <a:pt x="165" y="0"/>
-                  <a:pt x="165" y="0"/>
-                </a:cubicBezTo>
-                <a:cubicBezTo>
-                  <a:pt x="165" y="19"/>
-                  <a:pt x="165" y="19"/>
-                  <a:pt x="165" y="19"/>
-                </a:cubicBezTo>
-                <a:cubicBezTo>
-                  <a:pt x="208" y="20"/>
-                  <a:pt x="245" y="40"/>
-                  <a:pt x="287" y="63"/>
-                </a:cubicBezTo>
-                <a:cubicBezTo>
-                  <a:pt x="339" y="75"/>
-                  <a:pt x="361" y="91"/>
-                  <a:pt x="372" y="99"/>
-                </a:cubicBezTo>
-                <a:cubicBezTo>
-                  <a:pt x="380" y="105"/>
-                  <a:pt x="380" y="113"/>
-                  <a:pt x="380" y="117"/>
-                </a:cubicBezTo>
-                <a:lnTo>
-                  <a:pt x="380" y="120"/>
-                </a:lnTo>
-                <a:close/>
-                <a:moveTo>
-                  <a:pt x="29" y="78"/>
-                </a:moveTo>
-                <a:cubicBezTo>
-                  <a:pt x="24" y="75"/>
-                  <a:pt x="24" y="75"/>
-                  <a:pt x="24" y="75"/>
-                </a:cubicBezTo>
-                <a:cubicBezTo>
-                  <a:pt x="17" y="81"/>
-                  <a:pt x="13" y="92"/>
-                  <a:pt x="13" y="103"/>
-                </a:cubicBezTo>
-                <a:cubicBezTo>
-                  <a:pt x="19" y="103"/>
-                  <a:pt x="19" y="103"/>
-                  <a:pt x="19" y="103"/>
-                </a:cubicBezTo>
-                <a:lnTo>
-                  <a:pt x="29" y="78"/>
-                </a:lnTo>
-                <a:close/>
-                <a:moveTo>
-                  <a:pt x="197" y="97"/>
-                </a:moveTo>
-                <a:cubicBezTo>
-                  <a:pt x="183" y="97"/>
-                  <a:pt x="183" y="97"/>
-                  <a:pt x="183" y="97"/>
-                </a:cubicBezTo>
-                <a:cubicBezTo>
-                  <a:pt x="183" y="111"/>
-                  <a:pt x="183" y="111"/>
-                  <a:pt x="183" y="111"/>
-                </a:cubicBezTo>
-                <a:cubicBezTo>
-                  <a:pt x="197" y="111"/>
-                  <a:pt x="197" y="111"/>
-                  <a:pt x="197" y="111"/>
-                </a:cubicBezTo>
-                <a:lnTo>
-                  <a:pt x="197" y="97"/>
-                </a:lnTo>
-                <a:close/>
-                <a:moveTo>
-                  <a:pt x="211" y="84"/>
-                </a:moveTo>
-                <a:cubicBezTo>
-                  <a:pt x="197" y="84"/>
-                  <a:pt x="197" y="84"/>
-                  <a:pt x="197" y="84"/>
-                </a:cubicBezTo>
-                <a:cubicBezTo>
-                  <a:pt x="197" y="97"/>
-                  <a:pt x="197" y="97"/>
-                  <a:pt x="197" y="97"/>
-                </a:cubicBezTo>
-                <a:cubicBezTo>
-                  <a:pt x="211" y="97"/>
-                  <a:pt x="211" y="97"/>
-                  <a:pt x="211" y="97"/>
-                </a:cubicBezTo>
-                <a:lnTo>
-                  <a:pt x="211" y="84"/>
-                </a:lnTo>
-                <a:close/>
-                <a:moveTo>
-                  <a:pt x="225" y="97"/>
-                </a:moveTo>
-                <a:cubicBezTo>
-                  <a:pt x="211" y="97"/>
-                  <a:pt x="211" y="97"/>
-                  <a:pt x="211" y="97"/>
-                </a:cubicBezTo>
-                <a:cubicBezTo>
-                  <a:pt x="211" y="111"/>
-                  <a:pt x="211" y="111"/>
-                  <a:pt x="211" y="111"/>
-                </a:cubicBezTo>
-                <a:cubicBezTo>
-                  <a:pt x="225" y="111"/>
-                  <a:pt x="225" y="111"/>
-                  <a:pt x="225" y="111"/>
-                </a:cubicBezTo>
-                <a:lnTo>
-                  <a:pt x="225" y="97"/>
-                </a:lnTo>
-                <a:close/>
-                <a:moveTo>
-                  <a:pt x="239" y="84"/>
-                </a:moveTo>
-                <a:cubicBezTo>
-                  <a:pt x="225" y="84"/>
-                  <a:pt x="225" y="84"/>
-                  <a:pt x="225" y="84"/>
-                </a:cubicBezTo>
-                <a:cubicBezTo>
-                  <a:pt x="225" y="97"/>
-                  <a:pt x="225" y="97"/>
-                  <a:pt x="225" y="97"/>
-                </a:cubicBezTo>
-                <a:cubicBezTo>
-                  <a:pt x="239" y="97"/>
-                  <a:pt x="239" y="97"/>
-                  <a:pt x="239" y="97"/>
-                </a:cubicBezTo>
-                <a:lnTo>
-                  <a:pt x="239" y="84"/>
-                </a:lnTo>
-                <a:close/>
-                <a:moveTo>
-                  <a:pt x="253" y="97"/>
-                </a:moveTo>
-                <a:cubicBezTo>
-                  <a:pt x="239" y="97"/>
-                  <a:pt x="239" y="97"/>
-                  <a:pt x="239" y="97"/>
-                </a:cubicBezTo>
-                <a:cubicBezTo>
-                  <a:pt x="239" y="111"/>
-                  <a:pt x="239" y="111"/>
-                  <a:pt x="239" y="111"/>
-                </a:cubicBezTo>
-                <a:cubicBezTo>
-                  <a:pt x="253" y="111"/>
-                  <a:pt x="253" y="111"/>
-                  <a:pt x="253" y="111"/>
-                </a:cubicBezTo>
-                <a:lnTo>
-                  <a:pt x="253" y="97"/>
-                </a:lnTo>
-                <a:close/>
-                <a:moveTo>
-                  <a:pt x="367" y="104"/>
-                </a:moveTo>
-                <a:cubicBezTo>
-                  <a:pt x="361" y="98"/>
-                  <a:pt x="330" y="80"/>
-                  <a:pt x="310" y="77"/>
-                </a:cubicBezTo>
-                <a:cubicBezTo>
-                  <a:pt x="302" y="76"/>
-                  <a:pt x="301" y="81"/>
-                  <a:pt x="308" y="85"/>
-                </a:cubicBezTo>
-                <a:cubicBezTo>
-                  <a:pt x="318" y="92"/>
-                  <a:pt x="321" y="94"/>
-                  <a:pt x="331" y="100"/>
-                </a:cubicBezTo>
-                <a:cubicBezTo>
-                  <a:pt x="337" y="103"/>
-                  <a:pt x="341" y="104"/>
-                  <a:pt x="353" y="104"/>
-                </a:cubicBezTo>
-                <a:cubicBezTo>
-                  <a:pt x="362" y="104"/>
-                  <a:pt x="367" y="104"/>
-                  <a:pt x="367" y="104"/>
-                </a:cubicBezTo>
-                <a:close/>
-              </a:path>
-            </a:pathLst>
-          </a:custGeom>
-          <a:solidFill>
-            <a:schemeClr val="bg1"/>
-          </a:solidFill>
-          <a:ln w="9525">
-            <a:noFill/>
-            <a:round/>
-            <a:headEnd/>
-            <a:tailEnd/>
-          </a:ln>
-          <a:effectLst>
-            <a:outerShdw blurRad="50800" dist="38100" dir="2700000" algn="tl" rotWithShape="0">
-              <a:prstClr val="black">
-                <a:alpha val="40000"/>
-              </a:prstClr>
-            </a:outerShdw>
-          </a:effectLst>
-        </p:spPr>
-        <p:txBody>
-          <a:bodyPr vert="horz" wrap="square" lIns="121920" tIns="60960" rIns="121920" bIns="60960" numCol="1" anchor="t" anchorCtr="0" compatLnSpc="1">
-            <a:prstTxWarp prst="textNoShape">
-              <a:avLst/>
-            </a:prstTxWarp>
-          </a:bodyPr>
-          <a:lstStyle/>
-          <a:p>
-            <a:endParaRPr lang="en-US" sz="2400"/>
-          </a:p>
-        </p:txBody>
-      </p:sp>
-      <p:sp>
-        <p:nvSpPr>
           <p:cNvPr id="46" name="TextBox 45"/>
           <p:cNvSpPr txBox="1"/>
           <p:nvPr/>
         </p:nvSpPr>
         <p:spPr>
           <a:xfrm>
-            <a:off x="980359" y="3177563"/>
+            <a:off x="1005291" y="2264500"/>
+            <a:ext cx="2073511" cy="2037481"/>
+          </a:xfrm>
+          <a:prstGeom prst="rect">
+            <a:avLst/>
+          </a:prstGeom>
+          <a:noFill/>
+        </p:spPr>
+        <p:txBody>
+          <a:bodyPr wrap="square" rtlCol="0">
+            <a:spAutoFit/>
+          </a:bodyPr>
+          <a:lstStyle/>
+          <a:p>
+            <a:pPr algn="ctr" defTabSz="1219170">
+              <a:spcBef>
+                <a:spcPct val="20000"/>
+              </a:spcBef>
+              <a:defRPr/>
+            </a:pPr>
+            <a:r>
+              <a:rPr lang="en-US" sz="1600" b="1" dirty="0">
+                <a:solidFill>
+                  <a:schemeClr val="bg1"/>
+                </a:solidFill>
+                <a:latin typeface="Candara" panose="020E0502030303020204" pitchFamily="34" charset="0"/>
+              </a:rPr>
+              <a:t>Dataset </a:t>
+            </a:r>
+            <a:r>
+              <a:rPr lang="en-US" sz="1600" b="1" dirty="0">
+                <a:solidFill>
+                  <a:schemeClr val="bg1"/>
+                </a:solidFill>
+                <a:latin typeface="Candara" panose="020E0502030303020204" pitchFamily="34" charset="0"/>
+                <a:sym typeface="Wingdings" panose="05000000000000000000" pitchFamily="2" charset="2"/>
+              </a:rPr>
+              <a:t> Distorted</a:t>
+            </a:r>
+            <a:endParaRPr lang="en-US" sz="1600" b="1" dirty="0">
+              <a:solidFill>
+                <a:schemeClr val="bg1"/>
+              </a:solidFill>
+              <a:latin typeface="Candara" panose="020E0502030303020204" pitchFamily="34" charset="0"/>
+            </a:endParaRPr>
+          </a:p>
+          <a:p>
+            <a:pPr algn="ctr" defTabSz="1219170">
+              <a:spcBef>
+                <a:spcPct val="20000"/>
+              </a:spcBef>
+              <a:defRPr/>
+            </a:pPr>
+            <a:r>
+              <a:rPr lang="en-US" sz="1200" dirty="0" err="1">
+                <a:solidFill>
+                  <a:schemeClr val="bg1"/>
+                </a:solidFill>
+                <a:latin typeface="Candara" panose="020E0502030303020204" pitchFamily="34" charset="0"/>
+              </a:rPr>
+              <a:t>Dopo</a:t>
+            </a:r>
+            <a:r>
+              <a:rPr lang="en-US" sz="1200" dirty="0">
+                <a:solidFill>
+                  <a:schemeClr val="bg1"/>
+                </a:solidFill>
+                <a:latin typeface="Candara" panose="020E0502030303020204" pitchFamily="34" charset="0"/>
+              </a:rPr>
+              <a:t> aver </a:t>
+            </a:r>
+            <a:r>
+              <a:rPr lang="en-US" sz="1200" dirty="0" err="1">
+                <a:solidFill>
+                  <a:schemeClr val="bg1"/>
+                </a:solidFill>
+                <a:latin typeface="Candara" panose="020E0502030303020204" pitchFamily="34" charset="0"/>
+              </a:rPr>
+              <a:t>individuato</a:t>
+            </a:r>
+            <a:r>
+              <a:rPr lang="en-US" sz="1200" dirty="0">
+                <a:solidFill>
+                  <a:schemeClr val="bg1"/>
+                </a:solidFill>
+                <a:latin typeface="Candara" panose="020E0502030303020204" pitchFamily="34" charset="0"/>
+              </a:rPr>
+              <a:t> un dataset </a:t>
+            </a:r>
+            <a:r>
+              <a:rPr lang="en-US" sz="1200" dirty="0" err="1">
+                <a:solidFill>
+                  <a:schemeClr val="bg1"/>
+                </a:solidFill>
+                <a:latin typeface="Candara" panose="020E0502030303020204" pitchFamily="34" charset="0"/>
+              </a:rPr>
+              <a:t>contenente</a:t>
+            </a:r>
+            <a:r>
+              <a:rPr lang="en-US" sz="1200" dirty="0">
+                <a:solidFill>
+                  <a:schemeClr val="bg1"/>
+                </a:solidFill>
+                <a:latin typeface="Candara" panose="020E0502030303020204" pitchFamily="34" charset="0"/>
+              </a:rPr>
+              <a:t> </a:t>
+            </a:r>
+            <a:r>
+              <a:rPr lang="en-US" sz="1200" dirty="0" err="1">
+                <a:solidFill>
+                  <a:schemeClr val="bg1"/>
+                </a:solidFill>
+                <a:latin typeface="Candara" panose="020E0502030303020204" pitchFamily="34" charset="0"/>
+              </a:rPr>
+              <a:t>dati</a:t>
+            </a:r>
+            <a:r>
+              <a:rPr lang="en-US" sz="1200" dirty="0">
+                <a:solidFill>
+                  <a:schemeClr val="bg1"/>
+                </a:solidFill>
+                <a:latin typeface="Candara" panose="020E0502030303020204" pitchFamily="34" charset="0"/>
+              </a:rPr>
+              <a:t> </a:t>
+            </a:r>
+            <a:r>
+              <a:rPr lang="en-US" sz="1200" dirty="0" err="1">
+                <a:solidFill>
+                  <a:schemeClr val="bg1"/>
+                </a:solidFill>
+                <a:latin typeface="Candara" panose="020E0502030303020204" pitchFamily="34" charset="0"/>
+              </a:rPr>
+              <a:t>relativi</a:t>
+            </a:r>
+            <a:r>
+              <a:rPr lang="en-US" sz="1200" dirty="0">
+                <a:solidFill>
+                  <a:schemeClr val="bg1"/>
+                </a:solidFill>
+                <a:latin typeface="Candara" panose="020E0502030303020204" pitchFamily="34" charset="0"/>
+              </a:rPr>
+              <a:t> </a:t>
+            </a:r>
+            <a:r>
+              <a:rPr lang="en-US" sz="1200" dirty="0" err="1">
+                <a:solidFill>
+                  <a:schemeClr val="bg1"/>
+                </a:solidFill>
+                <a:latin typeface="Candara" panose="020E0502030303020204" pitchFamily="34" charset="0"/>
+              </a:rPr>
+              <a:t>agli</a:t>
+            </a:r>
+            <a:r>
+              <a:rPr lang="en-US" sz="1200" dirty="0">
+                <a:solidFill>
+                  <a:schemeClr val="bg1"/>
+                </a:solidFill>
+                <a:latin typeface="Candara" panose="020E0502030303020204" pitchFamily="34" charset="0"/>
+              </a:rPr>
+              <a:t> </a:t>
+            </a:r>
+            <a:r>
+              <a:rPr lang="en-US" sz="1200" dirty="0" err="1">
+                <a:solidFill>
+                  <a:schemeClr val="bg1"/>
+                </a:solidFill>
+                <a:latin typeface="Candara" panose="020E0502030303020204" pitchFamily="34" charset="0"/>
+              </a:rPr>
+              <a:t>acquisti</a:t>
+            </a:r>
+            <a:r>
+              <a:rPr lang="en-US" sz="1200" dirty="0">
+                <a:solidFill>
+                  <a:schemeClr val="bg1"/>
+                </a:solidFill>
+                <a:latin typeface="Candara" panose="020E0502030303020204" pitchFamily="34" charset="0"/>
+              </a:rPr>
+              <a:t> </a:t>
+            </a:r>
+            <a:r>
+              <a:rPr lang="en-US" sz="1200" dirty="0" err="1">
+                <a:solidFill>
+                  <a:schemeClr val="bg1"/>
+                </a:solidFill>
+                <a:latin typeface="Candara" panose="020E0502030303020204" pitchFamily="34" charset="0"/>
+              </a:rPr>
+              <a:t>all’interno</a:t>
+            </a:r>
+            <a:r>
+              <a:rPr lang="en-US" sz="1200" dirty="0">
+                <a:solidFill>
+                  <a:schemeClr val="bg1"/>
+                </a:solidFill>
+                <a:latin typeface="Candara" panose="020E0502030303020204" pitchFamily="34" charset="0"/>
+              </a:rPr>
+              <a:t> di un </a:t>
+            </a:r>
+            <a:r>
+              <a:rPr lang="en-US" sz="1200" dirty="0" err="1">
+                <a:solidFill>
+                  <a:schemeClr val="bg1"/>
+                </a:solidFill>
+                <a:latin typeface="Candara" panose="020E0502030303020204" pitchFamily="34" charset="0"/>
+              </a:rPr>
+              <a:t>supermercato</a:t>
+            </a:r>
+            <a:r>
+              <a:rPr lang="en-US" sz="1200" dirty="0">
+                <a:solidFill>
+                  <a:schemeClr val="bg1"/>
+                </a:solidFill>
+                <a:latin typeface="Candara" panose="020E0502030303020204" pitchFamily="34" charset="0"/>
+              </a:rPr>
+              <a:t>, </a:t>
+            </a:r>
+            <a:r>
+              <a:rPr lang="en-US" sz="1200" dirty="0" err="1">
+                <a:solidFill>
+                  <a:schemeClr val="bg1"/>
+                </a:solidFill>
+                <a:latin typeface="Candara" panose="020E0502030303020204" pitchFamily="34" charset="0"/>
+              </a:rPr>
+              <a:t>abbiamo</a:t>
+            </a:r>
+            <a:r>
+              <a:rPr lang="en-US" sz="1200" dirty="0">
+                <a:solidFill>
+                  <a:schemeClr val="bg1"/>
+                </a:solidFill>
+                <a:latin typeface="Candara" panose="020E0502030303020204" pitchFamily="34" charset="0"/>
+              </a:rPr>
+              <a:t> </a:t>
+            </a:r>
+            <a:r>
+              <a:rPr lang="en-US" sz="1200" dirty="0" err="1">
+                <a:solidFill>
+                  <a:schemeClr val="bg1"/>
+                </a:solidFill>
+                <a:latin typeface="Candara" panose="020E0502030303020204" pitchFamily="34" charset="0"/>
+              </a:rPr>
+              <a:t>provveduto</a:t>
+            </a:r>
+            <a:r>
+              <a:rPr lang="en-US" sz="1200" dirty="0">
+                <a:solidFill>
+                  <a:schemeClr val="bg1"/>
+                </a:solidFill>
+                <a:latin typeface="Candara" panose="020E0502030303020204" pitchFamily="34" charset="0"/>
+              </a:rPr>
+              <a:t> </a:t>
+            </a:r>
+            <a:r>
+              <a:rPr lang="en-US" sz="1200" dirty="0" err="1">
+                <a:solidFill>
+                  <a:schemeClr val="bg1"/>
+                </a:solidFill>
+                <a:latin typeface="Candara" panose="020E0502030303020204" pitchFamily="34" charset="0"/>
+              </a:rPr>
+              <a:t>alla</a:t>
+            </a:r>
+            <a:r>
+              <a:rPr lang="en-US" sz="1200" dirty="0">
+                <a:solidFill>
+                  <a:schemeClr val="bg1"/>
+                </a:solidFill>
+                <a:latin typeface="Candara" panose="020E0502030303020204" pitchFamily="34" charset="0"/>
+              </a:rPr>
+              <a:t> </a:t>
+            </a:r>
+            <a:r>
+              <a:rPr lang="en-US" sz="1200" dirty="0" err="1">
+                <a:solidFill>
+                  <a:schemeClr val="bg1"/>
+                </a:solidFill>
+                <a:latin typeface="Candara" panose="020E0502030303020204" pitchFamily="34" charset="0"/>
+              </a:rPr>
+              <a:t>sua</a:t>
+            </a:r>
+            <a:r>
+              <a:rPr lang="en-US" sz="1200" dirty="0">
+                <a:solidFill>
+                  <a:schemeClr val="bg1"/>
+                </a:solidFill>
+                <a:latin typeface="Candara" panose="020E0502030303020204" pitchFamily="34" charset="0"/>
+              </a:rPr>
+              <a:t> </a:t>
+            </a:r>
+            <a:r>
+              <a:rPr lang="en-US" sz="1200" dirty="0" err="1">
+                <a:solidFill>
+                  <a:schemeClr val="bg1"/>
+                </a:solidFill>
+                <a:latin typeface="Candara" panose="020E0502030303020204" pitchFamily="34" charset="0"/>
+              </a:rPr>
+              <a:t>trasformazione</a:t>
+            </a:r>
+            <a:r>
+              <a:rPr lang="en-US" sz="1200" dirty="0">
+                <a:solidFill>
+                  <a:schemeClr val="bg1"/>
+                </a:solidFill>
+                <a:latin typeface="Candara" panose="020E0502030303020204" pitchFamily="34" charset="0"/>
+              </a:rPr>
+              <a:t> in </a:t>
+            </a:r>
+            <a:r>
+              <a:rPr lang="en-US" sz="1200" dirty="0" err="1">
+                <a:solidFill>
+                  <a:schemeClr val="bg1"/>
+                </a:solidFill>
+                <a:latin typeface="Candara" panose="020E0502030303020204" pitchFamily="34" charset="0"/>
+              </a:rPr>
+              <a:t>uno</a:t>
+            </a:r>
+            <a:r>
+              <a:rPr lang="en-US" sz="1200" dirty="0">
+                <a:solidFill>
+                  <a:schemeClr val="bg1"/>
+                </a:solidFill>
+                <a:latin typeface="Candara" panose="020E0502030303020204" pitchFamily="34" charset="0"/>
+              </a:rPr>
+              <a:t> </a:t>
+            </a:r>
+            <a:r>
+              <a:rPr lang="en-US" sz="1200" dirty="0" err="1">
+                <a:solidFill>
+                  <a:schemeClr val="bg1"/>
+                </a:solidFill>
+                <a:latin typeface="Candara" panose="020E0502030303020204" pitchFamily="34" charset="0"/>
+              </a:rPr>
+              <a:t>binario</a:t>
+            </a:r>
+            <a:r>
+              <a:rPr lang="en-US" sz="1200" dirty="0">
+                <a:solidFill>
+                  <a:schemeClr val="bg1"/>
+                </a:solidFill>
+                <a:latin typeface="Candara" panose="020E0502030303020204" pitchFamily="34" charset="0"/>
+              </a:rPr>
+              <a:t>, </a:t>
+            </a:r>
+            <a:r>
+              <a:rPr lang="en-US" sz="1200" dirty="0" err="1">
+                <a:solidFill>
+                  <a:schemeClr val="bg1"/>
+                </a:solidFill>
+                <a:latin typeface="Candara" panose="020E0502030303020204" pitchFamily="34" charset="0"/>
+              </a:rPr>
+              <a:t>nonchè</a:t>
+            </a:r>
+            <a:r>
+              <a:rPr lang="en-US" sz="1200" dirty="0">
+                <a:solidFill>
+                  <a:schemeClr val="bg1"/>
+                </a:solidFill>
+                <a:latin typeface="Candara" panose="020E0502030303020204" pitchFamily="34" charset="0"/>
+              </a:rPr>
+              <a:t> </a:t>
+            </a:r>
+            <a:r>
+              <a:rPr lang="en-US" sz="1200" dirty="0" err="1">
+                <a:solidFill>
+                  <a:schemeClr val="bg1"/>
+                </a:solidFill>
+                <a:latin typeface="Candara" panose="020E0502030303020204" pitchFamily="34" charset="0"/>
+              </a:rPr>
+              <a:t>alla</a:t>
+            </a:r>
+            <a:r>
+              <a:rPr lang="en-US" sz="1200" dirty="0">
+                <a:solidFill>
+                  <a:schemeClr val="bg1"/>
+                </a:solidFill>
+                <a:latin typeface="Candara" panose="020E0502030303020204" pitchFamily="34" charset="0"/>
+              </a:rPr>
+              <a:t> </a:t>
+            </a:r>
+            <a:r>
+              <a:rPr lang="en-US" sz="1200" dirty="0" err="1">
+                <a:solidFill>
+                  <a:schemeClr val="bg1"/>
+                </a:solidFill>
+                <a:latin typeface="Candara" panose="020E0502030303020204" pitchFamily="34" charset="0"/>
+              </a:rPr>
+              <a:t>distorsione</a:t>
+            </a:r>
+            <a:r>
+              <a:rPr lang="en-US" sz="1200" dirty="0">
+                <a:solidFill>
+                  <a:schemeClr val="bg1"/>
+                </a:solidFill>
+                <a:latin typeface="Candara" panose="020E0502030303020204" pitchFamily="34" charset="0"/>
+              </a:rPr>
+              <a:t> </a:t>
+            </a:r>
+            <a:r>
+              <a:rPr lang="en-US" sz="1200" dirty="0" err="1">
+                <a:solidFill>
+                  <a:schemeClr val="bg1"/>
+                </a:solidFill>
+                <a:latin typeface="Candara" panose="020E0502030303020204" pitchFamily="34" charset="0"/>
+              </a:rPr>
+              <a:t>dei</a:t>
+            </a:r>
+            <a:r>
+              <a:rPr lang="en-US" sz="1200" dirty="0">
+                <a:solidFill>
+                  <a:schemeClr val="bg1"/>
+                </a:solidFill>
+                <a:latin typeface="Candara" panose="020E0502030303020204" pitchFamily="34" charset="0"/>
+              </a:rPr>
+              <a:t> </a:t>
+            </a:r>
+            <a:r>
+              <a:rPr lang="en-US" sz="1200" dirty="0" err="1">
+                <a:solidFill>
+                  <a:schemeClr val="bg1"/>
+                </a:solidFill>
+                <a:latin typeface="Candara" panose="020E0502030303020204" pitchFamily="34" charset="0"/>
+              </a:rPr>
+              <a:t>dati</a:t>
+            </a:r>
+            <a:r>
+              <a:rPr lang="en-US" sz="1200" dirty="0">
+                <a:solidFill>
+                  <a:schemeClr val="bg1"/>
+                </a:solidFill>
+                <a:latin typeface="Candara" panose="020E0502030303020204" pitchFamily="34" charset="0"/>
+              </a:rPr>
+              <a:t>.</a:t>
+            </a:r>
+          </a:p>
+        </p:txBody>
+      </p:sp>
+      <p:sp>
+        <p:nvSpPr>
+          <p:cNvPr id="47" name="TextBox 46"/>
+          <p:cNvSpPr txBox="1"/>
+          <p:nvPr/>
+        </p:nvSpPr>
+        <p:spPr>
+          <a:xfrm>
+            <a:off x="3677839" y="2259741"/>
+            <a:ext cx="2073511" cy="1581972"/>
+          </a:xfrm>
+          <a:prstGeom prst="rect">
+            <a:avLst/>
+          </a:prstGeom>
+          <a:noFill/>
+        </p:spPr>
+        <p:txBody>
+          <a:bodyPr wrap="square" rtlCol="0">
+            <a:spAutoFit/>
+          </a:bodyPr>
+          <a:lstStyle/>
+          <a:p>
+            <a:pPr algn="ctr" defTabSz="1219170">
+              <a:spcBef>
+                <a:spcPct val="20000"/>
+              </a:spcBef>
+              <a:defRPr/>
+            </a:pPr>
+            <a:r>
+              <a:rPr lang="en-US" sz="1600" b="1" dirty="0" err="1">
+                <a:solidFill>
+                  <a:schemeClr val="bg1"/>
+                </a:solidFill>
+                <a:latin typeface="Candara" panose="020E0502030303020204" pitchFamily="34" charset="0"/>
+              </a:rPr>
+              <a:t>Calcolo</a:t>
+            </a:r>
+            <a:r>
+              <a:rPr lang="en-US" sz="1600" b="1" dirty="0">
+                <a:solidFill>
+                  <a:schemeClr val="bg1"/>
+                </a:solidFill>
+                <a:latin typeface="Candara" panose="020E0502030303020204" pitchFamily="34" charset="0"/>
+              </a:rPr>
+              <a:t> privacy </a:t>
+            </a:r>
+            <a:r>
+              <a:rPr lang="en-US" sz="1600" b="1" dirty="0" err="1">
+                <a:solidFill>
+                  <a:schemeClr val="bg1"/>
+                </a:solidFill>
+                <a:latin typeface="Candara" panose="020E0502030303020204" pitchFamily="34" charset="0"/>
+              </a:rPr>
+              <a:t>ottenuta</a:t>
+            </a:r>
+            <a:endParaRPr lang="en-US" sz="1600" b="1" dirty="0">
+              <a:solidFill>
+                <a:schemeClr val="bg1"/>
+              </a:solidFill>
+              <a:latin typeface="Candara" panose="020E0502030303020204" pitchFamily="34" charset="0"/>
+            </a:endParaRPr>
+          </a:p>
+          <a:p>
+            <a:pPr algn="ctr" defTabSz="1219170">
+              <a:spcBef>
+                <a:spcPct val="20000"/>
+              </a:spcBef>
+              <a:defRPr/>
+            </a:pPr>
+            <a:r>
+              <a:rPr lang="en-US" sz="1200" dirty="0" err="1">
+                <a:solidFill>
+                  <a:schemeClr val="bg1"/>
+                </a:solidFill>
+                <a:latin typeface="Candara" panose="020E0502030303020204" pitchFamily="34" charset="0"/>
+              </a:rPr>
+              <a:t>Abbiamo</a:t>
+            </a:r>
+            <a:r>
+              <a:rPr lang="en-US" sz="1200" dirty="0">
+                <a:solidFill>
+                  <a:schemeClr val="bg1"/>
+                </a:solidFill>
+                <a:latin typeface="Candara" panose="020E0502030303020204" pitchFamily="34" charset="0"/>
+              </a:rPr>
+              <a:t>, </a:t>
+            </a:r>
+            <a:r>
+              <a:rPr lang="en-US" sz="1200" dirty="0" err="1">
+                <a:solidFill>
+                  <a:schemeClr val="bg1"/>
+                </a:solidFill>
+                <a:latin typeface="Candara" panose="020E0502030303020204" pitchFamily="34" charset="0"/>
+              </a:rPr>
+              <a:t>quindi</a:t>
+            </a:r>
+            <a:r>
+              <a:rPr lang="en-US" sz="1200" dirty="0">
+                <a:solidFill>
+                  <a:schemeClr val="bg1"/>
+                </a:solidFill>
+                <a:latin typeface="Candara" panose="020E0502030303020204" pitchFamily="34" charset="0"/>
+              </a:rPr>
+              <a:t>, </a:t>
+            </a:r>
+            <a:r>
+              <a:rPr lang="en-US" sz="1200" dirty="0" err="1">
+                <a:solidFill>
+                  <a:schemeClr val="bg1"/>
+                </a:solidFill>
+                <a:latin typeface="Candara" panose="020E0502030303020204" pitchFamily="34" charset="0"/>
+              </a:rPr>
+              <a:t>effettuato</a:t>
+            </a:r>
+            <a:r>
+              <a:rPr lang="en-US" sz="1200" dirty="0">
+                <a:solidFill>
+                  <a:schemeClr val="bg1"/>
+                </a:solidFill>
+                <a:latin typeface="Candara" panose="020E0502030303020204" pitchFamily="34" charset="0"/>
+              </a:rPr>
+              <a:t> </a:t>
+            </a:r>
+            <a:r>
+              <a:rPr lang="en-US" sz="1200" dirty="0" err="1">
+                <a:solidFill>
+                  <a:schemeClr val="bg1"/>
+                </a:solidFill>
+                <a:latin typeface="Candara" panose="020E0502030303020204" pitchFamily="34" charset="0"/>
+              </a:rPr>
+              <a:t>il</a:t>
+            </a:r>
+            <a:r>
+              <a:rPr lang="en-US" sz="1200" dirty="0">
+                <a:solidFill>
+                  <a:schemeClr val="bg1"/>
+                </a:solidFill>
+                <a:latin typeface="Candara" panose="020E0502030303020204" pitchFamily="34" charset="0"/>
+              </a:rPr>
+              <a:t> </a:t>
+            </a:r>
+            <a:r>
+              <a:rPr lang="en-US" sz="1200" dirty="0" err="1">
+                <a:solidFill>
+                  <a:schemeClr val="bg1"/>
+                </a:solidFill>
+                <a:latin typeface="Candara" panose="020E0502030303020204" pitchFamily="34" charset="0"/>
+              </a:rPr>
+              <a:t>calcolo</a:t>
+            </a:r>
+            <a:r>
+              <a:rPr lang="en-US" sz="1200" dirty="0">
+                <a:solidFill>
+                  <a:schemeClr val="bg1"/>
+                </a:solidFill>
+                <a:latin typeface="Candara" panose="020E0502030303020204" pitchFamily="34" charset="0"/>
+              </a:rPr>
+              <a:t> </a:t>
+            </a:r>
+            <a:r>
+              <a:rPr lang="en-US" sz="1200" dirty="0" err="1">
+                <a:solidFill>
+                  <a:schemeClr val="bg1"/>
+                </a:solidFill>
+                <a:latin typeface="Candara" panose="020E0502030303020204" pitchFamily="34" charset="0"/>
+              </a:rPr>
+              <a:t>della</a:t>
+            </a:r>
+            <a:r>
+              <a:rPr lang="en-US" sz="1200" dirty="0">
+                <a:solidFill>
+                  <a:schemeClr val="bg1"/>
+                </a:solidFill>
+                <a:latin typeface="Candara" panose="020E0502030303020204" pitchFamily="34" charset="0"/>
+              </a:rPr>
+              <a:t> privacy </a:t>
+            </a:r>
+            <a:r>
+              <a:rPr lang="en-US" sz="1200" dirty="0" err="1">
+                <a:solidFill>
+                  <a:schemeClr val="bg1"/>
+                </a:solidFill>
+                <a:latin typeface="Candara" panose="020E0502030303020204" pitchFamily="34" charset="0"/>
+              </a:rPr>
+              <a:t>così</a:t>
+            </a:r>
+            <a:r>
+              <a:rPr lang="en-US" sz="1200" dirty="0">
+                <a:solidFill>
+                  <a:schemeClr val="bg1"/>
+                </a:solidFill>
+                <a:latin typeface="Candara" panose="020E0502030303020204" pitchFamily="34" charset="0"/>
+              </a:rPr>
+              <a:t> </a:t>
+            </a:r>
+            <a:r>
+              <a:rPr lang="en-US" sz="1200" dirty="0" err="1">
+                <a:solidFill>
+                  <a:schemeClr val="bg1"/>
+                </a:solidFill>
+                <a:latin typeface="Candara" panose="020E0502030303020204" pitchFamily="34" charset="0"/>
+              </a:rPr>
+              <a:t>ottenuta</a:t>
+            </a:r>
+            <a:r>
+              <a:rPr lang="en-US" sz="1200" dirty="0">
+                <a:solidFill>
+                  <a:schemeClr val="bg1"/>
+                </a:solidFill>
+                <a:latin typeface="Candara" panose="020E0502030303020204" pitchFamily="34" charset="0"/>
+              </a:rPr>
+              <a:t> come:</a:t>
+            </a:r>
+          </a:p>
+          <a:p>
+            <a:pPr algn="ctr" defTabSz="1219170">
+              <a:spcBef>
+                <a:spcPct val="20000"/>
+              </a:spcBef>
+              <a:defRPr/>
+            </a:pPr>
+            <a:br>
+              <a:rPr lang="en-US" sz="1200" dirty="0">
+                <a:solidFill>
+                  <a:schemeClr val="bg1"/>
+                </a:solidFill>
+                <a:latin typeface="Candara" panose="020E0502030303020204" pitchFamily="34" charset="0"/>
+              </a:rPr>
+            </a:br>
+            <a:r>
+              <a:rPr lang="en-US" sz="1200" dirty="0">
+                <a:solidFill>
+                  <a:schemeClr val="bg1"/>
+                </a:solidFill>
+                <a:latin typeface="Candara" panose="020E0502030303020204" pitchFamily="34" charset="0"/>
+              </a:rPr>
+              <a:t>privacy = (1-R) * 100</a:t>
+            </a:r>
+          </a:p>
+        </p:txBody>
+      </p:sp>
+      <p:sp>
+        <p:nvSpPr>
+          <p:cNvPr id="48" name="TextBox 47"/>
+          <p:cNvSpPr txBox="1"/>
+          <p:nvPr/>
+        </p:nvSpPr>
+        <p:spPr>
+          <a:xfrm>
+            <a:off x="6425177" y="2259741"/>
             <a:ext cx="2073511" cy="1298817"/>
           </a:xfrm>
           <a:prstGeom prst="rect">
@@ -11334,13 +7809,22 @@
               <a:defRPr/>
             </a:pPr>
             <a:r>
+              <a:rPr lang="en-US" sz="1600" b="1" dirty="0" err="1">
+                <a:solidFill>
+                  <a:schemeClr val="bg1"/>
+                </a:solidFill>
+                <a:latin typeface="Candara" panose="020E0502030303020204" pitchFamily="34" charset="0"/>
+              </a:rPr>
+              <a:t>Calcolo</a:t>
+            </a:r>
+            <a:r>
               <a:rPr lang="en-US" sz="1600" b="1" dirty="0">
                 <a:solidFill>
                   <a:schemeClr val="bg1"/>
                 </a:solidFill>
                 <a:latin typeface="Candara" panose="020E0502030303020204" pitchFamily="34" charset="0"/>
               </a:rPr>
-              <a:t>LOREM IPSUM</a:t>
+              <a:t> support</a:t>
             </a:r>
           </a:p>
           <a:p>
@@ -11364,13 +7848,13 @@
       </p:sp>
       <p:sp>
         <p:nvSpPr>
-          <p:cNvPr id="47" name="TextBox 46"/>
+          <p:cNvPr id="49" name="TextBox 48"/>
           <p:cNvSpPr txBox="1"/>
           <p:nvPr/>
         </p:nvSpPr>
         <p:spPr>
           <a:xfrm>
-            <a:off x="3670088" y="3177563"/>
+            <a:off x="9130139" y="2259140"/>
             <a:ext cx="2073511" cy="1298817"/>
           </a:xfrm>
           <a:prstGeom prst="rect">
@@ -11391,14 +7875,38 @@
               <a:defRPr/>
             </a:pPr>
             <a:r>
+              <a:rPr lang="en-US" sz="1600" b="1" dirty="0" err="1">
+                <a:solidFill>
+                  <a:schemeClr val="bg1"/>
+                </a:solidFill>
+                <a:latin typeface="Candara" panose="020E0502030303020204" pitchFamily="34" charset="0"/>
+              </a:rPr>
+              <a:t>Valutazione</a:t>
+            </a:r>
+            <a:r>
               <a:rPr lang="en-US" sz="1600" b="1" dirty="0">
                 <a:solidFill>
                   <a:schemeClr val="bg1"/>
                 </a:solidFill>
                 <a:latin typeface="Candara" panose="020E0502030303020204" pitchFamily="34" charset="0"/>
               </a:rPr>
-              <a:t>LOREM IPSUM</a:t>
-            </a:r>
+              <a:t> </a:t>
+            </a:r>
+            <a:r>
+              <a:rPr lang="en-US" sz="1600" b="1">
+                <a:solidFill>
+                  <a:schemeClr val="bg1"/>
+                </a:solidFill>
+                <a:latin typeface="Candara" panose="020E0502030303020204" pitchFamily="34" charset="0"/>
+              </a:rPr>
+              <a:t>errori</a:t>
+            </a:r>
+            <a:endParaRPr lang="en-US" sz="1600" b="1" dirty="0">
+              <a:solidFill>
+                <a:schemeClr val="bg1"/>
+              </a:solidFill>
+              <a:latin typeface="Candara" panose="020E0502030303020204" pitchFamily="34" charset="0"/>
+            </a:endParaRPr>
           </a:p>
           <a:p>
             <a:pPr algn="ctr" defTabSz="1219170">
@@ -11421,14 +7929,14 @@
       </p:sp>
       <p:sp>
         <p:nvSpPr>
-          <p:cNvPr id="48" name="TextBox 47"/>
+          <p:cNvPr id="54" name="TextBox 53"/>
           <p:cNvSpPr txBox="1"/>
           <p:nvPr/>
         </p:nvSpPr>
         <p:spPr>
           <a:xfrm>
-            <a:off x="6427420" y="3177562"/>
-            <a:ext cx="2073511" cy="1298817"/>
+            <a:off x="3341511" y="258228"/>
+            <a:ext cx="5508978" cy="769441"/>
           </a:xfrm>
           <a:prstGeom prst="rect">
             <a:avLst/>
@@ -11441,147 +7949,15 @@
           </a:bodyPr>
           <a:lstStyle/>
           <a:p>
-            <a:pPr algn="ctr" defTabSz="1219170">
-              <a:spcBef>
-                <a:spcPct val="20000"/>
-              </a:spcBef>
-              <a:defRPr/>
-            </a:pPr>
-            <a:r>
-              <a:rPr lang="en-US" sz="1600" b="1" dirty="0">
-                <a:solidFill>
-                  <a:schemeClr val="bg1"/>
-                </a:solidFill>
-                <a:latin typeface="Candara" panose="020E0502030303020204" pitchFamily="34" charset="0"/>
-              </a:rPr>
-              <a:t>LOREM IPSUM</a:t>
-            </a:r>
-          </a:p>
-          <a:p>
-            <a:pPr algn="ctr" defTabSz="1219170">
-              <a:spcBef>
-                <a:spcPct val="20000"/>
-              </a:spcBef>
-              <a:defRPr/>
-            </a:pPr>
-            <a:r>
-              <a:rPr lang="en-US" sz="1200" dirty="0">
-                <a:solidFill>
-                  <a:schemeClr val="bg1"/>
-                </a:solidFill>
-                <a:latin typeface="Candara" panose="020E0502030303020204" pitchFamily="34" charset="0"/>
-              </a:rPr>
-              <a:t>Lorem ipsum dolor sit amet, consectetur adipiscing elit, sed do eiusmod tempor incididunt ut labore et dolore magna aliqua. </a:t>
-            </a:r>
-          </a:p>
-        </p:txBody>
-      </p:sp>
-      <p:sp>
-        <p:nvSpPr>
-          <p:cNvPr id="49" name="TextBox 48"/>
-          <p:cNvSpPr txBox="1"/>
-          <p:nvPr/>
-        </p:nvSpPr>
-        <p:spPr>
-          <a:xfrm>
-            <a:off x="9106913" y="3177562"/>
-            <a:ext cx="2073511" cy="1298817"/>
-          </a:xfrm>
-          <a:prstGeom prst="rect">
-            <a:avLst/>
-          </a:prstGeom>
-          <a:noFill/>
-        </p:spPr>
-        <p:txBody>
-          <a:bodyPr wrap="square" rtlCol="0">
-            <a:spAutoFit/>
-          </a:bodyPr>
-          <a:lstStyle/>
-          <a:p>
-            <a:pPr algn="ctr" defTabSz="1219170">
-              <a:spcBef>
-                <a:spcPct val="20000"/>
-              </a:spcBef>
-              <a:defRPr/>
-            </a:pPr>
-            <a:r>
-              <a:rPr lang="en-US" sz="1600" b="1" dirty="0">
-                <a:solidFill>
-                  <a:schemeClr val="bg1"/>
-                </a:solidFill>
-                <a:latin typeface="Candara" panose="020E0502030303020204" pitchFamily="34" charset="0"/>
-              </a:rPr>
-              <a:t>LOREM IPSUM</a:t>
-            </a:r>
-          </a:p>
-          <a:p>
-            <a:pPr algn="ctr" defTabSz="1219170">
-              <a:spcBef>
-                <a:spcPct val="20000"/>
-              </a:spcBef>
-              <a:defRPr/>
-            </a:pPr>
-            <a:r>
-              <a:rPr lang="en-US" sz="1200" dirty="0">
-                <a:solidFill>
-                  <a:schemeClr val="bg1"/>
-                </a:solidFill>
-                <a:latin typeface="Candara" panose="020E0502030303020204" pitchFamily="34" charset="0"/>
-              </a:rPr>
-              <a:t>Lorem ipsum dolor sit amet, consectetur adipiscing elit, sed do eiusmod tempor incididunt ut labore et dolore magna aliqua. </a:t>
-            </a:r>
-          </a:p>
-        </p:txBody>
-      </p:sp>
-      <p:sp>
-        <p:nvSpPr>
-          <p:cNvPr id="54" name="TextBox 53"/>
-          <p:cNvSpPr txBox="1"/>
-          <p:nvPr/>
-        </p:nvSpPr>
-        <p:spPr>
-          <a:xfrm>
-            <a:off x="3341511" y="258228"/>
-            <a:ext cx="5508978" cy="1046440"/>
-          </a:xfrm>
-          <a:prstGeom prst="rect">
-            <a:avLst/>
-          </a:prstGeom>
-          <a:noFill/>
-        </p:spPr>
-        <p:txBody>
-          <a:bodyPr wrap="square" rtlCol="0">
-            <a:spAutoFit/>
-          </a:bodyPr>
-          <a:lstStyle/>
-          <a:p>
             <a:pPr algn="ctr"/>
             <a:r>
-              <a:rPr lang="en-US" sz="4400" b="1" dirty="0" err="1">
+              <a:rPr lang="it-IT" sz="4400" b="1" dirty="0">
                 <a:solidFill>
                   <a:srgbClr val="4C4F54"/>
                 </a:solidFill>
                 <a:latin typeface="Candara" panose="020E0502030303020204" pitchFamily="34" charset="0"/>
               </a:rPr>
               <a:t>Procedimento</a:t>
-            </a:r>
-            <a:endParaRPr lang="en-US" sz="4400" b="1" dirty="0">
-              <a:solidFill>
-                <a:srgbClr val="4C4F54"/>
-              </a:solidFill>
-              <a:latin typeface="Candara" panose="020E0502030303020204" pitchFamily="34" charset="0"/>
-            </a:endParaRPr>
-          </a:p>
-          <a:p>
-            <a:pPr algn="ctr"/>
-            <a:r>
-              <a:rPr lang="en-US" dirty="0">
-                <a:solidFill>
-                  <a:srgbClr val="4C4F54"/>
-                </a:solidFill>
-                <a:latin typeface="Candara" panose="020E0502030303020204" pitchFamily="34" charset="0"/>
-              </a:rPr>
-              <a:t>Your Subtitle</a:t>
             </a:r>
           </a:p>
         </p:txBody>
@@ -12915,7 +9291,7 @@
                             </p:stCondLst>
                             <p:childTnLst>
                               <p:par>
-                                <p:cTn id="42" presetID="53" presetClass="entr" presetSubtype="16" fill="hold" grpId="0" nodeType="afterEffect">
+                                <p:cTn id="42" presetID="22" presetClass="entr" presetSubtype="1" fill="hold" grpId="0" nodeType="afterEffect">
                                   <p:stCondLst>
                                     <p:cond delay="0"/>
                                   </p:stCondLst>
@@ -12923,96 +9299,6 @@
                                     <p:set>
                                       <p:cBhvr>
                                         <p:cTn id="43" dur="1" fill="hold">
-                                          <p:stCondLst>
-                                            <p:cond delay="0"/>
-                                          </p:stCondLst>
-                                        </p:cTn>
-                                        <p:tgtEl>
-                                          <p:spTgt spid="44"/>
-                                        </p:tgtEl>
-                                        <p:attrNameLst>
-                                          <p:attrName>style.visibility</p:attrName>
-                                        </p:attrNameLst>
-                                      </p:cBhvr>
-                                      <p:to>
-                                        <p:strVal val="visible"/>
-                                      </p:to>
-                                    </p:set>
-                                    <p:anim calcmode="lin" valueType="num">
-                                      <p:cBhvr>
-                                        <p:cTn id="44" dur="500" fill="hold"/>
-                                        <p:tgtEl>
-                                          <p:spTgt spid="44"/>
-                                        </p:tgtEl>
-                                        <p:attrNameLst>
-                                          <p:attrName>ppt_w</p:attrName>
-                                        </p:attrNameLst>
-                                      </p:cBhvr>
-                                      <p:tavLst>
-                                        <p:tav tm="0">
-                                          <p:val>
-                                            <p:fltVal val="0"/>
-                                          </p:val>
-                                        </p:tav>
-                                        <p:tav tm="100000">
-                                          <p:val>
-                                            <p:strVal val="#ppt_w"/>
-                                          </p:val>
-                                        </p:tav>
-                                      </p:tavLst>
-                                    </p:anim>
-                                    <p:anim calcmode="lin" valueType="num">
-                                      <p:cBhvr>
-                                        <p:cTn id="45" dur="500" fill="hold"/>
-                                        <p:tgtEl>
-                                          <p:spTgt spid="44"/>
-                                        </p:tgtEl>
-                                        <p:attrNameLst>
-                                          <p:attrName>ppt_h</p:attrName>
-                                        </p:attrNameLst>
-                                      </p:cBhvr>
-                                      <p:tavLst>
-                                        <p:tav tm="0">
-                                          <p:val>
-                                            <p:fltVal val="0"/>
-                                          </p:val>
-                                        </p:tav>
-                                        <p:tav tm="100000">
-                                          <p:val>
-                                            <p:strVal val="#ppt_h"/>
-                                          </p:val>
-                                        </p:tav>
-                                      </p:tavLst>
-                                    </p:anim>
-                                    <p:animEffect transition="in" filter="fade">
-                                      <p:cBhvr>
-                                        <p:cTn id="46" dur="500"/>
-                                        <p:tgtEl>
-                                          <p:spTgt spid="44"/>
-                                        </p:tgtEl>
-                                      </p:cBhvr>
-                                    </p:animEffect>
-                                  </p:childTnLst>
-                                </p:cTn>
-                              </p:par>
-                            </p:childTnLst>
-                          </p:cTn>
-                        </p:par>
-                        <p:par>
-                          <p:cTn id="47" fill="hold">
-                            <p:stCondLst>
-                              <p:cond delay="1500"/>
-                            </p:stCondLst>
-                            <p:childTnLst>
-                              <p:par>
-                                <p:cTn id="48" presetID="22" presetClass="entr" presetSubtype="1" fill="hold" grpId="0" nodeType="afterEffect">
-                                  <p:stCondLst>
-                                    <p:cond delay="0"/>
-                                  </p:stCondLst>
-                                  <p:childTnLst>
-                                    <p:set>
-                                      <p:cBhvr>
-                                        <p:cTn id="49" dur="1" fill="hold">
                                           <p:stCondLst>
                                             <p:cond delay="0"/>
                                           </p:stCondLst>
@@ -13030,7 +9316,7 @@
                                     </p:set>
                                     <p:animEffect transition="in" filter="wipe(up)">
                                       <p:cBhvr>
-                                        <p:cTn id="50" dur="500"/>
+                                        <p:cTn id="44" dur="500"/>
                                         <p:tgtEl>
                                           <p:spTgt spid="46"/>
                                         </p:tgtEl>
@@ -13043,20 +9329,20 @@
                           </p:cTn>
                         </p:par>
                         <p:par>
-                          <p:cTn id="51" fill="hold">
+                          <p:cTn id="45" fill="hold">
                             <p:stCondLst>
-                              <p:cond delay="2000"/>
+                              <p:cond delay="1500"/>
                             </p:stCondLst>
                             <p:childTnLst>
                               <p:par>
-                                <p:cTn id="52" presetID="22" presetClass="entr" presetSubtype="8" fill="hold" grpId="0" nodeType="afterEffect">
+                                <p:cTn id="46" presetID="22" presetClass="entr" presetSubtype="8" fill="hold" grpId="0" nodeType="afterEffect">
                                   <p:stCondLst>
                                     <p:cond delay="0"/>
                                   </p:stCondLst>
                                   <p:childTnLst>
                                     <p:set>
                                       <p:cBhvr>
-                                        <p:cTn id="53" dur="1" fill="hold">
+                                        <p:cTn id="47" dur="1" fill="hold">
                                           <p:stCondLst>
                                             <p:cond delay="0"/>
                                           </p:stCondLst>
@@ -13074,7 +9360,7 @@
                                     </p:set>
                                     <p:animEffect transition="in" filter="wipe(left)">
                                       <p:cBhvr>
-                                        <p:cTn id="54" dur="500"/>
+                                        <p:cTn id="48" dur="500"/>
                                         <p:tgtEl>
                                           <p:spTgt spid="87"/>
                                         </p:tgtEl>
@@ -13087,110 +9373,20 @@
                           </p:cTn>
                         </p:par>
                         <p:par>
-                          <p:cTn id="55" fill="hold">
+                          <p:cTn id="49" fill="hold">
                             <p:stCondLst>
-                              <p:cond delay="2500"/>
+                              <p:cond delay="2000"/>
                             </p:stCondLst>
                             <p:childTnLst>
                               <p:par>
-                                <p:cTn id="56" presetID="53" presetClass="entr" presetSubtype="16" fill="hold" grpId="0" nodeType="afterEffect">
+                                <p:cTn id="50" presetID="22" presetClass="entr" presetSubtype="1" fill="hold" grpId="0" nodeType="afterEffect">
                                   <p:stCondLst>
                                     <p:cond delay="0"/>
                                   </p:stCondLst>
                                   <p:childTnLst>
                                     <p:set>
                                       <p:cBhvr>
-                                        <p:cTn id="57" dur="1" fill="hold">
-                                          <p:stCondLst>
-                                            <p:cond delay="0"/>
-                                          </p:stCondLst>
-                                        </p:cTn>
-                                        <p:tgtEl>
-                                          <p:spTgt spid="45"/>
-                                        </p:tgtEl>
-                                        <p:attrNameLst>
-                                          <p:attrName>style.visibility</p:attrName>
-                                        </p:attrNameLst>
-                                      </p:cBhvr>
-                                      <p:to>
-                                        <p:strVal val="visible"/>
-                                      </p:to>
-                                    </p:set>
-                                    <p:anim calcmode="lin" valueType="num">
-                                      <p:cBhvr>
-                                        <p:cTn id="58" dur="500" fill="hold"/>
-                                        <p:tgtEl>
-                                          <p:spTgt spid="45"/>
-                                        </p:tgtEl>
-                                        <p:attrNameLst>
-                                          <p:attrName>ppt_w</p:attrName>
-                                        </p:attrNameLst>
-                                      </p:cBhvr>
-                                      <p:tavLst>
-                                        <p:tav tm="0">
-                                          <p:val>
-                                            <p:fltVal val="0"/>
-                                          </p:val>
-                                        </p:tav>
-                                        <p:tav tm="100000">
-                                          <p:val>
-                                            <p:strVal val="#ppt_w"/>
-                                          </p:val>
-                                        </p:tav>
-                                      </p:tavLst>
-                                    </p:anim>
-                                    <p:anim calcmode="lin" valueType="num">
-                                      <p:cBhvr>
-                                        <p:cTn id="59" dur="500" fill="hold"/>
-                                        <p:tgtEl>
-                                          <p:spTgt spid="45"/>
-                                        </p:tgtEl>
-                                        <p:attrNameLst>
-                                          <p:attrName>ppt_h</p:attrName>
-                                        </p:attrNameLst>
-                                      </p:cBhvr>
-                                      <p:tavLst>
-                                        <p:tav tm="0">
-                                          <p:val>
-                                            <p:fltVal val="0"/>
-                                          </p:val>
-                                        </p:tav>
-                                        <p:tav tm="100000">
-                                          <p:val>
-                                            <p:strVal val="#ppt_h"/>
-                                          </p:val>
-                                        </p:tav>
-                                      </p:tavLst>
-                                    </p:anim>
-                                    <p:animEffect transition="in" filter="fade">
-                                      <p:cBhvr>
-                                        <p:cTn id="60" dur="500"/>
-                                        <p:tgtEl>
-                                          <p:spTgt spid="45"/>
-                                        </p:tgtEl>
-                                      </p:cBhvr>
-                                    </p:animEffect>
-                                  </p:childTnLst>
-                                </p:cTn>
-                              </p:par>
-                            </p:childTnLst>
-                          </p:cTn>
-                        </p:par>
-                        <p:par>
-                          <p:cTn id="61" fill="hold">
-                            <p:stCondLst>
-                              <p:cond delay="3000"/>
-                            </p:stCondLst>
-                            <p:childTnLst>
-                              <p:par>
-                                <p:cTn id="62" presetID="22" presetClass="entr" presetSubtype="1" fill="hold" grpId="0" nodeType="afterEffect">
-                                  <p:stCondLst>
-                                    <p:cond delay="0"/>
-                                  </p:stCondLst>
-                                  <p:childTnLst>
-                                    <p:set>
-                                      <p:cBhvr>
-                                        <p:cTn id="63" dur="1" fill="hold">
+                                        <p:cTn id="51" dur="1" fill="hold">
                                           <p:stCondLst>
                                             <p:cond delay="0"/>
                                           </p:stCondLst>
@@ -13208,7 +9404,7 @@
                                     </p:set>
                                     <p:animEffect transition="in" filter="wipe(up)">
                                       <p:cBhvr>
-                                        <p:cTn id="64" dur="500"/>
+                                        <p:cTn id="52" dur="500"/>
                                         <p:tgtEl>
                                           <p:spTgt spid="47"/>
                                         </p:tgtEl>
@@ -13221,20 +9417,20 @@
                           </p:cTn>
                         </p:par>
                         <p:par>
-                          <p:cTn id="65" fill="hold">
+                          <p:cTn id="53" fill="hold">
                             <p:stCondLst>
-                              <p:cond delay="3500"/>
+                              <p:cond delay="2500"/>
                             </p:stCondLst>
                             <p:childTnLst>
                               <p:par>
-                                <p:cTn id="66" presetID="22" presetClass="entr" presetSubtype="8" fill="hold" grpId="0" nodeType="afterEffect">
+                                <p:cTn id="54" presetID="22" presetClass="entr" presetSubtype="8" fill="hold" grpId="0" nodeType="afterEffect">
                                   <p:stCondLst>
                                     <p:cond delay="0"/>
                                   </p:stCondLst>
                                   <p:childTnLst>
                                     <p:set>
                                       <p:cBhvr>
-                                        <p:cTn id="67" dur="1" fill="hold">
+                                        <p:cTn id="55" dur="1" fill="hold">
                                           <p:stCondLst>
                                             <p:cond delay="0"/>
                                           </p:stCondLst>
@@ -13252,7 +9448,7 @@
                                     </p:set>
                                     <p:animEffect transition="in" filter="wipe(left)">
                                       <p:cBhvr>
-                                        <p:cTn id="68" dur="500"/>
+                                        <p:cTn id="56" dur="500"/>
                                         <p:tgtEl>
                                           <p:spTgt spid="88"/>
                                         </p:tgtEl>
@@ -13265,110 +9461,20 @@
                           </p:cTn>
                         </p:par>
                         <p:par>
-                          <p:cTn id="69" fill="hold">
+                          <p:cTn id="57" fill="hold">
                             <p:stCondLst>
-                              <p:cond delay="4000"/>
+                              <p:cond delay="3000"/>
                             </p:stCondLst>
                             <p:childTnLst>
                               <p:par>
-                                <p:cTn id="70" presetID="53" presetClass="entr" presetSubtype="16" fill="hold" grpId="0" nodeType="afterEffect">
+                                <p:cTn id="58" presetID="22" presetClass="entr" presetSubtype="1" fill="hold" grpId="0" nodeType="afterEffect">
                                   <p:stCondLst>
                                     <p:cond delay="0"/>
                                   </p:stCondLst>
                                   <p:childTnLst>
                                     <p:set>
                                       <p:cBhvr>
-                                        <p:cTn id="71" dur="1" fill="hold">
-                                          <p:stCondLst>
-                                            <p:cond delay="0"/>
-                                          </p:stCondLst>
-                                        </p:cTn>
-                                        <p:tgtEl>
-                                          <p:spTgt spid="43"/>
-                                        </p:tgtEl>
-                                        <p:attrNameLst>
-                                          <p:attrName>style.visibility</p:attrName>
-                                        </p:attrNameLst>
-                                      </p:cBhvr>
-                                      <p:to>
-                                        <p:strVal val="visible"/>
-                                      </p:to>
-                                    </p:set>
-                                    <p:anim calcmode="lin" valueType="num">
-                                      <p:cBhvr>
-                                        <p:cTn id="72" dur="500" fill="hold"/>
-                                        <p:tgtEl>
-                                          <p:spTgt spid="43"/>
-                                        </p:tgtEl>
-                                        <p:attrNameLst>
-                                          <p:attrName>ppt_w</p:attrName>
-                                        </p:attrNameLst>
-                                      </p:cBhvr>
-                                      <p:tavLst>
-                                        <p:tav tm="0">
-                                          <p:val>
-                                            <p:fltVal val="0"/>
-                                          </p:val>
-                                        </p:tav>
-                                        <p:tav tm="100000">
-                                          <p:val>
-                                            <p:strVal val="#ppt_w"/>
-                                          </p:val>
-                                        </p:tav>
-                                      </p:tavLst>
-                                    </p:anim>
-                                    <p:anim calcmode="lin" valueType="num">
-                                      <p:cBhvr>
-                                        <p:cTn id="73" dur="500" fill="hold"/>
-                                        <p:tgtEl>
-                                          <p:spTgt spid="43"/>
-                                        </p:tgtEl>
-                                        <p:attrNameLst>
-                                          <p:attrName>ppt_h</p:attrName>
-                                        </p:attrNameLst>
-                                      </p:cBhvr>
-                                      <p:tavLst>
-                                        <p:tav tm="0">
-                                          <p:val>
-                                            <p:fltVal val="0"/>
-                                          </p:val>
-                                        </p:tav>
-                                        <p:tav tm="100000">
-                                          <p:val>
-                                            <p:strVal val="#ppt_h"/>
-                                          </p:val>
-                                        </p:tav>
-                                      </p:tavLst>
-                                    </p:anim>
-                                    <p:animEffect transition="in" filter="fade">
-                                      <p:cBhvr>
-                                        <p:cTn id="74" dur="500"/>
-                                        <p:tgtEl>
-                                          <p:spTgt spid="43"/>
-                                        </p:tgtEl>
-                                      </p:cBhvr>
-                                    </p:animEffect>
-                                  </p:childTnLst>
-                                </p:cTn>
-                              </p:par>
-                            </p:childTnLst>
-                          </p:cTn>
-                        </p:par>
-                        <p:par>
-                          <p:cTn id="75" fill="hold">
-                            <p:stCondLst>
-                              <p:cond delay="4500"/>
-                            </p:stCondLst>
-                            <p:childTnLst>
-                              <p:par>
-                                <p:cTn id="76" presetID="22" presetClass="entr" presetSubtype="1" fill="hold" grpId="0" nodeType="afterEffect">
-                                  <p:stCondLst>
-                                    <p:cond delay="0"/>
-                                  </p:stCondLst>
-                                  <p:childTnLst>
-                                    <p:set>
-                                      <p:cBhvr>
-                                        <p:cTn id="77" dur="1" fill="hold">
+                                        <p:cTn id="59" dur="1" fill="hold">
                                           <p:stCondLst>
                                             <p:cond delay="0"/>
                                           </p:stCondLst>
@@ -13386,7 +9492,7 @@
                                     </p:set>
                                     <p:animEffect transition="in" filter="wipe(up)">
                                       <p:cBhvr>
-                                        <p:cTn id="78" dur="500"/>
+                                        <p:cTn id="60" dur="500"/>
                                         <p:tgtEl>
                                           <p:spTgt spid="48"/>
                                         </p:tgtEl>
@@ -13399,20 +9505,20 @@
                           </p:cTn>
                         </p:par>
                         <p:par>
-                          <p:cTn id="79" fill="hold">
+                          <p:cTn id="61" fill="hold">
                             <p:stCondLst>
-                              <p:cond delay="5000"/>
+                              <p:cond delay="3500"/>
                             </p:stCondLst>
                             <p:childTnLst>
                               <p:par>
-                                <p:cTn id="80" presetID="22" presetClass="entr" presetSubtype="8" fill="hold" grpId="0" nodeType="afterEffect">
+                                <p:cTn id="62" presetID="22" presetClass="entr" presetSubtype="8" fill="hold" grpId="0" nodeType="afterEffect">
                                   <p:stCondLst>
                                     <p:cond delay="0"/>
                                   </p:stCondLst>
                                   <p:childTnLst>
                                     <p:set>
                                       <p:cBhvr>
-                                        <p:cTn id="81" dur="1" fill="hold">
+                                        <p:cTn id="63" dur="1" fill="hold">
                                           <p:stCondLst>
                                             <p:cond delay="0"/>
                                           </p:stCondLst>
@@ -13430,7 +9536,7 @@
                                     </p:set>
                                     <p:animEffect transition="in" filter="wipe(left)">
                                       <p:cBhvr>
-                                        <p:cTn id="82" dur="500"/>
+                                        <p:cTn id="64" dur="500"/>
                                         <p:tgtEl>
                                           <p:spTgt spid="89"/>
                                         </p:tgtEl>
@@ -13443,110 +9549,20 @@
                           </p:cTn>
                         </p:par>
                         <p:par>
-                          <p:cTn id="83" fill="hold">
+                          <p:cTn id="65" fill="hold">
                             <p:stCondLst>
-                              <p:cond delay="5500"/>
+                              <p:cond delay="4000"/>
                             </p:stCondLst>
                             <p:childTnLst>
                               <p:par>
-                                <p:cTn id="84" presetID="53" presetClass="entr" presetSubtype="16" fill="hold" grpId="0" nodeType="afterEffect">
+                                <p:cTn id="66" presetID="22" presetClass="entr" presetSubtype="1" fill="hold" grpId="0" nodeType="afterEffect">
                                   <p:stCondLst>
                                     <p:cond delay="0"/>
                                   </p:stCondLst>
                                   <p:childTnLst>
                                     <p:set>
                                       <p:cBhvr>
-                                        <p:cTn id="85" dur="1" fill="hold">
-                                          <p:stCondLst>
-                                            <p:cond delay="0"/>
-                                          </p:stCondLst>
-                                        </p:cTn>
-                                        <p:tgtEl>
-                                          <p:spTgt spid="42"/>
-                                        </p:tgtEl>
-                                        <p:attrNameLst>
-                                          <p:attrName>style.visibility</p:attrName>
-                                        </p:attrNameLst>
-                                      </p:cBhvr>
-                                      <p:to>
-                                        <p:strVal val="visible"/>
-                                      </p:to>
-                                    </p:set>
-                                    <p:anim calcmode="lin" valueType="num">
-                                      <p:cBhvr>
-                                        <p:cTn id="86" dur="500" fill="hold"/>
-                                        <p:tgtEl>
-                                          <p:spTgt spid="42"/>
-                                        </p:tgtEl>
-                                        <p:attrNameLst>
-                                          <p:attrName>ppt_w</p:attrName>
-                                        </p:attrNameLst>
-                                      </p:cBhvr>
-                                      <p:tavLst>
-                                        <p:tav tm="0">
-                                          <p:val>
-                                            <p:fltVal val="0"/>
-                                          </p:val>
-                                        </p:tav>
-                                        <p:tav tm="100000">
-                                          <p:val>
-                                            <p:strVal val="#ppt_w"/>
-                                          </p:val>
-                                        </p:tav>
-                                      </p:tavLst>
-                                    </p:anim>
-                                    <p:anim calcmode="lin" valueType="num">
-                                      <p:cBhvr>
-                                        <p:cTn id="87" dur="500" fill="hold"/>
-                                        <p:tgtEl>
-                                          <p:spTgt spid="42"/>
-                                        </p:tgtEl>
-                                        <p:attrNameLst>
-                                          <p:attrName>ppt_h</p:attrName>
-                                        </p:attrNameLst>
-                                      </p:cBhvr>
-                                      <p:tavLst>
-                                        <p:tav tm="0">
-                                          <p:val>
-                                            <p:fltVal val="0"/>
-                                          </p:val>
-                                        </p:tav>
-                                        <p:tav tm="100000">
-                                          <p:val>
-                                            <p:strVal val="#ppt_h"/>
-                                          </p:val>
-                                        </p:tav>
-                                      </p:tavLst>
-                                    </p:anim>
-                                    <p:animEffect transition="in" filter="fade">
-                                      <p:cBhvr>
-                                        <p:cTn id="88" dur="500"/>
-                                        <p:tgtEl>
-                                          <p:spTgt spid="42"/>
-                                        </p:tgtEl>
-                                      </p:cBhvr>
-                                    </p:animEffect>
-                                  </p:childTnLst>
-                                </p:cTn>
-                              </p:par>
-                            </p:childTnLst>
-                          </p:cTn>
-                        </p:par>
-                        <p:par>
-                          <p:cTn id="89" fill="hold">
-                            <p:stCondLst>
-                              <p:cond delay="6000"/>
-                            </p:stCondLst>
-                            <p:childTnLst>
-                              <p:par>
-                                <p:cTn id="90" presetID="22" presetClass="entr" presetSubtype="1" fill="hold" grpId="0" nodeType="afterEffect">
-                                  <p:stCondLst>
-                                    <p:cond delay="0"/>
-                                  </p:stCondLst>
-                                  <p:childTnLst>
-                                    <p:set>
-                                      <p:cBhvr>
-                                        <p:cTn id="91" dur="1" fill="hold">
+                                        <p:cTn id="67" dur="1" fill="hold">
                                           <p:stCondLst>
                                             <p:cond delay="0"/>
                                           </p:stCondLst>
@@ -13564,7 +9580,7 @@
                                     </p:set>
                                     <p:animEffect transition="in" filter="wipe(up)">
                                       <p:cBhvr>
-                                        <p:cTn id="92" dur="500"/>
+                                        <p:cTn id="68" dur="500"/>
                                         <p:tgtEl>
                                           <p:spTgt spid="49"/>
                                         </p:tgtEl>
@@ -13577,20 +9593,20 @@
                           </p:cTn>
                         </p:par>
                         <p:par>
-                          <p:cTn id="93" fill="hold">
+                          <p:cTn id="69" fill="hold">
                             <p:stCondLst>
-                              <p:cond delay="6500"/>
+                              <p:cond delay="4500"/>
                             </p:stCondLst>
                             <p:childTnLst>
                               <p:par>
-                                <p:cTn id="94" presetID="42" presetClass="entr" presetSubtype="0" fill="hold" grpId="0" nodeType="afterEffect">
+                                <p:cTn id="70" presetID="42" presetClass="entr" presetSubtype="0" fill="hold" grpId="0" nodeType="afterEffect">
                                   <p:stCondLst>
                                     <p:cond delay="0"/>
                                   </p:stCondLst>
                                   <p:childTnLst>
                                     <p:set>
                                       <p:cBhvr>
-                                        <p:cTn id="95" dur="1" fill="hold">
+                                        <p:cTn id="71" dur="1" fill="hold">
                                           <p:stCondLst>
                                             <p:cond delay="0"/>
                                           </p:stCondLst>
@@ -13608,7 +9624,7 @@
                                     </p:set>
                                     <p:animEffect transition="in" filter="fade">
                                       <p:cBhvr>
-                                        <p:cTn id="96" dur="1000"/>
+                                        <p:cTn id="72" dur="1000"/>
                                         <p:tgtEl>
                                           <p:spTgt spid="51"/>
                                         </p:tgtEl>
@@ -13616,7 +9632,7 @@
                                     </p:animEffect>
                                     <p:anim calcmode="lin" valueType="num">
                                       <p:cBhvr>
-                                        <p:cTn id="97" dur="1000" fill="hold"/>
+                                        <p:cTn id="73" dur="1000" fill="hold"/>
                                         <p:tgtEl>
                                           <p:spTgt spid="51"/>
                                         </p:tgtEl>
@@ -13639,9 +9655,369 @@
                                     </p:anim>
                                     <p:anim calcmode="lin" valueType="num">
                                       <p:cBhvr>
+                                        <p:cTn id="74" dur="1000" fill="hold"/>
+                                        <p:tgtEl>
+                                          <p:spTgt spid="51"/>
+                                        </p:tgtEl>
+                                        <p:attrNameLst>
+                                          <p:attrName>ppt_y</p:attrName>
+                                        </p:attrNameLst>
+                                      </p:cBhvr>
+                                      <p:tavLst>
+                                        <p:tav tm="0">
+                                          <p:val>
+                                            <p:strVal val="#ppt_y+.1"/>
+                                          </p:val>
+                                        </p:tav>
+                                        <p:tav tm="100000">
+                                          <p:val>
+                                            <p:strVal val="#ppt_y"/>
+                                          </p:val>
+                                        </p:tav>
+                                      </p:tavLst>
+                                    </p:anim>
+                                  </p:childTnLst>
+                                </p:cTn>
+                              </p:par>
+                            </p:childTnLst>
+                          </p:cTn>
+                        </p:par>
+                      </p:childTnLst>
+                    </p:cTn>
+                  </p:par>
+                  <p:par>
+                    <p:cTn id="75" fill="hold">
+                      <p:stCondLst>
+                        <p:cond delay="indefinite"/>
+                      </p:stCondLst>
+                      <p:childTnLst>
+                        <p:par>
+                          <p:cTn id="76" fill="hold">
+                            <p:stCondLst>
+                              <p:cond delay="0"/>
+                            </p:stCondLst>
+                            <p:childTnLst>
+                              <p:par>
+                                <p:cTn id="77" presetID="42" presetClass="entr" presetSubtype="0" fill="hold" grpId="0" nodeType="clickEffect">
+                                  <p:stCondLst>
+                                    <p:cond delay="0"/>
+                                  </p:stCondLst>
+                                  <p:childTnLst>
+                                    <p:set>
+                                      <p:cBhvr>
+                                        <p:cTn id="78" dur="1" fill="hold">
+                                          <p:stCondLst>
+                                            <p:cond delay="0"/>
+                                          </p:stCondLst>
+                                        </p:cTn>
+                                        <p:tgtEl>
+                                          <p:spTgt spid="21"/>
+                                        </p:tgtEl>
+                                        <p:attrNameLst>
+                                          <p:attrName>style.visibility</p:attrName>
+                                        </p:attrNameLst>
+                                      </p:cBhvr>
+                                      <p:to>
+                                        <p:strVal val="visible"/>
+                                      </p:to>
+                                    </p:set>
+                                    <p:animEffect transition="in" filter="fade">
+                                      <p:cBhvr>
+                                        <p:cTn id="79" dur="1000"/>
+                                        <p:tgtEl>
+                                          <p:spTgt spid="21"/>
+                                        </p:tgtEl>
+                                      </p:cBhvr>
+                                    </p:animEffect>
+                                    <p:anim calcmode="lin" valueType="num">
+                                      <p:cBhvr>
+                                        <p:cTn id="80" dur="1000" fill="hold"/>
+                                        <p:tgtEl>
+                                          <p:spTgt spid="21"/>
+                                        </p:tgtEl>
+                                        <p:attrNameLst>
+                                          <p:attrName>ppt_x</p:attrName>
+                                        </p:attrNameLst>
+                                      </p:cBhvr>
+                                      <p:tavLst>
+                                        <p:tav tm="0">
+                                          <p:val>
+                                            <p:strVal val="#ppt_x"/>
+                                          </p:val>
+                                        </p:tav>
+                                        <p:tav tm="100000">
+                                          <p:val>
+                                            <p:strVal val="#ppt_x"/>
+                                          </p:val>
+                                        </p:tav>
+                                      </p:tavLst>
+                                    </p:anim>
+                                    <p:anim calcmode="lin" valueType="num">
+                                      <p:cBhvr>
+                                        <p:cTn id="81" dur="1000" fill="hold"/>
+                                        <p:tgtEl>
+                                          <p:spTgt spid="21"/>
+                                        </p:tgtEl>
+                                        <p:attrNameLst>
+                                          <p:attrName>ppt_y</p:attrName>
+                                        </p:attrNameLst>
+                                      </p:cBhvr>
+                                      <p:tavLst>
+                                        <p:tav tm="0">
+                                          <p:val>
+                                            <p:strVal val="#ppt_y+.1"/>
+                                          </p:val>
+                                        </p:tav>
+                                        <p:tav tm="100000">
+                                          <p:val>
+                                            <p:strVal val="#ppt_y"/>
+                                          </p:val>
+                                        </p:tav>
+                                      </p:tavLst>
+                                    </p:anim>
+                                  </p:childTnLst>
+                                </p:cTn>
+                              </p:par>
+                              <p:par>
+                                <p:cTn id="82" presetID="42" presetClass="entr" presetSubtype="0" fill="hold" grpId="0" nodeType="withEffect">
+                                  <p:stCondLst>
+                                    <p:cond delay="0"/>
+                                  </p:stCondLst>
+                                  <p:childTnLst>
+                                    <p:set>
+                                      <p:cBhvr>
+                                        <p:cTn id="83" dur="1" fill="hold">
+                                          <p:stCondLst>
+                                            <p:cond delay="0"/>
+                                          </p:stCondLst>
+                                        </p:cTn>
+                                        <p:tgtEl>
+                                          <p:spTgt spid="22"/>
+                                        </p:tgtEl>
+                                        <p:attrNameLst>
+                                          <p:attrName>style.visibility</p:attrName>
+                                        </p:attrNameLst>
+                                      </p:cBhvr>
+                                      <p:to>
+                                        <p:strVal val="visible"/>
+                                      </p:to>
+                                    </p:set>
+                                    <p:animEffect transition="in" filter="fade">
+                                      <p:cBhvr>
+                                        <p:cTn id="84" dur="1000"/>
+                                        <p:tgtEl>
+                                          <p:spTgt spid="22"/>
+                                        </p:tgtEl>
+                                      </p:cBhvr>
+                                    </p:animEffect>
+                                    <p:anim calcmode="lin" valueType="num">
+                                      <p:cBhvr>
+                                        <p:cTn id="85" dur="1000" fill="hold"/>
+                                        <p:tgtEl>
+                                          <p:spTgt spid="22"/>
+                                        </p:tgtEl>
+                                        <p:attrNameLst>
+                                          <p:attrName>ppt_x</p:attrName>
+                                        </p:attrNameLst>
+                                      </p:cBhvr>
+                                      <p:tavLst>
+                                        <p:tav tm="0">
+                                          <p:val>
+                                            <p:strVal val="#ppt_x"/>
+                                          </p:val>
+                                        </p:tav>
+                                        <p:tav tm="100000">
+                                          <p:val>
+                                            <p:strVal val="#ppt_x"/>
+                                          </p:val>
+                                        </p:tav>
+                                      </p:tavLst>
+                                    </p:anim>
+                                    <p:anim calcmode="lin" valueType="num">
+                                      <p:cBhvr>
+                                        <p:cTn id="86" dur="1000" fill="hold"/>
+                                        <p:tgtEl>
+                                          <p:spTgt spid="22"/>
+                                        </p:tgtEl>
+                                        <p:attrNameLst>
+                                          <p:attrName>ppt_y</p:attrName>
+                                        </p:attrNameLst>
+                                      </p:cBhvr>
+                                      <p:tavLst>
+                                        <p:tav tm="0">
+                                          <p:val>
+                                            <p:strVal val="#ppt_y+.1"/>
+                                          </p:val>
+                                        </p:tav>
+                                        <p:tav tm="100000">
+                                          <p:val>
+                                            <p:strVal val="#ppt_y"/>
+                                          </p:val>
+                                        </p:tav>
+                                      </p:tavLst>
+                                    </p:anim>
+                                  </p:childTnLst>
+                                </p:cTn>
+                              </p:par>
+                            </p:childTnLst>
+                          </p:cTn>
+                        </p:par>
+                      </p:childTnLst>
+                    </p:cTn>
+                  </p:par>
+                  <p:par>
+                    <p:cTn id="87" fill="hold">
+                      <p:stCondLst>
+                        <p:cond delay="indefinite"/>
+                      </p:stCondLst>
+                      <p:childTnLst>
+                        <p:par>
+                          <p:cTn id="88" fill="hold">
+                            <p:stCondLst>
+                              <p:cond delay="0"/>
+                            </p:stCondLst>
+                            <p:childTnLst>
+                              <p:par>
+                                <p:cTn id="89" presetID="42" presetClass="entr" presetSubtype="0" fill="hold" grpId="0" nodeType="clickEffect">
+                                  <p:stCondLst>
+                                    <p:cond delay="0"/>
+                                  </p:stCondLst>
+                                  <p:childTnLst>
+                                    <p:set>
+                                      <p:cBhvr>
+                                        <p:cTn id="90" dur="1" fill="hold">
+                                          <p:stCondLst>
+                                            <p:cond delay="0"/>
+                                          </p:stCondLst>
+                                        </p:cTn>
+                                        <p:tgtEl>
+                                          <p:spTgt spid="23"/>
+                                        </p:tgtEl>
+                                        <p:attrNameLst>
+                                          <p:attrName>style.visibility</p:attrName>
+                                        </p:attrNameLst>
+                                      </p:cBhvr>
+                                      <p:to>
+                                        <p:strVal val="visible"/>
+                                      </p:to>
+                                    </p:set>
+                                    <p:animEffect transition="in" filter="fade">
+                                      <p:cBhvr>
+                                        <p:cTn id="91" dur="1000"/>
+                                        <p:tgtEl>
+                                          <p:spTgt spid="23"/>
+                                        </p:tgtEl>
+                                      </p:cBhvr>
+                                    </p:animEffect>
+                                    <p:anim calcmode="lin" valueType="num">
+                                      <p:cBhvr>
+                                        <p:cTn id="92" dur="1000" fill="hold"/>
+                                        <p:tgtEl>
+                                          <p:spTgt spid="23"/>
+                                        </p:tgtEl>
+                                        <p:attrNameLst>
+                                          <p:attrName>ppt_x</p:attrName>
+                                        </p:attrNameLst>
+                                      </p:cBhvr>
+                                      <p:tavLst>
+                                        <p:tav tm="0">
+                                          <p:val>
+                                            <p:strVal val="#ppt_x"/>
+                                          </p:val>
+                                        </p:tav>
+                                        <p:tav tm="100000">
+                                          <p:val>
+                                            <p:strVal val="#ppt_x"/>
+                                          </p:val>
+                                        </p:tav>
+                                      </p:tavLst>
+                                    </p:anim>
+                                    <p:anim calcmode="lin" valueType="num">
+                                      <p:cBhvr>
+                                        <p:cTn id="93" dur="1000" fill="hold"/>
+                                        <p:tgtEl>
+                                          <p:spTgt spid="23"/>
+                                        </p:tgtEl>
+                                        <p:attrNameLst>
+                                          <p:attrName>ppt_y</p:attrName>
+                                        </p:attrNameLst>
+                                      </p:cBhvr>
+                                      <p:tavLst>
+                                        <p:tav tm="0">
+                                          <p:val>
+                                            <p:strVal val="#ppt_y+.1"/>
+                                          </p:val>
+                                        </p:tav>
+                                        <p:tav tm="100000">
+                                          <p:val>
+                                            <p:strVal val="#ppt_y"/>
+                                          </p:val>
+                                        </p:tav>
+                                      </p:tavLst>
+                                    </p:anim>
+                                  </p:childTnLst>
+                                </p:cTn>
+                              </p:par>
+                              <p:par>
+                                <p:cTn id="94" presetID="42" presetClass="entr" presetSubtype="0" fill="hold" grpId="0" nodeType="withEffect">
+                                  <p:stCondLst>
+                                    <p:cond delay="0"/>
+                                  </p:stCondLst>
+                                  <p:childTnLst>
+                                    <p:set>
+                                      <p:cBhvr>
+                                        <p:cTn id="95" dur="1" fill="hold">
+                                          <p:stCondLst>
+                                            <p:cond delay="0"/>
+                                          </p:stCondLst>
+                                        </p:cTn>
+                                        <p:tgtEl>
+                                          <p:spTgt spid="24"/>
+                                        </p:tgtEl>
+                                        <p:attrNameLst>
+                                          <p:attrName>style.visibility</p:attrName>
+                                        </p:attrNameLst>
+                                      </p:cBhvr>
+                                      <p:to>
+                                        <p:strVal val="visible"/>
+                                      </p:to>
+                                    </p:set>
+                                    <p:animEffect transition="in" filter="fade">
+                                      <p:cBhvr>
+                                        <p:cTn id="96" dur="1000"/>
+                                        <p:tgtEl>
+                                          <p:spTgt spid="24"/>
+                                        </p:tgtEl>
+                                      </p:cBhvr>
+                                    </p:animEffect>
+                                    <p:anim calcmode="lin" valueType="num">
+                                      <p:cBhvr>
+                                        <p:cTn id="97" dur="1000" fill="hold"/>
+                                        <p:tgtEl>
+                                          <p:spTgt spid="24"/>
+                                        </p:tgtEl>
+                                        <p:attrNameLst>
+                                          <p:attrName>ppt_x</p:attrName>
+                                        </p:attrNameLst>
+                                      </p:cBhvr>
+                                      <p:tavLst>
+                                        <p:tav tm="0">
+                                          <p:val>
+                                            <p:strVal val="#ppt_x"/>
+                                          </p:val>
+                                        </p:tav>
+                                        <p:tav tm="100000">
+                                          <p:val>
+                                            <p:strVal val="#ppt_x"/>
+                                          </p:val>
+                                        </p:tav>
+                                      </p:tavLst>
+                                    </p:anim>
+                                    <p:anim calcmode="lin" valueType="num">
+                                      <p:cBhvr>
                                         <p:cTn id="98" dur="1000" fill="hold"/>
                                         <p:tgtEl>
-                                          <p:spTgt spid="51"/>
+                                          <p:spTgt spid="24"/>
                                         </p:tgtEl>
                                         <p:attrNameLst>
                                           <p:attrName>ppt_y</p:attrName>
@@ -13695,7 +10071,7 @@
                                           </p:stCondLst>
                                         </p:cTn>
                                         <p:tgtEl>
-                                          <p:spTgt spid="21"/>
+                                          <p:spTgt spid="25"/>
                                         </p:tgtEl>
                                         <p:attrNameLst>
                                           <p:attrName>style.visibility</p:attrName>
@@ -13709,7 +10085,7 @@
                                       <p:cBhvr>
                                         <p:cTn id="103" dur="1000"/>
                                         <p:tgtEl>
-                                          <p:spTgt spid="21"/>
+                                          <p:spTgt spid="25"/>
                                         </p:tgtEl>
                                       </p:cBhvr>
                                     </p:animEffect>
@@ -13717,7 +10093,7 @@
                                       <p:cBhvr>
                                         <p:cTn id="104" dur="1000" fill="hold"/>
                                         <p:tgtEl>
-                                          <p:spTgt spid="21"/>
+                                          <p:spTgt spid="25"/>
                                         </p:tgtEl>
                                         <p:attrNameLst>
                                           <p:attrName>ppt_x</p:attrName>
@@ -13740,7 +10116,7 @@
                                       <p:cBhvr>
                                         <p:cTn id="105" dur="1000" fill="hold"/>
                                         <p:tgtEl>
-                                          <p:spTgt spid="21"/>
+                                          <p:spTgt spid="25"/>
                                         </p:tgtEl>
                                         <p:attrNameLst>
                                           <p:attrName>ppt_y</p:attrName>
@@ -13776,7 +10152,7 @@
                                           </p:stCondLst>
                                         </p:cTn>
                                         <p:tgtEl>
-                                          <p:spTgt spid="22"/>
+                                          <p:spTgt spid="26"/>
                                         </p:tgtEl>
                                         <p:attrNameLst>
                                           <p:attrName>style.visibility</p:attrName>
@@ -13790,373 +10166,13 @@
                                       <p:cBhvr>
                                         <p:cTn id="108" dur="1000"/>
                                         <p:tgtEl>
-                                          <p:spTgt spid="22"/>
+                                          <p:spTgt spid="26"/>
                                         </p:tgtEl>
                                       </p:cBhvr>
                                     </p:animEffect>
                                     <p:anim calcmode="lin" valueType="num">
                                       <p:cBhvr>
                                         <p:cTn id="109" dur="1000" fill="hold"/>
-                                        <p:tgtEl>
-                                          <p:spTgt spid="22"/>
-                                        </p:tgtEl>
-                                        <p:attrNameLst>
-                                          <p:attrName>ppt_x</p:attrName>
-                                        </p:attrNameLst>
-                                      </p:cBhvr>
-                                      <p:tavLst>
-                                        <p:tav tm="0">
-                                          <p:val>
-                                            <p:strVal val="#ppt_x"/>
-                                          </p:val>
-                                        </p:tav>
-                                        <p:tav tm="100000">
-                                          <p:val>
-                                            <p:strVal val="#ppt_x"/>
-                                          </p:val>
-                                        </p:tav>
-                                      </p:tavLst>
-                                    </p:anim>
-                                    <p:anim calcmode="lin" valueType="num">
-                                      <p:cBhvr>
-                                        <p:cTn id="110" dur="1000" fill="hold"/>
-                                        <p:tgtEl>
-                                          <p:spTgt spid="22"/>
-                                        </p:tgtEl>
-                                        <p:attrNameLst>
-                                          <p:attrName>ppt_y</p:attrName>
-                                        </p:attrNameLst>
-                                      </p:cBhvr>
-                                      <p:tavLst>
-                                        <p:tav tm="0">
-                                          <p:val>
-                                            <p:strVal val="#ppt_y+.1"/>
-                                          </p:val>
-                                        </p:tav>
-                                        <p:tav tm="100000">
-                                          <p:val>
-                                            <p:strVal val="#ppt_y"/>
-                                          </p:val>
-                                        </p:tav>
-                                      </p:tavLst>
-                                    </p:anim>
-                                  </p:childTnLst>
-                                </p:cTn>
-                              </p:par>
-                            </p:childTnLst>
-                          </p:cTn>
-                        </p:par>
-                      </p:childTnLst>
-                    </p:cTn>
-                  </p:par>
-                  <p:par>
-                    <p:cTn id="111" fill="hold">
-                      <p:stCondLst>
-                        <p:cond delay="indefinite"/>
-                      </p:stCondLst>
-                      <p:childTnLst>
-                        <p:par>
-                          <p:cTn id="112" fill="hold">
-                            <p:stCondLst>
-                              <p:cond delay="0"/>
-                            </p:stCondLst>
-                            <p:childTnLst>
-                              <p:par>
-                                <p:cTn id="113" presetID="42" presetClass="entr" presetSubtype="0" fill="hold" grpId="0" nodeType="clickEffect">
-                                  <p:stCondLst>
-                                    <p:cond delay="0"/>
-                                  </p:stCondLst>
-                                  <p:childTnLst>
-                                    <p:set>
-                                      <p:cBhvr>
-                                        <p:cTn id="114" dur="1" fill="hold">
-                                          <p:stCondLst>
-                                            <p:cond delay="0"/>
-                                          </p:stCondLst>
-                                        </p:cTn>
-                                        <p:tgtEl>
-                                          <p:spTgt spid="23"/>
-                                        </p:tgtEl>
-                                        <p:attrNameLst>
-                                          <p:attrName>style.visibility</p:attrName>
-                                        </p:attrNameLst>
-                                      </p:cBhvr>
-                                      <p:to>
-                                        <p:strVal val="visible"/>
-                                      </p:to>
-                                    </p:set>
-                                    <p:animEffect transition="in" filter="fade">
-                                      <p:cBhvr>
-                                        <p:cTn id="115" dur="1000"/>
-                                        <p:tgtEl>
-                                          <p:spTgt spid="23"/>
-                                        </p:tgtEl>
-                                      </p:cBhvr>
-                                    </p:animEffect>
-                                    <p:anim calcmode="lin" valueType="num">
-                                      <p:cBhvr>
-                                        <p:cTn id="116" dur="1000" fill="hold"/>
-                                        <p:tgtEl>
-                                          <p:spTgt spid="23"/>
-                                        </p:tgtEl>
-                                        <p:attrNameLst>
-                                          <p:attrName>ppt_x</p:attrName>
-                                        </p:attrNameLst>
-                                      </p:cBhvr>
-                                      <p:tavLst>
-                                        <p:tav tm="0">
-                                          <p:val>
-                                            <p:strVal val="#ppt_x"/>
-                                          </p:val>
-                                        </p:tav>
-                                        <p:tav tm="100000">
-                                          <p:val>
-                                            <p:strVal val="#ppt_x"/>
-                                          </p:val>
-                                        </p:tav>
-                                      </p:tavLst>
-                                    </p:anim>
-                                    <p:anim calcmode="lin" valueType="num">
-                                      <p:cBhvr>
-                                        <p:cTn id="117" dur="1000" fill="hold"/>
-                                        <p:tgtEl>
-                                          <p:spTgt spid="23"/>
-                                        </p:tgtEl>
-                                        <p:attrNameLst>
-                                          <p:attrName>ppt_y</p:attrName>
-                                        </p:attrNameLst>
-                                      </p:cBhvr>
-                                      <p:tavLst>
-                                        <p:tav tm="0">
-                                          <p:val>
-                                            <p:strVal val="#ppt_y+.1"/>
-                                          </p:val>
-                                        </p:tav>
-                                        <p:tav tm="100000">
-                                          <p:val>
-                                            <p:strVal val="#ppt_y"/>
-                                          </p:val>
-                                        </p:tav>
-                                      </p:tavLst>
-                                    </p:anim>
-                                  </p:childTnLst>
-                                </p:cTn>
-                              </p:par>
-                              <p:par>
-                                <p:cTn id="118" presetID="42" presetClass="entr" presetSubtype="0" fill="hold" grpId="0" nodeType="withEffect">
-                                  <p:stCondLst>
-                                    <p:cond delay="0"/>
-                                  </p:stCondLst>
-                                  <p:childTnLst>
-                                    <p:set>
-                                      <p:cBhvr>
-                                        <p:cTn id="119" dur="1" fill="hold">
-                                          <p:stCondLst>
-                                            <p:cond delay="0"/>
-                                          </p:stCondLst>
-                                        </p:cTn>
-                                        <p:tgtEl>
-                                          <p:spTgt spid="24"/>
-                                        </p:tgtEl>
-                                        <p:attrNameLst>
-                                          <p:attrName>style.visibility</p:attrName>
-                                        </p:attrNameLst>
-                                      </p:cBhvr>
-                                      <p:to>
-                                        <p:strVal val="visible"/>
-                                      </p:to>
-                                    </p:set>
-                                    <p:animEffect transition="in" filter="fade">
-                                      <p:cBhvr>
-                                        <p:cTn id="120" dur="1000"/>
-                                        <p:tgtEl>
-                                          <p:spTgt spid="24"/>
-                                        </p:tgtEl>
-                                      </p:cBhvr>
-                                    </p:animEffect>
-                                    <p:anim calcmode="lin" valueType="num">
-                                      <p:cBhvr>
-                                        <p:cTn id="121" dur="1000" fill="hold"/>
-                                        <p:tgtEl>
-                                          <p:spTgt spid="24"/>
-                                        </p:tgtEl>
-                                        <p:attrNameLst>
-                                          <p:attrName>ppt_x</p:attrName>
-                                        </p:attrNameLst>
-                                      </p:cBhvr>
-                                      <p:tavLst>
-                                        <p:tav tm="0">
-                                          <p:val>
-                                            <p:strVal val="#ppt_x"/>
-                                          </p:val>
-                                        </p:tav>
-                                        <p:tav tm="100000">
-                                          <p:val>
-                                            <p:strVal val="#ppt_x"/>
-                                          </p:val>
-                                        </p:tav>
-                                      </p:tavLst>
-                                    </p:anim>
-                                    <p:anim calcmode="lin" valueType="num">
-                                      <p:cBhvr>
-                                        <p:cTn id="122" dur="1000" fill="hold"/>
-                                        <p:tgtEl>
-                                          <p:spTgt spid="24"/>
-                                        </p:tgtEl>
-                                        <p:attrNameLst>
-                                          <p:attrName>ppt_y</p:attrName>
-                                        </p:attrNameLst>
-                                      </p:cBhvr>
-                                      <p:tavLst>
-                                        <p:tav tm="0">
-                                          <p:val>
-                                            <p:strVal val="#ppt_y+.1"/>
-                                          </p:val>
-                                        </p:tav>
-                                        <p:tav tm="100000">
-                                          <p:val>
-                                            <p:strVal val="#ppt_y"/>
-                                          </p:val>
-                                        </p:tav>
-                                      </p:tavLst>
-                                    </p:anim>
-                                  </p:childTnLst>
-                                </p:cTn>
-                              </p:par>
-                            </p:childTnLst>
-                          </p:cTn>
-                        </p:par>
-                      </p:childTnLst>
-                    </p:cTn>
-                  </p:par>
-                  <p:par>
-                    <p:cTn id="123" fill="hold">
-                      <p:stCondLst>
-                        <p:cond delay="indefinite"/>
-                      </p:stCondLst>
-                      <p:childTnLst>
-                        <p:par>
-                          <p:cTn id="124" fill="hold">
-                            <p:stCondLst>
-                              <p:cond delay="0"/>
-                            </p:stCondLst>
-                            <p:childTnLst>
-                              <p:par>
-                                <p:cTn id="125" presetID="42" presetClass="entr" presetSubtype="0" fill="hold" grpId="0" nodeType="clickEffect">
-                                  <p:stCondLst>
-                                    <p:cond delay="0"/>
-                                  </p:stCondLst>
-                                  <p:childTnLst>
-                                    <p:set>
-                                      <p:cBhvr>
-                                        <p:cTn id="126" dur="1" fill="hold">
-                                          <p:stCondLst>
-                                            <p:cond delay="0"/>
-                                          </p:stCondLst>
-                                        </p:cTn>
-                                        <p:tgtEl>
-                                          <p:spTgt spid="25"/>
-                                        </p:tgtEl>
-                                        <p:attrNameLst>
-                                          <p:attrName>style.visibility</p:attrName>
-                                        </p:attrNameLst>
-                                      </p:cBhvr>
-                                      <p:to>
-                                        <p:strVal val="visible"/>
-                                      </p:to>
-                                    </p:set>
-                                    <p:animEffect transition="in" filter="fade">
-                                      <p:cBhvr>
-                                        <p:cTn id="127" dur="1000"/>
-                                        <p:tgtEl>
-                                          <p:spTgt spid="25"/>
-                                        </p:tgtEl>
-                                      </p:cBhvr>
-                                    </p:animEffect>
-                                    <p:anim calcmode="lin" valueType="num">
-                                      <p:cBhvr>
-                                        <p:cTn id="128" dur="1000" fill="hold"/>
-                                        <p:tgtEl>
-                                          <p:spTgt spid="25"/>
-                                        </p:tgtEl>
-                                        <p:attrNameLst>
-                                          <p:attrName>ppt_x</p:attrName>
-                                        </p:attrNameLst>
-                                      </p:cBhvr>
-                                      <p:tavLst>
-                                        <p:tav tm="0">
-                                          <p:val>
-                                            <p:strVal val="#ppt_x"/>
-                                          </p:val>
-                                        </p:tav>
-                                        <p:tav tm="100000">
-                                          <p:val>
-                                            <p:strVal val="#ppt_x"/>
-                                          </p:val>
-                                        </p:tav>
-                                      </p:tavLst>
-                                    </p:anim>
-                                    <p:anim calcmode="lin" valueType="num">
-                                      <p:cBhvr>
-                                        <p:cTn id="129" dur="1000" fill="hold"/>
-                                        <p:tgtEl>
-                                          <p:spTgt spid="25"/>
-                                        </p:tgtEl>
-                                        <p:attrNameLst>
-                                          <p:attrName>ppt_y</p:attrName>
-                                        </p:attrNameLst>
-                                      </p:cBhvr>
-                                      <p:tavLst>
-                                        <p:tav tm="0">
-                                          <p:val>
-                                            <p:strVal val="#ppt_y+.1"/>
-                                          </p:val>
-                                        </p:tav>
-                                        <p:tav tm="100000">
-                                          <p:val>
-                                            <p:strVal val="#ppt_y"/>
-                                          </p:val>
-                                        </p:tav>
-                                      </p:tavLst>
-                                    </p:anim>
-                                  </p:childTnLst>
-                                </p:cTn>
-                              </p:par>
-                              <p:par>
-                                <p:cTn id="130" presetID="42" presetClass="entr" presetSubtype="0" fill="hold" grpId="0" nodeType="withEffect">
-                                  <p:stCondLst>
-                                    <p:cond delay="0"/>
-                                  </p:stCondLst>
-                                  <p:childTnLst>
-                                    <p:set>
-                                      <p:cBhvr>
-                                        <p:cTn id="131" dur="1" fill="hold">
-                                          <p:stCondLst>
-                                            <p:cond delay="0"/>
-                                          </p:stCondLst>
-                                        </p:cTn>
-                                        <p:tgtEl>
-                                          <p:spTgt spid="26"/>
-                                        </p:tgtEl>
-                                        <p:attrNameLst>
-                                          <p:attrName>style.visibility</p:attrName>
-                                        </p:attrNameLst>
-                                      </p:cBhvr>
-                                      <p:to>
-                                        <p:strVal val="visible"/>
-                                      </p:to>
-                                    </p:set>
-                                    <p:animEffect transition="in" filter="fade">
-                                      <p:cBhvr>
-                                        <p:cTn id="132" dur="1000"/>
-                                        <p:tgtEl>
-                                          <p:spTgt spid="26"/>
-                                        </p:tgtEl>
-                                      </p:cBhvr>
-                                    </p:animEffect>
-                                    <p:anim calcmode="lin" valueType="num">
-                                      <p:cBhvr>
-                                        <p:cTn id="133" dur="1000" fill="hold"/>
                                         <p:tgtEl>
                                           <p:spTgt spid="26"/>
                                         </p:tgtEl>
@@ -14179,7 +10195,7 @@
                                     </p:anim>
                                     <p:anim calcmode="lin" valueType="num">
                                       <p:cBhvr>
-                                        <p:cTn id="134" dur="1000" fill="hold"/>
+                                        <p:cTn id="110" dur="1000" fill="hold"/>
                                         <p:tgtEl>
                                           <p:spTgt spid="26"/>
                                         </p:tgtEl>
@@ -14240,10 +10256,6 @@
       <p:bldP spid="87" grpId="0" animBg="1"/>
       <p:bldP spid="88" grpId="0" animBg="1"/>
       <p:bldP spid="89" grpId="0" animBg="1"/>
-      <p:bldP spid="42" grpId="0" animBg="1"/>
-      <p:bldP spid="43" grpId="0" animBg="1"/>
-      <p:bldP spid="44" grpId="0" animBg="1"/>
-      <p:bldP spid="45" grpId="0" animBg="1"/>
       <p:bldP spid="46" grpId="0"/>
       <p:bldP spid="47" grpId="0"/>
       <p:bldP spid="48" grpId="0"/>
@@ -14255,6 +10267,1358 @@
       <p:bldP spid="24" grpId="0" animBg="1"/>
       <p:bldP spid="25" grpId="0" animBg="1"/>
       <p:bldP spid="26" grpId="0" animBg="1"/>
+    </p:bldLst>
+  </p:timing>
+</p:sld>
+</file>
+
+<file path=ppt/slides/slide4.xml><?xml version="1.0" encoding="utf-8"?>
+<p:sld xmlns:a="http://schemas.openxmlformats.org/drawingml/2006/main" xmlns:r="http://schemas.openxmlformats.org/officeDocument/2006/relationships" xmlns:p="http://schemas.openxmlformats.org/presentationml/2006/main">
+  <p:cSld>
+    <p:spTree>
+      <p:nvGrpSpPr>
+        <p:cNvPr id="1" name=""/>
+        <p:cNvGrpSpPr/>
+        <p:nvPr/>
+      </p:nvGrpSpPr>
+      <p:grpSpPr>
+        <a:xfrm>
+          <a:off x="0" y="0"/>
+          <a:ext cx="0" cy="0"/>
+          <a:chOff x="0" y="0"/>
+          <a:chExt cx="0" cy="0"/>
+        </a:xfrm>
+      </p:grpSpPr>
+      <p:sp>
+        <p:nvSpPr>
+          <p:cNvPr id="46" name="Teardrop 45"/>
+          <p:cNvSpPr/>
+          <p:nvPr/>
+        </p:nvSpPr>
+        <p:spPr>
+          <a:xfrm rot="2720395">
+            <a:off x="602803" y="4270654"/>
+            <a:ext cx="360000" cy="360000"/>
+          </a:xfrm>
+          <a:prstGeom prst="teardrop">
+            <a:avLst/>
+          </a:prstGeom>
+          <a:solidFill>
+            <a:srgbClr val="D34132"/>
+          </a:solidFill>
+          <a:ln>
+            <a:noFill/>
+          </a:ln>
+          <a:effectLst>
+            <a:outerShdw blurRad="50800" dist="38100" algn="l" rotWithShape="0">
+              <a:prstClr val="black">
+                <a:alpha val="40000"/>
+              </a:prstClr>
+            </a:outerShdw>
+          </a:effectLst>
+        </p:spPr>
+        <p:style>
+          <a:lnRef idx="2">
+            <a:schemeClr val="accent1">
+              <a:shade val="50000"/>
+            </a:schemeClr>
+          </a:lnRef>
+          <a:fillRef idx="1">
+            <a:schemeClr val="accent1"/>
+          </a:fillRef>
+          <a:effectRef idx="0">
+            <a:schemeClr val="accent1"/>
+          </a:effectRef>
+          <a:fontRef idx="minor">
+            <a:schemeClr val="lt1"/>
+          </a:fontRef>
+        </p:style>
+        <p:txBody>
+          <a:bodyPr rtlCol="0" anchor="ctr"/>
+          <a:lstStyle/>
+          <a:p>
+            <a:pPr algn="ctr"/>
+            <a:endParaRPr lang="en-US"/>
+          </a:p>
+        </p:txBody>
+      </p:sp>
+      <p:sp>
+        <p:nvSpPr>
+          <p:cNvPr id="45" name="Teardrop 44"/>
+          <p:cNvSpPr/>
+          <p:nvPr/>
+        </p:nvSpPr>
+        <p:spPr>
+          <a:xfrm rot="2720395">
+            <a:off x="607717" y="3343004"/>
+            <a:ext cx="360000" cy="360000"/>
+          </a:xfrm>
+          <a:prstGeom prst="teardrop">
+            <a:avLst/>
+          </a:prstGeom>
+          <a:solidFill>
+            <a:srgbClr val="EF9D27"/>
+          </a:solidFill>
+          <a:ln>
+            <a:noFill/>
+          </a:ln>
+          <a:effectLst>
+            <a:outerShdw blurRad="50800" dist="38100" algn="l" rotWithShape="0">
+              <a:prstClr val="black">
+                <a:alpha val="40000"/>
+              </a:prstClr>
+            </a:outerShdw>
+          </a:effectLst>
+        </p:spPr>
+        <p:style>
+          <a:lnRef idx="2">
+            <a:schemeClr val="accent1">
+              <a:shade val="50000"/>
+            </a:schemeClr>
+          </a:lnRef>
+          <a:fillRef idx="1">
+            <a:schemeClr val="accent1"/>
+          </a:fillRef>
+          <a:effectRef idx="0">
+            <a:schemeClr val="accent1"/>
+          </a:effectRef>
+          <a:fontRef idx="minor">
+            <a:schemeClr val="lt1"/>
+          </a:fontRef>
+        </p:style>
+        <p:txBody>
+          <a:bodyPr rtlCol="0" anchor="ctr"/>
+          <a:lstStyle/>
+          <a:p>
+            <a:pPr algn="ctr"/>
+            <a:endParaRPr lang="en-US"/>
+          </a:p>
+        </p:txBody>
+      </p:sp>
+      <p:sp>
+        <p:nvSpPr>
+          <p:cNvPr id="44" name="Teardrop 43"/>
+          <p:cNvSpPr/>
+          <p:nvPr/>
+        </p:nvSpPr>
+        <p:spPr>
+          <a:xfrm rot="2720395">
+            <a:off x="602803" y="2413123"/>
+            <a:ext cx="360000" cy="360000"/>
+          </a:xfrm>
+          <a:prstGeom prst="teardrop">
+            <a:avLst/>
+          </a:prstGeom>
+          <a:solidFill>
+            <a:srgbClr val="189A80"/>
+          </a:solidFill>
+          <a:ln>
+            <a:noFill/>
+          </a:ln>
+          <a:effectLst>
+            <a:outerShdw blurRad="50800" dist="38100" algn="l" rotWithShape="0">
+              <a:prstClr val="black">
+                <a:alpha val="40000"/>
+              </a:prstClr>
+            </a:outerShdw>
+          </a:effectLst>
+        </p:spPr>
+        <p:style>
+          <a:lnRef idx="2">
+            <a:schemeClr val="accent1">
+              <a:shade val="50000"/>
+            </a:schemeClr>
+          </a:lnRef>
+          <a:fillRef idx="1">
+            <a:schemeClr val="accent1"/>
+          </a:fillRef>
+          <a:effectRef idx="0">
+            <a:schemeClr val="accent1"/>
+          </a:effectRef>
+          <a:fontRef idx="minor">
+            <a:schemeClr val="lt1"/>
+          </a:fontRef>
+        </p:style>
+        <p:txBody>
+          <a:bodyPr rtlCol="0" anchor="ctr"/>
+          <a:lstStyle/>
+          <a:p>
+            <a:pPr algn="ctr"/>
+            <a:endParaRPr lang="en-US"/>
+          </a:p>
+        </p:txBody>
+      </p:sp>
+      <p:sp>
+        <p:nvSpPr>
+          <p:cNvPr id="11" name="Teardrop 10"/>
+          <p:cNvSpPr/>
+          <p:nvPr/>
+        </p:nvSpPr>
+        <p:spPr>
+          <a:xfrm rot="2720395">
+            <a:off x="602802" y="1483241"/>
+            <a:ext cx="360000" cy="360000"/>
+          </a:xfrm>
+          <a:prstGeom prst="teardrop">
+            <a:avLst/>
+          </a:prstGeom>
+          <a:solidFill>
+            <a:srgbClr val="34738D"/>
+          </a:solidFill>
+          <a:ln>
+            <a:noFill/>
+          </a:ln>
+          <a:effectLst>
+            <a:outerShdw blurRad="50800" dist="38100" algn="l" rotWithShape="0">
+              <a:prstClr val="black">
+                <a:alpha val="40000"/>
+              </a:prstClr>
+            </a:outerShdw>
+          </a:effectLst>
+        </p:spPr>
+        <p:style>
+          <a:lnRef idx="2">
+            <a:schemeClr val="accent1">
+              <a:shade val="50000"/>
+            </a:schemeClr>
+          </a:lnRef>
+          <a:fillRef idx="1">
+            <a:schemeClr val="accent1"/>
+          </a:fillRef>
+          <a:effectRef idx="0">
+            <a:schemeClr val="accent1"/>
+          </a:effectRef>
+          <a:fontRef idx="minor">
+            <a:schemeClr val="lt1"/>
+          </a:fontRef>
+        </p:style>
+        <p:txBody>
+          <a:bodyPr rtlCol="0" anchor="ctr"/>
+          <a:lstStyle/>
+          <a:p>
+            <a:pPr algn="ctr"/>
+            <a:endParaRPr lang="en-US"/>
+          </a:p>
+        </p:txBody>
+      </p:sp>
+      <p:sp>
+        <p:nvSpPr>
+          <p:cNvPr id="25" name="TextBox 24"/>
+          <p:cNvSpPr txBox="1"/>
+          <p:nvPr/>
+        </p:nvSpPr>
+        <p:spPr>
+          <a:xfrm>
+            <a:off x="3341511" y="241450"/>
+            <a:ext cx="5508978" cy="769441"/>
+          </a:xfrm>
+          <a:prstGeom prst="rect">
+            <a:avLst/>
+          </a:prstGeom>
+          <a:noFill/>
+        </p:spPr>
+        <p:txBody>
+          <a:bodyPr wrap="square" rtlCol="0">
+            <a:spAutoFit/>
+          </a:bodyPr>
+          <a:lstStyle/>
+          <a:p>
+            <a:pPr algn="ctr"/>
+            <a:r>
+              <a:rPr lang="en-US" sz="4400" b="1" dirty="0" err="1">
+                <a:solidFill>
+                  <a:srgbClr val="4C4F54"/>
+                </a:solidFill>
+                <a:latin typeface="Candara" panose="020E0502030303020204" pitchFamily="34" charset="0"/>
+              </a:rPr>
+              <a:t>Problemi</a:t>
+            </a:r>
+            <a:endParaRPr lang="en-US" sz="4400" b="1" dirty="0">
+              <a:solidFill>
+                <a:srgbClr val="4C4F54"/>
+              </a:solidFill>
+              <a:latin typeface="Candara" panose="020E0502030303020204" pitchFamily="34" charset="0"/>
+            </a:endParaRPr>
+          </a:p>
+        </p:txBody>
+      </p:sp>
+      <p:sp>
+        <p:nvSpPr>
+          <p:cNvPr id="26" name="TextBox 25"/>
+          <p:cNvSpPr txBox="1"/>
+          <p:nvPr/>
+        </p:nvSpPr>
+        <p:spPr>
+          <a:xfrm>
+            <a:off x="982517" y="1290831"/>
+            <a:ext cx="5256123" cy="744819"/>
+          </a:xfrm>
+          <a:prstGeom prst="rect">
+            <a:avLst/>
+          </a:prstGeom>
+          <a:noFill/>
+        </p:spPr>
+        <p:txBody>
+          <a:bodyPr wrap="square" rtlCol="0">
+            <a:spAutoFit/>
+          </a:bodyPr>
+          <a:lstStyle/>
+          <a:p>
+            <a:pPr algn="ctr" defTabSz="1219170">
+              <a:spcBef>
+                <a:spcPct val="20000"/>
+              </a:spcBef>
+              <a:defRPr/>
+            </a:pPr>
+            <a:r>
+              <a:rPr lang="en-US" sz="1600" b="1" dirty="0" err="1">
+                <a:solidFill>
+                  <a:srgbClr val="34738D"/>
+                </a:solidFill>
+                <a:latin typeface="Candara" panose="020E0502030303020204" pitchFamily="34" charset="0"/>
+              </a:rPr>
+              <a:t>Calcolo</a:t>
+            </a:r>
+            <a:r>
+              <a:rPr lang="en-US" sz="1600" b="1" dirty="0">
+                <a:solidFill>
+                  <a:srgbClr val="34738D"/>
+                </a:solidFill>
+                <a:latin typeface="Candara" panose="020E0502030303020204" pitchFamily="34" charset="0"/>
+              </a:rPr>
+              <a:t> di C_T</a:t>
+            </a:r>
+          </a:p>
+          <a:p>
+            <a:pPr algn="ctr" defTabSz="1219170">
+              <a:spcBef>
+                <a:spcPct val="20000"/>
+              </a:spcBef>
+              <a:defRPr/>
+            </a:pPr>
+            <a:r>
+              <a:rPr lang="en-US" sz="1200" dirty="0">
+                <a:solidFill>
+                  <a:schemeClr val="bg2">
+                    <a:lumMod val="10000"/>
+                  </a:schemeClr>
+                </a:solidFill>
+                <a:latin typeface="Candara" panose="020E0502030303020204" pitchFamily="34" charset="0"/>
+              </a:rPr>
+              <a:t>Lorem ipsum dolor sit amet, consectetur adipiscing elit, sed do eiusmod tempor incididunt ut labore et dolore magna aliqua. </a:t>
+            </a:r>
+          </a:p>
+        </p:txBody>
+      </p:sp>
+      <p:pic>
+        <p:nvPicPr>
+          <p:cNvPr id="12" name="Immagine 11">
+            <a:extLst>
+              <a:ext uri="{FF2B5EF4-FFF2-40B4-BE49-F238E27FC236}">
+                <a16:creationId xmlns:a16="http://schemas.microsoft.com/office/drawing/2014/main" id="{98EB2B6B-1CF8-4736-BA9A-774DD7F560F9}"/>
+              </a:ext>
+            </a:extLst>
+          </p:cNvPr>
+          <p:cNvPicPr>
+            <a:picLocks noChangeAspect="1"/>
+          </p:cNvPicPr>
+          <p:nvPr/>
+        </p:nvPicPr>
+        <p:blipFill>
+          <a:blip r:embed="rId2" cstate="print">
+            <a:extLst>
+              <a:ext uri="{28A0092B-C50C-407E-A947-70E740481C1C}">
+                <a14:useLocalDpi xmlns:a14="http://schemas.microsoft.com/office/drawing/2010/main" val="0"/>
+              </a:ext>
+            </a:extLst>
+          </a:blip>
+          <a:stretch>
+            <a:fillRect/>
+          </a:stretch>
+        </p:blipFill>
+        <p:spPr>
+          <a:xfrm>
+            <a:off x="5556000" y="6220686"/>
+            <a:ext cx="1080000" cy="658286"/>
+          </a:xfrm>
+          <a:prstGeom prst="rect">
+            <a:avLst/>
+          </a:prstGeom>
+        </p:spPr>
+      </p:pic>
+      <p:sp>
+        <p:nvSpPr>
+          <p:cNvPr id="13" name="TextBox 25">
+            <a:extLst>
+              <a:ext uri="{FF2B5EF4-FFF2-40B4-BE49-F238E27FC236}">
+                <a16:creationId xmlns:a16="http://schemas.microsoft.com/office/drawing/2014/main" id="{820FC78E-393A-474E-B8FB-7700FFDC675D}"/>
+              </a:ext>
+            </a:extLst>
+          </p:cNvPr>
+          <p:cNvSpPr txBox="1"/>
+          <p:nvPr/>
+        </p:nvSpPr>
+        <p:spPr>
+          <a:xfrm>
+            <a:off x="982517" y="2216559"/>
+            <a:ext cx="5256123" cy="744819"/>
+          </a:xfrm>
+          <a:prstGeom prst="rect">
+            <a:avLst/>
+          </a:prstGeom>
+          <a:noFill/>
+        </p:spPr>
+        <p:txBody>
+          <a:bodyPr wrap="square" rtlCol="0">
+            <a:spAutoFit/>
+          </a:bodyPr>
+          <a:lstStyle/>
+          <a:p>
+            <a:pPr algn="ctr" defTabSz="1219170">
+              <a:spcBef>
+                <a:spcPct val="20000"/>
+              </a:spcBef>
+              <a:defRPr/>
+            </a:pPr>
+            <a:r>
+              <a:rPr lang="en-US" sz="1600" b="1" dirty="0" err="1">
+                <a:solidFill>
+                  <a:srgbClr val="189A80"/>
+                </a:solidFill>
+                <a:latin typeface="Candara" panose="020E0502030303020204" pitchFamily="34" charset="0"/>
+              </a:rPr>
+              <a:t>Pesantezza</a:t>
+            </a:r>
+            <a:r>
+              <a:rPr lang="en-US" sz="1600" b="1" dirty="0">
+                <a:solidFill>
+                  <a:srgbClr val="189A80"/>
+                </a:solidFill>
+                <a:latin typeface="Candara" panose="020E0502030303020204" pitchFamily="34" charset="0"/>
+              </a:rPr>
+              <a:t> </a:t>
+            </a:r>
+            <a:r>
+              <a:rPr lang="en-US" sz="1600" b="1" dirty="0" err="1">
+                <a:solidFill>
+                  <a:srgbClr val="189A80"/>
+                </a:solidFill>
+                <a:latin typeface="Candara" panose="020E0502030303020204" pitchFamily="34" charset="0"/>
+              </a:rPr>
+              <a:t>calcoli</a:t>
+            </a:r>
+            <a:endParaRPr lang="en-US" sz="1600" b="1" dirty="0">
+              <a:solidFill>
+                <a:srgbClr val="34738D"/>
+              </a:solidFill>
+              <a:latin typeface="Candara" panose="020E0502030303020204" pitchFamily="34" charset="0"/>
+            </a:endParaRPr>
+          </a:p>
+          <a:p>
+            <a:pPr algn="ctr" defTabSz="1219170">
+              <a:spcBef>
+                <a:spcPct val="20000"/>
+              </a:spcBef>
+              <a:defRPr/>
+            </a:pPr>
+            <a:r>
+              <a:rPr lang="en-US" sz="1200" dirty="0">
+                <a:solidFill>
+                  <a:schemeClr val="bg2">
+                    <a:lumMod val="10000"/>
+                  </a:schemeClr>
+                </a:solidFill>
+                <a:latin typeface="Candara" panose="020E0502030303020204" pitchFamily="34" charset="0"/>
+              </a:rPr>
+              <a:t>Lorem ipsum dolor sit amet, consectetur adipiscing elit, sed do eiusmod tempor incididunt ut labore et dolore magna aliqua. </a:t>
+            </a:r>
+          </a:p>
+        </p:txBody>
+      </p:sp>
+      <p:sp>
+        <p:nvSpPr>
+          <p:cNvPr id="14" name="TextBox 25">
+            <a:extLst>
+              <a:ext uri="{FF2B5EF4-FFF2-40B4-BE49-F238E27FC236}">
+                <a16:creationId xmlns:a16="http://schemas.microsoft.com/office/drawing/2014/main" id="{0D4C3E5F-90E6-465D-B735-6FEC71763A9B}"/>
+              </a:ext>
+            </a:extLst>
+          </p:cNvPr>
+          <p:cNvSpPr txBox="1"/>
+          <p:nvPr/>
+        </p:nvSpPr>
+        <p:spPr>
+          <a:xfrm>
+            <a:off x="982516" y="3151804"/>
+            <a:ext cx="5256123" cy="744819"/>
+          </a:xfrm>
+          <a:prstGeom prst="rect">
+            <a:avLst/>
+          </a:prstGeom>
+          <a:noFill/>
+        </p:spPr>
+        <p:txBody>
+          <a:bodyPr wrap="square" rtlCol="0">
+            <a:spAutoFit/>
+          </a:bodyPr>
+          <a:lstStyle/>
+          <a:p>
+            <a:pPr algn="ctr" defTabSz="1219170">
+              <a:spcBef>
+                <a:spcPct val="20000"/>
+              </a:spcBef>
+              <a:defRPr/>
+            </a:pPr>
+            <a:r>
+              <a:rPr lang="en-US" sz="1600" b="1" dirty="0">
+                <a:solidFill>
+                  <a:srgbClr val="EF9D27"/>
+                </a:solidFill>
+                <a:latin typeface="Candara" panose="020E0502030303020204" pitchFamily="34" charset="0"/>
+              </a:rPr>
+              <a:t>Dataset </a:t>
+            </a:r>
+            <a:r>
+              <a:rPr lang="en-US" sz="1600" b="1" dirty="0" err="1">
+                <a:solidFill>
+                  <a:srgbClr val="EF9D27"/>
+                </a:solidFill>
+                <a:latin typeface="Candara" panose="020E0502030303020204" pitchFamily="34" charset="0"/>
+              </a:rPr>
+              <a:t>randomico</a:t>
+            </a:r>
+            <a:endParaRPr lang="en-US" sz="1600" b="1" dirty="0">
+              <a:solidFill>
+                <a:srgbClr val="34738D"/>
+              </a:solidFill>
+              <a:latin typeface="Candara" panose="020E0502030303020204" pitchFamily="34" charset="0"/>
+            </a:endParaRPr>
+          </a:p>
+          <a:p>
+            <a:pPr algn="ctr" defTabSz="1219170">
+              <a:spcBef>
+                <a:spcPct val="20000"/>
+              </a:spcBef>
+              <a:defRPr/>
+            </a:pPr>
+            <a:r>
+              <a:rPr lang="en-US" sz="1200" dirty="0">
+                <a:solidFill>
+                  <a:schemeClr val="bg2">
+                    <a:lumMod val="10000"/>
+                  </a:schemeClr>
+                </a:solidFill>
+                <a:latin typeface="Candara" panose="020E0502030303020204" pitchFamily="34" charset="0"/>
+              </a:rPr>
+              <a:t>Lorem ipsum dolor sit amet, consectetur adipiscing elit, sed do eiusmod tempor incididunt ut labore et dolore magna aliqua. </a:t>
+            </a:r>
+          </a:p>
+        </p:txBody>
+      </p:sp>
+      <p:sp>
+        <p:nvSpPr>
+          <p:cNvPr id="15" name="TextBox 25">
+            <a:extLst>
+              <a:ext uri="{FF2B5EF4-FFF2-40B4-BE49-F238E27FC236}">
+                <a16:creationId xmlns:a16="http://schemas.microsoft.com/office/drawing/2014/main" id="{7F91E70A-48DC-46DE-A74F-6CD75A110136}"/>
+              </a:ext>
+            </a:extLst>
+          </p:cNvPr>
+          <p:cNvSpPr txBox="1"/>
+          <p:nvPr/>
+        </p:nvSpPr>
+        <p:spPr>
+          <a:xfrm>
+            <a:off x="982516" y="4077532"/>
+            <a:ext cx="5256123" cy="744819"/>
+          </a:xfrm>
+          <a:prstGeom prst="rect">
+            <a:avLst/>
+          </a:prstGeom>
+          <a:noFill/>
+        </p:spPr>
+        <p:txBody>
+          <a:bodyPr wrap="square" rtlCol="0">
+            <a:spAutoFit/>
+          </a:bodyPr>
+          <a:lstStyle/>
+          <a:p>
+            <a:pPr algn="ctr" defTabSz="1219170">
+              <a:spcBef>
+                <a:spcPct val="20000"/>
+              </a:spcBef>
+              <a:defRPr/>
+            </a:pPr>
+            <a:r>
+              <a:rPr lang="en-US" sz="1600" b="1" dirty="0">
+                <a:solidFill>
+                  <a:srgbClr val="D34132"/>
+                </a:solidFill>
+                <a:latin typeface="Candara" panose="020E0502030303020204" pitchFamily="34" charset="0"/>
+              </a:rPr>
+              <a:t>TODO 2…</a:t>
+            </a:r>
+            <a:endParaRPr lang="en-US" sz="1600" b="1" dirty="0">
+              <a:solidFill>
+                <a:srgbClr val="34738D"/>
+              </a:solidFill>
+              <a:latin typeface="Candara" panose="020E0502030303020204" pitchFamily="34" charset="0"/>
+            </a:endParaRPr>
+          </a:p>
+          <a:p>
+            <a:pPr algn="ctr" defTabSz="1219170">
+              <a:spcBef>
+                <a:spcPct val="20000"/>
+              </a:spcBef>
+              <a:defRPr/>
+            </a:pPr>
+            <a:r>
+              <a:rPr lang="en-US" sz="1200" dirty="0">
+                <a:solidFill>
+                  <a:schemeClr val="bg2">
+                    <a:lumMod val="10000"/>
+                  </a:schemeClr>
+                </a:solidFill>
+                <a:latin typeface="Candara" panose="020E0502030303020204" pitchFamily="34" charset="0"/>
+              </a:rPr>
+              <a:t>Lorem ipsum dolor sit amet, consectetur adipiscing elit, sed do eiusmod tempor incididunt ut labore et dolore magna aliqua. </a:t>
+            </a:r>
+          </a:p>
+        </p:txBody>
+      </p:sp>
+    </p:spTree>
+    <p:extLst>
+      <p:ext uri="{BB962C8B-B14F-4D97-AF65-F5344CB8AC3E}">
+        <p14:creationId xmlns:p14="http://schemas.microsoft.com/office/powerpoint/2010/main" val="3236745396"/>
+      </p:ext>
+    </p:extLst>
+  </p:cSld>
+  <p:clrMapOvr>
+    <a:masterClrMapping/>
+  </p:clrMapOvr>
+  <p:timing>
+    <p:tnLst>
+      <p:par>
+        <p:cTn id="1" dur="indefinite" restart="never" nodeType="tmRoot">
+          <p:childTnLst>
+            <p:seq concurrent="1" nextAc="seek">
+              <p:cTn id="2" dur="indefinite" nodeType="mainSeq">
+                <p:childTnLst>
+                  <p:par>
+                    <p:cTn id="3" fill="hold">
+                      <p:stCondLst>
+                        <p:cond delay="indefinite"/>
+                        <p:cond evt="onBegin" delay="0">
+                          <p:tn val="2"/>
+                        </p:cond>
+                      </p:stCondLst>
+                      <p:childTnLst>
+                        <p:par>
+                          <p:cTn id="4" fill="hold">
+                            <p:stCondLst>
+                              <p:cond delay="0"/>
+                            </p:stCondLst>
+                            <p:childTnLst>
+                              <p:par>
+                                <p:cTn id="5" presetID="22" presetClass="entr" presetSubtype="8" fill="hold" grpId="0" nodeType="afterEffect">
+                                  <p:stCondLst>
+                                    <p:cond delay="0"/>
+                                  </p:stCondLst>
+                                  <p:childTnLst>
+                                    <p:set>
+                                      <p:cBhvr>
+                                        <p:cTn id="6" dur="1" fill="hold">
+                                          <p:stCondLst>
+                                            <p:cond delay="0"/>
+                                          </p:stCondLst>
+                                        </p:cTn>
+                                        <p:tgtEl>
+                                          <p:spTgt spid="25"/>
+                                        </p:tgtEl>
+                                        <p:attrNameLst>
+                                          <p:attrName>style.visibility</p:attrName>
+                                        </p:attrNameLst>
+                                      </p:cBhvr>
+                                      <p:to>
+                                        <p:strVal val="visible"/>
+                                      </p:to>
+                                    </p:set>
+                                    <p:animEffect transition="in" filter="wipe(left)">
+                                      <p:cBhvr>
+                                        <p:cTn id="7" dur="500"/>
+                                        <p:tgtEl>
+                                          <p:spTgt spid="25"/>
+                                        </p:tgtEl>
+                                      </p:cBhvr>
+                                    </p:animEffect>
+                                  </p:childTnLst>
+                                </p:cTn>
+                              </p:par>
+                            </p:childTnLst>
+                          </p:cTn>
+                        </p:par>
+                        <p:par>
+                          <p:cTn id="8" fill="hold">
+                            <p:stCondLst>
+                              <p:cond delay="500"/>
+                            </p:stCondLst>
+                            <p:childTnLst>
+                              <p:par>
+                                <p:cTn id="9" presetID="49" presetClass="entr" presetSubtype="0" decel="100000" fill="hold" grpId="0" nodeType="afterEffect">
+                                  <p:stCondLst>
+                                    <p:cond delay="0"/>
+                                  </p:stCondLst>
+                                  <p:childTnLst>
+                                    <p:set>
+                                      <p:cBhvr>
+                                        <p:cTn id="10" dur="1" fill="hold">
+                                          <p:stCondLst>
+                                            <p:cond delay="0"/>
+                                          </p:stCondLst>
+                                        </p:cTn>
+                                        <p:tgtEl>
+                                          <p:spTgt spid="11"/>
+                                        </p:tgtEl>
+                                        <p:attrNameLst>
+                                          <p:attrName>style.visibility</p:attrName>
+                                        </p:attrNameLst>
+                                      </p:cBhvr>
+                                      <p:to>
+                                        <p:strVal val="visible"/>
+                                      </p:to>
+                                    </p:set>
+                                    <p:anim calcmode="lin" valueType="num">
+                                      <p:cBhvr>
+                                        <p:cTn id="11" dur="500" fill="hold"/>
+                                        <p:tgtEl>
+                                          <p:spTgt spid="11"/>
+                                        </p:tgtEl>
+                                        <p:attrNameLst>
+                                          <p:attrName>ppt_w</p:attrName>
+                                        </p:attrNameLst>
+                                      </p:cBhvr>
+                                      <p:tavLst>
+                                        <p:tav tm="0">
+                                          <p:val>
+                                            <p:fltVal val="0"/>
+                                          </p:val>
+                                        </p:tav>
+                                        <p:tav tm="100000">
+                                          <p:val>
+                                            <p:strVal val="#ppt_w"/>
+                                          </p:val>
+                                        </p:tav>
+                                      </p:tavLst>
+                                    </p:anim>
+                                    <p:anim calcmode="lin" valueType="num">
+                                      <p:cBhvr>
+                                        <p:cTn id="12" dur="500" fill="hold"/>
+                                        <p:tgtEl>
+                                          <p:spTgt spid="11"/>
+                                        </p:tgtEl>
+                                        <p:attrNameLst>
+                                          <p:attrName>ppt_h</p:attrName>
+                                        </p:attrNameLst>
+                                      </p:cBhvr>
+                                      <p:tavLst>
+                                        <p:tav tm="0">
+                                          <p:val>
+                                            <p:fltVal val="0"/>
+                                          </p:val>
+                                        </p:tav>
+                                        <p:tav tm="100000">
+                                          <p:val>
+                                            <p:strVal val="#ppt_h"/>
+                                          </p:val>
+                                        </p:tav>
+                                      </p:tavLst>
+                                    </p:anim>
+                                    <p:anim calcmode="lin" valueType="num">
+                                      <p:cBhvr>
+                                        <p:cTn id="13" dur="500" fill="hold"/>
+                                        <p:tgtEl>
+                                          <p:spTgt spid="11"/>
+                                        </p:tgtEl>
+                                        <p:attrNameLst>
+                                          <p:attrName>style.rotation</p:attrName>
+                                        </p:attrNameLst>
+                                      </p:cBhvr>
+                                      <p:tavLst>
+                                        <p:tav tm="0">
+                                          <p:val>
+                                            <p:fltVal val="360"/>
+                                          </p:val>
+                                        </p:tav>
+                                        <p:tav tm="100000">
+                                          <p:val>
+                                            <p:fltVal val="0"/>
+                                          </p:val>
+                                        </p:tav>
+                                      </p:tavLst>
+                                    </p:anim>
+                                    <p:animEffect transition="in" filter="fade">
+                                      <p:cBhvr>
+                                        <p:cTn id="14" dur="500"/>
+                                        <p:tgtEl>
+                                          <p:spTgt spid="11"/>
+                                        </p:tgtEl>
+                                      </p:cBhvr>
+                                    </p:animEffect>
+                                  </p:childTnLst>
+                                </p:cTn>
+                              </p:par>
+                            </p:childTnLst>
+                          </p:cTn>
+                        </p:par>
+                        <p:par>
+                          <p:cTn id="15" fill="hold">
+                            <p:stCondLst>
+                              <p:cond delay="1000"/>
+                            </p:stCondLst>
+                            <p:childTnLst>
+                              <p:par>
+                                <p:cTn id="16" presetID="22" presetClass="entr" presetSubtype="1" fill="hold" grpId="0" nodeType="afterEffect">
+                                  <p:stCondLst>
+                                    <p:cond delay="0"/>
+                                  </p:stCondLst>
+                                  <p:childTnLst>
+                                    <p:set>
+                                      <p:cBhvr>
+                                        <p:cTn id="17" dur="1" fill="hold">
+                                          <p:stCondLst>
+                                            <p:cond delay="0"/>
+                                          </p:stCondLst>
+                                        </p:cTn>
+                                        <p:tgtEl>
+                                          <p:spTgt spid="26"/>
+                                        </p:tgtEl>
+                                        <p:attrNameLst>
+                                          <p:attrName>style.visibility</p:attrName>
+                                        </p:attrNameLst>
+                                      </p:cBhvr>
+                                      <p:to>
+                                        <p:strVal val="visible"/>
+                                      </p:to>
+                                    </p:set>
+                                    <p:animEffect transition="in" filter="wipe(up)">
+                                      <p:cBhvr>
+                                        <p:cTn id="18" dur="500"/>
+                                        <p:tgtEl>
+                                          <p:spTgt spid="26"/>
+                                        </p:tgtEl>
+                                      </p:cBhvr>
+                                    </p:animEffect>
+                                  </p:childTnLst>
+                                </p:cTn>
+                              </p:par>
+                            </p:childTnLst>
+                          </p:cTn>
+                        </p:par>
+                        <p:par>
+                          <p:cTn id="19" fill="hold">
+                            <p:stCondLst>
+                              <p:cond delay="1500"/>
+                            </p:stCondLst>
+                            <p:childTnLst>
+                              <p:par>
+                                <p:cTn id="20" presetID="49" presetClass="entr" presetSubtype="0" decel="100000" fill="hold" grpId="0" nodeType="afterEffect">
+                                  <p:stCondLst>
+                                    <p:cond delay="0"/>
+                                  </p:stCondLst>
+                                  <p:childTnLst>
+                                    <p:set>
+                                      <p:cBhvr>
+                                        <p:cTn id="21" dur="1" fill="hold">
+                                          <p:stCondLst>
+                                            <p:cond delay="0"/>
+                                          </p:stCondLst>
+                                        </p:cTn>
+                                        <p:tgtEl>
+                                          <p:spTgt spid="44"/>
+                                        </p:tgtEl>
+                                        <p:attrNameLst>
+                                          <p:attrName>style.visibility</p:attrName>
+                                        </p:attrNameLst>
+                                      </p:cBhvr>
+                                      <p:to>
+                                        <p:strVal val="visible"/>
+                                      </p:to>
+                                    </p:set>
+                                    <p:anim calcmode="lin" valueType="num">
+                                      <p:cBhvr>
+                                        <p:cTn id="22" dur="500" fill="hold"/>
+                                        <p:tgtEl>
+                                          <p:spTgt spid="44"/>
+                                        </p:tgtEl>
+                                        <p:attrNameLst>
+                                          <p:attrName>ppt_w</p:attrName>
+                                        </p:attrNameLst>
+                                      </p:cBhvr>
+                                      <p:tavLst>
+                                        <p:tav tm="0">
+                                          <p:val>
+                                            <p:fltVal val="0"/>
+                                          </p:val>
+                                        </p:tav>
+                                        <p:tav tm="100000">
+                                          <p:val>
+                                            <p:strVal val="#ppt_w"/>
+                                          </p:val>
+                                        </p:tav>
+                                      </p:tavLst>
+                                    </p:anim>
+                                    <p:anim calcmode="lin" valueType="num">
+                                      <p:cBhvr>
+                                        <p:cTn id="23" dur="500" fill="hold"/>
+                                        <p:tgtEl>
+                                          <p:spTgt spid="44"/>
+                                        </p:tgtEl>
+                                        <p:attrNameLst>
+                                          <p:attrName>ppt_h</p:attrName>
+                                        </p:attrNameLst>
+                                      </p:cBhvr>
+                                      <p:tavLst>
+                                        <p:tav tm="0">
+                                          <p:val>
+                                            <p:fltVal val="0"/>
+                                          </p:val>
+                                        </p:tav>
+                                        <p:tav tm="100000">
+                                          <p:val>
+                                            <p:strVal val="#ppt_h"/>
+                                          </p:val>
+                                        </p:tav>
+                                      </p:tavLst>
+                                    </p:anim>
+                                    <p:anim calcmode="lin" valueType="num">
+                                      <p:cBhvr>
+                                        <p:cTn id="24" dur="500" fill="hold"/>
+                                        <p:tgtEl>
+                                          <p:spTgt spid="44"/>
+                                        </p:tgtEl>
+                                        <p:attrNameLst>
+                                          <p:attrName>style.rotation</p:attrName>
+                                        </p:attrNameLst>
+                                      </p:cBhvr>
+                                      <p:tavLst>
+                                        <p:tav tm="0">
+                                          <p:val>
+                                            <p:fltVal val="360"/>
+                                          </p:val>
+                                        </p:tav>
+                                        <p:tav tm="100000">
+                                          <p:val>
+                                            <p:fltVal val="0"/>
+                                          </p:val>
+                                        </p:tav>
+                                      </p:tavLst>
+                                    </p:anim>
+                                    <p:animEffect transition="in" filter="fade">
+                                      <p:cBhvr>
+                                        <p:cTn id="25" dur="500"/>
+                                        <p:tgtEl>
+                                          <p:spTgt spid="44"/>
+                                        </p:tgtEl>
+                                      </p:cBhvr>
+                                    </p:animEffect>
+                                  </p:childTnLst>
+                                </p:cTn>
+                              </p:par>
+                            </p:childTnLst>
+                          </p:cTn>
+                        </p:par>
+                        <p:par>
+                          <p:cTn id="26" fill="hold">
+                            <p:stCondLst>
+                              <p:cond delay="2000"/>
+                            </p:stCondLst>
+                            <p:childTnLst>
+                              <p:par>
+                                <p:cTn id="27" presetID="49" presetClass="entr" presetSubtype="0" decel="100000" fill="hold" grpId="0" nodeType="afterEffect">
+                                  <p:stCondLst>
+                                    <p:cond delay="0"/>
+                                  </p:stCondLst>
+                                  <p:childTnLst>
+                                    <p:set>
+                                      <p:cBhvr>
+                                        <p:cTn id="28" dur="1" fill="hold">
+                                          <p:stCondLst>
+                                            <p:cond delay="0"/>
+                                          </p:stCondLst>
+                                        </p:cTn>
+                                        <p:tgtEl>
+                                          <p:spTgt spid="45"/>
+                                        </p:tgtEl>
+                                        <p:attrNameLst>
+                                          <p:attrName>style.visibility</p:attrName>
+                                        </p:attrNameLst>
+                                      </p:cBhvr>
+                                      <p:to>
+                                        <p:strVal val="visible"/>
+                                      </p:to>
+                                    </p:set>
+                                    <p:anim calcmode="lin" valueType="num">
+                                      <p:cBhvr>
+                                        <p:cTn id="29" dur="500" fill="hold"/>
+                                        <p:tgtEl>
+                                          <p:spTgt spid="45"/>
+                                        </p:tgtEl>
+                                        <p:attrNameLst>
+                                          <p:attrName>ppt_w</p:attrName>
+                                        </p:attrNameLst>
+                                      </p:cBhvr>
+                                      <p:tavLst>
+                                        <p:tav tm="0">
+                                          <p:val>
+                                            <p:fltVal val="0"/>
+                                          </p:val>
+                                        </p:tav>
+                                        <p:tav tm="100000">
+                                          <p:val>
+                                            <p:strVal val="#ppt_w"/>
+                                          </p:val>
+                                        </p:tav>
+                                      </p:tavLst>
+                                    </p:anim>
+                                    <p:anim calcmode="lin" valueType="num">
+                                      <p:cBhvr>
+                                        <p:cTn id="30" dur="500" fill="hold"/>
+                                        <p:tgtEl>
+                                          <p:spTgt spid="45"/>
+                                        </p:tgtEl>
+                                        <p:attrNameLst>
+                                          <p:attrName>ppt_h</p:attrName>
+                                        </p:attrNameLst>
+                                      </p:cBhvr>
+                                      <p:tavLst>
+                                        <p:tav tm="0">
+                                          <p:val>
+                                            <p:fltVal val="0"/>
+                                          </p:val>
+                                        </p:tav>
+                                        <p:tav tm="100000">
+                                          <p:val>
+                                            <p:strVal val="#ppt_h"/>
+                                          </p:val>
+                                        </p:tav>
+                                      </p:tavLst>
+                                    </p:anim>
+                                    <p:anim calcmode="lin" valueType="num">
+                                      <p:cBhvr>
+                                        <p:cTn id="31" dur="500" fill="hold"/>
+                                        <p:tgtEl>
+                                          <p:spTgt spid="45"/>
+                                        </p:tgtEl>
+                                        <p:attrNameLst>
+                                          <p:attrName>style.rotation</p:attrName>
+                                        </p:attrNameLst>
+                                      </p:cBhvr>
+                                      <p:tavLst>
+                                        <p:tav tm="0">
+                                          <p:val>
+                                            <p:fltVal val="360"/>
+                                          </p:val>
+                                        </p:tav>
+                                        <p:tav tm="100000">
+                                          <p:val>
+                                            <p:fltVal val="0"/>
+                                          </p:val>
+                                        </p:tav>
+                                      </p:tavLst>
+                                    </p:anim>
+                                    <p:animEffect transition="in" filter="fade">
+                                      <p:cBhvr>
+                                        <p:cTn id="32" dur="500"/>
+                                        <p:tgtEl>
+                                          <p:spTgt spid="45"/>
+                                        </p:tgtEl>
+                                      </p:cBhvr>
+                                    </p:animEffect>
+                                  </p:childTnLst>
+                                </p:cTn>
+                              </p:par>
+                            </p:childTnLst>
+                          </p:cTn>
+                        </p:par>
+                        <p:par>
+                          <p:cTn id="33" fill="hold">
+                            <p:stCondLst>
+                              <p:cond delay="2500"/>
+                            </p:stCondLst>
+                            <p:childTnLst>
+                              <p:par>
+                                <p:cTn id="34" presetID="49" presetClass="entr" presetSubtype="0" decel="100000" fill="hold" grpId="0" nodeType="afterEffect">
+                                  <p:stCondLst>
+                                    <p:cond delay="0"/>
+                                  </p:stCondLst>
+                                  <p:childTnLst>
+                                    <p:set>
+                                      <p:cBhvr>
+                                        <p:cTn id="35" dur="1" fill="hold">
+                                          <p:stCondLst>
+                                            <p:cond delay="0"/>
+                                          </p:stCondLst>
+                                        </p:cTn>
+                                        <p:tgtEl>
+                                          <p:spTgt spid="46"/>
+                                        </p:tgtEl>
+                                        <p:attrNameLst>
+                                          <p:attrName>style.visibility</p:attrName>
+                                        </p:attrNameLst>
+                                      </p:cBhvr>
+                                      <p:to>
+                                        <p:strVal val="visible"/>
+                                      </p:to>
+                                    </p:set>
+                                    <p:anim calcmode="lin" valueType="num">
+                                      <p:cBhvr>
+                                        <p:cTn id="36" dur="500" fill="hold"/>
+                                        <p:tgtEl>
+                                          <p:spTgt spid="46"/>
+                                        </p:tgtEl>
+                                        <p:attrNameLst>
+                                          <p:attrName>ppt_w</p:attrName>
+                                        </p:attrNameLst>
+                                      </p:cBhvr>
+                                      <p:tavLst>
+                                        <p:tav tm="0">
+                                          <p:val>
+                                            <p:fltVal val="0"/>
+                                          </p:val>
+                                        </p:tav>
+                                        <p:tav tm="100000">
+                                          <p:val>
+                                            <p:strVal val="#ppt_w"/>
+                                          </p:val>
+                                        </p:tav>
+                                      </p:tavLst>
+                                    </p:anim>
+                                    <p:anim calcmode="lin" valueType="num">
+                                      <p:cBhvr>
+                                        <p:cTn id="37" dur="500" fill="hold"/>
+                                        <p:tgtEl>
+                                          <p:spTgt spid="46"/>
+                                        </p:tgtEl>
+                                        <p:attrNameLst>
+                                          <p:attrName>ppt_h</p:attrName>
+                                        </p:attrNameLst>
+                                      </p:cBhvr>
+                                      <p:tavLst>
+                                        <p:tav tm="0">
+                                          <p:val>
+                                            <p:fltVal val="0"/>
+                                          </p:val>
+                                        </p:tav>
+                                        <p:tav tm="100000">
+                                          <p:val>
+                                            <p:strVal val="#ppt_h"/>
+                                          </p:val>
+                                        </p:tav>
+                                      </p:tavLst>
+                                    </p:anim>
+                                    <p:anim calcmode="lin" valueType="num">
+                                      <p:cBhvr>
+                                        <p:cTn id="38" dur="500" fill="hold"/>
+                                        <p:tgtEl>
+                                          <p:spTgt spid="46"/>
+                                        </p:tgtEl>
+                                        <p:attrNameLst>
+                                          <p:attrName>style.rotation</p:attrName>
+                                        </p:attrNameLst>
+                                      </p:cBhvr>
+                                      <p:tavLst>
+                                        <p:tav tm="0">
+                                          <p:val>
+                                            <p:fltVal val="360"/>
+                                          </p:val>
+                                        </p:tav>
+                                        <p:tav tm="100000">
+                                          <p:val>
+                                            <p:fltVal val="0"/>
+                                          </p:val>
+                                        </p:tav>
+                                      </p:tavLst>
+                                    </p:anim>
+                                    <p:animEffect transition="in" filter="fade">
+                                      <p:cBhvr>
+                                        <p:cTn id="39" dur="500"/>
+                                        <p:tgtEl>
+                                          <p:spTgt spid="46"/>
+                                        </p:tgtEl>
+                                      </p:cBhvr>
+                                    </p:animEffect>
+                                  </p:childTnLst>
+                                </p:cTn>
+                              </p:par>
+                            </p:childTnLst>
+                          </p:cTn>
+                        </p:par>
+                        <p:par>
+                          <p:cTn id="40" fill="hold">
+                            <p:stCondLst>
+                              <p:cond delay="3000"/>
+                            </p:stCondLst>
+                            <p:childTnLst>
+                              <p:par>
+                                <p:cTn id="41" presetID="22" presetClass="entr" presetSubtype="1" fill="hold" grpId="0" nodeType="afterEffect">
+                                  <p:stCondLst>
+                                    <p:cond delay="0"/>
+                                  </p:stCondLst>
+                                  <p:childTnLst>
+                                    <p:set>
+                                      <p:cBhvr>
+                                        <p:cTn id="42" dur="1" fill="hold">
+                                          <p:stCondLst>
+                                            <p:cond delay="0"/>
+                                          </p:stCondLst>
+                                        </p:cTn>
+                                        <p:tgtEl>
+                                          <p:spTgt spid="13"/>
+                                        </p:tgtEl>
+                                        <p:attrNameLst>
+                                          <p:attrName>style.visibility</p:attrName>
+                                        </p:attrNameLst>
+                                      </p:cBhvr>
+                                      <p:to>
+                                        <p:strVal val="visible"/>
+                                      </p:to>
+                                    </p:set>
+                                    <p:animEffect transition="in" filter="wipe(up)">
+                                      <p:cBhvr>
+                                        <p:cTn id="43" dur="500"/>
+                                        <p:tgtEl>
+                                          <p:spTgt spid="13"/>
+                                        </p:tgtEl>
+                                      </p:cBhvr>
+                                    </p:animEffect>
+                                  </p:childTnLst>
+                                </p:cTn>
+                              </p:par>
+                            </p:childTnLst>
+                          </p:cTn>
+                        </p:par>
+                        <p:par>
+                          <p:cTn id="44" fill="hold">
+                            <p:stCondLst>
+                              <p:cond delay="3500"/>
+                            </p:stCondLst>
+                            <p:childTnLst>
+                              <p:par>
+                                <p:cTn id="45" presetID="22" presetClass="entr" presetSubtype="1" fill="hold" grpId="0" nodeType="afterEffect">
+                                  <p:stCondLst>
+                                    <p:cond delay="0"/>
+                                  </p:stCondLst>
+                                  <p:childTnLst>
+                                    <p:set>
+                                      <p:cBhvr>
+                                        <p:cTn id="46" dur="1" fill="hold">
+                                          <p:stCondLst>
+                                            <p:cond delay="0"/>
+                                          </p:stCondLst>
+                                        </p:cTn>
+                                        <p:tgtEl>
+                                          <p:spTgt spid="14"/>
+                                        </p:tgtEl>
+                                        <p:attrNameLst>
+                                          <p:attrName>style.visibility</p:attrName>
+                                        </p:attrNameLst>
+                                      </p:cBhvr>
+                                      <p:to>
+                                        <p:strVal val="visible"/>
+                                      </p:to>
+                                    </p:set>
+                                    <p:animEffect transition="in" filter="wipe(up)">
+                                      <p:cBhvr>
+                                        <p:cTn id="47" dur="500"/>
+                                        <p:tgtEl>
+                                          <p:spTgt spid="14"/>
+                                        </p:tgtEl>
+                                      </p:cBhvr>
+                                    </p:animEffect>
+                                  </p:childTnLst>
+                                </p:cTn>
+                              </p:par>
+                            </p:childTnLst>
+                          </p:cTn>
+                        </p:par>
+                        <p:par>
+                          <p:cTn id="48" fill="hold">
+                            <p:stCondLst>
+                              <p:cond delay="4000"/>
+                            </p:stCondLst>
+                            <p:childTnLst>
+                              <p:par>
+                                <p:cTn id="49" presetID="22" presetClass="entr" presetSubtype="1" fill="hold" grpId="0" nodeType="afterEffect">
+                                  <p:stCondLst>
+                                    <p:cond delay="0"/>
+                                  </p:stCondLst>
+                                  <p:childTnLst>
+                                    <p:set>
+                                      <p:cBhvr>
+                                        <p:cTn id="50" dur="1" fill="hold">
+                                          <p:stCondLst>
+                                            <p:cond delay="0"/>
+                                          </p:stCondLst>
+                                        </p:cTn>
+                                        <p:tgtEl>
+                                          <p:spTgt spid="15"/>
+                                        </p:tgtEl>
+                                        <p:attrNameLst>
+                                          <p:attrName>style.visibility</p:attrName>
+                                        </p:attrNameLst>
+                                      </p:cBhvr>
+                                      <p:to>
+                                        <p:strVal val="visible"/>
+                                      </p:to>
+                                    </p:set>
+                                    <p:animEffect transition="in" filter="wipe(up)">
+                                      <p:cBhvr>
+                                        <p:cTn id="51" dur="500"/>
+                                        <p:tgtEl>
+                                          <p:spTgt spid="15"/>
+                                        </p:tgtEl>
+                                      </p:cBhvr>
+                                    </p:animEffect>
+                                  </p:childTnLst>
+                                </p:cTn>
+                              </p:par>
+                            </p:childTnLst>
+                          </p:cTn>
+                        </p:par>
+                      </p:childTnLst>
+                    </p:cTn>
+                  </p:par>
+                </p:childTnLst>
+              </p:cTn>
+              <p:prevCondLst>
+                <p:cond evt="onPrev" delay="0">
+                  <p:tgtEl>
+                    <p:sldTgt/>
+                  </p:tgtEl>
+                </p:cond>
+              </p:prevCondLst>
+              <p:nextCondLst>
+                <p:cond evt="onNext" delay="0">
+                  <p:tgtEl>
+                    <p:sldTgt/>
+                  </p:tgtEl>
+                </p:cond>
+              </p:nextCondLst>
+            </p:seq>
+          </p:childTnLst>
+        </p:cTn>
+      </p:par>
+    </p:tnLst>
+    <p:bldLst>
+      <p:bldP spid="46" grpId="0" animBg="1"/>
+      <p:bldP spid="45" grpId="0" animBg="1"/>
+      <p:bldP spid="44" grpId="0" animBg="1"/>
+      <p:bldP spid="11" grpId="0" animBg="1"/>
+      <p:bldP spid="25" grpId="0"/>
+      <p:bldP spid="26" grpId="0"/>
+      <p:bldP spid="13" grpId="0"/>
+      <p:bldP spid="14" grpId="0"/>
+      <p:bldP spid="15" grpId="0"/>
     </p:bldLst>
   </p:timing>
 </p:sld>
@@ -14285,8 +11649,8 @@
         </p:nvSpPr>
         <p:spPr>
           <a:xfrm>
-            <a:off x="3449999" y="2474892"/>
-            <a:ext cx="5508978" cy="769441"/>
+            <a:off x="3341510" y="1797783"/>
+            <a:ext cx="5508978" cy="1446550"/>
           </a:xfrm>
           <a:prstGeom prst="rect">
             <a:avLst/>
@@ -14301,56 +11665,24 @@
           <a:p>
             <a:pPr algn="ctr"/>
             <a:r>
+              <a:rPr lang="en-US" sz="4400" b="1" dirty="0" err="1">
+                <a:latin typeface="Candara" panose="020E0502030303020204" pitchFamily="34" charset="0"/>
+              </a:rPr>
+              <a:t>Grazie</a:t>
+            </a:r>
+            <a:r>
               <a:rPr lang="en-US" sz="4400" b="1" dirty="0">
-                <a:solidFill>
-                  <a:srgbClr val="4C4F54"/>
-                </a:solidFill>
-                <a:latin typeface="Candara" panose="020E0502030303020204" pitchFamily="34" charset="0"/>
-              </a:rPr>
-              <a:t>THANK YOU</a:t>
-            </a:r>
-          </a:p>
-        </p:txBody>
-      </p:sp>
-      <p:sp>
-        <p:nvSpPr>
-          <p:cNvPr id="9" name="TextBox 8"/>
-          <p:cNvSpPr txBox="1"/>
-          <p:nvPr/>
-        </p:nvSpPr>
-        <p:spPr>
-          <a:xfrm>
-            <a:off x="4024488" y="3617607"/>
-            <a:ext cx="4143023" cy="461665"/>
-          </a:xfrm>
-          <a:prstGeom prst="rect">
-            <a:avLst/>
-          </a:prstGeom>
-          <a:noFill/>
-        </p:spPr>
-        <p:txBody>
-          <a:bodyPr wrap="square" rtlCol="0">
-            <a:spAutoFit/>
-          </a:bodyPr>
-          <a:lstStyle/>
-          <a:p>
-            <a:pPr algn="ctr"/>
-            <a:r>
-              <a:rPr lang="en-US" sz="1200" dirty="0">
-                <a:solidFill>
-                  <a:schemeClr val="bg2">
-                    <a:lumMod val="25000"/>
-                  </a:schemeClr>
-                </a:solidFill>
-              </a:rPr>
-              <a:t>Lorem ipsum dolor sit amet, consectetur adipiscing elit, sed do eiusmod tempor incididunt ut labore et dolore magna aliqua.</a:t>
-            </a:r>
-            <a:endParaRPr lang="en-US" sz="1200" dirty="0">
-              <a:solidFill>
-                <a:schemeClr val="bg2">
-                  <a:lumMod val="25000"/>
-                </a:schemeClr>
-              </a:solidFill>
+                <a:latin typeface="Candara" panose="020E0502030303020204" pitchFamily="34" charset="0"/>
+              </a:rPr>
+              <a:t> per </a:t>
+            </a:r>
+            <a:r>
+              <a:rPr lang="en-US" sz="4400" b="1" dirty="0" err="1">
+                <a:latin typeface="Candara" panose="020E0502030303020204" pitchFamily="34" charset="0"/>
+              </a:rPr>
+              <a:t>l’attenzione</a:t>
+            </a:r>
+            <a:endParaRPr lang="en-US" sz="4400" b="1" dirty="0">
               <a:latin typeface="Candara" panose="020E0502030303020204" pitchFamily="34" charset="0"/>
             </a:endParaRPr>
           </a:p>
@@ -14515,6 +11847,80 @@
           </p:txBody>
         </p:sp>
       </p:grpSp>
+      <p:sp>
+        <p:nvSpPr>
+          <p:cNvPr id="8" name="TextBox 43">
+            <a:extLst>
+              <a:ext uri="{FF2B5EF4-FFF2-40B4-BE49-F238E27FC236}">
+                <a16:creationId xmlns:a16="http://schemas.microsoft.com/office/drawing/2014/main" id="{D8EB1D65-371B-485E-90D0-4E80C6EB2D84}"/>
+              </a:ext>
+            </a:extLst>
+          </p:cNvPr>
+          <p:cNvSpPr txBox="1"/>
+          <p:nvPr/>
+        </p:nvSpPr>
+        <p:spPr>
+          <a:xfrm>
+            <a:off x="0" y="6604084"/>
+            <a:ext cx="12192000" cy="253916"/>
+          </a:xfrm>
+          <a:prstGeom prst="rect">
+            <a:avLst/>
+          </a:prstGeom>
+          <a:noFill/>
+        </p:spPr>
+        <p:txBody>
+          <a:bodyPr wrap="square" rtlCol="0" anchor="ctr" anchorCtr="1">
+            <a:spAutoFit/>
+          </a:bodyPr>
+          <a:lstStyle/>
+          <a:p>
+            <a:pPr algn="ctr"/>
+            <a:r>
+              <a:rPr lang="en-US" sz="1050" b="1" dirty="0" err="1">
+                <a:latin typeface="Candara" panose="020E0502030303020204" pitchFamily="34" charset="0"/>
+                <a:cs typeface="Estrangelo Edessa" panose="03080600000000000000" pitchFamily="66" charset="0"/>
+              </a:rPr>
+              <a:t>Università</a:t>
+            </a:r>
+            <a:r>
+              <a:rPr lang="en-US" sz="1050" b="1" dirty="0">
+                <a:latin typeface="Candara" panose="020E0502030303020204" pitchFamily="34" charset="0"/>
+                <a:cs typeface="Estrangelo Edessa" panose="03080600000000000000" pitchFamily="66" charset="0"/>
+              </a:rPr>
+              <a:t> </a:t>
+            </a:r>
+            <a:r>
+              <a:rPr lang="en-US" sz="1050" b="1" dirty="0" err="1">
+                <a:latin typeface="Candara" panose="020E0502030303020204" pitchFamily="34" charset="0"/>
+                <a:cs typeface="Estrangelo Edessa" panose="03080600000000000000" pitchFamily="66" charset="0"/>
+              </a:rPr>
+              <a:t>degli</a:t>
+            </a:r>
+            <a:r>
+              <a:rPr lang="en-US" sz="1050" b="1" dirty="0">
+                <a:latin typeface="Candara" panose="020E0502030303020204" pitchFamily="34" charset="0"/>
+                <a:cs typeface="Estrangelo Edessa" panose="03080600000000000000" pitchFamily="66" charset="0"/>
+              </a:rPr>
+              <a:t> </a:t>
+            </a:r>
+            <a:r>
+              <a:rPr lang="en-US" sz="1050" b="1" dirty="0" err="1">
+                <a:latin typeface="Candara" panose="020E0502030303020204" pitchFamily="34" charset="0"/>
+                <a:cs typeface="Estrangelo Edessa" panose="03080600000000000000" pitchFamily="66" charset="0"/>
+              </a:rPr>
+              <a:t>studi</a:t>
+            </a:r>
+            <a:r>
+              <a:rPr lang="en-US" sz="1050" b="1" dirty="0">
+                <a:latin typeface="Candara" panose="020E0502030303020204" pitchFamily="34" charset="0"/>
+                <a:cs typeface="Estrangelo Edessa" panose="03080600000000000000" pitchFamily="66" charset="0"/>
+              </a:rPr>
+              <a:t> di Genova, DIBRIS</a:t>
+            </a:r>
+          </a:p>
+        </p:txBody>
+      </p:sp>
     </p:spTree>
     <p:extLst>
       <p:ext uri="{BB962C8B-B14F-4D97-AF65-F5344CB8AC3E}">

--- a/docs/Presentazione.pptx
+++ b/docs/Presentazione.pptx
@@ -6464,7 +6464,7 @@
                                           </p:stCondLst>
                                         </p:cTn>
                                         <p:tgtEl>
-                                          <p:spTgt spid="32"/>
+                                          <p:spTgt spid="31"/>
                                         </p:tgtEl>
                                         <p:attrNameLst>
                                           <p:attrName>style.visibility</p:attrName>
@@ -6478,7 +6478,7 @@
                                       <p:cBhvr>
                                         <p:cTn id="11" dur="500"/>
                                         <p:tgtEl>
-                                          <p:spTgt spid="32"/>
+                                          <p:spTgt spid="31"/>
                                         </p:tgtEl>
                                       </p:cBhvr>
                                     </p:animEffect>
@@ -6508,7 +6508,7 @@
                                           </p:stCondLst>
                                         </p:cTn>
                                         <p:tgtEl>
-                                          <p:spTgt spid="31"/>
+                                          <p:spTgt spid="32"/>
                                         </p:tgtEl>
                                         <p:attrNameLst>
                                           <p:attrName>style.visibility</p:attrName>
@@ -6522,7 +6522,7 @@
                                       <p:cBhvr>
                                         <p:cTn id="15" dur="500"/>
                                         <p:tgtEl>
-                                          <p:spTgt spid="31"/>
+                                          <p:spTgt spid="32"/>
                                         </p:tgtEl>
                                       </p:cBhvr>
                                     </p:animEffect>
@@ -6590,7 +6590,7 @@
         </p:nvSpPr>
         <p:spPr>
           <a:xfrm>
-            <a:off x="7776" y="5074985"/>
+            <a:off x="0" y="5095957"/>
             <a:ext cx="12184224" cy="1771181"/>
           </a:xfrm>
           <a:custGeom>
@@ -6734,7 +6734,7 @@
         <p:spPr>
           <a:xfrm>
             <a:off x="450775" y="5451280"/>
-            <a:ext cx="10585647" cy="1138773"/>
+            <a:ext cx="10585647" cy="738664"/>
           </a:xfrm>
           <a:prstGeom prst="rect">
             <a:avLst/>
@@ -6748,24 +6748,14 @@
           <a:lstStyle/>
           <a:p>
             <a:r>
-              <a:rPr lang="en-US" sz="1600" b="1" dirty="0">
-                <a:solidFill>
-                  <a:schemeClr val="bg1"/>
-                </a:solidFill>
-                <a:latin typeface="Candara" panose="020E0502030303020204" pitchFamily="34" charset="0"/>
-              </a:rPr>
-              <a:t>LOREM IPSUM DOLOR</a:t>
-            </a:r>
-          </a:p>
-          <a:p>
-            <a:endParaRPr lang="en-US" sz="1000" b="1" dirty="0">
-              <a:solidFill>
-                <a:schemeClr val="bg1"/>
-              </a:solidFill>
-              <a:latin typeface="Candara" panose="020E0502030303020204" pitchFamily="34" charset="0"/>
-            </a:endParaRPr>
-          </a:p>
-          <a:p>
+              <a:rPr lang="en-US" sz="1400" dirty="0" err="1">
+                <a:solidFill>
+                  <a:schemeClr val="bg1"/>
+                </a:solidFill>
+                <a:latin typeface="Candara" panose="020E0502030303020204" pitchFamily="34" charset="0"/>
+              </a:rPr>
+              <a:t>Ogni</a:t>
+            </a:r>
             <a:r>
               <a:rPr lang="en-US" sz="1400" dirty="0">
                 <a:solidFill>
@@ -6773,7 +6763,637 @@
                 </a:solidFill>
                 <a:latin typeface="Candara" panose="020E0502030303020204" pitchFamily="34" charset="0"/>
               </a:rPr>
-              <a:t>Lorem ipsum dolor sit amet, consectetur adipiscing elit, sed do eiusmod tempor incididunt ut labore et dolore magna aliqua. Ut enim ad minim veniam, quis nostrud exercitation. Lorem ipsum dolor sit amet, consectetur adipiscing elit, sed do eiusmod tempor incididunt ut labore et dolore magna aliqua. Ut enim ad minim veniam, quis nostrud. </a:t>
+              <a:t> </a:t>
+            </a:r>
+            <a:r>
+              <a:rPr lang="en-US" sz="1400" dirty="0" err="1">
+                <a:solidFill>
+                  <a:schemeClr val="bg1"/>
+                </a:solidFill>
+                <a:latin typeface="Candara" panose="020E0502030303020204" pitchFamily="34" charset="0"/>
+              </a:rPr>
+              <a:t>valore</a:t>
+            </a:r>
+            <a:r>
+              <a:rPr lang="en-US" sz="1400" dirty="0">
+                <a:solidFill>
+                  <a:schemeClr val="bg1"/>
+                </a:solidFill>
+                <a:latin typeface="Candara" panose="020E0502030303020204" pitchFamily="34" charset="0"/>
+              </a:rPr>
+              <a:t> </a:t>
+            </a:r>
+            <a:r>
+              <a:rPr lang="en-US" sz="1400" dirty="0" err="1">
+                <a:solidFill>
+                  <a:schemeClr val="bg1"/>
+                </a:solidFill>
+                <a:latin typeface="Candara" panose="020E0502030303020204" pitchFamily="34" charset="0"/>
+              </a:rPr>
+              <a:t>binario</a:t>
+            </a:r>
+            <a:r>
+              <a:rPr lang="en-US" sz="1400" dirty="0">
+                <a:solidFill>
+                  <a:schemeClr val="bg1"/>
+                </a:solidFill>
+                <a:latin typeface="Candara" panose="020E0502030303020204" pitchFamily="34" charset="0"/>
+              </a:rPr>
+              <a:t> </a:t>
+            </a:r>
+            <a:r>
+              <a:rPr lang="en-US" sz="1400" dirty="0" err="1">
+                <a:solidFill>
+                  <a:schemeClr val="bg1"/>
+                </a:solidFill>
+                <a:latin typeface="Candara" panose="020E0502030303020204" pitchFamily="34" charset="0"/>
+              </a:rPr>
+              <a:t>nel</a:t>
+            </a:r>
+            <a:r>
+              <a:rPr lang="en-US" sz="1400" dirty="0">
+                <a:solidFill>
+                  <a:schemeClr val="bg1"/>
+                </a:solidFill>
+                <a:latin typeface="Candara" panose="020E0502030303020204" pitchFamily="34" charset="0"/>
+              </a:rPr>
+              <a:t> dataset </a:t>
+            </a:r>
+            <a:r>
+              <a:rPr lang="en-US" sz="1400" dirty="0" err="1">
+                <a:solidFill>
+                  <a:schemeClr val="bg1"/>
+                </a:solidFill>
+                <a:latin typeface="Candara" panose="020E0502030303020204" pitchFamily="34" charset="0"/>
+              </a:rPr>
+              <a:t>originale</a:t>
+            </a:r>
+            <a:r>
+              <a:rPr lang="en-US" sz="1400" dirty="0">
+                <a:solidFill>
+                  <a:schemeClr val="bg1"/>
+                </a:solidFill>
+                <a:latin typeface="Candara" panose="020E0502030303020204" pitchFamily="34" charset="0"/>
+              </a:rPr>
+              <a:t> </a:t>
+            </a:r>
+            <a:r>
+              <a:rPr lang="en-US" sz="1400" dirty="0" err="1">
+                <a:solidFill>
+                  <a:schemeClr val="bg1"/>
+                </a:solidFill>
+                <a:latin typeface="Candara" panose="020E0502030303020204" pitchFamily="34" charset="0"/>
+              </a:rPr>
+              <a:t>viene</a:t>
+            </a:r>
+            <a:r>
+              <a:rPr lang="en-US" sz="1400" dirty="0">
+                <a:solidFill>
+                  <a:schemeClr val="bg1"/>
+                </a:solidFill>
+                <a:latin typeface="Candara" panose="020E0502030303020204" pitchFamily="34" charset="0"/>
+              </a:rPr>
+              <a:t> </a:t>
+            </a:r>
+            <a:r>
+              <a:rPr lang="en-US" sz="1400" dirty="0" err="1">
+                <a:solidFill>
+                  <a:schemeClr val="bg1"/>
+                </a:solidFill>
+                <a:latin typeface="Candara" panose="020E0502030303020204" pitchFamily="34" charset="0"/>
+              </a:rPr>
+              <a:t>xorato</a:t>
+            </a:r>
+            <a:r>
+              <a:rPr lang="en-US" sz="1400" dirty="0">
+                <a:solidFill>
+                  <a:schemeClr val="bg1"/>
+                </a:solidFill>
+                <a:latin typeface="Candara" panose="020E0502030303020204" pitchFamily="34" charset="0"/>
+              </a:rPr>
+              <a:t> col </a:t>
+            </a:r>
+            <a:r>
+              <a:rPr lang="en-US" sz="1400" dirty="0" err="1">
+                <a:solidFill>
+                  <a:schemeClr val="bg1"/>
+                </a:solidFill>
+                <a:latin typeface="Candara" panose="020E0502030303020204" pitchFamily="34" charset="0"/>
+              </a:rPr>
+              <a:t>complemento</a:t>
+            </a:r>
+            <a:r>
+              <a:rPr lang="en-US" sz="1400" dirty="0">
+                <a:solidFill>
+                  <a:schemeClr val="bg1"/>
+                </a:solidFill>
+                <a:latin typeface="Candara" panose="020E0502030303020204" pitchFamily="34" charset="0"/>
+              </a:rPr>
+              <a:t> del </a:t>
+            </a:r>
+            <a:r>
+              <a:rPr lang="en-US" sz="1400" dirty="0" err="1">
+                <a:solidFill>
+                  <a:schemeClr val="bg1"/>
+                </a:solidFill>
+                <a:latin typeface="Candara" panose="020E0502030303020204" pitchFamily="34" charset="0"/>
+              </a:rPr>
+              <a:t>risultato</a:t>
+            </a:r>
+            <a:r>
+              <a:rPr lang="en-US" sz="1400" dirty="0">
+                <a:solidFill>
+                  <a:schemeClr val="bg1"/>
+                </a:solidFill>
+                <a:latin typeface="Candara" panose="020E0502030303020204" pitchFamily="34" charset="0"/>
+              </a:rPr>
+              <a:t> di una </a:t>
+            </a:r>
+            <a:r>
+              <a:rPr lang="en-US" sz="1400" dirty="0" err="1">
+                <a:solidFill>
+                  <a:schemeClr val="bg1"/>
+                </a:solidFill>
+                <a:latin typeface="Candara" panose="020E0502030303020204" pitchFamily="34" charset="0"/>
+              </a:rPr>
+              <a:t>distribuzione</a:t>
+            </a:r>
+            <a:r>
+              <a:rPr lang="en-US" sz="1400" dirty="0">
+                <a:solidFill>
+                  <a:schemeClr val="bg1"/>
+                </a:solidFill>
+                <a:latin typeface="Candara" panose="020E0502030303020204" pitchFamily="34" charset="0"/>
+              </a:rPr>
+              <a:t> di Bernoulli con </a:t>
+            </a:r>
+            <a:r>
+              <a:rPr lang="en-US" sz="1400" dirty="0" err="1">
+                <a:solidFill>
+                  <a:schemeClr val="bg1"/>
+                </a:solidFill>
+                <a:latin typeface="Candara" panose="020E0502030303020204" pitchFamily="34" charset="0"/>
+              </a:rPr>
+              <a:t>probabilità</a:t>
+            </a:r>
+            <a:r>
+              <a:rPr lang="en-US" sz="1400" dirty="0">
+                <a:solidFill>
+                  <a:schemeClr val="bg1"/>
+                </a:solidFill>
+                <a:latin typeface="Candara" panose="020E0502030303020204" pitchFamily="34" charset="0"/>
+              </a:rPr>
+              <a:t> p </a:t>
+            </a:r>
+            <a:r>
+              <a:rPr lang="en-US" sz="1400" dirty="0" err="1">
+                <a:solidFill>
+                  <a:schemeClr val="bg1"/>
+                </a:solidFill>
+                <a:latin typeface="Candara" panose="020E0502030303020204" pitchFamily="34" charset="0"/>
+              </a:rPr>
+              <a:t>fissata</a:t>
+            </a:r>
+            <a:r>
+              <a:rPr lang="en-US" sz="1400" dirty="0">
+                <a:solidFill>
+                  <a:schemeClr val="bg1"/>
+                </a:solidFill>
+                <a:latin typeface="Candara" panose="020E0502030303020204" pitchFamily="34" charset="0"/>
+              </a:rPr>
+              <a:t>. In </a:t>
+            </a:r>
+            <a:r>
+              <a:rPr lang="en-US" sz="1400" dirty="0" err="1">
+                <a:solidFill>
+                  <a:schemeClr val="bg1"/>
+                </a:solidFill>
+                <a:latin typeface="Candara" panose="020E0502030303020204" pitchFamily="34" charset="0"/>
+              </a:rPr>
+              <a:t>questo</a:t>
+            </a:r>
+            <a:r>
+              <a:rPr lang="en-US" sz="1400" dirty="0">
+                <a:solidFill>
+                  <a:schemeClr val="bg1"/>
+                </a:solidFill>
+                <a:latin typeface="Candara" panose="020E0502030303020204" pitchFamily="34" charset="0"/>
+              </a:rPr>
+              <a:t> modo </a:t>
+            </a:r>
+            <a:r>
+              <a:rPr lang="en-US" sz="1400" dirty="0" err="1">
+                <a:solidFill>
+                  <a:schemeClr val="bg1"/>
+                </a:solidFill>
+                <a:latin typeface="Candara" panose="020E0502030303020204" pitchFamily="34" charset="0"/>
+              </a:rPr>
+              <a:t>l’i-esmo</a:t>
+            </a:r>
+            <a:r>
+              <a:rPr lang="en-US" sz="1400" dirty="0">
+                <a:solidFill>
+                  <a:schemeClr val="bg1"/>
+                </a:solidFill>
+                <a:latin typeface="Candara" panose="020E0502030303020204" pitchFamily="34" charset="0"/>
+              </a:rPr>
+              <a:t> </a:t>
+            </a:r>
+            <a:r>
+              <a:rPr lang="en-US" sz="1400" dirty="0" err="1">
+                <a:solidFill>
+                  <a:schemeClr val="bg1"/>
+                </a:solidFill>
+                <a:latin typeface="Candara" panose="020E0502030303020204" pitchFamily="34" charset="0"/>
+              </a:rPr>
+              <a:t>viene</a:t>
+            </a:r>
+            <a:r>
+              <a:rPr lang="en-US" sz="1400" dirty="0">
+                <a:solidFill>
+                  <a:schemeClr val="bg1"/>
+                </a:solidFill>
+                <a:latin typeface="Candara" panose="020E0502030303020204" pitchFamily="34" charset="0"/>
+              </a:rPr>
+              <a:t> </a:t>
+            </a:r>
+            <a:r>
+              <a:rPr lang="en-US" sz="1400" dirty="0" err="1">
+                <a:solidFill>
+                  <a:schemeClr val="bg1"/>
+                </a:solidFill>
+                <a:latin typeface="Candara" panose="020E0502030303020204" pitchFamily="34" charset="0"/>
+              </a:rPr>
+              <a:t>lasciato</a:t>
+            </a:r>
+            <a:r>
+              <a:rPr lang="en-US" sz="1400" dirty="0">
+                <a:solidFill>
+                  <a:schemeClr val="bg1"/>
+                </a:solidFill>
+                <a:latin typeface="Candara" panose="020E0502030303020204" pitchFamily="34" charset="0"/>
+              </a:rPr>
+              <a:t> </a:t>
+            </a:r>
+            <a:r>
+              <a:rPr lang="en-US" sz="1400" dirty="0" err="1">
+                <a:solidFill>
+                  <a:schemeClr val="bg1"/>
+                </a:solidFill>
+                <a:latin typeface="Candara" panose="020E0502030303020204" pitchFamily="34" charset="0"/>
+              </a:rPr>
+              <a:t>inalterato</a:t>
+            </a:r>
+            <a:r>
+              <a:rPr lang="en-US" sz="1400" dirty="0">
+                <a:solidFill>
+                  <a:schemeClr val="bg1"/>
+                </a:solidFill>
+                <a:latin typeface="Candara" panose="020E0502030303020204" pitchFamily="34" charset="0"/>
+              </a:rPr>
+              <a:t> con </a:t>
+            </a:r>
+            <a:r>
+              <a:rPr lang="en-US" sz="1400" dirty="0" err="1">
+                <a:solidFill>
+                  <a:schemeClr val="bg1"/>
+                </a:solidFill>
+                <a:latin typeface="Candara" panose="020E0502030303020204" pitchFamily="34" charset="0"/>
+              </a:rPr>
+              <a:t>probabilità</a:t>
+            </a:r>
+            <a:r>
+              <a:rPr lang="en-US" sz="1400" dirty="0">
+                <a:solidFill>
+                  <a:schemeClr val="bg1"/>
+                </a:solidFill>
+                <a:latin typeface="Candara" panose="020E0502030303020204" pitchFamily="34" charset="0"/>
+              </a:rPr>
+              <a:t> p e </a:t>
+            </a:r>
+            <a:r>
+              <a:rPr lang="en-US" sz="1400" dirty="0" err="1">
+                <a:solidFill>
+                  <a:schemeClr val="bg1"/>
+                </a:solidFill>
+                <a:latin typeface="Candara" panose="020E0502030303020204" pitchFamily="34" charset="0"/>
+              </a:rPr>
+              <a:t>cambiato</a:t>
+            </a:r>
+            <a:r>
+              <a:rPr lang="en-US" sz="1400" dirty="0">
+                <a:solidFill>
+                  <a:schemeClr val="bg1"/>
+                </a:solidFill>
+                <a:latin typeface="Candara" panose="020E0502030303020204" pitchFamily="34" charset="0"/>
+              </a:rPr>
+              <a:t> con </a:t>
+            </a:r>
+            <a:r>
+              <a:rPr lang="en-US" sz="1400" dirty="0" err="1">
+                <a:solidFill>
+                  <a:schemeClr val="bg1"/>
+                </a:solidFill>
+                <a:latin typeface="Candara" panose="020E0502030303020204" pitchFamily="34" charset="0"/>
+              </a:rPr>
+              <a:t>probabilità</a:t>
+            </a:r>
+            <a:r>
+              <a:rPr lang="en-US" sz="1400" dirty="0">
+                <a:solidFill>
+                  <a:schemeClr val="bg1"/>
+                </a:solidFill>
+                <a:latin typeface="Candara" panose="020E0502030303020204" pitchFamily="34" charset="0"/>
+              </a:rPr>
+              <a:t> 1-p. Al miner </a:t>
+            </a:r>
+            <a:r>
+              <a:rPr lang="en-US" sz="1400" dirty="0" err="1">
+                <a:solidFill>
+                  <a:schemeClr val="bg1"/>
+                </a:solidFill>
+                <a:latin typeface="Candara" panose="020E0502030303020204" pitchFamily="34" charset="0"/>
+              </a:rPr>
+              <a:t>verranno</a:t>
+            </a:r>
+            <a:r>
+              <a:rPr lang="en-US" sz="1400" dirty="0">
+                <a:solidFill>
+                  <a:schemeClr val="bg1"/>
+                </a:solidFill>
+                <a:latin typeface="Candara" panose="020E0502030303020204" pitchFamily="34" charset="0"/>
+              </a:rPr>
+              <a:t> poi </a:t>
+            </a:r>
+            <a:r>
+              <a:rPr lang="en-US" sz="1400" dirty="0" err="1">
+                <a:solidFill>
+                  <a:schemeClr val="bg1"/>
+                </a:solidFill>
+                <a:latin typeface="Candara" panose="020E0502030303020204" pitchFamily="34" charset="0"/>
+              </a:rPr>
+              <a:t>forniti</a:t>
+            </a:r>
+            <a:r>
+              <a:rPr lang="en-US" sz="1400" dirty="0">
+                <a:solidFill>
+                  <a:schemeClr val="bg1"/>
+                </a:solidFill>
+                <a:latin typeface="Candara" panose="020E0502030303020204" pitchFamily="34" charset="0"/>
+              </a:rPr>
+              <a:t> </a:t>
+            </a:r>
+            <a:r>
+              <a:rPr lang="en-US" sz="1400" dirty="0" err="1">
+                <a:solidFill>
+                  <a:schemeClr val="bg1"/>
+                </a:solidFill>
+                <a:latin typeface="Candara" panose="020E0502030303020204" pitchFamily="34" charset="0"/>
+              </a:rPr>
+              <a:t>il</a:t>
+            </a:r>
+            <a:r>
+              <a:rPr lang="en-US" sz="1400" dirty="0">
+                <a:solidFill>
+                  <a:schemeClr val="bg1"/>
+                </a:solidFill>
+                <a:latin typeface="Candara" panose="020E0502030303020204" pitchFamily="34" charset="0"/>
+              </a:rPr>
+              <a:t> dataset </a:t>
+            </a:r>
+            <a:r>
+              <a:rPr lang="en-US" sz="1400" dirty="0" err="1">
+                <a:solidFill>
+                  <a:schemeClr val="bg1"/>
+                </a:solidFill>
+                <a:latin typeface="Candara" panose="020E0502030303020204" pitchFamily="34" charset="0"/>
+              </a:rPr>
+              <a:t>così</a:t>
+            </a:r>
+            <a:r>
+              <a:rPr lang="en-US" sz="1400" dirty="0">
+                <a:solidFill>
+                  <a:schemeClr val="bg1"/>
+                </a:solidFill>
+                <a:latin typeface="Candara" panose="020E0502030303020204" pitchFamily="34" charset="0"/>
+              </a:rPr>
+              <a:t> </a:t>
+            </a:r>
+            <a:r>
+              <a:rPr lang="en-US" sz="1400" dirty="0" err="1">
+                <a:solidFill>
+                  <a:schemeClr val="bg1"/>
+                </a:solidFill>
+                <a:latin typeface="Candara" panose="020E0502030303020204" pitchFamily="34" charset="0"/>
+              </a:rPr>
+              <a:t>distorto</a:t>
+            </a:r>
+            <a:r>
+              <a:rPr lang="en-US" sz="1400" dirty="0">
+                <a:solidFill>
+                  <a:schemeClr val="bg1"/>
+                </a:solidFill>
+                <a:latin typeface="Candara" panose="020E0502030303020204" pitchFamily="34" charset="0"/>
+              </a:rPr>
+              <a:t> ed </a:t>
+            </a:r>
+            <a:r>
+              <a:rPr lang="en-US" sz="1400" dirty="0" err="1">
+                <a:solidFill>
+                  <a:schemeClr val="bg1"/>
+                </a:solidFill>
+                <a:latin typeface="Candara" panose="020E0502030303020204" pitchFamily="34" charset="0"/>
+              </a:rPr>
+              <a:t>il</a:t>
+            </a:r>
+            <a:r>
+              <a:rPr lang="en-US" sz="1400" dirty="0">
+                <a:solidFill>
+                  <a:schemeClr val="bg1"/>
+                </a:solidFill>
+                <a:latin typeface="Candara" panose="020E0502030303020204" pitchFamily="34" charset="0"/>
+              </a:rPr>
+              <a:t> </a:t>
+            </a:r>
+            <a:r>
+              <a:rPr lang="en-US" sz="1400" dirty="0" err="1">
+                <a:solidFill>
+                  <a:schemeClr val="bg1"/>
+                </a:solidFill>
+                <a:latin typeface="Candara" panose="020E0502030303020204" pitchFamily="34" charset="0"/>
+              </a:rPr>
+              <a:t>valore</a:t>
+            </a:r>
+            <a:r>
+              <a:rPr lang="en-US" sz="1400" dirty="0">
+                <a:solidFill>
+                  <a:schemeClr val="bg1"/>
+                </a:solidFill>
+                <a:latin typeface="Candara" panose="020E0502030303020204" pitchFamily="34" charset="0"/>
+              </a:rPr>
+              <a:t> p di </a:t>
+            </a:r>
+            <a:r>
+              <a:rPr lang="en-US" sz="1400" dirty="0" err="1">
+                <a:solidFill>
+                  <a:schemeClr val="bg1"/>
+                </a:solidFill>
+                <a:latin typeface="Candara" panose="020E0502030303020204" pitchFamily="34" charset="0"/>
+              </a:rPr>
+              <a:t>probabilità</a:t>
+            </a:r>
+            <a:r>
+              <a:rPr lang="en-US" sz="1400" dirty="0">
+                <a:solidFill>
+                  <a:schemeClr val="bg1"/>
+                </a:solidFill>
+                <a:latin typeface="Candara" panose="020E0502030303020204" pitchFamily="34" charset="0"/>
+              </a:rPr>
+              <a:t> di </a:t>
+            </a:r>
+            <a:r>
+              <a:rPr lang="en-US" sz="1400" dirty="0" err="1">
+                <a:solidFill>
+                  <a:schemeClr val="bg1"/>
+                </a:solidFill>
+                <a:latin typeface="Candara" panose="020E0502030303020204" pitchFamily="34" charset="0"/>
+              </a:rPr>
+              <a:t>alterazione</a:t>
+            </a:r>
+            <a:r>
+              <a:rPr lang="en-US" sz="1400" dirty="0">
+                <a:solidFill>
+                  <a:schemeClr val="bg1"/>
+                </a:solidFill>
+                <a:latin typeface="Candara" panose="020E0502030303020204" pitchFamily="34" charset="0"/>
+              </a:rPr>
+              <a:t>. Per </a:t>
+            </a:r>
+            <a:r>
+              <a:rPr lang="en-US" sz="1400" dirty="0" err="1">
+                <a:solidFill>
+                  <a:schemeClr val="bg1"/>
+                </a:solidFill>
+                <a:latin typeface="Candara" panose="020E0502030303020204" pitchFamily="34" charset="0"/>
+              </a:rPr>
+              <a:t>semplicità</a:t>
+            </a:r>
+            <a:r>
+              <a:rPr lang="en-US" sz="1400" dirty="0">
+                <a:solidFill>
+                  <a:schemeClr val="bg1"/>
+                </a:solidFill>
+                <a:latin typeface="Candara" panose="020E0502030303020204" pitchFamily="34" charset="0"/>
+              </a:rPr>
+              <a:t> </a:t>
+            </a:r>
+            <a:r>
+              <a:rPr lang="en-US" sz="1400" dirty="0" err="1">
+                <a:solidFill>
+                  <a:schemeClr val="bg1"/>
+                </a:solidFill>
+                <a:latin typeface="Candara" panose="020E0502030303020204" pitchFamily="34" charset="0"/>
+              </a:rPr>
+              <a:t>viene</a:t>
+            </a:r>
+            <a:r>
+              <a:rPr lang="en-US" sz="1400" dirty="0">
+                <a:solidFill>
+                  <a:schemeClr val="bg1"/>
+                </a:solidFill>
+                <a:latin typeface="Candara" panose="020E0502030303020204" pitchFamily="34" charset="0"/>
+              </a:rPr>
+              <a:t> </a:t>
+            </a:r>
+            <a:r>
+              <a:rPr lang="en-US" sz="1400" dirty="0" err="1">
+                <a:solidFill>
+                  <a:schemeClr val="bg1"/>
+                </a:solidFill>
+                <a:latin typeface="Candara" panose="020E0502030303020204" pitchFamily="34" charset="0"/>
+              </a:rPr>
+              <a:t>usato</a:t>
+            </a:r>
+            <a:r>
+              <a:rPr lang="en-US" sz="1400" dirty="0">
+                <a:solidFill>
+                  <a:schemeClr val="bg1"/>
+                </a:solidFill>
+                <a:latin typeface="Candara" panose="020E0502030303020204" pitchFamily="34" charset="0"/>
+              </a:rPr>
+              <a:t> lo </a:t>
+            </a:r>
+            <a:r>
+              <a:rPr lang="en-US" sz="1400" dirty="0" err="1">
+                <a:solidFill>
+                  <a:schemeClr val="bg1"/>
+                </a:solidFill>
+                <a:latin typeface="Candara" panose="020E0502030303020204" pitchFamily="34" charset="0"/>
+              </a:rPr>
+              <a:t>stesso</a:t>
+            </a:r>
+            <a:r>
+              <a:rPr lang="en-US" sz="1400" dirty="0">
+                <a:solidFill>
+                  <a:schemeClr val="bg1"/>
+                </a:solidFill>
+                <a:latin typeface="Candara" panose="020E0502030303020204" pitchFamily="34" charset="0"/>
+              </a:rPr>
+              <a:t> </a:t>
+            </a:r>
+            <a:r>
+              <a:rPr lang="en-US" sz="1400" dirty="0" err="1">
+                <a:solidFill>
+                  <a:schemeClr val="bg1"/>
+                </a:solidFill>
+                <a:latin typeface="Candara" panose="020E0502030303020204" pitchFamily="34" charset="0"/>
+              </a:rPr>
+              <a:t>valore</a:t>
+            </a:r>
+            <a:r>
+              <a:rPr lang="en-US" sz="1400" dirty="0">
+                <a:solidFill>
+                  <a:schemeClr val="bg1"/>
+                </a:solidFill>
+                <a:latin typeface="Candara" panose="020E0502030303020204" pitchFamily="34" charset="0"/>
+              </a:rPr>
+              <a:t> di p per </a:t>
+            </a:r>
+            <a:r>
+              <a:rPr lang="en-US" sz="1400" dirty="0" err="1">
+                <a:solidFill>
+                  <a:schemeClr val="bg1"/>
+                </a:solidFill>
+                <a:latin typeface="Candara" panose="020E0502030303020204" pitchFamily="34" charset="0"/>
+              </a:rPr>
+              <a:t>tutto</a:t>
+            </a:r>
+            <a:r>
+              <a:rPr lang="en-US" sz="1400" dirty="0">
+                <a:solidFill>
+                  <a:schemeClr val="bg1"/>
+                </a:solidFill>
+                <a:latin typeface="Candara" panose="020E0502030303020204" pitchFamily="34" charset="0"/>
+              </a:rPr>
+              <a:t> </a:t>
+            </a:r>
+            <a:r>
+              <a:rPr lang="en-US" sz="1400" dirty="0" err="1">
+                <a:solidFill>
+                  <a:schemeClr val="bg1"/>
+                </a:solidFill>
+                <a:latin typeface="Candara" panose="020E0502030303020204" pitchFamily="34" charset="0"/>
+              </a:rPr>
+              <a:t>il</a:t>
+            </a:r>
+            <a:r>
+              <a:rPr lang="en-US" sz="1400" dirty="0">
+                <a:solidFill>
+                  <a:schemeClr val="bg1"/>
+                </a:solidFill>
+                <a:latin typeface="Candara" panose="020E0502030303020204" pitchFamily="34" charset="0"/>
+              </a:rPr>
+              <a:t> dataset.</a:t>
             </a:r>
           </a:p>
         </p:txBody>
@@ -7789,7 +8409,7 @@
         <p:spPr>
           <a:xfrm>
             <a:off x="6425177" y="2259741"/>
-            <a:ext cx="2073511" cy="1298817"/>
+            <a:ext cx="2073511" cy="1914370"/>
           </a:xfrm>
           <a:prstGeom prst="rect">
             <a:avLst/>
@@ -7824,7 +8444,7 @@
                 </a:solidFill>
                 <a:latin typeface="Candara" panose="020E0502030303020204" pitchFamily="34" charset="0"/>
               </a:rPr>
-              <a:t> support</a:t>
+              <a:t> n-itemset support</a:t>
             </a:r>
           </a:p>
           <a:p>
@@ -7841,7 +8461,277 @@
                 </a:solidFill>
                 <a:latin typeface="Candara" panose="020E0502030303020204" pitchFamily="34" charset="0"/>
               </a:rPr>
-              <a:t>Lorem ipsum dolor sit amet, consectetur adipiscing elit, sed do eiusmod tempor incididunt ut labore et dolore magna aliqua. </a:t>
+              <a:t>A </a:t>
+            </a:r>
+            <a:r>
+              <a:rPr lang="en-US" sz="1200" dirty="0" err="1">
+                <a:solidFill>
+                  <a:schemeClr val="bg1"/>
+                </a:solidFill>
+                <a:latin typeface="Candara" panose="020E0502030303020204" pitchFamily="34" charset="0"/>
+              </a:rPr>
+              <a:t>partire</a:t>
+            </a:r>
+            <a:r>
+              <a:rPr lang="en-US" sz="1200" dirty="0">
+                <a:solidFill>
+                  <a:schemeClr val="bg1"/>
+                </a:solidFill>
+                <a:latin typeface="Candara" panose="020E0502030303020204" pitchFamily="34" charset="0"/>
+              </a:rPr>
+              <a:t> </a:t>
+            </a:r>
+            <a:r>
+              <a:rPr lang="en-US" sz="1200" dirty="0" err="1">
+                <a:solidFill>
+                  <a:schemeClr val="bg1"/>
+                </a:solidFill>
+                <a:latin typeface="Candara" panose="020E0502030303020204" pitchFamily="34" charset="0"/>
+              </a:rPr>
+              <a:t>dalla</a:t>
+            </a:r>
+            <a:r>
+              <a:rPr lang="en-US" sz="1200" dirty="0">
+                <a:solidFill>
+                  <a:schemeClr val="bg1"/>
+                </a:solidFill>
+                <a:latin typeface="Candara" panose="020E0502030303020204" pitchFamily="34" charset="0"/>
+              </a:rPr>
+              <a:t> </a:t>
+            </a:r>
+            <a:r>
+              <a:rPr lang="en-US" sz="1200" dirty="0" err="1">
+                <a:solidFill>
+                  <a:schemeClr val="bg1"/>
+                </a:solidFill>
+                <a:latin typeface="Candara" panose="020E0502030303020204" pitchFamily="34" charset="0"/>
+              </a:rPr>
+              <a:t>conoscenza</a:t>
+            </a:r>
+            <a:r>
+              <a:rPr lang="en-US" sz="1200" dirty="0">
+                <a:solidFill>
+                  <a:schemeClr val="bg1"/>
+                </a:solidFill>
+                <a:latin typeface="Candara" panose="020E0502030303020204" pitchFamily="34" charset="0"/>
+              </a:rPr>
+              <a:t> del dataset distort e di p, </a:t>
+            </a:r>
+            <a:r>
+              <a:rPr lang="en-US" sz="1200" dirty="0" err="1">
+                <a:solidFill>
+                  <a:schemeClr val="bg1"/>
+                </a:solidFill>
+                <a:latin typeface="Candara" panose="020E0502030303020204" pitchFamily="34" charset="0"/>
+              </a:rPr>
+              <a:t>viene</a:t>
+            </a:r>
+            <a:r>
+              <a:rPr lang="en-US" sz="1200" dirty="0">
+                <a:solidFill>
+                  <a:schemeClr val="bg1"/>
+                </a:solidFill>
+                <a:latin typeface="Candara" panose="020E0502030303020204" pitchFamily="34" charset="0"/>
+              </a:rPr>
+              <a:t> </a:t>
+            </a:r>
+            <a:r>
+              <a:rPr lang="en-US" sz="1200" dirty="0" err="1">
+                <a:solidFill>
+                  <a:schemeClr val="bg1"/>
+                </a:solidFill>
+                <a:latin typeface="Candara" panose="020E0502030303020204" pitchFamily="34" charset="0"/>
+              </a:rPr>
+              <a:t>costruito</a:t>
+            </a:r>
+            <a:r>
+              <a:rPr lang="en-US" sz="1200" dirty="0">
+                <a:solidFill>
+                  <a:schemeClr val="bg1"/>
+                </a:solidFill>
+                <a:latin typeface="Candara" panose="020E0502030303020204" pitchFamily="34" charset="0"/>
+              </a:rPr>
+              <a:t> un </a:t>
+            </a:r>
+            <a:r>
+              <a:rPr lang="en-US" sz="1200" dirty="0" err="1">
+                <a:solidFill>
+                  <a:schemeClr val="bg1"/>
+                </a:solidFill>
+                <a:latin typeface="Candara" panose="020E0502030303020204" pitchFamily="34" charset="0"/>
+              </a:rPr>
+              <a:t>vettore</a:t>
+            </a:r>
+            <a:r>
+              <a:rPr lang="en-US" sz="1200" dirty="0">
+                <a:solidFill>
+                  <a:schemeClr val="bg1"/>
+                </a:solidFill>
+                <a:latin typeface="Candara" panose="020E0502030303020204" pitchFamily="34" charset="0"/>
+              </a:rPr>
+              <a:t> C_T </a:t>
+            </a:r>
+            <a:r>
+              <a:rPr lang="en-US" sz="1200" dirty="0" err="1">
+                <a:solidFill>
+                  <a:schemeClr val="bg1"/>
+                </a:solidFill>
+                <a:latin typeface="Candara" panose="020E0502030303020204" pitchFamily="34" charset="0"/>
+              </a:rPr>
+              <a:t>nel</a:t>
+            </a:r>
+            <a:r>
+              <a:rPr lang="en-US" sz="1200" dirty="0">
+                <a:solidFill>
+                  <a:schemeClr val="bg1"/>
+                </a:solidFill>
+                <a:latin typeface="Candara" panose="020E0502030303020204" pitchFamily="34" charset="0"/>
+              </a:rPr>
+              <a:t> quale </a:t>
+            </a:r>
+            <a:r>
+              <a:rPr lang="en-US" sz="1200" dirty="0" err="1">
+                <a:solidFill>
+                  <a:schemeClr val="bg1"/>
+                </a:solidFill>
+                <a:latin typeface="Candara" panose="020E0502030303020204" pitchFamily="34" charset="0"/>
+              </a:rPr>
+              <a:t>vengono</a:t>
+            </a:r>
+            <a:r>
+              <a:rPr lang="en-US" sz="1200" dirty="0">
+                <a:solidFill>
+                  <a:schemeClr val="bg1"/>
+                </a:solidFill>
+                <a:latin typeface="Candara" panose="020E0502030303020204" pitchFamily="34" charset="0"/>
+              </a:rPr>
+              <a:t> </a:t>
+            </a:r>
+            <a:r>
+              <a:rPr lang="en-US" sz="1200" dirty="0" err="1">
+                <a:solidFill>
+                  <a:schemeClr val="bg1"/>
+                </a:solidFill>
+                <a:latin typeface="Candara" panose="020E0502030303020204" pitchFamily="34" charset="0"/>
+              </a:rPr>
+              <a:t>stimati</a:t>
+            </a:r>
+            <a:r>
+              <a:rPr lang="en-US" sz="1200" dirty="0">
+                <a:solidFill>
+                  <a:schemeClr val="bg1"/>
+                </a:solidFill>
+                <a:latin typeface="Candara" panose="020E0502030303020204" pitchFamily="34" charset="0"/>
+              </a:rPr>
+              <a:t> </a:t>
+            </a:r>
+            <a:r>
+              <a:rPr lang="en-US" sz="1200" dirty="0" err="1">
+                <a:solidFill>
+                  <a:schemeClr val="bg1"/>
+                </a:solidFill>
+                <a:latin typeface="Candara" panose="020E0502030303020204" pitchFamily="34" charset="0"/>
+              </a:rPr>
+              <a:t>il</a:t>
+            </a:r>
+            <a:r>
+              <a:rPr lang="en-US" sz="1200" dirty="0">
+                <a:solidFill>
+                  <a:schemeClr val="bg1"/>
+                </a:solidFill>
+                <a:latin typeface="Candara" panose="020E0502030303020204" pitchFamily="34" charset="0"/>
+              </a:rPr>
+              <a:t> </a:t>
+            </a:r>
+            <a:r>
+              <a:rPr lang="en-US" sz="1200" dirty="0" err="1">
+                <a:solidFill>
+                  <a:schemeClr val="bg1"/>
+                </a:solidFill>
+                <a:latin typeface="Candara" panose="020E0502030303020204" pitchFamily="34" charset="0"/>
+              </a:rPr>
+              <a:t>numero</a:t>
+            </a:r>
+            <a:r>
+              <a:rPr lang="en-US" sz="1200" dirty="0">
+                <a:solidFill>
+                  <a:schemeClr val="bg1"/>
+                </a:solidFill>
+                <a:latin typeface="Candara" panose="020E0502030303020204" pitchFamily="34" charset="0"/>
+              </a:rPr>
+              <a:t> di </a:t>
+            </a:r>
+            <a:r>
+              <a:rPr lang="en-US" sz="1200" dirty="0" err="1">
+                <a:solidFill>
+                  <a:schemeClr val="bg1"/>
+                </a:solidFill>
+                <a:latin typeface="Candara" panose="020E0502030303020204" pitchFamily="34" charset="0"/>
+              </a:rPr>
+              <a:t>elementi</a:t>
+            </a:r>
+            <a:r>
+              <a:rPr lang="en-US" sz="1200" dirty="0">
+                <a:solidFill>
+                  <a:schemeClr val="bg1"/>
+                </a:solidFill>
+                <a:latin typeface="Candara" panose="020E0502030303020204" pitchFamily="34" charset="0"/>
+              </a:rPr>
+              <a:t> </a:t>
+            </a:r>
+            <a:r>
+              <a:rPr lang="en-US" sz="1200" dirty="0" err="1">
+                <a:solidFill>
+                  <a:schemeClr val="bg1"/>
+                </a:solidFill>
+                <a:latin typeface="Candara" panose="020E0502030303020204" pitchFamily="34" charset="0"/>
+              </a:rPr>
+              <a:t>appartenenti</a:t>
+            </a:r>
+            <a:r>
+              <a:rPr lang="en-US" sz="1200" dirty="0">
+                <a:solidFill>
+                  <a:schemeClr val="bg1"/>
+                </a:solidFill>
+                <a:latin typeface="Candara" panose="020E0502030303020204" pitchFamily="34" charset="0"/>
+              </a:rPr>
+              <a:t> ad </a:t>
+            </a:r>
+            <a:r>
+              <a:rPr lang="en-US" sz="1200" dirty="0" err="1">
+                <a:solidFill>
+                  <a:schemeClr val="bg1"/>
+                </a:solidFill>
+                <a:latin typeface="Candara" panose="020E0502030303020204" pitchFamily="34" charset="0"/>
+              </a:rPr>
+              <a:t>ogni</a:t>
+            </a:r>
+            <a:r>
+              <a:rPr lang="en-US" sz="1200" dirty="0">
+                <a:solidFill>
+                  <a:schemeClr val="bg1"/>
+                </a:solidFill>
+                <a:latin typeface="Candara" panose="020E0502030303020204" pitchFamily="34" charset="0"/>
+              </a:rPr>
+              <a:t> </a:t>
+            </a:r>
+            <a:r>
+              <a:rPr lang="en-US" sz="1200" dirty="0" err="1">
+                <a:solidFill>
+                  <a:schemeClr val="bg1"/>
+                </a:solidFill>
+                <a:latin typeface="Candara" panose="020E0502030303020204" pitchFamily="34" charset="0"/>
+              </a:rPr>
+              <a:t>categoria</a:t>
+            </a:r>
+            <a:r>
+              <a:rPr lang="en-US" sz="1200" dirty="0">
+                <a:solidFill>
+                  <a:schemeClr val="bg1"/>
+                </a:solidFill>
+                <a:latin typeface="Candara" panose="020E0502030303020204" pitchFamily="34" charset="0"/>
+              </a:rPr>
+              <a:t>.</a:t>
             </a:r>
           </a:p>
         </p:txBody>
@@ -7855,7 +8745,7 @@
         <p:spPr>
           <a:xfrm>
             <a:off x="9130139" y="2259140"/>
-            <a:ext cx="2073511" cy="1298817"/>
+            <a:ext cx="2073511" cy="1815882"/>
           </a:xfrm>
           <a:prstGeom prst="rect">
             <a:avLst/>
@@ -7893,7 +8783,7 @@
               <a:t> </a:t>
             </a:r>
             <a:r>
-              <a:rPr lang="en-US" sz="1600" b="1">
+              <a:rPr lang="en-US" sz="1600" b="1" dirty="0" err="1">
                 <a:solidFill>
                   <a:schemeClr val="bg1"/>
                 </a:solidFill>
@@ -7922,8 +8812,167 @@
                 </a:solidFill>
                 <a:latin typeface="Candara" panose="020E0502030303020204" pitchFamily="34" charset="0"/>
               </a:rPr>
-              <a:t>Lorem ipsum dolor sit amet, consectetur adipiscing elit, sed do eiusmod tempor incididunt ut labore et dolore magna aliqua. </a:t>
-            </a:r>
+              <a:t>Per </a:t>
+            </a:r>
+            <a:r>
+              <a:rPr lang="en-US" sz="1200" dirty="0" err="1">
+                <a:solidFill>
+                  <a:schemeClr val="bg1"/>
+                </a:solidFill>
+                <a:latin typeface="Candara" panose="020E0502030303020204" pitchFamily="34" charset="0"/>
+              </a:rPr>
+              <a:t>valutare</a:t>
+            </a:r>
+            <a:r>
+              <a:rPr lang="en-US" sz="1200" dirty="0">
+                <a:solidFill>
+                  <a:schemeClr val="bg1"/>
+                </a:solidFill>
+                <a:latin typeface="Candara" panose="020E0502030303020204" pitchFamily="34" charset="0"/>
+              </a:rPr>
+              <a:t> le performance </a:t>
+            </a:r>
+            <a:r>
+              <a:rPr lang="en-US" sz="1200" dirty="0" err="1">
+                <a:solidFill>
+                  <a:schemeClr val="bg1"/>
+                </a:solidFill>
+                <a:latin typeface="Candara" panose="020E0502030303020204" pitchFamily="34" charset="0"/>
+              </a:rPr>
+              <a:t>vengono</a:t>
+            </a:r>
+            <a:r>
+              <a:rPr lang="en-US" sz="1200" dirty="0">
+                <a:solidFill>
+                  <a:schemeClr val="bg1"/>
+                </a:solidFill>
+                <a:latin typeface="Candara" panose="020E0502030303020204" pitchFamily="34" charset="0"/>
+              </a:rPr>
+              <a:t> poi </a:t>
+            </a:r>
+            <a:r>
+              <a:rPr lang="en-US" sz="1200" dirty="0" err="1">
+                <a:solidFill>
+                  <a:schemeClr val="bg1"/>
+                </a:solidFill>
+                <a:latin typeface="Candara" panose="020E0502030303020204" pitchFamily="34" charset="0"/>
+              </a:rPr>
+              <a:t>calcolati</a:t>
+            </a:r>
+            <a:r>
+              <a:rPr lang="en-US" sz="1200" dirty="0">
+                <a:solidFill>
+                  <a:schemeClr val="bg1"/>
+                </a:solidFill>
+                <a:latin typeface="Candara" panose="020E0502030303020204" pitchFamily="34" charset="0"/>
+              </a:rPr>
+              <a:t> 3 </a:t>
+            </a:r>
+            <a:r>
+              <a:rPr lang="en-US" sz="1200" dirty="0" err="1">
+                <a:solidFill>
+                  <a:schemeClr val="bg1"/>
+                </a:solidFill>
+                <a:latin typeface="Candara" panose="020E0502030303020204" pitchFamily="34" charset="0"/>
+              </a:rPr>
+              <a:t>parametri</a:t>
+            </a:r>
+            <a:r>
+              <a:rPr lang="en-US" sz="1200" dirty="0">
+                <a:solidFill>
+                  <a:schemeClr val="bg1"/>
+                </a:solidFill>
+                <a:latin typeface="Candara" panose="020E0502030303020204" pitchFamily="34" charset="0"/>
+              </a:rPr>
+              <a:t>:</a:t>
+            </a:r>
+          </a:p>
+          <a:p>
+            <a:pPr marL="171450" indent="-171450" defTabSz="1219170">
+              <a:spcBef>
+                <a:spcPct val="20000"/>
+              </a:spcBef>
+              <a:buFont typeface="Arial" panose="020B0604020202020204" pitchFamily="34" charset="0"/>
+              <a:buChar char="•"/>
+              <a:defRPr/>
+            </a:pPr>
+            <a:r>
+              <a:rPr lang="el-GR" sz="1600" dirty="0">
+                <a:solidFill>
+                  <a:schemeClr val="bg1"/>
+                </a:solidFill>
+                <a:latin typeface="Candara" panose="020E0502030303020204" pitchFamily="34" charset="0"/>
+              </a:rPr>
+              <a:t>σ</a:t>
+            </a:r>
+            <a:r>
+              <a:rPr lang="it-IT" sz="1600" dirty="0">
+                <a:solidFill>
+                  <a:schemeClr val="bg1"/>
+                </a:solidFill>
+                <a:latin typeface="Candara" panose="020E0502030303020204" pitchFamily="34" charset="0"/>
+              </a:rPr>
+              <a:t>+</a:t>
+            </a:r>
+            <a:endParaRPr lang="en-US" sz="1600" dirty="0">
+              <a:solidFill>
+                <a:schemeClr val="bg1"/>
+              </a:solidFill>
+              <a:latin typeface="Candara" panose="020E0502030303020204" pitchFamily="34" charset="0"/>
+            </a:endParaRPr>
+          </a:p>
+          <a:p>
+            <a:pPr marL="171450" indent="-171450" defTabSz="1219170">
+              <a:spcBef>
+                <a:spcPct val="20000"/>
+              </a:spcBef>
+              <a:buFont typeface="Arial" panose="020B0604020202020204" pitchFamily="34" charset="0"/>
+              <a:buChar char="•"/>
+              <a:defRPr/>
+            </a:pPr>
+            <a:r>
+              <a:rPr lang="el-GR" sz="1600" dirty="0">
+                <a:solidFill>
+                  <a:schemeClr val="bg1"/>
+                </a:solidFill>
+                <a:latin typeface="Candara" panose="020E0502030303020204" pitchFamily="34" charset="0"/>
+              </a:rPr>
+              <a:t>σ</a:t>
+            </a:r>
+            <a:r>
+              <a:rPr lang="it-IT" sz="1600" dirty="0">
+                <a:solidFill>
+                  <a:schemeClr val="bg1"/>
+                </a:solidFill>
+                <a:latin typeface="Candara" panose="020E0502030303020204" pitchFamily="34" charset="0"/>
+              </a:rPr>
+              <a:t>-</a:t>
+            </a:r>
+          </a:p>
+          <a:p>
+            <a:pPr marL="171450" indent="-171450" defTabSz="1219170">
+              <a:spcBef>
+                <a:spcPct val="20000"/>
+              </a:spcBef>
+              <a:buFont typeface="Arial" panose="020B0604020202020204" pitchFamily="34" charset="0"/>
+              <a:buChar char="•"/>
+              <a:defRPr/>
+            </a:pPr>
+            <a:r>
+              <a:rPr lang="el-GR" sz="1600" dirty="0">
+                <a:solidFill>
+                  <a:schemeClr val="bg1"/>
+                </a:solidFill>
+                <a:latin typeface="Candara" panose="020E0502030303020204" pitchFamily="34" charset="0"/>
+              </a:rPr>
+              <a:t>ρ</a:t>
+            </a:r>
+            <a:endParaRPr lang="it-IT" sz="1600" dirty="0">
+              <a:solidFill>
+                <a:schemeClr val="bg1"/>
+              </a:solidFill>
+              <a:latin typeface="Candara" panose="020E0502030303020204" pitchFamily="34" charset="0"/>
+            </a:endParaRPr>
           </a:p>
         </p:txBody>
       </p:sp>
@@ -7952,9 +9001,6 @@
             <a:pPr algn="ctr"/>
             <a:r>
               <a:rPr lang="it-IT" sz="4400" b="1" dirty="0">
-                <a:solidFill>
-                  <a:srgbClr val="4C4F54"/>
-                </a:solidFill>
                 <a:latin typeface="Candara" panose="020E0502030303020204" pitchFamily="34" charset="0"/>
               </a:rPr>
               <a:t>Procedimento</a:t>
@@ -8008,7 +9054,7 @@
         </p:nvSpPr>
         <p:spPr>
           <a:xfrm>
-            <a:off x="7776" y="5074985"/>
+            <a:off x="0" y="5095957"/>
             <a:ext cx="12184224" cy="1771181"/>
           </a:xfrm>
           <a:custGeom>
@@ -8157,8 +9203,8 @@
         </p:nvSpPr>
         <p:spPr>
           <a:xfrm>
-            <a:off x="450775" y="5451280"/>
-            <a:ext cx="10585647" cy="1138773"/>
+            <a:off x="446887" y="5472252"/>
+            <a:ext cx="10585647" cy="1169551"/>
           </a:xfrm>
           <a:prstGeom prst="rect">
             <a:avLst/>
@@ -8174,17 +9220,28 @@
           <a:lstStyle/>
           <a:p>
             <a:r>
-              <a:rPr lang="en-US" sz="1600" b="1" dirty="0">
-                <a:solidFill>
-                  <a:schemeClr val="bg1"/>
-                </a:solidFill>
-                <a:latin typeface="Candara" panose="020E0502030303020204" pitchFamily="34" charset="0"/>
-              </a:rPr>
-              <a:t>LOREM IPSUM DOLOR</a:t>
-            </a:r>
-          </a:p>
-          <a:p>
-            <a:endParaRPr lang="en-US" sz="1000" b="1" dirty="0">
+              <a:rPr lang="en-US" sz="1400" dirty="0">
+                <a:solidFill>
+                  <a:schemeClr val="bg1"/>
+                </a:solidFill>
+                <a:latin typeface="Candara" panose="020E0502030303020204" pitchFamily="34" charset="0"/>
+              </a:rPr>
+              <a:t>Dove:</a:t>
+            </a:r>
+          </a:p>
+          <a:p>
+            <a:r>
+              <a:rPr lang="en-US" sz="1400" dirty="0">
+                <a:solidFill>
+                  <a:schemeClr val="bg1"/>
+                </a:solidFill>
+                <a:latin typeface="Candara" panose="020E0502030303020204" pitchFamily="34" charset="0"/>
+              </a:rPr>
+              <a:t>R = a*R1(p) + (1-a)*R0(p)</a:t>
+            </a:r>
+          </a:p>
+          <a:p>
+            <a:endParaRPr lang="en-US" sz="1400" dirty="0">
               <a:solidFill>
                 <a:schemeClr val="bg1"/>
               </a:solidFill>
@@ -8199,7 +9256,313 @@
                 </a:solidFill>
                 <a:latin typeface="Candara" panose="020E0502030303020204" pitchFamily="34" charset="0"/>
               </a:rPr>
-              <a:t>Lorem ipsum dolor sit amet, consectetur adipiscing elit, sed do eiusmod tempor incididunt ut labore et dolore magna aliqua. Ut enim ad minim veniam, quis nostrud exercitation. Lorem ipsum dolor sit amet, consectetur adipiscing elit, sed do eiusmod tempor incididunt ut labore et dolore magna aliqua. Ut enim ad minim veniam, quis nostrud. </a:t>
+              <a:t>Con R1 ed R0 </a:t>
+            </a:r>
+            <a:r>
+              <a:rPr lang="en-US" sz="1400" dirty="0" err="1">
+                <a:solidFill>
+                  <a:schemeClr val="bg1"/>
+                </a:solidFill>
+                <a:latin typeface="Candara" panose="020E0502030303020204" pitchFamily="34" charset="0"/>
+              </a:rPr>
+              <a:t>rispettivamente</a:t>
+            </a:r>
+            <a:r>
+              <a:rPr lang="en-US" sz="1400" dirty="0">
+                <a:solidFill>
+                  <a:schemeClr val="bg1"/>
+                </a:solidFill>
+                <a:latin typeface="Candara" panose="020E0502030303020204" pitchFamily="34" charset="0"/>
+              </a:rPr>
+              <a:t> la </a:t>
+            </a:r>
+            <a:r>
+              <a:rPr lang="en-US" sz="1400" dirty="0" err="1">
+                <a:solidFill>
+                  <a:schemeClr val="bg1"/>
+                </a:solidFill>
+                <a:latin typeface="Candara" panose="020E0502030303020204" pitchFamily="34" charset="0"/>
+              </a:rPr>
+              <a:t>probabilità</a:t>
+            </a:r>
+            <a:r>
+              <a:rPr lang="en-US" sz="1400" dirty="0">
+                <a:solidFill>
+                  <a:schemeClr val="bg1"/>
+                </a:solidFill>
+                <a:latin typeface="Candara" panose="020E0502030303020204" pitchFamily="34" charset="0"/>
+              </a:rPr>
+              <a:t> </a:t>
+            </a:r>
+            <a:r>
+              <a:rPr lang="en-US" sz="1400" dirty="0" err="1">
+                <a:solidFill>
+                  <a:schemeClr val="bg1"/>
+                </a:solidFill>
+                <a:latin typeface="Candara" panose="020E0502030303020204" pitchFamily="34" charset="0"/>
+              </a:rPr>
+              <a:t>che</a:t>
+            </a:r>
+            <a:r>
+              <a:rPr lang="en-US" sz="1400" dirty="0">
+                <a:solidFill>
+                  <a:schemeClr val="bg1"/>
+                </a:solidFill>
+                <a:latin typeface="Candara" panose="020E0502030303020204" pitchFamily="34" charset="0"/>
+              </a:rPr>
+              <a:t> un 1 od </a:t>
+            </a:r>
+            <a:r>
+              <a:rPr lang="en-US" sz="1400" dirty="0" err="1">
+                <a:solidFill>
+                  <a:schemeClr val="bg1"/>
+                </a:solidFill>
+                <a:latin typeface="Candara" panose="020E0502030303020204" pitchFamily="34" charset="0"/>
+              </a:rPr>
+              <a:t>uno</a:t>
+            </a:r>
+            <a:r>
+              <a:rPr lang="en-US" sz="1400" dirty="0">
+                <a:solidFill>
+                  <a:schemeClr val="bg1"/>
+                </a:solidFill>
+                <a:latin typeface="Candara" panose="020E0502030303020204" pitchFamily="34" charset="0"/>
+              </a:rPr>
+              <a:t> zero </a:t>
+            </a:r>
+            <a:r>
+              <a:rPr lang="en-US" sz="1400" dirty="0" err="1">
+                <a:solidFill>
+                  <a:schemeClr val="bg1"/>
+                </a:solidFill>
+                <a:latin typeface="Candara" panose="020E0502030303020204" pitchFamily="34" charset="0"/>
+              </a:rPr>
+              <a:t>sia</a:t>
+            </a:r>
+            <a:r>
+              <a:rPr lang="en-US" sz="1400" dirty="0">
+                <a:solidFill>
+                  <a:schemeClr val="bg1"/>
+                </a:solidFill>
+                <a:latin typeface="Candara" panose="020E0502030303020204" pitchFamily="34" charset="0"/>
+              </a:rPr>
+              <a:t> </a:t>
+            </a:r>
+            <a:r>
+              <a:rPr lang="en-US" sz="1400" dirty="0" err="1">
+                <a:solidFill>
+                  <a:schemeClr val="bg1"/>
+                </a:solidFill>
+                <a:latin typeface="Candara" panose="020E0502030303020204" pitchFamily="34" charset="0"/>
+              </a:rPr>
+              <a:t>ricostruito</a:t>
+            </a:r>
+            <a:r>
+              <a:rPr lang="en-US" sz="1400" dirty="0">
+                <a:solidFill>
+                  <a:schemeClr val="bg1"/>
+                </a:solidFill>
+                <a:latin typeface="Candara" panose="020E0502030303020204" pitchFamily="34" charset="0"/>
+              </a:rPr>
+              <a:t> </a:t>
+            </a:r>
+            <a:r>
+              <a:rPr lang="en-US" sz="1400" dirty="0" err="1">
+                <a:solidFill>
+                  <a:schemeClr val="bg1"/>
+                </a:solidFill>
+                <a:latin typeface="Candara" panose="020E0502030303020204" pitchFamily="34" charset="0"/>
+              </a:rPr>
+              <a:t>correttamente</a:t>
+            </a:r>
+            <a:r>
+              <a:rPr lang="en-US" sz="1400" dirty="0">
+                <a:solidFill>
+                  <a:schemeClr val="bg1"/>
+                </a:solidFill>
+                <a:latin typeface="Candara" panose="020E0502030303020204" pitchFamily="34" charset="0"/>
+              </a:rPr>
+              <a:t>, ed “a” </a:t>
+            </a:r>
+            <a:r>
+              <a:rPr lang="en-US" sz="1400" dirty="0" err="1">
+                <a:solidFill>
+                  <a:schemeClr val="bg1"/>
+                </a:solidFill>
+                <a:latin typeface="Candara" panose="020E0502030303020204" pitchFamily="34" charset="0"/>
+              </a:rPr>
+              <a:t>parametro</a:t>
+            </a:r>
+            <a:r>
+              <a:rPr lang="en-US" sz="1400" dirty="0">
+                <a:solidFill>
+                  <a:schemeClr val="bg1"/>
+                </a:solidFill>
+                <a:latin typeface="Candara" panose="020E0502030303020204" pitchFamily="34" charset="0"/>
+              </a:rPr>
+              <a:t> </a:t>
+            </a:r>
+            <a:r>
+              <a:rPr lang="en-US" sz="1400" dirty="0" err="1">
+                <a:solidFill>
+                  <a:schemeClr val="bg1"/>
+                </a:solidFill>
+                <a:latin typeface="Candara" panose="020E0502030303020204" pitchFamily="34" charset="0"/>
+              </a:rPr>
+              <a:t>fissato</a:t>
+            </a:r>
+            <a:r>
+              <a:rPr lang="en-US" sz="1400" dirty="0">
+                <a:solidFill>
+                  <a:schemeClr val="bg1"/>
+                </a:solidFill>
+                <a:latin typeface="Candara" panose="020E0502030303020204" pitchFamily="34" charset="0"/>
+              </a:rPr>
+              <a:t> con </a:t>
+            </a:r>
+            <a:r>
+              <a:rPr lang="en-US" sz="1400" dirty="0" err="1">
+                <a:solidFill>
+                  <a:schemeClr val="bg1"/>
+                </a:solidFill>
+                <a:latin typeface="Candara" panose="020E0502030303020204" pitchFamily="34" charset="0"/>
+              </a:rPr>
+              <a:t>valore</a:t>
+            </a:r>
+            <a:r>
+              <a:rPr lang="en-US" sz="1400" dirty="0">
+                <a:solidFill>
+                  <a:schemeClr val="bg1"/>
+                </a:solidFill>
+                <a:latin typeface="Candara" panose="020E0502030303020204" pitchFamily="34" charset="0"/>
+              </a:rPr>
+              <a:t> </a:t>
+            </a:r>
+            <a:r>
+              <a:rPr lang="en-US" sz="1400" dirty="0" err="1">
+                <a:solidFill>
+                  <a:schemeClr val="bg1"/>
+                </a:solidFill>
+                <a:latin typeface="Candara" panose="020E0502030303020204" pitchFamily="34" charset="0"/>
+              </a:rPr>
+              <a:t>pari</a:t>
+            </a:r>
+            <a:r>
+              <a:rPr lang="en-US" sz="1400" dirty="0">
+                <a:solidFill>
+                  <a:schemeClr val="bg1"/>
+                </a:solidFill>
+                <a:latin typeface="Candara" panose="020E0502030303020204" pitchFamily="34" charset="0"/>
+              </a:rPr>
+              <a:t> a 0.9, </a:t>
+            </a:r>
+            <a:r>
+              <a:rPr lang="en-US" sz="1400" dirty="0" err="1">
+                <a:solidFill>
+                  <a:schemeClr val="bg1"/>
+                </a:solidFill>
+                <a:latin typeface="Candara" panose="020E0502030303020204" pitchFamily="34" charset="0"/>
+              </a:rPr>
+              <a:t>rappresentante</a:t>
+            </a:r>
+            <a:r>
+              <a:rPr lang="en-US" sz="1400" dirty="0">
+                <a:solidFill>
+                  <a:schemeClr val="bg1"/>
+                </a:solidFill>
+                <a:latin typeface="Candara" panose="020E0502030303020204" pitchFamily="34" charset="0"/>
+              </a:rPr>
+              <a:t> </a:t>
+            </a:r>
+            <a:r>
+              <a:rPr lang="en-US" sz="1400" dirty="0" err="1">
+                <a:solidFill>
+                  <a:schemeClr val="bg1"/>
+                </a:solidFill>
+                <a:latin typeface="Candara" panose="020E0502030303020204" pitchFamily="34" charset="0"/>
+              </a:rPr>
+              <a:t>il</a:t>
+            </a:r>
+            <a:r>
+              <a:rPr lang="en-US" sz="1400" dirty="0">
+                <a:solidFill>
+                  <a:schemeClr val="bg1"/>
+                </a:solidFill>
+                <a:latin typeface="Candara" panose="020E0502030303020204" pitchFamily="34" charset="0"/>
+              </a:rPr>
+              <a:t> peso </a:t>
+            </a:r>
+            <a:r>
+              <a:rPr lang="en-US" sz="1400" dirty="0" err="1">
+                <a:solidFill>
+                  <a:schemeClr val="bg1"/>
+                </a:solidFill>
+                <a:latin typeface="Candara" panose="020E0502030303020204" pitchFamily="34" charset="0"/>
+              </a:rPr>
+              <a:t>dato</a:t>
+            </a:r>
+            <a:r>
+              <a:rPr lang="en-US" sz="1400" dirty="0">
+                <a:solidFill>
+                  <a:schemeClr val="bg1"/>
+                </a:solidFill>
+                <a:latin typeface="Candara" panose="020E0502030303020204" pitchFamily="34" charset="0"/>
+              </a:rPr>
+              <a:t> </a:t>
+            </a:r>
+            <a:r>
+              <a:rPr lang="en-US" sz="1400" dirty="0" err="1">
+                <a:solidFill>
+                  <a:schemeClr val="bg1"/>
+                </a:solidFill>
+                <a:latin typeface="Candara" panose="020E0502030303020204" pitchFamily="34" charset="0"/>
+              </a:rPr>
+              <a:t>alla</a:t>
+            </a:r>
+            <a:r>
+              <a:rPr lang="en-US" sz="1400" dirty="0">
+                <a:solidFill>
+                  <a:schemeClr val="bg1"/>
+                </a:solidFill>
+                <a:latin typeface="Candara" panose="020E0502030303020204" pitchFamily="34" charset="0"/>
+              </a:rPr>
+              <a:t> privacy di un 1 rispetto a </a:t>
+            </a:r>
+            <a:r>
+              <a:rPr lang="en-US" sz="1400" dirty="0" err="1">
+                <a:solidFill>
+                  <a:schemeClr val="bg1"/>
+                </a:solidFill>
+                <a:latin typeface="Candara" panose="020E0502030303020204" pitchFamily="34" charset="0"/>
+              </a:rPr>
+              <a:t>quella</a:t>
+            </a:r>
+            <a:r>
+              <a:rPr lang="en-US" sz="1400" dirty="0">
+                <a:solidFill>
+                  <a:schemeClr val="bg1"/>
+                </a:solidFill>
+                <a:latin typeface="Candara" panose="020E0502030303020204" pitchFamily="34" charset="0"/>
+              </a:rPr>
+              <a:t> data ad </a:t>
+            </a:r>
+            <a:r>
+              <a:rPr lang="en-US" sz="1400" dirty="0" err="1">
+                <a:solidFill>
+                  <a:schemeClr val="bg1"/>
+                </a:solidFill>
+                <a:latin typeface="Candara" panose="020E0502030303020204" pitchFamily="34" charset="0"/>
+              </a:rPr>
+              <a:t>uno</a:t>
+            </a:r>
+            <a:r>
+              <a:rPr lang="en-US" sz="1400" dirty="0">
+                <a:solidFill>
+                  <a:schemeClr val="bg1"/>
+                </a:solidFill>
+                <a:latin typeface="Candara" panose="020E0502030303020204" pitchFamily="34" charset="0"/>
+              </a:rPr>
+              <a:t> zero.</a:t>
             </a:r>
           </a:p>
         </p:txBody>
@@ -8218,7 +9581,7 @@
         </p:nvSpPr>
         <p:spPr>
           <a:xfrm>
-            <a:off x="7776" y="5074984"/>
+            <a:off x="0" y="5097600"/>
             <a:ext cx="12184224" cy="1771181"/>
           </a:xfrm>
           <a:custGeom>
@@ -8367,8 +9730,8 @@
         </p:nvSpPr>
         <p:spPr>
           <a:xfrm>
-            <a:off x="450775" y="5465985"/>
-            <a:ext cx="10585647" cy="1138773"/>
+            <a:off x="447193" y="5467859"/>
+            <a:ext cx="10585647" cy="1169551"/>
           </a:xfrm>
           <a:prstGeom prst="rect">
             <a:avLst/>
@@ -8384,17 +9747,363 @@
           <a:lstStyle/>
           <a:p>
             <a:r>
-              <a:rPr lang="en-US" sz="1600" b="1" dirty="0">
-                <a:solidFill>
-                  <a:schemeClr val="bg1"/>
-                </a:solidFill>
-                <a:latin typeface="Candara" panose="020E0502030303020204" pitchFamily="34" charset="0"/>
-              </a:rPr>
-              <a:t>LOREM IPSUM DOLOR</a:t>
-            </a:r>
-          </a:p>
-          <a:p>
-            <a:endParaRPr lang="en-US" sz="1000" b="1" dirty="0">
+              <a:rPr lang="en-US" sz="1400" dirty="0">
+                <a:solidFill>
+                  <a:schemeClr val="bg1"/>
+                </a:solidFill>
+                <a:latin typeface="Candara" panose="020E0502030303020204" pitchFamily="34" charset="0"/>
+              </a:rPr>
+              <a:t>C_D(k) </a:t>
+            </a:r>
+            <a:r>
+              <a:rPr lang="en-US" sz="1400" dirty="0" err="1">
+                <a:solidFill>
+                  <a:schemeClr val="bg1"/>
+                </a:solidFill>
+                <a:latin typeface="Candara" panose="020E0502030303020204" pitchFamily="34" charset="0"/>
+              </a:rPr>
+              <a:t>conto</a:t>
+            </a:r>
+            <a:r>
+              <a:rPr lang="en-US" sz="1400" dirty="0">
+                <a:solidFill>
+                  <a:schemeClr val="bg1"/>
+                </a:solidFill>
+                <a:latin typeface="Candara" panose="020E0502030303020204" pitchFamily="34" charset="0"/>
+              </a:rPr>
+              <a:t> </a:t>
+            </a:r>
+            <a:r>
+              <a:rPr lang="en-US" sz="1400" dirty="0" err="1">
+                <a:solidFill>
+                  <a:schemeClr val="bg1"/>
+                </a:solidFill>
+                <a:latin typeface="Candara" panose="020E0502030303020204" pitchFamily="34" charset="0"/>
+              </a:rPr>
+              <a:t>delle</a:t>
+            </a:r>
+            <a:r>
+              <a:rPr lang="en-US" sz="1400" dirty="0">
+                <a:solidFill>
+                  <a:schemeClr val="bg1"/>
+                </a:solidFill>
+                <a:latin typeface="Candara" panose="020E0502030303020204" pitchFamily="34" charset="0"/>
+              </a:rPr>
+              <a:t> tuple in D (Distorted dataset) </a:t>
+            </a:r>
+            <a:r>
+              <a:rPr lang="en-US" sz="1400" dirty="0" err="1">
+                <a:solidFill>
+                  <a:schemeClr val="bg1"/>
+                </a:solidFill>
+                <a:latin typeface="Candara" panose="020E0502030303020204" pitchFamily="34" charset="0"/>
+              </a:rPr>
+              <a:t>che</a:t>
+            </a:r>
+            <a:r>
+              <a:rPr lang="en-US" sz="1400" dirty="0">
+                <a:solidFill>
+                  <a:schemeClr val="bg1"/>
+                </a:solidFill>
+                <a:latin typeface="Candara" panose="020E0502030303020204" pitchFamily="34" charset="0"/>
+              </a:rPr>
+              <a:t> </a:t>
+            </a:r>
+            <a:r>
+              <a:rPr lang="en-US" sz="1400" dirty="0" err="1">
+                <a:solidFill>
+                  <a:schemeClr val="bg1"/>
+                </a:solidFill>
+                <a:latin typeface="Candara" panose="020E0502030303020204" pitchFamily="34" charset="0"/>
+              </a:rPr>
+              <a:t>hanno</a:t>
+            </a:r>
+            <a:r>
+              <a:rPr lang="en-US" sz="1400" dirty="0">
+                <a:solidFill>
+                  <a:schemeClr val="bg1"/>
+                </a:solidFill>
+                <a:latin typeface="Candara" panose="020E0502030303020204" pitchFamily="34" charset="0"/>
+              </a:rPr>
+              <a:t> la forma </a:t>
+            </a:r>
+            <a:r>
+              <a:rPr lang="en-US" sz="1400" dirty="0" err="1">
+                <a:solidFill>
+                  <a:schemeClr val="bg1"/>
+                </a:solidFill>
+                <a:latin typeface="Candara" panose="020E0502030303020204" pitchFamily="34" charset="0"/>
+              </a:rPr>
+              <a:t>binaria</a:t>
+            </a:r>
+            <a:r>
+              <a:rPr lang="en-US" sz="1400" dirty="0">
+                <a:solidFill>
+                  <a:schemeClr val="bg1"/>
+                </a:solidFill>
+                <a:latin typeface="Candara" panose="020E0502030303020204" pitchFamily="34" charset="0"/>
+              </a:rPr>
+              <a:t> del </a:t>
+            </a:r>
+            <a:r>
+              <a:rPr lang="en-US" sz="1400" dirty="0" err="1">
+                <a:solidFill>
+                  <a:schemeClr val="bg1"/>
+                </a:solidFill>
+                <a:latin typeface="Candara" panose="020E0502030303020204" pitchFamily="34" charset="0"/>
+              </a:rPr>
+              <a:t>numero</a:t>
+            </a:r>
+            <a:r>
+              <a:rPr lang="en-US" sz="1400" dirty="0">
+                <a:solidFill>
+                  <a:schemeClr val="bg1"/>
+                </a:solidFill>
+                <a:latin typeface="Candara" panose="020E0502030303020204" pitchFamily="34" charset="0"/>
+              </a:rPr>
+              <a:t> k (in n </a:t>
+            </a:r>
+            <a:r>
+              <a:rPr lang="en-US" sz="1400" dirty="0" err="1">
+                <a:solidFill>
+                  <a:schemeClr val="bg1"/>
+                </a:solidFill>
+                <a:latin typeface="Candara" panose="020E0502030303020204" pitchFamily="34" charset="0"/>
+              </a:rPr>
+              <a:t>cifre</a:t>
+            </a:r>
+            <a:r>
+              <a:rPr lang="en-US" sz="1400" dirty="0">
+                <a:solidFill>
+                  <a:schemeClr val="bg1"/>
+                </a:solidFill>
+                <a:latin typeface="Candara" panose="020E0502030303020204" pitchFamily="34" charset="0"/>
+              </a:rPr>
+              <a:t>)</a:t>
+            </a:r>
+          </a:p>
+          <a:p>
+            <a:r>
+              <a:rPr lang="en-US" sz="1400" dirty="0">
+                <a:solidFill>
+                  <a:schemeClr val="bg1"/>
+                </a:solidFill>
+                <a:latin typeface="Candara" panose="020E0502030303020204" pitchFamily="34" charset="0"/>
+              </a:rPr>
+              <a:t>M </a:t>
+            </a:r>
+            <a:r>
+              <a:rPr lang="en-US" sz="1400" dirty="0" err="1">
+                <a:solidFill>
+                  <a:schemeClr val="bg1"/>
+                </a:solidFill>
+                <a:latin typeface="Candara" panose="020E0502030303020204" pitchFamily="34" charset="0"/>
+              </a:rPr>
+              <a:t>matrice</a:t>
+            </a:r>
+            <a:r>
+              <a:rPr lang="en-US" sz="1400" dirty="0">
+                <a:solidFill>
+                  <a:schemeClr val="bg1"/>
+                </a:solidFill>
+                <a:latin typeface="Candara" panose="020E0502030303020204" pitchFamily="34" charset="0"/>
+              </a:rPr>
+              <a:t> la cui </a:t>
+            </a:r>
+            <a:r>
+              <a:rPr lang="en-US" sz="1400" dirty="0" err="1">
+                <a:solidFill>
+                  <a:schemeClr val="bg1"/>
+                </a:solidFill>
+                <a:latin typeface="Candara" panose="020E0502030303020204" pitchFamily="34" charset="0"/>
+              </a:rPr>
+              <a:t>componente</a:t>
+            </a:r>
+            <a:r>
+              <a:rPr lang="en-US" sz="1400" dirty="0">
+                <a:solidFill>
+                  <a:schemeClr val="bg1"/>
+                </a:solidFill>
+                <a:latin typeface="Candara" panose="020E0502030303020204" pitchFamily="34" charset="0"/>
+              </a:rPr>
+              <a:t> </a:t>
+            </a:r>
+            <a:r>
+              <a:rPr lang="en-US" sz="1400" dirty="0" err="1">
+                <a:solidFill>
+                  <a:schemeClr val="bg1"/>
+                </a:solidFill>
+                <a:latin typeface="Candara" panose="020E0502030303020204" pitchFamily="34" charset="0"/>
+              </a:rPr>
+              <a:t>mij</a:t>
+            </a:r>
+            <a:r>
+              <a:rPr lang="en-US" sz="1400" dirty="0">
+                <a:solidFill>
+                  <a:schemeClr val="bg1"/>
+                </a:solidFill>
+                <a:latin typeface="Candara" panose="020E0502030303020204" pitchFamily="34" charset="0"/>
+              </a:rPr>
+              <a:t> è la </a:t>
+            </a:r>
+            <a:r>
+              <a:rPr lang="en-US" sz="1400" dirty="0" err="1">
+                <a:solidFill>
+                  <a:schemeClr val="bg1"/>
+                </a:solidFill>
+                <a:latin typeface="Candara" panose="020E0502030303020204" pitchFamily="34" charset="0"/>
+              </a:rPr>
+              <a:t>probabilità</a:t>
+            </a:r>
+            <a:r>
+              <a:rPr lang="en-US" sz="1400" dirty="0">
+                <a:solidFill>
+                  <a:schemeClr val="bg1"/>
+                </a:solidFill>
+                <a:latin typeface="Candara" panose="020E0502030303020204" pitchFamily="34" charset="0"/>
+              </a:rPr>
+              <a:t> </a:t>
+            </a:r>
+            <a:r>
+              <a:rPr lang="en-US" sz="1400" dirty="0" err="1">
+                <a:solidFill>
+                  <a:schemeClr val="bg1"/>
+                </a:solidFill>
+                <a:latin typeface="Candara" panose="020E0502030303020204" pitchFamily="34" charset="0"/>
+              </a:rPr>
+              <a:t>che</a:t>
+            </a:r>
+            <a:r>
+              <a:rPr lang="en-US" sz="1400" dirty="0">
+                <a:solidFill>
+                  <a:schemeClr val="bg1"/>
+                </a:solidFill>
+                <a:latin typeface="Candara" panose="020E0502030303020204" pitchFamily="34" charset="0"/>
+              </a:rPr>
+              <a:t> la </a:t>
+            </a:r>
+            <a:r>
+              <a:rPr lang="en-US" sz="1400" dirty="0" err="1">
+                <a:solidFill>
+                  <a:schemeClr val="bg1"/>
+                </a:solidFill>
+                <a:latin typeface="Candara" panose="020E0502030303020204" pitchFamily="34" charset="0"/>
+              </a:rPr>
+              <a:t>tupla</a:t>
+            </a:r>
+            <a:r>
+              <a:rPr lang="en-US" sz="1400" dirty="0">
+                <a:solidFill>
+                  <a:schemeClr val="bg1"/>
+                </a:solidFill>
+                <a:latin typeface="Candara" panose="020E0502030303020204" pitchFamily="34" charset="0"/>
+              </a:rPr>
+              <a:t> </a:t>
+            </a:r>
+            <a:r>
+              <a:rPr lang="en-US" sz="1400" dirty="0" err="1">
+                <a:solidFill>
+                  <a:schemeClr val="bg1"/>
+                </a:solidFill>
+                <a:latin typeface="Candara" panose="020E0502030303020204" pitchFamily="34" charset="0"/>
+              </a:rPr>
+              <a:t>nella</a:t>
+            </a:r>
+            <a:r>
+              <a:rPr lang="en-US" sz="1400" dirty="0">
+                <a:solidFill>
+                  <a:schemeClr val="bg1"/>
+                </a:solidFill>
+                <a:latin typeface="Candara" panose="020E0502030303020204" pitchFamily="34" charset="0"/>
+              </a:rPr>
+              <a:t> forma di C_T(j) in T </a:t>
+            </a:r>
+            <a:r>
+              <a:rPr lang="en-US" sz="1400" dirty="0" err="1">
+                <a:solidFill>
+                  <a:schemeClr val="bg1"/>
+                </a:solidFill>
+                <a:latin typeface="Candara" panose="020E0502030303020204" pitchFamily="34" charset="0"/>
+              </a:rPr>
+              <a:t>diventi</a:t>
+            </a:r>
+            <a:r>
+              <a:rPr lang="en-US" sz="1400" dirty="0">
+                <a:solidFill>
+                  <a:schemeClr val="bg1"/>
+                </a:solidFill>
+                <a:latin typeface="Candara" panose="020E0502030303020204" pitchFamily="34" charset="0"/>
+              </a:rPr>
+              <a:t> C_D(</a:t>
+            </a:r>
+            <a:r>
+              <a:rPr lang="en-US" sz="1400" dirty="0" err="1">
+                <a:solidFill>
+                  <a:schemeClr val="bg1"/>
+                </a:solidFill>
+                <a:latin typeface="Candara" panose="020E0502030303020204" pitchFamily="34" charset="0"/>
+              </a:rPr>
+              <a:t>i</a:t>
+            </a:r>
+            <a:r>
+              <a:rPr lang="en-US" sz="1400" dirty="0">
+                <a:solidFill>
+                  <a:schemeClr val="bg1"/>
+                </a:solidFill>
+                <a:latin typeface="Candara" panose="020E0502030303020204" pitchFamily="34" charset="0"/>
+              </a:rPr>
+              <a:t>) in D</a:t>
+            </a:r>
+          </a:p>
+          <a:p>
+            <a:r>
+              <a:rPr lang="en-US" sz="1400" dirty="0">
+                <a:solidFill>
+                  <a:schemeClr val="bg1"/>
+                </a:solidFill>
+                <a:latin typeface="Candara" panose="020E0502030303020204" pitchFamily="34" charset="0"/>
+              </a:rPr>
+              <a:t>Si </a:t>
+            </a:r>
+            <a:r>
+              <a:rPr lang="en-US" sz="1400" dirty="0" err="1">
+                <a:solidFill>
+                  <a:schemeClr val="bg1"/>
+                </a:solidFill>
+                <a:latin typeface="Candara" panose="020E0502030303020204" pitchFamily="34" charset="0"/>
+              </a:rPr>
+              <a:t>ricava</a:t>
+            </a:r>
+            <a:r>
+              <a:rPr lang="en-US" sz="1400" dirty="0">
+                <a:solidFill>
+                  <a:schemeClr val="bg1"/>
+                </a:solidFill>
+                <a:latin typeface="Candara" panose="020E0502030303020204" pitchFamily="34" charset="0"/>
+              </a:rPr>
+              <a:t> </a:t>
+            </a:r>
+            <a:r>
+              <a:rPr lang="en-US" sz="1400" dirty="0" err="1">
+                <a:solidFill>
+                  <a:schemeClr val="bg1"/>
+                </a:solidFill>
+                <a:latin typeface="Candara" panose="020E0502030303020204" pitchFamily="34" charset="0"/>
+              </a:rPr>
+              <a:t>quindi</a:t>
+            </a:r>
+            <a:r>
+              <a:rPr lang="en-US" sz="1400" dirty="0">
+                <a:solidFill>
+                  <a:schemeClr val="bg1"/>
+                </a:solidFill>
+                <a:latin typeface="Candara" panose="020E0502030303020204" pitchFamily="34" charset="0"/>
+              </a:rPr>
+              <a:t> C_T come:</a:t>
+            </a:r>
+          </a:p>
+          <a:p>
+            <a:endParaRPr lang="en-US" sz="1400" dirty="0">
               <a:solidFill>
                 <a:schemeClr val="bg1"/>
               </a:solidFill>
@@ -8409,7 +10118,7 @@
                 </a:solidFill>
                 <a:latin typeface="Candara" panose="020E0502030303020204" pitchFamily="34" charset="0"/>
               </a:rPr>
-              <a:t>Lorem ipsum dolor sit amet, consectetur adipiscing elit, sed do eiusmod tempor incididunt ut labore et dolore magna aliqua. Ut enim ad minim veniam, quis nostrud exercitation. Lorem ipsum dolor sit amet, consectetur adipiscing elit, sed do eiusmod tempor incididunt ut labore et dolore magna aliqua. Ut enim ad minim veniam, quis nostrud. </a:t>
+              <a:t>C_T = M^-1 * C_D</a:t>
             </a:r>
           </a:p>
         </p:txBody>
@@ -8428,7 +10137,7 @@
         </p:nvSpPr>
         <p:spPr>
           <a:xfrm>
-            <a:off x="7776" y="5073419"/>
+            <a:off x="0" y="5097600"/>
             <a:ext cx="12184224" cy="1771181"/>
           </a:xfrm>
           <a:custGeom>
@@ -8577,8 +10286,8 @@
         </p:nvSpPr>
         <p:spPr>
           <a:xfrm>
-            <a:off x="450775" y="5449714"/>
-            <a:ext cx="10585647" cy="1138773"/>
+            <a:off x="450775" y="5473073"/>
+            <a:ext cx="10585647" cy="307777"/>
           </a:xfrm>
           <a:prstGeom prst="rect">
             <a:avLst/>
@@ -8594,32 +10303,139 @@
           <a:lstStyle/>
           <a:p>
             <a:r>
-              <a:rPr lang="en-US" sz="1600" b="1" dirty="0">
-                <a:solidFill>
-                  <a:schemeClr val="bg1"/>
-                </a:solidFill>
-                <a:latin typeface="Candara" panose="020E0502030303020204" pitchFamily="34" charset="0"/>
-              </a:rPr>
-              <a:t>LOREM IPSUM DOLOR</a:t>
-            </a:r>
-          </a:p>
-          <a:p>
-            <a:endParaRPr lang="en-US" sz="1000" b="1" dirty="0">
-              <a:solidFill>
-                <a:schemeClr val="bg1"/>
-              </a:solidFill>
-              <a:latin typeface="Candara" panose="020E0502030303020204" pitchFamily="34" charset="0"/>
-            </a:endParaRPr>
-          </a:p>
-          <a:p>
-            <a:r>
               <a:rPr lang="en-US" sz="1400" dirty="0">
                 <a:solidFill>
                   <a:schemeClr val="bg1"/>
                 </a:solidFill>
                 <a:latin typeface="Candara" panose="020E0502030303020204" pitchFamily="34" charset="0"/>
               </a:rPr>
-              <a:t>Lorem ipsum dolor sit amet, consectetur adipiscing elit, sed do eiusmod tempor incididunt ut labore et dolore magna aliqua. Ut enim ad minim veniam, quis nostrud exercitation. Lorem ipsum dolor sit amet, consectetur adipiscing elit, sed do eiusmod tempor incididunt ut labore et dolore magna aliqua. Ut enim ad minim veniam, quis nostrud. </a:t>
+              <a:t>Per un </a:t>
+            </a:r>
+            <a:r>
+              <a:rPr lang="en-US" sz="1400" dirty="0" err="1">
+                <a:solidFill>
+                  <a:schemeClr val="bg1"/>
+                </a:solidFill>
+                <a:latin typeface="Candara" panose="020E0502030303020204" pitchFamily="34" charset="0"/>
+              </a:rPr>
+              <a:t>valore</a:t>
+            </a:r>
+            <a:r>
+              <a:rPr lang="en-US" sz="1400" dirty="0">
+                <a:solidFill>
+                  <a:schemeClr val="bg1"/>
+                </a:solidFill>
+                <a:latin typeface="Candara" panose="020E0502030303020204" pitchFamily="34" charset="0"/>
+              </a:rPr>
+              <a:t> </a:t>
+            </a:r>
+            <a:r>
+              <a:rPr lang="en-US" sz="1400" dirty="0" err="1">
+                <a:solidFill>
+                  <a:schemeClr val="bg1"/>
+                </a:solidFill>
+                <a:latin typeface="Candara" panose="020E0502030303020204" pitchFamily="34" charset="0"/>
+              </a:rPr>
+              <a:t>fissato</a:t>
+            </a:r>
+            <a:r>
+              <a:rPr lang="en-US" sz="1400" dirty="0">
+                <a:solidFill>
+                  <a:schemeClr val="bg1"/>
+                </a:solidFill>
+                <a:latin typeface="Candara" panose="020E0502030303020204" pitchFamily="34" charset="0"/>
+              </a:rPr>
+              <a:t> di p e del support </a:t>
+            </a:r>
+            <a:r>
+              <a:rPr lang="en-US" sz="1400" dirty="0" err="1">
+                <a:solidFill>
+                  <a:schemeClr val="bg1"/>
+                </a:solidFill>
+                <a:latin typeface="Candara" panose="020E0502030303020204" pitchFamily="34" charset="0"/>
+              </a:rPr>
+              <a:t>minimo</a:t>
+            </a:r>
+            <a:r>
+              <a:rPr lang="en-US" sz="1400" dirty="0">
+                <a:solidFill>
+                  <a:schemeClr val="bg1"/>
+                </a:solidFill>
+                <a:latin typeface="Candara" panose="020E0502030303020204" pitchFamily="34" charset="0"/>
+              </a:rPr>
+              <a:t>, </a:t>
+            </a:r>
+            <a:r>
+              <a:rPr lang="en-US" sz="1400" dirty="0" err="1">
+                <a:solidFill>
+                  <a:schemeClr val="bg1"/>
+                </a:solidFill>
+                <a:latin typeface="Candara" panose="020E0502030303020204" pitchFamily="34" charset="0"/>
+              </a:rPr>
+              <a:t>vengono</a:t>
+            </a:r>
+            <a:r>
+              <a:rPr lang="en-US" sz="1400" dirty="0">
+                <a:solidFill>
+                  <a:schemeClr val="bg1"/>
+                </a:solidFill>
+                <a:latin typeface="Candara" panose="020E0502030303020204" pitchFamily="34" charset="0"/>
+              </a:rPr>
+              <a:t> </a:t>
+            </a:r>
+            <a:r>
+              <a:rPr lang="en-US" sz="1400" dirty="0" err="1">
+                <a:solidFill>
+                  <a:schemeClr val="bg1"/>
+                </a:solidFill>
+                <a:latin typeface="Candara" panose="020E0502030303020204" pitchFamily="34" charset="0"/>
+              </a:rPr>
+              <a:t>calcolati</a:t>
+            </a:r>
+            <a:r>
+              <a:rPr lang="en-US" sz="1400" dirty="0">
+                <a:solidFill>
+                  <a:schemeClr val="bg1"/>
+                </a:solidFill>
+                <a:latin typeface="Candara" panose="020E0502030303020204" pitchFamily="34" charset="0"/>
+              </a:rPr>
+              <a:t> I </a:t>
+            </a:r>
+            <a:r>
+              <a:rPr lang="en-US" sz="1400" dirty="0" err="1">
+                <a:solidFill>
+                  <a:schemeClr val="bg1"/>
+                </a:solidFill>
+                <a:latin typeface="Candara" panose="020E0502030303020204" pitchFamily="34" charset="0"/>
+              </a:rPr>
+              <a:t>valori</a:t>
+            </a:r>
+            <a:r>
+              <a:rPr lang="en-US" sz="1400" dirty="0">
+                <a:solidFill>
+                  <a:schemeClr val="bg1"/>
+                </a:solidFill>
+                <a:latin typeface="Candara" panose="020E0502030303020204" pitchFamily="34" charset="0"/>
+              </a:rPr>
+              <a:t> di cui sopra per </a:t>
+            </a:r>
+            <a:r>
+              <a:rPr lang="en-US" sz="1400" dirty="0" err="1">
+                <a:solidFill>
+                  <a:schemeClr val="bg1"/>
+                </a:solidFill>
+                <a:latin typeface="Candara" panose="020E0502030303020204" pitchFamily="34" charset="0"/>
+              </a:rPr>
+              <a:t>vari</a:t>
+            </a:r>
+            <a:r>
+              <a:rPr lang="en-US" sz="1400" dirty="0">
+                <a:solidFill>
+                  <a:schemeClr val="bg1"/>
+                </a:solidFill>
+                <a:latin typeface="Candara" panose="020E0502030303020204" pitchFamily="34" charset="0"/>
+              </a:rPr>
+              <a:t> n-itemset</a:t>
             </a:r>
           </a:p>
         </p:txBody>
@@ -10526,17 +12342,11 @@
             <a:pPr algn="ctr"/>
             <a:r>
               <a:rPr lang="en-US" sz="4400" b="1" dirty="0" err="1">
-                <a:solidFill>
-                  <a:srgbClr val="4C4F54"/>
-                </a:solidFill>
                 <a:latin typeface="Candara" panose="020E0502030303020204" pitchFamily="34" charset="0"/>
               </a:rPr>
               <a:t>Problemi</a:t>
             </a:r>
             <a:endParaRPr lang="en-US" sz="4400" b="1" dirty="0">
-              <a:solidFill>
-                <a:srgbClr val="4C4F54"/>
-              </a:solidFill>
               <a:latin typeface="Candara" panose="020E0502030303020204" pitchFamily="34" charset="0"/>
             </a:endParaRPr>
           </a:p>
@@ -10551,7 +12361,7 @@
         <p:spPr>
           <a:xfrm>
             <a:off x="982517" y="1290831"/>
-            <a:ext cx="5256123" cy="744819"/>
+            <a:ext cx="5256123" cy="929485"/>
           </a:xfrm>
           <a:prstGeom prst="rect">
             <a:avLst/>
@@ -10597,6 +12407,17 @@
               <a:defRPr/>
             </a:pPr>
             <a:r>
+              <a:rPr lang="en-US" sz="1200" dirty="0" err="1">
+                <a:solidFill>
+                  <a:schemeClr val="bg2">
+                    <a:lumMod val="10000"/>
+                  </a:schemeClr>
+                </a:solidFill>
+                <a:latin typeface="Candara" panose="020E0502030303020204" pitchFamily="34" charset="0"/>
+              </a:rPr>
+              <a:t>Nonostante</a:t>
+            </a:r>
+            <a:r>
               <a:rPr lang="en-US" sz="1200" dirty="0">
                 <a:solidFill>
                   <a:schemeClr val="bg2">
@@ -10605,7 +12426,337 @@
                 </a:solidFill>
                 <a:latin typeface="Candara" panose="020E0502030303020204" pitchFamily="34" charset="0"/>
               </a:rPr>
-              <a:t>Lorem ipsum dolor sit amet, consectetur adipiscing elit, sed do eiusmod tempor incididunt ut labore et dolore magna aliqua. </a:t>
+              <a:t> </a:t>
+            </a:r>
+            <a:r>
+              <a:rPr lang="en-US" sz="1200" dirty="0" err="1">
+                <a:solidFill>
+                  <a:schemeClr val="bg2">
+                    <a:lumMod val="10000"/>
+                  </a:schemeClr>
+                </a:solidFill>
+                <a:latin typeface="Candara" panose="020E0502030303020204" pitchFamily="34" charset="0"/>
+              </a:rPr>
+              <a:t>il</a:t>
+            </a:r>
+            <a:r>
+              <a:rPr lang="en-US" sz="1200" dirty="0">
+                <a:solidFill>
+                  <a:schemeClr val="bg2">
+                    <a:lumMod val="10000"/>
+                  </a:schemeClr>
+                </a:solidFill>
+                <a:latin typeface="Candara" panose="020E0502030303020204" pitchFamily="34" charset="0"/>
+              </a:rPr>
+              <a:t> </a:t>
+            </a:r>
+            <a:r>
+              <a:rPr lang="en-US" sz="1200" dirty="0" err="1">
+                <a:solidFill>
+                  <a:schemeClr val="bg2">
+                    <a:lumMod val="10000"/>
+                  </a:schemeClr>
+                </a:solidFill>
+                <a:latin typeface="Candara" panose="020E0502030303020204" pitchFamily="34" charset="0"/>
+              </a:rPr>
+              <a:t>metodo</a:t>
+            </a:r>
+            <a:r>
+              <a:rPr lang="en-US" sz="1200" dirty="0">
+                <a:solidFill>
+                  <a:schemeClr val="bg2">
+                    <a:lumMod val="10000"/>
+                  </a:schemeClr>
+                </a:solidFill>
+                <a:latin typeface="Candara" panose="020E0502030303020204" pitchFamily="34" charset="0"/>
+              </a:rPr>
+              <a:t> </a:t>
+            </a:r>
+            <a:r>
+              <a:rPr lang="en-US" sz="1200" dirty="0" err="1">
+                <a:solidFill>
+                  <a:schemeClr val="bg2">
+                    <a:lumMod val="10000"/>
+                  </a:schemeClr>
+                </a:solidFill>
+                <a:latin typeface="Candara" panose="020E0502030303020204" pitchFamily="34" charset="0"/>
+              </a:rPr>
+              <a:t>proposto</a:t>
+            </a:r>
+            <a:r>
+              <a:rPr lang="en-US" sz="1200" dirty="0">
+                <a:solidFill>
+                  <a:schemeClr val="bg2">
+                    <a:lumMod val="10000"/>
+                  </a:schemeClr>
+                </a:solidFill>
+                <a:latin typeface="Candara" panose="020E0502030303020204" pitchFamily="34" charset="0"/>
+              </a:rPr>
+              <a:t> </a:t>
+            </a:r>
+            <a:r>
+              <a:rPr lang="en-US" sz="1200" dirty="0" err="1">
+                <a:solidFill>
+                  <a:schemeClr val="bg2">
+                    <a:lumMod val="10000"/>
+                  </a:schemeClr>
+                </a:solidFill>
+                <a:latin typeface="Candara" panose="020E0502030303020204" pitchFamily="34" charset="0"/>
+              </a:rPr>
+              <a:t>sia</a:t>
+            </a:r>
+            <a:r>
+              <a:rPr lang="en-US" sz="1200" dirty="0">
+                <a:solidFill>
+                  <a:schemeClr val="bg2">
+                    <a:lumMod val="10000"/>
+                  </a:schemeClr>
+                </a:solidFill>
+                <a:latin typeface="Candara" panose="020E0502030303020204" pitchFamily="34" charset="0"/>
+              </a:rPr>
+              <a:t> </a:t>
+            </a:r>
+            <a:r>
+              <a:rPr lang="en-US" sz="1200" dirty="0" err="1">
+                <a:solidFill>
+                  <a:schemeClr val="bg2">
+                    <a:lumMod val="10000"/>
+                  </a:schemeClr>
+                </a:solidFill>
+                <a:latin typeface="Candara" panose="020E0502030303020204" pitchFamily="34" charset="0"/>
+              </a:rPr>
+              <a:t>lineare</a:t>
+            </a:r>
+            <a:r>
+              <a:rPr lang="en-US" sz="1200" dirty="0">
+                <a:solidFill>
+                  <a:schemeClr val="bg2">
+                    <a:lumMod val="10000"/>
+                  </a:schemeClr>
+                </a:solidFill>
+                <a:latin typeface="Candara" panose="020E0502030303020204" pitchFamily="34" charset="0"/>
+              </a:rPr>
+              <a:t>, </a:t>
+            </a:r>
+            <a:r>
+              <a:rPr lang="en-US" sz="1200" dirty="0" err="1">
+                <a:solidFill>
+                  <a:schemeClr val="bg2">
+                    <a:lumMod val="10000"/>
+                  </a:schemeClr>
+                </a:solidFill>
+                <a:latin typeface="Candara" panose="020E0502030303020204" pitchFamily="34" charset="0"/>
+              </a:rPr>
+              <a:t>algebricamente</a:t>
+            </a:r>
+            <a:r>
+              <a:rPr lang="en-US" sz="1200" dirty="0">
+                <a:solidFill>
+                  <a:schemeClr val="bg2">
+                    <a:lumMod val="10000"/>
+                  </a:schemeClr>
+                </a:solidFill>
+                <a:latin typeface="Candara" panose="020E0502030303020204" pitchFamily="34" charset="0"/>
+              </a:rPr>
+              <a:t> </a:t>
+            </a:r>
+            <a:r>
+              <a:rPr lang="en-US" sz="1200" dirty="0" err="1">
+                <a:solidFill>
+                  <a:schemeClr val="bg2">
+                    <a:lumMod val="10000"/>
+                  </a:schemeClr>
+                </a:solidFill>
+                <a:latin typeface="Candara" panose="020E0502030303020204" pitchFamily="34" charset="0"/>
+              </a:rPr>
+              <a:t>otteniamo</a:t>
+            </a:r>
+            <a:r>
+              <a:rPr lang="en-US" sz="1200" dirty="0">
+                <a:solidFill>
+                  <a:schemeClr val="bg2">
+                    <a:lumMod val="10000"/>
+                  </a:schemeClr>
+                </a:solidFill>
+                <a:latin typeface="Candara" panose="020E0502030303020204" pitchFamily="34" charset="0"/>
+              </a:rPr>
+              <a:t> </a:t>
+            </a:r>
+            <a:r>
+              <a:rPr lang="en-US" sz="1200" dirty="0" err="1">
+                <a:solidFill>
+                  <a:schemeClr val="bg2">
+                    <a:lumMod val="10000"/>
+                  </a:schemeClr>
+                </a:solidFill>
+                <a:latin typeface="Candara" panose="020E0502030303020204" pitchFamily="34" charset="0"/>
+              </a:rPr>
+              <a:t>risultati</a:t>
+            </a:r>
+            <a:r>
+              <a:rPr lang="en-US" sz="1200" dirty="0">
+                <a:solidFill>
+                  <a:schemeClr val="bg2">
+                    <a:lumMod val="10000"/>
+                  </a:schemeClr>
+                </a:solidFill>
+                <a:latin typeface="Candara" panose="020E0502030303020204" pitchFamily="34" charset="0"/>
+              </a:rPr>
+              <a:t> </a:t>
+            </a:r>
+            <a:r>
+              <a:rPr lang="en-US" sz="1200" dirty="0" err="1">
+                <a:solidFill>
+                  <a:schemeClr val="bg2">
+                    <a:lumMod val="10000"/>
+                  </a:schemeClr>
+                </a:solidFill>
+                <a:latin typeface="Candara" panose="020E0502030303020204" pitchFamily="34" charset="0"/>
+              </a:rPr>
+              <a:t>scorretti</a:t>
+            </a:r>
+            <a:r>
+              <a:rPr lang="en-US" sz="1200" dirty="0">
+                <a:solidFill>
+                  <a:schemeClr val="bg2">
+                    <a:lumMod val="10000"/>
+                  </a:schemeClr>
+                </a:solidFill>
+                <a:latin typeface="Candara" panose="020E0502030303020204" pitchFamily="34" charset="0"/>
+              </a:rPr>
+              <a:t> con </a:t>
+            </a:r>
+            <a:r>
+              <a:rPr lang="en-US" sz="1200" dirty="0" err="1">
+                <a:solidFill>
+                  <a:schemeClr val="bg2">
+                    <a:lumMod val="10000"/>
+                  </a:schemeClr>
+                </a:solidFill>
+                <a:latin typeface="Candara" panose="020E0502030303020204" pitchFamily="34" charset="0"/>
+              </a:rPr>
+              <a:t>valori</a:t>
+            </a:r>
+            <a:r>
+              <a:rPr lang="en-US" sz="1200" dirty="0">
+                <a:solidFill>
+                  <a:schemeClr val="bg2">
+                    <a:lumMod val="10000"/>
+                  </a:schemeClr>
+                </a:solidFill>
+                <a:latin typeface="Candara" panose="020E0502030303020204" pitchFamily="34" charset="0"/>
+              </a:rPr>
+              <a:t> o </a:t>
+            </a:r>
+            <a:r>
+              <a:rPr lang="en-US" sz="1200" dirty="0" err="1">
+                <a:solidFill>
+                  <a:schemeClr val="bg2">
+                    <a:lumMod val="10000"/>
+                  </a:schemeClr>
+                </a:solidFill>
+                <a:latin typeface="Candara" panose="020E0502030303020204" pitchFamily="34" charset="0"/>
+              </a:rPr>
+              <a:t>troppo</a:t>
+            </a:r>
+            <a:r>
+              <a:rPr lang="en-US" sz="1200" dirty="0">
+                <a:solidFill>
+                  <a:schemeClr val="bg2">
+                    <a:lumMod val="10000"/>
+                  </a:schemeClr>
+                </a:solidFill>
+                <a:latin typeface="Candara" panose="020E0502030303020204" pitchFamily="34" charset="0"/>
+              </a:rPr>
+              <a:t> </a:t>
+            </a:r>
+            <a:r>
+              <a:rPr lang="en-US" sz="1200" dirty="0" err="1">
+                <a:solidFill>
+                  <a:schemeClr val="bg2">
+                    <a:lumMod val="10000"/>
+                  </a:schemeClr>
+                </a:solidFill>
+                <a:latin typeface="Candara" panose="020E0502030303020204" pitchFamily="34" charset="0"/>
+              </a:rPr>
+              <a:t>grandi</a:t>
+            </a:r>
+            <a:r>
+              <a:rPr lang="en-US" sz="1200" dirty="0">
+                <a:solidFill>
+                  <a:schemeClr val="bg2">
+                    <a:lumMod val="10000"/>
+                  </a:schemeClr>
+                </a:solidFill>
+                <a:latin typeface="Candara" panose="020E0502030303020204" pitchFamily="34" charset="0"/>
+              </a:rPr>
+              <a:t> rispetto al dataset o, </a:t>
+            </a:r>
+            <a:r>
+              <a:rPr lang="en-US" sz="1200" dirty="0" err="1">
+                <a:solidFill>
+                  <a:schemeClr val="bg2">
+                    <a:lumMod val="10000"/>
+                  </a:schemeClr>
+                </a:solidFill>
+                <a:latin typeface="Candara" panose="020E0502030303020204" pitchFamily="34" charset="0"/>
+              </a:rPr>
+              <a:t>addirittura</a:t>
+            </a:r>
+            <a:r>
+              <a:rPr lang="en-US" sz="1200" dirty="0">
+                <a:solidFill>
+                  <a:schemeClr val="bg2">
+                    <a:lumMod val="10000"/>
+                  </a:schemeClr>
+                </a:solidFill>
+                <a:latin typeface="Candara" panose="020E0502030303020204" pitchFamily="34" charset="0"/>
+              </a:rPr>
+              <a:t> </a:t>
+            </a:r>
+            <a:r>
+              <a:rPr lang="en-US" sz="1200" dirty="0" err="1">
+                <a:solidFill>
+                  <a:schemeClr val="bg2">
+                    <a:lumMod val="10000"/>
+                  </a:schemeClr>
+                </a:solidFill>
+                <a:latin typeface="Candara" panose="020E0502030303020204" pitchFamily="34" charset="0"/>
+              </a:rPr>
+              <a:t>negativi</a:t>
+            </a:r>
+            <a:r>
+              <a:rPr lang="en-US" sz="1200" dirty="0">
+                <a:solidFill>
+                  <a:schemeClr val="bg2">
+                    <a:lumMod val="10000"/>
+                  </a:schemeClr>
+                </a:solidFill>
+                <a:latin typeface="Candara" panose="020E0502030303020204" pitchFamily="34" charset="0"/>
+              </a:rPr>
+              <a:t>, per </a:t>
+            </a:r>
+            <a:r>
+              <a:rPr lang="en-US" sz="1200" dirty="0" err="1">
+                <a:solidFill>
+                  <a:schemeClr val="bg2">
+                    <a:lumMod val="10000"/>
+                  </a:schemeClr>
+                </a:solidFill>
+                <a:latin typeface="Candara" panose="020E0502030303020204" pitchFamily="34" charset="0"/>
+              </a:rPr>
+              <a:t>qualunque</a:t>
+            </a:r>
+            <a:r>
+              <a:rPr lang="en-US" sz="1200" dirty="0">
+                <a:solidFill>
+                  <a:schemeClr val="bg2">
+                    <a:lumMod val="10000"/>
+                  </a:schemeClr>
+                </a:solidFill>
+                <a:latin typeface="Candara" panose="020E0502030303020204" pitchFamily="34" charset="0"/>
+              </a:rPr>
+              <a:t> n-itemset. </a:t>
             </a:r>
           </a:p>
         </p:txBody>
@@ -10661,7 +12812,7 @@
         <p:spPr>
           <a:xfrm>
             <a:off x="982517" y="2216559"/>
-            <a:ext cx="5256123" cy="744819"/>
+            <a:ext cx="5256123" cy="929485"/>
           </a:xfrm>
           <a:prstGeom prst="rect">
             <a:avLst/>
@@ -10687,7 +12838,7 @@
                 </a:solidFill>
                 <a:latin typeface="Candara" panose="020E0502030303020204" pitchFamily="34" charset="0"/>
               </a:rPr>
-              <a:t>Pesantezza</a:t>
+              <a:t>Calcolo</a:t>
             </a:r>
             <a:r>
               <a:rPr lang="en-US" sz="1600" b="1" dirty="0">
@@ -10696,16 +12847,7 @@
                 </a:solidFill>
                 <a:latin typeface="Candara" panose="020E0502030303020204" pitchFamily="34" charset="0"/>
               </a:rPr>
-              <a:t> </a:t>
-            </a:r>
-            <a:r>
-              <a:rPr lang="en-US" sz="1600" b="1" dirty="0" err="1">
-                <a:solidFill>
-                  <a:srgbClr val="189A80"/>
-                </a:solidFill>
-                <a:latin typeface="Candara" panose="020E0502030303020204" pitchFamily="34" charset="0"/>
-              </a:rPr>
-              <a:t>calcoli</a:t>
+              <a:t> actual support</a:t>
             </a:r>
             <a:endParaRPr lang="en-US" sz="1600" b="1" dirty="0">
               <a:solidFill>
@@ -10730,7 +12872,447 @@
                 </a:solidFill>
                 <a:latin typeface="Candara" panose="020E0502030303020204" pitchFamily="34" charset="0"/>
               </a:rPr>
-              <a:t>Lorem ipsum dolor sit amet, consectetur adipiscing elit, sed do eiusmod tempor incididunt ut labore et dolore magna aliqua. </a:t>
+              <a:t>Per un dataset </a:t>
+            </a:r>
+            <a:r>
+              <a:rPr lang="en-US" sz="1200" dirty="0" err="1">
+                <a:solidFill>
+                  <a:schemeClr val="bg2">
+                    <a:lumMod val="10000"/>
+                  </a:schemeClr>
+                </a:solidFill>
+                <a:latin typeface="Candara" panose="020E0502030303020204" pitchFamily="34" charset="0"/>
+              </a:rPr>
+              <a:t>sparso</a:t>
+            </a:r>
+            <a:r>
+              <a:rPr lang="en-US" sz="1200" dirty="0">
+                <a:solidFill>
+                  <a:schemeClr val="bg2">
+                    <a:lumMod val="10000"/>
+                  </a:schemeClr>
+                </a:solidFill>
+                <a:latin typeface="Candara" panose="020E0502030303020204" pitchFamily="34" charset="0"/>
+              </a:rPr>
+              <a:t>, </a:t>
+            </a:r>
+            <a:r>
+              <a:rPr lang="en-US" sz="1200" dirty="0" err="1">
+                <a:solidFill>
+                  <a:schemeClr val="bg2">
+                    <a:lumMod val="10000"/>
+                  </a:schemeClr>
+                </a:solidFill>
+                <a:latin typeface="Candara" panose="020E0502030303020204" pitchFamily="34" charset="0"/>
+              </a:rPr>
+              <a:t>già</a:t>
+            </a:r>
+            <a:r>
+              <a:rPr lang="en-US" sz="1200" dirty="0">
+                <a:solidFill>
+                  <a:schemeClr val="bg2">
+                    <a:lumMod val="10000"/>
+                  </a:schemeClr>
+                </a:solidFill>
+                <a:latin typeface="Candara" panose="020E0502030303020204" pitchFamily="34" charset="0"/>
+              </a:rPr>
+              <a:t> </a:t>
+            </a:r>
+            <a:r>
+              <a:rPr lang="en-US" sz="1200" dirty="0" err="1">
+                <a:solidFill>
+                  <a:schemeClr val="bg2">
+                    <a:lumMod val="10000"/>
+                  </a:schemeClr>
+                </a:solidFill>
+                <a:latin typeface="Candara" panose="020E0502030303020204" pitchFamily="34" charset="0"/>
+              </a:rPr>
+              <a:t>considerando</a:t>
+            </a:r>
+            <a:r>
+              <a:rPr lang="en-US" sz="1200" dirty="0">
+                <a:solidFill>
+                  <a:schemeClr val="bg2">
+                    <a:lumMod val="10000"/>
+                  </a:schemeClr>
+                </a:solidFill>
+                <a:latin typeface="Candara" panose="020E0502030303020204" pitchFamily="34" charset="0"/>
+              </a:rPr>
+              <a:t> </a:t>
+            </a:r>
+            <a:r>
+              <a:rPr lang="en-US" sz="1200" dirty="0" err="1">
+                <a:solidFill>
+                  <a:schemeClr val="bg2">
+                    <a:lumMod val="10000"/>
+                  </a:schemeClr>
+                </a:solidFill>
+                <a:latin typeface="Candara" panose="020E0502030303020204" pitchFamily="34" charset="0"/>
+              </a:rPr>
+              <a:t>il</a:t>
+            </a:r>
+            <a:r>
+              <a:rPr lang="en-US" sz="1200" dirty="0">
+                <a:solidFill>
+                  <a:schemeClr val="bg2">
+                    <a:lumMod val="10000"/>
+                  </a:schemeClr>
+                </a:solidFill>
+                <a:latin typeface="Candara" panose="020E0502030303020204" pitchFamily="34" charset="0"/>
+              </a:rPr>
+              <a:t> </a:t>
+            </a:r>
+            <a:r>
+              <a:rPr lang="en-US" sz="1200" dirty="0" err="1">
+                <a:solidFill>
+                  <a:schemeClr val="bg2">
+                    <a:lumMod val="10000"/>
+                  </a:schemeClr>
+                </a:solidFill>
+                <a:latin typeface="Candara" panose="020E0502030303020204" pitchFamily="34" charset="0"/>
+              </a:rPr>
+              <a:t>caso</a:t>
+            </a:r>
+            <a:r>
+              <a:rPr lang="en-US" sz="1200" dirty="0">
+                <a:solidFill>
+                  <a:schemeClr val="bg2">
+                    <a:lumMod val="10000"/>
+                  </a:schemeClr>
+                </a:solidFill>
+                <a:latin typeface="Candara" panose="020E0502030303020204" pitchFamily="34" charset="0"/>
+              </a:rPr>
+              <a:t> per 2-itemset, capita </a:t>
+            </a:r>
+            <a:r>
+              <a:rPr lang="en-US" sz="1200" dirty="0" err="1">
+                <a:solidFill>
+                  <a:schemeClr val="bg2">
+                    <a:lumMod val="10000"/>
+                  </a:schemeClr>
+                </a:solidFill>
+                <a:latin typeface="Candara" panose="020E0502030303020204" pitchFamily="34" charset="0"/>
+              </a:rPr>
+              <a:t>che</a:t>
+            </a:r>
+            <a:r>
+              <a:rPr lang="en-US" sz="1200" dirty="0">
+                <a:solidFill>
+                  <a:schemeClr val="bg2">
+                    <a:lumMod val="10000"/>
+                  </a:schemeClr>
+                </a:solidFill>
+                <a:latin typeface="Candara" panose="020E0502030303020204" pitchFamily="34" charset="0"/>
+              </a:rPr>
+              <a:t> </a:t>
+            </a:r>
+            <a:r>
+              <a:rPr lang="en-US" sz="1200" dirty="0" err="1">
+                <a:solidFill>
+                  <a:schemeClr val="bg2">
+                    <a:lumMod val="10000"/>
+                  </a:schemeClr>
+                </a:solidFill>
+                <a:latin typeface="Candara" panose="020E0502030303020204" pitchFamily="34" charset="0"/>
+              </a:rPr>
+              <a:t>l’actual</a:t>
+            </a:r>
+            <a:r>
+              <a:rPr lang="en-US" sz="1200" dirty="0">
+                <a:solidFill>
+                  <a:schemeClr val="bg2">
+                    <a:lumMod val="10000"/>
+                  </a:schemeClr>
+                </a:solidFill>
+                <a:latin typeface="Candara" panose="020E0502030303020204" pitchFamily="34" charset="0"/>
+              </a:rPr>
+              <a:t> support </a:t>
+            </a:r>
+            <a:r>
+              <a:rPr lang="en-US" sz="1200" dirty="0" err="1">
+                <a:solidFill>
+                  <a:schemeClr val="bg2">
+                    <a:lumMod val="10000"/>
+                  </a:schemeClr>
+                </a:solidFill>
+                <a:latin typeface="Candara" panose="020E0502030303020204" pitchFamily="34" charset="0"/>
+              </a:rPr>
+              <a:t>ottenuto</a:t>
+            </a:r>
+            <a:r>
+              <a:rPr lang="en-US" sz="1200" dirty="0">
+                <a:solidFill>
+                  <a:schemeClr val="bg2">
+                    <a:lumMod val="10000"/>
+                  </a:schemeClr>
+                </a:solidFill>
+                <a:latin typeface="Candara" panose="020E0502030303020204" pitchFamily="34" charset="0"/>
+              </a:rPr>
+              <a:t> </a:t>
+            </a:r>
+            <a:r>
+              <a:rPr lang="en-US" sz="1200" dirty="0" err="1">
+                <a:solidFill>
+                  <a:schemeClr val="bg2">
+                    <a:lumMod val="10000"/>
+                  </a:schemeClr>
+                </a:solidFill>
+                <a:latin typeface="Candara" panose="020E0502030303020204" pitchFamily="34" charset="0"/>
+              </a:rPr>
+              <a:t>abbia</a:t>
+            </a:r>
+            <a:r>
+              <a:rPr lang="en-US" sz="1200" dirty="0">
+                <a:solidFill>
+                  <a:schemeClr val="bg2">
+                    <a:lumMod val="10000"/>
+                  </a:schemeClr>
+                </a:solidFill>
+                <a:latin typeface="Candara" panose="020E0502030303020204" pitchFamily="34" charset="0"/>
+              </a:rPr>
+              <a:t> </a:t>
+            </a:r>
+            <a:r>
+              <a:rPr lang="en-US" sz="1200" dirty="0" err="1">
+                <a:solidFill>
+                  <a:schemeClr val="bg2">
+                    <a:lumMod val="10000"/>
+                  </a:schemeClr>
+                </a:solidFill>
+                <a:latin typeface="Candara" panose="020E0502030303020204" pitchFamily="34" charset="0"/>
+              </a:rPr>
+              <a:t>valore</a:t>
+            </a:r>
+            <a:r>
+              <a:rPr lang="en-US" sz="1200" dirty="0">
+                <a:solidFill>
+                  <a:schemeClr val="bg2">
+                    <a:lumMod val="10000"/>
+                  </a:schemeClr>
+                </a:solidFill>
+                <a:latin typeface="Candara" panose="020E0502030303020204" pitchFamily="34" charset="0"/>
+              </a:rPr>
+              <a:t> </a:t>
+            </a:r>
+            <a:r>
+              <a:rPr lang="en-US" sz="1200" dirty="0" err="1">
+                <a:solidFill>
+                  <a:schemeClr val="bg2">
+                    <a:lumMod val="10000"/>
+                  </a:schemeClr>
+                </a:solidFill>
+                <a:latin typeface="Candara" panose="020E0502030303020204" pitchFamily="34" charset="0"/>
+              </a:rPr>
+              <a:t>pari</a:t>
+            </a:r>
+            <a:r>
+              <a:rPr lang="en-US" sz="1200" dirty="0">
+                <a:solidFill>
+                  <a:schemeClr val="bg2">
+                    <a:lumMod val="10000"/>
+                  </a:schemeClr>
+                </a:solidFill>
+                <a:latin typeface="Candara" panose="020E0502030303020204" pitchFamily="34" charset="0"/>
+              </a:rPr>
+              <a:t> a zero, </a:t>
+            </a:r>
+            <a:r>
+              <a:rPr lang="en-US" sz="1200" dirty="0" err="1">
+                <a:solidFill>
+                  <a:schemeClr val="bg2">
+                    <a:lumMod val="10000"/>
+                  </a:schemeClr>
+                </a:solidFill>
+                <a:latin typeface="Candara" panose="020E0502030303020204" pitchFamily="34" charset="0"/>
+              </a:rPr>
+              <a:t>creando</a:t>
+            </a:r>
+            <a:r>
+              <a:rPr lang="en-US" sz="1200" dirty="0">
+                <a:solidFill>
+                  <a:schemeClr val="bg2">
+                    <a:lumMod val="10000"/>
+                  </a:schemeClr>
+                </a:solidFill>
+                <a:latin typeface="Candara" panose="020E0502030303020204" pitchFamily="34" charset="0"/>
+              </a:rPr>
+              <a:t> </a:t>
+            </a:r>
+            <a:r>
+              <a:rPr lang="en-US" sz="1200" dirty="0" err="1">
+                <a:solidFill>
+                  <a:schemeClr val="bg2">
+                    <a:lumMod val="10000"/>
+                  </a:schemeClr>
+                </a:solidFill>
+                <a:latin typeface="Candara" panose="020E0502030303020204" pitchFamily="34" charset="0"/>
+              </a:rPr>
+              <a:t>problemi</a:t>
+            </a:r>
+            <a:r>
+              <a:rPr lang="en-US" sz="1200" dirty="0">
+                <a:solidFill>
+                  <a:schemeClr val="bg2">
+                    <a:lumMod val="10000"/>
+                  </a:schemeClr>
+                </a:solidFill>
+                <a:latin typeface="Candara" panose="020E0502030303020204" pitchFamily="34" charset="0"/>
+              </a:rPr>
+              <a:t> </a:t>
+            </a:r>
+            <a:r>
+              <a:rPr lang="en-US" sz="1200" dirty="0" err="1">
+                <a:solidFill>
+                  <a:schemeClr val="bg2">
+                    <a:lumMod val="10000"/>
+                  </a:schemeClr>
+                </a:solidFill>
+                <a:latin typeface="Candara" panose="020E0502030303020204" pitchFamily="34" charset="0"/>
+              </a:rPr>
+              <a:t>algebrici</a:t>
+            </a:r>
+            <a:r>
+              <a:rPr lang="en-US" sz="1200" dirty="0">
+                <a:solidFill>
+                  <a:schemeClr val="bg2">
+                    <a:lumMod val="10000"/>
+                  </a:schemeClr>
+                </a:solidFill>
+                <a:latin typeface="Candara" panose="020E0502030303020204" pitchFamily="34" charset="0"/>
+              </a:rPr>
+              <a:t> </a:t>
+            </a:r>
+            <a:r>
+              <a:rPr lang="en-US" sz="1200" dirty="0" err="1">
+                <a:solidFill>
+                  <a:schemeClr val="bg2">
+                    <a:lumMod val="10000"/>
+                  </a:schemeClr>
+                </a:solidFill>
+                <a:latin typeface="Candara" panose="020E0502030303020204" pitchFamily="34" charset="0"/>
+              </a:rPr>
+              <a:t>dovuti</a:t>
+            </a:r>
+            <a:r>
+              <a:rPr lang="en-US" sz="1200" dirty="0">
+                <a:solidFill>
+                  <a:schemeClr val="bg2">
+                    <a:lumMod val="10000"/>
+                  </a:schemeClr>
+                </a:solidFill>
+                <a:latin typeface="Candara" panose="020E0502030303020204" pitchFamily="34" charset="0"/>
+              </a:rPr>
+              <a:t> </a:t>
+            </a:r>
+            <a:r>
+              <a:rPr lang="en-US" sz="1200" dirty="0" err="1">
+                <a:solidFill>
+                  <a:schemeClr val="bg2">
+                    <a:lumMod val="10000"/>
+                  </a:schemeClr>
+                </a:solidFill>
+                <a:latin typeface="Candara" panose="020E0502030303020204" pitchFamily="34" charset="0"/>
+              </a:rPr>
+              <a:t>alla</a:t>
+            </a:r>
+            <a:r>
+              <a:rPr lang="en-US" sz="1200" dirty="0">
+                <a:solidFill>
+                  <a:schemeClr val="bg2">
+                    <a:lumMod val="10000"/>
+                  </a:schemeClr>
+                </a:solidFill>
+                <a:latin typeface="Candara" panose="020E0502030303020204" pitchFamily="34" charset="0"/>
+              </a:rPr>
+              <a:t> </a:t>
+            </a:r>
+            <a:r>
+              <a:rPr lang="en-US" sz="1200" dirty="0" err="1">
+                <a:solidFill>
+                  <a:schemeClr val="bg2">
+                    <a:lumMod val="10000"/>
+                  </a:schemeClr>
+                </a:solidFill>
+                <a:latin typeface="Candara" panose="020E0502030303020204" pitchFamily="34" charset="0"/>
+              </a:rPr>
+              <a:t>divisione</a:t>
+            </a:r>
+            <a:r>
+              <a:rPr lang="en-US" sz="1200" dirty="0">
+                <a:solidFill>
+                  <a:schemeClr val="bg2">
+                    <a:lumMod val="10000"/>
+                  </a:schemeClr>
+                </a:solidFill>
+                <a:latin typeface="Candara" panose="020E0502030303020204" pitchFamily="34" charset="0"/>
+              </a:rPr>
+              <a:t> </a:t>
+            </a:r>
+            <a:r>
+              <a:rPr lang="en-US" sz="1200" dirty="0" err="1">
+                <a:solidFill>
+                  <a:schemeClr val="bg2">
+                    <a:lumMod val="10000"/>
+                  </a:schemeClr>
+                </a:solidFill>
+                <a:latin typeface="Candara" panose="020E0502030303020204" pitchFamily="34" charset="0"/>
+              </a:rPr>
+              <a:t>presente</a:t>
+            </a:r>
+            <a:r>
+              <a:rPr lang="en-US" sz="1200" dirty="0">
+                <a:solidFill>
+                  <a:schemeClr val="bg2">
+                    <a:lumMod val="10000"/>
+                  </a:schemeClr>
+                </a:solidFill>
+                <a:latin typeface="Candara" panose="020E0502030303020204" pitchFamily="34" charset="0"/>
+              </a:rPr>
+              <a:t> </a:t>
+            </a:r>
+            <a:r>
+              <a:rPr lang="en-US" sz="1200" dirty="0" err="1">
+                <a:solidFill>
+                  <a:schemeClr val="bg2">
+                    <a:lumMod val="10000"/>
+                  </a:schemeClr>
+                </a:solidFill>
+                <a:latin typeface="Candara" panose="020E0502030303020204" pitchFamily="34" charset="0"/>
+              </a:rPr>
+              <a:t>nella</a:t>
+            </a:r>
+            <a:r>
+              <a:rPr lang="en-US" sz="1200" dirty="0">
+                <a:solidFill>
+                  <a:schemeClr val="bg2">
+                    <a:lumMod val="10000"/>
+                  </a:schemeClr>
+                </a:solidFill>
+                <a:latin typeface="Candara" panose="020E0502030303020204" pitchFamily="34" charset="0"/>
+              </a:rPr>
+              <a:t> formula di cui al </a:t>
+            </a:r>
+            <a:r>
+              <a:rPr lang="en-US" sz="1200" dirty="0" err="1">
+                <a:solidFill>
+                  <a:schemeClr val="bg2">
+                    <a:lumMod val="10000"/>
+                  </a:schemeClr>
+                </a:solidFill>
+                <a:latin typeface="Candara" panose="020E0502030303020204" pitchFamily="34" charset="0"/>
+              </a:rPr>
+              <a:t>paragrafo</a:t>
+            </a:r>
+            <a:r>
+              <a:rPr lang="en-US" sz="1200" dirty="0">
+                <a:solidFill>
+                  <a:schemeClr val="bg2">
+                    <a:lumMod val="10000"/>
+                  </a:schemeClr>
+                </a:solidFill>
+                <a:latin typeface="Candara" panose="020E0502030303020204" pitchFamily="34" charset="0"/>
+              </a:rPr>
+              <a:t> 6.3.</a:t>
             </a:r>
           </a:p>
         </p:txBody>
@@ -10750,7 +13332,7 @@
         <p:spPr>
           <a:xfrm>
             <a:off x="982516" y="3151804"/>
-            <a:ext cx="5256123" cy="744819"/>
+            <a:ext cx="5256123" cy="929485"/>
           </a:xfrm>
           <a:prstGeom prst="rect">
             <a:avLst/>
@@ -10776,7 +13358,7 @@
                 </a:solidFill>
                 <a:latin typeface="Candara" panose="020E0502030303020204" pitchFamily="34" charset="0"/>
               </a:rPr>
-              <a:t>Dataset </a:t>
+              <a:t>Tempi di </a:t>
             </a:r>
             <a:r>
               <a:rPr lang="en-US" sz="1600" b="1" dirty="0" err="1">
@@ -10785,7 +13367,7 @@
                 </a:solidFill>
                 <a:latin typeface="Candara" panose="020E0502030303020204" pitchFamily="34" charset="0"/>
               </a:rPr>
-              <a:t>randomico</a:t>
+              <a:t>computazione</a:t>
             </a:r>
             <a:endParaRPr lang="en-US" sz="1600" b="1" dirty="0">
               <a:solidFill>
@@ -10802,6 +13384,17 @@
               <a:defRPr/>
             </a:pPr>
             <a:r>
+              <a:rPr lang="en-US" sz="1200" dirty="0" err="1">
+                <a:solidFill>
+                  <a:schemeClr val="bg2">
+                    <a:lumMod val="10000"/>
+                  </a:schemeClr>
+                </a:solidFill>
+                <a:latin typeface="Candara" panose="020E0502030303020204" pitchFamily="34" charset="0"/>
+              </a:rPr>
+              <a:t>Anche</a:t>
+            </a:r>
+            <a:r>
               <a:rPr lang="en-US" sz="1200" dirty="0">
                 <a:solidFill>
                   <a:schemeClr val="bg2">
@@ -10810,7 +13403,359 @@
                 </a:solidFill>
                 <a:latin typeface="Candara" panose="020E0502030303020204" pitchFamily="34" charset="0"/>
               </a:rPr>
-              <a:t>Lorem ipsum dolor sit amet, consectetur adipiscing elit, sed do eiusmod tempor incididunt ut labore et dolore magna aliqua. </a:t>
+              <a:t> con un dataset molto </a:t>
+            </a:r>
+            <a:r>
+              <a:rPr lang="en-US" sz="1200" dirty="0" err="1">
+                <a:solidFill>
+                  <a:schemeClr val="bg2">
+                    <a:lumMod val="10000"/>
+                  </a:schemeClr>
+                </a:solidFill>
+                <a:latin typeface="Candara" panose="020E0502030303020204" pitchFamily="34" charset="0"/>
+              </a:rPr>
+              <a:t>ridotto</a:t>
+            </a:r>
+            <a:r>
+              <a:rPr lang="en-US" sz="1200" dirty="0">
+                <a:solidFill>
+                  <a:schemeClr val="bg2">
+                    <a:lumMod val="10000"/>
+                  </a:schemeClr>
+                </a:solidFill>
+                <a:latin typeface="Candara" panose="020E0502030303020204" pitchFamily="34" charset="0"/>
+              </a:rPr>
+              <a:t> quale </a:t>
+            </a:r>
+            <a:r>
+              <a:rPr lang="en-US" sz="1200" dirty="0" err="1">
+                <a:solidFill>
+                  <a:schemeClr val="bg2">
+                    <a:lumMod val="10000"/>
+                  </a:schemeClr>
+                </a:solidFill>
+                <a:latin typeface="Candara" panose="020E0502030303020204" pitchFamily="34" charset="0"/>
+              </a:rPr>
+              <a:t>quello</a:t>
+            </a:r>
+            <a:r>
+              <a:rPr lang="en-US" sz="1200" dirty="0">
+                <a:solidFill>
+                  <a:schemeClr val="bg2">
+                    <a:lumMod val="10000"/>
+                  </a:schemeClr>
+                </a:solidFill>
+                <a:latin typeface="Candara" panose="020E0502030303020204" pitchFamily="34" charset="0"/>
+              </a:rPr>
+              <a:t> </a:t>
+            </a:r>
+            <a:r>
+              <a:rPr lang="en-US" sz="1200" dirty="0" err="1">
+                <a:solidFill>
+                  <a:schemeClr val="bg2">
+                    <a:lumMod val="10000"/>
+                  </a:schemeClr>
+                </a:solidFill>
+                <a:latin typeface="Candara" panose="020E0502030303020204" pitchFamily="34" charset="0"/>
+              </a:rPr>
+              <a:t>considerato</a:t>
+            </a:r>
+            <a:r>
+              <a:rPr lang="en-US" sz="1200" dirty="0">
+                <a:solidFill>
+                  <a:schemeClr val="bg2">
+                    <a:lumMod val="10000"/>
+                  </a:schemeClr>
+                </a:solidFill>
+                <a:latin typeface="Candara" panose="020E0502030303020204" pitchFamily="34" charset="0"/>
+              </a:rPr>
+              <a:t>, </a:t>
+            </a:r>
+            <a:r>
+              <a:rPr lang="en-US" sz="1200" dirty="0" err="1">
+                <a:solidFill>
+                  <a:schemeClr val="bg2">
+                    <a:lumMod val="10000"/>
+                  </a:schemeClr>
+                </a:solidFill>
+                <a:latin typeface="Candara" panose="020E0502030303020204" pitchFamily="34" charset="0"/>
+              </a:rPr>
+              <a:t>i</a:t>
+            </a:r>
+            <a:r>
+              <a:rPr lang="en-US" sz="1200" dirty="0">
+                <a:solidFill>
+                  <a:schemeClr val="bg2">
+                    <a:lumMod val="10000"/>
+                  </a:schemeClr>
+                </a:solidFill>
+                <a:latin typeface="Candara" panose="020E0502030303020204" pitchFamily="34" charset="0"/>
+              </a:rPr>
+              <a:t> tempi di </a:t>
+            </a:r>
+            <a:r>
+              <a:rPr lang="en-US" sz="1200" dirty="0" err="1">
+                <a:solidFill>
+                  <a:schemeClr val="bg2">
+                    <a:lumMod val="10000"/>
+                  </a:schemeClr>
+                </a:solidFill>
+                <a:latin typeface="Candara" panose="020E0502030303020204" pitchFamily="34" charset="0"/>
+              </a:rPr>
+              <a:t>esecuzione</a:t>
+            </a:r>
+            <a:r>
+              <a:rPr lang="en-US" sz="1200" dirty="0">
+                <a:solidFill>
+                  <a:schemeClr val="bg2">
+                    <a:lumMod val="10000"/>
+                  </a:schemeClr>
+                </a:solidFill>
+                <a:latin typeface="Candara" panose="020E0502030303020204" pitchFamily="34" charset="0"/>
+              </a:rPr>
+              <a:t> </a:t>
+            </a:r>
+            <a:r>
+              <a:rPr lang="en-US" sz="1200" dirty="0" err="1">
+                <a:solidFill>
+                  <a:schemeClr val="bg2">
+                    <a:lumMod val="10000"/>
+                  </a:schemeClr>
+                </a:solidFill>
+                <a:latin typeface="Candara" panose="020E0502030303020204" pitchFamily="34" charset="0"/>
+              </a:rPr>
+              <a:t>risultano</a:t>
+            </a:r>
+            <a:r>
+              <a:rPr lang="en-US" sz="1200" dirty="0">
+                <a:solidFill>
+                  <a:schemeClr val="bg2">
+                    <a:lumMod val="10000"/>
+                  </a:schemeClr>
+                </a:solidFill>
+                <a:latin typeface="Candara" panose="020E0502030303020204" pitchFamily="34" charset="0"/>
+              </a:rPr>
+              <a:t> </a:t>
+            </a:r>
+            <a:r>
+              <a:rPr lang="en-US" sz="1200" dirty="0" err="1">
+                <a:solidFill>
+                  <a:schemeClr val="bg2">
+                    <a:lumMod val="10000"/>
+                  </a:schemeClr>
+                </a:solidFill>
+                <a:latin typeface="Candara" panose="020E0502030303020204" pitchFamily="34" charset="0"/>
+              </a:rPr>
+              <a:t>elevati</a:t>
+            </a:r>
+            <a:r>
+              <a:rPr lang="en-US" sz="1200" dirty="0">
+                <a:solidFill>
+                  <a:schemeClr val="bg2">
+                    <a:lumMod val="10000"/>
+                  </a:schemeClr>
+                </a:solidFill>
+                <a:latin typeface="Candara" panose="020E0502030303020204" pitchFamily="34" charset="0"/>
+              </a:rPr>
+              <a:t>, per cui </a:t>
+            </a:r>
+            <a:r>
+              <a:rPr lang="en-US" sz="1200" dirty="0" err="1">
+                <a:solidFill>
+                  <a:schemeClr val="bg2">
+                    <a:lumMod val="10000"/>
+                  </a:schemeClr>
+                </a:solidFill>
+                <a:latin typeface="Candara" panose="020E0502030303020204" pitchFamily="34" charset="0"/>
+              </a:rPr>
+              <a:t>abbiamo</a:t>
+            </a:r>
+            <a:r>
+              <a:rPr lang="en-US" sz="1200" dirty="0">
+                <a:solidFill>
+                  <a:schemeClr val="bg2">
+                    <a:lumMod val="10000"/>
+                  </a:schemeClr>
+                </a:solidFill>
+                <a:latin typeface="Candara" panose="020E0502030303020204" pitchFamily="34" charset="0"/>
+              </a:rPr>
+              <a:t> </a:t>
+            </a:r>
+            <a:r>
+              <a:rPr lang="en-US" sz="1200" dirty="0" err="1">
+                <a:solidFill>
+                  <a:schemeClr val="bg2">
+                    <a:lumMod val="10000"/>
+                  </a:schemeClr>
+                </a:solidFill>
+                <a:latin typeface="Candara" panose="020E0502030303020204" pitchFamily="34" charset="0"/>
+              </a:rPr>
+              <a:t>cercato</a:t>
+            </a:r>
+            <a:r>
+              <a:rPr lang="en-US" sz="1200" dirty="0">
+                <a:solidFill>
+                  <a:schemeClr val="bg2">
+                    <a:lumMod val="10000"/>
+                  </a:schemeClr>
+                </a:solidFill>
+                <a:latin typeface="Candara" panose="020E0502030303020204" pitchFamily="34" charset="0"/>
+              </a:rPr>
+              <a:t> di </a:t>
+            </a:r>
+            <a:r>
+              <a:rPr lang="en-US" sz="1200" dirty="0" err="1">
+                <a:solidFill>
+                  <a:schemeClr val="bg2">
+                    <a:lumMod val="10000"/>
+                  </a:schemeClr>
+                </a:solidFill>
+                <a:latin typeface="Candara" panose="020E0502030303020204" pitchFamily="34" charset="0"/>
+              </a:rPr>
+              <a:t>limitare</a:t>
+            </a:r>
+            <a:r>
+              <a:rPr lang="en-US" sz="1200" dirty="0">
+                <a:solidFill>
+                  <a:schemeClr val="bg2">
+                    <a:lumMod val="10000"/>
+                  </a:schemeClr>
+                </a:solidFill>
+                <a:latin typeface="Candara" panose="020E0502030303020204" pitchFamily="34" charset="0"/>
+              </a:rPr>
+              <a:t> le </a:t>
+            </a:r>
+            <a:r>
+              <a:rPr lang="en-US" sz="1200" dirty="0" err="1">
+                <a:solidFill>
+                  <a:schemeClr val="bg2">
+                    <a:lumMod val="10000"/>
+                  </a:schemeClr>
+                </a:solidFill>
+                <a:latin typeface="Candara" panose="020E0502030303020204" pitchFamily="34" charset="0"/>
+              </a:rPr>
+              <a:t>dimensioni</a:t>
+            </a:r>
+            <a:r>
+              <a:rPr lang="en-US" sz="1200" dirty="0">
+                <a:solidFill>
+                  <a:schemeClr val="bg2">
+                    <a:lumMod val="10000"/>
+                  </a:schemeClr>
+                </a:solidFill>
+                <a:latin typeface="Candara" panose="020E0502030303020204" pitchFamily="34" charset="0"/>
+              </a:rPr>
+              <a:t> </a:t>
+            </a:r>
+            <a:r>
+              <a:rPr lang="en-US" sz="1200" dirty="0" err="1">
+                <a:solidFill>
+                  <a:schemeClr val="bg2">
+                    <a:lumMod val="10000"/>
+                  </a:schemeClr>
+                </a:solidFill>
+                <a:latin typeface="Candara" panose="020E0502030303020204" pitchFamily="34" charset="0"/>
+              </a:rPr>
+              <a:t>utilizzando</a:t>
+            </a:r>
+            <a:r>
+              <a:rPr lang="en-US" sz="1200" dirty="0">
+                <a:solidFill>
+                  <a:schemeClr val="bg2">
+                    <a:lumMod val="10000"/>
+                  </a:schemeClr>
+                </a:solidFill>
+                <a:latin typeface="Candara" panose="020E0502030303020204" pitchFamily="34" charset="0"/>
+              </a:rPr>
+              <a:t> solo 10 </a:t>
+            </a:r>
+            <a:r>
+              <a:rPr lang="en-US" sz="1200" dirty="0" err="1">
+                <a:solidFill>
+                  <a:schemeClr val="bg2">
+                    <a:lumMod val="10000"/>
+                  </a:schemeClr>
+                </a:solidFill>
+                <a:latin typeface="Candara" panose="020E0502030303020204" pitchFamily="34" charset="0"/>
+              </a:rPr>
+              <a:t>colonne</a:t>
+            </a:r>
+            <a:r>
+              <a:rPr lang="en-US" sz="1200" dirty="0">
+                <a:solidFill>
+                  <a:schemeClr val="bg2">
+                    <a:lumMod val="10000"/>
+                  </a:schemeClr>
+                </a:solidFill>
+                <a:latin typeface="Candara" panose="020E0502030303020204" pitchFamily="34" charset="0"/>
+              </a:rPr>
+              <a:t> e non </a:t>
+            </a:r>
+            <a:r>
+              <a:rPr lang="en-US" sz="1200" dirty="0" err="1">
+                <a:solidFill>
+                  <a:schemeClr val="bg2">
+                    <a:lumMod val="10000"/>
+                  </a:schemeClr>
+                </a:solidFill>
+                <a:latin typeface="Candara" panose="020E0502030303020204" pitchFamily="34" charset="0"/>
+              </a:rPr>
+              <a:t>andando</a:t>
+            </a:r>
+            <a:r>
+              <a:rPr lang="en-US" sz="1200" dirty="0">
+                <a:solidFill>
+                  <a:schemeClr val="bg2">
+                    <a:lumMod val="10000"/>
+                  </a:schemeClr>
+                </a:solidFill>
+                <a:latin typeface="Candara" panose="020E0502030303020204" pitchFamily="34" charset="0"/>
+              </a:rPr>
+              <a:t> </a:t>
+            </a:r>
+            <a:r>
+              <a:rPr lang="en-US" sz="1200" dirty="0" err="1">
+                <a:solidFill>
+                  <a:schemeClr val="bg2">
+                    <a:lumMod val="10000"/>
+                  </a:schemeClr>
+                </a:solidFill>
+                <a:latin typeface="Candara" panose="020E0502030303020204" pitchFamily="34" charset="0"/>
+              </a:rPr>
+              <a:t>oltre</a:t>
+            </a:r>
+            <a:r>
+              <a:rPr lang="en-US" sz="1200" dirty="0">
+                <a:solidFill>
+                  <a:schemeClr val="bg2">
+                    <a:lumMod val="10000"/>
+                  </a:schemeClr>
+                </a:solidFill>
+                <a:latin typeface="Candara" panose="020E0502030303020204" pitchFamily="34" charset="0"/>
+              </a:rPr>
+              <a:t> </a:t>
+            </a:r>
+            <a:r>
+              <a:rPr lang="en-US" sz="1200" dirty="0" err="1">
+                <a:solidFill>
+                  <a:schemeClr val="bg2">
+                    <a:lumMod val="10000"/>
+                  </a:schemeClr>
+                </a:solidFill>
+                <a:latin typeface="Candara" panose="020E0502030303020204" pitchFamily="34" charset="0"/>
+              </a:rPr>
+              <a:t>il</a:t>
+            </a:r>
+            <a:r>
+              <a:rPr lang="en-US" sz="1200" dirty="0">
+                <a:solidFill>
+                  <a:schemeClr val="bg2">
+                    <a:lumMod val="10000"/>
+                  </a:schemeClr>
+                </a:solidFill>
+                <a:latin typeface="Candara" panose="020E0502030303020204" pitchFamily="34" charset="0"/>
+              </a:rPr>
+              <a:t> 2-itemset.</a:t>
             </a:r>
           </a:p>
         </p:txBody>
@@ -10920,7 +13865,7 @@
                             </p:stCondLst>
                             <p:childTnLst>
                               <p:par>
-                                <p:cTn id="5" presetID="22" presetClass="entr" presetSubtype="8" fill="hold" grpId="0" nodeType="afterEffect">
+                                <p:cTn id="5" presetID="22" presetClass="entr" presetSubtype="8" fill="hold" grpId="0" nodeType="withEffect">
                                   <p:stCondLst>
                                     <p:cond delay="0"/>
                                   </p:stCondLst>
@@ -10957,21 +13902,30 @@
                             </p:childTnLst>
                           </p:cTn>
                         </p:par>
+                      </p:childTnLst>
+                    </p:cTn>
+                  </p:par>
+                  <p:par>
+                    <p:cTn id="8" fill="hold">
+                      <p:stCondLst>
+                        <p:cond delay="indefinite"/>
+                      </p:stCondLst>
+                      <p:childTnLst>
                         <p:par>
-                          <p:cTn id="8" fill="hold">
+                          <p:cTn id="9" fill="hold">
                             <p:stCondLst>
-                              <p:cond delay="500"/>
+                              <p:cond delay="0"/>
                             </p:stCondLst>
                             <p:childTnLst>
                               <p:par>
-                                <p:cTn id="9" presetID="49" presetClass="entr" presetSubtype="0" decel="100000" fill="hold" grpId="0" nodeType="afterEffect">
+                                <p:cTn id="10" presetID="49" presetClass="entr" presetSubtype="0" decel="100000" fill="hold" grpId="0" nodeType="clickEffect">
                                   <p:stCondLst>
                                     <p:cond delay="0"/>
                                   </p:stCondLst>
                                   <p:childTnLst>
                                     <p:set>
                                       <p:cBhvr>
-                                        <p:cTn id="10" dur="1" fill="hold">
+                                        <p:cTn id="11" dur="1" fill="hold">
                                           <p:stCondLst>
                                             <p:cond delay="0"/>
                                           </p:stCondLst>
@@ -10989,7 +13943,7 @@
                                     </p:set>
                                     <p:anim calcmode="lin" valueType="num">
                                       <p:cBhvr>
-                                        <p:cTn id="11" dur="500" fill="hold"/>
+                                        <p:cTn id="12" dur="500" fill="hold"/>
                                         <p:tgtEl>
                                           <p:spTgt spid="11"/>
                                         </p:tgtEl>
@@ -11012,7 +13966,7 @@
                                     </p:anim>
                                     <p:anim calcmode="lin" valueType="num">
                                       <p:cBhvr>
-                                        <p:cTn id="12" dur="500" fill="hold"/>
+                                        <p:cTn id="13" dur="500" fill="hold"/>
                                         <p:tgtEl>
                                           <p:spTgt spid="11"/>
                                         </p:tgtEl>
@@ -11035,7 +13989,7 @@
                                     </p:anim>
                                     <p:anim calcmode="lin" valueType="num">
                                       <p:cBhvr>
-                                        <p:cTn id="13" dur="500" fill="hold"/>
+                                        <p:cTn id="14" dur="500" fill="hold"/>
                                         <p:tgtEl>
                                           <p:spTgt spid="11"/>
                                         </p:tgtEl>
@@ -11058,7 +14012,7 @@
                                     </p:anim>
                                     <p:animEffect transition="in" filter="fade">
                                       <p:cBhvr>
-                                        <p:cTn id="14" dur="500"/>
+                                        <p:cTn id="15" dur="500"/>
                                         <p:tgtEl>
                                           <p:spTgt spid="11"/>
                                         </p:tgtEl>
@@ -11067,17 +14021,8 @@
                                   </p:childTnLst>
                                 </p:cTn>
                               </p:par>
-                            </p:childTnLst>
-                          </p:cTn>
-                        </p:par>
-                        <p:par>
-                          <p:cTn id="15" fill="hold">
-                            <p:stCondLst>
-                              <p:cond delay="1000"/>
-                            </p:stCondLst>
-                            <p:childTnLst>
                               <p:par>
-                                <p:cTn id="16" presetID="22" presetClass="entr" presetSubtype="1" fill="hold" grpId="0" nodeType="afterEffect">
+                                <p:cTn id="16" presetID="22" presetClass="entr" presetSubtype="1" fill="hold" grpId="0" nodeType="withEffect">
                                   <p:stCondLst>
                                     <p:cond delay="0"/>
                                   </p:stCondLst>
@@ -11114,21 +14059,30 @@
                             </p:childTnLst>
                           </p:cTn>
                         </p:par>
+                      </p:childTnLst>
+                    </p:cTn>
+                  </p:par>
+                  <p:par>
+                    <p:cTn id="19" fill="hold">
+                      <p:stCondLst>
+                        <p:cond delay="indefinite"/>
+                      </p:stCondLst>
+                      <p:childTnLst>
                         <p:par>
-                          <p:cTn id="19" fill="hold">
+                          <p:cTn id="20" fill="hold">
                             <p:stCondLst>
-                              <p:cond delay="1500"/>
+                              <p:cond delay="0"/>
                             </p:stCondLst>
                             <p:childTnLst>
                               <p:par>
-                                <p:cTn id="20" presetID="49" presetClass="entr" presetSubtype="0" decel="100000" fill="hold" grpId="0" nodeType="afterEffect">
+                                <p:cTn id="21" presetID="49" presetClass="entr" presetSubtype="0" decel="100000" fill="hold" grpId="0" nodeType="clickEffect">
                                   <p:stCondLst>
                                     <p:cond delay="0"/>
                                   </p:stCondLst>
                                   <p:childTnLst>
                                     <p:set>
                                       <p:cBhvr>
-                                        <p:cTn id="21" dur="1" fill="hold">
+                                        <p:cTn id="22" dur="1" fill="hold">
                                           <p:stCondLst>
                                             <p:cond delay="0"/>
                                           </p:stCondLst>
@@ -11146,7 +14100,7 @@
                                     </p:set>
                                     <p:anim calcmode="lin" valueType="num">
                                       <p:cBhvr>
-                                        <p:cTn id="22" dur="500" fill="hold"/>
+                                        <p:cTn id="23" dur="500" fill="hold"/>
                                         <p:tgtEl>
                                           <p:spTgt spid="44"/>
                                         </p:tgtEl>
@@ -11169,7 +14123,7 @@
                                     </p:anim>
                                     <p:anim calcmode="lin" valueType="num">
                                       <p:cBhvr>
-                                        <p:cTn id="23" dur="500" fill="hold"/>
+                                        <p:cTn id="24" dur="500" fill="hold"/>
                                         <p:tgtEl>
                                           <p:spTgt spid="44"/>
                                         </p:tgtEl>
@@ -11192,7 +14146,7 @@
                                     </p:anim>
                                     <p:anim calcmode="lin" valueType="num">
                                       <p:cBhvr>
-                                        <p:cTn id="24" dur="500" fill="hold"/>
+                                        <p:cTn id="25" dur="500" fill="hold"/>
                                         <p:tgtEl>
                                           <p:spTgt spid="44"/>
                                         </p:tgtEl>
@@ -11215,9 +14169,44 @@
                                     </p:anim>
                                     <p:animEffect transition="in" filter="fade">
                                       <p:cBhvr>
-                                        <p:cTn id="25" dur="500"/>
+                                        <p:cTn id="26" dur="500"/>
                                         <p:tgtEl>
                                           <p:spTgt spid="44"/>
+                                        </p:tgtEl>
+                                      </p:cBhvr>
+                                    </p:animEffect>
+                                  </p:childTnLst>
+                                </p:cTn>
+                              </p:par>
+                              <p:par>
+                                <p:cTn id="27" presetID="22" presetClass="entr" presetSubtype="1" fill="hold" grpId="0" nodeType="withEffect">
+                                  <p:stCondLst>
+                                    <p:cond delay="0"/>
+                                  </p:stCondLst>
+                                  <p:childTnLst>
+                                    <p:set>
+                                      <p:cBhvr>
+                                        <p:cTn id="28" dur="1" fill="hold">
+                                          <p:stCondLst>
+                                            <p:cond delay="0"/>
+                                          </p:stCondLst>
+                                        </p:cTn>
+                                        <p:tgtEl>
+                                          <p:spTgt spid="13"/>
+                                        </p:tgtEl>
+                                        <p:attrNameLst>
+                                          <p:attrName>style.visibility</p:attrName>
+                                        </p:attrNameLst>
+                                      </p:cBhvr>
+                                      <p:to>
+                                        <p:strVal val="visible"/>
+                                      </p:to>
+                                    </p:set>
+                                    <p:animEffect transition="in" filter="wipe(up)">
+                                      <p:cBhvr>
+                                        <p:cTn id="29" dur="500"/>
+                                        <p:tgtEl>
+                                          <p:spTgt spid="13"/>
                                         </p:tgtEl>
                                       </p:cBhvr>
                                     </p:animEffect>
@@ -11227,21 +14216,30 @@
                             </p:childTnLst>
                           </p:cTn>
                         </p:par>
+                      </p:childTnLst>
+                    </p:cTn>
+                  </p:par>
+                  <p:par>
+                    <p:cTn id="30" fill="hold">
+                      <p:stCondLst>
+                        <p:cond delay="indefinite"/>
+                      </p:stCondLst>
+                      <p:childTnLst>
                         <p:par>
-                          <p:cTn id="26" fill="hold">
+                          <p:cTn id="31" fill="hold">
                             <p:stCondLst>
-                              <p:cond delay="2000"/>
+                              <p:cond delay="0"/>
                             </p:stCondLst>
                             <p:childTnLst>
                               <p:par>
-                                <p:cTn id="27" presetID="49" presetClass="entr" presetSubtype="0" decel="100000" fill="hold" grpId="0" nodeType="afterEffect">
+                                <p:cTn id="32" presetID="49" presetClass="entr" presetSubtype="0" decel="100000" fill="hold" grpId="0" nodeType="clickEffect">
                                   <p:stCondLst>
                                     <p:cond delay="0"/>
                                   </p:stCondLst>
                                   <p:childTnLst>
                                     <p:set>
                                       <p:cBhvr>
-                                        <p:cTn id="28" dur="1" fill="hold">
+                                        <p:cTn id="33" dur="1" fill="hold">
                                           <p:stCondLst>
                                             <p:cond delay="0"/>
                                           </p:stCondLst>
@@ -11259,7 +14257,7 @@
                                     </p:set>
                                     <p:anim calcmode="lin" valueType="num">
                                       <p:cBhvr>
-                                        <p:cTn id="29" dur="500" fill="hold"/>
+                                        <p:cTn id="34" dur="500" fill="hold"/>
                                         <p:tgtEl>
                                           <p:spTgt spid="45"/>
                                         </p:tgtEl>
@@ -11282,7 +14280,7 @@
                                     </p:anim>
                                     <p:anim calcmode="lin" valueType="num">
                                       <p:cBhvr>
-                                        <p:cTn id="30" dur="500" fill="hold"/>
+                                        <p:cTn id="35" dur="500" fill="hold"/>
                                         <p:tgtEl>
                                           <p:spTgt spid="45"/>
                                         </p:tgtEl>
@@ -11305,7 +14303,7 @@
                                     </p:anim>
                                     <p:anim calcmode="lin" valueType="num">
                                       <p:cBhvr>
-                                        <p:cTn id="31" dur="500" fill="hold"/>
+                                        <p:cTn id="36" dur="500" fill="hold"/>
                                         <p:tgtEl>
                                           <p:spTgt spid="45"/>
                                         </p:tgtEl>
@@ -11328,9 +14326,44 @@
                                     </p:anim>
                                     <p:animEffect transition="in" filter="fade">
                                       <p:cBhvr>
-                                        <p:cTn id="32" dur="500"/>
+                                        <p:cTn id="37" dur="500"/>
                                         <p:tgtEl>
                                           <p:spTgt spid="45"/>
+                                        </p:tgtEl>
+                                      </p:cBhvr>
+                                    </p:animEffect>
+                                  </p:childTnLst>
+                                </p:cTn>
+                              </p:par>
+                              <p:par>
+                                <p:cTn id="38" presetID="22" presetClass="entr" presetSubtype="1" fill="hold" grpId="0" nodeType="withEffect">
+                                  <p:stCondLst>
+                                    <p:cond delay="0"/>
+                                  </p:stCondLst>
+                                  <p:childTnLst>
+                                    <p:set>
+                                      <p:cBhvr>
+                                        <p:cTn id="39" dur="1" fill="hold">
+                                          <p:stCondLst>
+                                            <p:cond delay="0"/>
+                                          </p:stCondLst>
+                                        </p:cTn>
+                                        <p:tgtEl>
+                                          <p:spTgt spid="14"/>
+                                        </p:tgtEl>
+                                        <p:attrNameLst>
+                                          <p:attrName>style.visibility</p:attrName>
+                                        </p:attrNameLst>
+                                      </p:cBhvr>
+                                      <p:to>
+                                        <p:strVal val="visible"/>
+                                      </p:to>
+                                    </p:set>
+                                    <p:animEffect transition="in" filter="wipe(up)">
+                                      <p:cBhvr>
+                                        <p:cTn id="40" dur="500"/>
+                                        <p:tgtEl>
+                                          <p:spTgt spid="14"/>
                                         </p:tgtEl>
                                       </p:cBhvr>
                                     </p:animEffect>
@@ -11340,21 +14373,30 @@
                             </p:childTnLst>
                           </p:cTn>
                         </p:par>
+                      </p:childTnLst>
+                    </p:cTn>
+                  </p:par>
+                  <p:par>
+                    <p:cTn id="41" fill="hold">
+                      <p:stCondLst>
+                        <p:cond delay="indefinite"/>
+                      </p:stCondLst>
+                      <p:childTnLst>
                         <p:par>
-                          <p:cTn id="33" fill="hold">
+                          <p:cTn id="42" fill="hold">
                             <p:stCondLst>
-                              <p:cond delay="2500"/>
+                              <p:cond delay="0"/>
                             </p:stCondLst>
                             <p:childTnLst>
                               <p:par>
-                                <p:cTn id="34" presetID="49" presetClass="entr" presetSubtype="0" decel="100000" fill="hold" grpId="0" nodeType="afterEffect">
+                                <p:cTn id="43" presetID="49" presetClass="entr" presetSubtype="0" decel="100000" fill="hold" grpId="0" nodeType="clickEffect">
                                   <p:stCondLst>
                                     <p:cond delay="0"/>
                                   </p:stCondLst>
                                   <p:childTnLst>
                                     <p:set>
                                       <p:cBhvr>
-                                        <p:cTn id="35" dur="1" fill="hold">
+                                        <p:cTn id="44" dur="1" fill="hold">
                                           <p:stCondLst>
                                             <p:cond delay="0"/>
                                           </p:stCondLst>
@@ -11372,7 +14414,7 @@
                                     </p:set>
                                     <p:anim calcmode="lin" valueType="num">
                                       <p:cBhvr>
-                                        <p:cTn id="36" dur="500" fill="hold"/>
+                                        <p:cTn id="45" dur="500" fill="hold"/>
                                         <p:tgtEl>
                                           <p:spTgt spid="46"/>
                                         </p:tgtEl>
@@ -11395,7 +14437,7 @@
                                     </p:anim>
                                     <p:anim calcmode="lin" valueType="num">
                                       <p:cBhvr>
-                                        <p:cTn id="37" dur="500" fill="hold"/>
+                                        <p:cTn id="46" dur="500" fill="hold"/>
                                         <p:tgtEl>
                                           <p:spTgt spid="46"/>
                                         </p:tgtEl>
@@ -11418,7 +14460,7 @@
                                     </p:anim>
                                     <p:anim calcmode="lin" valueType="num">
                                       <p:cBhvr>
-                                        <p:cTn id="38" dur="500" fill="hold"/>
+                                        <p:cTn id="47" dur="500" fill="hold"/>
                                         <p:tgtEl>
                                           <p:spTgt spid="46"/>
                                         </p:tgtEl>
@@ -11441,7 +14483,7 @@
                                     </p:anim>
                                     <p:animEffect transition="in" filter="fade">
                                       <p:cBhvr>
-                                        <p:cTn id="39" dur="500"/>
+                                        <p:cTn id="48" dur="500"/>
                                         <p:tgtEl>
                                           <p:spTgt spid="46"/>
                                         </p:tgtEl>
@@ -11450,105 +14492,8 @@
                                   </p:childTnLst>
                                 </p:cTn>
                               </p:par>
-                            </p:childTnLst>
-                          </p:cTn>
-                        </p:par>
-                        <p:par>
-                          <p:cTn id="40" fill="hold">
-                            <p:stCondLst>
-                              <p:cond delay="3000"/>
-                            </p:stCondLst>
-                            <p:childTnLst>
                               <p:par>
-                                <p:cTn id="41" presetID="22" presetClass="entr" presetSubtype="1" fill="hold" grpId="0" nodeType="afterEffect">
-                                  <p:stCondLst>
-                                    <p:cond delay="0"/>
-                                  </p:stCondLst>
-                                  <p:childTnLst>
-                                    <p:set>
-                                      <p:cBhvr>
-                                        <p:cTn id="42" dur="1" fill="hold">
-                                          <p:stCondLst>
-                                            <p:cond delay="0"/>
-                                          </p:stCondLst>
-                                        </p:cTn>
-                                        <p:tgtEl>
-                                          <p:spTgt spid="13"/>
-                                        </p:tgtEl>
-                                        <p:attrNameLst>
-                                          <p:attrName>style.visibility</p:attrName>
-                                        </p:attrNameLst>
-                                      </p:cBhvr>
-                                      <p:to>
-                                        <p:strVal val="visible"/>
-                                      </p:to>
-                                    </p:set>
-                                    <p:animEffect transition="in" filter="wipe(up)">
-                                      <p:cBhvr>
-                                        <p:cTn id="43" dur="500"/>
-                                        <p:tgtEl>
-                                          <p:spTgt spid="13"/>
-                                        </p:tgtEl>
-                                      </p:cBhvr>
-                                    </p:animEffect>
-                                  </p:childTnLst>
-                                </p:cTn>
-                              </p:par>
-                            </p:childTnLst>
-                          </p:cTn>
-                        </p:par>
-                        <p:par>
-                          <p:cTn id="44" fill="hold">
-                            <p:stCondLst>
-                              <p:cond delay="3500"/>
-                            </p:stCondLst>
-                            <p:childTnLst>
-                              <p:par>
-                                <p:cTn id="45" presetID="22" presetClass="entr" presetSubtype="1" fill="hold" grpId="0" nodeType="afterEffect">
-                                  <p:stCondLst>
-                                    <p:cond delay="0"/>
-                                  </p:stCondLst>
-                                  <p:childTnLst>
-                                    <p:set>
-                                      <p:cBhvr>
-                                        <p:cTn id="46" dur="1" fill="hold">
-                                          <p:stCondLst>
-                                            <p:cond delay="0"/>
-                                          </p:stCondLst>
-                                        </p:cTn>
-                                        <p:tgtEl>
-                                          <p:spTgt spid="14"/>
-                                        </p:tgtEl>
-                                        <p:attrNameLst>
-                                          <p:attrName>style.visibility</p:attrName>
-                                        </p:attrNameLst>
-                                      </p:cBhvr>
-                                      <p:to>
-                                        <p:strVal val="visible"/>
-                                      </p:to>
-                                    </p:set>
-                                    <p:animEffect transition="in" filter="wipe(up)">
-                                      <p:cBhvr>
-                                        <p:cTn id="47" dur="500"/>
-                                        <p:tgtEl>
-                                          <p:spTgt spid="14"/>
-                                        </p:tgtEl>
-                                      </p:cBhvr>
-                                    </p:animEffect>
-                                  </p:childTnLst>
-                                </p:cTn>
-                              </p:par>
-                            </p:childTnLst>
-                          </p:cTn>
-                        </p:par>
-                        <p:par>
-                          <p:cTn id="48" fill="hold">
-                            <p:stCondLst>
-                              <p:cond delay="4000"/>
-                            </p:stCondLst>
-                            <p:childTnLst>
-                              <p:par>
-                                <p:cTn id="49" presetID="22" presetClass="entr" presetSubtype="1" fill="hold" grpId="0" nodeType="afterEffect">
+                                <p:cTn id="49" presetID="22" presetClass="entr" presetSubtype="1" fill="hold" grpId="0" nodeType="withEffect">
                                   <p:stCondLst>
                                     <p:cond delay="0"/>
                                   </p:stCondLst>

--- a/docs/Presentazione.pptx
+++ b/docs/Presentazione.pptx
@@ -201,7 +201,7 @@
           <a:p>
             <a:fld id="{B70D0873-D02A-4646-AD63-4D060B4B73E7}" type="datetimeFigureOut">
               <a:rPr lang="it-IT" smtClean="0"/>
-              <a:t>15/03/2019</a:t>
+              <a:t>18/03/2019</a:t>
             </a:fld>
             <a:endParaRPr lang="it-IT"/>
           </a:p>
@@ -682,7 +682,7 @@
           <a:p>
             <a:fld id="{63A1C593-65D0-4073-BCC9-577B9352EA97}" type="datetimeFigureOut">
               <a:rPr lang="en-US" smtClean="0"/>
-              <a:t>3/15/2019</a:t>
+              <a:t>3/18/2019</a:t>
             </a:fld>
             <a:endParaRPr lang="en-US"/>
           </a:p>
@@ -850,7 +850,7 @@
           <a:p>
             <a:fld id="{63A1C593-65D0-4073-BCC9-577B9352EA97}" type="datetimeFigureOut">
               <a:rPr lang="en-US" smtClean="0"/>
-              <a:t>3/15/2019</a:t>
+              <a:t>3/18/2019</a:t>
             </a:fld>
             <a:endParaRPr lang="en-US"/>
           </a:p>
@@ -1028,7 +1028,7 @@
           <a:p>
             <a:fld id="{63A1C593-65D0-4073-BCC9-577B9352EA97}" type="datetimeFigureOut">
               <a:rPr lang="en-US" smtClean="0"/>
-              <a:t>3/15/2019</a:t>
+              <a:t>3/18/2019</a:t>
             </a:fld>
             <a:endParaRPr lang="en-US"/>
           </a:p>
@@ -1468,7 +1468,7 @@
           <a:p>
             <a:fld id="{63A1C593-65D0-4073-BCC9-577B9352EA97}" type="datetimeFigureOut">
               <a:rPr lang="en-US" smtClean="0"/>
-              <a:t>3/15/2019</a:t>
+              <a:t>3/18/2019</a:t>
             </a:fld>
             <a:endParaRPr lang="en-US"/>
           </a:p>
@@ -1713,7 +1713,7 @@
           <a:p>
             <a:fld id="{63A1C593-65D0-4073-BCC9-577B9352EA97}" type="datetimeFigureOut">
               <a:rPr lang="en-US" smtClean="0"/>
-              <a:t>3/15/2019</a:t>
+              <a:t>3/18/2019</a:t>
             </a:fld>
             <a:endParaRPr lang="en-US"/>
           </a:p>
@@ -1942,7 +1942,7 @@
           <a:p>
             <a:fld id="{63A1C593-65D0-4073-BCC9-577B9352EA97}" type="datetimeFigureOut">
               <a:rPr lang="en-US" smtClean="0"/>
-              <a:t>3/15/2019</a:t>
+              <a:t>3/18/2019</a:t>
             </a:fld>
             <a:endParaRPr lang="en-US"/>
           </a:p>
@@ -2306,7 +2306,7 @@
           <a:p>
             <a:fld id="{63A1C593-65D0-4073-BCC9-577B9352EA97}" type="datetimeFigureOut">
               <a:rPr lang="en-US" smtClean="0"/>
-              <a:t>3/15/2019</a:t>
+              <a:t>3/18/2019</a:t>
             </a:fld>
             <a:endParaRPr lang="en-US"/>
           </a:p>
@@ -2423,7 +2423,7 @@
           <a:p>
             <a:fld id="{63A1C593-65D0-4073-BCC9-577B9352EA97}" type="datetimeFigureOut">
               <a:rPr lang="en-US" smtClean="0"/>
-              <a:t>3/15/2019</a:t>
+              <a:t>3/18/2019</a:t>
             </a:fld>
             <a:endParaRPr lang="en-US"/>
           </a:p>
@@ -2518,7 +2518,7 @@
           <a:p>
             <a:fld id="{63A1C593-65D0-4073-BCC9-577B9352EA97}" type="datetimeFigureOut">
               <a:rPr lang="en-US" smtClean="0"/>
-              <a:t>3/15/2019</a:t>
+              <a:t>3/18/2019</a:t>
             </a:fld>
             <a:endParaRPr lang="en-US"/>
           </a:p>
@@ -2793,7 +2793,7 @@
           <a:p>
             <a:fld id="{63A1C593-65D0-4073-BCC9-577B9352EA97}" type="datetimeFigureOut">
               <a:rPr lang="en-US" smtClean="0"/>
-              <a:t>3/15/2019</a:t>
+              <a:t>3/18/2019</a:t>
             </a:fld>
             <a:endParaRPr lang="en-US"/>
           </a:p>
@@ -3045,7 +3045,7 @@
           <a:p>
             <a:fld id="{63A1C593-65D0-4073-BCC9-577B9352EA97}" type="datetimeFigureOut">
               <a:rPr lang="en-US" smtClean="0"/>
-              <a:t>3/15/2019</a:t>
+              <a:t>3/18/2019</a:t>
             </a:fld>
             <a:endParaRPr lang="en-US"/>
           </a:p>
@@ -3266,7 +3266,7 @@
           <a:p>
             <a:fld id="{63A1C593-65D0-4073-BCC9-577B9352EA97}" type="datetimeFigureOut">
               <a:rPr lang="en-US" smtClean="0"/>
-              <a:t>3/15/2019</a:t>
+              <a:t>3/18/2019</a:t>
             </a:fld>
             <a:endParaRPr lang="en-US"/>
           </a:p>
@@ -4791,7 +4791,29 @@
                 </a:solidFill>
                 <a:latin typeface="Candara" panose="020E0502030303020204" pitchFamily="34" charset="0"/>
               </a:rPr>
-              <a:t> I </a:t>
+              <a:t> </a:t>
+            </a:r>
+            <a:r>
+              <a:rPr lang="en-US" sz="1600" b="1" dirty="0" err="1">
+                <a:solidFill>
+                  <a:schemeClr val="bg2">
+                    <a:lumMod val="10000"/>
+                  </a:schemeClr>
+                </a:solidFill>
+                <a:latin typeface="Candara" panose="020E0502030303020204" pitchFamily="34" charset="0"/>
+              </a:rPr>
+              <a:t>i</a:t>
+            </a:r>
+            <a:r>
+              <a:rPr lang="en-US" sz="1600" b="1" dirty="0">
+                <a:solidFill>
+                  <a:schemeClr val="bg2">
+                    <a:lumMod val="10000"/>
+                  </a:schemeClr>
+                </a:solidFill>
+                <a:latin typeface="Candara" panose="020E0502030303020204" pitchFamily="34" charset="0"/>
+              </a:rPr>
+              <a:t> </a:t>
             </a:r>
             <a:r>
               <a:rPr lang="en-US" sz="1600" b="1" dirty="0" err="1">
@@ -5063,7 +5085,29 @@
                 </a:solidFill>
                 <a:latin typeface="Candara" panose="020E0502030303020204" pitchFamily="34" charset="0"/>
               </a:rPr>
-              <a:t> è possible </a:t>
+              <a:t> è </a:t>
+            </a:r>
+            <a:r>
+              <a:rPr lang="en-US" sz="1600" b="1" dirty="0" err="1">
+                <a:solidFill>
+                  <a:schemeClr val="bg2">
+                    <a:lumMod val="10000"/>
+                  </a:schemeClr>
+                </a:solidFill>
+                <a:latin typeface="Candara" panose="020E0502030303020204" pitchFamily="34" charset="0"/>
+              </a:rPr>
+              <a:t>possibile</a:t>
+            </a:r>
+            <a:r>
+              <a:rPr lang="en-US" sz="1600" b="1" dirty="0">
+                <a:solidFill>
+                  <a:schemeClr val="bg2">
+                    <a:lumMod val="10000"/>
+                  </a:schemeClr>
+                </a:solidFill>
+                <a:latin typeface="Candara" panose="020E0502030303020204" pitchFamily="34" charset="0"/>
+              </a:rPr>
+              <a:t> </a:t>
             </a:r>
             <a:r>
               <a:rPr lang="en-US" sz="1600" b="1" dirty="0" err="1">
@@ -5434,7 +5478,29 @@
                 </a:solidFill>
                 <a:latin typeface="Candara" panose="020E0502030303020204" pitchFamily="34" charset="0"/>
               </a:rPr>
-              <a:t> I </a:t>
+              <a:t> </a:t>
+            </a:r>
+            <a:r>
+              <a:rPr lang="en-US" sz="1600" b="1" dirty="0" err="1">
+                <a:solidFill>
+                  <a:schemeClr val="bg2">
+                    <a:lumMod val="10000"/>
+                  </a:schemeClr>
+                </a:solidFill>
+                <a:latin typeface="Candara" panose="020E0502030303020204" pitchFamily="34" charset="0"/>
+              </a:rPr>
+              <a:t>i</a:t>
+            </a:r>
+            <a:r>
+              <a:rPr lang="en-US" sz="1600" b="1" dirty="0">
+                <a:solidFill>
+                  <a:schemeClr val="bg2">
+                    <a:lumMod val="10000"/>
+                  </a:schemeClr>
+                </a:solidFill>
+                <a:latin typeface="Candara" panose="020E0502030303020204" pitchFamily="34" charset="0"/>
+              </a:rPr>
+              <a:t> </a:t>
             </a:r>
             <a:r>
               <a:rPr lang="en-US" sz="1600" b="1" dirty="0" err="1">
@@ -5492,7 +5558,7 @@
         <p:spPr>
           <a:xfrm>
             <a:off x="6674289" y="1426811"/>
-            <a:ext cx="4352400" cy="3304800"/>
+            <a:ext cx="4352400" cy="3059299"/>
           </a:xfrm>
           <a:prstGeom prst="rect">
             <a:avLst/>
@@ -5579,7 +5645,7 @@
                 </a:solidFill>
                 <a:latin typeface="Candara" panose="020E0502030303020204" pitchFamily="34" charset="0"/>
               </a:rPr>
-              <a:t>proposto</a:t>
+              <a:t>proposta</a:t>
             </a:r>
             <a:r>
               <a:rPr lang="en-US" sz="1600" b="1" dirty="0">

--- a/docs/Presentazione.pptx
+++ b/docs/Presentazione.pptx
@@ -5,14 +5,17 @@
     <p:sldMasterId id="2147483648" r:id="rId1"/>
   </p:sldMasterIdLst>
   <p:notesMasterIdLst>
-    <p:notesMasterId r:id="rId7"/>
+    <p:notesMasterId r:id="rId10"/>
   </p:notesMasterIdLst>
   <p:sldIdLst>
     <p:sldId id="457" r:id="rId2"/>
     <p:sldId id="445" r:id="rId3"/>
     <p:sldId id="446" r:id="rId4"/>
-    <p:sldId id="447" r:id="rId5"/>
-    <p:sldId id="390" r:id="rId6"/>
+    <p:sldId id="459" r:id="rId5"/>
+    <p:sldId id="447" r:id="rId6"/>
+    <p:sldId id="458" r:id="rId7"/>
+    <p:sldId id="460" r:id="rId8"/>
+    <p:sldId id="390" r:id="rId9"/>
   </p:sldIdLst>
   <p:sldSz cx="12192000" cy="6858000"/>
   <p:notesSz cx="6858000" cy="9144000"/>
@@ -201,7 +204,7 @@
           <a:p>
             <a:fld id="{B70D0873-D02A-4646-AD63-4D060B4B73E7}" type="datetimeFigureOut">
               <a:rPr lang="it-IT" smtClean="0"/>
-              <a:t>18/03/2019</a:t>
+              <a:t>22/03/2019</a:t>
             </a:fld>
             <a:endParaRPr lang="it-IT"/>
           </a:p>
@@ -682,7 +685,7 @@
           <a:p>
             <a:fld id="{63A1C593-65D0-4073-BCC9-577B9352EA97}" type="datetimeFigureOut">
               <a:rPr lang="en-US" smtClean="0"/>
-              <a:t>3/18/2019</a:t>
+              <a:t>3/22/2019</a:t>
             </a:fld>
             <a:endParaRPr lang="en-US"/>
           </a:p>
@@ -850,7 +853,7 @@
           <a:p>
             <a:fld id="{63A1C593-65D0-4073-BCC9-577B9352EA97}" type="datetimeFigureOut">
               <a:rPr lang="en-US" smtClean="0"/>
-              <a:t>3/18/2019</a:t>
+              <a:t>3/22/2019</a:t>
             </a:fld>
             <a:endParaRPr lang="en-US"/>
           </a:p>
@@ -1028,7 +1031,7 @@
           <a:p>
             <a:fld id="{63A1C593-65D0-4073-BCC9-577B9352EA97}" type="datetimeFigureOut">
               <a:rPr lang="en-US" smtClean="0"/>
-              <a:t>3/18/2019</a:t>
+              <a:t>3/22/2019</a:t>
             </a:fld>
             <a:endParaRPr lang="en-US"/>
           </a:p>
@@ -1468,7 +1471,7 @@
           <a:p>
             <a:fld id="{63A1C593-65D0-4073-BCC9-577B9352EA97}" type="datetimeFigureOut">
               <a:rPr lang="en-US" smtClean="0"/>
-              <a:t>3/18/2019</a:t>
+              <a:t>3/22/2019</a:t>
             </a:fld>
             <a:endParaRPr lang="en-US"/>
           </a:p>
@@ -1713,7 +1716,7 @@
           <a:p>
             <a:fld id="{63A1C593-65D0-4073-BCC9-577B9352EA97}" type="datetimeFigureOut">
               <a:rPr lang="en-US" smtClean="0"/>
-              <a:t>3/18/2019</a:t>
+              <a:t>3/22/2019</a:t>
             </a:fld>
             <a:endParaRPr lang="en-US"/>
           </a:p>
@@ -1942,7 +1945,7 @@
           <a:p>
             <a:fld id="{63A1C593-65D0-4073-BCC9-577B9352EA97}" type="datetimeFigureOut">
               <a:rPr lang="en-US" smtClean="0"/>
-              <a:t>3/18/2019</a:t>
+              <a:t>3/22/2019</a:t>
             </a:fld>
             <a:endParaRPr lang="en-US"/>
           </a:p>
@@ -2306,7 +2309,7 @@
           <a:p>
             <a:fld id="{63A1C593-65D0-4073-BCC9-577B9352EA97}" type="datetimeFigureOut">
               <a:rPr lang="en-US" smtClean="0"/>
-              <a:t>3/18/2019</a:t>
+              <a:t>3/22/2019</a:t>
             </a:fld>
             <a:endParaRPr lang="en-US"/>
           </a:p>
@@ -2423,7 +2426,7 @@
           <a:p>
             <a:fld id="{63A1C593-65D0-4073-BCC9-577B9352EA97}" type="datetimeFigureOut">
               <a:rPr lang="en-US" smtClean="0"/>
-              <a:t>3/18/2019</a:t>
+              <a:t>3/22/2019</a:t>
             </a:fld>
             <a:endParaRPr lang="en-US"/>
           </a:p>
@@ -2518,7 +2521,7 @@
           <a:p>
             <a:fld id="{63A1C593-65D0-4073-BCC9-577B9352EA97}" type="datetimeFigureOut">
               <a:rPr lang="en-US" smtClean="0"/>
-              <a:t>3/18/2019</a:t>
+              <a:t>3/22/2019</a:t>
             </a:fld>
             <a:endParaRPr lang="en-US"/>
           </a:p>
@@ -2793,7 +2796,7 @@
           <a:p>
             <a:fld id="{63A1C593-65D0-4073-BCC9-577B9352EA97}" type="datetimeFigureOut">
               <a:rPr lang="en-US" smtClean="0"/>
-              <a:t>3/18/2019</a:t>
+              <a:t>3/22/2019</a:t>
             </a:fld>
             <a:endParaRPr lang="en-US"/>
           </a:p>
@@ -3045,7 +3048,7 @@
           <a:p>
             <a:fld id="{63A1C593-65D0-4073-BCC9-577B9352EA97}" type="datetimeFigureOut">
               <a:rPr lang="en-US" smtClean="0"/>
-              <a:t>3/18/2019</a:t>
+              <a:t>3/22/2019</a:t>
             </a:fld>
             <a:endParaRPr lang="en-US"/>
           </a:p>
@@ -3266,7 +3269,7 @@
           <a:p>
             <a:fld id="{63A1C593-65D0-4073-BCC9-577B9352EA97}" type="datetimeFigureOut">
               <a:rPr lang="en-US" smtClean="0"/>
-              <a:t>3/18/2019</a:t>
+              <a:t>3/22/2019</a:t>
             </a:fld>
             <a:endParaRPr lang="en-US"/>
           </a:p>
@@ -4315,212 +4318,6 @@
   <p:clrMapOvr>
     <a:masterClrMapping/>
   </p:clrMapOvr>
-  <p:timing>
-    <p:tnLst>
-      <p:par>
-        <p:cTn id="1" dur="indefinite" restart="never" nodeType="tmRoot">
-          <p:childTnLst>
-            <p:seq concurrent="1" nextAc="seek">
-              <p:cTn id="2" dur="indefinite" nodeType="mainSeq">
-                <p:childTnLst>
-                  <p:par>
-                    <p:cTn id="3" fill="hold">
-                      <p:stCondLst>
-                        <p:cond delay="indefinite"/>
-                        <p:cond evt="onBegin" delay="0">
-                          <p:tn val="2"/>
-                        </p:cond>
-                      </p:stCondLst>
-                      <p:childTnLst>
-                        <p:par>
-                          <p:cTn id="4" fill="hold">
-                            <p:stCondLst>
-                              <p:cond delay="0"/>
-                            </p:stCondLst>
-                            <p:childTnLst>
-                              <p:par>
-                                <p:cTn id="5" presetID="17" presetClass="entr" presetSubtype="10" fill="hold" nodeType="afterEffect">
-                                  <p:stCondLst>
-                                    <p:cond delay="0"/>
-                                  </p:stCondLst>
-                                  <p:childTnLst>
-                                    <p:set>
-                                      <p:cBhvr>
-                                        <p:cTn id="6" dur="1" fill="hold">
-                                          <p:stCondLst>
-                                            <p:cond delay="0"/>
-                                          </p:stCondLst>
-                                        </p:cTn>
-                                        <p:tgtEl>
-                                          <p:spTgt spid="6"/>
-                                        </p:tgtEl>
-                                        <p:attrNameLst>
-                                          <p:attrName>style.visibility</p:attrName>
-                                        </p:attrNameLst>
-                                      </p:cBhvr>
-                                      <p:to>
-                                        <p:strVal val="visible"/>
-                                      </p:to>
-                                    </p:set>
-                                    <p:anim calcmode="lin" valueType="num">
-                                      <p:cBhvr>
-                                        <p:cTn id="7" dur="500" fill="hold"/>
-                                        <p:tgtEl>
-                                          <p:spTgt spid="6"/>
-                                        </p:tgtEl>
-                                        <p:attrNameLst>
-                                          <p:attrName>ppt_w</p:attrName>
-                                        </p:attrNameLst>
-                                      </p:cBhvr>
-                                      <p:tavLst>
-                                        <p:tav tm="0">
-                                          <p:val>
-                                            <p:fltVal val="0"/>
-                                          </p:val>
-                                        </p:tav>
-                                        <p:tav tm="100000">
-                                          <p:val>
-                                            <p:strVal val="#ppt_w"/>
-                                          </p:val>
-                                        </p:tav>
-                                      </p:tavLst>
-                                    </p:anim>
-                                    <p:anim calcmode="lin" valueType="num">
-                                      <p:cBhvr>
-                                        <p:cTn id="8" dur="500" fill="hold"/>
-                                        <p:tgtEl>
-                                          <p:spTgt spid="6"/>
-                                        </p:tgtEl>
-                                        <p:attrNameLst>
-                                          <p:attrName>ppt_h</p:attrName>
-                                        </p:attrNameLst>
-                                      </p:cBhvr>
-                                      <p:tavLst>
-                                        <p:tav tm="0">
-                                          <p:val>
-                                            <p:strVal val="#ppt_h"/>
-                                          </p:val>
-                                        </p:tav>
-                                        <p:tav tm="100000">
-                                          <p:val>
-                                            <p:strVal val="#ppt_h"/>
-                                          </p:val>
-                                        </p:tav>
-                                      </p:tavLst>
-                                    </p:anim>
-                                  </p:childTnLst>
-                                </p:cTn>
-                              </p:par>
-                            </p:childTnLst>
-                          </p:cTn>
-                        </p:par>
-                        <p:par>
-                          <p:cTn id="9" fill="hold">
-                            <p:stCondLst>
-                              <p:cond delay="500"/>
-                            </p:stCondLst>
-                            <p:childTnLst>
-                              <p:par>
-                                <p:cTn id="10" presetID="17" presetClass="entr" presetSubtype="10" fill="hold" nodeType="afterEffect">
-                                  <p:stCondLst>
-                                    <p:cond delay="0"/>
-                                  </p:stCondLst>
-                                  <p:childTnLst>
-                                    <p:set>
-                                      <p:cBhvr>
-                                        <p:cTn id="11" dur="1" fill="hold">
-                                          <p:stCondLst>
-                                            <p:cond delay="0"/>
-                                          </p:stCondLst>
-                                        </p:cTn>
-                                        <p:tgtEl>
-                                          <p:spTgt spid="5"/>
-                                        </p:tgtEl>
-                                        <p:attrNameLst>
-                                          <p:attrName>style.visibility</p:attrName>
-                                        </p:attrNameLst>
-                                      </p:cBhvr>
-                                      <p:to>
-                                        <p:strVal val="visible"/>
-                                      </p:to>
-                                    </p:set>
-                                    <p:anim calcmode="lin" valueType="num">
-                                      <p:cBhvr>
-                                        <p:cTn id="12" dur="500" fill="hold"/>
-                                        <p:tgtEl>
-                                          <p:spTgt spid="5"/>
-                                        </p:tgtEl>
-                                        <p:attrNameLst>
-                                          <p:attrName>ppt_w</p:attrName>
-                                        </p:attrNameLst>
-                                      </p:cBhvr>
-                                      <p:tavLst>
-                                        <p:tav tm="0">
-                                          <p:val>
-                                            <p:fltVal val="0"/>
-                                          </p:val>
-                                        </p:tav>
-                                        <p:tav tm="100000">
-                                          <p:val>
-                                            <p:strVal val="#ppt_w"/>
-                                          </p:val>
-                                        </p:tav>
-                                      </p:tavLst>
-                                    </p:anim>
-                                    <p:anim calcmode="lin" valueType="num">
-                                      <p:cBhvr>
-                                        <p:cTn id="13" dur="500" fill="hold"/>
-                                        <p:tgtEl>
-                                          <p:spTgt spid="5"/>
-                                        </p:tgtEl>
-                                        <p:attrNameLst>
-                                          <p:attrName>ppt_h</p:attrName>
-                                        </p:attrNameLst>
-                                      </p:cBhvr>
-                                      <p:tavLst>
-                                        <p:tav tm="0">
-                                          <p:val>
-                                            <p:strVal val="#ppt_h"/>
-                                          </p:val>
-                                        </p:tav>
-                                        <p:tav tm="100000">
-                                          <p:val>
-                                            <p:strVal val="#ppt_h"/>
-                                          </p:val>
-                                        </p:tav>
-                                      </p:tavLst>
-                                    </p:anim>
-                                  </p:childTnLst>
-                                </p:cTn>
-                              </p:par>
-                            </p:childTnLst>
-                          </p:cTn>
-                        </p:par>
-                      </p:childTnLst>
-                    </p:cTn>
-                  </p:par>
-                </p:childTnLst>
-              </p:cTn>
-              <p:prevCondLst>
-                <p:cond evt="onPrev" delay="0">
-                  <p:tgtEl>
-                    <p:sldTgt/>
-                  </p:tgtEl>
-                </p:cond>
-              </p:prevCondLst>
-              <p:nextCondLst>
-                <p:cond evt="onNext" delay="0">
-                  <p:tgtEl>
-                    <p:sldTgt/>
-                  </p:tgtEl>
-                </p:cond>
-              </p:nextCondLst>
-            </p:seq>
-          </p:childTnLst>
-        </p:cTn>
-      </p:par>
-    </p:tnLst>
-  </p:timing>
 </p:sld>
 </file>
 
@@ -8581,7 +8378,25 @@
                 </a:solidFill>
                 <a:latin typeface="Candara" panose="020E0502030303020204" pitchFamily="34" charset="0"/>
               </a:rPr>
-              <a:t> del dataset distort e di p, </a:t>
+              <a:t> del dataset </a:t>
+            </a:r>
+            <a:r>
+              <a:rPr lang="en-US" sz="1200" dirty="0" err="1">
+                <a:solidFill>
+                  <a:schemeClr val="bg1"/>
+                </a:solidFill>
+                <a:latin typeface="Candara" panose="020E0502030303020204" pitchFamily="34" charset="0"/>
+              </a:rPr>
+              <a:t>distorto</a:t>
+            </a:r>
+            <a:r>
+              <a:rPr lang="en-US" sz="1200" dirty="0">
+                <a:solidFill>
+                  <a:schemeClr val="bg1"/>
+                </a:solidFill>
+                <a:latin typeface="Candara" panose="020E0502030303020204" pitchFamily="34" charset="0"/>
+              </a:rPr>
+              <a:t> e di p, </a:t>
             </a:r>
             <a:r>
               <a:rPr lang="en-US" sz="1200" dirty="0" err="1">
@@ -12171,6 +11986,542 @@
           <a:chExt cx="0" cy="0"/>
         </a:xfrm>
       </p:grpSpPr>
+      <p:pic>
+        <p:nvPicPr>
+          <p:cNvPr id="12" name="Immagine 11">
+            <a:extLst>
+              <a:ext uri="{FF2B5EF4-FFF2-40B4-BE49-F238E27FC236}">
+                <a16:creationId xmlns:a16="http://schemas.microsoft.com/office/drawing/2014/main" id="{98EB2B6B-1CF8-4736-BA9A-774DD7F560F9}"/>
+              </a:ext>
+            </a:extLst>
+          </p:cNvPr>
+          <p:cNvPicPr>
+            <a:picLocks noChangeAspect="1"/>
+          </p:cNvPicPr>
+          <p:nvPr/>
+        </p:nvPicPr>
+        <p:blipFill>
+          <a:blip r:embed="rId2" cstate="print">
+            <a:extLst>
+              <a:ext uri="{28A0092B-C50C-407E-A947-70E740481C1C}">
+                <a14:useLocalDpi xmlns:a14="http://schemas.microsoft.com/office/drawing/2010/main" val="0"/>
+              </a:ext>
+            </a:extLst>
+          </a:blip>
+          <a:stretch>
+            <a:fillRect/>
+          </a:stretch>
+        </p:blipFill>
+        <p:spPr>
+          <a:xfrm>
+            <a:off x="5556000" y="6220686"/>
+            <a:ext cx="1080000" cy="658286"/>
+          </a:xfrm>
+          <a:prstGeom prst="rect">
+            <a:avLst/>
+          </a:prstGeom>
+        </p:spPr>
+      </p:pic>
+      <p:graphicFrame>
+        <p:nvGraphicFramePr>
+          <p:cNvPr id="3" name="Tabella 2">
+            <a:extLst>
+              <a:ext uri="{FF2B5EF4-FFF2-40B4-BE49-F238E27FC236}">
+                <a16:creationId xmlns:a16="http://schemas.microsoft.com/office/drawing/2014/main" id="{132FD78C-0A8D-439E-A795-9E8932E88610}"/>
+              </a:ext>
+            </a:extLst>
+          </p:cNvPr>
+          <p:cNvGraphicFramePr>
+            <a:graphicFrameLocks noGrp="1"/>
+          </p:cNvGraphicFramePr>
+          <p:nvPr>
+            <p:extLst>
+              <p:ext uri="{D42A27DB-BD31-4B8C-83A1-F6EECF244321}">
+                <p14:modId xmlns:p14="http://schemas.microsoft.com/office/powerpoint/2010/main" val="588330426"/>
+              </p:ext>
+            </p:extLst>
+          </p:nvPr>
+        </p:nvGraphicFramePr>
+        <p:xfrm>
+          <a:off x="1362045" y="1732326"/>
+          <a:ext cx="9467910" cy="2697549"/>
+        </p:xfrm>
+        <a:graphic>
+          <a:graphicData uri="http://schemas.openxmlformats.org/drawingml/2006/table">
+            <a:tbl>
+              <a:tblPr firstRow="1" bandRow="1">
+                <a:tableStyleId>{5C22544A-7EE6-4342-B048-85BDC9FD1C3A}</a:tableStyleId>
+              </a:tblPr>
+              <a:tblGrid>
+                <a:gridCol w="1893582">
+                  <a:extLst>
+                    <a:ext uri="{9D8B030D-6E8A-4147-A177-3AD203B41FA5}">
+                      <a16:colId xmlns:a16="http://schemas.microsoft.com/office/drawing/2014/main" val="493467813"/>
+                    </a:ext>
+                  </a:extLst>
+                </a:gridCol>
+                <a:gridCol w="1893582">
+                  <a:extLst>
+                    <a:ext uri="{9D8B030D-6E8A-4147-A177-3AD203B41FA5}">
+                      <a16:colId xmlns:a16="http://schemas.microsoft.com/office/drawing/2014/main" val="3036483849"/>
+                    </a:ext>
+                  </a:extLst>
+                </a:gridCol>
+                <a:gridCol w="1893582">
+                  <a:extLst>
+                    <a:ext uri="{9D8B030D-6E8A-4147-A177-3AD203B41FA5}">
+                      <a16:colId xmlns:a16="http://schemas.microsoft.com/office/drawing/2014/main" val="2058978727"/>
+                    </a:ext>
+                  </a:extLst>
+                </a:gridCol>
+                <a:gridCol w="1893582">
+                  <a:extLst>
+                    <a:ext uri="{9D8B030D-6E8A-4147-A177-3AD203B41FA5}">
+                      <a16:colId xmlns:a16="http://schemas.microsoft.com/office/drawing/2014/main" val="3471609030"/>
+                    </a:ext>
+                  </a:extLst>
+                </a:gridCol>
+                <a:gridCol w="1893582">
+                  <a:extLst>
+                    <a:ext uri="{9D8B030D-6E8A-4147-A177-3AD203B41FA5}">
+                      <a16:colId xmlns:a16="http://schemas.microsoft.com/office/drawing/2014/main" val="3451426914"/>
+                    </a:ext>
+                  </a:extLst>
+                </a:gridCol>
+              </a:tblGrid>
+              <a:tr h="899183">
+                <a:tc>
+                  <a:txBody>
+                    <a:bodyPr/>
+                    <a:lstStyle/>
+                    <a:p>
+                      <a:r>
+                        <a:rPr lang="it-IT" dirty="0"/>
+                        <a:t>Dataset</a:t>
+                      </a:r>
+                    </a:p>
+                  </a:txBody>
+                  <a:tcPr/>
+                </a:tc>
+                <a:tc>
+                  <a:txBody>
+                    <a:bodyPr/>
+                    <a:lstStyle/>
+                    <a:p>
+                      <a:r>
+                        <a:rPr lang="it-IT" dirty="0"/>
+                        <a:t># items</a:t>
+                      </a:r>
+                    </a:p>
+                  </a:txBody>
+                  <a:tcPr/>
+                </a:tc>
+                <a:tc>
+                  <a:txBody>
+                    <a:bodyPr/>
+                    <a:lstStyle/>
+                    <a:p>
+                      <a:r>
+                        <a:rPr lang="it-IT" sz="1800" dirty="0">
+                          <a:solidFill>
+                            <a:schemeClr val="bg1"/>
+                          </a:solidFill>
+                          <a:latin typeface="Candara" panose="020E0502030303020204" pitchFamily="34" charset="0"/>
+                        </a:rPr>
+                        <a:t># </a:t>
+                      </a:r>
+                      <a:r>
+                        <a:rPr lang="it-IT" sz="1800" dirty="0" err="1">
+                          <a:solidFill>
+                            <a:schemeClr val="bg1"/>
+                          </a:solidFill>
+                          <a:latin typeface="Candara" panose="020E0502030303020204" pitchFamily="34" charset="0"/>
+                        </a:rPr>
+                        <a:t>tuples</a:t>
+                      </a:r>
+                      <a:endParaRPr lang="it-IT" dirty="0">
+                        <a:solidFill>
+                          <a:schemeClr val="bg1"/>
+                        </a:solidFill>
+                      </a:endParaRPr>
+                    </a:p>
+                  </a:txBody>
+                  <a:tcPr/>
+                </a:tc>
+                <a:tc>
+                  <a:txBody>
+                    <a:bodyPr/>
+                    <a:lstStyle/>
+                    <a:p>
+                      <a:r>
+                        <a:rPr lang="it-IT" sz="1800" dirty="0">
+                          <a:solidFill>
+                            <a:schemeClr val="bg1"/>
+                          </a:solidFill>
+                          <a:latin typeface="Candara" panose="020E0502030303020204" pitchFamily="34" charset="0"/>
+                        </a:rPr>
+                        <a:t>p</a:t>
+                      </a:r>
+                      <a:endParaRPr lang="it-IT" dirty="0">
+                        <a:solidFill>
+                          <a:schemeClr val="bg1"/>
+                        </a:solidFill>
+                      </a:endParaRPr>
+                    </a:p>
+                  </a:txBody>
+                  <a:tcPr/>
+                </a:tc>
+                <a:tc>
+                  <a:txBody>
+                    <a:bodyPr/>
+                    <a:lstStyle/>
+                    <a:p>
+                      <a:pPr marL="0" marR="0" lvl="0" indent="0" algn="l" defTabSz="914400" rtl="0" eaLnBrk="1" fontAlgn="auto" latinLnBrk="0" hangingPunct="1">
+                        <a:lnSpc>
+                          <a:spcPct val="100000"/>
+                        </a:lnSpc>
+                        <a:spcBef>
+                          <a:spcPts val="0"/>
+                        </a:spcBef>
+                        <a:spcAft>
+                          <a:spcPts val="0"/>
+                        </a:spcAft>
+                        <a:buClrTx/>
+                        <a:buSzTx/>
+                        <a:buFontTx/>
+                        <a:buNone/>
+                        <a:tabLst/>
+                        <a:defRPr/>
+                      </a:pPr>
+                      <a:r>
+                        <a:rPr lang="it-IT" sz="1800" dirty="0">
+                          <a:solidFill>
+                            <a:schemeClr val="bg1"/>
+                          </a:solidFill>
+                          <a:latin typeface="Candara" panose="020E0502030303020204" pitchFamily="34" charset="0"/>
+                        </a:rPr>
+                        <a:t>privacy</a:t>
+                      </a:r>
+                      <a:endParaRPr lang="it-IT" dirty="0">
+                        <a:solidFill>
+                          <a:schemeClr val="bg1"/>
+                        </a:solidFill>
+                      </a:endParaRPr>
+                    </a:p>
+                  </a:txBody>
+                  <a:tcPr/>
+                </a:tc>
+                <a:extLst>
+                  <a:ext uri="{0D108BD9-81ED-4DB2-BD59-A6C34878D82A}">
+                    <a16:rowId xmlns:a16="http://schemas.microsoft.com/office/drawing/2014/main" val="350517259"/>
+                  </a:ext>
+                </a:extLst>
+              </a:tr>
+              <a:tr h="899183">
+                <a:tc>
+                  <a:txBody>
+                    <a:bodyPr/>
+                    <a:lstStyle/>
+                    <a:p>
+                      <a:r>
+                        <a:rPr lang="it-IT" dirty="0"/>
+                        <a:t>Paper</a:t>
+                      </a:r>
+                    </a:p>
+                  </a:txBody>
+                  <a:tcPr/>
+                </a:tc>
+                <a:tc>
+                  <a:txBody>
+                    <a:bodyPr/>
+                    <a:lstStyle/>
+                    <a:p>
+                      <a:r>
+                        <a:rPr lang="it-IT" dirty="0"/>
+                        <a:t>500</a:t>
+                      </a:r>
+                    </a:p>
+                  </a:txBody>
+                  <a:tcPr/>
+                </a:tc>
+                <a:tc>
+                  <a:txBody>
+                    <a:bodyPr/>
+                    <a:lstStyle/>
+                    <a:p>
+                      <a:r>
+                        <a:rPr lang="it-IT" dirty="0"/>
+                        <a:t>0.6 * 10^6</a:t>
+                      </a:r>
+                    </a:p>
+                  </a:txBody>
+                  <a:tcPr/>
+                </a:tc>
+                <a:tc>
+                  <a:txBody>
+                    <a:bodyPr/>
+                    <a:lstStyle/>
+                    <a:p>
+                      <a:r>
+                        <a:rPr lang="it-IT" dirty="0"/>
+                        <a:t>0.9</a:t>
+                      </a:r>
+                    </a:p>
+                  </a:txBody>
+                  <a:tcPr/>
+                </a:tc>
+                <a:tc>
+                  <a:txBody>
+                    <a:bodyPr/>
+                    <a:lstStyle/>
+                    <a:p>
+                      <a:r>
+                        <a:rPr lang="it-IT" dirty="0"/>
+                        <a:t>83%</a:t>
+                      </a:r>
+                    </a:p>
+                  </a:txBody>
+                  <a:tcPr/>
+                </a:tc>
+                <a:extLst>
+                  <a:ext uri="{0D108BD9-81ED-4DB2-BD59-A6C34878D82A}">
+                    <a16:rowId xmlns:a16="http://schemas.microsoft.com/office/drawing/2014/main" val="784247334"/>
+                  </a:ext>
+                </a:extLst>
+              </a:tr>
+              <a:tr h="899183">
+                <a:tc>
+                  <a:txBody>
+                    <a:bodyPr/>
+                    <a:lstStyle/>
+                    <a:p>
+                      <a:r>
+                        <a:rPr lang="it-IT" dirty="0"/>
+                        <a:t>Nostro</a:t>
+                      </a:r>
+                    </a:p>
+                  </a:txBody>
+                  <a:tcPr/>
+                </a:tc>
+                <a:tc>
+                  <a:txBody>
+                    <a:bodyPr/>
+                    <a:lstStyle/>
+                    <a:p>
+                      <a:r>
+                        <a:rPr lang="it-IT" dirty="0"/>
+                        <a:t>119</a:t>
+                      </a:r>
+                    </a:p>
+                  </a:txBody>
+                  <a:tcPr/>
+                </a:tc>
+                <a:tc>
+                  <a:txBody>
+                    <a:bodyPr/>
+                    <a:lstStyle/>
+                    <a:p>
+                      <a:r>
+                        <a:rPr lang="it-IT" dirty="0"/>
+                        <a:t>7.5 * 10^3</a:t>
+                      </a:r>
+                    </a:p>
+                  </a:txBody>
+                  <a:tcPr/>
+                </a:tc>
+                <a:tc>
+                  <a:txBody>
+                    <a:bodyPr/>
+                    <a:lstStyle/>
+                    <a:p>
+                      <a:r>
+                        <a:rPr lang="it-IT" dirty="0"/>
+                        <a:t>0.7</a:t>
+                      </a:r>
+                    </a:p>
+                  </a:txBody>
+                  <a:tcPr/>
+                </a:tc>
+                <a:tc>
+                  <a:txBody>
+                    <a:bodyPr/>
+                    <a:lstStyle/>
+                    <a:p>
+                      <a:r>
+                        <a:rPr lang="it-IT" dirty="0"/>
+                        <a:t>85%</a:t>
+                      </a:r>
+                    </a:p>
+                  </a:txBody>
+                  <a:tcPr/>
+                </a:tc>
+                <a:extLst>
+                  <a:ext uri="{0D108BD9-81ED-4DB2-BD59-A6C34878D82A}">
+                    <a16:rowId xmlns:a16="http://schemas.microsoft.com/office/drawing/2014/main" val="215805885"/>
+                  </a:ext>
+                </a:extLst>
+              </a:tr>
+            </a:tbl>
+          </a:graphicData>
+        </a:graphic>
+      </p:graphicFrame>
+      <p:sp>
+        <p:nvSpPr>
+          <p:cNvPr id="21" name="TextBox 24">
+            <a:extLst>
+              <a:ext uri="{FF2B5EF4-FFF2-40B4-BE49-F238E27FC236}">
+                <a16:creationId xmlns:a16="http://schemas.microsoft.com/office/drawing/2014/main" id="{44E9E053-469C-491E-9985-BB69E2617219}"/>
+              </a:ext>
+            </a:extLst>
+          </p:cNvPr>
+          <p:cNvSpPr txBox="1"/>
+          <p:nvPr/>
+        </p:nvSpPr>
+        <p:spPr>
+          <a:xfrm>
+            <a:off x="3341511" y="241450"/>
+            <a:ext cx="5508978" cy="769441"/>
+          </a:xfrm>
+          <a:prstGeom prst="rect">
+            <a:avLst/>
+          </a:prstGeom>
+          <a:noFill/>
+        </p:spPr>
+        <p:txBody>
+          <a:bodyPr wrap="square" rtlCol="0">
+            <a:spAutoFit/>
+          </a:bodyPr>
+          <a:lstStyle/>
+          <a:p>
+            <a:pPr algn="ctr"/>
+            <a:r>
+              <a:rPr lang="en-US" sz="4400" b="1" dirty="0">
+                <a:latin typeface="Candara" panose="020E0502030303020204" pitchFamily="34" charset="0"/>
+              </a:rPr>
+              <a:t>Dataset</a:t>
+            </a:r>
+          </a:p>
+        </p:txBody>
+      </p:sp>
+    </p:spTree>
+    <p:extLst>
+      <p:ext uri="{BB962C8B-B14F-4D97-AF65-F5344CB8AC3E}">
+        <p14:creationId xmlns:p14="http://schemas.microsoft.com/office/powerpoint/2010/main" val="751510436"/>
+      </p:ext>
+    </p:extLst>
+  </p:cSld>
+  <p:clrMapOvr>
+    <a:masterClrMapping/>
+  </p:clrMapOvr>
+  <p:timing>
+    <p:tnLst>
+      <p:par>
+        <p:cTn id="1" dur="indefinite" restart="never" nodeType="tmRoot">
+          <p:childTnLst>
+            <p:seq concurrent="1" nextAc="seek">
+              <p:cTn id="2" dur="indefinite" nodeType="mainSeq">
+                <p:childTnLst>
+                  <p:par>
+                    <p:cTn id="3" fill="hold">
+                      <p:stCondLst>
+                        <p:cond delay="indefinite"/>
+                        <p:cond evt="onBegin" delay="0">
+                          <p:tn val="2"/>
+                        </p:cond>
+                      </p:stCondLst>
+                      <p:childTnLst>
+                        <p:par>
+                          <p:cTn id="4" fill="hold">
+                            <p:stCondLst>
+                              <p:cond delay="0"/>
+                            </p:stCondLst>
+                            <p:childTnLst>
+                              <p:par>
+                                <p:cTn id="5" presetID="22" presetClass="entr" presetSubtype="8" fill="hold" grpId="0" nodeType="withEffect">
+                                  <p:stCondLst>
+                                    <p:cond delay="0"/>
+                                  </p:stCondLst>
+                                  <p:childTnLst>
+                                    <p:set>
+                                      <p:cBhvr>
+                                        <p:cTn id="6" dur="1" fill="hold">
+                                          <p:stCondLst>
+                                            <p:cond delay="0"/>
+                                          </p:stCondLst>
+                                        </p:cTn>
+                                        <p:tgtEl>
+                                          <p:spTgt spid="21"/>
+                                        </p:tgtEl>
+                                        <p:attrNameLst>
+                                          <p:attrName>style.visibility</p:attrName>
+                                        </p:attrNameLst>
+                                      </p:cBhvr>
+                                      <p:to>
+                                        <p:strVal val="visible"/>
+                                      </p:to>
+                                    </p:set>
+                                    <p:animEffect transition="in" filter="wipe(left)">
+                                      <p:cBhvr>
+                                        <p:cTn id="7" dur="500"/>
+                                        <p:tgtEl>
+                                          <p:spTgt spid="21"/>
+                                        </p:tgtEl>
+                                      </p:cBhvr>
+                                    </p:animEffect>
+                                  </p:childTnLst>
+                                </p:cTn>
+                              </p:par>
+                            </p:childTnLst>
+                          </p:cTn>
+                        </p:par>
+                      </p:childTnLst>
+                    </p:cTn>
+                  </p:par>
+                </p:childTnLst>
+              </p:cTn>
+              <p:prevCondLst>
+                <p:cond evt="onPrev" delay="0">
+                  <p:tgtEl>
+                    <p:sldTgt/>
+                  </p:tgtEl>
+                </p:cond>
+              </p:prevCondLst>
+              <p:nextCondLst>
+                <p:cond evt="onNext" delay="0">
+                  <p:tgtEl>
+                    <p:sldTgt/>
+                  </p:tgtEl>
+                </p:cond>
+              </p:nextCondLst>
+            </p:seq>
+          </p:childTnLst>
+        </p:cTn>
+      </p:par>
+    </p:tnLst>
+    <p:bldLst>
+      <p:bldP spid="21" grpId="0"/>
+    </p:bldLst>
+  </p:timing>
+</p:sld>
+</file>
+
+<file path=ppt/slides/slide5.xml><?xml version="1.0" encoding="utf-8"?>
+<p:sld xmlns:a="http://schemas.openxmlformats.org/drawingml/2006/main" xmlns:r="http://schemas.openxmlformats.org/officeDocument/2006/relationships" xmlns:p="http://schemas.openxmlformats.org/presentationml/2006/main">
+  <p:cSld>
+    <p:spTree>
+      <p:nvGrpSpPr>
+        <p:cNvPr id="1" name=""/>
+        <p:cNvGrpSpPr/>
+        <p:nvPr/>
+      </p:nvGrpSpPr>
+      <p:grpSpPr>
+        <a:xfrm>
+          <a:off x="0" y="0"/>
+          <a:ext cx="0" cy="0"/>
+          <a:chOff x="0" y="0"/>
+          <a:chExt cx="0" cy="0"/>
+        </a:xfrm>
+      </p:grpSpPr>
       <p:sp>
         <p:nvSpPr>
           <p:cNvPr id="46" name="Teardrop 45"/>
@@ -12179,7 +12530,7 @@
         </p:nvSpPr>
         <p:spPr>
           <a:xfrm rot="2720395">
-            <a:off x="602803" y="4270654"/>
+            <a:off x="594414" y="3990714"/>
             <a:ext cx="360000" cy="360000"/>
           </a:xfrm>
           <a:prstGeom prst="teardrop">
@@ -12232,7 +12583,7 @@
         </p:nvSpPr>
         <p:spPr>
           <a:xfrm rot="2720395">
-            <a:off x="607717" y="3343004"/>
+            <a:off x="599328" y="3063064"/>
             <a:ext cx="360000" cy="360000"/>
           </a:xfrm>
           <a:prstGeom prst="teardrop">
@@ -12285,7 +12636,7 @@
         </p:nvSpPr>
         <p:spPr>
           <a:xfrm rot="2720395">
-            <a:off x="602803" y="2413123"/>
+            <a:off x="594414" y="2133183"/>
             <a:ext cx="360000" cy="360000"/>
           </a:xfrm>
           <a:prstGeom prst="teardrop">
@@ -12338,7 +12689,7 @@
         </p:nvSpPr>
         <p:spPr>
           <a:xfrm rot="2720395">
-            <a:off x="602802" y="1483241"/>
+            <a:off x="594413" y="1203301"/>
             <a:ext cx="360000" cy="360000"/>
           </a:xfrm>
           <a:prstGeom prst="teardrop">
@@ -12426,7 +12777,7 @@
         </p:nvSpPr>
         <p:spPr>
           <a:xfrm>
-            <a:off x="982517" y="1290831"/>
+            <a:off x="974128" y="1010891"/>
             <a:ext cx="5256123" cy="929485"/>
           </a:xfrm>
           <a:prstGeom prst="rect">
@@ -12580,7 +12931,7 @@
                 </a:solidFill>
                 <a:latin typeface="Candara" panose="020E0502030303020204" pitchFamily="34" charset="0"/>
               </a:rPr>
-              <a:t> </a:t>
+              <a:t> di facile </a:t>
             </a:r>
             <a:r>
               <a:rPr lang="en-US" sz="1200" dirty="0" err="1">
@@ -12591,7 +12942,7 @@
                 </a:solidFill>
                 <a:latin typeface="Candara" panose="020E0502030303020204" pitchFamily="34" charset="0"/>
               </a:rPr>
-              <a:t>lineare</a:t>
+              <a:t>comprensione</a:t>
             </a:r>
             <a:r>
               <a:rPr lang="en-US" sz="1200" dirty="0">
@@ -12877,7 +13228,7 @@
         </p:nvSpPr>
         <p:spPr>
           <a:xfrm>
-            <a:off x="982517" y="2216559"/>
+            <a:off x="974128" y="1936619"/>
             <a:ext cx="5256123" cy="929485"/>
           </a:xfrm>
           <a:prstGeom prst="rect">
@@ -13397,7 +13748,252 @@
         </p:nvSpPr>
         <p:spPr>
           <a:xfrm>
-            <a:off x="982516" y="3151804"/>
+            <a:off x="974127" y="2871864"/>
+            <a:ext cx="5256123" cy="744819"/>
+          </a:xfrm>
+          <a:prstGeom prst="rect">
+            <a:avLst/>
+          </a:prstGeom>
+          <a:noFill/>
+        </p:spPr>
+        <p:txBody>
+          <a:bodyPr wrap="square" rtlCol="0">
+            <a:spAutoFit/>
+          </a:bodyPr>
+          <a:lstStyle/>
+          <a:p>
+            <a:pPr algn="ctr" defTabSz="1219170">
+              <a:spcBef>
+                <a:spcPct val="20000"/>
+              </a:spcBef>
+              <a:defRPr/>
+            </a:pPr>
+            <a:r>
+              <a:rPr lang="en-US" sz="1600" b="1" dirty="0">
+                <a:solidFill>
+                  <a:srgbClr val="EF9D27"/>
+                </a:solidFill>
+                <a:latin typeface="Candara" panose="020E0502030303020204" pitchFamily="34" charset="0"/>
+              </a:rPr>
+              <a:t>Tempi di </a:t>
+            </a:r>
+            <a:r>
+              <a:rPr lang="en-US" sz="1600" b="1" dirty="0" err="1">
+                <a:solidFill>
+                  <a:srgbClr val="EF9D27"/>
+                </a:solidFill>
+                <a:latin typeface="Candara" panose="020E0502030303020204" pitchFamily="34" charset="0"/>
+              </a:rPr>
+              <a:t>computazione</a:t>
+            </a:r>
+            <a:endParaRPr lang="en-US" sz="1600" b="1" dirty="0">
+              <a:solidFill>
+                <a:srgbClr val="34738D"/>
+              </a:solidFill>
+              <a:latin typeface="Candara" panose="020E0502030303020204" pitchFamily="34" charset="0"/>
+            </a:endParaRPr>
+          </a:p>
+          <a:p>
+            <a:pPr algn="ctr" defTabSz="1219170">
+              <a:spcBef>
+                <a:spcPct val="20000"/>
+              </a:spcBef>
+              <a:defRPr/>
+            </a:pPr>
+            <a:r>
+              <a:rPr lang="en-US" sz="1200" dirty="0" err="1">
+                <a:solidFill>
+                  <a:schemeClr val="bg2">
+                    <a:lumMod val="10000"/>
+                  </a:schemeClr>
+                </a:solidFill>
+                <a:latin typeface="Candara" panose="020E0502030303020204" pitchFamily="34" charset="0"/>
+              </a:rPr>
+              <a:t>Anche</a:t>
+            </a:r>
+            <a:r>
+              <a:rPr lang="en-US" sz="1200" dirty="0">
+                <a:solidFill>
+                  <a:schemeClr val="bg2">
+                    <a:lumMod val="10000"/>
+                  </a:schemeClr>
+                </a:solidFill>
+                <a:latin typeface="Candara" panose="020E0502030303020204" pitchFamily="34" charset="0"/>
+              </a:rPr>
+              <a:t> con un dataset molto </a:t>
+            </a:r>
+            <a:r>
+              <a:rPr lang="en-US" sz="1200" dirty="0" err="1">
+                <a:solidFill>
+                  <a:schemeClr val="bg2">
+                    <a:lumMod val="10000"/>
+                  </a:schemeClr>
+                </a:solidFill>
+                <a:latin typeface="Candara" panose="020E0502030303020204" pitchFamily="34" charset="0"/>
+              </a:rPr>
+              <a:t>ridotto</a:t>
+            </a:r>
+            <a:r>
+              <a:rPr lang="en-US" sz="1200" dirty="0">
+                <a:solidFill>
+                  <a:schemeClr val="bg2">
+                    <a:lumMod val="10000"/>
+                  </a:schemeClr>
+                </a:solidFill>
+                <a:latin typeface="Candara" panose="020E0502030303020204" pitchFamily="34" charset="0"/>
+              </a:rPr>
+              <a:t> quale </a:t>
+            </a:r>
+            <a:r>
+              <a:rPr lang="en-US" sz="1200" dirty="0" err="1">
+                <a:solidFill>
+                  <a:schemeClr val="bg2">
+                    <a:lumMod val="10000"/>
+                  </a:schemeClr>
+                </a:solidFill>
+                <a:latin typeface="Candara" panose="020E0502030303020204" pitchFamily="34" charset="0"/>
+              </a:rPr>
+              <a:t>quello</a:t>
+            </a:r>
+            <a:r>
+              <a:rPr lang="en-US" sz="1200" dirty="0">
+                <a:solidFill>
+                  <a:schemeClr val="bg2">
+                    <a:lumMod val="10000"/>
+                  </a:schemeClr>
+                </a:solidFill>
+                <a:latin typeface="Candara" panose="020E0502030303020204" pitchFamily="34" charset="0"/>
+              </a:rPr>
+              <a:t> </a:t>
+            </a:r>
+            <a:r>
+              <a:rPr lang="en-US" sz="1200" dirty="0" err="1">
+                <a:solidFill>
+                  <a:schemeClr val="bg2">
+                    <a:lumMod val="10000"/>
+                  </a:schemeClr>
+                </a:solidFill>
+                <a:latin typeface="Candara" panose="020E0502030303020204" pitchFamily="34" charset="0"/>
+              </a:rPr>
+              <a:t>considerato</a:t>
+            </a:r>
+            <a:r>
+              <a:rPr lang="en-US" sz="1200" dirty="0">
+                <a:solidFill>
+                  <a:schemeClr val="bg2">
+                    <a:lumMod val="10000"/>
+                  </a:schemeClr>
+                </a:solidFill>
+                <a:latin typeface="Candara" panose="020E0502030303020204" pitchFamily="34" charset="0"/>
+              </a:rPr>
+              <a:t>, </a:t>
+            </a:r>
+            <a:r>
+              <a:rPr lang="en-US" sz="1200" dirty="0" err="1">
+                <a:solidFill>
+                  <a:schemeClr val="bg2">
+                    <a:lumMod val="10000"/>
+                  </a:schemeClr>
+                </a:solidFill>
+                <a:latin typeface="Candara" panose="020E0502030303020204" pitchFamily="34" charset="0"/>
+              </a:rPr>
+              <a:t>i</a:t>
+            </a:r>
+            <a:r>
+              <a:rPr lang="en-US" sz="1200" dirty="0">
+                <a:solidFill>
+                  <a:schemeClr val="bg2">
+                    <a:lumMod val="10000"/>
+                  </a:schemeClr>
+                </a:solidFill>
+                <a:latin typeface="Candara" panose="020E0502030303020204" pitchFamily="34" charset="0"/>
+              </a:rPr>
+              <a:t> tempi di </a:t>
+            </a:r>
+            <a:r>
+              <a:rPr lang="en-US" sz="1200" dirty="0" err="1">
+                <a:solidFill>
+                  <a:schemeClr val="bg2">
+                    <a:lumMod val="10000"/>
+                  </a:schemeClr>
+                </a:solidFill>
+                <a:latin typeface="Candara" panose="020E0502030303020204" pitchFamily="34" charset="0"/>
+              </a:rPr>
+              <a:t>esecuzione</a:t>
+            </a:r>
+            <a:r>
+              <a:rPr lang="en-US" sz="1200" dirty="0">
+                <a:solidFill>
+                  <a:schemeClr val="bg2">
+                    <a:lumMod val="10000"/>
+                  </a:schemeClr>
+                </a:solidFill>
+                <a:latin typeface="Candara" panose="020E0502030303020204" pitchFamily="34" charset="0"/>
+              </a:rPr>
+              <a:t> </a:t>
+            </a:r>
+            <a:r>
+              <a:rPr lang="en-US" sz="1200" dirty="0" err="1">
+                <a:solidFill>
+                  <a:schemeClr val="bg2">
+                    <a:lumMod val="10000"/>
+                  </a:schemeClr>
+                </a:solidFill>
+                <a:latin typeface="Candara" panose="020E0502030303020204" pitchFamily="34" charset="0"/>
+              </a:rPr>
+              <a:t>risultano</a:t>
+            </a:r>
+            <a:r>
+              <a:rPr lang="en-US" sz="1200" dirty="0">
+                <a:solidFill>
+                  <a:schemeClr val="bg2">
+                    <a:lumMod val="10000"/>
+                  </a:schemeClr>
+                </a:solidFill>
+                <a:latin typeface="Candara" panose="020E0502030303020204" pitchFamily="34" charset="0"/>
+              </a:rPr>
+              <a:t> </a:t>
+            </a:r>
+            <a:r>
+              <a:rPr lang="en-US" sz="1200" dirty="0" err="1">
+                <a:solidFill>
+                  <a:schemeClr val="bg2">
+                    <a:lumMod val="10000"/>
+                  </a:schemeClr>
+                </a:solidFill>
+                <a:latin typeface="Candara" panose="020E0502030303020204" pitchFamily="34" charset="0"/>
+              </a:rPr>
+              <a:t>elevati</a:t>
+            </a:r>
+            <a:r>
+              <a:rPr lang="en-US" sz="1200" dirty="0">
+                <a:solidFill>
+                  <a:schemeClr val="bg2">
+                    <a:lumMod val="10000"/>
+                  </a:schemeClr>
+                </a:solidFill>
+                <a:latin typeface="Candara" panose="020E0502030303020204" pitchFamily="34" charset="0"/>
+              </a:rPr>
+              <a:t>.</a:t>
+            </a:r>
+          </a:p>
+        </p:txBody>
+      </p:sp>
+      <p:sp>
+        <p:nvSpPr>
+          <p:cNvPr id="15" name="TextBox 25">
+            <a:extLst>
+              <a:ext uri="{FF2B5EF4-FFF2-40B4-BE49-F238E27FC236}">
+                <a16:creationId xmlns:a16="http://schemas.microsoft.com/office/drawing/2014/main" id="{7F91E70A-48DC-46DE-A74F-6CD75A110136}"/>
+              </a:ext>
+            </a:extLst>
+          </p:cNvPr>
+          <p:cNvSpPr txBox="1"/>
+          <p:nvPr/>
+        </p:nvSpPr>
+        <p:spPr>
+          <a:xfrm>
+            <a:off x="974127" y="3797592"/>
             <a:ext cx="5256123" cy="929485"/>
           </a:xfrm>
           <a:prstGeom prst="rect">
@@ -13418,26 +14014,89 @@
               <a:defRPr/>
             </a:pPr>
             <a:r>
-              <a:rPr lang="en-US" sz="1600" b="1" dirty="0">
-                <a:solidFill>
-                  <a:srgbClr val="EF9D27"/>
-                </a:solidFill>
-                <a:latin typeface="Candara" panose="020E0502030303020204" pitchFamily="34" charset="0"/>
-              </a:rPr>
-              <a:t>Tempi di </a:t>
-            </a:r>
-            <a:r>
-              <a:rPr lang="en-US" sz="1600" b="1" dirty="0" err="1">
-                <a:solidFill>
-                  <a:srgbClr val="EF9D27"/>
-                </a:solidFill>
-                <a:latin typeface="Candara" panose="020E0502030303020204" pitchFamily="34" charset="0"/>
-              </a:rPr>
-              <a:t>computazione</a:t>
+              <a:rPr lang="it-IT" sz="1600" dirty="0">
+                <a:solidFill>
+                  <a:srgbClr val="FF0000"/>
+                </a:solidFill>
+                <a:latin typeface="Candara" panose="020E0502030303020204" pitchFamily="34" charset="0"/>
+              </a:rPr>
+              <a:t>Calcolo </a:t>
+            </a:r>
+            <a:r>
+              <a:rPr lang="el-GR" sz="1600" dirty="0">
+                <a:solidFill>
+                  <a:srgbClr val="FF0000"/>
+                </a:solidFill>
+                <a:latin typeface="Candara" panose="020E0502030303020204" pitchFamily="34" charset="0"/>
+              </a:rPr>
+              <a:t>σ</a:t>
+            </a:r>
+            <a:r>
+              <a:rPr lang="it-IT" sz="1600" dirty="0">
+                <a:solidFill>
+                  <a:srgbClr val="FF0000"/>
+                </a:solidFill>
+                <a:latin typeface="Candara" panose="020E0502030303020204" pitchFamily="34" charset="0"/>
+              </a:rPr>
+              <a:t>+</a:t>
+            </a:r>
+            <a:r>
+              <a:rPr lang="en-US" sz="1600" dirty="0">
+                <a:solidFill>
+                  <a:srgbClr val="FF0000"/>
+                </a:solidFill>
+                <a:latin typeface="Candara" panose="020E0502030303020204" pitchFamily="34" charset="0"/>
+              </a:rPr>
+              <a:t> e </a:t>
+            </a:r>
+            <a:r>
+              <a:rPr lang="el-GR" sz="1600" dirty="0">
+                <a:solidFill>
+                  <a:srgbClr val="FF0000"/>
+                </a:solidFill>
+                <a:latin typeface="Candara" panose="020E0502030303020204" pitchFamily="34" charset="0"/>
+              </a:rPr>
+              <a:t>σ</a:t>
+            </a:r>
+            <a:r>
+              <a:rPr lang="it-IT" sz="1600" dirty="0">
+                <a:solidFill>
+                  <a:srgbClr val="FF0000"/>
+                </a:solidFill>
+                <a:latin typeface="Candara" panose="020E0502030303020204" pitchFamily="34" charset="0"/>
+              </a:rPr>
+              <a:t>-, </a:t>
+            </a:r>
+            <a:r>
+              <a:rPr lang="it-IT" sz="1600" dirty="0" err="1">
+                <a:solidFill>
+                  <a:srgbClr val="FF0000"/>
+                </a:solidFill>
+                <a:latin typeface="Candara" panose="020E0502030303020204" pitchFamily="34" charset="0"/>
+              </a:rPr>
+              <a:t>identity</a:t>
+            </a:r>
+            <a:r>
+              <a:rPr lang="it-IT" sz="1600" dirty="0">
+                <a:solidFill>
+                  <a:srgbClr val="FF0000"/>
+                </a:solidFill>
+                <a:latin typeface="Candara" panose="020E0502030303020204" pitchFamily="34" charset="0"/>
+              </a:rPr>
+              <a:t> </a:t>
+            </a:r>
+            <a:r>
+              <a:rPr lang="it-IT" sz="1600" dirty="0" err="1">
+                <a:solidFill>
+                  <a:srgbClr val="FF0000"/>
+                </a:solidFill>
+                <a:latin typeface="Candara" panose="020E0502030303020204" pitchFamily="34" charset="0"/>
+              </a:rPr>
+              <a:t>error</a:t>
             </a:r>
             <a:endParaRPr lang="en-US" sz="1600" b="1" dirty="0">
               <a:solidFill>
-                <a:srgbClr val="34738D"/>
+                <a:srgbClr val="FF0000"/>
               </a:solidFill>
               <a:latin typeface="Candara" panose="020E0502030303020204" pitchFamily="34" charset="0"/>
             </a:endParaRPr>
@@ -13450,6 +14109,17 @@
               <a:defRPr/>
             </a:pPr>
             <a:r>
+              <a:rPr lang="en-US" sz="1200" dirty="0">
+                <a:solidFill>
+                  <a:schemeClr val="bg2">
+                    <a:lumMod val="10000"/>
+                  </a:schemeClr>
+                </a:solidFill>
+                <a:latin typeface="Candara" panose="020E0502030303020204" pitchFamily="34" charset="0"/>
+              </a:rPr>
+              <a:t>Le due </a:t>
+            </a:r>
+            <a:r>
               <a:rPr lang="en-US" sz="1200" dirty="0" err="1">
                 <a:solidFill>
                   <a:schemeClr val="bg2">
@@ -13458,7 +14128,7 @@
                 </a:solidFill>
                 <a:latin typeface="Candara" panose="020E0502030303020204" pitchFamily="34" charset="0"/>
               </a:rPr>
-              <a:t>Anche</a:t>
+              <a:t>misure</a:t>
             </a:r>
             <a:r>
               <a:rPr lang="en-US" sz="1200" dirty="0">
@@ -13469,7 +14139,7 @@
                 </a:solidFill>
                 <a:latin typeface="Candara" panose="020E0502030303020204" pitchFamily="34" charset="0"/>
               </a:rPr>
-              <a:t> con un dataset molto </a:t>
+              <a:t>, per </a:t>
             </a:r>
             <a:r>
               <a:rPr lang="en-US" sz="1200" dirty="0" err="1">
@@ -13480,7 +14150,7 @@
                 </a:solidFill>
                 <a:latin typeface="Candara" panose="020E0502030303020204" pitchFamily="34" charset="0"/>
               </a:rPr>
-              <a:t>ridotto</a:t>
+              <a:t>costruzione</a:t>
             </a:r>
             <a:r>
               <a:rPr lang="en-US" sz="1200" dirty="0">
@@ -13491,7 +14161,7 @@
                 </a:solidFill>
                 <a:latin typeface="Candara" panose="020E0502030303020204" pitchFamily="34" charset="0"/>
               </a:rPr>
-              <a:t> quale </a:t>
+              <a:t> (</a:t>
             </a:r>
             <a:r>
               <a:rPr lang="en-US" sz="1200" dirty="0" err="1">
@@ -13502,7 +14172,7 @@
                 </a:solidFill>
                 <a:latin typeface="Candara" panose="020E0502030303020204" pitchFamily="34" charset="0"/>
               </a:rPr>
-              <a:t>quello</a:t>
+              <a:t>viene</a:t>
             </a:r>
             <a:r>
               <a:rPr lang="en-US" sz="1200" dirty="0">
@@ -13524,7 +14194,7 @@
                 </a:solidFill>
                 <a:latin typeface="Candara" panose="020E0502030303020204" pitchFamily="34" charset="0"/>
               </a:rPr>
-              <a:t>considerato</a:t>
+              <a:t>utilizzato</a:t>
             </a:r>
             <a:r>
               <a:rPr lang="en-US" sz="1200" dirty="0">
@@ -13535,6 +14205,50 @@
                 </a:solidFill>
                 <a:latin typeface="Candara" panose="020E0502030303020204" pitchFamily="34" charset="0"/>
               </a:rPr>
+              <a:t> </a:t>
+            </a:r>
+            <a:r>
+              <a:rPr lang="en-US" sz="1200" dirty="0" err="1">
+                <a:solidFill>
+                  <a:schemeClr val="bg2">
+                    <a:lumMod val="10000"/>
+                  </a:schemeClr>
+                </a:solidFill>
+                <a:latin typeface="Candara" panose="020E0502030303020204" pitchFamily="34" charset="0"/>
+              </a:rPr>
+              <a:t>il</a:t>
+            </a:r>
+            <a:r>
+              <a:rPr lang="en-US" sz="1200" dirty="0">
+                <a:solidFill>
+                  <a:schemeClr val="bg2">
+                    <a:lumMod val="10000"/>
+                  </a:schemeClr>
+                </a:solidFill>
+                <a:latin typeface="Candara" panose="020E0502030303020204" pitchFamily="34" charset="0"/>
+              </a:rPr>
+              <a:t> modulo di una </a:t>
+            </a:r>
+            <a:r>
+              <a:rPr lang="en-US" sz="1200" dirty="0" err="1">
+                <a:solidFill>
+                  <a:schemeClr val="bg2">
+                    <a:lumMod val="10000"/>
+                  </a:schemeClr>
+                </a:solidFill>
+                <a:latin typeface="Candara" panose="020E0502030303020204" pitchFamily="34" charset="0"/>
+              </a:rPr>
+              <a:t>differenza</a:t>
+            </a:r>
+            <a:r>
+              <a:rPr lang="en-US" sz="1200" dirty="0">
+                <a:solidFill>
+                  <a:schemeClr val="bg2">
+                    <a:lumMod val="10000"/>
+                  </a:schemeClr>
+                </a:solidFill>
+                <a:latin typeface="Candara" panose="020E0502030303020204" pitchFamily="34" charset="0"/>
+              </a:rPr>
               <a:t>, </a:t>
             </a:r>
             <a:r>
@@ -13546,7 +14260,7 @@
                 </a:solidFill>
                 <a:latin typeface="Candara" panose="020E0502030303020204" pitchFamily="34" charset="0"/>
               </a:rPr>
-              <a:t>i</a:t>
+              <a:t>diviso</a:t>
             </a:r>
             <a:r>
               <a:rPr lang="en-US" sz="1200" dirty="0">
@@ -13557,7 +14271,7 @@
                 </a:solidFill>
                 <a:latin typeface="Candara" panose="020E0502030303020204" pitchFamily="34" charset="0"/>
               </a:rPr>
-              <a:t> tempi di </a:t>
+              <a:t> una </a:t>
             </a:r>
             <a:r>
               <a:rPr lang="en-US" sz="1200" dirty="0" err="1">
@@ -13568,7 +14282,7 @@
                 </a:solidFill>
                 <a:latin typeface="Candara" panose="020E0502030303020204" pitchFamily="34" charset="0"/>
               </a:rPr>
-              <a:t>esecuzione</a:t>
+              <a:t>costante</a:t>
             </a:r>
             <a:r>
               <a:rPr lang="en-US" sz="1200" dirty="0">
@@ -13579,6 +14293,28 @@
                 </a:solidFill>
                 <a:latin typeface="Candara" panose="020E0502030303020204" pitchFamily="34" charset="0"/>
               </a:rPr>
+              <a:t>), </a:t>
+            </a:r>
+            <a:r>
+              <a:rPr lang="en-US" sz="1200" dirty="0" err="1">
+                <a:solidFill>
+                  <a:schemeClr val="bg2">
+                    <a:lumMod val="10000"/>
+                  </a:schemeClr>
+                </a:solidFill>
+                <a:latin typeface="Candara" panose="020E0502030303020204" pitchFamily="34" charset="0"/>
+              </a:rPr>
+              <a:t>devono</a:t>
+            </a:r>
+            <a:r>
+              <a:rPr lang="en-US" sz="1200" dirty="0">
+                <a:solidFill>
+                  <a:schemeClr val="bg2">
+                    <a:lumMod val="10000"/>
+                  </a:schemeClr>
+                </a:solidFill>
+                <a:latin typeface="Candara" panose="020E0502030303020204" pitchFamily="34" charset="0"/>
+              </a:rPr>
               <a:t> </a:t>
             </a:r>
             <a:r>
@@ -13590,7 +14326,7 @@
                 </a:solidFill>
                 <a:latin typeface="Candara" panose="020E0502030303020204" pitchFamily="34" charset="0"/>
               </a:rPr>
-              <a:t>risultano</a:t>
+              <a:t>essere</a:t>
             </a:r>
             <a:r>
               <a:rPr lang="en-US" sz="1200" dirty="0">
@@ -13612,7 +14348,7 @@
                 </a:solidFill>
                 <a:latin typeface="Candara" panose="020E0502030303020204" pitchFamily="34" charset="0"/>
               </a:rPr>
-              <a:t>elevati</a:t>
+              <a:t>uguali</a:t>
             </a:r>
             <a:r>
               <a:rPr lang="en-US" sz="1200" dirty="0">
@@ -13623,7 +14359,7 @@
                 </a:solidFill>
                 <a:latin typeface="Candara" panose="020E0502030303020204" pitchFamily="34" charset="0"/>
               </a:rPr>
-              <a:t>, per cui </a:t>
+              <a:t>, e </a:t>
             </a:r>
             <a:r>
               <a:rPr lang="en-US" sz="1200" dirty="0" err="1">
@@ -13634,7 +14370,7 @@
                 </a:solidFill>
                 <a:latin typeface="Candara" panose="020E0502030303020204" pitchFamily="34" charset="0"/>
               </a:rPr>
-              <a:t>abbiamo</a:t>
+              <a:t>quindi</a:t>
             </a:r>
             <a:r>
               <a:rPr lang="en-US" sz="1200" dirty="0">
@@ -13645,6 +14381,28 @@
                 </a:solidFill>
                 <a:latin typeface="Candara" panose="020E0502030303020204" pitchFamily="34" charset="0"/>
               </a:rPr>
+              <a:t> non ha </a:t>
+            </a:r>
+            <a:r>
+              <a:rPr lang="en-US" sz="1200" dirty="0" err="1">
+                <a:solidFill>
+                  <a:schemeClr val="bg2">
+                    <a:lumMod val="10000"/>
+                  </a:schemeClr>
+                </a:solidFill>
+                <a:latin typeface="Candara" panose="020E0502030303020204" pitchFamily="34" charset="0"/>
+              </a:rPr>
+              <a:t>senso</a:t>
+            </a:r>
+            <a:r>
+              <a:rPr lang="en-US" sz="1200" dirty="0">
+                <a:solidFill>
+                  <a:schemeClr val="bg2">
+                    <a:lumMod val="10000"/>
+                  </a:schemeClr>
+                </a:solidFill>
+                <a:latin typeface="Candara" panose="020E0502030303020204" pitchFamily="34" charset="0"/>
+              </a:rPr>
               <a:t> </a:t>
             </a:r>
             <a:r>
@@ -13656,7 +14414,7 @@
                 </a:solidFill>
                 <a:latin typeface="Candara" panose="020E0502030303020204" pitchFamily="34" charset="0"/>
               </a:rPr>
-              <a:t>cercato</a:t>
+              <a:t>calcolarle</a:t>
             </a:r>
             <a:r>
               <a:rPr lang="en-US" sz="1200" dirty="0">
@@ -13667,7 +14425,7 @@
                 </a:solidFill>
                 <a:latin typeface="Candara" panose="020E0502030303020204" pitchFamily="34" charset="0"/>
               </a:rPr>
-              <a:t> di </a:t>
+              <a:t> </a:t>
             </a:r>
             <a:r>
               <a:rPr lang="en-US" sz="1200" dirty="0" err="1">
@@ -13678,7 +14436,7 @@
                 </a:solidFill>
                 <a:latin typeface="Candara" panose="020E0502030303020204" pitchFamily="34" charset="0"/>
               </a:rPr>
-              <a:t>limitare</a:t>
+              <a:t>differenziandole</a:t>
             </a:r>
             <a:r>
               <a:rPr lang="en-US" sz="1200" dirty="0">
@@ -13689,7 +14447,7 @@
                 </a:solidFill>
                 <a:latin typeface="Candara" panose="020E0502030303020204" pitchFamily="34" charset="0"/>
               </a:rPr>
-              <a:t> le </a:t>
+              <a:t> come </a:t>
             </a:r>
             <a:r>
               <a:rPr lang="en-US" sz="1200" dirty="0" err="1">
@@ -13700,7 +14458,7 @@
                 </a:solidFill>
                 <a:latin typeface="Candara" panose="020E0502030303020204" pitchFamily="34" charset="0"/>
               </a:rPr>
-              <a:t>dimensioni</a:t>
+              <a:t>mostrato</a:t>
             </a:r>
             <a:r>
               <a:rPr lang="en-US" sz="1200" dirty="0">
@@ -13722,7 +14480,7 @@
                 </a:solidFill>
                 <a:latin typeface="Candara" panose="020E0502030303020204" pitchFamily="34" charset="0"/>
               </a:rPr>
-              <a:t>utilizzando</a:t>
+              <a:t>nel</a:t>
             </a:r>
             <a:r>
               <a:rPr lang="en-US" sz="1200" dirty="0">
@@ -13733,105 +14491,76 @@
                 </a:solidFill>
                 <a:latin typeface="Candara" panose="020E0502030303020204" pitchFamily="34" charset="0"/>
               </a:rPr>
-              <a:t> solo 10 </a:t>
-            </a:r>
-            <a:r>
-              <a:rPr lang="en-US" sz="1200" dirty="0" err="1">
-                <a:solidFill>
-                  <a:schemeClr val="bg2">
-                    <a:lumMod val="10000"/>
-                  </a:schemeClr>
-                </a:solidFill>
-                <a:latin typeface="Candara" panose="020E0502030303020204" pitchFamily="34" charset="0"/>
-              </a:rPr>
-              <a:t>colonne</a:t>
-            </a:r>
-            <a:r>
-              <a:rPr lang="en-US" sz="1200" dirty="0">
-                <a:solidFill>
-                  <a:schemeClr val="bg2">
-                    <a:lumMod val="10000"/>
-                  </a:schemeClr>
-                </a:solidFill>
-                <a:latin typeface="Candara" panose="020E0502030303020204" pitchFamily="34" charset="0"/>
-              </a:rPr>
-              <a:t> e non </a:t>
-            </a:r>
-            <a:r>
-              <a:rPr lang="en-US" sz="1200" dirty="0" err="1">
-                <a:solidFill>
-                  <a:schemeClr val="bg2">
-                    <a:lumMod val="10000"/>
-                  </a:schemeClr>
-                </a:solidFill>
-                <a:latin typeface="Candara" panose="020E0502030303020204" pitchFamily="34" charset="0"/>
-              </a:rPr>
-              <a:t>andando</a:t>
-            </a:r>
-            <a:r>
-              <a:rPr lang="en-US" sz="1200" dirty="0">
-                <a:solidFill>
-                  <a:schemeClr val="bg2">
-                    <a:lumMod val="10000"/>
-                  </a:schemeClr>
-                </a:solidFill>
-                <a:latin typeface="Candara" panose="020E0502030303020204" pitchFamily="34" charset="0"/>
-              </a:rPr>
-              <a:t> </a:t>
-            </a:r>
-            <a:r>
-              <a:rPr lang="en-US" sz="1200" dirty="0" err="1">
-                <a:solidFill>
-                  <a:schemeClr val="bg2">
-                    <a:lumMod val="10000"/>
-                  </a:schemeClr>
-                </a:solidFill>
-                <a:latin typeface="Candara" panose="020E0502030303020204" pitchFamily="34" charset="0"/>
-              </a:rPr>
-              <a:t>oltre</a:t>
-            </a:r>
-            <a:r>
-              <a:rPr lang="en-US" sz="1200" dirty="0">
-                <a:solidFill>
-                  <a:schemeClr val="bg2">
-                    <a:lumMod val="10000"/>
-                  </a:schemeClr>
-                </a:solidFill>
-                <a:latin typeface="Candara" panose="020E0502030303020204" pitchFamily="34" charset="0"/>
-              </a:rPr>
-              <a:t> </a:t>
-            </a:r>
-            <a:r>
-              <a:rPr lang="en-US" sz="1200" dirty="0" err="1">
-                <a:solidFill>
-                  <a:schemeClr val="bg2">
-                    <a:lumMod val="10000"/>
-                  </a:schemeClr>
-                </a:solidFill>
-                <a:latin typeface="Candara" panose="020E0502030303020204" pitchFamily="34" charset="0"/>
-              </a:rPr>
-              <a:t>il</a:t>
-            </a:r>
-            <a:r>
-              <a:rPr lang="en-US" sz="1200" dirty="0">
-                <a:solidFill>
-                  <a:schemeClr val="bg2">
-                    <a:lumMod val="10000"/>
-                  </a:schemeClr>
-                </a:solidFill>
-                <a:latin typeface="Candara" panose="020E0502030303020204" pitchFamily="34" charset="0"/>
-              </a:rPr>
-              <a:t> 2-itemset.</a:t>
+              <a:t> paper.</a:t>
             </a:r>
           </a:p>
         </p:txBody>
       </p:sp>
       <p:sp>
         <p:nvSpPr>
-          <p:cNvPr id="15" name="TextBox 25">
+          <p:cNvPr id="16" name="Teardrop 45">
             <a:extLst>
               <a:ext uri="{FF2B5EF4-FFF2-40B4-BE49-F238E27FC236}">
-                <a16:creationId xmlns:a16="http://schemas.microsoft.com/office/drawing/2014/main" id="{7F91E70A-48DC-46DE-A74F-6CD75A110136}"/>
+                <a16:creationId xmlns:a16="http://schemas.microsoft.com/office/drawing/2014/main" id="{76E9DDE6-BCA2-440C-99BE-5AC75B222CBC}"/>
+              </a:ext>
+            </a:extLst>
+          </p:cNvPr>
+          <p:cNvSpPr/>
+          <p:nvPr/>
+        </p:nvSpPr>
+        <p:spPr>
+          <a:xfrm rot="2720395">
+            <a:off x="594413" y="4859277"/>
+            <a:ext cx="360000" cy="360000"/>
+          </a:xfrm>
+          <a:prstGeom prst="teardrop">
+            <a:avLst/>
+          </a:prstGeom>
+          <a:solidFill>
+            <a:srgbClr val="7030A0"/>
+          </a:solidFill>
+          <a:ln>
+            <a:noFill/>
+          </a:ln>
+          <a:effectLst>
+            <a:outerShdw blurRad="50800" dist="38100" algn="l" rotWithShape="0">
+              <a:prstClr val="black">
+                <a:alpha val="40000"/>
+              </a:prstClr>
+            </a:outerShdw>
+          </a:effectLst>
+        </p:spPr>
+        <p:style>
+          <a:lnRef idx="2">
+            <a:schemeClr val="accent1">
+              <a:shade val="50000"/>
+            </a:schemeClr>
+          </a:lnRef>
+          <a:fillRef idx="1">
+            <a:schemeClr val="accent1"/>
+          </a:fillRef>
+          <a:effectRef idx="0">
+            <a:schemeClr val="accent1"/>
+          </a:effectRef>
+          <a:fontRef idx="minor">
+            <a:schemeClr val="lt1"/>
+          </a:fontRef>
+        </p:style>
+        <p:txBody>
+          <a:bodyPr rtlCol="0" anchor="ctr"/>
+          <a:lstStyle/>
+          <a:p>
+            <a:pPr algn="ctr"/>
+            <a:endParaRPr lang="en-US" dirty="0"/>
+          </a:p>
+        </p:txBody>
+      </p:sp>
+      <p:sp>
+        <p:nvSpPr>
+          <p:cNvPr id="17" name="TextBox 25">
+            <a:extLst>
+              <a:ext uri="{FF2B5EF4-FFF2-40B4-BE49-F238E27FC236}">
+                <a16:creationId xmlns:a16="http://schemas.microsoft.com/office/drawing/2014/main" id="{A1AD93D5-92DB-4178-85C4-3D019DEBC4E0}"/>
               </a:ext>
             </a:extLst>
           </p:cNvPr>
@@ -13840,7 +14569,7 @@
         </p:nvSpPr>
         <p:spPr>
           <a:xfrm>
-            <a:off x="982516" y="4077532"/>
+            <a:off x="974126" y="4666155"/>
             <a:ext cx="5256123" cy="744819"/>
           </a:xfrm>
           <a:prstGeom prst="rect">
@@ -13861,17 +14590,44 @@
               <a:defRPr/>
             </a:pPr>
             <a:r>
-              <a:rPr lang="en-US" sz="1600" b="1" dirty="0">
-                <a:solidFill>
-                  <a:srgbClr val="D34132"/>
-                </a:solidFill>
-                <a:latin typeface="Candara" panose="020E0502030303020204" pitchFamily="34" charset="0"/>
-              </a:rPr>
-              <a:t>TODO 2…</a:t>
+              <a:rPr lang="it-IT" sz="1600" dirty="0">
+                <a:solidFill>
+                  <a:srgbClr val="7030A0"/>
+                </a:solidFill>
+                <a:latin typeface="Candara" panose="020E0502030303020204" pitchFamily="34" charset="0"/>
+              </a:rPr>
+              <a:t>Calcolo </a:t>
+            </a:r>
+            <a:r>
+              <a:rPr lang="el-GR" sz="1600" dirty="0">
+                <a:solidFill>
+                  <a:srgbClr val="7030A0"/>
+                </a:solidFill>
+                <a:latin typeface="Candara" panose="020E0502030303020204" pitchFamily="34" charset="0"/>
+              </a:rPr>
+              <a:t>ρ</a:t>
+            </a:r>
+            <a:r>
+              <a:rPr lang="it-IT" sz="1600" dirty="0">
+                <a:solidFill>
+                  <a:srgbClr val="7030A0"/>
+                </a:solidFill>
+                <a:latin typeface="Candara" panose="020E0502030303020204" pitchFamily="34" charset="0"/>
+              </a:rPr>
+              <a:t>, support </a:t>
+            </a:r>
+            <a:r>
+              <a:rPr lang="it-IT" sz="1600" dirty="0" err="1">
+                <a:solidFill>
+                  <a:srgbClr val="7030A0"/>
+                </a:solidFill>
+                <a:latin typeface="Candara" panose="020E0502030303020204" pitchFamily="34" charset="0"/>
+              </a:rPr>
+              <a:t>error</a:t>
             </a:r>
             <a:endParaRPr lang="en-US" sz="1600" b="1" dirty="0">
               <a:solidFill>
-                <a:srgbClr val="34738D"/>
+                <a:srgbClr val="7030A0"/>
               </a:solidFill>
               <a:latin typeface="Candara" panose="020E0502030303020204" pitchFamily="34" charset="0"/>
             </a:endParaRPr>
@@ -13892,7 +14648,183 @@
                 </a:solidFill>
                 <a:latin typeface="Candara" panose="020E0502030303020204" pitchFamily="34" charset="0"/>
               </a:rPr>
-              <a:t>Lorem ipsum dolor sit amet, consectetur adipiscing elit, sed do eiusmod tempor incididunt ut labore et dolore magna aliqua. </a:t>
+              <a:t>I </a:t>
+            </a:r>
+            <a:r>
+              <a:rPr lang="en-US" sz="1200" dirty="0" err="1">
+                <a:solidFill>
+                  <a:schemeClr val="bg2">
+                    <a:lumMod val="10000"/>
+                  </a:schemeClr>
+                </a:solidFill>
+                <a:latin typeface="Candara" panose="020E0502030303020204" pitchFamily="34" charset="0"/>
+              </a:rPr>
+              <a:t>valori</a:t>
+            </a:r>
+            <a:r>
+              <a:rPr lang="en-US" sz="1200" dirty="0">
+                <a:solidFill>
+                  <a:schemeClr val="bg2">
+                    <a:lumMod val="10000"/>
+                  </a:schemeClr>
+                </a:solidFill>
+                <a:latin typeface="Candara" panose="020E0502030303020204" pitchFamily="34" charset="0"/>
+              </a:rPr>
+              <a:t> </a:t>
+            </a:r>
+            <a:r>
+              <a:rPr lang="en-US" sz="1200" dirty="0" err="1">
+                <a:solidFill>
+                  <a:schemeClr val="bg2">
+                    <a:lumMod val="10000"/>
+                  </a:schemeClr>
+                </a:solidFill>
+                <a:latin typeface="Candara" panose="020E0502030303020204" pitchFamily="34" charset="0"/>
+              </a:rPr>
+              <a:t>ottenuti</a:t>
+            </a:r>
+            <a:r>
+              <a:rPr lang="en-US" sz="1200" dirty="0">
+                <a:solidFill>
+                  <a:schemeClr val="bg2">
+                    <a:lumMod val="10000"/>
+                  </a:schemeClr>
+                </a:solidFill>
+                <a:latin typeface="Candara" panose="020E0502030303020204" pitchFamily="34" charset="0"/>
+              </a:rPr>
+              <a:t> </a:t>
+            </a:r>
+            <a:r>
+              <a:rPr lang="en-US" sz="1200" dirty="0" err="1">
+                <a:solidFill>
+                  <a:schemeClr val="bg2">
+                    <a:lumMod val="10000"/>
+                  </a:schemeClr>
+                </a:solidFill>
+                <a:latin typeface="Candara" panose="020E0502030303020204" pitchFamily="34" charset="0"/>
+              </a:rPr>
+              <a:t>risultato</a:t>
+            </a:r>
+            <a:r>
+              <a:rPr lang="en-US" sz="1200" dirty="0">
+                <a:solidFill>
+                  <a:schemeClr val="bg2">
+                    <a:lumMod val="10000"/>
+                  </a:schemeClr>
+                </a:solidFill>
+                <a:latin typeface="Candara" panose="020E0502030303020204" pitchFamily="34" charset="0"/>
+              </a:rPr>
+              <a:t> </a:t>
+            </a:r>
+            <a:r>
+              <a:rPr lang="en-US" sz="1200" dirty="0" err="1">
+                <a:solidFill>
+                  <a:schemeClr val="bg2">
+                    <a:lumMod val="10000"/>
+                  </a:schemeClr>
+                </a:solidFill>
+                <a:latin typeface="Candara" panose="020E0502030303020204" pitchFamily="34" charset="0"/>
+              </a:rPr>
+              <a:t>totalmente</a:t>
+            </a:r>
+            <a:r>
+              <a:rPr lang="en-US" sz="1200" dirty="0">
+                <a:solidFill>
+                  <a:schemeClr val="bg2">
+                    <a:lumMod val="10000"/>
+                  </a:schemeClr>
+                </a:solidFill>
+                <a:latin typeface="Candara" panose="020E0502030303020204" pitchFamily="34" charset="0"/>
+              </a:rPr>
+              <a:t> </a:t>
+            </a:r>
+            <a:r>
+              <a:rPr lang="en-US" sz="1200" dirty="0" err="1">
+                <a:solidFill>
+                  <a:schemeClr val="bg2">
+                    <a:lumMod val="10000"/>
+                  </a:schemeClr>
+                </a:solidFill>
+                <a:latin typeface="Candara" panose="020E0502030303020204" pitchFamily="34" charset="0"/>
+              </a:rPr>
+              <a:t>divergenti</a:t>
+            </a:r>
+            <a:r>
+              <a:rPr lang="en-US" sz="1200" dirty="0">
+                <a:solidFill>
+                  <a:schemeClr val="bg2">
+                    <a:lumMod val="10000"/>
+                  </a:schemeClr>
+                </a:solidFill>
+                <a:latin typeface="Candara" panose="020E0502030303020204" pitchFamily="34" charset="0"/>
+              </a:rPr>
+              <a:t> rispetto a </a:t>
+            </a:r>
+            <a:r>
+              <a:rPr lang="en-US" sz="1200" dirty="0" err="1">
+                <a:solidFill>
+                  <a:schemeClr val="bg2">
+                    <a:lumMod val="10000"/>
+                  </a:schemeClr>
+                </a:solidFill>
+                <a:latin typeface="Candara" panose="020E0502030303020204" pitchFamily="34" charset="0"/>
+              </a:rPr>
+              <a:t>quelli</a:t>
+            </a:r>
+            <a:r>
+              <a:rPr lang="en-US" sz="1200" dirty="0">
+                <a:solidFill>
+                  <a:schemeClr val="bg2">
+                    <a:lumMod val="10000"/>
+                  </a:schemeClr>
+                </a:solidFill>
+                <a:latin typeface="Candara" panose="020E0502030303020204" pitchFamily="34" charset="0"/>
+              </a:rPr>
+              <a:t> </a:t>
+            </a:r>
+            <a:r>
+              <a:rPr lang="en-US" sz="1200" dirty="0" err="1">
+                <a:solidFill>
+                  <a:schemeClr val="bg2">
+                    <a:lumMod val="10000"/>
+                  </a:schemeClr>
+                </a:solidFill>
+                <a:latin typeface="Candara" panose="020E0502030303020204" pitchFamily="34" charset="0"/>
+              </a:rPr>
+              <a:t>mostrati</a:t>
+            </a:r>
+            <a:r>
+              <a:rPr lang="en-US" sz="1200" dirty="0">
+                <a:solidFill>
+                  <a:schemeClr val="bg2">
+                    <a:lumMod val="10000"/>
+                  </a:schemeClr>
+                </a:solidFill>
+                <a:latin typeface="Candara" panose="020E0502030303020204" pitchFamily="34" charset="0"/>
+              </a:rPr>
+              <a:t> </a:t>
+            </a:r>
+            <a:r>
+              <a:rPr lang="en-US" sz="1200" dirty="0" err="1">
+                <a:solidFill>
+                  <a:schemeClr val="bg2">
+                    <a:lumMod val="10000"/>
+                  </a:schemeClr>
+                </a:solidFill>
+                <a:latin typeface="Candara" panose="020E0502030303020204" pitchFamily="34" charset="0"/>
+              </a:rPr>
+              <a:t>nel</a:t>
+            </a:r>
+            <a:r>
+              <a:rPr lang="en-US" sz="1200" dirty="0">
+                <a:solidFill>
+                  <a:schemeClr val="bg2">
+                    <a:lumMod val="10000"/>
+                  </a:schemeClr>
+                </a:solidFill>
+                <a:latin typeface="Candara" panose="020E0502030303020204" pitchFamily="34" charset="0"/>
+              </a:rPr>
+              <a:t> paper.</a:t>
             </a:r>
           </a:p>
         </p:txBody>
@@ -14599,6 +15531,163 @@
                       </p:childTnLst>
                     </p:cTn>
                   </p:par>
+                  <p:par>
+                    <p:cTn id="52" fill="hold">
+                      <p:stCondLst>
+                        <p:cond delay="indefinite"/>
+                      </p:stCondLst>
+                      <p:childTnLst>
+                        <p:par>
+                          <p:cTn id="53" fill="hold">
+                            <p:stCondLst>
+                              <p:cond delay="0"/>
+                            </p:stCondLst>
+                            <p:childTnLst>
+                              <p:par>
+                                <p:cTn id="54" presetID="49" presetClass="entr" presetSubtype="0" decel="100000" fill="hold" grpId="0" nodeType="clickEffect">
+                                  <p:stCondLst>
+                                    <p:cond delay="0"/>
+                                  </p:stCondLst>
+                                  <p:childTnLst>
+                                    <p:set>
+                                      <p:cBhvr>
+                                        <p:cTn id="55" dur="1" fill="hold">
+                                          <p:stCondLst>
+                                            <p:cond delay="0"/>
+                                          </p:stCondLst>
+                                        </p:cTn>
+                                        <p:tgtEl>
+                                          <p:spTgt spid="16"/>
+                                        </p:tgtEl>
+                                        <p:attrNameLst>
+                                          <p:attrName>style.visibility</p:attrName>
+                                        </p:attrNameLst>
+                                      </p:cBhvr>
+                                      <p:to>
+                                        <p:strVal val="visible"/>
+                                      </p:to>
+                                    </p:set>
+                                    <p:anim calcmode="lin" valueType="num">
+                                      <p:cBhvr>
+                                        <p:cTn id="56" dur="500" fill="hold"/>
+                                        <p:tgtEl>
+                                          <p:spTgt spid="16"/>
+                                        </p:tgtEl>
+                                        <p:attrNameLst>
+                                          <p:attrName>ppt_w</p:attrName>
+                                        </p:attrNameLst>
+                                      </p:cBhvr>
+                                      <p:tavLst>
+                                        <p:tav tm="0">
+                                          <p:val>
+                                            <p:fltVal val="0"/>
+                                          </p:val>
+                                        </p:tav>
+                                        <p:tav tm="100000">
+                                          <p:val>
+                                            <p:strVal val="#ppt_w"/>
+                                          </p:val>
+                                        </p:tav>
+                                      </p:tavLst>
+                                    </p:anim>
+                                    <p:anim calcmode="lin" valueType="num">
+                                      <p:cBhvr>
+                                        <p:cTn id="57" dur="500" fill="hold"/>
+                                        <p:tgtEl>
+                                          <p:spTgt spid="16"/>
+                                        </p:tgtEl>
+                                        <p:attrNameLst>
+                                          <p:attrName>ppt_h</p:attrName>
+                                        </p:attrNameLst>
+                                      </p:cBhvr>
+                                      <p:tavLst>
+                                        <p:tav tm="0">
+                                          <p:val>
+                                            <p:fltVal val="0"/>
+                                          </p:val>
+                                        </p:tav>
+                                        <p:tav tm="100000">
+                                          <p:val>
+                                            <p:strVal val="#ppt_h"/>
+                                          </p:val>
+                                        </p:tav>
+                                      </p:tavLst>
+                                    </p:anim>
+                                    <p:anim calcmode="lin" valueType="num">
+                                      <p:cBhvr>
+                                        <p:cTn id="58" dur="500" fill="hold"/>
+                                        <p:tgtEl>
+                                          <p:spTgt spid="16"/>
+                                        </p:tgtEl>
+                                        <p:attrNameLst>
+                                          <p:attrName>style.rotation</p:attrName>
+                                        </p:attrNameLst>
+                                      </p:cBhvr>
+                                      <p:tavLst>
+                                        <p:tav tm="0">
+                                          <p:val>
+                                            <p:fltVal val="360"/>
+                                          </p:val>
+                                        </p:tav>
+                                        <p:tav tm="100000">
+                                          <p:val>
+                                            <p:fltVal val="0"/>
+                                          </p:val>
+                                        </p:tav>
+                                      </p:tavLst>
+                                    </p:anim>
+                                    <p:animEffect transition="in" filter="fade">
+                                      <p:cBhvr>
+                                        <p:cTn id="59" dur="500"/>
+                                        <p:tgtEl>
+                                          <p:spTgt spid="16"/>
+                                        </p:tgtEl>
+                                      </p:cBhvr>
+                                    </p:animEffect>
+                                  </p:childTnLst>
+                                </p:cTn>
+                              </p:par>
+                              <p:par>
+                                <p:cTn id="60" presetID="22" presetClass="entr" presetSubtype="1" fill="hold" grpId="0" nodeType="withEffect">
+                                  <p:stCondLst>
+                                    <p:cond delay="0"/>
+                                  </p:stCondLst>
+                                  <p:childTnLst>
+                                    <p:set>
+                                      <p:cBhvr>
+                                        <p:cTn id="61" dur="1" fill="hold">
+                                          <p:stCondLst>
+                                            <p:cond delay="0"/>
+                                          </p:stCondLst>
+                                        </p:cTn>
+                                        <p:tgtEl>
+                                          <p:spTgt spid="17"/>
+                                        </p:tgtEl>
+                                        <p:attrNameLst>
+                                          <p:attrName>style.visibility</p:attrName>
+                                        </p:attrNameLst>
+                                      </p:cBhvr>
+                                      <p:to>
+                                        <p:strVal val="visible"/>
+                                      </p:to>
+                                    </p:set>
+                                    <p:animEffect transition="in" filter="wipe(up)">
+                                      <p:cBhvr>
+                                        <p:cTn id="62" dur="500"/>
+                                        <p:tgtEl>
+                                          <p:spTgt spid="17"/>
+                                        </p:tgtEl>
+                                      </p:cBhvr>
+                                    </p:animEffect>
+                                  </p:childTnLst>
+                                </p:cTn>
+                              </p:par>
+                            </p:childTnLst>
+                          </p:cTn>
+                        </p:par>
+                      </p:childTnLst>
+                    </p:cTn>
+                  </p:par>
                 </p:childTnLst>
               </p:cTn>
               <p:prevCondLst>
@@ -14630,12 +15719,4272 @@
       <p:bldP spid="13" grpId="0"/>
       <p:bldP spid="14" grpId="0"/>
       <p:bldP spid="15" grpId="0"/>
+      <p:bldP spid="16" grpId="0" animBg="1"/>
+      <p:bldP spid="17" grpId="0"/>
     </p:bldLst>
   </p:timing>
 </p:sld>
 </file>
 
-<file path=ppt/slides/slide5.xml><?xml version="1.0" encoding="utf-8"?>
+<file path=ppt/slides/slide6.xml><?xml version="1.0" encoding="utf-8"?>
+<p:sld xmlns:a="http://schemas.openxmlformats.org/drawingml/2006/main" xmlns:r="http://schemas.openxmlformats.org/officeDocument/2006/relationships" xmlns:p="http://schemas.openxmlformats.org/presentationml/2006/main">
+  <p:cSld>
+    <p:spTree>
+      <p:nvGrpSpPr>
+        <p:cNvPr id="1" name=""/>
+        <p:cNvGrpSpPr/>
+        <p:nvPr/>
+      </p:nvGrpSpPr>
+      <p:grpSpPr>
+        <a:xfrm>
+          <a:off x="0" y="0"/>
+          <a:ext cx="0" cy="0"/>
+          <a:chOff x="0" y="0"/>
+          <a:chExt cx="0" cy="0"/>
+        </a:xfrm>
+      </p:grpSpPr>
+      <p:sp>
+        <p:nvSpPr>
+          <p:cNvPr id="46" name="Teardrop 45"/>
+          <p:cNvSpPr/>
+          <p:nvPr/>
+        </p:nvSpPr>
+        <p:spPr>
+          <a:xfrm rot="2720395">
+            <a:off x="594414" y="3990714"/>
+            <a:ext cx="360000" cy="360000"/>
+          </a:xfrm>
+          <a:prstGeom prst="teardrop">
+            <a:avLst/>
+          </a:prstGeom>
+          <a:solidFill>
+            <a:srgbClr val="D34132"/>
+          </a:solidFill>
+          <a:ln>
+            <a:noFill/>
+          </a:ln>
+          <a:effectLst>
+            <a:outerShdw blurRad="50800" dist="38100" algn="l" rotWithShape="0">
+              <a:prstClr val="black">
+                <a:alpha val="40000"/>
+              </a:prstClr>
+            </a:outerShdw>
+          </a:effectLst>
+        </p:spPr>
+        <p:style>
+          <a:lnRef idx="2">
+            <a:schemeClr val="accent1">
+              <a:shade val="50000"/>
+            </a:schemeClr>
+          </a:lnRef>
+          <a:fillRef idx="1">
+            <a:schemeClr val="accent1"/>
+          </a:fillRef>
+          <a:effectRef idx="0">
+            <a:schemeClr val="accent1"/>
+          </a:effectRef>
+          <a:fontRef idx="minor">
+            <a:schemeClr val="lt1"/>
+          </a:fontRef>
+        </p:style>
+        <p:txBody>
+          <a:bodyPr rtlCol="0" anchor="ctr"/>
+          <a:lstStyle/>
+          <a:p>
+            <a:pPr algn="ctr"/>
+            <a:endParaRPr lang="en-US"/>
+          </a:p>
+        </p:txBody>
+      </p:sp>
+      <p:sp>
+        <p:nvSpPr>
+          <p:cNvPr id="45" name="Teardrop 44"/>
+          <p:cNvSpPr/>
+          <p:nvPr/>
+        </p:nvSpPr>
+        <p:spPr>
+          <a:xfrm rot="2720395">
+            <a:off x="599328" y="3063064"/>
+            <a:ext cx="360000" cy="360000"/>
+          </a:xfrm>
+          <a:prstGeom prst="teardrop">
+            <a:avLst/>
+          </a:prstGeom>
+          <a:solidFill>
+            <a:srgbClr val="EF9D27"/>
+          </a:solidFill>
+          <a:ln>
+            <a:noFill/>
+          </a:ln>
+          <a:effectLst>
+            <a:outerShdw blurRad="50800" dist="38100" algn="l" rotWithShape="0">
+              <a:prstClr val="black">
+                <a:alpha val="40000"/>
+              </a:prstClr>
+            </a:outerShdw>
+          </a:effectLst>
+        </p:spPr>
+        <p:style>
+          <a:lnRef idx="2">
+            <a:schemeClr val="accent1">
+              <a:shade val="50000"/>
+            </a:schemeClr>
+          </a:lnRef>
+          <a:fillRef idx="1">
+            <a:schemeClr val="accent1"/>
+          </a:fillRef>
+          <a:effectRef idx="0">
+            <a:schemeClr val="accent1"/>
+          </a:effectRef>
+          <a:fontRef idx="minor">
+            <a:schemeClr val="lt1"/>
+          </a:fontRef>
+        </p:style>
+        <p:txBody>
+          <a:bodyPr rtlCol="0" anchor="ctr"/>
+          <a:lstStyle/>
+          <a:p>
+            <a:pPr algn="ctr"/>
+            <a:endParaRPr lang="en-US"/>
+          </a:p>
+        </p:txBody>
+      </p:sp>
+      <p:sp>
+        <p:nvSpPr>
+          <p:cNvPr id="44" name="Teardrop 43"/>
+          <p:cNvSpPr/>
+          <p:nvPr/>
+        </p:nvSpPr>
+        <p:spPr>
+          <a:xfrm rot="2720395">
+            <a:off x="594414" y="2133183"/>
+            <a:ext cx="360000" cy="360000"/>
+          </a:xfrm>
+          <a:prstGeom prst="teardrop">
+            <a:avLst/>
+          </a:prstGeom>
+          <a:solidFill>
+            <a:srgbClr val="189A80"/>
+          </a:solidFill>
+          <a:ln>
+            <a:noFill/>
+          </a:ln>
+          <a:effectLst>
+            <a:outerShdw blurRad="50800" dist="38100" algn="l" rotWithShape="0">
+              <a:prstClr val="black">
+                <a:alpha val="40000"/>
+              </a:prstClr>
+            </a:outerShdw>
+          </a:effectLst>
+        </p:spPr>
+        <p:style>
+          <a:lnRef idx="2">
+            <a:schemeClr val="accent1">
+              <a:shade val="50000"/>
+            </a:schemeClr>
+          </a:lnRef>
+          <a:fillRef idx="1">
+            <a:schemeClr val="accent1"/>
+          </a:fillRef>
+          <a:effectRef idx="0">
+            <a:schemeClr val="accent1"/>
+          </a:effectRef>
+          <a:fontRef idx="minor">
+            <a:schemeClr val="lt1"/>
+          </a:fontRef>
+        </p:style>
+        <p:txBody>
+          <a:bodyPr rtlCol="0" anchor="ctr"/>
+          <a:lstStyle/>
+          <a:p>
+            <a:pPr algn="ctr"/>
+            <a:endParaRPr lang="en-US"/>
+          </a:p>
+        </p:txBody>
+      </p:sp>
+      <p:sp>
+        <p:nvSpPr>
+          <p:cNvPr id="11" name="Teardrop 10"/>
+          <p:cNvSpPr/>
+          <p:nvPr/>
+        </p:nvSpPr>
+        <p:spPr>
+          <a:xfrm rot="2720395">
+            <a:off x="594413" y="1203301"/>
+            <a:ext cx="360000" cy="360000"/>
+          </a:xfrm>
+          <a:prstGeom prst="teardrop">
+            <a:avLst/>
+          </a:prstGeom>
+          <a:solidFill>
+            <a:srgbClr val="34738D"/>
+          </a:solidFill>
+          <a:ln>
+            <a:noFill/>
+          </a:ln>
+          <a:effectLst>
+            <a:outerShdw blurRad="50800" dist="38100" algn="l" rotWithShape="0">
+              <a:prstClr val="black">
+                <a:alpha val="40000"/>
+              </a:prstClr>
+            </a:outerShdw>
+          </a:effectLst>
+        </p:spPr>
+        <p:style>
+          <a:lnRef idx="2">
+            <a:schemeClr val="accent1">
+              <a:shade val="50000"/>
+            </a:schemeClr>
+          </a:lnRef>
+          <a:fillRef idx="1">
+            <a:schemeClr val="accent1"/>
+          </a:fillRef>
+          <a:effectRef idx="0">
+            <a:schemeClr val="accent1"/>
+          </a:effectRef>
+          <a:fontRef idx="minor">
+            <a:schemeClr val="lt1"/>
+          </a:fontRef>
+        </p:style>
+        <p:txBody>
+          <a:bodyPr rtlCol="0" anchor="ctr"/>
+          <a:lstStyle/>
+          <a:p>
+            <a:pPr algn="ctr"/>
+            <a:endParaRPr lang="en-US"/>
+          </a:p>
+        </p:txBody>
+      </p:sp>
+      <p:sp>
+        <p:nvSpPr>
+          <p:cNvPr id="25" name="TextBox 24"/>
+          <p:cNvSpPr txBox="1"/>
+          <p:nvPr/>
+        </p:nvSpPr>
+        <p:spPr>
+          <a:xfrm>
+            <a:off x="3341511" y="241450"/>
+            <a:ext cx="5508978" cy="769441"/>
+          </a:xfrm>
+          <a:prstGeom prst="rect">
+            <a:avLst/>
+          </a:prstGeom>
+          <a:noFill/>
+        </p:spPr>
+        <p:txBody>
+          <a:bodyPr wrap="square" rtlCol="0">
+            <a:spAutoFit/>
+          </a:bodyPr>
+          <a:lstStyle/>
+          <a:p>
+            <a:pPr algn="ctr"/>
+            <a:r>
+              <a:rPr lang="en-US" sz="4400" b="1" dirty="0" err="1">
+                <a:latin typeface="Candara" panose="020E0502030303020204" pitchFamily="34" charset="0"/>
+              </a:rPr>
+              <a:t>Soluzioni</a:t>
+            </a:r>
+            <a:endParaRPr lang="en-US" sz="4400" b="1" dirty="0">
+              <a:latin typeface="Candara" panose="020E0502030303020204" pitchFamily="34" charset="0"/>
+            </a:endParaRPr>
+          </a:p>
+        </p:txBody>
+      </p:sp>
+      <p:sp>
+        <p:nvSpPr>
+          <p:cNvPr id="26" name="TextBox 25"/>
+          <p:cNvSpPr txBox="1"/>
+          <p:nvPr/>
+        </p:nvSpPr>
+        <p:spPr>
+          <a:xfrm>
+            <a:off x="974128" y="1010891"/>
+            <a:ext cx="5256123" cy="744819"/>
+          </a:xfrm>
+          <a:prstGeom prst="rect">
+            <a:avLst/>
+          </a:prstGeom>
+          <a:noFill/>
+        </p:spPr>
+        <p:txBody>
+          <a:bodyPr wrap="square" rtlCol="0">
+            <a:spAutoFit/>
+          </a:bodyPr>
+          <a:lstStyle/>
+          <a:p>
+            <a:pPr algn="ctr" defTabSz="1219170">
+              <a:spcBef>
+                <a:spcPct val="20000"/>
+              </a:spcBef>
+              <a:defRPr/>
+            </a:pPr>
+            <a:r>
+              <a:rPr lang="en-US" sz="1600" b="1" dirty="0" err="1">
+                <a:solidFill>
+                  <a:srgbClr val="34738D"/>
+                </a:solidFill>
+                <a:latin typeface="Candara" panose="020E0502030303020204" pitchFamily="34" charset="0"/>
+              </a:rPr>
+              <a:t>Calcolo</a:t>
+            </a:r>
+            <a:r>
+              <a:rPr lang="en-US" sz="1600" b="1" dirty="0">
+                <a:solidFill>
+                  <a:srgbClr val="34738D"/>
+                </a:solidFill>
+                <a:latin typeface="Candara" panose="020E0502030303020204" pitchFamily="34" charset="0"/>
+              </a:rPr>
+              <a:t> di C_T</a:t>
+            </a:r>
+          </a:p>
+          <a:p>
+            <a:pPr algn="ctr" defTabSz="1219170">
+              <a:spcBef>
+                <a:spcPct val="20000"/>
+              </a:spcBef>
+              <a:defRPr/>
+            </a:pPr>
+            <a:r>
+              <a:rPr lang="en-US" sz="1200" dirty="0" err="1">
+                <a:solidFill>
+                  <a:schemeClr val="bg2">
+                    <a:lumMod val="10000"/>
+                  </a:schemeClr>
+                </a:solidFill>
+                <a:latin typeface="Candara" panose="020E0502030303020204" pitchFamily="34" charset="0"/>
+              </a:rPr>
+              <a:t>Abbiamo</a:t>
+            </a:r>
+            <a:r>
+              <a:rPr lang="en-US" sz="1200" dirty="0">
+                <a:solidFill>
+                  <a:schemeClr val="bg2">
+                    <a:lumMod val="10000"/>
+                  </a:schemeClr>
+                </a:solidFill>
+                <a:latin typeface="Candara" panose="020E0502030303020204" pitchFamily="34" charset="0"/>
+              </a:rPr>
+              <a:t> </a:t>
+            </a:r>
+            <a:r>
+              <a:rPr lang="en-US" sz="1200" dirty="0" err="1">
+                <a:solidFill>
+                  <a:schemeClr val="bg2">
+                    <a:lumMod val="10000"/>
+                  </a:schemeClr>
+                </a:solidFill>
+                <a:latin typeface="Candara" panose="020E0502030303020204" pitchFamily="34" charset="0"/>
+              </a:rPr>
+              <a:t>interpretato</a:t>
+            </a:r>
+            <a:r>
+              <a:rPr lang="en-US" sz="1200" dirty="0">
+                <a:solidFill>
+                  <a:schemeClr val="bg2">
+                    <a:lumMod val="10000"/>
+                  </a:schemeClr>
+                </a:solidFill>
+                <a:latin typeface="Candara" panose="020E0502030303020204" pitchFamily="34" charset="0"/>
+              </a:rPr>
+              <a:t> M^-1 come </a:t>
+            </a:r>
+            <a:r>
+              <a:rPr lang="en-US" sz="1200" dirty="0" err="1">
+                <a:solidFill>
+                  <a:schemeClr val="bg2">
+                    <a:lumMod val="10000"/>
+                  </a:schemeClr>
+                </a:solidFill>
+                <a:latin typeface="Candara" panose="020E0502030303020204" pitchFamily="34" charset="0"/>
+              </a:rPr>
+              <a:t>rotazione</a:t>
+            </a:r>
+            <a:r>
+              <a:rPr lang="en-US" sz="1200" dirty="0">
+                <a:solidFill>
+                  <a:schemeClr val="bg2">
+                    <a:lumMod val="10000"/>
+                  </a:schemeClr>
+                </a:solidFill>
+                <a:latin typeface="Candara" panose="020E0502030303020204" pitchFamily="34" charset="0"/>
+              </a:rPr>
+              <a:t> di 90 </a:t>
+            </a:r>
+            <a:r>
+              <a:rPr lang="en-US" sz="1200" dirty="0" err="1">
+                <a:solidFill>
+                  <a:schemeClr val="bg2">
+                    <a:lumMod val="10000"/>
+                  </a:schemeClr>
+                </a:solidFill>
+                <a:latin typeface="Candara" panose="020E0502030303020204" pitchFamily="34" charset="0"/>
+              </a:rPr>
+              <a:t>gradi</a:t>
+            </a:r>
+            <a:r>
+              <a:rPr lang="en-US" sz="1200" dirty="0">
+                <a:solidFill>
+                  <a:schemeClr val="bg2">
+                    <a:lumMod val="10000"/>
+                  </a:schemeClr>
+                </a:solidFill>
+                <a:latin typeface="Candara" panose="020E0502030303020204" pitchFamily="34" charset="0"/>
+              </a:rPr>
+              <a:t> </a:t>
+            </a:r>
+            <a:r>
+              <a:rPr lang="en-US" sz="1200" dirty="0" err="1">
+                <a:solidFill>
+                  <a:schemeClr val="bg2">
+                    <a:lumMod val="10000"/>
+                  </a:schemeClr>
+                </a:solidFill>
+                <a:latin typeface="Candara" panose="020E0502030303020204" pitchFamily="34" charset="0"/>
+              </a:rPr>
+              <a:t>della</a:t>
+            </a:r>
+            <a:r>
+              <a:rPr lang="en-US" sz="1200" dirty="0">
+                <a:solidFill>
+                  <a:schemeClr val="bg2">
+                    <a:lumMod val="10000"/>
+                  </a:schemeClr>
+                </a:solidFill>
+                <a:latin typeface="Candara" panose="020E0502030303020204" pitchFamily="34" charset="0"/>
+              </a:rPr>
+              <a:t> </a:t>
+            </a:r>
+            <a:r>
+              <a:rPr lang="en-US" sz="1200" dirty="0" err="1">
+                <a:solidFill>
+                  <a:schemeClr val="bg2">
+                    <a:lumMod val="10000"/>
+                  </a:schemeClr>
+                </a:solidFill>
+                <a:latin typeface="Candara" panose="020E0502030303020204" pitchFamily="34" charset="0"/>
+              </a:rPr>
+              <a:t>matrice</a:t>
+            </a:r>
+            <a:r>
+              <a:rPr lang="en-US" sz="1200" dirty="0">
+                <a:solidFill>
+                  <a:schemeClr val="bg2">
+                    <a:lumMod val="10000"/>
+                  </a:schemeClr>
+                </a:solidFill>
+                <a:latin typeface="Candara" panose="020E0502030303020204" pitchFamily="34" charset="0"/>
+              </a:rPr>
+              <a:t> M </a:t>
+            </a:r>
+            <a:r>
+              <a:rPr lang="en-US" sz="1200" dirty="0" err="1">
+                <a:solidFill>
+                  <a:schemeClr val="bg2">
+                    <a:lumMod val="10000"/>
+                  </a:schemeClr>
+                </a:solidFill>
+                <a:latin typeface="Candara" panose="020E0502030303020204" pitchFamily="34" charset="0"/>
+              </a:rPr>
+              <a:t>stessa</a:t>
+            </a:r>
+            <a:r>
+              <a:rPr lang="en-US" sz="1200" dirty="0">
+                <a:solidFill>
+                  <a:schemeClr val="bg2">
+                    <a:lumMod val="10000"/>
+                  </a:schemeClr>
+                </a:solidFill>
+                <a:latin typeface="Candara" panose="020E0502030303020204" pitchFamily="34" charset="0"/>
+              </a:rPr>
+              <a:t>, </a:t>
+            </a:r>
+            <a:r>
+              <a:rPr lang="en-US" sz="1200" dirty="0" err="1">
+                <a:solidFill>
+                  <a:schemeClr val="bg2">
+                    <a:lumMod val="10000"/>
+                  </a:schemeClr>
+                </a:solidFill>
+                <a:latin typeface="Candara" panose="020E0502030303020204" pitchFamily="34" charset="0"/>
+              </a:rPr>
+              <a:t>ottenendo</a:t>
+            </a:r>
+            <a:r>
+              <a:rPr lang="en-US" sz="1200" dirty="0">
+                <a:solidFill>
+                  <a:schemeClr val="bg2">
+                    <a:lumMod val="10000"/>
+                  </a:schemeClr>
+                </a:solidFill>
+                <a:latin typeface="Candara" panose="020E0502030303020204" pitchFamily="34" charset="0"/>
+              </a:rPr>
+              <a:t> </a:t>
+            </a:r>
+            <a:r>
+              <a:rPr lang="en-US" sz="1200" dirty="0" err="1">
+                <a:solidFill>
+                  <a:schemeClr val="bg2">
+                    <a:lumMod val="10000"/>
+                  </a:schemeClr>
+                </a:solidFill>
+                <a:latin typeface="Candara" panose="020E0502030303020204" pitchFamily="34" charset="0"/>
+              </a:rPr>
+              <a:t>così</a:t>
+            </a:r>
+            <a:r>
+              <a:rPr lang="en-US" sz="1200" dirty="0">
+                <a:solidFill>
+                  <a:schemeClr val="bg2">
+                    <a:lumMod val="10000"/>
+                  </a:schemeClr>
+                </a:solidFill>
+                <a:latin typeface="Candara" panose="020E0502030303020204" pitchFamily="34" charset="0"/>
+              </a:rPr>
+              <a:t> </a:t>
+            </a:r>
+            <a:r>
+              <a:rPr lang="en-US" sz="1200" dirty="0" err="1">
+                <a:solidFill>
+                  <a:schemeClr val="bg2">
+                    <a:lumMod val="10000"/>
+                  </a:schemeClr>
+                </a:solidFill>
+                <a:latin typeface="Candara" panose="020E0502030303020204" pitchFamily="34" charset="0"/>
+              </a:rPr>
+              <a:t>risultati</a:t>
+            </a:r>
+            <a:r>
+              <a:rPr lang="en-US" sz="1200" dirty="0">
+                <a:solidFill>
+                  <a:schemeClr val="bg2">
+                    <a:lumMod val="10000"/>
+                  </a:schemeClr>
+                </a:solidFill>
+                <a:latin typeface="Candara" panose="020E0502030303020204" pitchFamily="34" charset="0"/>
+              </a:rPr>
+              <a:t> </a:t>
+            </a:r>
+            <a:r>
+              <a:rPr lang="en-US" sz="1200" dirty="0" err="1">
+                <a:solidFill>
+                  <a:schemeClr val="bg2">
+                    <a:lumMod val="10000"/>
+                  </a:schemeClr>
+                </a:solidFill>
+                <a:latin typeface="Candara" panose="020E0502030303020204" pitchFamily="34" charset="0"/>
+              </a:rPr>
+              <a:t>matematicamente</a:t>
+            </a:r>
+            <a:r>
+              <a:rPr lang="en-US" sz="1200" dirty="0">
+                <a:solidFill>
+                  <a:schemeClr val="bg2">
+                    <a:lumMod val="10000"/>
+                  </a:schemeClr>
+                </a:solidFill>
+                <a:latin typeface="Candara" panose="020E0502030303020204" pitchFamily="34" charset="0"/>
+              </a:rPr>
+              <a:t> non </a:t>
+            </a:r>
+            <a:r>
+              <a:rPr lang="en-US" sz="1200" dirty="0" err="1">
+                <a:solidFill>
+                  <a:schemeClr val="bg2">
+                    <a:lumMod val="10000"/>
+                  </a:schemeClr>
+                </a:solidFill>
+                <a:latin typeface="Candara" panose="020E0502030303020204" pitchFamily="34" charset="0"/>
+              </a:rPr>
+              <a:t>incoerenti</a:t>
+            </a:r>
+            <a:r>
+              <a:rPr lang="en-US" sz="1200" dirty="0">
+                <a:solidFill>
+                  <a:schemeClr val="bg2">
+                    <a:lumMod val="10000"/>
+                  </a:schemeClr>
+                </a:solidFill>
+                <a:latin typeface="Candara" panose="020E0502030303020204" pitchFamily="34" charset="0"/>
+              </a:rPr>
+              <a:t> con </a:t>
+            </a:r>
+            <a:r>
+              <a:rPr lang="en-US" sz="1200" dirty="0" err="1">
+                <a:solidFill>
+                  <a:schemeClr val="bg2">
+                    <a:lumMod val="10000"/>
+                  </a:schemeClr>
+                </a:solidFill>
+                <a:latin typeface="Candara" panose="020E0502030303020204" pitchFamily="34" charset="0"/>
+              </a:rPr>
+              <a:t>quanto</a:t>
+            </a:r>
+            <a:r>
+              <a:rPr lang="en-US" sz="1200" dirty="0">
+                <a:solidFill>
+                  <a:schemeClr val="bg2">
+                    <a:lumMod val="10000"/>
+                  </a:schemeClr>
+                </a:solidFill>
+                <a:latin typeface="Candara" panose="020E0502030303020204" pitchFamily="34" charset="0"/>
+              </a:rPr>
+              <a:t> </a:t>
+            </a:r>
+            <a:r>
+              <a:rPr lang="en-US" sz="1200" dirty="0" err="1">
+                <a:solidFill>
+                  <a:schemeClr val="bg2">
+                    <a:lumMod val="10000"/>
+                  </a:schemeClr>
+                </a:solidFill>
+                <a:latin typeface="Candara" panose="020E0502030303020204" pitchFamily="34" charset="0"/>
+              </a:rPr>
+              <a:t>atteso</a:t>
+            </a:r>
+            <a:r>
+              <a:rPr lang="en-US" sz="1200" dirty="0">
+                <a:solidFill>
+                  <a:schemeClr val="bg2">
+                    <a:lumMod val="10000"/>
+                  </a:schemeClr>
+                </a:solidFill>
+                <a:latin typeface="Candara" panose="020E0502030303020204" pitchFamily="34" charset="0"/>
+              </a:rPr>
+              <a:t>.</a:t>
+            </a:r>
+          </a:p>
+        </p:txBody>
+      </p:sp>
+      <p:pic>
+        <p:nvPicPr>
+          <p:cNvPr id="12" name="Immagine 11">
+            <a:extLst>
+              <a:ext uri="{FF2B5EF4-FFF2-40B4-BE49-F238E27FC236}">
+                <a16:creationId xmlns:a16="http://schemas.microsoft.com/office/drawing/2014/main" id="{98EB2B6B-1CF8-4736-BA9A-774DD7F560F9}"/>
+              </a:ext>
+            </a:extLst>
+          </p:cNvPr>
+          <p:cNvPicPr>
+            <a:picLocks noChangeAspect="1"/>
+          </p:cNvPicPr>
+          <p:nvPr/>
+        </p:nvPicPr>
+        <p:blipFill>
+          <a:blip r:embed="rId2" cstate="print">
+            <a:extLst>
+              <a:ext uri="{28A0092B-C50C-407E-A947-70E740481C1C}">
+                <a14:useLocalDpi xmlns:a14="http://schemas.microsoft.com/office/drawing/2010/main" val="0"/>
+              </a:ext>
+            </a:extLst>
+          </a:blip>
+          <a:stretch>
+            <a:fillRect/>
+          </a:stretch>
+        </p:blipFill>
+        <p:spPr>
+          <a:xfrm>
+            <a:off x="5556000" y="6220686"/>
+            <a:ext cx="1080000" cy="658286"/>
+          </a:xfrm>
+          <a:prstGeom prst="rect">
+            <a:avLst/>
+          </a:prstGeom>
+        </p:spPr>
+      </p:pic>
+      <p:sp>
+        <p:nvSpPr>
+          <p:cNvPr id="13" name="TextBox 25">
+            <a:extLst>
+              <a:ext uri="{FF2B5EF4-FFF2-40B4-BE49-F238E27FC236}">
+                <a16:creationId xmlns:a16="http://schemas.microsoft.com/office/drawing/2014/main" id="{820FC78E-393A-474E-B8FB-7700FFDC675D}"/>
+              </a:ext>
+            </a:extLst>
+          </p:cNvPr>
+          <p:cNvSpPr txBox="1"/>
+          <p:nvPr/>
+        </p:nvSpPr>
+        <p:spPr>
+          <a:xfrm>
+            <a:off x="974128" y="1936619"/>
+            <a:ext cx="5256123" cy="744819"/>
+          </a:xfrm>
+          <a:prstGeom prst="rect">
+            <a:avLst/>
+          </a:prstGeom>
+          <a:noFill/>
+        </p:spPr>
+        <p:txBody>
+          <a:bodyPr wrap="square" rtlCol="0">
+            <a:spAutoFit/>
+          </a:bodyPr>
+          <a:lstStyle/>
+          <a:p>
+            <a:pPr algn="ctr" defTabSz="1219170">
+              <a:spcBef>
+                <a:spcPct val="20000"/>
+              </a:spcBef>
+              <a:defRPr/>
+            </a:pPr>
+            <a:r>
+              <a:rPr lang="en-US" sz="1600" b="1" dirty="0" err="1">
+                <a:solidFill>
+                  <a:srgbClr val="189A80"/>
+                </a:solidFill>
+                <a:latin typeface="Candara" panose="020E0502030303020204" pitchFamily="34" charset="0"/>
+              </a:rPr>
+              <a:t>Calcolo</a:t>
+            </a:r>
+            <a:r>
+              <a:rPr lang="en-US" sz="1600" b="1" dirty="0">
+                <a:solidFill>
+                  <a:srgbClr val="189A80"/>
+                </a:solidFill>
+                <a:latin typeface="Candara" panose="020E0502030303020204" pitchFamily="34" charset="0"/>
+              </a:rPr>
+              <a:t> actual support</a:t>
+            </a:r>
+            <a:endParaRPr lang="en-US" sz="1600" b="1" dirty="0">
+              <a:solidFill>
+                <a:srgbClr val="34738D"/>
+              </a:solidFill>
+              <a:latin typeface="Candara" panose="020E0502030303020204" pitchFamily="34" charset="0"/>
+            </a:endParaRPr>
+          </a:p>
+          <a:p>
+            <a:pPr algn="ctr" defTabSz="1219170">
+              <a:spcBef>
+                <a:spcPct val="20000"/>
+              </a:spcBef>
+              <a:defRPr/>
+            </a:pPr>
+            <a:r>
+              <a:rPr lang="en-US" sz="1200" dirty="0">
+                <a:solidFill>
+                  <a:schemeClr val="bg2">
+                    <a:lumMod val="10000"/>
+                  </a:schemeClr>
+                </a:solidFill>
+                <a:latin typeface="Candara" panose="020E0502030303020204" pitchFamily="34" charset="0"/>
+              </a:rPr>
+              <a:t>Il </a:t>
+            </a:r>
+            <a:r>
+              <a:rPr lang="en-US" sz="1200" dirty="0" err="1">
+                <a:solidFill>
+                  <a:schemeClr val="bg2">
+                    <a:lumMod val="10000"/>
+                  </a:schemeClr>
+                </a:solidFill>
+                <a:latin typeface="Candara" panose="020E0502030303020204" pitchFamily="34" charset="0"/>
+              </a:rPr>
+              <a:t>calcolo</a:t>
+            </a:r>
+            <a:r>
+              <a:rPr lang="en-US" sz="1200" dirty="0">
+                <a:solidFill>
+                  <a:schemeClr val="bg2">
+                    <a:lumMod val="10000"/>
+                  </a:schemeClr>
+                </a:solidFill>
+                <a:latin typeface="Candara" panose="020E0502030303020204" pitchFamily="34" charset="0"/>
+              </a:rPr>
+              <a:t> del support error non </a:t>
+            </a:r>
+            <a:r>
+              <a:rPr lang="en-US" sz="1200" dirty="0" err="1">
+                <a:solidFill>
+                  <a:schemeClr val="bg2">
+                    <a:lumMod val="10000"/>
+                  </a:schemeClr>
+                </a:solidFill>
+                <a:latin typeface="Candara" panose="020E0502030303020204" pitchFamily="34" charset="0"/>
+              </a:rPr>
+              <a:t>viene</a:t>
+            </a:r>
+            <a:r>
+              <a:rPr lang="en-US" sz="1200" dirty="0">
+                <a:solidFill>
+                  <a:schemeClr val="bg2">
+                    <a:lumMod val="10000"/>
+                  </a:schemeClr>
+                </a:solidFill>
+                <a:latin typeface="Candara" panose="020E0502030303020204" pitchFamily="34" charset="0"/>
+              </a:rPr>
+              <a:t> </a:t>
+            </a:r>
+            <a:r>
+              <a:rPr lang="en-US" sz="1200" dirty="0" err="1">
+                <a:solidFill>
+                  <a:schemeClr val="bg2">
+                    <a:lumMod val="10000"/>
+                  </a:schemeClr>
+                </a:solidFill>
+                <a:latin typeface="Candara" panose="020E0502030303020204" pitchFamily="34" charset="0"/>
+              </a:rPr>
+              <a:t>aggiornato</a:t>
+            </a:r>
+            <a:r>
+              <a:rPr lang="en-US" sz="1200" dirty="0">
+                <a:solidFill>
+                  <a:schemeClr val="bg2">
+                    <a:lumMod val="10000"/>
+                  </a:schemeClr>
+                </a:solidFill>
+                <a:latin typeface="Candara" panose="020E0502030303020204" pitchFamily="34" charset="0"/>
+              </a:rPr>
+              <a:t> per </a:t>
+            </a:r>
+            <a:r>
+              <a:rPr lang="en-US" sz="1200" dirty="0" err="1">
+                <a:solidFill>
+                  <a:schemeClr val="bg2">
+                    <a:lumMod val="10000"/>
+                  </a:schemeClr>
+                </a:solidFill>
+                <a:latin typeface="Candara" panose="020E0502030303020204" pitchFamily="34" charset="0"/>
+              </a:rPr>
+              <a:t>evitare</a:t>
+            </a:r>
+            <a:r>
+              <a:rPr lang="en-US" sz="1200" dirty="0">
+                <a:solidFill>
+                  <a:schemeClr val="bg2">
+                    <a:lumMod val="10000"/>
+                  </a:schemeClr>
+                </a:solidFill>
+                <a:latin typeface="Candara" panose="020E0502030303020204" pitchFamily="34" charset="0"/>
+              </a:rPr>
+              <a:t> una </a:t>
+            </a:r>
+            <a:r>
+              <a:rPr lang="en-US" sz="1200" dirty="0" err="1">
+                <a:solidFill>
+                  <a:schemeClr val="bg2">
+                    <a:lumMod val="10000"/>
+                  </a:schemeClr>
+                </a:solidFill>
+                <a:latin typeface="Candara" panose="020E0502030303020204" pitchFamily="34" charset="0"/>
+              </a:rPr>
+              <a:t>divisione</a:t>
+            </a:r>
+            <a:r>
+              <a:rPr lang="en-US" sz="1200" dirty="0">
+                <a:solidFill>
+                  <a:schemeClr val="bg2">
+                    <a:lumMod val="10000"/>
+                  </a:schemeClr>
+                </a:solidFill>
+                <a:latin typeface="Candara" panose="020E0502030303020204" pitchFamily="34" charset="0"/>
+              </a:rPr>
+              <a:t> per zero. </a:t>
+            </a:r>
+          </a:p>
+        </p:txBody>
+      </p:sp>
+      <p:sp>
+        <p:nvSpPr>
+          <p:cNvPr id="14" name="TextBox 25">
+            <a:extLst>
+              <a:ext uri="{FF2B5EF4-FFF2-40B4-BE49-F238E27FC236}">
+                <a16:creationId xmlns:a16="http://schemas.microsoft.com/office/drawing/2014/main" id="{0D4C3E5F-90E6-465D-B735-6FEC71763A9B}"/>
+              </a:ext>
+            </a:extLst>
+          </p:cNvPr>
+          <p:cNvSpPr txBox="1"/>
+          <p:nvPr/>
+        </p:nvSpPr>
+        <p:spPr>
+          <a:xfrm>
+            <a:off x="974127" y="2871864"/>
+            <a:ext cx="5256123" cy="744819"/>
+          </a:xfrm>
+          <a:prstGeom prst="rect">
+            <a:avLst/>
+          </a:prstGeom>
+          <a:noFill/>
+        </p:spPr>
+        <p:txBody>
+          <a:bodyPr wrap="square" rtlCol="0">
+            <a:spAutoFit/>
+          </a:bodyPr>
+          <a:lstStyle/>
+          <a:p>
+            <a:pPr algn="ctr" defTabSz="1219170">
+              <a:spcBef>
+                <a:spcPct val="20000"/>
+              </a:spcBef>
+              <a:defRPr/>
+            </a:pPr>
+            <a:r>
+              <a:rPr lang="en-US" sz="1600" b="1" dirty="0">
+                <a:solidFill>
+                  <a:srgbClr val="EF9D27"/>
+                </a:solidFill>
+                <a:latin typeface="Candara" panose="020E0502030303020204" pitchFamily="34" charset="0"/>
+              </a:rPr>
+              <a:t>Tempi di </a:t>
+            </a:r>
+            <a:r>
+              <a:rPr lang="en-US" sz="1600" b="1" dirty="0" err="1">
+                <a:solidFill>
+                  <a:srgbClr val="EF9D27"/>
+                </a:solidFill>
+                <a:latin typeface="Candara" panose="020E0502030303020204" pitchFamily="34" charset="0"/>
+              </a:rPr>
+              <a:t>computazione</a:t>
+            </a:r>
+            <a:endParaRPr lang="en-US" sz="1600" b="1" dirty="0">
+              <a:solidFill>
+                <a:srgbClr val="34738D"/>
+              </a:solidFill>
+              <a:latin typeface="Candara" panose="020E0502030303020204" pitchFamily="34" charset="0"/>
+            </a:endParaRPr>
+          </a:p>
+          <a:p>
+            <a:pPr algn="ctr" defTabSz="1219170">
+              <a:spcBef>
+                <a:spcPct val="20000"/>
+              </a:spcBef>
+              <a:defRPr/>
+            </a:pPr>
+            <a:r>
+              <a:rPr lang="en-US" sz="1200" dirty="0" err="1">
+                <a:solidFill>
+                  <a:schemeClr val="bg2">
+                    <a:lumMod val="10000"/>
+                  </a:schemeClr>
+                </a:solidFill>
+                <a:latin typeface="Candara" panose="020E0502030303020204" pitchFamily="34" charset="0"/>
+              </a:rPr>
+              <a:t>Abbiamo</a:t>
+            </a:r>
+            <a:r>
+              <a:rPr lang="en-US" sz="1200" dirty="0">
+                <a:solidFill>
+                  <a:schemeClr val="bg2">
+                    <a:lumMod val="10000"/>
+                  </a:schemeClr>
+                </a:solidFill>
+                <a:latin typeface="Candara" panose="020E0502030303020204" pitchFamily="34" charset="0"/>
+              </a:rPr>
+              <a:t> </a:t>
+            </a:r>
+            <a:r>
+              <a:rPr lang="en-US" sz="1200" dirty="0" err="1">
+                <a:solidFill>
+                  <a:schemeClr val="bg2">
+                    <a:lumMod val="10000"/>
+                  </a:schemeClr>
+                </a:solidFill>
+                <a:latin typeface="Candara" panose="020E0502030303020204" pitchFamily="34" charset="0"/>
+              </a:rPr>
+              <a:t>limitato</a:t>
+            </a:r>
+            <a:r>
+              <a:rPr lang="en-US" sz="1200" dirty="0">
+                <a:solidFill>
+                  <a:schemeClr val="bg2">
+                    <a:lumMod val="10000"/>
+                  </a:schemeClr>
+                </a:solidFill>
+                <a:latin typeface="Candara" panose="020E0502030303020204" pitchFamily="34" charset="0"/>
+              </a:rPr>
+              <a:t> le </a:t>
+            </a:r>
+            <a:r>
+              <a:rPr lang="en-US" sz="1200" dirty="0" err="1">
+                <a:solidFill>
+                  <a:schemeClr val="bg2">
+                    <a:lumMod val="10000"/>
+                  </a:schemeClr>
+                </a:solidFill>
+                <a:latin typeface="Candara" panose="020E0502030303020204" pitchFamily="34" charset="0"/>
+              </a:rPr>
+              <a:t>dimensioni</a:t>
+            </a:r>
+            <a:r>
+              <a:rPr lang="en-US" sz="1200" dirty="0">
+                <a:solidFill>
+                  <a:schemeClr val="bg2">
+                    <a:lumMod val="10000"/>
+                  </a:schemeClr>
+                </a:solidFill>
+                <a:latin typeface="Candara" panose="020E0502030303020204" pitchFamily="34" charset="0"/>
+              </a:rPr>
+              <a:t> </a:t>
+            </a:r>
+            <a:r>
+              <a:rPr lang="en-US" sz="1200" dirty="0" err="1">
+                <a:solidFill>
+                  <a:schemeClr val="bg2">
+                    <a:lumMod val="10000"/>
+                  </a:schemeClr>
+                </a:solidFill>
+                <a:latin typeface="Candara" panose="020E0502030303020204" pitchFamily="34" charset="0"/>
+              </a:rPr>
+              <a:t>analizzando</a:t>
+            </a:r>
+            <a:r>
+              <a:rPr lang="en-US" sz="1200" dirty="0">
+                <a:solidFill>
+                  <a:schemeClr val="bg2">
+                    <a:lumMod val="10000"/>
+                  </a:schemeClr>
+                </a:solidFill>
+                <a:latin typeface="Candara" panose="020E0502030303020204" pitchFamily="34" charset="0"/>
+              </a:rPr>
+              <a:t> set </a:t>
+            </a:r>
+            <a:r>
+              <a:rPr lang="en-US" sz="1200" dirty="0" err="1">
+                <a:solidFill>
+                  <a:schemeClr val="bg2">
+                    <a:lumMod val="10000"/>
+                  </a:schemeClr>
+                </a:solidFill>
+                <a:latin typeface="Candara" panose="020E0502030303020204" pitchFamily="34" charset="0"/>
+              </a:rPr>
+              <a:t>ristretti</a:t>
+            </a:r>
+            <a:r>
+              <a:rPr lang="en-US" sz="1200" dirty="0">
+                <a:solidFill>
+                  <a:schemeClr val="bg2">
+                    <a:lumMod val="10000"/>
+                  </a:schemeClr>
+                </a:solidFill>
+                <a:latin typeface="Candara" panose="020E0502030303020204" pitchFamily="34" charset="0"/>
+              </a:rPr>
+              <a:t> e non </a:t>
+            </a:r>
+            <a:r>
+              <a:rPr lang="en-US" sz="1200" dirty="0" err="1">
+                <a:solidFill>
+                  <a:schemeClr val="bg2">
+                    <a:lumMod val="10000"/>
+                  </a:schemeClr>
+                </a:solidFill>
+                <a:latin typeface="Candara" panose="020E0502030303020204" pitchFamily="34" charset="0"/>
+              </a:rPr>
+              <a:t>andando</a:t>
+            </a:r>
+            <a:r>
+              <a:rPr lang="en-US" sz="1200" dirty="0">
+                <a:solidFill>
+                  <a:schemeClr val="bg2">
+                    <a:lumMod val="10000"/>
+                  </a:schemeClr>
+                </a:solidFill>
+                <a:latin typeface="Candara" panose="020E0502030303020204" pitchFamily="34" charset="0"/>
+              </a:rPr>
+              <a:t> </a:t>
+            </a:r>
+            <a:r>
+              <a:rPr lang="en-US" sz="1200" dirty="0" err="1">
+                <a:solidFill>
+                  <a:schemeClr val="bg2">
+                    <a:lumMod val="10000"/>
+                  </a:schemeClr>
+                </a:solidFill>
+                <a:latin typeface="Candara" panose="020E0502030303020204" pitchFamily="34" charset="0"/>
+              </a:rPr>
+              <a:t>oltre</a:t>
+            </a:r>
+            <a:r>
+              <a:rPr lang="en-US" sz="1200" dirty="0">
+                <a:solidFill>
+                  <a:schemeClr val="bg2">
+                    <a:lumMod val="10000"/>
+                  </a:schemeClr>
+                </a:solidFill>
+                <a:latin typeface="Candara" panose="020E0502030303020204" pitchFamily="34" charset="0"/>
+              </a:rPr>
+              <a:t> </a:t>
+            </a:r>
+            <a:r>
+              <a:rPr lang="en-US" sz="1200" dirty="0" err="1">
+                <a:solidFill>
+                  <a:schemeClr val="bg2">
+                    <a:lumMod val="10000"/>
+                  </a:schemeClr>
+                </a:solidFill>
+                <a:latin typeface="Candara" panose="020E0502030303020204" pitchFamily="34" charset="0"/>
+              </a:rPr>
+              <a:t>il</a:t>
+            </a:r>
+            <a:r>
+              <a:rPr lang="en-US" sz="1200" dirty="0">
+                <a:solidFill>
+                  <a:schemeClr val="bg2">
+                    <a:lumMod val="10000"/>
+                  </a:schemeClr>
+                </a:solidFill>
+                <a:latin typeface="Candara" panose="020E0502030303020204" pitchFamily="34" charset="0"/>
+              </a:rPr>
+              <a:t> 3-itemset. I tempi di </a:t>
+            </a:r>
+            <a:r>
+              <a:rPr lang="en-US" sz="1200" dirty="0" err="1">
+                <a:solidFill>
+                  <a:schemeClr val="bg2">
+                    <a:lumMod val="10000"/>
+                  </a:schemeClr>
+                </a:solidFill>
+                <a:latin typeface="Candara" panose="020E0502030303020204" pitchFamily="34" charset="0"/>
+              </a:rPr>
+              <a:t>computazione</a:t>
+            </a:r>
+            <a:r>
+              <a:rPr lang="en-US" sz="1200" dirty="0">
+                <a:solidFill>
+                  <a:schemeClr val="bg2">
+                    <a:lumMod val="10000"/>
+                  </a:schemeClr>
+                </a:solidFill>
+                <a:latin typeface="Candara" panose="020E0502030303020204" pitchFamily="34" charset="0"/>
+              </a:rPr>
+              <a:t> </a:t>
+            </a:r>
+            <a:r>
+              <a:rPr lang="en-US" sz="1200" dirty="0" err="1">
+                <a:solidFill>
+                  <a:schemeClr val="bg2">
+                    <a:lumMod val="10000"/>
+                  </a:schemeClr>
+                </a:solidFill>
+                <a:latin typeface="Candara" panose="020E0502030303020204" pitchFamily="34" charset="0"/>
+              </a:rPr>
+              <a:t>rimangono</a:t>
+            </a:r>
+            <a:r>
+              <a:rPr lang="en-US" sz="1200" dirty="0">
+                <a:solidFill>
+                  <a:schemeClr val="bg2">
+                    <a:lumMod val="10000"/>
+                  </a:schemeClr>
+                </a:solidFill>
+                <a:latin typeface="Candara" panose="020E0502030303020204" pitchFamily="34" charset="0"/>
+              </a:rPr>
+              <a:t> </a:t>
+            </a:r>
+            <a:r>
+              <a:rPr lang="en-US" sz="1200" dirty="0" err="1">
+                <a:solidFill>
+                  <a:schemeClr val="bg2">
+                    <a:lumMod val="10000"/>
+                  </a:schemeClr>
+                </a:solidFill>
+                <a:latin typeface="Candara" panose="020E0502030303020204" pitchFamily="34" charset="0"/>
+              </a:rPr>
+              <a:t>comunque</a:t>
+            </a:r>
+            <a:r>
+              <a:rPr lang="en-US" sz="1200" dirty="0">
+                <a:solidFill>
+                  <a:schemeClr val="bg2">
+                    <a:lumMod val="10000"/>
+                  </a:schemeClr>
+                </a:solidFill>
+                <a:latin typeface="Candara" panose="020E0502030303020204" pitchFamily="34" charset="0"/>
+              </a:rPr>
+              <a:t> </a:t>
+            </a:r>
+            <a:r>
+              <a:rPr lang="en-US" sz="1200" dirty="0" err="1">
+                <a:solidFill>
+                  <a:schemeClr val="bg2">
+                    <a:lumMod val="10000"/>
+                  </a:schemeClr>
+                </a:solidFill>
+                <a:latin typeface="Candara" panose="020E0502030303020204" pitchFamily="34" charset="0"/>
+              </a:rPr>
+              <a:t>superiori</a:t>
+            </a:r>
+            <a:r>
+              <a:rPr lang="en-US" sz="1200" dirty="0">
+                <a:solidFill>
+                  <a:schemeClr val="bg2">
+                    <a:lumMod val="10000"/>
+                  </a:schemeClr>
+                </a:solidFill>
+                <a:latin typeface="Candara" panose="020E0502030303020204" pitchFamily="34" charset="0"/>
+              </a:rPr>
+              <a:t> </a:t>
+            </a:r>
+            <a:r>
+              <a:rPr lang="en-US" sz="1200" dirty="0" err="1">
+                <a:solidFill>
+                  <a:schemeClr val="bg2">
+                    <a:lumMod val="10000"/>
+                  </a:schemeClr>
+                </a:solidFill>
+                <a:latin typeface="Candara" panose="020E0502030303020204" pitchFamily="34" charset="0"/>
+              </a:rPr>
+              <a:t>alle</a:t>
+            </a:r>
+            <a:r>
+              <a:rPr lang="en-US" sz="1200" dirty="0">
+                <a:solidFill>
+                  <a:schemeClr val="bg2">
+                    <a:lumMod val="10000"/>
+                  </a:schemeClr>
+                </a:solidFill>
+                <a:latin typeface="Candara" panose="020E0502030303020204" pitchFamily="34" charset="0"/>
+              </a:rPr>
+              <a:t> 12 ore.</a:t>
+            </a:r>
+          </a:p>
+        </p:txBody>
+      </p:sp>
+      <p:sp>
+        <p:nvSpPr>
+          <p:cNvPr id="15" name="TextBox 25">
+            <a:extLst>
+              <a:ext uri="{FF2B5EF4-FFF2-40B4-BE49-F238E27FC236}">
+                <a16:creationId xmlns:a16="http://schemas.microsoft.com/office/drawing/2014/main" id="{7F91E70A-48DC-46DE-A74F-6CD75A110136}"/>
+              </a:ext>
+            </a:extLst>
+          </p:cNvPr>
+          <p:cNvSpPr txBox="1"/>
+          <p:nvPr/>
+        </p:nvSpPr>
+        <p:spPr>
+          <a:xfrm>
+            <a:off x="974127" y="3797592"/>
+            <a:ext cx="5256123" cy="929485"/>
+          </a:xfrm>
+          <a:prstGeom prst="rect">
+            <a:avLst/>
+          </a:prstGeom>
+          <a:noFill/>
+        </p:spPr>
+        <p:txBody>
+          <a:bodyPr wrap="square" rtlCol="0">
+            <a:spAutoFit/>
+          </a:bodyPr>
+          <a:lstStyle/>
+          <a:p>
+            <a:pPr algn="ctr" defTabSz="1219170">
+              <a:spcBef>
+                <a:spcPct val="20000"/>
+              </a:spcBef>
+              <a:defRPr/>
+            </a:pPr>
+            <a:r>
+              <a:rPr lang="it-IT" sz="1600" dirty="0">
+                <a:solidFill>
+                  <a:srgbClr val="FF0000"/>
+                </a:solidFill>
+                <a:latin typeface="Candara" panose="020E0502030303020204" pitchFamily="34" charset="0"/>
+              </a:rPr>
+              <a:t>Calcolo </a:t>
+            </a:r>
+            <a:r>
+              <a:rPr lang="el-GR" sz="1600" dirty="0">
+                <a:solidFill>
+                  <a:srgbClr val="FF0000"/>
+                </a:solidFill>
+                <a:latin typeface="Candara" panose="020E0502030303020204" pitchFamily="34" charset="0"/>
+              </a:rPr>
+              <a:t>σ</a:t>
+            </a:r>
+            <a:r>
+              <a:rPr lang="it-IT" sz="1600" dirty="0">
+                <a:solidFill>
+                  <a:srgbClr val="FF0000"/>
+                </a:solidFill>
+                <a:latin typeface="Candara" panose="020E0502030303020204" pitchFamily="34" charset="0"/>
+              </a:rPr>
+              <a:t>+</a:t>
+            </a:r>
+            <a:r>
+              <a:rPr lang="en-US" sz="1600" dirty="0">
+                <a:solidFill>
+                  <a:srgbClr val="FF0000"/>
+                </a:solidFill>
+                <a:latin typeface="Candara" panose="020E0502030303020204" pitchFamily="34" charset="0"/>
+              </a:rPr>
+              <a:t> e </a:t>
+            </a:r>
+            <a:r>
+              <a:rPr lang="el-GR" sz="1600" dirty="0">
+                <a:solidFill>
+                  <a:srgbClr val="FF0000"/>
+                </a:solidFill>
+                <a:latin typeface="Candara" panose="020E0502030303020204" pitchFamily="34" charset="0"/>
+              </a:rPr>
+              <a:t>σ</a:t>
+            </a:r>
+            <a:r>
+              <a:rPr lang="it-IT" sz="1600" dirty="0">
+                <a:solidFill>
+                  <a:srgbClr val="FF0000"/>
+                </a:solidFill>
+                <a:latin typeface="Candara" panose="020E0502030303020204" pitchFamily="34" charset="0"/>
+              </a:rPr>
+              <a:t>-, </a:t>
+            </a:r>
+            <a:r>
+              <a:rPr lang="it-IT" sz="1600" dirty="0" err="1">
+                <a:solidFill>
+                  <a:srgbClr val="FF0000"/>
+                </a:solidFill>
+                <a:latin typeface="Candara" panose="020E0502030303020204" pitchFamily="34" charset="0"/>
+              </a:rPr>
+              <a:t>identity</a:t>
+            </a:r>
+            <a:r>
+              <a:rPr lang="it-IT" sz="1600" dirty="0">
+                <a:solidFill>
+                  <a:srgbClr val="FF0000"/>
+                </a:solidFill>
+                <a:latin typeface="Candara" panose="020E0502030303020204" pitchFamily="34" charset="0"/>
+              </a:rPr>
+              <a:t> </a:t>
+            </a:r>
+            <a:r>
+              <a:rPr lang="it-IT" sz="1600" dirty="0" err="1">
+                <a:solidFill>
+                  <a:srgbClr val="FF0000"/>
+                </a:solidFill>
+                <a:latin typeface="Candara" panose="020E0502030303020204" pitchFamily="34" charset="0"/>
+              </a:rPr>
+              <a:t>error</a:t>
+            </a:r>
+            <a:endParaRPr lang="en-US" sz="1600" b="1" dirty="0">
+              <a:solidFill>
+                <a:srgbClr val="FF0000"/>
+              </a:solidFill>
+              <a:latin typeface="Candara" panose="020E0502030303020204" pitchFamily="34" charset="0"/>
+            </a:endParaRPr>
+          </a:p>
+          <a:p>
+            <a:pPr algn="ctr" defTabSz="1219170">
+              <a:spcBef>
+                <a:spcPct val="20000"/>
+              </a:spcBef>
+              <a:defRPr/>
+            </a:pPr>
+            <a:r>
+              <a:rPr lang="en-US" sz="1200" dirty="0" err="1">
+                <a:solidFill>
+                  <a:schemeClr val="bg2">
+                    <a:lumMod val="10000"/>
+                  </a:schemeClr>
+                </a:solidFill>
+                <a:latin typeface="Candara" panose="020E0502030303020204" pitchFamily="34" charset="0"/>
+              </a:rPr>
+              <a:t>Calcoliamo</a:t>
+            </a:r>
+            <a:r>
+              <a:rPr lang="en-US" sz="1200" dirty="0">
+                <a:solidFill>
+                  <a:schemeClr val="bg2">
+                    <a:lumMod val="10000"/>
+                  </a:schemeClr>
+                </a:solidFill>
+                <a:latin typeface="Candara" panose="020E0502030303020204" pitchFamily="34" charset="0"/>
+              </a:rPr>
+              <a:t> </a:t>
+            </a:r>
+            <a:r>
+              <a:rPr lang="en-US" sz="1200" dirty="0" err="1">
+                <a:solidFill>
+                  <a:schemeClr val="bg2">
+                    <a:lumMod val="10000"/>
+                  </a:schemeClr>
+                </a:solidFill>
+                <a:latin typeface="Candara" panose="020E0502030303020204" pitchFamily="34" charset="0"/>
+              </a:rPr>
+              <a:t>comunque</a:t>
+            </a:r>
+            <a:r>
+              <a:rPr lang="en-US" sz="1200" dirty="0">
+                <a:solidFill>
+                  <a:schemeClr val="bg2">
+                    <a:lumMod val="10000"/>
+                  </a:schemeClr>
+                </a:solidFill>
+                <a:latin typeface="Candara" panose="020E0502030303020204" pitchFamily="34" charset="0"/>
+              </a:rPr>
+              <a:t> </a:t>
+            </a:r>
+            <a:r>
+              <a:rPr lang="en-US" sz="1200" dirty="0" err="1">
+                <a:solidFill>
+                  <a:schemeClr val="bg2">
+                    <a:lumMod val="10000"/>
+                  </a:schemeClr>
+                </a:solidFill>
+                <a:latin typeface="Candara" panose="020E0502030303020204" pitchFamily="34" charset="0"/>
+              </a:rPr>
+              <a:t>entrambi</a:t>
+            </a:r>
+            <a:r>
+              <a:rPr lang="en-US" sz="1200" dirty="0">
+                <a:solidFill>
+                  <a:schemeClr val="bg2">
+                    <a:lumMod val="10000"/>
+                  </a:schemeClr>
+                </a:solidFill>
+                <a:latin typeface="Candara" panose="020E0502030303020204" pitchFamily="34" charset="0"/>
+              </a:rPr>
+              <a:t> </a:t>
+            </a:r>
+            <a:r>
+              <a:rPr lang="en-US" sz="1200" dirty="0" err="1">
+                <a:solidFill>
+                  <a:schemeClr val="bg2">
+                    <a:lumMod val="10000"/>
+                  </a:schemeClr>
+                </a:solidFill>
+                <a:latin typeface="Candara" panose="020E0502030303020204" pitchFamily="34" charset="0"/>
+              </a:rPr>
+              <a:t>i</a:t>
+            </a:r>
+            <a:r>
+              <a:rPr lang="en-US" sz="1200" dirty="0">
+                <a:solidFill>
+                  <a:schemeClr val="bg2">
+                    <a:lumMod val="10000"/>
+                  </a:schemeClr>
+                </a:solidFill>
+                <a:latin typeface="Candara" panose="020E0502030303020204" pitchFamily="34" charset="0"/>
+              </a:rPr>
+              <a:t> </a:t>
+            </a:r>
+            <a:r>
+              <a:rPr lang="en-US" sz="1200" dirty="0" err="1">
+                <a:solidFill>
+                  <a:schemeClr val="bg2">
+                    <a:lumMod val="10000"/>
+                  </a:schemeClr>
+                </a:solidFill>
+                <a:latin typeface="Candara" panose="020E0502030303020204" pitchFamily="34" charset="0"/>
+              </a:rPr>
+              <a:t>valori</a:t>
+            </a:r>
+            <a:r>
+              <a:rPr lang="en-US" sz="1200" dirty="0">
+                <a:solidFill>
+                  <a:schemeClr val="bg2">
+                    <a:lumMod val="10000"/>
+                  </a:schemeClr>
+                </a:solidFill>
+                <a:latin typeface="Candara" panose="020E0502030303020204" pitchFamily="34" charset="0"/>
+              </a:rPr>
+              <a:t> di sigma, </a:t>
+            </a:r>
+            <a:r>
+              <a:rPr lang="en-US" sz="1200" dirty="0" err="1">
+                <a:solidFill>
+                  <a:schemeClr val="bg2">
+                    <a:lumMod val="10000"/>
+                  </a:schemeClr>
+                </a:solidFill>
+                <a:latin typeface="Candara" panose="020E0502030303020204" pitchFamily="34" charset="0"/>
+              </a:rPr>
+              <a:t>ottenendo</a:t>
+            </a:r>
+            <a:r>
+              <a:rPr lang="en-US" sz="1200" dirty="0">
+                <a:solidFill>
+                  <a:schemeClr val="bg2">
+                    <a:lumMod val="10000"/>
+                  </a:schemeClr>
+                </a:solidFill>
+                <a:latin typeface="Candara" panose="020E0502030303020204" pitchFamily="34" charset="0"/>
+              </a:rPr>
+              <a:t> </a:t>
+            </a:r>
+            <a:r>
+              <a:rPr lang="en-US" sz="1200" dirty="0" err="1">
+                <a:solidFill>
+                  <a:schemeClr val="bg2">
+                    <a:lumMod val="10000"/>
+                  </a:schemeClr>
+                </a:solidFill>
+                <a:latin typeface="Candara" panose="020E0502030303020204" pitchFamily="34" charset="0"/>
+              </a:rPr>
+              <a:t>però</a:t>
+            </a:r>
+            <a:r>
+              <a:rPr lang="en-US" sz="1200" dirty="0">
+                <a:solidFill>
+                  <a:schemeClr val="bg2">
+                    <a:lumMod val="10000"/>
+                  </a:schemeClr>
+                </a:solidFill>
+                <a:latin typeface="Candara" panose="020E0502030303020204" pitchFamily="34" charset="0"/>
+              </a:rPr>
+              <a:t> </a:t>
+            </a:r>
+            <a:r>
+              <a:rPr lang="en-US" sz="1200" dirty="0" err="1">
+                <a:solidFill>
+                  <a:schemeClr val="bg2">
+                    <a:lumMod val="10000"/>
+                  </a:schemeClr>
+                </a:solidFill>
+                <a:latin typeface="Candara" panose="020E0502030303020204" pitchFamily="34" charset="0"/>
+              </a:rPr>
+              <a:t>valori</a:t>
+            </a:r>
+            <a:r>
+              <a:rPr lang="en-US" sz="1200" dirty="0">
+                <a:solidFill>
+                  <a:schemeClr val="bg2">
+                    <a:lumMod val="10000"/>
+                  </a:schemeClr>
+                </a:solidFill>
+                <a:latin typeface="Candara" panose="020E0502030303020204" pitchFamily="34" charset="0"/>
+              </a:rPr>
+              <a:t> molto </a:t>
+            </a:r>
+            <a:r>
+              <a:rPr lang="en-US" sz="1200" dirty="0" err="1">
+                <a:solidFill>
+                  <a:schemeClr val="bg2">
+                    <a:lumMod val="10000"/>
+                  </a:schemeClr>
+                </a:solidFill>
+                <a:latin typeface="Candara" panose="020E0502030303020204" pitchFamily="34" charset="0"/>
+              </a:rPr>
+              <a:t>più</a:t>
+            </a:r>
+            <a:r>
+              <a:rPr lang="en-US" sz="1200" dirty="0">
+                <a:solidFill>
+                  <a:schemeClr val="bg2">
+                    <a:lumMod val="10000"/>
+                  </a:schemeClr>
+                </a:solidFill>
+                <a:latin typeface="Candara" panose="020E0502030303020204" pitchFamily="34" charset="0"/>
+              </a:rPr>
+              <a:t> </a:t>
+            </a:r>
+            <a:r>
+              <a:rPr lang="en-US" sz="1200" dirty="0" err="1">
+                <a:solidFill>
+                  <a:schemeClr val="bg2">
+                    <a:lumMod val="10000"/>
+                  </a:schemeClr>
+                </a:solidFill>
+                <a:latin typeface="Candara" panose="020E0502030303020204" pitchFamily="34" charset="0"/>
+              </a:rPr>
+              <a:t>grandi</a:t>
+            </a:r>
+            <a:r>
+              <a:rPr lang="en-US" sz="1200" dirty="0">
+                <a:solidFill>
+                  <a:schemeClr val="bg2">
+                    <a:lumMod val="10000"/>
+                  </a:schemeClr>
+                </a:solidFill>
+                <a:latin typeface="Candara" panose="020E0502030303020204" pitchFamily="34" charset="0"/>
+              </a:rPr>
+              <a:t> rispetto a </a:t>
+            </a:r>
+            <a:r>
+              <a:rPr lang="en-US" sz="1200" dirty="0" err="1">
+                <a:solidFill>
+                  <a:schemeClr val="bg2">
+                    <a:lumMod val="10000"/>
+                  </a:schemeClr>
+                </a:solidFill>
+                <a:latin typeface="Candara" panose="020E0502030303020204" pitchFamily="34" charset="0"/>
+              </a:rPr>
+              <a:t>quelli</a:t>
+            </a:r>
+            <a:r>
+              <a:rPr lang="en-US" sz="1200" dirty="0">
+                <a:solidFill>
+                  <a:schemeClr val="bg2">
+                    <a:lumMod val="10000"/>
+                  </a:schemeClr>
+                </a:solidFill>
+                <a:latin typeface="Candara" panose="020E0502030303020204" pitchFamily="34" charset="0"/>
+              </a:rPr>
+              <a:t> </a:t>
+            </a:r>
+            <a:r>
+              <a:rPr lang="en-US" sz="1200" dirty="0" err="1">
+                <a:solidFill>
+                  <a:schemeClr val="bg2">
+                    <a:lumMod val="10000"/>
+                  </a:schemeClr>
+                </a:solidFill>
+                <a:latin typeface="Candara" panose="020E0502030303020204" pitchFamily="34" charset="0"/>
+              </a:rPr>
+              <a:t>mostrati</a:t>
+            </a:r>
+            <a:r>
+              <a:rPr lang="en-US" sz="1200" dirty="0">
+                <a:solidFill>
+                  <a:schemeClr val="bg2">
+                    <a:lumMod val="10000"/>
+                  </a:schemeClr>
+                </a:solidFill>
+                <a:latin typeface="Candara" panose="020E0502030303020204" pitchFamily="34" charset="0"/>
+              </a:rPr>
+              <a:t>. Non </a:t>
+            </a:r>
+            <a:r>
+              <a:rPr lang="en-US" sz="1200" dirty="0" err="1">
+                <a:solidFill>
+                  <a:schemeClr val="bg2">
+                    <a:lumMod val="10000"/>
+                  </a:schemeClr>
+                </a:solidFill>
+                <a:latin typeface="Candara" panose="020E0502030303020204" pitchFamily="34" charset="0"/>
+              </a:rPr>
+              <a:t>sono</a:t>
+            </a:r>
+            <a:r>
+              <a:rPr lang="en-US" sz="1200" dirty="0">
+                <a:solidFill>
+                  <a:schemeClr val="bg2">
+                    <a:lumMod val="10000"/>
+                  </a:schemeClr>
+                </a:solidFill>
+                <a:latin typeface="Candara" panose="020E0502030303020204" pitchFamily="34" charset="0"/>
+              </a:rPr>
+              <a:t>, </a:t>
+            </a:r>
+            <a:r>
+              <a:rPr lang="en-US" sz="1200" dirty="0" err="1">
+                <a:solidFill>
+                  <a:schemeClr val="bg2">
+                    <a:lumMod val="10000"/>
+                  </a:schemeClr>
+                </a:solidFill>
+                <a:latin typeface="Candara" panose="020E0502030303020204" pitchFamily="34" charset="0"/>
+              </a:rPr>
+              <a:t>però</a:t>
+            </a:r>
+            <a:r>
+              <a:rPr lang="en-US" sz="1200" dirty="0">
+                <a:solidFill>
+                  <a:schemeClr val="bg2">
+                    <a:lumMod val="10000"/>
+                  </a:schemeClr>
+                </a:solidFill>
+                <a:latin typeface="Candara" panose="020E0502030303020204" pitchFamily="34" charset="0"/>
+              </a:rPr>
+              <a:t>, </a:t>
+            </a:r>
+            <a:r>
+              <a:rPr lang="en-US" sz="1200" dirty="0" err="1">
+                <a:solidFill>
+                  <a:schemeClr val="bg2">
+                    <a:lumMod val="10000"/>
+                  </a:schemeClr>
+                </a:solidFill>
+                <a:latin typeface="Candara" panose="020E0502030303020204" pitchFamily="34" charset="0"/>
+              </a:rPr>
+              <a:t>possibili</a:t>
+            </a:r>
+            <a:r>
+              <a:rPr lang="en-US" sz="1200" dirty="0">
+                <a:solidFill>
+                  <a:schemeClr val="bg2">
+                    <a:lumMod val="10000"/>
+                  </a:schemeClr>
+                </a:solidFill>
+                <a:latin typeface="Candara" panose="020E0502030303020204" pitchFamily="34" charset="0"/>
+              </a:rPr>
+              <a:t> </a:t>
+            </a:r>
+            <a:r>
+              <a:rPr lang="en-US" sz="1200" dirty="0" err="1">
+                <a:solidFill>
+                  <a:schemeClr val="bg2">
+                    <a:lumMod val="10000"/>
+                  </a:schemeClr>
+                </a:solidFill>
+                <a:latin typeface="Candara" panose="020E0502030303020204" pitchFamily="34" charset="0"/>
+              </a:rPr>
+              <a:t>altre</a:t>
+            </a:r>
+            <a:r>
+              <a:rPr lang="en-US" sz="1200" dirty="0">
+                <a:solidFill>
+                  <a:schemeClr val="bg2">
+                    <a:lumMod val="10000"/>
+                  </a:schemeClr>
+                </a:solidFill>
+                <a:latin typeface="Candara" panose="020E0502030303020204" pitchFamily="34" charset="0"/>
+              </a:rPr>
+              <a:t> </a:t>
+            </a:r>
+            <a:r>
+              <a:rPr lang="en-US" sz="1200" dirty="0" err="1">
+                <a:solidFill>
+                  <a:schemeClr val="bg2">
+                    <a:lumMod val="10000"/>
+                  </a:schemeClr>
+                </a:solidFill>
+                <a:latin typeface="Candara" panose="020E0502030303020204" pitchFamily="34" charset="0"/>
+              </a:rPr>
+              <a:t>interpretazioni</a:t>
+            </a:r>
+            <a:r>
+              <a:rPr lang="en-US" sz="1200" dirty="0">
+                <a:solidFill>
+                  <a:schemeClr val="bg2">
+                    <a:lumMod val="10000"/>
+                  </a:schemeClr>
+                </a:solidFill>
+                <a:latin typeface="Candara" panose="020E0502030303020204" pitchFamily="34" charset="0"/>
+              </a:rPr>
+              <a:t>, </a:t>
+            </a:r>
+            <a:r>
+              <a:rPr lang="en-US" sz="1200" dirty="0" err="1">
+                <a:solidFill>
+                  <a:schemeClr val="bg2">
+                    <a:lumMod val="10000"/>
+                  </a:schemeClr>
+                </a:solidFill>
+                <a:latin typeface="Candara" panose="020E0502030303020204" pitchFamily="34" charset="0"/>
+              </a:rPr>
+              <a:t>essendo</a:t>
+            </a:r>
+            <a:r>
+              <a:rPr lang="en-US" sz="1200" dirty="0">
+                <a:solidFill>
+                  <a:schemeClr val="bg2">
+                    <a:lumMod val="10000"/>
+                  </a:schemeClr>
+                </a:solidFill>
+                <a:latin typeface="Candara" panose="020E0502030303020204" pitchFamily="34" charset="0"/>
+              </a:rPr>
+              <a:t> </a:t>
+            </a:r>
+            <a:r>
+              <a:rPr lang="en-US" sz="1200" dirty="0" err="1">
+                <a:solidFill>
+                  <a:schemeClr val="bg2">
+                    <a:lumMod val="10000"/>
+                  </a:schemeClr>
+                </a:solidFill>
+                <a:latin typeface="Candara" panose="020E0502030303020204" pitchFamily="34" charset="0"/>
+              </a:rPr>
+              <a:t>nel</a:t>
+            </a:r>
+            <a:r>
+              <a:rPr lang="en-US" sz="1200" dirty="0">
+                <a:solidFill>
+                  <a:schemeClr val="bg2">
+                    <a:lumMod val="10000"/>
+                  </a:schemeClr>
+                </a:solidFill>
+                <a:latin typeface="Candara" panose="020E0502030303020204" pitchFamily="34" charset="0"/>
+              </a:rPr>
+              <a:t> paper </a:t>
+            </a:r>
+            <a:r>
+              <a:rPr lang="en-US" sz="1200" dirty="0" err="1">
+                <a:solidFill>
+                  <a:schemeClr val="bg2">
+                    <a:lumMod val="10000"/>
+                  </a:schemeClr>
+                </a:solidFill>
+                <a:latin typeface="Candara" panose="020E0502030303020204" pitchFamily="34" charset="0"/>
+              </a:rPr>
+              <a:t>mostrati</a:t>
+            </a:r>
+            <a:r>
+              <a:rPr lang="en-US" sz="1200" dirty="0">
+                <a:solidFill>
+                  <a:schemeClr val="bg2">
+                    <a:lumMod val="10000"/>
+                  </a:schemeClr>
+                </a:solidFill>
+                <a:latin typeface="Candara" panose="020E0502030303020204" pitchFamily="34" charset="0"/>
+              </a:rPr>
+              <a:t> </a:t>
+            </a:r>
+            <a:r>
+              <a:rPr lang="en-US" sz="1200" dirty="0" err="1">
+                <a:solidFill>
+                  <a:schemeClr val="bg2">
+                    <a:lumMod val="10000"/>
+                  </a:schemeClr>
+                </a:solidFill>
+                <a:latin typeface="Candara" panose="020E0502030303020204" pitchFamily="34" charset="0"/>
+              </a:rPr>
+              <a:t>valori</a:t>
+            </a:r>
+            <a:r>
+              <a:rPr lang="en-US" sz="1200" dirty="0">
+                <a:solidFill>
+                  <a:schemeClr val="bg2">
+                    <a:lumMod val="10000"/>
+                  </a:schemeClr>
+                </a:solidFill>
+                <a:latin typeface="Candara" panose="020E0502030303020204" pitchFamily="34" charset="0"/>
+              </a:rPr>
+              <a:t> </a:t>
+            </a:r>
+            <a:r>
+              <a:rPr lang="en-US" sz="1200" dirty="0" err="1">
+                <a:solidFill>
+                  <a:schemeClr val="bg2">
+                    <a:lumMod val="10000"/>
+                  </a:schemeClr>
+                </a:solidFill>
+                <a:latin typeface="Candara" panose="020E0502030303020204" pitchFamily="34" charset="0"/>
+              </a:rPr>
+              <a:t>sempre</a:t>
+            </a:r>
+            <a:r>
+              <a:rPr lang="en-US" sz="1200" dirty="0">
+                <a:solidFill>
+                  <a:schemeClr val="bg2">
+                    <a:lumMod val="10000"/>
+                  </a:schemeClr>
+                </a:solidFill>
+                <a:latin typeface="Candara" panose="020E0502030303020204" pitchFamily="34" charset="0"/>
+              </a:rPr>
+              <a:t> &gt;= 0.</a:t>
+            </a:r>
+          </a:p>
+        </p:txBody>
+      </p:sp>
+      <p:sp>
+        <p:nvSpPr>
+          <p:cNvPr id="16" name="Teardrop 45">
+            <a:extLst>
+              <a:ext uri="{FF2B5EF4-FFF2-40B4-BE49-F238E27FC236}">
+                <a16:creationId xmlns:a16="http://schemas.microsoft.com/office/drawing/2014/main" id="{76E9DDE6-BCA2-440C-99BE-5AC75B222CBC}"/>
+              </a:ext>
+            </a:extLst>
+          </p:cNvPr>
+          <p:cNvSpPr/>
+          <p:nvPr/>
+        </p:nvSpPr>
+        <p:spPr>
+          <a:xfrm rot="2720395">
+            <a:off x="594413" y="4859277"/>
+            <a:ext cx="360000" cy="360000"/>
+          </a:xfrm>
+          <a:prstGeom prst="teardrop">
+            <a:avLst/>
+          </a:prstGeom>
+          <a:solidFill>
+            <a:srgbClr val="7030A0"/>
+          </a:solidFill>
+          <a:ln>
+            <a:noFill/>
+          </a:ln>
+          <a:effectLst>
+            <a:outerShdw blurRad="50800" dist="38100" algn="l" rotWithShape="0">
+              <a:prstClr val="black">
+                <a:alpha val="40000"/>
+              </a:prstClr>
+            </a:outerShdw>
+          </a:effectLst>
+        </p:spPr>
+        <p:style>
+          <a:lnRef idx="2">
+            <a:schemeClr val="accent1">
+              <a:shade val="50000"/>
+            </a:schemeClr>
+          </a:lnRef>
+          <a:fillRef idx="1">
+            <a:schemeClr val="accent1"/>
+          </a:fillRef>
+          <a:effectRef idx="0">
+            <a:schemeClr val="accent1"/>
+          </a:effectRef>
+          <a:fontRef idx="minor">
+            <a:schemeClr val="lt1"/>
+          </a:fontRef>
+        </p:style>
+        <p:txBody>
+          <a:bodyPr rtlCol="0" anchor="ctr"/>
+          <a:lstStyle/>
+          <a:p>
+            <a:pPr algn="ctr"/>
+            <a:endParaRPr lang="en-US" dirty="0"/>
+          </a:p>
+        </p:txBody>
+      </p:sp>
+      <p:sp>
+        <p:nvSpPr>
+          <p:cNvPr id="17" name="TextBox 25">
+            <a:extLst>
+              <a:ext uri="{FF2B5EF4-FFF2-40B4-BE49-F238E27FC236}">
+                <a16:creationId xmlns:a16="http://schemas.microsoft.com/office/drawing/2014/main" id="{A1AD93D5-92DB-4178-85C4-3D019DEBC4E0}"/>
+              </a:ext>
+            </a:extLst>
+          </p:cNvPr>
+          <p:cNvSpPr txBox="1"/>
+          <p:nvPr/>
+        </p:nvSpPr>
+        <p:spPr>
+          <a:xfrm>
+            <a:off x="974126" y="4666155"/>
+            <a:ext cx="5256123" cy="744819"/>
+          </a:xfrm>
+          <a:prstGeom prst="rect">
+            <a:avLst/>
+          </a:prstGeom>
+          <a:noFill/>
+        </p:spPr>
+        <p:txBody>
+          <a:bodyPr wrap="square" rtlCol="0">
+            <a:spAutoFit/>
+          </a:bodyPr>
+          <a:lstStyle/>
+          <a:p>
+            <a:pPr algn="ctr" defTabSz="1219170">
+              <a:spcBef>
+                <a:spcPct val="20000"/>
+              </a:spcBef>
+              <a:defRPr/>
+            </a:pPr>
+            <a:r>
+              <a:rPr lang="it-IT" sz="1600" dirty="0">
+                <a:solidFill>
+                  <a:srgbClr val="7030A0"/>
+                </a:solidFill>
+                <a:latin typeface="Candara" panose="020E0502030303020204" pitchFamily="34" charset="0"/>
+              </a:rPr>
+              <a:t>Calcolo </a:t>
+            </a:r>
+            <a:r>
+              <a:rPr lang="el-GR" sz="1600" dirty="0">
+                <a:solidFill>
+                  <a:srgbClr val="7030A0"/>
+                </a:solidFill>
+                <a:latin typeface="Candara" panose="020E0502030303020204" pitchFamily="34" charset="0"/>
+              </a:rPr>
+              <a:t>ρ</a:t>
+            </a:r>
+            <a:r>
+              <a:rPr lang="it-IT" sz="1600" dirty="0">
+                <a:solidFill>
+                  <a:srgbClr val="7030A0"/>
+                </a:solidFill>
+                <a:latin typeface="Candara" panose="020E0502030303020204" pitchFamily="34" charset="0"/>
+              </a:rPr>
+              <a:t>, support </a:t>
+            </a:r>
+            <a:r>
+              <a:rPr lang="it-IT" sz="1600" dirty="0" err="1">
+                <a:solidFill>
+                  <a:srgbClr val="7030A0"/>
+                </a:solidFill>
+                <a:latin typeface="Candara" panose="020E0502030303020204" pitchFamily="34" charset="0"/>
+              </a:rPr>
+              <a:t>error</a:t>
+            </a:r>
+            <a:endParaRPr lang="en-US" sz="1600" b="1" dirty="0">
+              <a:solidFill>
+                <a:srgbClr val="7030A0"/>
+              </a:solidFill>
+              <a:latin typeface="Candara" panose="020E0502030303020204" pitchFamily="34" charset="0"/>
+            </a:endParaRPr>
+          </a:p>
+          <a:p>
+            <a:pPr algn="ctr" defTabSz="1219170">
+              <a:spcBef>
+                <a:spcPct val="20000"/>
+              </a:spcBef>
+              <a:defRPr/>
+            </a:pPr>
+            <a:r>
+              <a:rPr lang="en-US" sz="1200" dirty="0">
+                <a:solidFill>
+                  <a:schemeClr val="bg2">
+                    <a:lumMod val="10000"/>
+                  </a:schemeClr>
+                </a:solidFill>
+                <a:latin typeface="Candara" panose="020E0502030303020204" pitchFamily="34" charset="0"/>
+              </a:rPr>
+              <a:t>Non </a:t>
+            </a:r>
+            <a:r>
+              <a:rPr lang="en-US" sz="1200" dirty="0" err="1">
+                <a:solidFill>
+                  <a:schemeClr val="bg2">
+                    <a:lumMod val="10000"/>
+                  </a:schemeClr>
+                </a:solidFill>
+                <a:latin typeface="Candara" panose="020E0502030303020204" pitchFamily="34" charset="0"/>
+              </a:rPr>
+              <a:t>trovando</a:t>
+            </a:r>
+            <a:r>
+              <a:rPr lang="en-US" sz="1200" dirty="0">
+                <a:solidFill>
+                  <a:schemeClr val="bg2">
+                    <a:lumMod val="10000"/>
+                  </a:schemeClr>
+                </a:solidFill>
+                <a:latin typeface="Candara" panose="020E0502030303020204" pitchFamily="34" charset="0"/>
+              </a:rPr>
+              <a:t> </a:t>
+            </a:r>
+            <a:r>
+              <a:rPr lang="en-US" sz="1200" dirty="0" err="1">
+                <a:solidFill>
+                  <a:schemeClr val="bg2">
+                    <a:lumMod val="10000"/>
+                  </a:schemeClr>
+                </a:solidFill>
+                <a:latin typeface="Candara" panose="020E0502030303020204" pitchFamily="34" charset="0"/>
+              </a:rPr>
+              <a:t>migliori</a:t>
+            </a:r>
+            <a:r>
+              <a:rPr lang="en-US" sz="1200" dirty="0">
+                <a:solidFill>
+                  <a:schemeClr val="bg2">
+                    <a:lumMod val="10000"/>
+                  </a:schemeClr>
+                </a:solidFill>
+                <a:latin typeface="Candara" panose="020E0502030303020204" pitchFamily="34" charset="0"/>
+              </a:rPr>
+              <a:t> </a:t>
+            </a:r>
+            <a:r>
+              <a:rPr lang="en-US" sz="1200" dirty="0" err="1">
+                <a:solidFill>
+                  <a:schemeClr val="bg2">
+                    <a:lumMod val="10000"/>
+                  </a:schemeClr>
+                </a:solidFill>
+                <a:latin typeface="Candara" panose="020E0502030303020204" pitchFamily="34" charset="0"/>
+              </a:rPr>
+              <a:t>interpretazioni</a:t>
+            </a:r>
+            <a:r>
+              <a:rPr lang="en-US" sz="1200" dirty="0">
+                <a:solidFill>
+                  <a:schemeClr val="bg2">
+                    <a:lumMod val="10000"/>
+                  </a:schemeClr>
+                </a:solidFill>
+                <a:latin typeface="Candara" panose="020E0502030303020204" pitchFamily="34" charset="0"/>
+              </a:rPr>
+              <a:t>, </a:t>
+            </a:r>
+            <a:r>
+              <a:rPr lang="en-US" sz="1200" dirty="0" err="1">
+                <a:solidFill>
+                  <a:schemeClr val="bg2">
+                    <a:lumMod val="10000"/>
+                  </a:schemeClr>
+                </a:solidFill>
+                <a:latin typeface="Candara" panose="020E0502030303020204" pitchFamily="34" charset="0"/>
+              </a:rPr>
+              <a:t>abbiamo</a:t>
+            </a:r>
+            <a:r>
+              <a:rPr lang="en-US" sz="1200" dirty="0">
+                <a:solidFill>
+                  <a:schemeClr val="bg2">
+                    <a:lumMod val="10000"/>
+                  </a:schemeClr>
+                </a:solidFill>
+                <a:latin typeface="Candara" panose="020E0502030303020204" pitchFamily="34" charset="0"/>
+              </a:rPr>
+              <a:t> </a:t>
+            </a:r>
+            <a:r>
+              <a:rPr lang="en-US" sz="1200" dirty="0" err="1">
+                <a:solidFill>
+                  <a:schemeClr val="bg2">
+                    <a:lumMod val="10000"/>
+                  </a:schemeClr>
+                </a:solidFill>
+                <a:latin typeface="Candara" panose="020E0502030303020204" pitchFamily="34" charset="0"/>
+              </a:rPr>
+              <a:t>considerato</a:t>
+            </a:r>
+            <a:r>
+              <a:rPr lang="en-US" sz="1200" dirty="0">
+                <a:solidFill>
+                  <a:schemeClr val="bg2">
+                    <a:lumMod val="10000"/>
+                  </a:schemeClr>
+                </a:solidFill>
+                <a:latin typeface="Candara" panose="020E0502030303020204" pitchFamily="34" charset="0"/>
+              </a:rPr>
+              <a:t> come </a:t>
+            </a:r>
+            <a:r>
+              <a:rPr lang="en-US" sz="1200" dirty="0" err="1">
+                <a:solidFill>
+                  <a:schemeClr val="bg2">
+                    <a:lumMod val="10000"/>
+                  </a:schemeClr>
+                </a:solidFill>
+                <a:latin typeface="Candara" panose="020E0502030303020204" pitchFamily="34" charset="0"/>
+              </a:rPr>
+              <a:t>validi</a:t>
+            </a:r>
+            <a:r>
+              <a:rPr lang="en-US" sz="1200" dirty="0">
+                <a:solidFill>
+                  <a:schemeClr val="bg2">
+                    <a:lumMod val="10000"/>
+                  </a:schemeClr>
+                </a:solidFill>
+                <a:latin typeface="Candara" panose="020E0502030303020204" pitchFamily="34" charset="0"/>
+              </a:rPr>
+              <a:t> </a:t>
+            </a:r>
+            <a:r>
+              <a:rPr lang="en-US" sz="1200" dirty="0" err="1">
+                <a:solidFill>
+                  <a:schemeClr val="bg2">
+                    <a:lumMod val="10000"/>
+                  </a:schemeClr>
+                </a:solidFill>
+                <a:latin typeface="Candara" panose="020E0502030303020204" pitchFamily="34" charset="0"/>
+              </a:rPr>
+              <a:t>i</a:t>
+            </a:r>
+            <a:r>
+              <a:rPr lang="en-US" sz="1200" dirty="0">
+                <a:solidFill>
+                  <a:schemeClr val="bg2">
+                    <a:lumMod val="10000"/>
+                  </a:schemeClr>
+                </a:solidFill>
+                <a:latin typeface="Candara" panose="020E0502030303020204" pitchFamily="34" charset="0"/>
+              </a:rPr>
+              <a:t> </a:t>
+            </a:r>
+            <a:r>
+              <a:rPr lang="en-US" sz="1200" dirty="0" err="1">
+                <a:solidFill>
+                  <a:schemeClr val="bg2">
+                    <a:lumMod val="10000"/>
+                  </a:schemeClr>
+                </a:solidFill>
+                <a:latin typeface="Candara" panose="020E0502030303020204" pitchFamily="34" charset="0"/>
+              </a:rPr>
+              <a:t>risultati</a:t>
+            </a:r>
+            <a:r>
+              <a:rPr lang="en-US" sz="1200" dirty="0">
+                <a:solidFill>
+                  <a:schemeClr val="bg2">
+                    <a:lumMod val="10000"/>
+                  </a:schemeClr>
+                </a:solidFill>
+                <a:latin typeface="Candara" panose="020E0502030303020204" pitchFamily="34" charset="0"/>
+              </a:rPr>
+              <a:t> </a:t>
+            </a:r>
+            <a:r>
+              <a:rPr lang="en-US" sz="1200" dirty="0" err="1">
+                <a:solidFill>
+                  <a:schemeClr val="bg2">
+                    <a:lumMod val="10000"/>
+                  </a:schemeClr>
+                </a:solidFill>
+                <a:latin typeface="Candara" panose="020E0502030303020204" pitchFamily="34" charset="0"/>
+              </a:rPr>
+              <a:t>ottenuti</a:t>
+            </a:r>
+            <a:r>
+              <a:rPr lang="en-US" sz="1200" dirty="0">
+                <a:solidFill>
+                  <a:schemeClr val="bg2">
+                    <a:lumMod val="10000"/>
+                  </a:schemeClr>
+                </a:solidFill>
+                <a:latin typeface="Candara" panose="020E0502030303020204" pitchFamily="34" charset="0"/>
+              </a:rPr>
+              <a:t>, </a:t>
+            </a:r>
+            <a:r>
+              <a:rPr lang="en-US" sz="1200" dirty="0" err="1">
+                <a:solidFill>
+                  <a:schemeClr val="bg2">
+                    <a:lumMod val="10000"/>
+                  </a:schemeClr>
+                </a:solidFill>
+                <a:latin typeface="Candara" panose="020E0502030303020204" pitchFamily="34" charset="0"/>
+              </a:rPr>
+              <a:t>contraddicendo</a:t>
+            </a:r>
+            <a:r>
+              <a:rPr lang="en-US" sz="1200" dirty="0">
+                <a:solidFill>
+                  <a:schemeClr val="bg2">
+                    <a:lumMod val="10000"/>
+                  </a:schemeClr>
+                </a:solidFill>
+                <a:latin typeface="Candara" panose="020E0502030303020204" pitchFamily="34" charset="0"/>
+              </a:rPr>
+              <a:t> </a:t>
+            </a:r>
+            <a:r>
+              <a:rPr lang="en-US" sz="1200" dirty="0" err="1">
+                <a:solidFill>
+                  <a:schemeClr val="bg2">
+                    <a:lumMod val="10000"/>
+                  </a:schemeClr>
+                </a:solidFill>
+                <a:latin typeface="Candara" panose="020E0502030303020204" pitchFamily="34" charset="0"/>
+              </a:rPr>
+              <a:t>quindi</a:t>
+            </a:r>
+            <a:r>
+              <a:rPr lang="en-US" sz="1200" dirty="0">
+                <a:solidFill>
+                  <a:schemeClr val="bg2">
+                    <a:lumMod val="10000"/>
+                  </a:schemeClr>
+                </a:solidFill>
+                <a:latin typeface="Candara" panose="020E0502030303020204" pitchFamily="34" charset="0"/>
+              </a:rPr>
+              <a:t> </a:t>
+            </a:r>
+            <a:r>
+              <a:rPr lang="en-US" sz="1200" dirty="0" err="1">
+                <a:solidFill>
+                  <a:schemeClr val="bg2">
+                    <a:lumMod val="10000"/>
+                  </a:schemeClr>
+                </a:solidFill>
+                <a:latin typeface="Candara" panose="020E0502030303020204" pitchFamily="34" charset="0"/>
+              </a:rPr>
+              <a:t>quanto</a:t>
+            </a:r>
+            <a:r>
+              <a:rPr lang="en-US" sz="1200" dirty="0">
+                <a:solidFill>
+                  <a:schemeClr val="bg2">
+                    <a:lumMod val="10000"/>
+                  </a:schemeClr>
+                </a:solidFill>
+                <a:latin typeface="Candara" panose="020E0502030303020204" pitchFamily="34" charset="0"/>
+              </a:rPr>
+              <a:t> </a:t>
+            </a:r>
+            <a:r>
+              <a:rPr lang="en-US" sz="1200" dirty="0" err="1">
+                <a:solidFill>
+                  <a:schemeClr val="bg2">
+                    <a:lumMod val="10000"/>
+                  </a:schemeClr>
+                </a:solidFill>
+                <a:latin typeface="Candara" panose="020E0502030303020204" pitchFamily="34" charset="0"/>
+              </a:rPr>
+              <a:t>affermato</a:t>
+            </a:r>
+            <a:r>
+              <a:rPr lang="en-US" sz="1200" dirty="0">
+                <a:solidFill>
+                  <a:schemeClr val="bg2">
+                    <a:lumMod val="10000"/>
+                  </a:schemeClr>
+                </a:solidFill>
+                <a:latin typeface="Candara" panose="020E0502030303020204" pitchFamily="34" charset="0"/>
+              </a:rPr>
+              <a:t> </a:t>
+            </a:r>
+            <a:r>
+              <a:rPr lang="en-US" sz="1200" dirty="0" err="1">
+                <a:solidFill>
+                  <a:schemeClr val="bg2">
+                    <a:lumMod val="10000"/>
+                  </a:schemeClr>
+                </a:solidFill>
+                <a:latin typeface="Candara" panose="020E0502030303020204" pitchFamily="34" charset="0"/>
+              </a:rPr>
+              <a:t>nel</a:t>
+            </a:r>
+            <a:r>
+              <a:rPr lang="en-US" sz="1200" dirty="0">
+                <a:solidFill>
+                  <a:schemeClr val="bg2">
+                    <a:lumMod val="10000"/>
+                  </a:schemeClr>
+                </a:solidFill>
+                <a:latin typeface="Candara" panose="020E0502030303020204" pitchFamily="34" charset="0"/>
+              </a:rPr>
+              <a:t> </a:t>
+            </a:r>
+            <a:r>
+              <a:rPr lang="en-US" sz="1200" dirty="0" err="1">
+                <a:solidFill>
+                  <a:schemeClr val="bg2">
+                    <a:lumMod val="10000"/>
+                  </a:schemeClr>
+                </a:solidFill>
+                <a:latin typeface="Candara" panose="020E0502030303020204" pitchFamily="34" charset="0"/>
+              </a:rPr>
+              <a:t>documento</a:t>
+            </a:r>
+            <a:r>
+              <a:rPr lang="en-US" sz="1200" dirty="0">
+                <a:solidFill>
+                  <a:schemeClr val="bg2">
+                    <a:lumMod val="10000"/>
+                  </a:schemeClr>
+                </a:solidFill>
+                <a:latin typeface="Candara" panose="020E0502030303020204" pitchFamily="34" charset="0"/>
+              </a:rPr>
+              <a:t>.</a:t>
+            </a:r>
+          </a:p>
+        </p:txBody>
+      </p:sp>
+    </p:spTree>
+    <p:extLst>
+      <p:ext uri="{BB962C8B-B14F-4D97-AF65-F5344CB8AC3E}">
+        <p14:creationId xmlns:p14="http://schemas.microsoft.com/office/powerpoint/2010/main" val="208457323"/>
+      </p:ext>
+    </p:extLst>
+  </p:cSld>
+  <p:clrMapOvr>
+    <a:masterClrMapping/>
+  </p:clrMapOvr>
+  <p:timing>
+    <p:tnLst>
+      <p:par>
+        <p:cTn id="1" dur="indefinite" restart="never" nodeType="tmRoot">
+          <p:childTnLst>
+            <p:seq concurrent="1" nextAc="seek">
+              <p:cTn id="2" dur="indefinite" nodeType="mainSeq">
+                <p:childTnLst>
+                  <p:par>
+                    <p:cTn id="3" fill="hold">
+                      <p:stCondLst>
+                        <p:cond delay="indefinite"/>
+                        <p:cond evt="onBegin" delay="0">
+                          <p:tn val="2"/>
+                        </p:cond>
+                      </p:stCondLst>
+                      <p:childTnLst>
+                        <p:par>
+                          <p:cTn id="4" fill="hold">
+                            <p:stCondLst>
+                              <p:cond delay="0"/>
+                            </p:stCondLst>
+                            <p:childTnLst>
+                              <p:par>
+                                <p:cTn id="5" presetID="22" presetClass="entr" presetSubtype="8" fill="hold" grpId="0" nodeType="withEffect">
+                                  <p:stCondLst>
+                                    <p:cond delay="0"/>
+                                  </p:stCondLst>
+                                  <p:childTnLst>
+                                    <p:set>
+                                      <p:cBhvr>
+                                        <p:cTn id="6" dur="1" fill="hold">
+                                          <p:stCondLst>
+                                            <p:cond delay="0"/>
+                                          </p:stCondLst>
+                                        </p:cTn>
+                                        <p:tgtEl>
+                                          <p:spTgt spid="25"/>
+                                        </p:tgtEl>
+                                        <p:attrNameLst>
+                                          <p:attrName>style.visibility</p:attrName>
+                                        </p:attrNameLst>
+                                      </p:cBhvr>
+                                      <p:to>
+                                        <p:strVal val="visible"/>
+                                      </p:to>
+                                    </p:set>
+                                    <p:animEffect transition="in" filter="wipe(left)">
+                                      <p:cBhvr>
+                                        <p:cTn id="7" dur="500"/>
+                                        <p:tgtEl>
+                                          <p:spTgt spid="25"/>
+                                        </p:tgtEl>
+                                      </p:cBhvr>
+                                    </p:animEffect>
+                                  </p:childTnLst>
+                                </p:cTn>
+                              </p:par>
+                            </p:childTnLst>
+                          </p:cTn>
+                        </p:par>
+                      </p:childTnLst>
+                    </p:cTn>
+                  </p:par>
+                  <p:par>
+                    <p:cTn id="8" fill="hold">
+                      <p:stCondLst>
+                        <p:cond delay="indefinite"/>
+                      </p:stCondLst>
+                      <p:childTnLst>
+                        <p:par>
+                          <p:cTn id="9" fill="hold">
+                            <p:stCondLst>
+                              <p:cond delay="0"/>
+                            </p:stCondLst>
+                            <p:childTnLst>
+                              <p:par>
+                                <p:cTn id="10" presetID="49" presetClass="entr" presetSubtype="0" decel="100000" fill="hold" grpId="0" nodeType="clickEffect">
+                                  <p:stCondLst>
+                                    <p:cond delay="0"/>
+                                  </p:stCondLst>
+                                  <p:childTnLst>
+                                    <p:set>
+                                      <p:cBhvr>
+                                        <p:cTn id="11" dur="1" fill="hold">
+                                          <p:stCondLst>
+                                            <p:cond delay="0"/>
+                                          </p:stCondLst>
+                                        </p:cTn>
+                                        <p:tgtEl>
+                                          <p:spTgt spid="11"/>
+                                        </p:tgtEl>
+                                        <p:attrNameLst>
+                                          <p:attrName>style.visibility</p:attrName>
+                                        </p:attrNameLst>
+                                      </p:cBhvr>
+                                      <p:to>
+                                        <p:strVal val="visible"/>
+                                      </p:to>
+                                    </p:set>
+                                    <p:anim calcmode="lin" valueType="num">
+                                      <p:cBhvr>
+                                        <p:cTn id="12" dur="500" fill="hold"/>
+                                        <p:tgtEl>
+                                          <p:spTgt spid="11"/>
+                                        </p:tgtEl>
+                                        <p:attrNameLst>
+                                          <p:attrName>ppt_w</p:attrName>
+                                        </p:attrNameLst>
+                                      </p:cBhvr>
+                                      <p:tavLst>
+                                        <p:tav tm="0">
+                                          <p:val>
+                                            <p:fltVal val="0"/>
+                                          </p:val>
+                                        </p:tav>
+                                        <p:tav tm="100000">
+                                          <p:val>
+                                            <p:strVal val="#ppt_w"/>
+                                          </p:val>
+                                        </p:tav>
+                                      </p:tavLst>
+                                    </p:anim>
+                                    <p:anim calcmode="lin" valueType="num">
+                                      <p:cBhvr>
+                                        <p:cTn id="13" dur="500" fill="hold"/>
+                                        <p:tgtEl>
+                                          <p:spTgt spid="11"/>
+                                        </p:tgtEl>
+                                        <p:attrNameLst>
+                                          <p:attrName>ppt_h</p:attrName>
+                                        </p:attrNameLst>
+                                      </p:cBhvr>
+                                      <p:tavLst>
+                                        <p:tav tm="0">
+                                          <p:val>
+                                            <p:fltVal val="0"/>
+                                          </p:val>
+                                        </p:tav>
+                                        <p:tav tm="100000">
+                                          <p:val>
+                                            <p:strVal val="#ppt_h"/>
+                                          </p:val>
+                                        </p:tav>
+                                      </p:tavLst>
+                                    </p:anim>
+                                    <p:anim calcmode="lin" valueType="num">
+                                      <p:cBhvr>
+                                        <p:cTn id="14" dur="500" fill="hold"/>
+                                        <p:tgtEl>
+                                          <p:spTgt spid="11"/>
+                                        </p:tgtEl>
+                                        <p:attrNameLst>
+                                          <p:attrName>style.rotation</p:attrName>
+                                        </p:attrNameLst>
+                                      </p:cBhvr>
+                                      <p:tavLst>
+                                        <p:tav tm="0">
+                                          <p:val>
+                                            <p:fltVal val="360"/>
+                                          </p:val>
+                                        </p:tav>
+                                        <p:tav tm="100000">
+                                          <p:val>
+                                            <p:fltVal val="0"/>
+                                          </p:val>
+                                        </p:tav>
+                                      </p:tavLst>
+                                    </p:anim>
+                                    <p:animEffect transition="in" filter="fade">
+                                      <p:cBhvr>
+                                        <p:cTn id="15" dur="500"/>
+                                        <p:tgtEl>
+                                          <p:spTgt spid="11"/>
+                                        </p:tgtEl>
+                                      </p:cBhvr>
+                                    </p:animEffect>
+                                  </p:childTnLst>
+                                </p:cTn>
+                              </p:par>
+                              <p:par>
+                                <p:cTn id="16" presetID="22" presetClass="entr" presetSubtype="1" fill="hold" grpId="0" nodeType="withEffect">
+                                  <p:stCondLst>
+                                    <p:cond delay="0"/>
+                                  </p:stCondLst>
+                                  <p:childTnLst>
+                                    <p:set>
+                                      <p:cBhvr>
+                                        <p:cTn id="17" dur="1" fill="hold">
+                                          <p:stCondLst>
+                                            <p:cond delay="0"/>
+                                          </p:stCondLst>
+                                        </p:cTn>
+                                        <p:tgtEl>
+                                          <p:spTgt spid="26"/>
+                                        </p:tgtEl>
+                                        <p:attrNameLst>
+                                          <p:attrName>style.visibility</p:attrName>
+                                        </p:attrNameLst>
+                                      </p:cBhvr>
+                                      <p:to>
+                                        <p:strVal val="visible"/>
+                                      </p:to>
+                                    </p:set>
+                                    <p:animEffect transition="in" filter="wipe(up)">
+                                      <p:cBhvr>
+                                        <p:cTn id="18" dur="500"/>
+                                        <p:tgtEl>
+                                          <p:spTgt spid="26"/>
+                                        </p:tgtEl>
+                                      </p:cBhvr>
+                                    </p:animEffect>
+                                  </p:childTnLst>
+                                </p:cTn>
+                              </p:par>
+                            </p:childTnLst>
+                          </p:cTn>
+                        </p:par>
+                      </p:childTnLst>
+                    </p:cTn>
+                  </p:par>
+                  <p:par>
+                    <p:cTn id="19" fill="hold">
+                      <p:stCondLst>
+                        <p:cond delay="indefinite"/>
+                      </p:stCondLst>
+                      <p:childTnLst>
+                        <p:par>
+                          <p:cTn id="20" fill="hold">
+                            <p:stCondLst>
+                              <p:cond delay="0"/>
+                            </p:stCondLst>
+                            <p:childTnLst>
+                              <p:par>
+                                <p:cTn id="21" presetID="49" presetClass="entr" presetSubtype="0" decel="100000" fill="hold" grpId="0" nodeType="clickEffect">
+                                  <p:stCondLst>
+                                    <p:cond delay="0"/>
+                                  </p:stCondLst>
+                                  <p:childTnLst>
+                                    <p:set>
+                                      <p:cBhvr>
+                                        <p:cTn id="22" dur="1" fill="hold">
+                                          <p:stCondLst>
+                                            <p:cond delay="0"/>
+                                          </p:stCondLst>
+                                        </p:cTn>
+                                        <p:tgtEl>
+                                          <p:spTgt spid="44"/>
+                                        </p:tgtEl>
+                                        <p:attrNameLst>
+                                          <p:attrName>style.visibility</p:attrName>
+                                        </p:attrNameLst>
+                                      </p:cBhvr>
+                                      <p:to>
+                                        <p:strVal val="visible"/>
+                                      </p:to>
+                                    </p:set>
+                                    <p:anim calcmode="lin" valueType="num">
+                                      <p:cBhvr>
+                                        <p:cTn id="23" dur="500" fill="hold"/>
+                                        <p:tgtEl>
+                                          <p:spTgt spid="44"/>
+                                        </p:tgtEl>
+                                        <p:attrNameLst>
+                                          <p:attrName>ppt_w</p:attrName>
+                                        </p:attrNameLst>
+                                      </p:cBhvr>
+                                      <p:tavLst>
+                                        <p:tav tm="0">
+                                          <p:val>
+                                            <p:fltVal val="0"/>
+                                          </p:val>
+                                        </p:tav>
+                                        <p:tav tm="100000">
+                                          <p:val>
+                                            <p:strVal val="#ppt_w"/>
+                                          </p:val>
+                                        </p:tav>
+                                      </p:tavLst>
+                                    </p:anim>
+                                    <p:anim calcmode="lin" valueType="num">
+                                      <p:cBhvr>
+                                        <p:cTn id="24" dur="500" fill="hold"/>
+                                        <p:tgtEl>
+                                          <p:spTgt spid="44"/>
+                                        </p:tgtEl>
+                                        <p:attrNameLst>
+                                          <p:attrName>ppt_h</p:attrName>
+                                        </p:attrNameLst>
+                                      </p:cBhvr>
+                                      <p:tavLst>
+                                        <p:tav tm="0">
+                                          <p:val>
+                                            <p:fltVal val="0"/>
+                                          </p:val>
+                                        </p:tav>
+                                        <p:tav tm="100000">
+                                          <p:val>
+                                            <p:strVal val="#ppt_h"/>
+                                          </p:val>
+                                        </p:tav>
+                                      </p:tavLst>
+                                    </p:anim>
+                                    <p:anim calcmode="lin" valueType="num">
+                                      <p:cBhvr>
+                                        <p:cTn id="25" dur="500" fill="hold"/>
+                                        <p:tgtEl>
+                                          <p:spTgt spid="44"/>
+                                        </p:tgtEl>
+                                        <p:attrNameLst>
+                                          <p:attrName>style.rotation</p:attrName>
+                                        </p:attrNameLst>
+                                      </p:cBhvr>
+                                      <p:tavLst>
+                                        <p:tav tm="0">
+                                          <p:val>
+                                            <p:fltVal val="360"/>
+                                          </p:val>
+                                        </p:tav>
+                                        <p:tav tm="100000">
+                                          <p:val>
+                                            <p:fltVal val="0"/>
+                                          </p:val>
+                                        </p:tav>
+                                      </p:tavLst>
+                                    </p:anim>
+                                    <p:animEffect transition="in" filter="fade">
+                                      <p:cBhvr>
+                                        <p:cTn id="26" dur="500"/>
+                                        <p:tgtEl>
+                                          <p:spTgt spid="44"/>
+                                        </p:tgtEl>
+                                      </p:cBhvr>
+                                    </p:animEffect>
+                                  </p:childTnLst>
+                                </p:cTn>
+                              </p:par>
+                              <p:par>
+                                <p:cTn id="27" presetID="22" presetClass="entr" presetSubtype="1" fill="hold" grpId="0" nodeType="withEffect">
+                                  <p:stCondLst>
+                                    <p:cond delay="0"/>
+                                  </p:stCondLst>
+                                  <p:childTnLst>
+                                    <p:set>
+                                      <p:cBhvr>
+                                        <p:cTn id="28" dur="1" fill="hold">
+                                          <p:stCondLst>
+                                            <p:cond delay="0"/>
+                                          </p:stCondLst>
+                                        </p:cTn>
+                                        <p:tgtEl>
+                                          <p:spTgt spid="13"/>
+                                        </p:tgtEl>
+                                        <p:attrNameLst>
+                                          <p:attrName>style.visibility</p:attrName>
+                                        </p:attrNameLst>
+                                      </p:cBhvr>
+                                      <p:to>
+                                        <p:strVal val="visible"/>
+                                      </p:to>
+                                    </p:set>
+                                    <p:animEffect transition="in" filter="wipe(up)">
+                                      <p:cBhvr>
+                                        <p:cTn id="29" dur="500"/>
+                                        <p:tgtEl>
+                                          <p:spTgt spid="13"/>
+                                        </p:tgtEl>
+                                      </p:cBhvr>
+                                    </p:animEffect>
+                                  </p:childTnLst>
+                                </p:cTn>
+                              </p:par>
+                            </p:childTnLst>
+                          </p:cTn>
+                        </p:par>
+                      </p:childTnLst>
+                    </p:cTn>
+                  </p:par>
+                  <p:par>
+                    <p:cTn id="30" fill="hold">
+                      <p:stCondLst>
+                        <p:cond delay="indefinite"/>
+                      </p:stCondLst>
+                      <p:childTnLst>
+                        <p:par>
+                          <p:cTn id="31" fill="hold">
+                            <p:stCondLst>
+                              <p:cond delay="0"/>
+                            </p:stCondLst>
+                            <p:childTnLst>
+                              <p:par>
+                                <p:cTn id="32" presetID="49" presetClass="entr" presetSubtype="0" decel="100000" fill="hold" grpId="0" nodeType="clickEffect">
+                                  <p:stCondLst>
+                                    <p:cond delay="0"/>
+                                  </p:stCondLst>
+                                  <p:childTnLst>
+                                    <p:set>
+                                      <p:cBhvr>
+                                        <p:cTn id="33" dur="1" fill="hold">
+                                          <p:stCondLst>
+                                            <p:cond delay="0"/>
+                                          </p:stCondLst>
+                                        </p:cTn>
+                                        <p:tgtEl>
+                                          <p:spTgt spid="45"/>
+                                        </p:tgtEl>
+                                        <p:attrNameLst>
+                                          <p:attrName>style.visibility</p:attrName>
+                                        </p:attrNameLst>
+                                      </p:cBhvr>
+                                      <p:to>
+                                        <p:strVal val="visible"/>
+                                      </p:to>
+                                    </p:set>
+                                    <p:anim calcmode="lin" valueType="num">
+                                      <p:cBhvr>
+                                        <p:cTn id="34" dur="500" fill="hold"/>
+                                        <p:tgtEl>
+                                          <p:spTgt spid="45"/>
+                                        </p:tgtEl>
+                                        <p:attrNameLst>
+                                          <p:attrName>ppt_w</p:attrName>
+                                        </p:attrNameLst>
+                                      </p:cBhvr>
+                                      <p:tavLst>
+                                        <p:tav tm="0">
+                                          <p:val>
+                                            <p:fltVal val="0"/>
+                                          </p:val>
+                                        </p:tav>
+                                        <p:tav tm="100000">
+                                          <p:val>
+                                            <p:strVal val="#ppt_w"/>
+                                          </p:val>
+                                        </p:tav>
+                                      </p:tavLst>
+                                    </p:anim>
+                                    <p:anim calcmode="lin" valueType="num">
+                                      <p:cBhvr>
+                                        <p:cTn id="35" dur="500" fill="hold"/>
+                                        <p:tgtEl>
+                                          <p:spTgt spid="45"/>
+                                        </p:tgtEl>
+                                        <p:attrNameLst>
+                                          <p:attrName>ppt_h</p:attrName>
+                                        </p:attrNameLst>
+                                      </p:cBhvr>
+                                      <p:tavLst>
+                                        <p:tav tm="0">
+                                          <p:val>
+                                            <p:fltVal val="0"/>
+                                          </p:val>
+                                        </p:tav>
+                                        <p:tav tm="100000">
+                                          <p:val>
+                                            <p:strVal val="#ppt_h"/>
+                                          </p:val>
+                                        </p:tav>
+                                      </p:tavLst>
+                                    </p:anim>
+                                    <p:anim calcmode="lin" valueType="num">
+                                      <p:cBhvr>
+                                        <p:cTn id="36" dur="500" fill="hold"/>
+                                        <p:tgtEl>
+                                          <p:spTgt spid="45"/>
+                                        </p:tgtEl>
+                                        <p:attrNameLst>
+                                          <p:attrName>style.rotation</p:attrName>
+                                        </p:attrNameLst>
+                                      </p:cBhvr>
+                                      <p:tavLst>
+                                        <p:tav tm="0">
+                                          <p:val>
+                                            <p:fltVal val="360"/>
+                                          </p:val>
+                                        </p:tav>
+                                        <p:tav tm="100000">
+                                          <p:val>
+                                            <p:fltVal val="0"/>
+                                          </p:val>
+                                        </p:tav>
+                                      </p:tavLst>
+                                    </p:anim>
+                                    <p:animEffect transition="in" filter="fade">
+                                      <p:cBhvr>
+                                        <p:cTn id="37" dur="500"/>
+                                        <p:tgtEl>
+                                          <p:spTgt spid="45"/>
+                                        </p:tgtEl>
+                                      </p:cBhvr>
+                                    </p:animEffect>
+                                  </p:childTnLst>
+                                </p:cTn>
+                              </p:par>
+                              <p:par>
+                                <p:cTn id="38" presetID="22" presetClass="entr" presetSubtype="1" fill="hold" grpId="0" nodeType="withEffect">
+                                  <p:stCondLst>
+                                    <p:cond delay="0"/>
+                                  </p:stCondLst>
+                                  <p:childTnLst>
+                                    <p:set>
+                                      <p:cBhvr>
+                                        <p:cTn id="39" dur="1" fill="hold">
+                                          <p:stCondLst>
+                                            <p:cond delay="0"/>
+                                          </p:stCondLst>
+                                        </p:cTn>
+                                        <p:tgtEl>
+                                          <p:spTgt spid="14"/>
+                                        </p:tgtEl>
+                                        <p:attrNameLst>
+                                          <p:attrName>style.visibility</p:attrName>
+                                        </p:attrNameLst>
+                                      </p:cBhvr>
+                                      <p:to>
+                                        <p:strVal val="visible"/>
+                                      </p:to>
+                                    </p:set>
+                                    <p:animEffect transition="in" filter="wipe(up)">
+                                      <p:cBhvr>
+                                        <p:cTn id="40" dur="500"/>
+                                        <p:tgtEl>
+                                          <p:spTgt spid="14"/>
+                                        </p:tgtEl>
+                                      </p:cBhvr>
+                                    </p:animEffect>
+                                  </p:childTnLst>
+                                </p:cTn>
+                              </p:par>
+                            </p:childTnLst>
+                          </p:cTn>
+                        </p:par>
+                      </p:childTnLst>
+                    </p:cTn>
+                  </p:par>
+                  <p:par>
+                    <p:cTn id="41" fill="hold">
+                      <p:stCondLst>
+                        <p:cond delay="indefinite"/>
+                      </p:stCondLst>
+                      <p:childTnLst>
+                        <p:par>
+                          <p:cTn id="42" fill="hold">
+                            <p:stCondLst>
+                              <p:cond delay="0"/>
+                            </p:stCondLst>
+                            <p:childTnLst>
+                              <p:par>
+                                <p:cTn id="43" presetID="49" presetClass="entr" presetSubtype="0" decel="100000" fill="hold" grpId="0" nodeType="clickEffect">
+                                  <p:stCondLst>
+                                    <p:cond delay="0"/>
+                                  </p:stCondLst>
+                                  <p:childTnLst>
+                                    <p:set>
+                                      <p:cBhvr>
+                                        <p:cTn id="44" dur="1" fill="hold">
+                                          <p:stCondLst>
+                                            <p:cond delay="0"/>
+                                          </p:stCondLst>
+                                        </p:cTn>
+                                        <p:tgtEl>
+                                          <p:spTgt spid="46"/>
+                                        </p:tgtEl>
+                                        <p:attrNameLst>
+                                          <p:attrName>style.visibility</p:attrName>
+                                        </p:attrNameLst>
+                                      </p:cBhvr>
+                                      <p:to>
+                                        <p:strVal val="visible"/>
+                                      </p:to>
+                                    </p:set>
+                                    <p:anim calcmode="lin" valueType="num">
+                                      <p:cBhvr>
+                                        <p:cTn id="45" dur="500" fill="hold"/>
+                                        <p:tgtEl>
+                                          <p:spTgt spid="46"/>
+                                        </p:tgtEl>
+                                        <p:attrNameLst>
+                                          <p:attrName>ppt_w</p:attrName>
+                                        </p:attrNameLst>
+                                      </p:cBhvr>
+                                      <p:tavLst>
+                                        <p:tav tm="0">
+                                          <p:val>
+                                            <p:fltVal val="0"/>
+                                          </p:val>
+                                        </p:tav>
+                                        <p:tav tm="100000">
+                                          <p:val>
+                                            <p:strVal val="#ppt_w"/>
+                                          </p:val>
+                                        </p:tav>
+                                      </p:tavLst>
+                                    </p:anim>
+                                    <p:anim calcmode="lin" valueType="num">
+                                      <p:cBhvr>
+                                        <p:cTn id="46" dur="500" fill="hold"/>
+                                        <p:tgtEl>
+                                          <p:spTgt spid="46"/>
+                                        </p:tgtEl>
+                                        <p:attrNameLst>
+                                          <p:attrName>ppt_h</p:attrName>
+                                        </p:attrNameLst>
+                                      </p:cBhvr>
+                                      <p:tavLst>
+                                        <p:tav tm="0">
+                                          <p:val>
+                                            <p:fltVal val="0"/>
+                                          </p:val>
+                                        </p:tav>
+                                        <p:tav tm="100000">
+                                          <p:val>
+                                            <p:strVal val="#ppt_h"/>
+                                          </p:val>
+                                        </p:tav>
+                                      </p:tavLst>
+                                    </p:anim>
+                                    <p:anim calcmode="lin" valueType="num">
+                                      <p:cBhvr>
+                                        <p:cTn id="47" dur="500" fill="hold"/>
+                                        <p:tgtEl>
+                                          <p:spTgt spid="46"/>
+                                        </p:tgtEl>
+                                        <p:attrNameLst>
+                                          <p:attrName>style.rotation</p:attrName>
+                                        </p:attrNameLst>
+                                      </p:cBhvr>
+                                      <p:tavLst>
+                                        <p:tav tm="0">
+                                          <p:val>
+                                            <p:fltVal val="360"/>
+                                          </p:val>
+                                        </p:tav>
+                                        <p:tav tm="100000">
+                                          <p:val>
+                                            <p:fltVal val="0"/>
+                                          </p:val>
+                                        </p:tav>
+                                      </p:tavLst>
+                                    </p:anim>
+                                    <p:animEffect transition="in" filter="fade">
+                                      <p:cBhvr>
+                                        <p:cTn id="48" dur="500"/>
+                                        <p:tgtEl>
+                                          <p:spTgt spid="46"/>
+                                        </p:tgtEl>
+                                      </p:cBhvr>
+                                    </p:animEffect>
+                                  </p:childTnLst>
+                                </p:cTn>
+                              </p:par>
+                              <p:par>
+                                <p:cTn id="49" presetID="22" presetClass="entr" presetSubtype="1" fill="hold" grpId="0" nodeType="withEffect">
+                                  <p:stCondLst>
+                                    <p:cond delay="0"/>
+                                  </p:stCondLst>
+                                  <p:childTnLst>
+                                    <p:set>
+                                      <p:cBhvr>
+                                        <p:cTn id="50" dur="1" fill="hold">
+                                          <p:stCondLst>
+                                            <p:cond delay="0"/>
+                                          </p:stCondLst>
+                                        </p:cTn>
+                                        <p:tgtEl>
+                                          <p:spTgt spid="15"/>
+                                        </p:tgtEl>
+                                        <p:attrNameLst>
+                                          <p:attrName>style.visibility</p:attrName>
+                                        </p:attrNameLst>
+                                      </p:cBhvr>
+                                      <p:to>
+                                        <p:strVal val="visible"/>
+                                      </p:to>
+                                    </p:set>
+                                    <p:animEffect transition="in" filter="wipe(up)">
+                                      <p:cBhvr>
+                                        <p:cTn id="51" dur="500"/>
+                                        <p:tgtEl>
+                                          <p:spTgt spid="15"/>
+                                        </p:tgtEl>
+                                      </p:cBhvr>
+                                    </p:animEffect>
+                                  </p:childTnLst>
+                                </p:cTn>
+                              </p:par>
+                            </p:childTnLst>
+                          </p:cTn>
+                        </p:par>
+                      </p:childTnLst>
+                    </p:cTn>
+                  </p:par>
+                  <p:par>
+                    <p:cTn id="52" fill="hold">
+                      <p:stCondLst>
+                        <p:cond delay="indefinite"/>
+                      </p:stCondLst>
+                      <p:childTnLst>
+                        <p:par>
+                          <p:cTn id="53" fill="hold">
+                            <p:stCondLst>
+                              <p:cond delay="0"/>
+                            </p:stCondLst>
+                            <p:childTnLst>
+                              <p:par>
+                                <p:cTn id="54" presetID="49" presetClass="entr" presetSubtype="0" decel="100000" fill="hold" grpId="0" nodeType="clickEffect">
+                                  <p:stCondLst>
+                                    <p:cond delay="0"/>
+                                  </p:stCondLst>
+                                  <p:childTnLst>
+                                    <p:set>
+                                      <p:cBhvr>
+                                        <p:cTn id="55" dur="1" fill="hold">
+                                          <p:stCondLst>
+                                            <p:cond delay="0"/>
+                                          </p:stCondLst>
+                                        </p:cTn>
+                                        <p:tgtEl>
+                                          <p:spTgt spid="16"/>
+                                        </p:tgtEl>
+                                        <p:attrNameLst>
+                                          <p:attrName>style.visibility</p:attrName>
+                                        </p:attrNameLst>
+                                      </p:cBhvr>
+                                      <p:to>
+                                        <p:strVal val="visible"/>
+                                      </p:to>
+                                    </p:set>
+                                    <p:anim calcmode="lin" valueType="num">
+                                      <p:cBhvr>
+                                        <p:cTn id="56" dur="500" fill="hold"/>
+                                        <p:tgtEl>
+                                          <p:spTgt spid="16"/>
+                                        </p:tgtEl>
+                                        <p:attrNameLst>
+                                          <p:attrName>ppt_w</p:attrName>
+                                        </p:attrNameLst>
+                                      </p:cBhvr>
+                                      <p:tavLst>
+                                        <p:tav tm="0">
+                                          <p:val>
+                                            <p:fltVal val="0"/>
+                                          </p:val>
+                                        </p:tav>
+                                        <p:tav tm="100000">
+                                          <p:val>
+                                            <p:strVal val="#ppt_w"/>
+                                          </p:val>
+                                        </p:tav>
+                                      </p:tavLst>
+                                    </p:anim>
+                                    <p:anim calcmode="lin" valueType="num">
+                                      <p:cBhvr>
+                                        <p:cTn id="57" dur="500" fill="hold"/>
+                                        <p:tgtEl>
+                                          <p:spTgt spid="16"/>
+                                        </p:tgtEl>
+                                        <p:attrNameLst>
+                                          <p:attrName>ppt_h</p:attrName>
+                                        </p:attrNameLst>
+                                      </p:cBhvr>
+                                      <p:tavLst>
+                                        <p:tav tm="0">
+                                          <p:val>
+                                            <p:fltVal val="0"/>
+                                          </p:val>
+                                        </p:tav>
+                                        <p:tav tm="100000">
+                                          <p:val>
+                                            <p:strVal val="#ppt_h"/>
+                                          </p:val>
+                                        </p:tav>
+                                      </p:tavLst>
+                                    </p:anim>
+                                    <p:anim calcmode="lin" valueType="num">
+                                      <p:cBhvr>
+                                        <p:cTn id="58" dur="500" fill="hold"/>
+                                        <p:tgtEl>
+                                          <p:spTgt spid="16"/>
+                                        </p:tgtEl>
+                                        <p:attrNameLst>
+                                          <p:attrName>style.rotation</p:attrName>
+                                        </p:attrNameLst>
+                                      </p:cBhvr>
+                                      <p:tavLst>
+                                        <p:tav tm="0">
+                                          <p:val>
+                                            <p:fltVal val="360"/>
+                                          </p:val>
+                                        </p:tav>
+                                        <p:tav tm="100000">
+                                          <p:val>
+                                            <p:fltVal val="0"/>
+                                          </p:val>
+                                        </p:tav>
+                                      </p:tavLst>
+                                    </p:anim>
+                                    <p:animEffect transition="in" filter="fade">
+                                      <p:cBhvr>
+                                        <p:cTn id="59" dur="500"/>
+                                        <p:tgtEl>
+                                          <p:spTgt spid="16"/>
+                                        </p:tgtEl>
+                                      </p:cBhvr>
+                                    </p:animEffect>
+                                  </p:childTnLst>
+                                </p:cTn>
+                              </p:par>
+                              <p:par>
+                                <p:cTn id="60" presetID="22" presetClass="entr" presetSubtype="1" fill="hold" grpId="0" nodeType="withEffect">
+                                  <p:stCondLst>
+                                    <p:cond delay="0"/>
+                                  </p:stCondLst>
+                                  <p:childTnLst>
+                                    <p:set>
+                                      <p:cBhvr>
+                                        <p:cTn id="61" dur="1" fill="hold">
+                                          <p:stCondLst>
+                                            <p:cond delay="0"/>
+                                          </p:stCondLst>
+                                        </p:cTn>
+                                        <p:tgtEl>
+                                          <p:spTgt spid="17"/>
+                                        </p:tgtEl>
+                                        <p:attrNameLst>
+                                          <p:attrName>style.visibility</p:attrName>
+                                        </p:attrNameLst>
+                                      </p:cBhvr>
+                                      <p:to>
+                                        <p:strVal val="visible"/>
+                                      </p:to>
+                                    </p:set>
+                                    <p:animEffect transition="in" filter="wipe(up)">
+                                      <p:cBhvr>
+                                        <p:cTn id="62" dur="500"/>
+                                        <p:tgtEl>
+                                          <p:spTgt spid="17"/>
+                                        </p:tgtEl>
+                                      </p:cBhvr>
+                                    </p:animEffect>
+                                  </p:childTnLst>
+                                </p:cTn>
+                              </p:par>
+                            </p:childTnLst>
+                          </p:cTn>
+                        </p:par>
+                      </p:childTnLst>
+                    </p:cTn>
+                  </p:par>
+                </p:childTnLst>
+              </p:cTn>
+              <p:prevCondLst>
+                <p:cond evt="onPrev" delay="0">
+                  <p:tgtEl>
+                    <p:sldTgt/>
+                  </p:tgtEl>
+                </p:cond>
+              </p:prevCondLst>
+              <p:nextCondLst>
+                <p:cond evt="onNext" delay="0">
+                  <p:tgtEl>
+                    <p:sldTgt/>
+                  </p:tgtEl>
+                </p:cond>
+              </p:nextCondLst>
+            </p:seq>
+          </p:childTnLst>
+        </p:cTn>
+      </p:par>
+    </p:tnLst>
+    <p:bldLst>
+      <p:bldP spid="46" grpId="0" animBg="1"/>
+      <p:bldP spid="45" grpId="0" animBg="1"/>
+      <p:bldP spid="44" grpId="0" animBg="1"/>
+      <p:bldP spid="11" grpId="0" animBg="1"/>
+      <p:bldP spid="25" grpId="0"/>
+      <p:bldP spid="26" grpId="0"/>
+      <p:bldP spid="13" grpId="0"/>
+      <p:bldP spid="14" grpId="0"/>
+      <p:bldP spid="15" grpId="0"/>
+      <p:bldP spid="16" grpId="0" animBg="1"/>
+      <p:bldP spid="17" grpId="0"/>
+    </p:bldLst>
+  </p:timing>
+</p:sld>
+</file>
+
+<file path=ppt/slides/slide7.xml><?xml version="1.0" encoding="utf-8"?>
+<p:sld xmlns:a="http://schemas.openxmlformats.org/drawingml/2006/main" xmlns:r="http://schemas.openxmlformats.org/officeDocument/2006/relationships" xmlns:p="http://schemas.openxmlformats.org/presentationml/2006/main">
+  <p:cSld>
+    <p:spTree>
+      <p:nvGrpSpPr>
+        <p:cNvPr id="1" name=""/>
+        <p:cNvGrpSpPr/>
+        <p:nvPr/>
+      </p:nvGrpSpPr>
+      <p:grpSpPr>
+        <a:xfrm>
+          <a:off x="0" y="0"/>
+          <a:ext cx="0" cy="0"/>
+          <a:chOff x="0" y="0"/>
+          <a:chExt cx="0" cy="0"/>
+        </a:xfrm>
+      </p:grpSpPr>
+      <p:sp>
+        <p:nvSpPr>
+          <p:cNvPr id="25" name="TextBox 24"/>
+          <p:cNvSpPr txBox="1"/>
+          <p:nvPr/>
+        </p:nvSpPr>
+        <p:spPr>
+          <a:xfrm>
+            <a:off x="2260816" y="1181072"/>
+            <a:ext cx="7670367" cy="461665"/>
+          </a:xfrm>
+          <a:prstGeom prst="rect">
+            <a:avLst/>
+          </a:prstGeom>
+          <a:noFill/>
+        </p:spPr>
+        <p:txBody>
+          <a:bodyPr wrap="square" rtlCol="0">
+            <a:spAutoFit/>
+          </a:bodyPr>
+          <a:lstStyle/>
+          <a:p>
+            <a:pPr algn="ctr"/>
+            <a:r>
+              <a:rPr lang="en-US" sz="2400" b="1" dirty="0">
+                <a:latin typeface="Candara" panose="020E0502030303020204" pitchFamily="34" charset="0"/>
+              </a:rPr>
+              <a:t>Paper: p=0.9, </a:t>
+            </a:r>
+            <a:r>
+              <a:rPr lang="en-US" sz="2400" b="1" dirty="0" err="1">
+                <a:latin typeface="Candara" panose="020E0502030303020204" pitchFamily="34" charset="0"/>
+              </a:rPr>
+              <a:t>sup_min</a:t>
+            </a:r>
+            <a:r>
+              <a:rPr lang="en-US" sz="2400" b="1" dirty="0">
+                <a:latin typeface="Candara" panose="020E0502030303020204" pitchFamily="34" charset="0"/>
+              </a:rPr>
+              <a:t>=0.25%, 0.6 </a:t>
+            </a:r>
+            <a:r>
+              <a:rPr lang="en-US" sz="2400" b="1" dirty="0" err="1">
+                <a:latin typeface="Candara" panose="020E0502030303020204" pitchFamily="34" charset="0"/>
+              </a:rPr>
+              <a:t>mln</a:t>
+            </a:r>
+            <a:r>
+              <a:rPr lang="en-US" sz="2400" b="1" dirty="0">
+                <a:latin typeface="Candara" panose="020E0502030303020204" pitchFamily="34" charset="0"/>
+              </a:rPr>
+              <a:t> tuples, 500 items </a:t>
+            </a:r>
+          </a:p>
+        </p:txBody>
+      </p:sp>
+      <p:pic>
+        <p:nvPicPr>
+          <p:cNvPr id="12" name="Immagine 11">
+            <a:extLst>
+              <a:ext uri="{FF2B5EF4-FFF2-40B4-BE49-F238E27FC236}">
+                <a16:creationId xmlns:a16="http://schemas.microsoft.com/office/drawing/2014/main" id="{98EB2B6B-1CF8-4736-BA9A-774DD7F560F9}"/>
+              </a:ext>
+            </a:extLst>
+          </p:cNvPr>
+          <p:cNvPicPr>
+            <a:picLocks noChangeAspect="1"/>
+          </p:cNvPicPr>
+          <p:nvPr/>
+        </p:nvPicPr>
+        <p:blipFill>
+          <a:blip r:embed="rId2" cstate="print">
+            <a:extLst>
+              <a:ext uri="{28A0092B-C50C-407E-A947-70E740481C1C}">
+                <a14:useLocalDpi xmlns:a14="http://schemas.microsoft.com/office/drawing/2010/main" val="0"/>
+              </a:ext>
+            </a:extLst>
+          </a:blip>
+          <a:stretch>
+            <a:fillRect/>
+          </a:stretch>
+        </p:blipFill>
+        <p:spPr>
+          <a:xfrm>
+            <a:off x="5556000" y="6220686"/>
+            <a:ext cx="1080000" cy="658286"/>
+          </a:xfrm>
+          <a:prstGeom prst="rect">
+            <a:avLst/>
+          </a:prstGeom>
+        </p:spPr>
+      </p:pic>
+      <p:graphicFrame>
+        <p:nvGraphicFramePr>
+          <p:cNvPr id="3" name="Tabella 2">
+            <a:extLst>
+              <a:ext uri="{FF2B5EF4-FFF2-40B4-BE49-F238E27FC236}">
+                <a16:creationId xmlns:a16="http://schemas.microsoft.com/office/drawing/2014/main" id="{132FD78C-0A8D-439E-A795-9E8932E88610}"/>
+              </a:ext>
+            </a:extLst>
+          </p:cNvPr>
+          <p:cNvGraphicFramePr>
+            <a:graphicFrameLocks noGrp="1"/>
+          </p:cNvGraphicFramePr>
+          <p:nvPr/>
+        </p:nvGraphicFramePr>
+        <p:xfrm>
+          <a:off x="2032000" y="1790374"/>
+          <a:ext cx="8128000" cy="1112520"/>
+        </p:xfrm>
+        <a:graphic>
+          <a:graphicData uri="http://schemas.openxmlformats.org/drawingml/2006/table">
+            <a:tbl>
+              <a:tblPr firstRow="1" bandRow="1">
+                <a:tableStyleId>{5C22544A-7EE6-4342-B048-85BDC9FD1C3A}</a:tableStyleId>
+              </a:tblPr>
+              <a:tblGrid>
+                <a:gridCol w="1625600">
+                  <a:extLst>
+                    <a:ext uri="{9D8B030D-6E8A-4147-A177-3AD203B41FA5}">
+                      <a16:colId xmlns:a16="http://schemas.microsoft.com/office/drawing/2014/main" val="493467813"/>
+                    </a:ext>
+                  </a:extLst>
+                </a:gridCol>
+                <a:gridCol w="1625600">
+                  <a:extLst>
+                    <a:ext uri="{9D8B030D-6E8A-4147-A177-3AD203B41FA5}">
+                      <a16:colId xmlns:a16="http://schemas.microsoft.com/office/drawing/2014/main" val="3036483849"/>
+                    </a:ext>
+                  </a:extLst>
+                </a:gridCol>
+                <a:gridCol w="1625600">
+                  <a:extLst>
+                    <a:ext uri="{9D8B030D-6E8A-4147-A177-3AD203B41FA5}">
+                      <a16:colId xmlns:a16="http://schemas.microsoft.com/office/drawing/2014/main" val="2058978727"/>
+                    </a:ext>
+                  </a:extLst>
+                </a:gridCol>
+                <a:gridCol w="1625600">
+                  <a:extLst>
+                    <a:ext uri="{9D8B030D-6E8A-4147-A177-3AD203B41FA5}">
+                      <a16:colId xmlns:a16="http://schemas.microsoft.com/office/drawing/2014/main" val="3471609030"/>
+                    </a:ext>
+                  </a:extLst>
+                </a:gridCol>
+                <a:gridCol w="1625600">
+                  <a:extLst>
+                    <a:ext uri="{9D8B030D-6E8A-4147-A177-3AD203B41FA5}">
+                      <a16:colId xmlns:a16="http://schemas.microsoft.com/office/drawing/2014/main" val="3451426914"/>
+                    </a:ext>
+                  </a:extLst>
+                </a:gridCol>
+              </a:tblGrid>
+              <a:tr h="370840">
+                <a:tc>
+                  <a:txBody>
+                    <a:bodyPr/>
+                    <a:lstStyle/>
+                    <a:p>
+                      <a:r>
+                        <a:rPr lang="it-IT" dirty="0"/>
+                        <a:t>LEVEL</a:t>
+                      </a:r>
+                    </a:p>
+                  </a:txBody>
+                  <a:tcPr/>
+                </a:tc>
+                <a:tc>
+                  <a:txBody>
+                    <a:bodyPr/>
+                    <a:lstStyle/>
+                    <a:p>
+                      <a:r>
+                        <a:rPr lang="it-IT" dirty="0"/>
+                        <a:t>|F|</a:t>
+                      </a:r>
+                    </a:p>
+                  </a:txBody>
+                  <a:tcPr/>
+                </a:tc>
+                <a:tc>
+                  <a:txBody>
+                    <a:bodyPr/>
+                    <a:lstStyle/>
+                    <a:p>
+                      <a:r>
+                        <a:rPr lang="el-GR" sz="1800" dirty="0">
+                          <a:solidFill>
+                            <a:schemeClr val="bg1"/>
+                          </a:solidFill>
+                          <a:latin typeface="Candara" panose="020E0502030303020204" pitchFamily="34" charset="0"/>
+                        </a:rPr>
+                        <a:t>ρ</a:t>
+                      </a:r>
+                      <a:endParaRPr lang="it-IT" dirty="0">
+                        <a:solidFill>
+                          <a:schemeClr val="bg1"/>
+                        </a:solidFill>
+                      </a:endParaRPr>
+                    </a:p>
+                  </a:txBody>
+                  <a:tcPr/>
+                </a:tc>
+                <a:tc>
+                  <a:txBody>
+                    <a:bodyPr/>
+                    <a:lstStyle/>
+                    <a:p>
+                      <a:r>
+                        <a:rPr lang="el-GR" sz="1800" dirty="0">
+                          <a:solidFill>
+                            <a:schemeClr val="bg1"/>
+                          </a:solidFill>
+                          <a:latin typeface="Candara" panose="020E0502030303020204" pitchFamily="34" charset="0"/>
+                        </a:rPr>
+                        <a:t>σ</a:t>
+                      </a:r>
+                      <a:r>
+                        <a:rPr lang="it-IT" sz="1800" dirty="0">
+                          <a:solidFill>
+                            <a:schemeClr val="bg1"/>
+                          </a:solidFill>
+                          <a:latin typeface="Candara" panose="020E0502030303020204" pitchFamily="34" charset="0"/>
+                        </a:rPr>
+                        <a:t>-</a:t>
+                      </a:r>
+                      <a:endParaRPr lang="it-IT" dirty="0">
+                        <a:solidFill>
+                          <a:schemeClr val="bg1"/>
+                        </a:solidFill>
+                      </a:endParaRPr>
+                    </a:p>
+                  </a:txBody>
+                  <a:tcPr/>
+                </a:tc>
+                <a:tc>
+                  <a:txBody>
+                    <a:bodyPr/>
+                    <a:lstStyle/>
+                    <a:p>
+                      <a:pPr marL="0" marR="0" lvl="0" indent="0" algn="l" defTabSz="914400" rtl="0" eaLnBrk="1" fontAlgn="auto" latinLnBrk="0" hangingPunct="1">
+                        <a:lnSpc>
+                          <a:spcPct val="100000"/>
+                        </a:lnSpc>
+                        <a:spcBef>
+                          <a:spcPts val="0"/>
+                        </a:spcBef>
+                        <a:spcAft>
+                          <a:spcPts val="0"/>
+                        </a:spcAft>
+                        <a:buClrTx/>
+                        <a:buSzTx/>
+                        <a:buFontTx/>
+                        <a:buNone/>
+                        <a:tabLst/>
+                        <a:defRPr/>
+                      </a:pPr>
+                      <a:r>
+                        <a:rPr lang="el-GR" sz="1800" dirty="0">
+                          <a:solidFill>
+                            <a:schemeClr val="bg1"/>
+                          </a:solidFill>
+                          <a:latin typeface="Candara" panose="020E0502030303020204" pitchFamily="34" charset="0"/>
+                        </a:rPr>
+                        <a:t>σ</a:t>
+                      </a:r>
+                      <a:r>
+                        <a:rPr lang="it-IT" sz="1800" dirty="0">
+                          <a:solidFill>
+                            <a:schemeClr val="bg1"/>
+                          </a:solidFill>
+                          <a:latin typeface="Candara" panose="020E0502030303020204" pitchFamily="34" charset="0"/>
+                        </a:rPr>
+                        <a:t>+</a:t>
+                      </a:r>
+                      <a:endParaRPr lang="it-IT" dirty="0">
+                        <a:solidFill>
+                          <a:schemeClr val="bg1"/>
+                        </a:solidFill>
+                      </a:endParaRPr>
+                    </a:p>
+                  </a:txBody>
+                  <a:tcPr/>
+                </a:tc>
+                <a:extLst>
+                  <a:ext uri="{0D108BD9-81ED-4DB2-BD59-A6C34878D82A}">
+                    <a16:rowId xmlns:a16="http://schemas.microsoft.com/office/drawing/2014/main" val="350517259"/>
+                  </a:ext>
+                </a:extLst>
+              </a:tr>
+              <a:tr h="370840">
+                <a:tc>
+                  <a:txBody>
+                    <a:bodyPr/>
+                    <a:lstStyle/>
+                    <a:p>
+                      <a:r>
+                        <a:rPr lang="it-IT" dirty="0"/>
+                        <a:t>2</a:t>
+                      </a:r>
+                    </a:p>
+                  </a:txBody>
+                  <a:tcPr/>
+                </a:tc>
+                <a:tc>
+                  <a:txBody>
+                    <a:bodyPr/>
+                    <a:lstStyle/>
+                    <a:p>
+                      <a:r>
+                        <a:rPr lang="it-IT" dirty="0"/>
+                        <a:t>239</a:t>
+                      </a:r>
+                    </a:p>
+                  </a:txBody>
+                  <a:tcPr/>
+                </a:tc>
+                <a:tc>
+                  <a:txBody>
+                    <a:bodyPr/>
+                    <a:lstStyle/>
+                    <a:p>
+                      <a:r>
+                        <a:rPr lang="it-IT" dirty="0"/>
+                        <a:t>3.87</a:t>
+                      </a:r>
+                    </a:p>
+                  </a:txBody>
+                  <a:tcPr/>
+                </a:tc>
+                <a:tc>
+                  <a:txBody>
+                    <a:bodyPr/>
+                    <a:lstStyle/>
+                    <a:p>
+                      <a:r>
+                        <a:rPr lang="it-IT" dirty="0"/>
+                        <a:t>6.69</a:t>
+                      </a:r>
+                    </a:p>
+                  </a:txBody>
+                  <a:tcPr/>
+                </a:tc>
+                <a:tc>
+                  <a:txBody>
+                    <a:bodyPr/>
+                    <a:lstStyle/>
+                    <a:p>
+                      <a:r>
+                        <a:rPr lang="it-IT" dirty="0"/>
+                        <a:t>7.11</a:t>
+                      </a:r>
+                    </a:p>
+                  </a:txBody>
+                  <a:tcPr/>
+                </a:tc>
+                <a:extLst>
+                  <a:ext uri="{0D108BD9-81ED-4DB2-BD59-A6C34878D82A}">
+                    <a16:rowId xmlns:a16="http://schemas.microsoft.com/office/drawing/2014/main" val="784247334"/>
+                  </a:ext>
+                </a:extLst>
+              </a:tr>
+              <a:tr h="370840">
+                <a:tc>
+                  <a:txBody>
+                    <a:bodyPr/>
+                    <a:lstStyle/>
+                    <a:p>
+                      <a:r>
+                        <a:rPr lang="it-IT" dirty="0"/>
+                        <a:t>3</a:t>
+                      </a:r>
+                    </a:p>
+                  </a:txBody>
+                  <a:tcPr/>
+                </a:tc>
+                <a:tc>
+                  <a:txBody>
+                    <a:bodyPr/>
+                    <a:lstStyle/>
+                    <a:p>
+                      <a:r>
+                        <a:rPr lang="it-IT" dirty="0"/>
+                        <a:t>73</a:t>
+                      </a:r>
+                    </a:p>
+                  </a:txBody>
+                  <a:tcPr/>
+                </a:tc>
+                <a:tc>
+                  <a:txBody>
+                    <a:bodyPr/>
+                    <a:lstStyle/>
+                    <a:p>
+                      <a:r>
+                        <a:rPr lang="it-IT" dirty="0"/>
+                        <a:t>2.60</a:t>
+                      </a:r>
+                    </a:p>
+                  </a:txBody>
+                  <a:tcPr/>
+                </a:tc>
+                <a:tc>
+                  <a:txBody>
+                    <a:bodyPr/>
+                    <a:lstStyle/>
+                    <a:p>
+                      <a:r>
+                        <a:rPr lang="it-IT" dirty="0"/>
+                        <a:t>10.96</a:t>
+                      </a:r>
+                    </a:p>
+                  </a:txBody>
+                  <a:tcPr/>
+                </a:tc>
+                <a:tc>
+                  <a:txBody>
+                    <a:bodyPr/>
+                    <a:lstStyle/>
+                    <a:p>
+                      <a:r>
+                        <a:rPr lang="it-IT" dirty="0"/>
+                        <a:t>9.59</a:t>
+                      </a:r>
+                    </a:p>
+                  </a:txBody>
+                  <a:tcPr/>
+                </a:tc>
+                <a:extLst>
+                  <a:ext uri="{0D108BD9-81ED-4DB2-BD59-A6C34878D82A}">
+                    <a16:rowId xmlns:a16="http://schemas.microsoft.com/office/drawing/2014/main" val="215805885"/>
+                  </a:ext>
+                </a:extLst>
+              </a:tr>
+            </a:tbl>
+          </a:graphicData>
+        </a:graphic>
+      </p:graphicFrame>
+      <p:graphicFrame>
+        <p:nvGraphicFramePr>
+          <p:cNvPr id="18" name="Tabella 17">
+            <a:extLst>
+              <a:ext uri="{FF2B5EF4-FFF2-40B4-BE49-F238E27FC236}">
+                <a16:creationId xmlns:a16="http://schemas.microsoft.com/office/drawing/2014/main" id="{EA8CC7ED-5856-45C7-8039-5FF4FFA35DD6}"/>
+              </a:ext>
+            </a:extLst>
+          </p:cNvPr>
+          <p:cNvGraphicFramePr>
+            <a:graphicFrameLocks noGrp="1"/>
+          </p:cNvGraphicFramePr>
+          <p:nvPr/>
+        </p:nvGraphicFramePr>
+        <p:xfrm>
+          <a:off x="2032000" y="3896620"/>
+          <a:ext cx="8128000" cy="1112520"/>
+        </p:xfrm>
+        <a:graphic>
+          <a:graphicData uri="http://schemas.openxmlformats.org/drawingml/2006/table">
+            <a:tbl>
+              <a:tblPr firstRow="1" bandRow="1">
+                <a:tableStyleId>{5C22544A-7EE6-4342-B048-85BDC9FD1C3A}</a:tableStyleId>
+              </a:tblPr>
+              <a:tblGrid>
+                <a:gridCol w="1625600">
+                  <a:extLst>
+                    <a:ext uri="{9D8B030D-6E8A-4147-A177-3AD203B41FA5}">
+                      <a16:colId xmlns:a16="http://schemas.microsoft.com/office/drawing/2014/main" val="493467813"/>
+                    </a:ext>
+                  </a:extLst>
+                </a:gridCol>
+                <a:gridCol w="1625600">
+                  <a:extLst>
+                    <a:ext uri="{9D8B030D-6E8A-4147-A177-3AD203B41FA5}">
+                      <a16:colId xmlns:a16="http://schemas.microsoft.com/office/drawing/2014/main" val="3036483849"/>
+                    </a:ext>
+                  </a:extLst>
+                </a:gridCol>
+                <a:gridCol w="1625600">
+                  <a:extLst>
+                    <a:ext uri="{9D8B030D-6E8A-4147-A177-3AD203B41FA5}">
+                      <a16:colId xmlns:a16="http://schemas.microsoft.com/office/drawing/2014/main" val="2058978727"/>
+                    </a:ext>
+                  </a:extLst>
+                </a:gridCol>
+                <a:gridCol w="1625600">
+                  <a:extLst>
+                    <a:ext uri="{9D8B030D-6E8A-4147-A177-3AD203B41FA5}">
+                      <a16:colId xmlns:a16="http://schemas.microsoft.com/office/drawing/2014/main" val="3471609030"/>
+                    </a:ext>
+                  </a:extLst>
+                </a:gridCol>
+                <a:gridCol w="1625600">
+                  <a:extLst>
+                    <a:ext uri="{9D8B030D-6E8A-4147-A177-3AD203B41FA5}">
+                      <a16:colId xmlns:a16="http://schemas.microsoft.com/office/drawing/2014/main" val="3451426914"/>
+                    </a:ext>
+                  </a:extLst>
+                </a:gridCol>
+              </a:tblGrid>
+              <a:tr h="370840">
+                <a:tc>
+                  <a:txBody>
+                    <a:bodyPr/>
+                    <a:lstStyle/>
+                    <a:p>
+                      <a:r>
+                        <a:rPr lang="it-IT" dirty="0"/>
+                        <a:t>LEVEL</a:t>
+                      </a:r>
+                    </a:p>
+                  </a:txBody>
+                  <a:tcPr/>
+                </a:tc>
+                <a:tc>
+                  <a:txBody>
+                    <a:bodyPr/>
+                    <a:lstStyle/>
+                    <a:p>
+                      <a:r>
+                        <a:rPr lang="it-IT" dirty="0"/>
+                        <a:t>|F|</a:t>
+                      </a:r>
+                    </a:p>
+                  </a:txBody>
+                  <a:tcPr/>
+                </a:tc>
+                <a:tc>
+                  <a:txBody>
+                    <a:bodyPr/>
+                    <a:lstStyle/>
+                    <a:p>
+                      <a:r>
+                        <a:rPr lang="el-GR" sz="1800" dirty="0">
+                          <a:solidFill>
+                            <a:schemeClr val="bg1"/>
+                          </a:solidFill>
+                          <a:latin typeface="Candara" panose="020E0502030303020204" pitchFamily="34" charset="0"/>
+                        </a:rPr>
+                        <a:t>ρ</a:t>
+                      </a:r>
+                      <a:endParaRPr lang="it-IT" dirty="0">
+                        <a:solidFill>
+                          <a:schemeClr val="bg1"/>
+                        </a:solidFill>
+                      </a:endParaRPr>
+                    </a:p>
+                  </a:txBody>
+                  <a:tcPr/>
+                </a:tc>
+                <a:tc>
+                  <a:txBody>
+                    <a:bodyPr/>
+                    <a:lstStyle/>
+                    <a:p>
+                      <a:r>
+                        <a:rPr lang="el-GR" sz="1800" dirty="0">
+                          <a:solidFill>
+                            <a:schemeClr val="bg1"/>
+                          </a:solidFill>
+                          <a:latin typeface="Candara" panose="020E0502030303020204" pitchFamily="34" charset="0"/>
+                        </a:rPr>
+                        <a:t>σ</a:t>
+                      </a:r>
+                      <a:r>
+                        <a:rPr lang="it-IT" sz="1800" dirty="0">
+                          <a:solidFill>
+                            <a:schemeClr val="bg1"/>
+                          </a:solidFill>
+                          <a:latin typeface="Candara" panose="020E0502030303020204" pitchFamily="34" charset="0"/>
+                        </a:rPr>
+                        <a:t>-</a:t>
+                      </a:r>
+                      <a:endParaRPr lang="it-IT" dirty="0">
+                        <a:solidFill>
+                          <a:schemeClr val="bg1"/>
+                        </a:solidFill>
+                      </a:endParaRPr>
+                    </a:p>
+                  </a:txBody>
+                  <a:tcPr/>
+                </a:tc>
+                <a:tc>
+                  <a:txBody>
+                    <a:bodyPr/>
+                    <a:lstStyle/>
+                    <a:p>
+                      <a:pPr marL="0" marR="0" lvl="0" indent="0" algn="l" defTabSz="914400" rtl="0" eaLnBrk="1" fontAlgn="auto" latinLnBrk="0" hangingPunct="1">
+                        <a:lnSpc>
+                          <a:spcPct val="100000"/>
+                        </a:lnSpc>
+                        <a:spcBef>
+                          <a:spcPts val="0"/>
+                        </a:spcBef>
+                        <a:spcAft>
+                          <a:spcPts val="0"/>
+                        </a:spcAft>
+                        <a:buClrTx/>
+                        <a:buSzTx/>
+                        <a:buFontTx/>
+                        <a:buNone/>
+                        <a:tabLst/>
+                        <a:defRPr/>
+                      </a:pPr>
+                      <a:r>
+                        <a:rPr lang="el-GR" sz="1800" dirty="0">
+                          <a:solidFill>
+                            <a:schemeClr val="bg1"/>
+                          </a:solidFill>
+                          <a:latin typeface="Candara" panose="020E0502030303020204" pitchFamily="34" charset="0"/>
+                        </a:rPr>
+                        <a:t>σ</a:t>
+                      </a:r>
+                      <a:r>
+                        <a:rPr lang="it-IT" sz="1800" dirty="0">
+                          <a:solidFill>
+                            <a:schemeClr val="bg1"/>
+                          </a:solidFill>
+                          <a:latin typeface="Candara" panose="020E0502030303020204" pitchFamily="34" charset="0"/>
+                        </a:rPr>
+                        <a:t>+</a:t>
+                      </a:r>
+                      <a:endParaRPr lang="it-IT" dirty="0">
+                        <a:solidFill>
+                          <a:schemeClr val="bg1"/>
+                        </a:solidFill>
+                      </a:endParaRPr>
+                    </a:p>
+                  </a:txBody>
+                  <a:tcPr/>
+                </a:tc>
+                <a:extLst>
+                  <a:ext uri="{0D108BD9-81ED-4DB2-BD59-A6C34878D82A}">
+                    <a16:rowId xmlns:a16="http://schemas.microsoft.com/office/drawing/2014/main" val="350517259"/>
+                  </a:ext>
+                </a:extLst>
+              </a:tr>
+              <a:tr h="370840">
+                <a:tc>
+                  <a:txBody>
+                    <a:bodyPr/>
+                    <a:lstStyle/>
+                    <a:p>
+                      <a:r>
+                        <a:rPr lang="it-IT" dirty="0"/>
+                        <a:t>2</a:t>
+                      </a:r>
+                    </a:p>
+                  </a:txBody>
+                  <a:tcPr/>
+                </a:tc>
+                <a:tc>
+                  <a:txBody>
+                    <a:bodyPr/>
+                    <a:lstStyle/>
+                    <a:p>
+                      <a:endParaRPr lang="it-IT" dirty="0"/>
+                    </a:p>
+                  </a:txBody>
+                  <a:tcPr/>
+                </a:tc>
+                <a:tc>
+                  <a:txBody>
+                    <a:bodyPr/>
+                    <a:lstStyle/>
+                    <a:p>
+                      <a:endParaRPr lang="it-IT"/>
+                    </a:p>
+                  </a:txBody>
+                  <a:tcPr/>
+                </a:tc>
+                <a:tc>
+                  <a:txBody>
+                    <a:bodyPr/>
+                    <a:lstStyle/>
+                    <a:p>
+                      <a:endParaRPr lang="it-IT"/>
+                    </a:p>
+                  </a:txBody>
+                  <a:tcPr/>
+                </a:tc>
+                <a:tc>
+                  <a:txBody>
+                    <a:bodyPr/>
+                    <a:lstStyle/>
+                    <a:p>
+                      <a:endParaRPr lang="it-IT"/>
+                    </a:p>
+                  </a:txBody>
+                  <a:tcPr/>
+                </a:tc>
+                <a:extLst>
+                  <a:ext uri="{0D108BD9-81ED-4DB2-BD59-A6C34878D82A}">
+                    <a16:rowId xmlns:a16="http://schemas.microsoft.com/office/drawing/2014/main" val="784247334"/>
+                  </a:ext>
+                </a:extLst>
+              </a:tr>
+              <a:tr h="370840">
+                <a:tc>
+                  <a:txBody>
+                    <a:bodyPr/>
+                    <a:lstStyle/>
+                    <a:p>
+                      <a:r>
+                        <a:rPr lang="it-IT" dirty="0"/>
+                        <a:t>3</a:t>
+                      </a:r>
+                    </a:p>
+                  </a:txBody>
+                  <a:tcPr/>
+                </a:tc>
+                <a:tc>
+                  <a:txBody>
+                    <a:bodyPr/>
+                    <a:lstStyle/>
+                    <a:p>
+                      <a:endParaRPr lang="it-IT"/>
+                    </a:p>
+                  </a:txBody>
+                  <a:tcPr/>
+                </a:tc>
+                <a:tc>
+                  <a:txBody>
+                    <a:bodyPr/>
+                    <a:lstStyle/>
+                    <a:p>
+                      <a:endParaRPr lang="it-IT" dirty="0"/>
+                    </a:p>
+                  </a:txBody>
+                  <a:tcPr/>
+                </a:tc>
+                <a:tc>
+                  <a:txBody>
+                    <a:bodyPr/>
+                    <a:lstStyle/>
+                    <a:p>
+                      <a:endParaRPr lang="it-IT"/>
+                    </a:p>
+                  </a:txBody>
+                  <a:tcPr/>
+                </a:tc>
+                <a:tc>
+                  <a:txBody>
+                    <a:bodyPr/>
+                    <a:lstStyle/>
+                    <a:p>
+                      <a:endParaRPr lang="it-IT" dirty="0"/>
+                    </a:p>
+                  </a:txBody>
+                  <a:tcPr/>
+                </a:tc>
+                <a:extLst>
+                  <a:ext uri="{0D108BD9-81ED-4DB2-BD59-A6C34878D82A}">
+                    <a16:rowId xmlns:a16="http://schemas.microsoft.com/office/drawing/2014/main" val="215805885"/>
+                  </a:ext>
+                </a:extLst>
+              </a:tr>
+            </a:tbl>
+          </a:graphicData>
+        </a:graphic>
+      </p:graphicFrame>
+      <p:sp>
+        <p:nvSpPr>
+          <p:cNvPr id="21" name="TextBox 24">
+            <a:extLst>
+              <a:ext uri="{FF2B5EF4-FFF2-40B4-BE49-F238E27FC236}">
+                <a16:creationId xmlns:a16="http://schemas.microsoft.com/office/drawing/2014/main" id="{44E9E053-469C-491E-9985-BB69E2617219}"/>
+              </a:ext>
+            </a:extLst>
+          </p:cNvPr>
+          <p:cNvSpPr txBox="1"/>
+          <p:nvPr/>
+        </p:nvSpPr>
+        <p:spPr>
+          <a:xfrm>
+            <a:off x="3341511" y="241450"/>
+            <a:ext cx="5508978" cy="769441"/>
+          </a:xfrm>
+          <a:prstGeom prst="rect">
+            <a:avLst/>
+          </a:prstGeom>
+          <a:noFill/>
+        </p:spPr>
+        <p:txBody>
+          <a:bodyPr wrap="square" rtlCol="0">
+            <a:spAutoFit/>
+          </a:bodyPr>
+          <a:lstStyle/>
+          <a:p>
+            <a:pPr algn="ctr"/>
+            <a:r>
+              <a:rPr lang="en-US" sz="4400" b="1" dirty="0" err="1">
+                <a:latin typeface="Candara" panose="020E0502030303020204" pitchFamily="34" charset="0"/>
+              </a:rPr>
+              <a:t>Risultati</a:t>
+            </a:r>
+            <a:endParaRPr lang="en-US" sz="4400" b="1" dirty="0">
+              <a:latin typeface="Candara" panose="020E0502030303020204" pitchFamily="34" charset="0"/>
+            </a:endParaRPr>
+          </a:p>
+        </p:txBody>
+      </p:sp>
+      <p:sp>
+        <p:nvSpPr>
+          <p:cNvPr id="22" name="TextBox 24">
+            <a:extLst>
+              <a:ext uri="{FF2B5EF4-FFF2-40B4-BE49-F238E27FC236}">
+                <a16:creationId xmlns:a16="http://schemas.microsoft.com/office/drawing/2014/main" id="{FAFB8F33-0148-4527-9A6B-B68EEAFF484E}"/>
+              </a:ext>
+            </a:extLst>
+          </p:cNvPr>
+          <p:cNvSpPr txBox="1"/>
+          <p:nvPr/>
+        </p:nvSpPr>
+        <p:spPr>
+          <a:xfrm>
+            <a:off x="2460108" y="3234635"/>
+            <a:ext cx="7271781" cy="461665"/>
+          </a:xfrm>
+          <a:prstGeom prst="rect">
+            <a:avLst/>
+          </a:prstGeom>
+          <a:noFill/>
+        </p:spPr>
+        <p:txBody>
+          <a:bodyPr wrap="square" rtlCol="0">
+            <a:spAutoFit/>
+          </a:bodyPr>
+          <a:lstStyle/>
+          <a:p>
+            <a:pPr algn="ctr"/>
+            <a:r>
+              <a:rPr lang="en-US" sz="2400" b="1" dirty="0" err="1">
+                <a:latin typeface="Candara" panose="020E0502030303020204" pitchFamily="34" charset="0"/>
+              </a:rPr>
+              <a:t>Nostri</a:t>
+            </a:r>
+            <a:r>
+              <a:rPr lang="en-US" sz="2400" b="1" dirty="0">
+                <a:latin typeface="Candara" panose="020E0502030303020204" pitchFamily="34" charset="0"/>
+              </a:rPr>
+              <a:t>: p=0.7, </a:t>
+            </a:r>
+            <a:r>
+              <a:rPr lang="en-US" sz="2400" b="1" dirty="0" err="1">
+                <a:latin typeface="Candara" panose="020E0502030303020204" pitchFamily="34" charset="0"/>
+              </a:rPr>
+              <a:t>sup_min</a:t>
+            </a:r>
+            <a:r>
+              <a:rPr lang="en-US" sz="2400" b="1" dirty="0">
+                <a:latin typeface="Candara" panose="020E0502030303020204" pitchFamily="34" charset="0"/>
+              </a:rPr>
+              <a:t>=0.25%, 7.5k tuples, 119 items</a:t>
+            </a:r>
+          </a:p>
+        </p:txBody>
+      </p:sp>
+    </p:spTree>
+    <p:extLst>
+      <p:ext uri="{BB962C8B-B14F-4D97-AF65-F5344CB8AC3E}">
+        <p14:creationId xmlns:p14="http://schemas.microsoft.com/office/powerpoint/2010/main" val="1061001702"/>
+      </p:ext>
+    </p:extLst>
+  </p:cSld>
+  <p:clrMapOvr>
+    <a:masterClrMapping/>
+  </p:clrMapOvr>
+  <p:timing>
+    <p:tnLst>
+      <p:par>
+        <p:cTn id="1" dur="indefinite" restart="never" nodeType="tmRoot">
+          <p:childTnLst>
+            <p:seq concurrent="1" nextAc="seek">
+              <p:cTn id="2" dur="indefinite" nodeType="mainSeq">
+                <p:childTnLst>
+                  <p:par>
+                    <p:cTn id="3" fill="hold">
+                      <p:stCondLst>
+                        <p:cond delay="indefinite"/>
+                        <p:cond evt="onBegin" delay="0">
+                          <p:tn val="2"/>
+                        </p:cond>
+                      </p:stCondLst>
+                      <p:childTnLst>
+                        <p:par>
+                          <p:cTn id="4" fill="hold">
+                            <p:stCondLst>
+                              <p:cond delay="0"/>
+                            </p:stCondLst>
+                            <p:childTnLst>
+                              <p:par>
+                                <p:cTn id="5" presetID="22" presetClass="entr" presetSubtype="8" fill="hold" grpId="0" nodeType="withEffect">
+                                  <p:stCondLst>
+                                    <p:cond delay="0"/>
+                                  </p:stCondLst>
+                                  <p:childTnLst>
+                                    <p:set>
+                                      <p:cBhvr>
+                                        <p:cTn id="6" dur="1" fill="hold">
+                                          <p:stCondLst>
+                                            <p:cond delay="0"/>
+                                          </p:stCondLst>
+                                        </p:cTn>
+                                        <p:tgtEl>
+                                          <p:spTgt spid="25"/>
+                                        </p:tgtEl>
+                                        <p:attrNameLst>
+                                          <p:attrName>style.visibility</p:attrName>
+                                        </p:attrNameLst>
+                                      </p:cBhvr>
+                                      <p:to>
+                                        <p:strVal val="visible"/>
+                                      </p:to>
+                                    </p:set>
+                                    <p:animEffect transition="in" filter="wipe(left)">
+                                      <p:cBhvr>
+                                        <p:cTn id="7" dur="500"/>
+                                        <p:tgtEl>
+                                          <p:spTgt spid="25"/>
+                                        </p:tgtEl>
+                                      </p:cBhvr>
+                                    </p:animEffect>
+                                  </p:childTnLst>
+                                </p:cTn>
+                              </p:par>
+                              <p:par>
+                                <p:cTn id="8" presetID="22" presetClass="entr" presetSubtype="8" fill="hold" grpId="0" nodeType="withEffect">
+                                  <p:stCondLst>
+                                    <p:cond delay="0"/>
+                                  </p:stCondLst>
+                                  <p:childTnLst>
+                                    <p:set>
+                                      <p:cBhvr>
+                                        <p:cTn id="9" dur="1" fill="hold">
+                                          <p:stCondLst>
+                                            <p:cond delay="0"/>
+                                          </p:stCondLst>
+                                        </p:cTn>
+                                        <p:tgtEl>
+                                          <p:spTgt spid="21"/>
+                                        </p:tgtEl>
+                                        <p:attrNameLst>
+                                          <p:attrName>style.visibility</p:attrName>
+                                        </p:attrNameLst>
+                                      </p:cBhvr>
+                                      <p:to>
+                                        <p:strVal val="visible"/>
+                                      </p:to>
+                                    </p:set>
+                                    <p:animEffect transition="in" filter="wipe(left)">
+                                      <p:cBhvr>
+                                        <p:cTn id="10" dur="500"/>
+                                        <p:tgtEl>
+                                          <p:spTgt spid="21"/>
+                                        </p:tgtEl>
+                                      </p:cBhvr>
+                                    </p:animEffect>
+                                  </p:childTnLst>
+                                </p:cTn>
+                              </p:par>
+                              <p:par>
+                                <p:cTn id="11" presetID="22" presetClass="entr" presetSubtype="8" fill="hold" grpId="0" nodeType="withEffect">
+                                  <p:stCondLst>
+                                    <p:cond delay="0"/>
+                                  </p:stCondLst>
+                                  <p:childTnLst>
+                                    <p:set>
+                                      <p:cBhvr>
+                                        <p:cTn id="12" dur="1" fill="hold">
+                                          <p:stCondLst>
+                                            <p:cond delay="0"/>
+                                          </p:stCondLst>
+                                        </p:cTn>
+                                        <p:tgtEl>
+                                          <p:spTgt spid="22"/>
+                                        </p:tgtEl>
+                                        <p:attrNameLst>
+                                          <p:attrName>style.visibility</p:attrName>
+                                        </p:attrNameLst>
+                                      </p:cBhvr>
+                                      <p:to>
+                                        <p:strVal val="visible"/>
+                                      </p:to>
+                                    </p:set>
+                                    <p:animEffect transition="in" filter="wipe(left)">
+                                      <p:cBhvr>
+                                        <p:cTn id="13" dur="500"/>
+                                        <p:tgtEl>
+                                          <p:spTgt spid="22"/>
+                                        </p:tgtEl>
+                                      </p:cBhvr>
+                                    </p:animEffect>
+                                  </p:childTnLst>
+                                </p:cTn>
+                              </p:par>
+                            </p:childTnLst>
+                          </p:cTn>
+                        </p:par>
+                      </p:childTnLst>
+                    </p:cTn>
+                  </p:par>
+                </p:childTnLst>
+              </p:cTn>
+              <p:prevCondLst>
+                <p:cond evt="onPrev" delay="0">
+                  <p:tgtEl>
+                    <p:sldTgt/>
+                  </p:tgtEl>
+                </p:cond>
+              </p:prevCondLst>
+              <p:nextCondLst>
+                <p:cond evt="onNext" delay="0">
+                  <p:tgtEl>
+                    <p:sldTgt/>
+                  </p:tgtEl>
+                </p:cond>
+              </p:nextCondLst>
+            </p:seq>
+          </p:childTnLst>
+        </p:cTn>
+      </p:par>
+    </p:tnLst>
+    <p:bldLst>
+      <p:bldP spid="25" grpId="0"/>
+      <p:bldP spid="21" grpId="0"/>
+      <p:bldP spid="22" grpId="0"/>
+    </p:bldLst>
+  </p:timing>
+</p:sld>
+</file>
+
+<file path=ppt/slides/slide8.xml><?xml version="1.0" encoding="utf-8"?>
 <p:sld xmlns:a="http://schemas.openxmlformats.org/drawingml/2006/main" xmlns:r="http://schemas.openxmlformats.org/officeDocument/2006/relationships" xmlns:p="http://schemas.openxmlformats.org/presentationml/2006/main">
   <p:cSld>
     <p:spTree>

--- a/docs/Presentazione.pptx
+++ b/docs/Presentazione.pptx
@@ -12530,7 +12530,7 @@
         </p:nvSpPr>
         <p:spPr>
           <a:xfrm rot="2720395">
-            <a:off x="594414" y="3990714"/>
+            <a:off x="3416066" y="4396529"/>
             <a:ext cx="360000" cy="360000"/>
           </a:xfrm>
           <a:prstGeom prst="teardrop">
@@ -12583,7 +12583,7 @@
         </p:nvSpPr>
         <p:spPr>
           <a:xfrm rot="2720395">
-            <a:off x="599328" y="3063064"/>
+            <a:off x="3420980" y="3468879"/>
             <a:ext cx="360000" cy="360000"/>
           </a:xfrm>
           <a:prstGeom prst="teardrop">
@@ -12636,7 +12636,7 @@
         </p:nvSpPr>
         <p:spPr>
           <a:xfrm rot="2720395">
-            <a:off x="594414" y="2133183"/>
+            <a:off x="3416066" y="2538998"/>
             <a:ext cx="360000" cy="360000"/>
           </a:xfrm>
           <a:prstGeom prst="teardrop">
@@ -12689,7 +12689,7 @@
         </p:nvSpPr>
         <p:spPr>
           <a:xfrm rot="2720395">
-            <a:off x="594413" y="1203301"/>
+            <a:off x="3416065" y="1609116"/>
             <a:ext cx="360000" cy="360000"/>
           </a:xfrm>
           <a:prstGeom prst="teardrop">
@@ -12742,7 +12742,7 @@
         </p:nvSpPr>
         <p:spPr>
           <a:xfrm>
-            <a:off x="3341511" y="241450"/>
+            <a:off x="3341511" y="243369"/>
             <a:ext cx="5508978" cy="769441"/>
           </a:xfrm>
           <a:prstGeom prst="rect">
@@ -12777,7 +12777,7 @@
         </p:nvSpPr>
         <p:spPr>
           <a:xfrm>
-            <a:off x="974128" y="1010891"/>
+            <a:off x="3795780" y="1416706"/>
             <a:ext cx="5256123" cy="929485"/>
           </a:xfrm>
           <a:prstGeom prst="rect">
@@ -13228,7 +13228,7 @@
         </p:nvSpPr>
         <p:spPr>
           <a:xfrm>
-            <a:off x="974128" y="1936619"/>
+            <a:off x="3795780" y="2342434"/>
             <a:ext cx="5256123" cy="929485"/>
           </a:xfrm>
           <a:prstGeom prst="rect">
@@ -13264,7 +13264,25 @@
                 </a:solidFill>
                 <a:latin typeface="Candara" panose="020E0502030303020204" pitchFamily="34" charset="0"/>
               </a:rPr>
-              <a:t> actual support</a:t>
+              <a:t> </a:t>
+            </a:r>
+            <a:r>
+              <a:rPr lang="en-US" sz="1600" b="1" dirty="0" err="1">
+                <a:solidFill>
+                  <a:srgbClr val="189A80"/>
+                </a:solidFill>
+                <a:latin typeface="Candara" panose="020E0502030303020204" pitchFamily="34" charset="0"/>
+              </a:rPr>
+              <a:t>cardinalità</a:t>
+            </a:r>
+            <a:r>
+              <a:rPr lang="en-US" sz="1600" b="1" dirty="0">
+                <a:solidFill>
+                  <a:srgbClr val="189A80"/>
+                </a:solidFill>
+                <a:latin typeface="Candara" panose="020E0502030303020204" pitchFamily="34" charset="0"/>
+              </a:rPr>
+              <a:t> F ed actual support</a:t>
             </a:r>
             <a:endParaRPr lang="en-US" sz="1600" b="1" dirty="0">
               <a:solidFill>
@@ -13748,7 +13766,7 @@
         </p:nvSpPr>
         <p:spPr>
           <a:xfrm>
-            <a:off x="974127" y="2871864"/>
+            <a:off x="3795779" y="3277679"/>
             <a:ext cx="5256123" cy="744819"/>
           </a:xfrm>
           <a:prstGeom prst="rect">
@@ -13993,7 +14011,7 @@
         </p:nvSpPr>
         <p:spPr>
           <a:xfrm>
-            <a:off x="974127" y="3797592"/>
+            <a:off x="3795779" y="4203407"/>
             <a:ext cx="5256123" cy="929485"/>
           </a:xfrm>
           <a:prstGeom prst="rect">
@@ -14510,7 +14528,7 @@
         </p:nvSpPr>
         <p:spPr>
           <a:xfrm rot="2720395">
-            <a:off x="594413" y="4859277"/>
+            <a:off x="3416065" y="5265092"/>
             <a:ext cx="360000" cy="360000"/>
           </a:xfrm>
           <a:prstGeom prst="teardrop">
@@ -14569,7 +14587,7 @@
         </p:nvSpPr>
         <p:spPr>
           <a:xfrm>
-            <a:off x="974126" y="4666155"/>
+            <a:off x="3795778" y="5071970"/>
             <a:ext cx="5256123" cy="744819"/>
           </a:xfrm>
           <a:prstGeom prst="rect">
@@ -15751,7 +15769,7 @@
         </p:nvSpPr>
         <p:spPr>
           <a:xfrm rot="2720395">
-            <a:off x="594414" y="3990714"/>
+            <a:off x="3416066" y="4395570"/>
             <a:ext cx="360000" cy="360000"/>
           </a:xfrm>
           <a:prstGeom prst="teardrop">
@@ -15804,7 +15822,7 @@
         </p:nvSpPr>
         <p:spPr>
           <a:xfrm rot="2720395">
-            <a:off x="599328" y="3063064"/>
+            <a:off x="3420980" y="3467920"/>
             <a:ext cx="360000" cy="360000"/>
           </a:xfrm>
           <a:prstGeom prst="teardrop">
@@ -15857,7 +15875,7 @@
         </p:nvSpPr>
         <p:spPr>
           <a:xfrm rot="2720395">
-            <a:off x="594414" y="2133183"/>
+            <a:off x="3416066" y="2538039"/>
             <a:ext cx="360000" cy="360000"/>
           </a:xfrm>
           <a:prstGeom prst="teardrop">
@@ -15910,7 +15928,7 @@
         </p:nvSpPr>
         <p:spPr>
           <a:xfrm rot="2720395">
-            <a:off x="594413" y="1203301"/>
+            <a:off x="3416065" y="1608157"/>
             <a:ext cx="360000" cy="360000"/>
           </a:xfrm>
           <a:prstGeom prst="teardrop">
@@ -15998,7 +16016,7 @@
         </p:nvSpPr>
         <p:spPr>
           <a:xfrm>
-            <a:off x="974128" y="1010891"/>
+            <a:off x="3795780" y="1415747"/>
             <a:ext cx="5256123" cy="744819"/>
           </a:xfrm>
           <a:prstGeom prst="rect">
@@ -16405,7 +16423,479 @@
         </p:nvSpPr>
         <p:spPr>
           <a:xfrm>
-            <a:off x="974128" y="1936619"/>
+            <a:off x="3795780" y="2341475"/>
+            <a:ext cx="5256123" cy="929485"/>
+          </a:xfrm>
+          <a:prstGeom prst="rect">
+            <a:avLst/>
+          </a:prstGeom>
+          <a:noFill/>
+        </p:spPr>
+        <p:txBody>
+          <a:bodyPr wrap="square" rtlCol="0">
+            <a:spAutoFit/>
+          </a:bodyPr>
+          <a:lstStyle/>
+          <a:p>
+            <a:pPr algn="ctr" defTabSz="1219170">
+              <a:spcBef>
+                <a:spcPct val="20000"/>
+              </a:spcBef>
+              <a:defRPr/>
+            </a:pPr>
+            <a:r>
+              <a:rPr lang="en-US" sz="1600" b="1" dirty="0" err="1">
+                <a:solidFill>
+                  <a:srgbClr val="189A80"/>
+                </a:solidFill>
+                <a:latin typeface="Candara" panose="020E0502030303020204" pitchFamily="34" charset="0"/>
+              </a:rPr>
+              <a:t>Calcolo</a:t>
+            </a:r>
+            <a:r>
+              <a:rPr lang="en-US" sz="1600" b="1" dirty="0">
+                <a:solidFill>
+                  <a:srgbClr val="189A80"/>
+                </a:solidFill>
+                <a:latin typeface="Candara" panose="020E0502030303020204" pitchFamily="34" charset="0"/>
+              </a:rPr>
+              <a:t> </a:t>
+            </a:r>
+            <a:r>
+              <a:rPr lang="en-US" sz="1600" b="1" dirty="0" err="1">
+                <a:solidFill>
+                  <a:srgbClr val="189A80"/>
+                </a:solidFill>
+                <a:latin typeface="Candara" panose="020E0502030303020204" pitchFamily="34" charset="0"/>
+              </a:rPr>
+              <a:t>cardinalità</a:t>
+            </a:r>
+            <a:r>
+              <a:rPr lang="en-US" sz="1600" b="1" dirty="0">
+                <a:solidFill>
+                  <a:srgbClr val="189A80"/>
+                </a:solidFill>
+                <a:latin typeface="Candara" panose="020E0502030303020204" pitchFamily="34" charset="0"/>
+              </a:rPr>
+              <a:t> F ed actual support</a:t>
+            </a:r>
+            <a:endParaRPr lang="en-US" sz="1600" b="1" dirty="0">
+              <a:solidFill>
+                <a:srgbClr val="34738D"/>
+              </a:solidFill>
+              <a:latin typeface="Candara" panose="020E0502030303020204" pitchFamily="34" charset="0"/>
+            </a:endParaRPr>
+          </a:p>
+          <a:p>
+            <a:pPr algn="ctr" defTabSz="1219170">
+              <a:spcBef>
+                <a:spcPct val="20000"/>
+              </a:spcBef>
+              <a:defRPr/>
+            </a:pPr>
+            <a:r>
+              <a:rPr lang="en-US" sz="1200" dirty="0">
+                <a:solidFill>
+                  <a:schemeClr val="bg2">
+                    <a:lumMod val="10000"/>
+                  </a:schemeClr>
+                </a:solidFill>
+                <a:latin typeface="Candara" panose="020E0502030303020204" pitchFamily="34" charset="0"/>
+              </a:rPr>
+              <a:t>Il </a:t>
+            </a:r>
+            <a:r>
+              <a:rPr lang="en-US" sz="1200" dirty="0" err="1">
+                <a:solidFill>
+                  <a:schemeClr val="bg2">
+                    <a:lumMod val="10000"/>
+                  </a:schemeClr>
+                </a:solidFill>
+                <a:latin typeface="Candara" panose="020E0502030303020204" pitchFamily="34" charset="0"/>
+              </a:rPr>
+              <a:t>calcolo</a:t>
+            </a:r>
+            <a:r>
+              <a:rPr lang="en-US" sz="1200" dirty="0">
+                <a:solidFill>
+                  <a:schemeClr val="bg2">
+                    <a:lumMod val="10000"/>
+                  </a:schemeClr>
+                </a:solidFill>
+                <a:latin typeface="Candara" panose="020E0502030303020204" pitchFamily="34" charset="0"/>
+              </a:rPr>
+              <a:t> del support error non </a:t>
+            </a:r>
+            <a:r>
+              <a:rPr lang="en-US" sz="1200" dirty="0" err="1">
+                <a:solidFill>
+                  <a:schemeClr val="bg2">
+                    <a:lumMod val="10000"/>
+                  </a:schemeClr>
+                </a:solidFill>
+                <a:latin typeface="Candara" panose="020E0502030303020204" pitchFamily="34" charset="0"/>
+              </a:rPr>
+              <a:t>viene</a:t>
+            </a:r>
+            <a:r>
+              <a:rPr lang="en-US" sz="1200" dirty="0">
+                <a:solidFill>
+                  <a:schemeClr val="bg2">
+                    <a:lumMod val="10000"/>
+                  </a:schemeClr>
+                </a:solidFill>
+                <a:latin typeface="Candara" panose="020E0502030303020204" pitchFamily="34" charset="0"/>
+              </a:rPr>
+              <a:t> </a:t>
+            </a:r>
+            <a:r>
+              <a:rPr lang="en-US" sz="1200" dirty="0" err="1">
+                <a:solidFill>
+                  <a:schemeClr val="bg2">
+                    <a:lumMod val="10000"/>
+                  </a:schemeClr>
+                </a:solidFill>
+                <a:latin typeface="Candara" panose="020E0502030303020204" pitchFamily="34" charset="0"/>
+              </a:rPr>
+              <a:t>aggiornato</a:t>
+            </a:r>
+            <a:r>
+              <a:rPr lang="en-US" sz="1200" dirty="0">
+                <a:solidFill>
+                  <a:schemeClr val="bg2">
+                    <a:lumMod val="10000"/>
+                  </a:schemeClr>
+                </a:solidFill>
+                <a:latin typeface="Candara" panose="020E0502030303020204" pitchFamily="34" charset="0"/>
+              </a:rPr>
+              <a:t> per </a:t>
+            </a:r>
+            <a:r>
+              <a:rPr lang="en-US" sz="1200" dirty="0" err="1">
+                <a:solidFill>
+                  <a:schemeClr val="bg2">
+                    <a:lumMod val="10000"/>
+                  </a:schemeClr>
+                </a:solidFill>
+                <a:latin typeface="Candara" panose="020E0502030303020204" pitchFamily="34" charset="0"/>
+              </a:rPr>
+              <a:t>evitare</a:t>
+            </a:r>
+            <a:r>
+              <a:rPr lang="en-US" sz="1200" dirty="0">
+                <a:solidFill>
+                  <a:schemeClr val="bg2">
+                    <a:lumMod val="10000"/>
+                  </a:schemeClr>
+                </a:solidFill>
+                <a:latin typeface="Candara" panose="020E0502030303020204" pitchFamily="34" charset="0"/>
+              </a:rPr>
+              <a:t> una </a:t>
+            </a:r>
+            <a:r>
+              <a:rPr lang="en-US" sz="1200" dirty="0" err="1">
+                <a:solidFill>
+                  <a:schemeClr val="bg2">
+                    <a:lumMod val="10000"/>
+                  </a:schemeClr>
+                </a:solidFill>
+                <a:latin typeface="Candara" panose="020E0502030303020204" pitchFamily="34" charset="0"/>
+              </a:rPr>
+              <a:t>divisione</a:t>
+            </a:r>
+            <a:r>
+              <a:rPr lang="en-US" sz="1200" dirty="0">
+                <a:solidFill>
+                  <a:schemeClr val="bg2">
+                    <a:lumMod val="10000"/>
+                  </a:schemeClr>
+                </a:solidFill>
+                <a:latin typeface="Candara" panose="020E0502030303020204" pitchFamily="34" charset="0"/>
+              </a:rPr>
+              <a:t> per zero. F </a:t>
+            </a:r>
+            <a:r>
+              <a:rPr lang="en-US" sz="1200" dirty="0" err="1">
+                <a:solidFill>
+                  <a:schemeClr val="bg2">
+                    <a:lumMod val="10000"/>
+                  </a:schemeClr>
+                </a:solidFill>
+                <a:latin typeface="Candara" panose="020E0502030303020204" pitchFamily="34" charset="0"/>
+              </a:rPr>
+              <a:t>invece</a:t>
+            </a:r>
+            <a:r>
+              <a:rPr lang="en-US" sz="1200" dirty="0">
+                <a:solidFill>
+                  <a:schemeClr val="bg2">
+                    <a:lumMod val="10000"/>
+                  </a:schemeClr>
+                </a:solidFill>
+                <a:latin typeface="Candara" panose="020E0502030303020204" pitchFamily="34" charset="0"/>
+              </a:rPr>
+              <a:t> </a:t>
+            </a:r>
+            <a:r>
+              <a:rPr lang="en-US" sz="1200" dirty="0" err="1">
+                <a:solidFill>
+                  <a:schemeClr val="bg2">
+                    <a:lumMod val="10000"/>
+                  </a:schemeClr>
+                </a:solidFill>
+                <a:latin typeface="Candara" panose="020E0502030303020204" pitchFamily="34" charset="0"/>
+              </a:rPr>
+              <a:t>viene</a:t>
+            </a:r>
+            <a:r>
+              <a:rPr lang="en-US" sz="1200" dirty="0">
+                <a:solidFill>
+                  <a:schemeClr val="bg2">
+                    <a:lumMod val="10000"/>
+                  </a:schemeClr>
+                </a:solidFill>
+                <a:latin typeface="Candara" panose="020E0502030303020204" pitchFamily="34" charset="0"/>
+              </a:rPr>
+              <a:t> </a:t>
+            </a:r>
+            <a:r>
+              <a:rPr lang="en-US" sz="1200" dirty="0" err="1">
+                <a:solidFill>
+                  <a:schemeClr val="bg2">
+                    <a:lumMod val="10000"/>
+                  </a:schemeClr>
+                </a:solidFill>
+                <a:latin typeface="Candara" panose="020E0502030303020204" pitchFamily="34" charset="0"/>
+              </a:rPr>
+              <a:t>settata</a:t>
+            </a:r>
+            <a:r>
+              <a:rPr lang="en-US" sz="1200" dirty="0">
+                <a:solidFill>
+                  <a:schemeClr val="bg2">
+                    <a:lumMod val="10000"/>
+                  </a:schemeClr>
+                </a:solidFill>
+                <a:latin typeface="Candara" panose="020E0502030303020204" pitchFamily="34" charset="0"/>
+              </a:rPr>
+              <a:t> a -1 per </a:t>
+            </a:r>
+            <a:r>
+              <a:rPr lang="en-US" sz="1200" dirty="0" err="1">
+                <a:solidFill>
+                  <a:schemeClr val="bg2">
+                    <a:lumMod val="10000"/>
+                  </a:schemeClr>
+                </a:solidFill>
+                <a:latin typeface="Candara" panose="020E0502030303020204" pitchFamily="34" charset="0"/>
+              </a:rPr>
+              <a:t>evidenziare</a:t>
+            </a:r>
+            <a:r>
+              <a:rPr lang="en-US" sz="1200" dirty="0">
+                <a:solidFill>
+                  <a:schemeClr val="bg2">
+                    <a:lumMod val="10000"/>
+                  </a:schemeClr>
+                </a:solidFill>
+                <a:latin typeface="Candara" panose="020E0502030303020204" pitchFamily="34" charset="0"/>
+              </a:rPr>
+              <a:t> </a:t>
+            </a:r>
+            <a:r>
+              <a:rPr lang="en-US" sz="1200" dirty="0" err="1">
+                <a:solidFill>
+                  <a:schemeClr val="bg2">
+                    <a:lumMod val="10000"/>
+                  </a:schemeClr>
+                </a:solidFill>
+                <a:latin typeface="Candara" panose="020E0502030303020204" pitchFamily="34" charset="0"/>
+              </a:rPr>
+              <a:t>il</a:t>
+            </a:r>
+            <a:r>
+              <a:rPr lang="en-US" sz="1200" dirty="0">
+                <a:solidFill>
+                  <a:schemeClr val="bg2">
+                    <a:lumMod val="10000"/>
+                  </a:schemeClr>
+                </a:solidFill>
+                <a:latin typeface="Candara" panose="020E0502030303020204" pitchFamily="34" charset="0"/>
+              </a:rPr>
+              <a:t> </a:t>
+            </a:r>
+            <a:r>
+              <a:rPr lang="en-US" sz="1200" dirty="0" err="1">
+                <a:solidFill>
+                  <a:schemeClr val="bg2">
+                    <a:lumMod val="10000"/>
+                  </a:schemeClr>
+                </a:solidFill>
+                <a:latin typeface="Candara" panose="020E0502030303020204" pitchFamily="34" charset="0"/>
+              </a:rPr>
+              <a:t>fatto</a:t>
+            </a:r>
+            <a:r>
+              <a:rPr lang="en-US" sz="1200" dirty="0">
+                <a:solidFill>
+                  <a:schemeClr val="bg2">
+                    <a:lumMod val="10000"/>
+                  </a:schemeClr>
+                </a:solidFill>
+                <a:latin typeface="Candara" panose="020E0502030303020204" pitchFamily="34" charset="0"/>
+              </a:rPr>
+              <a:t> </a:t>
+            </a:r>
+            <a:r>
+              <a:rPr lang="en-US" sz="1200" dirty="0" err="1">
+                <a:solidFill>
+                  <a:schemeClr val="bg2">
+                    <a:lumMod val="10000"/>
+                  </a:schemeClr>
+                </a:solidFill>
+                <a:latin typeface="Candara" panose="020E0502030303020204" pitchFamily="34" charset="0"/>
+              </a:rPr>
+              <a:t>che</a:t>
+            </a:r>
+            <a:r>
+              <a:rPr lang="en-US" sz="1200" dirty="0">
+                <a:solidFill>
+                  <a:schemeClr val="bg2">
+                    <a:lumMod val="10000"/>
+                  </a:schemeClr>
+                </a:solidFill>
+                <a:latin typeface="Candara" panose="020E0502030303020204" pitchFamily="34" charset="0"/>
+              </a:rPr>
+              <a:t> la </a:t>
+            </a:r>
+            <a:r>
+              <a:rPr lang="en-US" sz="1200" dirty="0" err="1">
+                <a:solidFill>
+                  <a:schemeClr val="bg2">
+                    <a:lumMod val="10000"/>
+                  </a:schemeClr>
+                </a:solidFill>
+                <a:latin typeface="Candara" panose="020E0502030303020204" pitchFamily="34" charset="0"/>
+              </a:rPr>
+              <a:t>cardinalità</a:t>
+            </a:r>
+            <a:r>
+              <a:rPr lang="en-US" sz="1200" dirty="0">
+                <a:solidFill>
+                  <a:schemeClr val="bg2">
+                    <a:lumMod val="10000"/>
+                  </a:schemeClr>
+                </a:solidFill>
+                <a:latin typeface="Candara" panose="020E0502030303020204" pitchFamily="34" charset="0"/>
+              </a:rPr>
+              <a:t> </a:t>
+            </a:r>
+            <a:r>
+              <a:rPr lang="en-US" sz="1200" dirty="0" err="1">
+                <a:solidFill>
+                  <a:schemeClr val="bg2">
+                    <a:lumMod val="10000"/>
+                  </a:schemeClr>
+                </a:solidFill>
+                <a:latin typeface="Candara" panose="020E0502030303020204" pitchFamily="34" charset="0"/>
+              </a:rPr>
+              <a:t>sia</a:t>
+            </a:r>
+            <a:r>
+              <a:rPr lang="en-US" sz="1200" dirty="0">
+                <a:solidFill>
+                  <a:schemeClr val="bg2">
+                    <a:lumMod val="10000"/>
+                  </a:schemeClr>
+                </a:solidFill>
+                <a:latin typeface="Candara" panose="020E0502030303020204" pitchFamily="34" charset="0"/>
+              </a:rPr>
+              <a:t> </a:t>
+            </a:r>
+            <a:r>
+              <a:rPr lang="en-US" sz="1200" dirty="0" err="1">
+                <a:solidFill>
+                  <a:schemeClr val="bg2">
+                    <a:lumMod val="10000"/>
+                  </a:schemeClr>
+                </a:solidFill>
+                <a:latin typeface="Candara" panose="020E0502030303020204" pitchFamily="34" charset="0"/>
+              </a:rPr>
+              <a:t>uguale</a:t>
+            </a:r>
+            <a:r>
+              <a:rPr lang="en-US" sz="1200" dirty="0">
+                <a:solidFill>
+                  <a:schemeClr val="bg2">
+                    <a:lumMod val="10000"/>
+                  </a:schemeClr>
+                </a:solidFill>
+                <a:latin typeface="Candara" panose="020E0502030303020204" pitchFamily="34" charset="0"/>
+              </a:rPr>
+              <a:t> a zero ed </a:t>
+            </a:r>
+            <a:r>
+              <a:rPr lang="en-US" sz="1200" dirty="0" err="1">
+                <a:solidFill>
+                  <a:schemeClr val="bg2">
+                    <a:lumMod val="10000"/>
+                  </a:schemeClr>
+                </a:solidFill>
+                <a:latin typeface="Candara" panose="020E0502030303020204" pitchFamily="34" charset="0"/>
+              </a:rPr>
+              <a:t>evitare</a:t>
+            </a:r>
+            <a:r>
+              <a:rPr lang="en-US" sz="1200" dirty="0">
+                <a:solidFill>
+                  <a:schemeClr val="bg2">
+                    <a:lumMod val="10000"/>
+                  </a:schemeClr>
+                </a:solidFill>
+                <a:latin typeface="Candara" panose="020E0502030303020204" pitchFamily="34" charset="0"/>
+              </a:rPr>
+              <a:t> una </a:t>
+            </a:r>
+            <a:r>
+              <a:rPr lang="en-US" sz="1200" dirty="0" err="1">
+                <a:solidFill>
+                  <a:schemeClr val="bg2">
+                    <a:lumMod val="10000"/>
+                  </a:schemeClr>
+                </a:solidFill>
+                <a:latin typeface="Candara" panose="020E0502030303020204" pitchFamily="34" charset="0"/>
+              </a:rPr>
+              <a:t>divisione</a:t>
+            </a:r>
+            <a:r>
+              <a:rPr lang="en-US" sz="1200" dirty="0">
+                <a:solidFill>
+                  <a:schemeClr val="bg2">
+                    <a:lumMod val="10000"/>
+                  </a:schemeClr>
+                </a:solidFill>
+                <a:latin typeface="Candara" panose="020E0502030303020204" pitchFamily="34" charset="0"/>
+              </a:rPr>
+              <a:t> per zero.</a:t>
+            </a:r>
+          </a:p>
+        </p:txBody>
+      </p:sp>
+      <p:sp>
+        <p:nvSpPr>
+          <p:cNvPr id="14" name="TextBox 25">
+            <a:extLst>
+              <a:ext uri="{FF2B5EF4-FFF2-40B4-BE49-F238E27FC236}">
+                <a16:creationId xmlns:a16="http://schemas.microsoft.com/office/drawing/2014/main" id="{0D4C3E5F-90E6-465D-B735-6FEC71763A9B}"/>
+              </a:ext>
+            </a:extLst>
+          </p:cNvPr>
+          <p:cNvSpPr txBox="1"/>
+          <p:nvPr/>
+        </p:nvSpPr>
+        <p:spPr>
+          <a:xfrm>
+            <a:off x="3795779" y="3276720"/>
             <a:ext cx="5256123" cy="744819"/>
           </a:xfrm>
           <a:prstGeom prst="rect">
@@ -16426,196 +16916,6 @@
               <a:defRPr/>
             </a:pPr>
             <a:r>
-              <a:rPr lang="en-US" sz="1600" b="1" dirty="0" err="1">
-                <a:solidFill>
-                  <a:srgbClr val="189A80"/>
-                </a:solidFill>
-                <a:latin typeface="Candara" panose="020E0502030303020204" pitchFamily="34" charset="0"/>
-              </a:rPr>
-              <a:t>Calcolo</a:t>
-            </a:r>
-            <a:r>
-              <a:rPr lang="en-US" sz="1600" b="1" dirty="0">
-                <a:solidFill>
-                  <a:srgbClr val="189A80"/>
-                </a:solidFill>
-                <a:latin typeface="Candara" panose="020E0502030303020204" pitchFamily="34" charset="0"/>
-              </a:rPr>
-              <a:t> actual support</a:t>
-            </a:r>
-            <a:endParaRPr lang="en-US" sz="1600" b="1" dirty="0">
-              <a:solidFill>
-                <a:srgbClr val="34738D"/>
-              </a:solidFill>
-              <a:latin typeface="Candara" panose="020E0502030303020204" pitchFamily="34" charset="0"/>
-            </a:endParaRPr>
-          </a:p>
-          <a:p>
-            <a:pPr algn="ctr" defTabSz="1219170">
-              <a:spcBef>
-                <a:spcPct val="20000"/>
-              </a:spcBef>
-              <a:defRPr/>
-            </a:pPr>
-            <a:r>
-              <a:rPr lang="en-US" sz="1200" dirty="0">
-                <a:solidFill>
-                  <a:schemeClr val="bg2">
-                    <a:lumMod val="10000"/>
-                  </a:schemeClr>
-                </a:solidFill>
-                <a:latin typeface="Candara" panose="020E0502030303020204" pitchFamily="34" charset="0"/>
-              </a:rPr>
-              <a:t>Il </a:t>
-            </a:r>
-            <a:r>
-              <a:rPr lang="en-US" sz="1200" dirty="0" err="1">
-                <a:solidFill>
-                  <a:schemeClr val="bg2">
-                    <a:lumMod val="10000"/>
-                  </a:schemeClr>
-                </a:solidFill>
-                <a:latin typeface="Candara" panose="020E0502030303020204" pitchFamily="34" charset="0"/>
-              </a:rPr>
-              <a:t>calcolo</a:t>
-            </a:r>
-            <a:r>
-              <a:rPr lang="en-US" sz="1200" dirty="0">
-                <a:solidFill>
-                  <a:schemeClr val="bg2">
-                    <a:lumMod val="10000"/>
-                  </a:schemeClr>
-                </a:solidFill>
-                <a:latin typeface="Candara" panose="020E0502030303020204" pitchFamily="34" charset="0"/>
-              </a:rPr>
-              <a:t> del support error non </a:t>
-            </a:r>
-            <a:r>
-              <a:rPr lang="en-US" sz="1200" dirty="0" err="1">
-                <a:solidFill>
-                  <a:schemeClr val="bg2">
-                    <a:lumMod val="10000"/>
-                  </a:schemeClr>
-                </a:solidFill>
-                <a:latin typeface="Candara" panose="020E0502030303020204" pitchFamily="34" charset="0"/>
-              </a:rPr>
-              <a:t>viene</a:t>
-            </a:r>
-            <a:r>
-              <a:rPr lang="en-US" sz="1200" dirty="0">
-                <a:solidFill>
-                  <a:schemeClr val="bg2">
-                    <a:lumMod val="10000"/>
-                  </a:schemeClr>
-                </a:solidFill>
-                <a:latin typeface="Candara" panose="020E0502030303020204" pitchFamily="34" charset="0"/>
-              </a:rPr>
-              <a:t> </a:t>
-            </a:r>
-            <a:r>
-              <a:rPr lang="en-US" sz="1200" dirty="0" err="1">
-                <a:solidFill>
-                  <a:schemeClr val="bg2">
-                    <a:lumMod val="10000"/>
-                  </a:schemeClr>
-                </a:solidFill>
-                <a:latin typeface="Candara" panose="020E0502030303020204" pitchFamily="34" charset="0"/>
-              </a:rPr>
-              <a:t>aggiornato</a:t>
-            </a:r>
-            <a:r>
-              <a:rPr lang="en-US" sz="1200" dirty="0">
-                <a:solidFill>
-                  <a:schemeClr val="bg2">
-                    <a:lumMod val="10000"/>
-                  </a:schemeClr>
-                </a:solidFill>
-                <a:latin typeface="Candara" panose="020E0502030303020204" pitchFamily="34" charset="0"/>
-              </a:rPr>
-              <a:t> per </a:t>
-            </a:r>
-            <a:r>
-              <a:rPr lang="en-US" sz="1200" dirty="0" err="1">
-                <a:solidFill>
-                  <a:schemeClr val="bg2">
-                    <a:lumMod val="10000"/>
-                  </a:schemeClr>
-                </a:solidFill>
-                <a:latin typeface="Candara" panose="020E0502030303020204" pitchFamily="34" charset="0"/>
-              </a:rPr>
-              <a:t>evitare</a:t>
-            </a:r>
-            <a:r>
-              <a:rPr lang="en-US" sz="1200" dirty="0">
-                <a:solidFill>
-                  <a:schemeClr val="bg2">
-                    <a:lumMod val="10000"/>
-                  </a:schemeClr>
-                </a:solidFill>
-                <a:latin typeface="Candara" panose="020E0502030303020204" pitchFamily="34" charset="0"/>
-              </a:rPr>
-              <a:t> una </a:t>
-            </a:r>
-            <a:r>
-              <a:rPr lang="en-US" sz="1200" dirty="0" err="1">
-                <a:solidFill>
-                  <a:schemeClr val="bg2">
-                    <a:lumMod val="10000"/>
-                  </a:schemeClr>
-                </a:solidFill>
-                <a:latin typeface="Candara" panose="020E0502030303020204" pitchFamily="34" charset="0"/>
-              </a:rPr>
-              <a:t>divisione</a:t>
-            </a:r>
-            <a:r>
-              <a:rPr lang="en-US" sz="1200" dirty="0">
-                <a:solidFill>
-                  <a:schemeClr val="bg2">
-                    <a:lumMod val="10000"/>
-                  </a:schemeClr>
-                </a:solidFill>
-                <a:latin typeface="Candara" panose="020E0502030303020204" pitchFamily="34" charset="0"/>
-              </a:rPr>
-              <a:t> per zero. </a:t>
-            </a:r>
-          </a:p>
-        </p:txBody>
-      </p:sp>
-      <p:sp>
-        <p:nvSpPr>
-          <p:cNvPr id="14" name="TextBox 25">
-            <a:extLst>
-              <a:ext uri="{FF2B5EF4-FFF2-40B4-BE49-F238E27FC236}">
-                <a16:creationId xmlns:a16="http://schemas.microsoft.com/office/drawing/2014/main" id="{0D4C3E5F-90E6-465D-B735-6FEC71763A9B}"/>
-              </a:ext>
-            </a:extLst>
-          </p:cNvPr>
-          <p:cNvSpPr txBox="1"/>
-          <p:nvPr/>
-        </p:nvSpPr>
-        <p:spPr>
-          <a:xfrm>
-            <a:off x="974127" y="2871864"/>
-            <a:ext cx="5256123" cy="744819"/>
-          </a:xfrm>
-          <a:prstGeom prst="rect">
-            <a:avLst/>
-          </a:prstGeom>
-          <a:noFill/>
-        </p:spPr>
-        <p:txBody>
-          <a:bodyPr wrap="square" rtlCol="0">
-            <a:spAutoFit/>
-          </a:bodyPr>
-          <a:lstStyle/>
-          <a:p>
-            <a:pPr algn="ctr" defTabSz="1219170">
-              <a:spcBef>
-                <a:spcPct val="20000"/>
-              </a:spcBef>
-              <a:defRPr/>
-            </a:pPr>
-            <a:r>
               <a:rPr lang="en-US" sz="1600" b="1" dirty="0">
                 <a:solidFill>
                   <a:srgbClr val="EF9D27"/>
@@ -16950,7 +17250,7 @@
         </p:nvSpPr>
         <p:spPr>
           <a:xfrm>
-            <a:off x="974127" y="3797592"/>
+            <a:off x="3795779" y="4202448"/>
             <a:ext cx="5256123" cy="929485"/>
           </a:xfrm>
           <a:prstGeom prst="rect">
@@ -17566,7 +17866,7 @@
         </p:nvSpPr>
         <p:spPr>
           <a:xfrm rot="2720395">
-            <a:off x="594413" y="4859277"/>
+            <a:off x="3416065" y="5264133"/>
             <a:ext cx="360000" cy="360000"/>
           </a:xfrm>
           <a:prstGeom prst="teardrop">
@@ -17625,7 +17925,7 @@
         </p:nvSpPr>
         <p:spPr>
           <a:xfrm>
-            <a:off x="974126" y="4666155"/>
+            <a:off x="3795778" y="5071011"/>
             <a:ext cx="5256123" cy="744819"/>
           </a:xfrm>
           <a:prstGeom prst="rect">

--- a/docs/Presentazione.pptx
+++ b/docs/Presentazione.pptx
@@ -11,9 +11,9 @@
     <p:sldId id="457" r:id="rId2"/>
     <p:sldId id="445" r:id="rId3"/>
     <p:sldId id="446" r:id="rId4"/>
-    <p:sldId id="459" r:id="rId5"/>
-    <p:sldId id="447" r:id="rId6"/>
-    <p:sldId id="458" r:id="rId7"/>
+    <p:sldId id="447" r:id="rId5"/>
+    <p:sldId id="458" r:id="rId6"/>
+    <p:sldId id="459" r:id="rId7"/>
     <p:sldId id="460" r:id="rId8"/>
     <p:sldId id="390" r:id="rId9"/>
   </p:sldIdLst>
@@ -204,7 +204,7 @@
           <a:p>
             <a:fld id="{B70D0873-D02A-4646-AD63-4D060B4B73E7}" type="datetimeFigureOut">
               <a:rPr lang="it-IT" smtClean="0"/>
-              <a:t>22/03/2019</a:t>
+              <a:t>23/03/2019</a:t>
             </a:fld>
             <a:endParaRPr lang="it-IT"/>
           </a:p>
@@ -685,7 +685,7 @@
           <a:p>
             <a:fld id="{63A1C593-65D0-4073-BCC9-577B9352EA97}" type="datetimeFigureOut">
               <a:rPr lang="en-US" smtClean="0"/>
-              <a:t>3/22/2019</a:t>
+              <a:t>3/23/2019</a:t>
             </a:fld>
             <a:endParaRPr lang="en-US"/>
           </a:p>
@@ -853,7 +853,7 @@
           <a:p>
             <a:fld id="{63A1C593-65D0-4073-BCC9-577B9352EA97}" type="datetimeFigureOut">
               <a:rPr lang="en-US" smtClean="0"/>
-              <a:t>3/22/2019</a:t>
+              <a:t>3/23/2019</a:t>
             </a:fld>
             <a:endParaRPr lang="en-US"/>
           </a:p>
@@ -1031,7 +1031,7 @@
           <a:p>
             <a:fld id="{63A1C593-65D0-4073-BCC9-577B9352EA97}" type="datetimeFigureOut">
               <a:rPr lang="en-US" smtClean="0"/>
-              <a:t>3/22/2019</a:t>
+              <a:t>3/23/2019</a:t>
             </a:fld>
             <a:endParaRPr lang="en-US"/>
           </a:p>
@@ -1471,7 +1471,7 @@
           <a:p>
             <a:fld id="{63A1C593-65D0-4073-BCC9-577B9352EA97}" type="datetimeFigureOut">
               <a:rPr lang="en-US" smtClean="0"/>
-              <a:t>3/22/2019</a:t>
+              <a:t>3/23/2019</a:t>
             </a:fld>
             <a:endParaRPr lang="en-US"/>
           </a:p>
@@ -1716,7 +1716,7 @@
           <a:p>
             <a:fld id="{63A1C593-65D0-4073-BCC9-577B9352EA97}" type="datetimeFigureOut">
               <a:rPr lang="en-US" smtClean="0"/>
-              <a:t>3/22/2019</a:t>
+              <a:t>3/23/2019</a:t>
             </a:fld>
             <a:endParaRPr lang="en-US"/>
           </a:p>
@@ -1945,7 +1945,7 @@
           <a:p>
             <a:fld id="{63A1C593-65D0-4073-BCC9-577B9352EA97}" type="datetimeFigureOut">
               <a:rPr lang="en-US" smtClean="0"/>
-              <a:t>3/22/2019</a:t>
+              <a:t>3/23/2019</a:t>
             </a:fld>
             <a:endParaRPr lang="en-US"/>
           </a:p>
@@ -2309,7 +2309,7 @@
           <a:p>
             <a:fld id="{63A1C593-65D0-4073-BCC9-577B9352EA97}" type="datetimeFigureOut">
               <a:rPr lang="en-US" smtClean="0"/>
-              <a:t>3/22/2019</a:t>
+              <a:t>3/23/2019</a:t>
             </a:fld>
             <a:endParaRPr lang="en-US"/>
           </a:p>
@@ -2426,7 +2426,7 @@
           <a:p>
             <a:fld id="{63A1C593-65D0-4073-BCC9-577B9352EA97}" type="datetimeFigureOut">
               <a:rPr lang="en-US" smtClean="0"/>
-              <a:t>3/22/2019</a:t>
+              <a:t>3/23/2019</a:t>
             </a:fld>
             <a:endParaRPr lang="en-US"/>
           </a:p>
@@ -2521,7 +2521,7 @@
           <a:p>
             <a:fld id="{63A1C593-65D0-4073-BCC9-577B9352EA97}" type="datetimeFigureOut">
               <a:rPr lang="en-US" smtClean="0"/>
-              <a:t>3/22/2019</a:t>
+              <a:t>3/23/2019</a:t>
             </a:fld>
             <a:endParaRPr lang="en-US"/>
           </a:p>
@@ -2796,7 +2796,7 @@
           <a:p>
             <a:fld id="{63A1C593-65D0-4073-BCC9-577B9352EA97}" type="datetimeFigureOut">
               <a:rPr lang="en-US" smtClean="0"/>
-              <a:t>3/22/2019</a:t>
+              <a:t>3/23/2019</a:t>
             </a:fld>
             <a:endParaRPr lang="en-US"/>
           </a:p>
@@ -3048,7 +3048,7 @@
           <a:p>
             <a:fld id="{63A1C593-65D0-4073-BCC9-577B9352EA97}" type="datetimeFigureOut">
               <a:rPr lang="en-US" smtClean="0"/>
-              <a:t>3/22/2019</a:t>
+              <a:t>3/23/2019</a:t>
             </a:fld>
             <a:endParaRPr lang="en-US"/>
           </a:p>
@@ -3269,7 +3269,7 @@
           <a:p>
             <a:fld id="{63A1C593-65D0-4073-BCC9-577B9352EA97}" type="datetimeFigureOut">
               <a:rPr lang="en-US" smtClean="0"/>
-              <a:t>3/22/2019</a:t>
+              <a:t>3/23/2019</a:t>
             </a:fld>
             <a:endParaRPr lang="en-US"/>
           </a:p>
@@ -8626,7 +8626,7 @@
         <p:spPr>
           <a:xfrm>
             <a:off x="9130139" y="2259140"/>
-            <a:ext cx="2073511" cy="1815882"/>
+            <a:ext cx="2073511" cy="1852815"/>
           </a:xfrm>
           <a:prstGeom prst="rect">
             <a:avLst/>
@@ -8793,7 +8793,7 @@
                 </a:solidFill>
                 <a:latin typeface="Candara" panose="020E0502030303020204" pitchFamily="34" charset="0"/>
               </a:rPr>
-              <a:t>+</a:t>
+              <a:t>+  (falsi positivi)</a:t>
             </a:r>
             <a:endParaRPr lang="en-US" sz="1600" dirty="0">
               <a:solidFill>
@@ -8827,7 +8827,7 @@
                 </a:solidFill>
                 <a:latin typeface="Candara" panose="020E0502030303020204" pitchFamily="34" charset="0"/>
               </a:rPr>
-              <a:t>-</a:t>
+              <a:t>-   (falsi negativi)</a:t>
             </a:r>
           </a:p>
           <a:p>
@@ -8840,20 +8840,40 @@
               <a:defRPr/>
             </a:pPr>
             <a:r>
-              <a:rPr lang="el-GR" sz="1600" dirty="0">
-                <a:solidFill>
-                  <a:schemeClr val="bg1"/>
-                </a:solidFill>
-                <a:latin typeface="Candara" panose="020E0502030303020204" pitchFamily="34" charset="0"/>
+              <a:rPr lang="el-GR" dirty="0">
+                <a:solidFill>
+                  <a:schemeClr val="bg1"/>
+                </a:solidFill>
               </a:rPr>
               <a:t>ρ</a:t>
             </a:r>
-            <a:endParaRPr lang="it-IT" sz="1600" dirty="0">
-              <a:solidFill>
-                <a:schemeClr val="bg1"/>
-              </a:solidFill>
-              <a:latin typeface="Candara" panose="020E0502030303020204" pitchFamily="34" charset="0"/>
-            </a:endParaRPr>
+            <a:r>
+              <a:rPr lang="it-IT" sz="1600" dirty="0">
+                <a:solidFill>
+                  <a:schemeClr val="bg1"/>
+                </a:solidFill>
+                <a:latin typeface="Candara" panose="020E0502030303020204" pitchFamily="34" charset="0"/>
+              </a:rPr>
+              <a:t>    (support </a:t>
+            </a:r>
+            <a:r>
+              <a:rPr lang="it-IT" sz="1600" dirty="0" err="1">
+                <a:solidFill>
+                  <a:schemeClr val="bg1"/>
+                </a:solidFill>
+                <a:latin typeface="Candara" panose="020E0502030303020204" pitchFamily="34" charset="0"/>
+              </a:rPr>
+              <a:t>error</a:t>
+            </a:r>
+            <a:r>
+              <a:rPr lang="it-IT" sz="1600" dirty="0">
+                <a:solidFill>
+                  <a:schemeClr val="bg1"/>
+                </a:solidFill>
+                <a:latin typeface="Candara" panose="020E0502030303020204" pitchFamily="34" charset="0"/>
+              </a:rPr>
+              <a:t>)</a:t>
+            </a:r>
           </a:p>
         </p:txBody>
       </p:sp>
@@ -10280,7 +10300,25 @@
                 </a:solidFill>
                 <a:latin typeface="Candara" panose="020E0502030303020204" pitchFamily="34" charset="0"/>
               </a:rPr>
-              <a:t> I </a:t>
+              <a:t> </a:t>
+            </a:r>
+            <a:r>
+              <a:rPr lang="en-US" sz="1400" dirty="0" err="1">
+                <a:solidFill>
+                  <a:schemeClr val="bg1"/>
+                </a:solidFill>
+                <a:latin typeface="Candara" panose="020E0502030303020204" pitchFamily="34" charset="0"/>
+              </a:rPr>
+              <a:t>i</a:t>
+            </a:r>
+            <a:r>
+              <a:rPr lang="en-US" sz="1400" dirty="0">
+                <a:solidFill>
+                  <a:schemeClr val="bg1"/>
+                </a:solidFill>
+                <a:latin typeface="Candara" panose="020E0502030303020204" pitchFamily="34" charset="0"/>
+              </a:rPr>
+              <a:t> </a:t>
             </a:r>
             <a:r>
               <a:rPr lang="en-US" sz="1400" dirty="0" err="1">
@@ -11986,542 +12024,6 @@
           <a:chExt cx="0" cy="0"/>
         </a:xfrm>
       </p:grpSpPr>
-      <p:pic>
-        <p:nvPicPr>
-          <p:cNvPr id="12" name="Immagine 11">
-            <a:extLst>
-              <a:ext uri="{FF2B5EF4-FFF2-40B4-BE49-F238E27FC236}">
-                <a16:creationId xmlns:a16="http://schemas.microsoft.com/office/drawing/2014/main" id="{98EB2B6B-1CF8-4736-BA9A-774DD7F560F9}"/>
-              </a:ext>
-            </a:extLst>
-          </p:cNvPr>
-          <p:cNvPicPr>
-            <a:picLocks noChangeAspect="1"/>
-          </p:cNvPicPr>
-          <p:nvPr/>
-        </p:nvPicPr>
-        <p:blipFill>
-          <a:blip r:embed="rId2" cstate="print">
-            <a:extLst>
-              <a:ext uri="{28A0092B-C50C-407E-A947-70E740481C1C}">
-                <a14:useLocalDpi xmlns:a14="http://schemas.microsoft.com/office/drawing/2010/main" val="0"/>
-              </a:ext>
-            </a:extLst>
-          </a:blip>
-          <a:stretch>
-            <a:fillRect/>
-          </a:stretch>
-        </p:blipFill>
-        <p:spPr>
-          <a:xfrm>
-            <a:off x="5556000" y="6220686"/>
-            <a:ext cx="1080000" cy="658286"/>
-          </a:xfrm>
-          <a:prstGeom prst="rect">
-            <a:avLst/>
-          </a:prstGeom>
-        </p:spPr>
-      </p:pic>
-      <p:graphicFrame>
-        <p:nvGraphicFramePr>
-          <p:cNvPr id="3" name="Tabella 2">
-            <a:extLst>
-              <a:ext uri="{FF2B5EF4-FFF2-40B4-BE49-F238E27FC236}">
-                <a16:creationId xmlns:a16="http://schemas.microsoft.com/office/drawing/2014/main" id="{132FD78C-0A8D-439E-A795-9E8932E88610}"/>
-              </a:ext>
-            </a:extLst>
-          </p:cNvPr>
-          <p:cNvGraphicFramePr>
-            <a:graphicFrameLocks noGrp="1"/>
-          </p:cNvGraphicFramePr>
-          <p:nvPr>
-            <p:extLst>
-              <p:ext uri="{D42A27DB-BD31-4B8C-83A1-F6EECF244321}">
-                <p14:modId xmlns:p14="http://schemas.microsoft.com/office/powerpoint/2010/main" val="588330426"/>
-              </p:ext>
-            </p:extLst>
-          </p:nvPr>
-        </p:nvGraphicFramePr>
-        <p:xfrm>
-          <a:off x="1362045" y="1732326"/>
-          <a:ext cx="9467910" cy="2697549"/>
-        </p:xfrm>
-        <a:graphic>
-          <a:graphicData uri="http://schemas.openxmlformats.org/drawingml/2006/table">
-            <a:tbl>
-              <a:tblPr firstRow="1" bandRow="1">
-                <a:tableStyleId>{5C22544A-7EE6-4342-B048-85BDC9FD1C3A}</a:tableStyleId>
-              </a:tblPr>
-              <a:tblGrid>
-                <a:gridCol w="1893582">
-                  <a:extLst>
-                    <a:ext uri="{9D8B030D-6E8A-4147-A177-3AD203B41FA5}">
-                      <a16:colId xmlns:a16="http://schemas.microsoft.com/office/drawing/2014/main" val="493467813"/>
-                    </a:ext>
-                  </a:extLst>
-                </a:gridCol>
-                <a:gridCol w="1893582">
-                  <a:extLst>
-                    <a:ext uri="{9D8B030D-6E8A-4147-A177-3AD203B41FA5}">
-                      <a16:colId xmlns:a16="http://schemas.microsoft.com/office/drawing/2014/main" val="3036483849"/>
-                    </a:ext>
-                  </a:extLst>
-                </a:gridCol>
-                <a:gridCol w="1893582">
-                  <a:extLst>
-                    <a:ext uri="{9D8B030D-6E8A-4147-A177-3AD203B41FA5}">
-                      <a16:colId xmlns:a16="http://schemas.microsoft.com/office/drawing/2014/main" val="2058978727"/>
-                    </a:ext>
-                  </a:extLst>
-                </a:gridCol>
-                <a:gridCol w="1893582">
-                  <a:extLst>
-                    <a:ext uri="{9D8B030D-6E8A-4147-A177-3AD203B41FA5}">
-                      <a16:colId xmlns:a16="http://schemas.microsoft.com/office/drawing/2014/main" val="3471609030"/>
-                    </a:ext>
-                  </a:extLst>
-                </a:gridCol>
-                <a:gridCol w="1893582">
-                  <a:extLst>
-                    <a:ext uri="{9D8B030D-6E8A-4147-A177-3AD203B41FA5}">
-                      <a16:colId xmlns:a16="http://schemas.microsoft.com/office/drawing/2014/main" val="3451426914"/>
-                    </a:ext>
-                  </a:extLst>
-                </a:gridCol>
-              </a:tblGrid>
-              <a:tr h="899183">
-                <a:tc>
-                  <a:txBody>
-                    <a:bodyPr/>
-                    <a:lstStyle/>
-                    <a:p>
-                      <a:r>
-                        <a:rPr lang="it-IT" dirty="0"/>
-                        <a:t>Dataset</a:t>
-                      </a:r>
-                    </a:p>
-                  </a:txBody>
-                  <a:tcPr/>
-                </a:tc>
-                <a:tc>
-                  <a:txBody>
-                    <a:bodyPr/>
-                    <a:lstStyle/>
-                    <a:p>
-                      <a:r>
-                        <a:rPr lang="it-IT" dirty="0"/>
-                        <a:t># items</a:t>
-                      </a:r>
-                    </a:p>
-                  </a:txBody>
-                  <a:tcPr/>
-                </a:tc>
-                <a:tc>
-                  <a:txBody>
-                    <a:bodyPr/>
-                    <a:lstStyle/>
-                    <a:p>
-                      <a:r>
-                        <a:rPr lang="it-IT" sz="1800" dirty="0">
-                          <a:solidFill>
-                            <a:schemeClr val="bg1"/>
-                          </a:solidFill>
-                          <a:latin typeface="Candara" panose="020E0502030303020204" pitchFamily="34" charset="0"/>
-                        </a:rPr>
-                        <a:t># </a:t>
-                      </a:r>
-                      <a:r>
-                        <a:rPr lang="it-IT" sz="1800" dirty="0" err="1">
-                          <a:solidFill>
-                            <a:schemeClr val="bg1"/>
-                          </a:solidFill>
-                          <a:latin typeface="Candara" panose="020E0502030303020204" pitchFamily="34" charset="0"/>
-                        </a:rPr>
-                        <a:t>tuples</a:t>
-                      </a:r>
-                      <a:endParaRPr lang="it-IT" dirty="0">
-                        <a:solidFill>
-                          <a:schemeClr val="bg1"/>
-                        </a:solidFill>
-                      </a:endParaRPr>
-                    </a:p>
-                  </a:txBody>
-                  <a:tcPr/>
-                </a:tc>
-                <a:tc>
-                  <a:txBody>
-                    <a:bodyPr/>
-                    <a:lstStyle/>
-                    <a:p>
-                      <a:r>
-                        <a:rPr lang="it-IT" sz="1800" dirty="0">
-                          <a:solidFill>
-                            <a:schemeClr val="bg1"/>
-                          </a:solidFill>
-                          <a:latin typeface="Candara" panose="020E0502030303020204" pitchFamily="34" charset="0"/>
-                        </a:rPr>
-                        <a:t>p</a:t>
-                      </a:r>
-                      <a:endParaRPr lang="it-IT" dirty="0">
-                        <a:solidFill>
-                          <a:schemeClr val="bg1"/>
-                        </a:solidFill>
-                      </a:endParaRPr>
-                    </a:p>
-                  </a:txBody>
-                  <a:tcPr/>
-                </a:tc>
-                <a:tc>
-                  <a:txBody>
-                    <a:bodyPr/>
-                    <a:lstStyle/>
-                    <a:p>
-                      <a:pPr marL="0" marR="0" lvl="0" indent="0" algn="l" defTabSz="914400" rtl="0" eaLnBrk="1" fontAlgn="auto" latinLnBrk="0" hangingPunct="1">
-                        <a:lnSpc>
-                          <a:spcPct val="100000"/>
-                        </a:lnSpc>
-                        <a:spcBef>
-                          <a:spcPts val="0"/>
-                        </a:spcBef>
-                        <a:spcAft>
-                          <a:spcPts val="0"/>
-                        </a:spcAft>
-                        <a:buClrTx/>
-                        <a:buSzTx/>
-                        <a:buFontTx/>
-                        <a:buNone/>
-                        <a:tabLst/>
-                        <a:defRPr/>
-                      </a:pPr>
-                      <a:r>
-                        <a:rPr lang="it-IT" sz="1800" dirty="0">
-                          <a:solidFill>
-                            <a:schemeClr val="bg1"/>
-                          </a:solidFill>
-                          <a:latin typeface="Candara" panose="020E0502030303020204" pitchFamily="34" charset="0"/>
-                        </a:rPr>
-                        <a:t>privacy</a:t>
-                      </a:r>
-                      <a:endParaRPr lang="it-IT" dirty="0">
-                        <a:solidFill>
-                          <a:schemeClr val="bg1"/>
-                        </a:solidFill>
-                      </a:endParaRPr>
-                    </a:p>
-                  </a:txBody>
-                  <a:tcPr/>
-                </a:tc>
-                <a:extLst>
-                  <a:ext uri="{0D108BD9-81ED-4DB2-BD59-A6C34878D82A}">
-                    <a16:rowId xmlns:a16="http://schemas.microsoft.com/office/drawing/2014/main" val="350517259"/>
-                  </a:ext>
-                </a:extLst>
-              </a:tr>
-              <a:tr h="899183">
-                <a:tc>
-                  <a:txBody>
-                    <a:bodyPr/>
-                    <a:lstStyle/>
-                    <a:p>
-                      <a:r>
-                        <a:rPr lang="it-IT" dirty="0"/>
-                        <a:t>Paper</a:t>
-                      </a:r>
-                    </a:p>
-                  </a:txBody>
-                  <a:tcPr/>
-                </a:tc>
-                <a:tc>
-                  <a:txBody>
-                    <a:bodyPr/>
-                    <a:lstStyle/>
-                    <a:p>
-                      <a:r>
-                        <a:rPr lang="it-IT" dirty="0"/>
-                        <a:t>500</a:t>
-                      </a:r>
-                    </a:p>
-                  </a:txBody>
-                  <a:tcPr/>
-                </a:tc>
-                <a:tc>
-                  <a:txBody>
-                    <a:bodyPr/>
-                    <a:lstStyle/>
-                    <a:p>
-                      <a:r>
-                        <a:rPr lang="it-IT" dirty="0"/>
-                        <a:t>0.6 * 10^6</a:t>
-                      </a:r>
-                    </a:p>
-                  </a:txBody>
-                  <a:tcPr/>
-                </a:tc>
-                <a:tc>
-                  <a:txBody>
-                    <a:bodyPr/>
-                    <a:lstStyle/>
-                    <a:p>
-                      <a:r>
-                        <a:rPr lang="it-IT" dirty="0"/>
-                        <a:t>0.9</a:t>
-                      </a:r>
-                    </a:p>
-                  </a:txBody>
-                  <a:tcPr/>
-                </a:tc>
-                <a:tc>
-                  <a:txBody>
-                    <a:bodyPr/>
-                    <a:lstStyle/>
-                    <a:p>
-                      <a:r>
-                        <a:rPr lang="it-IT" dirty="0"/>
-                        <a:t>83%</a:t>
-                      </a:r>
-                    </a:p>
-                  </a:txBody>
-                  <a:tcPr/>
-                </a:tc>
-                <a:extLst>
-                  <a:ext uri="{0D108BD9-81ED-4DB2-BD59-A6C34878D82A}">
-                    <a16:rowId xmlns:a16="http://schemas.microsoft.com/office/drawing/2014/main" val="784247334"/>
-                  </a:ext>
-                </a:extLst>
-              </a:tr>
-              <a:tr h="899183">
-                <a:tc>
-                  <a:txBody>
-                    <a:bodyPr/>
-                    <a:lstStyle/>
-                    <a:p>
-                      <a:r>
-                        <a:rPr lang="it-IT" dirty="0"/>
-                        <a:t>Nostro</a:t>
-                      </a:r>
-                    </a:p>
-                  </a:txBody>
-                  <a:tcPr/>
-                </a:tc>
-                <a:tc>
-                  <a:txBody>
-                    <a:bodyPr/>
-                    <a:lstStyle/>
-                    <a:p>
-                      <a:r>
-                        <a:rPr lang="it-IT" dirty="0"/>
-                        <a:t>119</a:t>
-                      </a:r>
-                    </a:p>
-                  </a:txBody>
-                  <a:tcPr/>
-                </a:tc>
-                <a:tc>
-                  <a:txBody>
-                    <a:bodyPr/>
-                    <a:lstStyle/>
-                    <a:p>
-                      <a:r>
-                        <a:rPr lang="it-IT" dirty="0"/>
-                        <a:t>7.5 * 10^3</a:t>
-                      </a:r>
-                    </a:p>
-                  </a:txBody>
-                  <a:tcPr/>
-                </a:tc>
-                <a:tc>
-                  <a:txBody>
-                    <a:bodyPr/>
-                    <a:lstStyle/>
-                    <a:p>
-                      <a:r>
-                        <a:rPr lang="it-IT" dirty="0"/>
-                        <a:t>0.7</a:t>
-                      </a:r>
-                    </a:p>
-                  </a:txBody>
-                  <a:tcPr/>
-                </a:tc>
-                <a:tc>
-                  <a:txBody>
-                    <a:bodyPr/>
-                    <a:lstStyle/>
-                    <a:p>
-                      <a:r>
-                        <a:rPr lang="it-IT" dirty="0"/>
-                        <a:t>85%</a:t>
-                      </a:r>
-                    </a:p>
-                  </a:txBody>
-                  <a:tcPr/>
-                </a:tc>
-                <a:extLst>
-                  <a:ext uri="{0D108BD9-81ED-4DB2-BD59-A6C34878D82A}">
-                    <a16:rowId xmlns:a16="http://schemas.microsoft.com/office/drawing/2014/main" val="215805885"/>
-                  </a:ext>
-                </a:extLst>
-              </a:tr>
-            </a:tbl>
-          </a:graphicData>
-        </a:graphic>
-      </p:graphicFrame>
-      <p:sp>
-        <p:nvSpPr>
-          <p:cNvPr id="21" name="TextBox 24">
-            <a:extLst>
-              <a:ext uri="{FF2B5EF4-FFF2-40B4-BE49-F238E27FC236}">
-                <a16:creationId xmlns:a16="http://schemas.microsoft.com/office/drawing/2014/main" id="{44E9E053-469C-491E-9985-BB69E2617219}"/>
-              </a:ext>
-            </a:extLst>
-          </p:cNvPr>
-          <p:cNvSpPr txBox="1"/>
-          <p:nvPr/>
-        </p:nvSpPr>
-        <p:spPr>
-          <a:xfrm>
-            <a:off x="3341511" y="241450"/>
-            <a:ext cx="5508978" cy="769441"/>
-          </a:xfrm>
-          <a:prstGeom prst="rect">
-            <a:avLst/>
-          </a:prstGeom>
-          <a:noFill/>
-        </p:spPr>
-        <p:txBody>
-          <a:bodyPr wrap="square" rtlCol="0">
-            <a:spAutoFit/>
-          </a:bodyPr>
-          <a:lstStyle/>
-          <a:p>
-            <a:pPr algn="ctr"/>
-            <a:r>
-              <a:rPr lang="en-US" sz="4400" b="1" dirty="0">
-                <a:latin typeface="Candara" panose="020E0502030303020204" pitchFamily="34" charset="0"/>
-              </a:rPr>
-              <a:t>Dataset</a:t>
-            </a:r>
-          </a:p>
-        </p:txBody>
-      </p:sp>
-    </p:spTree>
-    <p:extLst>
-      <p:ext uri="{BB962C8B-B14F-4D97-AF65-F5344CB8AC3E}">
-        <p14:creationId xmlns:p14="http://schemas.microsoft.com/office/powerpoint/2010/main" val="751510436"/>
-      </p:ext>
-    </p:extLst>
-  </p:cSld>
-  <p:clrMapOvr>
-    <a:masterClrMapping/>
-  </p:clrMapOvr>
-  <p:timing>
-    <p:tnLst>
-      <p:par>
-        <p:cTn id="1" dur="indefinite" restart="never" nodeType="tmRoot">
-          <p:childTnLst>
-            <p:seq concurrent="1" nextAc="seek">
-              <p:cTn id="2" dur="indefinite" nodeType="mainSeq">
-                <p:childTnLst>
-                  <p:par>
-                    <p:cTn id="3" fill="hold">
-                      <p:stCondLst>
-                        <p:cond delay="indefinite"/>
-                        <p:cond evt="onBegin" delay="0">
-                          <p:tn val="2"/>
-                        </p:cond>
-                      </p:stCondLst>
-                      <p:childTnLst>
-                        <p:par>
-                          <p:cTn id="4" fill="hold">
-                            <p:stCondLst>
-                              <p:cond delay="0"/>
-                            </p:stCondLst>
-                            <p:childTnLst>
-                              <p:par>
-                                <p:cTn id="5" presetID="22" presetClass="entr" presetSubtype="8" fill="hold" grpId="0" nodeType="withEffect">
-                                  <p:stCondLst>
-                                    <p:cond delay="0"/>
-                                  </p:stCondLst>
-                                  <p:childTnLst>
-                                    <p:set>
-                                      <p:cBhvr>
-                                        <p:cTn id="6" dur="1" fill="hold">
-                                          <p:stCondLst>
-                                            <p:cond delay="0"/>
-                                          </p:stCondLst>
-                                        </p:cTn>
-                                        <p:tgtEl>
-                                          <p:spTgt spid="21"/>
-                                        </p:tgtEl>
-                                        <p:attrNameLst>
-                                          <p:attrName>style.visibility</p:attrName>
-                                        </p:attrNameLst>
-                                      </p:cBhvr>
-                                      <p:to>
-                                        <p:strVal val="visible"/>
-                                      </p:to>
-                                    </p:set>
-                                    <p:animEffect transition="in" filter="wipe(left)">
-                                      <p:cBhvr>
-                                        <p:cTn id="7" dur="500"/>
-                                        <p:tgtEl>
-                                          <p:spTgt spid="21"/>
-                                        </p:tgtEl>
-                                      </p:cBhvr>
-                                    </p:animEffect>
-                                  </p:childTnLst>
-                                </p:cTn>
-                              </p:par>
-                            </p:childTnLst>
-                          </p:cTn>
-                        </p:par>
-                      </p:childTnLst>
-                    </p:cTn>
-                  </p:par>
-                </p:childTnLst>
-              </p:cTn>
-              <p:prevCondLst>
-                <p:cond evt="onPrev" delay="0">
-                  <p:tgtEl>
-                    <p:sldTgt/>
-                  </p:tgtEl>
-                </p:cond>
-              </p:prevCondLst>
-              <p:nextCondLst>
-                <p:cond evt="onNext" delay="0">
-                  <p:tgtEl>
-                    <p:sldTgt/>
-                  </p:tgtEl>
-                </p:cond>
-              </p:nextCondLst>
-            </p:seq>
-          </p:childTnLst>
-        </p:cTn>
-      </p:par>
-    </p:tnLst>
-    <p:bldLst>
-      <p:bldP spid="21" grpId="0"/>
-    </p:bldLst>
-  </p:timing>
-</p:sld>
-</file>
-
-<file path=ppt/slides/slide5.xml><?xml version="1.0" encoding="utf-8"?>
-<p:sld xmlns:a="http://schemas.openxmlformats.org/drawingml/2006/main" xmlns:r="http://schemas.openxmlformats.org/officeDocument/2006/relationships" xmlns:p="http://schemas.openxmlformats.org/presentationml/2006/main">
-  <p:cSld>
-    <p:spTree>
-      <p:nvGrpSpPr>
-        <p:cNvPr id="1" name=""/>
-        <p:cNvGrpSpPr/>
-        <p:nvPr/>
-      </p:nvGrpSpPr>
-      <p:grpSpPr>
-        <a:xfrm>
-          <a:off x="0" y="0"/>
-          <a:ext cx="0" cy="0"/>
-          <a:chOff x="0" y="0"/>
-          <a:chExt cx="0" cy="0"/>
-        </a:xfrm>
-      </p:grpSpPr>
       <p:sp>
         <p:nvSpPr>
           <p:cNvPr id="46" name="Teardrop 45"/>
@@ -12997,6 +12499,28 @@
                 </a:solidFill>
                 <a:latin typeface="Candara" panose="020E0502030303020204" pitchFamily="34" charset="0"/>
               </a:rPr>
+              <a:t> di tanto in tanto </a:t>
+            </a:r>
+            <a:r>
+              <a:rPr lang="en-US" sz="1200" dirty="0" err="1">
+                <a:solidFill>
+                  <a:schemeClr val="bg2">
+                    <a:lumMod val="10000"/>
+                  </a:schemeClr>
+                </a:solidFill>
+                <a:latin typeface="Candara" panose="020E0502030303020204" pitchFamily="34" charset="0"/>
+              </a:rPr>
+              <a:t>risultati</a:t>
+            </a:r>
+            <a:r>
+              <a:rPr lang="en-US" sz="1200" dirty="0">
+                <a:solidFill>
+                  <a:schemeClr val="bg2">
+                    <a:lumMod val="10000"/>
+                  </a:schemeClr>
+                </a:solidFill>
+                <a:latin typeface="Candara" panose="020E0502030303020204" pitchFamily="34" charset="0"/>
+              </a:rPr>
               <a:t> </a:t>
             </a:r>
             <a:r>
@@ -13008,7 +12532,7 @@
                 </a:solidFill>
                 <a:latin typeface="Candara" panose="020E0502030303020204" pitchFamily="34" charset="0"/>
               </a:rPr>
-              <a:t>risultati</a:t>
+              <a:t>scorretti</a:t>
             </a:r>
             <a:r>
               <a:rPr lang="en-US" sz="1200" dirty="0">
@@ -13019,7 +12543,7 @@
                 </a:solidFill>
                 <a:latin typeface="Candara" panose="020E0502030303020204" pitchFamily="34" charset="0"/>
               </a:rPr>
-              <a:t> </a:t>
+              <a:t> con </a:t>
             </a:r>
             <a:r>
               <a:rPr lang="en-US" sz="1200" dirty="0" err="1">
@@ -13030,95 +12554,7 @@
                 </a:solidFill>
                 <a:latin typeface="Candara" panose="020E0502030303020204" pitchFamily="34" charset="0"/>
               </a:rPr>
-              <a:t>scorretti</a:t>
-            </a:r>
-            <a:r>
-              <a:rPr lang="en-US" sz="1200" dirty="0">
-                <a:solidFill>
-                  <a:schemeClr val="bg2">
-                    <a:lumMod val="10000"/>
-                  </a:schemeClr>
-                </a:solidFill>
-                <a:latin typeface="Candara" panose="020E0502030303020204" pitchFamily="34" charset="0"/>
-              </a:rPr>
-              <a:t> con </a:t>
-            </a:r>
-            <a:r>
-              <a:rPr lang="en-US" sz="1200" dirty="0" err="1">
-                <a:solidFill>
-                  <a:schemeClr val="bg2">
-                    <a:lumMod val="10000"/>
-                  </a:schemeClr>
-                </a:solidFill>
-                <a:latin typeface="Candara" panose="020E0502030303020204" pitchFamily="34" charset="0"/>
-              </a:rPr>
               <a:t>valori</a:t>
-            </a:r>
-            <a:r>
-              <a:rPr lang="en-US" sz="1200" dirty="0">
-                <a:solidFill>
-                  <a:schemeClr val="bg2">
-                    <a:lumMod val="10000"/>
-                  </a:schemeClr>
-                </a:solidFill>
-                <a:latin typeface="Candara" panose="020E0502030303020204" pitchFamily="34" charset="0"/>
-              </a:rPr>
-              <a:t> o </a:t>
-            </a:r>
-            <a:r>
-              <a:rPr lang="en-US" sz="1200" dirty="0" err="1">
-                <a:solidFill>
-                  <a:schemeClr val="bg2">
-                    <a:lumMod val="10000"/>
-                  </a:schemeClr>
-                </a:solidFill>
-                <a:latin typeface="Candara" panose="020E0502030303020204" pitchFamily="34" charset="0"/>
-              </a:rPr>
-              <a:t>troppo</a:t>
-            </a:r>
-            <a:r>
-              <a:rPr lang="en-US" sz="1200" dirty="0">
-                <a:solidFill>
-                  <a:schemeClr val="bg2">
-                    <a:lumMod val="10000"/>
-                  </a:schemeClr>
-                </a:solidFill>
-                <a:latin typeface="Candara" panose="020E0502030303020204" pitchFamily="34" charset="0"/>
-              </a:rPr>
-              <a:t> </a:t>
-            </a:r>
-            <a:r>
-              <a:rPr lang="en-US" sz="1200" dirty="0" err="1">
-                <a:solidFill>
-                  <a:schemeClr val="bg2">
-                    <a:lumMod val="10000"/>
-                  </a:schemeClr>
-                </a:solidFill>
-                <a:latin typeface="Candara" panose="020E0502030303020204" pitchFamily="34" charset="0"/>
-              </a:rPr>
-              <a:t>grandi</a:t>
-            </a:r>
-            <a:r>
-              <a:rPr lang="en-US" sz="1200" dirty="0">
-                <a:solidFill>
-                  <a:schemeClr val="bg2">
-                    <a:lumMod val="10000"/>
-                  </a:schemeClr>
-                </a:solidFill>
-                <a:latin typeface="Candara" panose="020E0502030303020204" pitchFamily="34" charset="0"/>
-              </a:rPr>
-              <a:t> rispetto al dataset o, </a:t>
-            </a:r>
-            <a:r>
-              <a:rPr lang="en-US" sz="1200" dirty="0" err="1">
-                <a:solidFill>
-                  <a:schemeClr val="bg2">
-                    <a:lumMod val="10000"/>
-                  </a:schemeClr>
-                </a:solidFill>
-                <a:latin typeface="Candara" panose="020E0502030303020204" pitchFamily="34" charset="0"/>
-              </a:rPr>
-              <a:t>addirittura</a:t>
             </a:r>
             <a:r>
               <a:rPr lang="en-US" sz="1200" dirty="0">
@@ -13329,95 +12765,7 @@
                 </a:solidFill>
                 <a:latin typeface="Candara" panose="020E0502030303020204" pitchFamily="34" charset="0"/>
               </a:rPr>
-              <a:t>, </a:t>
-            </a:r>
-            <a:r>
-              <a:rPr lang="en-US" sz="1200" dirty="0" err="1">
-                <a:solidFill>
-                  <a:schemeClr val="bg2">
-                    <a:lumMod val="10000"/>
-                  </a:schemeClr>
-                </a:solidFill>
-                <a:latin typeface="Candara" panose="020E0502030303020204" pitchFamily="34" charset="0"/>
-              </a:rPr>
-              <a:t>già</a:t>
-            </a:r>
-            <a:r>
-              <a:rPr lang="en-US" sz="1200" dirty="0">
-                <a:solidFill>
-                  <a:schemeClr val="bg2">
-                    <a:lumMod val="10000"/>
-                  </a:schemeClr>
-                </a:solidFill>
-                <a:latin typeface="Candara" panose="020E0502030303020204" pitchFamily="34" charset="0"/>
-              </a:rPr>
-              <a:t> </a:t>
-            </a:r>
-            <a:r>
-              <a:rPr lang="en-US" sz="1200" dirty="0" err="1">
-                <a:solidFill>
-                  <a:schemeClr val="bg2">
-                    <a:lumMod val="10000"/>
-                  </a:schemeClr>
-                </a:solidFill>
-                <a:latin typeface="Candara" panose="020E0502030303020204" pitchFamily="34" charset="0"/>
-              </a:rPr>
-              <a:t>considerando</a:t>
-            </a:r>
-            <a:r>
-              <a:rPr lang="en-US" sz="1200" dirty="0">
-                <a:solidFill>
-                  <a:schemeClr val="bg2">
-                    <a:lumMod val="10000"/>
-                  </a:schemeClr>
-                </a:solidFill>
-                <a:latin typeface="Candara" panose="020E0502030303020204" pitchFamily="34" charset="0"/>
-              </a:rPr>
-              <a:t> </a:t>
-            </a:r>
-            <a:r>
-              <a:rPr lang="en-US" sz="1200" dirty="0" err="1">
-                <a:solidFill>
-                  <a:schemeClr val="bg2">
-                    <a:lumMod val="10000"/>
-                  </a:schemeClr>
-                </a:solidFill>
-                <a:latin typeface="Candara" panose="020E0502030303020204" pitchFamily="34" charset="0"/>
-              </a:rPr>
-              <a:t>il</a:t>
-            </a:r>
-            <a:r>
-              <a:rPr lang="en-US" sz="1200" dirty="0">
-                <a:solidFill>
-                  <a:schemeClr val="bg2">
-                    <a:lumMod val="10000"/>
-                  </a:schemeClr>
-                </a:solidFill>
-                <a:latin typeface="Candara" panose="020E0502030303020204" pitchFamily="34" charset="0"/>
-              </a:rPr>
-              <a:t> </a:t>
-            </a:r>
-            <a:r>
-              <a:rPr lang="en-US" sz="1200" dirty="0" err="1">
-                <a:solidFill>
-                  <a:schemeClr val="bg2">
-                    <a:lumMod val="10000"/>
-                  </a:schemeClr>
-                </a:solidFill>
-                <a:latin typeface="Candara" panose="020E0502030303020204" pitchFamily="34" charset="0"/>
-              </a:rPr>
-              <a:t>caso</a:t>
-            </a:r>
-            <a:r>
-              <a:rPr lang="en-US" sz="1200" dirty="0">
-                <a:solidFill>
-                  <a:schemeClr val="bg2">
-                    <a:lumMod val="10000"/>
-                  </a:schemeClr>
-                </a:solidFill>
-                <a:latin typeface="Candara" panose="020E0502030303020204" pitchFamily="34" charset="0"/>
-              </a:rPr>
-              <a:t> per 2-itemset, capita </a:t>
+              <a:t>, capita </a:t>
             </a:r>
             <a:r>
               <a:rPr lang="en-US" sz="1200" dirty="0" err="1">
@@ -14433,28 +13781,6 @@
                 <a:latin typeface="Candara" panose="020E0502030303020204" pitchFamily="34" charset="0"/>
               </a:rPr>
               <a:t>calcolarle</a:t>
-            </a:r>
-            <a:r>
-              <a:rPr lang="en-US" sz="1200" dirty="0">
-                <a:solidFill>
-                  <a:schemeClr val="bg2">
-                    <a:lumMod val="10000"/>
-                  </a:schemeClr>
-                </a:solidFill>
-                <a:latin typeface="Candara" panose="020E0502030303020204" pitchFamily="34" charset="0"/>
-              </a:rPr>
-              <a:t> </a:t>
-            </a:r>
-            <a:r>
-              <a:rPr lang="en-US" sz="1200" dirty="0" err="1">
-                <a:solidFill>
-                  <a:schemeClr val="bg2">
-                    <a:lumMod val="10000"/>
-                  </a:schemeClr>
-                </a:solidFill>
-                <a:latin typeface="Candara" panose="020E0502030303020204" pitchFamily="34" charset="0"/>
-              </a:rPr>
-              <a:t>differenziandole</a:t>
             </a:r>
             <a:r>
               <a:rPr lang="en-US" sz="1200" dirty="0">
@@ -14588,6 +13914,2435 @@
         <p:spPr>
           <a:xfrm>
             <a:off x="3795778" y="5071970"/>
+            <a:ext cx="5256123" cy="560153"/>
+          </a:xfrm>
+          <a:prstGeom prst="rect">
+            <a:avLst/>
+          </a:prstGeom>
+          <a:noFill/>
+        </p:spPr>
+        <p:txBody>
+          <a:bodyPr wrap="square" rtlCol="0">
+            <a:spAutoFit/>
+          </a:bodyPr>
+          <a:lstStyle/>
+          <a:p>
+            <a:pPr algn="ctr" defTabSz="1219170">
+              <a:spcBef>
+                <a:spcPct val="20000"/>
+              </a:spcBef>
+              <a:defRPr/>
+            </a:pPr>
+            <a:r>
+              <a:rPr lang="it-IT" sz="1600" dirty="0">
+                <a:solidFill>
+                  <a:srgbClr val="7030A0"/>
+                </a:solidFill>
+                <a:latin typeface="Candara" panose="020E0502030303020204" pitchFamily="34" charset="0"/>
+              </a:rPr>
+              <a:t>Calcolo </a:t>
+            </a:r>
+            <a:r>
+              <a:rPr lang="el-GR" sz="1600" dirty="0">
+                <a:solidFill>
+                  <a:srgbClr val="7030A0"/>
+                </a:solidFill>
+                <a:latin typeface="Candara" panose="020E0502030303020204" pitchFamily="34" charset="0"/>
+              </a:rPr>
+              <a:t>ρ</a:t>
+            </a:r>
+            <a:r>
+              <a:rPr lang="it-IT" sz="1600" dirty="0">
+                <a:solidFill>
+                  <a:srgbClr val="7030A0"/>
+                </a:solidFill>
+                <a:latin typeface="Candara" panose="020E0502030303020204" pitchFamily="34" charset="0"/>
+              </a:rPr>
+              <a:t>, support </a:t>
+            </a:r>
+            <a:r>
+              <a:rPr lang="it-IT" sz="1600" dirty="0" err="1">
+                <a:solidFill>
+                  <a:srgbClr val="7030A0"/>
+                </a:solidFill>
+                <a:latin typeface="Candara" panose="020E0502030303020204" pitchFamily="34" charset="0"/>
+              </a:rPr>
+              <a:t>error</a:t>
+            </a:r>
+            <a:endParaRPr lang="en-US" sz="1600" b="1" dirty="0">
+              <a:solidFill>
+                <a:srgbClr val="7030A0"/>
+              </a:solidFill>
+              <a:latin typeface="Candara" panose="020E0502030303020204" pitchFamily="34" charset="0"/>
+            </a:endParaRPr>
+          </a:p>
+          <a:p>
+            <a:pPr algn="ctr" defTabSz="1219170">
+              <a:spcBef>
+                <a:spcPct val="20000"/>
+              </a:spcBef>
+              <a:defRPr/>
+            </a:pPr>
+            <a:r>
+              <a:rPr lang="en-US" sz="1200" dirty="0">
+                <a:solidFill>
+                  <a:schemeClr val="bg2">
+                    <a:lumMod val="10000"/>
+                  </a:schemeClr>
+                </a:solidFill>
+                <a:latin typeface="Candara" panose="020E0502030303020204" pitchFamily="34" charset="0"/>
+              </a:rPr>
+              <a:t>TO CHECK</a:t>
+            </a:r>
+          </a:p>
+        </p:txBody>
+      </p:sp>
+    </p:spTree>
+    <p:extLst>
+      <p:ext uri="{BB962C8B-B14F-4D97-AF65-F5344CB8AC3E}">
+        <p14:creationId xmlns:p14="http://schemas.microsoft.com/office/powerpoint/2010/main" val="3236745396"/>
+      </p:ext>
+    </p:extLst>
+  </p:cSld>
+  <p:clrMapOvr>
+    <a:masterClrMapping/>
+  </p:clrMapOvr>
+  <p:timing>
+    <p:tnLst>
+      <p:par>
+        <p:cTn id="1" dur="indefinite" restart="never" nodeType="tmRoot">
+          <p:childTnLst>
+            <p:seq concurrent="1" nextAc="seek">
+              <p:cTn id="2" dur="indefinite" nodeType="mainSeq">
+                <p:childTnLst>
+                  <p:par>
+                    <p:cTn id="3" fill="hold">
+                      <p:stCondLst>
+                        <p:cond delay="indefinite"/>
+                        <p:cond evt="onBegin" delay="0">
+                          <p:tn val="2"/>
+                        </p:cond>
+                      </p:stCondLst>
+                      <p:childTnLst>
+                        <p:par>
+                          <p:cTn id="4" fill="hold">
+                            <p:stCondLst>
+                              <p:cond delay="0"/>
+                            </p:stCondLst>
+                            <p:childTnLst>
+                              <p:par>
+                                <p:cTn id="5" presetID="22" presetClass="entr" presetSubtype="8" fill="hold" grpId="0" nodeType="withEffect">
+                                  <p:stCondLst>
+                                    <p:cond delay="0"/>
+                                  </p:stCondLst>
+                                  <p:childTnLst>
+                                    <p:set>
+                                      <p:cBhvr>
+                                        <p:cTn id="6" dur="1" fill="hold">
+                                          <p:stCondLst>
+                                            <p:cond delay="0"/>
+                                          </p:stCondLst>
+                                        </p:cTn>
+                                        <p:tgtEl>
+                                          <p:spTgt spid="25"/>
+                                        </p:tgtEl>
+                                        <p:attrNameLst>
+                                          <p:attrName>style.visibility</p:attrName>
+                                        </p:attrNameLst>
+                                      </p:cBhvr>
+                                      <p:to>
+                                        <p:strVal val="visible"/>
+                                      </p:to>
+                                    </p:set>
+                                    <p:animEffect transition="in" filter="wipe(left)">
+                                      <p:cBhvr>
+                                        <p:cTn id="7" dur="500"/>
+                                        <p:tgtEl>
+                                          <p:spTgt spid="25"/>
+                                        </p:tgtEl>
+                                      </p:cBhvr>
+                                    </p:animEffect>
+                                  </p:childTnLst>
+                                </p:cTn>
+                              </p:par>
+                            </p:childTnLst>
+                          </p:cTn>
+                        </p:par>
+                      </p:childTnLst>
+                    </p:cTn>
+                  </p:par>
+                  <p:par>
+                    <p:cTn id="8" fill="hold">
+                      <p:stCondLst>
+                        <p:cond delay="indefinite"/>
+                      </p:stCondLst>
+                      <p:childTnLst>
+                        <p:par>
+                          <p:cTn id="9" fill="hold">
+                            <p:stCondLst>
+                              <p:cond delay="0"/>
+                            </p:stCondLst>
+                            <p:childTnLst>
+                              <p:par>
+                                <p:cTn id="10" presetID="49" presetClass="entr" presetSubtype="0" decel="100000" fill="hold" grpId="0" nodeType="clickEffect">
+                                  <p:stCondLst>
+                                    <p:cond delay="0"/>
+                                  </p:stCondLst>
+                                  <p:childTnLst>
+                                    <p:set>
+                                      <p:cBhvr>
+                                        <p:cTn id="11" dur="1" fill="hold">
+                                          <p:stCondLst>
+                                            <p:cond delay="0"/>
+                                          </p:stCondLst>
+                                        </p:cTn>
+                                        <p:tgtEl>
+                                          <p:spTgt spid="11"/>
+                                        </p:tgtEl>
+                                        <p:attrNameLst>
+                                          <p:attrName>style.visibility</p:attrName>
+                                        </p:attrNameLst>
+                                      </p:cBhvr>
+                                      <p:to>
+                                        <p:strVal val="visible"/>
+                                      </p:to>
+                                    </p:set>
+                                    <p:anim calcmode="lin" valueType="num">
+                                      <p:cBhvr>
+                                        <p:cTn id="12" dur="500" fill="hold"/>
+                                        <p:tgtEl>
+                                          <p:spTgt spid="11"/>
+                                        </p:tgtEl>
+                                        <p:attrNameLst>
+                                          <p:attrName>ppt_w</p:attrName>
+                                        </p:attrNameLst>
+                                      </p:cBhvr>
+                                      <p:tavLst>
+                                        <p:tav tm="0">
+                                          <p:val>
+                                            <p:fltVal val="0"/>
+                                          </p:val>
+                                        </p:tav>
+                                        <p:tav tm="100000">
+                                          <p:val>
+                                            <p:strVal val="#ppt_w"/>
+                                          </p:val>
+                                        </p:tav>
+                                      </p:tavLst>
+                                    </p:anim>
+                                    <p:anim calcmode="lin" valueType="num">
+                                      <p:cBhvr>
+                                        <p:cTn id="13" dur="500" fill="hold"/>
+                                        <p:tgtEl>
+                                          <p:spTgt spid="11"/>
+                                        </p:tgtEl>
+                                        <p:attrNameLst>
+                                          <p:attrName>ppt_h</p:attrName>
+                                        </p:attrNameLst>
+                                      </p:cBhvr>
+                                      <p:tavLst>
+                                        <p:tav tm="0">
+                                          <p:val>
+                                            <p:fltVal val="0"/>
+                                          </p:val>
+                                        </p:tav>
+                                        <p:tav tm="100000">
+                                          <p:val>
+                                            <p:strVal val="#ppt_h"/>
+                                          </p:val>
+                                        </p:tav>
+                                      </p:tavLst>
+                                    </p:anim>
+                                    <p:anim calcmode="lin" valueType="num">
+                                      <p:cBhvr>
+                                        <p:cTn id="14" dur="500" fill="hold"/>
+                                        <p:tgtEl>
+                                          <p:spTgt spid="11"/>
+                                        </p:tgtEl>
+                                        <p:attrNameLst>
+                                          <p:attrName>style.rotation</p:attrName>
+                                        </p:attrNameLst>
+                                      </p:cBhvr>
+                                      <p:tavLst>
+                                        <p:tav tm="0">
+                                          <p:val>
+                                            <p:fltVal val="360"/>
+                                          </p:val>
+                                        </p:tav>
+                                        <p:tav tm="100000">
+                                          <p:val>
+                                            <p:fltVal val="0"/>
+                                          </p:val>
+                                        </p:tav>
+                                      </p:tavLst>
+                                    </p:anim>
+                                    <p:animEffect transition="in" filter="fade">
+                                      <p:cBhvr>
+                                        <p:cTn id="15" dur="500"/>
+                                        <p:tgtEl>
+                                          <p:spTgt spid="11"/>
+                                        </p:tgtEl>
+                                      </p:cBhvr>
+                                    </p:animEffect>
+                                  </p:childTnLst>
+                                </p:cTn>
+                              </p:par>
+                              <p:par>
+                                <p:cTn id="16" presetID="22" presetClass="entr" presetSubtype="1" fill="hold" grpId="0" nodeType="withEffect">
+                                  <p:stCondLst>
+                                    <p:cond delay="0"/>
+                                  </p:stCondLst>
+                                  <p:childTnLst>
+                                    <p:set>
+                                      <p:cBhvr>
+                                        <p:cTn id="17" dur="1" fill="hold">
+                                          <p:stCondLst>
+                                            <p:cond delay="0"/>
+                                          </p:stCondLst>
+                                        </p:cTn>
+                                        <p:tgtEl>
+                                          <p:spTgt spid="26"/>
+                                        </p:tgtEl>
+                                        <p:attrNameLst>
+                                          <p:attrName>style.visibility</p:attrName>
+                                        </p:attrNameLst>
+                                      </p:cBhvr>
+                                      <p:to>
+                                        <p:strVal val="visible"/>
+                                      </p:to>
+                                    </p:set>
+                                    <p:animEffect transition="in" filter="wipe(up)">
+                                      <p:cBhvr>
+                                        <p:cTn id="18" dur="500"/>
+                                        <p:tgtEl>
+                                          <p:spTgt spid="26"/>
+                                        </p:tgtEl>
+                                      </p:cBhvr>
+                                    </p:animEffect>
+                                  </p:childTnLst>
+                                </p:cTn>
+                              </p:par>
+                            </p:childTnLst>
+                          </p:cTn>
+                        </p:par>
+                      </p:childTnLst>
+                    </p:cTn>
+                  </p:par>
+                  <p:par>
+                    <p:cTn id="19" fill="hold">
+                      <p:stCondLst>
+                        <p:cond delay="indefinite"/>
+                      </p:stCondLst>
+                      <p:childTnLst>
+                        <p:par>
+                          <p:cTn id="20" fill="hold">
+                            <p:stCondLst>
+                              <p:cond delay="0"/>
+                            </p:stCondLst>
+                            <p:childTnLst>
+                              <p:par>
+                                <p:cTn id="21" presetID="49" presetClass="entr" presetSubtype="0" decel="100000" fill="hold" grpId="0" nodeType="clickEffect">
+                                  <p:stCondLst>
+                                    <p:cond delay="0"/>
+                                  </p:stCondLst>
+                                  <p:childTnLst>
+                                    <p:set>
+                                      <p:cBhvr>
+                                        <p:cTn id="22" dur="1" fill="hold">
+                                          <p:stCondLst>
+                                            <p:cond delay="0"/>
+                                          </p:stCondLst>
+                                        </p:cTn>
+                                        <p:tgtEl>
+                                          <p:spTgt spid="44"/>
+                                        </p:tgtEl>
+                                        <p:attrNameLst>
+                                          <p:attrName>style.visibility</p:attrName>
+                                        </p:attrNameLst>
+                                      </p:cBhvr>
+                                      <p:to>
+                                        <p:strVal val="visible"/>
+                                      </p:to>
+                                    </p:set>
+                                    <p:anim calcmode="lin" valueType="num">
+                                      <p:cBhvr>
+                                        <p:cTn id="23" dur="500" fill="hold"/>
+                                        <p:tgtEl>
+                                          <p:spTgt spid="44"/>
+                                        </p:tgtEl>
+                                        <p:attrNameLst>
+                                          <p:attrName>ppt_w</p:attrName>
+                                        </p:attrNameLst>
+                                      </p:cBhvr>
+                                      <p:tavLst>
+                                        <p:tav tm="0">
+                                          <p:val>
+                                            <p:fltVal val="0"/>
+                                          </p:val>
+                                        </p:tav>
+                                        <p:tav tm="100000">
+                                          <p:val>
+                                            <p:strVal val="#ppt_w"/>
+                                          </p:val>
+                                        </p:tav>
+                                      </p:tavLst>
+                                    </p:anim>
+                                    <p:anim calcmode="lin" valueType="num">
+                                      <p:cBhvr>
+                                        <p:cTn id="24" dur="500" fill="hold"/>
+                                        <p:tgtEl>
+                                          <p:spTgt spid="44"/>
+                                        </p:tgtEl>
+                                        <p:attrNameLst>
+                                          <p:attrName>ppt_h</p:attrName>
+                                        </p:attrNameLst>
+                                      </p:cBhvr>
+                                      <p:tavLst>
+                                        <p:tav tm="0">
+                                          <p:val>
+                                            <p:fltVal val="0"/>
+                                          </p:val>
+                                        </p:tav>
+                                        <p:tav tm="100000">
+                                          <p:val>
+                                            <p:strVal val="#ppt_h"/>
+                                          </p:val>
+                                        </p:tav>
+                                      </p:tavLst>
+                                    </p:anim>
+                                    <p:anim calcmode="lin" valueType="num">
+                                      <p:cBhvr>
+                                        <p:cTn id="25" dur="500" fill="hold"/>
+                                        <p:tgtEl>
+                                          <p:spTgt spid="44"/>
+                                        </p:tgtEl>
+                                        <p:attrNameLst>
+                                          <p:attrName>style.rotation</p:attrName>
+                                        </p:attrNameLst>
+                                      </p:cBhvr>
+                                      <p:tavLst>
+                                        <p:tav tm="0">
+                                          <p:val>
+                                            <p:fltVal val="360"/>
+                                          </p:val>
+                                        </p:tav>
+                                        <p:tav tm="100000">
+                                          <p:val>
+                                            <p:fltVal val="0"/>
+                                          </p:val>
+                                        </p:tav>
+                                      </p:tavLst>
+                                    </p:anim>
+                                    <p:animEffect transition="in" filter="fade">
+                                      <p:cBhvr>
+                                        <p:cTn id="26" dur="500"/>
+                                        <p:tgtEl>
+                                          <p:spTgt spid="44"/>
+                                        </p:tgtEl>
+                                      </p:cBhvr>
+                                    </p:animEffect>
+                                  </p:childTnLst>
+                                </p:cTn>
+                              </p:par>
+                              <p:par>
+                                <p:cTn id="27" presetID="22" presetClass="entr" presetSubtype="1" fill="hold" grpId="0" nodeType="withEffect">
+                                  <p:stCondLst>
+                                    <p:cond delay="0"/>
+                                  </p:stCondLst>
+                                  <p:childTnLst>
+                                    <p:set>
+                                      <p:cBhvr>
+                                        <p:cTn id="28" dur="1" fill="hold">
+                                          <p:stCondLst>
+                                            <p:cond delay="0"/>
+                                          </p:stCondLst>
+                                        </p:cTn>
+                                        <p:tgtEl>
+                                          <p:spTgt spid="13"/>
+                                        </p:tgtEl>
+                                        <p:attrNameLst>
+                                          <p:attrName>style.visibility</p:attrName>
+                                        </p:attrNameLst>
+                                      </p:cBhvr>
+                                      <p:to>
+                                        <p:strVal val="visible"/>
+                                      </p:to>
+                                    </p:set>
+                                    <p:animEffect transition="in" filter="wipe(up)">
+                                      <p:cBhvr>
+                                        <p:cTn id="29" dur="500"/>
+                                        <p:tgtEl>
+                                          <p:spTgt spid="13"/>
+                                        </p:tgtEl>
+                                      </p:cBhvr>
+                                    </p:animEffect>
+                                  </p:childTnLst>
+                                </p:cTn>
+                              </p:par>
+                            </p:childTnLst>
+                          </p:cTn>
+                        </p:par>
+                      </p:childTnLst>
+                    </p:cTn>
+                  </p:par>
+                  <p:par>
+                    <p:cTn id="30" fill="hold">
+                      <p:stCondLst>
+                        <p:cond delay="indefinite"/>
+                      </p:stCondLst>
+                      <p:childTnLst>
+                        <p:par>
+                          <p:cTn id="31" fill="hold">
+                            <p:stCondLst>
+                              <p:cond delay="0"/>
+                            </p:stCondLst>
+                            <p:childTnLst>
+                              <p:par>
+                                <p:cTn id="32" presetID="49" presetClass="entr" presetSubtype="0" decel="100000" fill="hold" grpId="0" nodeType="clickEffect">
+                                  <p:stCondLst>
+                                    <p:cond delay="0"/>
+                                  </p:stCondLst>
+                                  <p:childTnLst>
+                                    <p:set>
+                                      <p:cBhvr>
+                                        <p:cTn id="33" dur="1" fill="hold">
+                                          <p:stCondLst>
+                                            <p:cond delay="0"/>
+                                          </p:stCondLst>
+                                        </p:cTn>
+                                        <p:tgtEl>
+                                          <p:spTgt spid="45"/>
+                                        </p:tgtEl>
+                                        <p:attrNameLst>
+                                          <p:attrName>style.visibility</p:attrName>
+                                        </p:attrNameLst>
+                                      </p:cBhvr>
+                                      <p:to>
+                                        <p:strVal val="visible"/>
+                                      </p:to>
+                                    </p:set>
+                                    <p:anim calcmode="lin" valueType="num">
+                                      <p:cBhvr>
+                                        <p:cTn id="34" dur="500" fill="hold"/>
+                                        <p:tgtEl>
+                                          <p:spTgt spid="45"/>
+                                        </p:tgtEl>
+                                        <p:attrNameLst>
+                                          <p:attrName>ppt_w</p:attrName>
+                                        </p:attrNameLst>
+                                      </p:cBhvr>
+                                      <p:tavLst>
+                                        <p:tav tm="0">
+                                          <p:val>
+                                            <p:fltVal val="0"/>
+                                          </p:val>
+                                        </p:tav>
+                                        <p:tav tm="100000">
+                                          <p:val>
+                                            <p:strVal val="#ppt_w"/>
+                                          </p:val>
+                                        </p:tav>
+                                      </p:tavLst>
+                                    </p:anim>
+                                    <p:anim calcmode="lin" valueType="num">
+                                      <p:cBhvr>
+                                        <p:cTn id="35" dur="500" fill="hold"/>
+                                        <p:tgtEl>
+                                          <p:spTgt spid="45"/>
+                                        </p:tgtEl>
+                                        <p:attrNameLst>
+                                          <p:attrName>ppt_h</p:attrName>
+                                        </p:attrNameLst>
+                                      </p:cBhvr>
+                                      <p:tavLst>
+                                        <p:tav tm="0">
+                                          <p:val>
+                                            <p:fltVal val="0"/>
+                                          </p:val>
+                                        </p:tav>
+                                        <p:tav tm="100000">
+                                          <p:val>
+                                            <p:strVal val="#ppt_h"/>
+                                          </p:val>
+                                        </p:tav>
+                                      </p:tavLst>
+                                    </p:anim>
+                                    <p:anim calcmode="lin" valueType="num">
+                                      <p:cBhvr>
+                                        <p:cTn id="36" dur="500" fill="hold"/>
+                                        <p:tgtEl>
+                                          <p:spTgt spid="45"/>
+                                        </p:tgtEl>
+                                        <p:attrNameLst>
+                                          <p:attrName>style.rotation</p:attrName>
+                                        </p:attrNameLst>
+                                      </p:cBhvr>
+                                      <p:tavLst>
+                                        <p:tav tm="0">
+                                          <p:val>
+                                            <p:fltVal val="360"/>
+                                          </p:val>
+                                        </p:tav>
+                                        <p:tav tm="100000">
+                                          <p:val>
+                                            <p:fltVal val="0"/>
+                                          </p:val>
+                                        </p:tav>
+                                      </p:tavLst>
+                                    </p:anim>
+                                    <p:animEffect transition="in" filter="fade">
+                                      <p:cBhvr>
+                                        <p:cTn id="37" dur="500"/>
+                                        <p:tgtEl>
+                                          <p:spTgt spid="45"/>
+                                        </p:tgtEl>
+                                      </p:cBhvr>
+                                    </p:animEffect>
+                                  </p:childTnLst>
+                                </p:cTn>
+                              </p:par>
+                              <p:par>
+                                <p:cTn id="38" presetID="22" presetClass="entr" presetSubtype="1" fill="hold" grpId="0" nodeType="withEffect">
+                                  <p:stCondLst>
+                                    <p:cond delay="0"/>
+                                  </p:stCondLst>
+                                  <p:childTnLst>
+                                    <p:set>
+                                      <p:cBhvr>
+                                        <p:cTn id="39" dur="1" fill="hold">
+                                          <p:stCondLst>
+                                            <p:cond delay="0"/>
+                                          </p:stCondLst>
+                                        </p:cTn>
+                                        <p:tgtEl>
+                                          <p:spTgt spid="14"/>
+                                        </p:tgtEl>
+                                        <p:attrNameLst>
+                                          <p:attrName>style.visibility</p:attrName>
+                                        </p:attrNameLst>
+                                      </p:cBhvr>
+                                      <p:to>
+                                        <p:strVal val="visible"/>
+                                      </p:to>
+                                    </p:set>
+                                    <p:animEffect transition="in" filter="wipe(up)">
+                                      <p:cBhvr>
+                                        <p:cTn id="40" dur="500"/>
+                                        <p:tgtEl>
+                                          <p:spTgt spid="14"/>
+                                        </p:tgtEl>
+                                      </p:cBhvr>
+                                    </p:animEffect>
+                                  </p:childTnLst>
+                                </p:cTn>
+                              </p:par>
+                            </p:childTnLst>
+                          </p:cTn>
+                        </p:par>
+                      </p:childTnLst>
+                    </p:cTn>
+                  </p:par>
+                  <p:par>
+                    <p:cTn id="41" fill="hold">
+                      <p:stCondLst>
+                        <p:cond delay="indefinite"/>
+                      </p:stCondLst>
+                      <p:childTnLst>
+                        <p:par>
+                          <p:cTn id="42" fill="hold">
+                            <p:stCondLst>
+                              <p:cond delay="0"/>
+                            </p:stCondLst>
+                            <p:childTnLst>
+                              <p:par>
+                                <p:cTn id="43" presetID="49" presetClass="entr" presetSubtype="0" decel="100000" fill="hold" grpId="0" nodeType="clickEffect">
+                                  <p:stCondLst>
+                                    <p:cond delay="0"/>
+                                  </p:stCondLst>
+                                  <p:childTnLst>
+                                    <p:set>
+                                      <p:cBhvr>
+                                        <p:cTn id="44" dur="1" fill="hold">
+                                          <p:stCondLst>
+                                            <p:cond delay="0"/>
+                                          </p:stCondLst>
+                                        </p:cTn>
+                                        <p:tgtEl>
+                                          <p:spTgt spid="46"/>
+                                        </p:tgtEl>
+                                        <p:attrNameLst>
+                                          <p:attrName>style.visibility</p:attrName>
+                                        </p:attrNameLst>
+                                      </p:cBhvr>
+                                      <p:to>
+                                        <p:strVal val="visible"/>
+                                      </p:to>
+                                    </p:set>
+                                    <p:anim calcmode="lin" valueType="num">
+                                      <p:cBhvr>
+                                        <p:cTn id="45" dur="500" fill="hold"/>
+                                        <p:tgtEl>
+                                          <p:spTgt spid="46"/>
+                                        </p:tgtEl>
+                                        <p:attrNameLst>
+                                          <p:attrName>ppt_w</p:attrName>
+                                        </p:attrNameLst>
+                                      </p:cBhvr>
+                                      <p:tavLst>
+                                        <p:tav tm="0">
+                                          <p:val>
+                                            <p:fltVal val="0"/>
+                                          </p:val>
+                                        </p:tav>
+                                        <p:tav tm="100000">
+                                          <p:val>
+                                            <p:strVal val="#ppt_w"/>
+                                          </p:val>
+                                        </p:tav>
+                                      </p:tavLst>
+                                    </p:anim>
+                                    <p:anim calcmode="lin" valueType="num">
+                                      <p:cBhvr>
+                                        <p:cTn id="46" dur="500" fill="hold"/>
+                                        <p:tgtEl>
+                                          <p:spTgt spid="46"/>
+                                        </p:tgtEl>
+                                        <p:attrNameLst>
+                                          <p:attrName>ppt_h</p:attrName>
+                                        </p:attrNameLst>
+                                      </p:cBhvr>
+                                      <p:tavLst>
+                                        <p:tav tm="0">
+                                          <p:val>
+                                            <p:fltVal val="0"/>
+                                          </p:val>
+                                        </p:tav>
+                                        <p:tav tm="100000">
+                                          <p:val>
+                                            <p:strVal val="#ppt_h"/>
+                                          </p:val>
+                                        </p:tav>
+                                      </p:tavLst>
+                                    </p:anim>
+                                    <p:anim calcmode="lin" valueType="num">
+                                      <p:cBhvr>
+                                        <p:cTn id="47" dur="500" fill="hold"/>
+                                        <p:tgtEl>
+                                          <p:spTgt spid="46"/>
+                                        </p:tgtEl>
+                                        <p:attrNameLst>
+                                          <p:attrName>style.rotation</p:attrName>
+                                        </p:attrNameLst>
+                                      </p:cBhvr>
+                                      <p:tavLst>
+                                        <p:tav tm="0">
+                                          <p:val>
+                                            <p:fltVal val="360"/>
+                                          </p:val>
+                                        </p:tav>
+                                        <p:tav tm="100000">
+                                          <p:val>
+                                            <p:fltVal val="0"/>
+                                          </p:val>
+                                        </p:tav>
+                                      </p:tavLst>
+                                    </p:anim>
+                                    <p:animEffect transition="in" filter="fade">
+                                      <p:cBhvr>
+                                        <p:cTn id="48" dur="500"/>
+                                        <p:tgtEl>
+                                          <p:spTgt spid="46"/>
+                                        </p:tgtEl>
+                                      </p:cBhvr>
+                                    </p:animEffect>
+                                  </p:childTnLst>
+                                </p:cTn>
+                              </p:par>
+                              <p:par>
+                                <p:cTn id="49" presetID="22" presetClass="entr" presetSubtype="1" fill="hold" grpId="0" nodeType="withEffect">
+                                  <p:stCondLst>
+                                    <p:cond delay="0"/>
+                                  </p:stCondLst>
+                                  <p:childTnLst>
+                                    <p:set>
+                                      <p:cBhvr>
+                                        <p:cTn id="50" dur="1" fill="hold">
+                                          <p:stCondLst>
+                                            <p:cond delay="0"/>
+                                          </p:stCondLst>
+                                        </p:cTn>
+                                        <p:tgtEl>
+                                          <p:spTgt spid="15"/>
+                                        </p:tgtEl>
+                                        <p:attrNameLst>
+                                          <p:attrName>style.visibility</p:attrName>
+                                        </p:attrNameLst>
+                                      </p:cBhvr>
+                                      <p:to>
+                                        <p:strVal val="visible"/>
+                                      </p:to>
+                                    </p:set>
+                                    <p:animEffect transition="in" filter="wipe(up)">
+                                      <p:cBhvr>
+                                        <p:cTn id="51" dur="500"/>
+                                        <p:tgtEl>
+                                          <p:spTgt spid="15"/>
+                                        </p:tgtEl>
+                                      </p:cBhvr>
+                                    </p:animEffect>
+                                  </p:childTnLst>
+                                </p:cTn>
+                              </p:par>
+                            </p:childTnLst>
+                          </p:cTn>
+                        </p:par>
+                      </p:childTnLst>
+                    </p:cTn>
+                  </p:par>
+                  <p:par>
+                    <p:cTn id="52" fill="hold">
+                      <p:stCondLst>
+                        <p:cond delay="indefinite"/>
+                      </p:stCondLst>
+                      <p:childTnLst>
+                        <p:par>
+                          <p:cTn id="53" fill="hold">
+                            <p:stCondLst>
+                              <p:cond delay="0"/>
+                            </p:stCondLst>
+                            <p:childTnLst>
+                              <p:par>
+                                <p:cTn id="54" presetID="49" presetClass="entr" presetSubtype="0" decel="100000" fill="hold" grpId="0" nodeType="clickEffect">
+                                  <p:stCondLst>
+                                    <p:cond delay="0"/>
+                                  </p:stCondLst>
+                                  <p:childTnLst>
+                                    <p:set>
+                                      <p:cBhvr>
+                                        <p:cTn id="55" dur="1" fill="hold">
+                                          <p:stCondLst>
+                                            <p:cond delay="0"/>
+                                          </p:stCondLst>
+                                        </p:cTn>
+                                        <p:tgtEl>
+                                          <p:spTgt spid="16"/>
+                                        </p:tgtEl>
+                                        <p:attrNameLst>
+                                          <p:attrName>style.visibility</p:attrName>
+                                        </p:attrNameLst>
+                                      </p:cBhvr>
+                                      <p:to>
+                                        <p:strVal val="visible"/>
+                                      </p:to>
+                                    </p:set>
+                                    <p:anim calcmode="lin" valueType="num">
+                                      <p:cBhvr>
+                                        <p:cTn id="56" dur="500" fill="hold"/>
+                                        <p:tgtEl>
+                                          <p:spTgt spid="16"/>
+                                        </p:tgtEl>
+                                        <p:attrNameLst>
+                                          <p:attrName>ppt_w</p:attrName>
+                                        </p:attrNameLst>
+                                      </p:cBhvr>
+                                      <p:tavLst>
+                                        <p:tav tm="0">
+                                          <p:val>
+                                            <p:fltVal val="0"/>
+                                          </p:val>
+                                        </p:tav>
+                                        <p:tav tm="100000">
+                                          <p:val>
+                                            <p:strVal val="#ppt_w"/>
+                                          </p:val>
+                                        </p:tav>
+                                      </p:tavLst>
+                                    </p:anim>
+                                    <p:anim calcmode="lin" valueType="num">
+                                      <p:cBhvr>
+                                        <p:cTn id="57" dur="500" fill="hold"/>
+                                        <p:tgtEl>
+                                          <p:spTgt spid="16"/>
+                                        </p:tgtEl>
+                                        <p:attrNameLst>
+                                          <p:attrName>ppt_h</p:attrName>
+                                        </p:attrNameLst>
+                                      </p:cBhvr>
+                                      <p:tavLst>
+                                        <p:tav tm="0">
+                                          <p:val>
+                                            <p:fltVal val="0"/>
+                                          </p:val>
+                                        </p:tav>
+                                        <p:tav tm="100000">
+                                          <p:val>
+                                            <p:strVal val="#ppt_h"/>
+                                          </p:val>
+                                        </p:tav>
+                                      </p:tavLst>
+                                    </p:anim>
+                                    <p:anim calcmode="lin" valueType="num">
+                                      <p:cBhvr>
+                                        <p:cTn id="58" dur="500" fill="hold"/>
+                                        <p:tgtEl>
+                                          <p:spTgt spid="16"/>
+                                        </p:tgtEl>
+                                        <p:attrNameLst>
+                                          <p:attrName>style.rotation</p:attrName>
+                                        </p:attrNameLst>
+                                      </p:cBhvr>
+                                      <p:tavLst>
+                                        <p:tav tm="0">
+                                          <p:val>
+                                            <p:fltVal val="360"/>
+                                          </p:val>
+                                        </p:tav>
+                                        <p:tav tm="100000">
+                                          <p:val>
+                                            <p:fltVal val="0"/>
+                                          </p:val>
+                                        </p:tav>
+                                      </p:tavLst>
+                                    </p:anim>
+                                    <p:animEffect transition="in" filter="fade">
+                                      <p:cBhvr>
+                                        <p:cTn id="59" dur="500"/>
+                                        <p:tgtEl>
+                                          <p:spTgt spid="16"/>
+                                        </p:tgtEl>
+                                      </p:cBhvr>
+                                    </p:animEffect>
+                                  </p:childTnLst>
+                                </p:cTn>
+                              </p:par>
+                              <p:par>
+                                <p:cTn id="60" presetID="22" presetClass="entr" presetSubtype="1" fill="hold" grpId="0" nodeType="withEffect">
+                                  <p:stCondLst>
+                                    <p:cond delay="0"/>
+                                  </p:stCondLst>
+                                  <p:childTnLst>
+                                    <p:set>
+                                      <p:cBhvr>
+                                        <p:cTn id="61" dur="1" fill="hold">
+                                          <p:stCondLst>
+                                            <p:cond delay="0"/>
+                                          </p:stCondLst>
+                                        </p:cTn>
+                                        <p:tgtEl>
+                                          <p:spTgt spid="17"/>
+                                        </p:tgtEl>
+                                        <p:attrNameLst>
+                                          <p:attrName>style.visibility</p:attrName>
+                                        </p:attrNameLst>
+                                      </p:cBhvr>
+                                      <p:to>
+                                        <p:strVal val="visible"/>
+                                      </p:to>
+                                    </p:set>
+                                    <p:animEffect transition="in" filter="wipe(up)">
+                                      <p:cBhvr>
+                                        <p:cTn id="62" dur="500"/>
+                                        <p:tgtEl>
+                                          <p:spTgt spid="17"/>
+                                        </p:tgtEl>
+                                      </p:cBhvr>
+                                    </p:animEffect>
+                                  </p:childTnLst>
+                                </p:cTn>
+                              </p:par>
+                            </p:childTnLst>
+                          </p:cTn>
+                        </p:par>
+                      </p:childTnLst>
+                    </p:cTn>
+                  </p:par>
+                </p:childTnLst>
+              </p:cTn>
+              <p:prevCondLst>
+                <p:cond evt="onPrev" delay="0">
+                  <p:tgtEl>
+                    <p:sldTgt/>
+                  </p:tgtEl>
+                </p:cond>
+              </p:prevCondLst>
+              <p:nextCondLst>
+                <p:cond evt="onNext" delay="0">
+                  <p:tgtEl>
+                    <p:sldTgt/>
+                  </p:tgtEl>
+                </p:cond>
+              </p:nextCondLst>
+            </p:seq>
+          </p:childTnLst>
+        </p:cTn>
+      </p:par>
+    </p:tnLst>
+    <p:bldLst>
+      <p:bldP spid="46" grpId="0" animBg="1"/>
+      <p:bldP spid="45" grpId="0" animBg="1"/>
+      <p:bldP spid="44" grpId="0" animBg="1"/>
+      <p:bldP spid="11" grpId="0" animBg="1"/>
+      <p:bldP spid="25" grpId="0"/>
+      <p:bldP spid="26" grpId="0"/>
+      <p:bldP spid="13" grpId="0"/>
+      <p:bldP spid="14" grpId="0"/>
+      <p:bldP spid="15" grpId="0"/>
+      <p:bldP spid="16" grpId="0" animBg="1"/>
+      <p:bldP spid="17" grpId="0"/>
+    </p:bldLst>
+  </p:timing>
+</p:sld>
+</file>
+
+<file path=ppt/slides/slide5.xml><?xml version="1.0" encoding="utf-8"?>
+<p:sld xmlns:a="http://schemas.openxmlformats.org/drawingml/2006/main" xmlns:r="http://schemas.openxmlformats.org/officeDocument/2006/relationships" xmlns:p="http://schemas.openxmlformats.org/presentationml/2006/main">
+  <p:cSld>
+    <p:spTree>
+      <p:nvGrpSpPr>
+        <p:cNvPr id="1" name=""/>
+        <p:cNvGrpSpPr/>
+        <p:nvPr/>
+      </p:nvGrpSpPr>
+      <p:grpSpPr>
+        <a:xfrm>
+          <a:off x="0" y="0"/>
+          <a:ext cx="0" cy="0"/>
+          <a:chOff x="0" y="0"/>
+          <a:chExt cx="0" cy="0"/>
+        </a:xfrm>
+      </p:grpSpPr>
+      <p:sp>
+        <p:nvSpPr>
+          <p:cNvPr id="46" name="Teardrop 45"/>
+          <p:cNvSpPr/>
+          <p:nvPr/>
+        </p:nvSpPr>
+        <p:spPr>
+          <a:xfrm rot="2720395">
+            <a:off x="3416066" y="4395570"/>
+            <a:ext cx="360000" cy="360000"/>
+          </a:xfrm>
+          <a:prstGeom prst="teardrop">
+            <a:avLst/>
+          </a:prstGeom>
+          <a:solidFill>
+            <a:srgbClr val="D34132"/>
+          </a:solidFill>
+          <a:ln>
+            <a:noFill/>
+          </a:ln>
+          <a:effectLst>
+            <a:outerShdw blurRad="50800" dist="38100" algn="l" rotWithShape="0">
+              <a:prstClr val="black">
+                <a:alpha val="40000"/>
+              </a:prstClr>
+            </a:outerShdw>
+          </a:effectLst>
+        </p:spPr>
+        <p:style>
+          <a:lnRef idx="2">
+            <a:schemeClr val="accent1">
+              <a:shade val="50000"/>
+            </a:schemeClr>
+          </a:lnRef>
+          <a:fillRef idx="1">
+            <a:schemeClr val="accent1"/>
+          </a:fillRef>
+          <a:effectRef idx="0">
+            <a:schemeClr val="accent1"/>
+          </a:effectRef>
+          <a:fontRef idx="minor">
+            <a:schemeClr val="lt1"/>
+          </a:fontRef>
+        </p:style>
+        <p:txBody>
+          <a:bodyPr rtlCol="0" anchor="ctr"/>
+          <a:lstStyle/>
+          <a:p>
+            <a:pPr algn="ctr"/>
+            <a:endParaRPr lang="en-US"/>
+          </a:p>
+        </p:txBody>
+      </p:sp>
+      <p:sp>
+        <p:nvSpPr>
+          <p:cNvPr id="45" name="Teardrop 44"/>
+          <p:cNvSpPr/>
+          <p:nvPr/>
+        </p:nvSpPr>
+        <p:spPr>
+          <a:xfrm rot="2720395">
+            <a:off x="3420980" y="3467920"/>
+            <a:ext cx="360000" cy="360000"/>
+          </a:xfrm>
+          <a:prstGeom prst="teardrop">
+            <a:avLst/>
+          </a:prstGeom>
+          <a:solidFill>
+            <a:srgbClr val="EF9D27"/>
+          </a:solidFill>
+          <a:ln>
+            <a:noFill/>
+          </a:ln>
+          <a:effectLst>
+            <a:outerShdw blurRad="50800" dist="38100" algn="l" rotWithShape="0">
+              <a:prstClr val="black">
+                <a:alpha val="40000"/>
+              </a:prstClr>
+            </a:outerShdw>
+          </a:effectLst>
+        </p:spPr>
+        <p:style>
+          <a:lnRef idx="2">
+            <a:schemeClr val="accent1">
+              <a:shade val="50000"/>
+            </a:schemeClr>
+          </a:lnRef>
+          <a:fillRef idx="1">
+            <a:schemeClr val="accent1"/>
+          </a:fillRef>
+          <a:effectRef idx="0">
+            <a:schemeClr val="accent1"/>
+          </a:effectRef>
+          <a:fontRef idx="minor">
+            <a:schemeClr val="lt1"/>
+          </a:fontRef>
+        </p:style>
+        <p:txBody>
+          <a:bodyPr rtlCol="0" anchor="ctr"/>
+          <a:lstStyle/>
+          <a:p>
+            <a:pPr algn="ctr"/>
+            <a:endParaRPr lang="en-US"/>
+          </a:p>
+        </p:txBody>
+      </p:sp>
+      <p:sp>
+        <p:nvSpPr>
+          <p:cNvPr id="44" name="Teardrop 43"/>
+          <p:cNvSpPr/>
+          <p:nvPr/>
+        </p:nvSpPr>
+        <p:spPr>
+          <a:xfrm rot="2720395">
+            <a:off x="3416066" y="2538039"/>
+            <a:ext cx="360000" cy="360000"/>
+          </a:xfrm>
+          <a:prstGeom prst="teardrop">
+            <a:avLst/>
+          </a:prstGeom>
+          <a:solidFill>
+            <a:srgbClr val="189A80"/>
+          </a:solidFill>
+          <a:ln>
+            <a:noFill/>
+          </a:ln>
+          <a:effectLst>
+            <a:outerShdw blurRad="50800" dist="38100" algn="l" rotWithShape="0">
+              <a:prstClr val="black">
+                <a:alpha val="40000"/>
+              </a:prstClr>
+            </a:outerShdw>
+          </a:effectLst>
+        </p:spPr>
+        <p:style>
+          <a:lnRef idx="2">
+            <a:schemeClr val="accent1">
+              <a:shade val="50000"/>
+            </a:schemeClr>
+          </a:lnRef>
+          <a:fillRef idx="1">
+            <a:schemeClr val="accent1"/>
+          </a:fillRef>
+          <a:effectRef idx="0">
+            <a:schemeClr val="accent1"/>
+          </a:effectRef>
+          <a:fontRef idx="minor">
+            <a:schemeClr val="lt1"/>
+          </a:fontRef>
+        </p:style>
+        <p:txBody>
+          <a:bodyPr rtlCol="0" anchor="ctr"/>
+          <a:lstStyle/>
+          <a:p>
+            <a:pPr algn="ctr"/>
+            <a:endParaRPr lang="en-US"/>
+          </a:p>
+        </p:txBody>
+      </p:sp>
+      <p:sp>
+        <p:nvSpPr>
+          <p:cNvPr id="11" name="Teardrop 10"/>
+          <p:cNvSpPr/>
+          <p:nvPr/>
+        </p:nvSpPr>
+        <p:spPr>
+          <a:xfrm rot="2720395">
+            <a:off x="3416063" y="1480268"/>
+            <a:ext cx="360000" cy="360000"/>
+          </a:xfrm>
+          <a:prstGeom prst="teardrop">
+            <a:avLst/>
+          </a:prstGeom>
+          <a:solidFill>
+            <a:srgbClr val="34738D"/>
+          </a:solidFill>
+          <a:ln>
+            <a:noFill/>
+          </a:ln>
+          <a:effectLst>
+            <a:outerShdw blurRad="50800" dist="38100" algn="l" rotWithShape="0">
+              <a:prstClr val="black">
+                <a:alpha val="40000"/>
+              </a:prstClr>
+            </a:outerShdw>
+          </a:effectLst>
+        </p:spPr>
+        <p:style>
+          <a:lnRef idx="2">
+            <a:schemeClr val="accent1">
+              <a:shade val="50000"/>
+            </a:schemeClr>
+          </a:lnRef>
+          <a:fillRef idx="1">
+            <a:schemeClr val="accent1"/>
+          </a:fillRef>
+          <a:effectRef idx="0">
+            <a:schemeClr val="accent1"/>
+          </a:effectRef>
+          <a:fontRef idx="minor">
+            <a:schemeClr val="lt1"/>
+          </a:fontRef>
+        </p:style>
+        <p:txBody>
+          <a:bodyPr rtlCol="0" anchor="ctr"/>
+          <a:lstStyle/>
+          <a:p>
+            <a:pPr algn="ctr"/>
+            <a:endParaRPr lang="en-US"/>
+          </a:p>
+        </p:txBody>
+      </p:sp>
+      <p:sp>
+        <p:nvSpPr>
+          <p:cNvPr id="25" name="TextBox 24"/>
+          <p:cNvSpPr txBox="1"/>
+          <p:nvPr/>
+        </p:nvSpPr>
+        <p:spPr>
+          <a:xfrm>
+            <a:off x="3341511" y="241450"/>
+            <a:ext cx="5508978" cy="769441"/>
+          </a:xfrm>
+          <a:prstGeom prst="rect">
+            <a:avLst/>
+          </a:prstGeom>
+          <a:noFill/>
+        </p:spPr>
+        <p:txBody>
+          <a:bodyPr wrap="square" rtlCol="0">
+            <a:spAutoFit/>
+          </a:bodyPr>
+          <a:lstStyle/>
+          <a:p>
+            <a:pPr algn="ctr"/>
+            <a:r>
+              <a:rPr lang="en-US" sz="4400" b="1" dirty="0" err="1">
+                <a:latin typeface="Candara" panose="020E0502030303020204" pitchFamily="34" charset="0"/>
+              </a:rPr>
+              <a:t>Soluzioni</a:t>
+            </a:r>
+            <a:endParaRPr lang="en-US" sz="4400" b="1" dirty="0">
+              <a:latin typeface="Candara" panose="020E0502030303020204" pitchFamily="34" charset="0"/>
+            </a:endParaRPr>
+          </a:p>
+        </p:txBody>
+      </p:sp>
+      <p:sp>
+        <p:nvSpPr>
+          <p:cNvPr id="26" name="TextBox 25"/>
+          <p:cNvSpPr txBox="1"/>
+          <p:nvPr/>
+        </p:nvSpPr>
+        <p:spPr>
+          <a:xfrm>
+            <a:off x="3795778" y="1287858"/>
+            <a:ext cx="5256123" cy="1114151"/>
+          </a:xfrm>
+          <a:prstGeom prst="rect">
+            <a:avLst/>
+          </a:prstGeom>
+          <a:noFill/>
+        </p:spPr>
+        <p:txBody>
+          <a:bodyPr wrap="square" rtlCol="0">
+            <a:spAutoFit/>
+          </a:bodyPr>
+          <a:lstStyle/>
+          <a:p>
+            <a:pPr algn="ctr" defTabSz="1219170">
+              <a:spcBef>
+                <a:spcPct val="20000"/>
+              </a:spcBef>
+              <a:defRPr/>
+            </a:pPr>
+            <a:r>
+              <a:rPr lang="en-US" sz="1600" b="1" dirty="0" err="1">
+                <a:solidFill>
+                  <a:srgbClr val="34738D"/>
+                </a:solidFill>
+                <a:latin typeface="Candara" panose="020E0502030303020204" pitchFamily="34" charset="0"/>
+              </a:rPr>
+              <a:t>Calcolo</a:t>
+            </a:r>
+            <a:r>
+              <a:rPr lang="en-US" sz="1600" b="1" dirty="0">
+                <a:solidFill>
+                  <a:srgbClr val="34738D"/>
+                </a:solidFill>
+                <a:latin typeface="Candara" panose="020E0502030303020204" pitchFamily="34" charset="0"/>
+              </a:rPr>
+              <a:t> di C_T</a:t>
+            </a:r>
+          </a:p>
+          <a:p>
+            <a:pPr algn="ctr" defTabSz="1219170">
+              <a:spcBef>
+                <a:spcPct val="20000"/>
+              </a:spcBef>
+              <a:defRPr/>
+            </a:pPr>
+            <a:r>
+              <a:rPr lang="en-US" sz="1200" dirty="0">
+                <a:solidFill>
+                  <a:schemeClr val="bg2">
+                    <a:lumMod val="10000"/>
+                  </a:schemeClr>
+                </a:solidFill>
+                <a:latin typeface="Candara" panose="020E0502030303020204" pitchFamily="34" charset="0"/>
+              </a:rPr>
+              <a:t>Dal </a:t>
+            </a:r>
+            <a:r>
+              <a:rPr lang="en-US" sz="1200" dirty="0" err="1">
+                <a:solidFill>
+                  <a:schemeClr val="bg2">
+                    <a:lumMod val="10000"/>
+                  </a:schemeClr>
+                </a:solidFill>
+                <a:latin typeface="Candara" panose="020E0502030303020204" pitchFamily="34" charset="0"/>
+              </a:rPr>
+              <a:t>momento</a:t>
+            </a:r>
+            <a:r>
+              <a:rPr lang="en-US" sz="1200" dirty="0">
+                <a:solidFill>
+                  <a:schemeClr val="bg2">
+                    <a:lumMod val="10000"/>
+                  </a:schemeClr>
+                </a:solidFill>
+                <a:latin typeface="Candara" panose="020E0502030303020204" pitchFamily="34" charset="0"/>
+              </a:rPr>
+              <a:t> </a:t>
+            </a:r>
+            <a:r>
+              <a:rPr lang="en-US" sz="1200" dirty="0" err="1">
+                <a:solidFill>
+                  <a:schemeClr val="bg2">
+                    <a:lumMod val="10000"/>
+                  </a:schemeClr>
+                </a:solidFill>
+                <a:latin typeface="Candara" panose="020E0502030303020204" pitchFamily="34" charset="0"/>
+              </a:rPr>
+              <a:t>che</a:t>
+            </a:r>
+            <a:r>
+              <a:rPr lang="en-US" sz="1200" dirty="0">
+                <a:solidFill>
+                  <a:schemeClr val="bg2">
+                    <a:lumMod val="10000"/>
+                  </a:schemeClr>
+                </a:solidFill>
+                <a:latin typeface="Candara" panose="020E0502030303020204" pitchFamily="34" charset="0"/>
+              </a:rPr>
+              <a:t> la </a:t>
+            </a:r>
+            <a:r>
+              <a:rPr lang="en-US" sz="1200" dirty="0" err="1">
+                <a:solidFill>
+                  <a:schemeClr val="bg2">
+                    <a:lumMod val="10000"/>
+                  </a:schemeClr>
+                </a:solidFill>
+                <a:latin typeface="Candara" panose="020E0502030303020204" pitchFamily="34" charset="0"/>
+              </a:rPr>
+              <a:t>presenza</a:t>
+            </a:r>
+            <a:r>
+              <a:rPr lang="en-US" sz="1200" dirty="0">
+                <a:solidFill>
+                  <a:schemeClr val="bg2">
+                    <a:lumMod val="10000"/>
+                  </a:schemeClr>
+                </a:solidFill>
+                <a:latin typeface="Candara" panose="020E0502030303020204" pitchFamily="34" charset="0"/>
+              </a:rPr>
+              <a:t> di </a:t>
+            </a:r>
+            <a:r>
+              <a:rPr lang="en-US" sz="1200" dirty="0" err="1">
+                <a:solidFill>
+                  <a:schemeClr val="bg2">
+                    <a:lumMod val="10000"/>
+                  </a:schemeClr>
+                </a:solidFill>
+                <a:latin typeface="Candara" panose="020E0502030303020204" pitchFamily="34" charset="0"/>
+              </a:rPr>
+              <a:t>eventuali</a:t>
+            </a:r>
+            <a:r>
+              <a:rPr lang="en-US" sz="1200" dirty="0">
+                <a:solidFill>
+                  <a:schemeClr val="bg2">
+                    <a:lumMod val="10000"/>
+                  </a:schemeClr>
+                </a:solidFill>
+                <a:latin typeface="Candara" panose="020E0502030303020204" pitchFamily="34" charset="0"/>
+              </a:rPr>
+              <a:t> numeri </a:t>
+            </a:r>
+            <a:r>
+              <a:rPr lang="en-US" sz="1200" dirty="0" err="1">
+                <a:solidFill>
+                  <a:schemeClr val="bg2">
+                    <a:lumMod val="10000"/>
+                  </a:schemeClr>
+                </a:solidFill>
+                <a:latin typeface="Candara" panose="020E0502030303020204" pitchFamily="34" charset="0"/>
+              </a:rPr>
+              <a:t>negativi</a:t>
+            </a:r>
+            <a:r>
+              <a:rPr lang="en-US" sz="1200" dirty="0">
+                <a:solidFill>
+                  <a:schemeClr val="bg2">
+                    <a:lumMod val="10000"/>
+                  </a:schemeClr>
+                </a:solidFill>
+                <a:latin typeface="Candara" panose="020E0502030303020204" pitchFamily="34" charset="0"/>
+              </a:rPr>
+              <a:t> non </a:t>
+            </a:r>
+            <a:r>
+              <a:rPr lang="en-US" sz="1200" dirty="0" err="1">
+                <a:solidFill>
+                  <a:schemeClr val="bg2">
+                    <a:lumMod val="10000"/>
+                  </a:schemeClr>
+                </a:solidFill>
+                <a:latin typeface="Candara" panose="020E0502030303020204" pitchFamily="34" charset="0"/>
+              </a:rPr>
+              <a:t>influiva</a:t>
+            </a:r>
+            <a:r>
+              <a:rPr lang="en-US" sz="1200" dirty="0">
+                <a:solidFill>
+                  <a:schemeClr val="bg2">
+                    <a:lumMod val="10000"/>
+                  </a:schemeClr>
+                </a:solidFill>
+                <a:latin typeface="Candara" panose="020E0502030303020204" pitchFamily="34" charset="0"/>
+              </a:rPr>
+              <a:t> </a:t>
+            </a:r>
+            <a:r>
+              <a:rPr lang="en-US" sz="1200" dirty="0" err="1">
+                <a:solidFill>
+                  <a:schemeClr val="bg2">
+                    <a:lumMod val="10000"/>
+                  </a:schemeClr>
+                </a:solidFill>
+                <a:latin typeface="Candara" panose="020E0502030303020204" pitchFamily="34" charset="0"/>
+              </a:rPr>
+              <a:t>sul</a:t>
+            </a:r>
+            <a:r>
+              <a:rPr lang="en-US" sz="1200" dirty="0">
+                <a:solidFill>
+                  <a:schemeClr val="bg2">
+                    <a:lumMod val="10000"/>
+                  </a:schemeClr>
+                </a:solidFill>
+                <a:latin typeface="Candara" panose="020E0502030303020204" pitchFamily="34" charset="0"/>
+              </a:rPr>
+              <a:t> </a:t>
+            </a:r>
+            <a:r>
+              <a:rPr lang="en-US" sz="1200" dirty="0" err="1">
+                <a:solidFill>
+                  <a:schemeClr val="bg2">
+                    <a:lumMod val="10000"/>
+                  </a:schemeClr>
+                </a:solidFill>
+                <a:latin typeface="Candara" panose="020E0502030303020204" pitchFamily="34" charset="0"/>
+              </a:rPr>
+              <a:t>funzionamento</a:t>
+            </a:r>
+            <a:r>
+              <a:rPr lang="en-US" sz="1200" dirty="0">
+                <a:solidFill>
+                  <a:schemeClr val="bg2">
+                    <a:lumMod val="10000"/>
+                  </a:schemeClr>
+                </a:solidFill>
+                <a:latin typeface="Candara" panose="020E0502030303020204" pitchFamily="34" charset="0"/>
+              </a:rPr>
+              <a:t> del </a:t>
+            </a:r>
+            <a:r>
+              <a:rPr lang="en-US" sz="1200" dirty="0" err="1">
+                <a:solidFill>
+                  <a:schemeClr val="bg2">
+                    <a:lumMod val="10000"/>
+                  </a:schemeClr>
+                </a:solidFill>
+                <a:latin typeface="Candara" panose="020E0502030303020204" pitchFamily="34" charset="0"/>
+              </a:rPr>
+              <a:t>sistema</a:t>
+            </a:r>
+            <a:r>
+              <a:rPr lang="en-US" sz="1200" dirty="0">
+                <a:solidFill>
+                  <a:schemeClr val="bg2">
+                    <a:lumMod val="10000"/>
+                  </a:schemeClr>
+                </a:solidFill>
+                <a:latin typeface="Candara" panose="020E0502030303020204" pitchFamily="34" charset="0"/>
+              </a:rPr>
+              <a:t> e, </a:t>
+            </a:r>
+            <a:r>
+              <a:rPr lang="en-US" sz="1200" dirty="0" err="1">
+                <a:solidFill>
+                  <a:schemeClr val="bg2">
+                    <a:lumMod val="10000"/>
+                  </a:schemeClr>
+                </a:solidFill>
+                <a:latin typeface="Candara" panose="020E0502030303020204" pitchFamily="34" charset="0"/>
+              </a:rPr>
+              <a:t>essendoci</a:t>
+            </a:r>
+            <a:r>
+              <a:rPr lang="en-US" sz="1200" dirty="0">
+                <a:solidFill>
+                  <a:schemeClr val="bg2">
+                    <a:lumMod val="10000"/>
+                  </a:schemeClr>
+                </a:solidFill>
+                <a:latin typeface="Candara" panose="020E0502030303020204" pitchFamily="34" charset="0"/>
+              </a:rPr>
+              <a:t> </a:t>
+            </a:r>
+            <a:r>
+              <a:rPr lang="en-US" sz="1200" dirty="0" err="1">
+                <a:solidFill>
+                  <a:schemeClr val="bg2">
+                    <a:lumMod val="10000"/>
+                  </a:schemeClr>
+                </a:solidFill>
+                <a:latin typeface="Candara" panose="020E0502030303020204" pitchFamily="34" charset="0"/>
+              </a:rPr>
+              <a:t>accorti</a:t>
+            </a:r>
+            <a:r>
+              <a:rPr lang="en-US" sz="1200" dirty="0">
+                <a:solidFill>
+                  <a:schemeClr val="bg2">
+                    <a:lumMod val="10000"/>
+                  </a:schemeClr>
+                </a:solidFill>
+                <a:latin typeface="Candara" panose="020E0502030303020204" pitchFamily="34" charset="0"/>
+              </a:rPr>
+              <a:t> </a:t>
+            </a:r>
+            <a:r>
+              <a:rPr lang="en-US" sz="1200" dirty="0" err="1">
+                <a:solidFill>
+                  <a:schemeClr val="bg2">
+                    <a:lumMod val="10000"/>
+                  </a:schemeClr>
+                </a:solidFill>
+                <a:latin typeface="Candara" panose="020E0502030303020204" pitchFamily="34" charset="0"/>
+              </a:rPr>
+              <a:t>che</a:t>
+            </a:r>
+            <a:r>
+              <a:rPr lang="en-US" sz="1200" dirty="0">
+                <a:solidFill>
+                  <a:schemeClr val="bg2">
+                    <a:lumMod val="10000"/>
+                  </a:schemeClr>
+                </a:solidFill>
+                <a:latin typeface="Candara" panose="020E0502030303020204" pitchFamily="34" charset="0"/>
+              </a:rPr>
+              <a:t> </a:t>
+            </a:r>
+            <a:r>
+              <a:rPr lang="en-US" sz="1200" dirty="0" err="1">
+                <a:solidFill>
+                  <a:schemeClr val="bg2">
+                    <a:lumMod val="10000"/>
+                  </a:schemeClr>
+                </a:solidFill>
+                <a:latin typeface="Candara" panose="020E0502030303020204" pitchFamily="34" charset="0"/>
+              </a:rPr>
+              <a:t>i</a:t>
+            </a:r>
+            <a:r>
+              <a:rPr lang="en-US" sz="1200" dirty="0">
+                <a:solidFill>
+                  <a:schemeClr val="bg2">
+                    <a:lumMod val="10000"/>
+                  </a:schemeClr>
+                </a:solidFill>
+                <a:latin typeface="Candara" panose="020E0502030303020204" pitchFamily="34" charset="0"/>
+              </a:rPr>
+              <a:t> numeri </a:t>
+            </a:r>
+            <a:r>
+              <a:rPr lang="en-US" sz="1200" dirty="0" err="1">
+                <a:solidFill>
+                  <a:schemeClr val="bg2">
+                    <a:lumMod val="10000"/>
+                  </a:schemeClr>
+                </a:solidFill>
+                <a:latin typeface="Candara" panose="020E0502030303020204" pitchFamily="34" charset="0"/>
+              </a:rPr>
+              <a:t>negativi</a:t>
+            </a:r>
+            <a:r>
+              <a:rPr lang="en-US" sz="1200" dirty="0">
+                <a:solidFill>
+                  <a:schemeClr val="bg2">
+                    <a:lumMod val="10000"/>
+                  </a:schemeClr>
+                </a:solidFill>
+                <a:latin typeface="Candara" panose="020E0502030303020204" pitchFamily="34" charset="0"/>
+              </a:rPr>
+              <a:t> </a:t>
+            </a:r>
+            <a:r>
+              <a:rPr lang="en-US" sz="1200" dirty="0" err="1">
+                <a:solidFill>
+                  <a:schemeClr val="bg2">
+                    <a:lumMod val="10000"/>
+                  </a:schemeClr>
+                </a:solidFill>
+                <a:latin typeface="Candara" panose="020E0502030303020204" pitchFamily="34" charset="0"/>
+              </a:rPr>
+              <a:t>nel</a:t>
+            </a:r>
+            <a:r>
+              <a:rPr lang="en-US" sz="1200" dirty="0">
+                <a:solidFill>
+                  <a:schemeClr val="bg2">
+                    <a:lumMod val="10000"/>
+                  </a:schemeClr>
+                </a:solidFill>
+                <a:latin typeface="Candara" panose="020E0502030303020204" pitchFamily="34" charset="0"/>
+              </a:rPr>
+              <a:t> C_T </a:t>
+            </a:r>
+            <a:r>
+              <a:rPr lang="en-US" sz="1200" dirty="0" err="1">
+                <a:solidFill>
+                  <a:schemeClr val="bg2">
+                    <a:lumMod val="10000"/>
+                  </a:schemeClr>
+                </a:solidFill>
+                <a:latin typeface="Candara" panose="020E0502030303020204" pitchFamily="34" charset="0"/>
+              </a:rPr>
+              <a:t>ricostruito</a:t>
+            </a:r>
+            <a:r>
+              <a:rPr lang="en-US" sz="1200" dirty="0">
+                <a:solidFill>
+                  <a:schemeClr val="bg2">
+                    <a:lumMod val="10000"/>
+                  </a:schemeClr>
+                </a:solidFill>
+                <a:latin typeface="Candara" panose="020E0502030303020204" pitchFamily="34" charset="0"/>
+              </a:rPr>
+              <a:t> </a:t>
+            </a:r>
+            <a:r>
+              <a:rPr lang="en-US" sz="1200" dirty="0" err="1">
+                <a:solidFill>
+                  <a:schemeClr val="bg2">
+                    <a:lumMod val="10000"/>
+                  </a:schemeClr>
+                </a:solidFill>
+                <a:latin typeface="Candara" panose="020E0502030303020204" pitchFamily="34" charset="0"/>
+              </a:rPr>
+              <a:t>corrispondevano</a:t>
+            </a:r>
+            <a:r>
+              <a:rPr lang="en-US" sz="1200" dirty="0">
+                <a:solidFill>
+                  <a:schemeClr val="bg2">
+                    <a:lumMod val="10000"/>
+                  </a:schemeClr>
+                </a:solidFill>
+                <a:latin typeface="Candara" panose="020E0502030303020204" pitchFamily="34" charset="0"/>
+              </a:rPr>
+              <a:t> a numeri di </a:t>
+            </a:r>
+            <a:r>
+              <a:rPr lang="en-US" sz="1200" dirty="0" err="1">
+                <a:solidFill>
+                  <a:schemeClr val="bg2">
+                    <a:lumMod val="10000"/>
+                  </a:schemeClr>
+                </a:solidFill>
+                <a:latin typeface="Candara" panose="020E0502030303020204" pitchFamily="34" charset="0"/>
+              </a:rPr>
+              <a:t>valore</a:t>
+            </a:r>
+            <a:r>
+              <a:rPr lang="en-US" sz="1200" dirty="0">
+                <a:solidFill>
+                  <a:schemeClr val="bg2">
+                    <a:lumMod val="10000"/>
+                  </a:schemeClr>
+                </a:solidFill>
+                <a:latin typeface="Candara" panose="020E0502030303020204" pitchFamily="34" charset="0"/>
+              </a:rPr>
+              <a:t> </a:t>
+            </a:r>
+            <a:r>
+              <a:rPr lang="en-US" sz="1200" dirty="0" err="1">
+                <a:solidFill>
+                  <a:schemeClr val="bg2">
+                    <a:lumMod val="10000"/>
+                  </a:schemeClr>
+                </a:solidFill>
+                <a:latin typeface="Candara" panose="020E0502030303020204" pitchFamily="34" charset="0"/>
+              </a:rPr>
+              <a:t>pari</a:t>
+            </a:r>
+            <a:r>
+              <a:rPr lang="en-US" sz="1200" dirty="0">
+                <a:solidFill>
+                  <a:schemeClr val="bg2">
+                    <a:lumMod val="10000"/>
+                  </a:schemeClr>
+                </a:solidFill>
+                <a:latin typeface="Candara" panose="020E0502030303020204" pitchFamily="34" charset="0"/>
+              </a:rPr>
+              <a:t> o </a:t>
+            </a:r>
+            <a:r>
+              <a:rPr lang="en-US" sz="1200" dirty="0" err="1">
+                <a:solidFill>
+                  <a:schemeClr val="bg2">
+                    <a:lumMod val="10000"/>
+                  </a:schemeClr>
+                </a:solidFill>
+                <a:latin typeface="Candara" panose="020E0502030303020204" pitchFamily="34" charset="0"/>
+              </a:rPr>
+              <a:t>poco</a:t>
+            </a:r>
+            <a:r>
+              <a:rPr lang="en-US" sz="1200" dirty="0">
+                <a:solidFill>
+                  <a:schemeClr val="bg2">
+                    <a:lumMod val="10000"/>
+                  </a:schemeClr>
+                </a:solidFill>
+                <a:latin typeface="Candara" panose="020E0502030303020204" pitchFamily="34" charset="0"/>
+              </a:rPr>
+              <a:t> </a:t>
+            </a:r>
+            <a:r>
+              <a:rPr lang="en-US" sz="1200" dirty="0" err="1">
+                <a:solidFill>
+                  <a:schemeClr val="bg2">
+                    <a:lumMod val="10000"/>
+                  </a:schemeClr>
+                </a:solidFill>
+                <a:latin typeface="Candara" panose="020E0502030303020204" pitchFamily="34" charset="0"/>
+              </a:rPr>
+              <a:t>superiore</a:t>
+            </a:r>
+            <a:r>
+              <a:rPr lang="en-US" sz="1200" dirty="0">
+                <a:solidFill>
+                  <a:schemeClr val="bg2">
+                    <a:lumMod val="10000"/>
+                  </a:schemeClr>
+                </a:solidFill>
+                <a:latin typeface="Candara" panose="020E0502030303020204" pitchFamily="34" charset="0"/>
+              </a:rPr>
+              <a:t> a zero </a:t>
+            </a:r>
+            <a:r>
+              <a:rPr lang="en-US" sz="1200" dirty="0" err="1">
+                <a:solidFill>
+                  <a:schemeClr val="bg2">
+                    <a:lumMod val="10000"/>
+                  </a:schemeClr>
+                </a:solidFill>
+                <a:latin typeface="Candara" panose="020E0502030303020204" pitchFamily="34" charset="0"/>
+              </a:rPr>
+              <a:t>nel</a:t>
+            </a:r>
+            <a:r>
+              <a:rPr lang="en-US" sz="1200" dirty="0">
+                <a:solidFill>
+                  <a:schemeClr val="bg2">
+                    <a:lumMod val="10000"/>
+                  </a:schemeClr>
+                </a:solidFill>
+                <a:latin typeface="Candara" panose="020E0502030303020204" pitchFamily="34" charset="0"/>
+              </a:rPr>
+              <a:t> C_T </a:t>
+            </a:r>
+            <a:r>
+              <a:rPr lang="en-US" sz="1200" dirty="0" err="1">
+                <a:solidFill>
+                  <a:schemeClr val="bg2">
+                    <a:lumMod val="10000"/>
+                  </a:schemeClr>
+                </a:solidFill>
+                <a:latin typeface="Candara" panose="020E0502030303020204" pitchFamily="34" charset="0"/>
+              </a:rPr>
+              <a:t>vero</a:t>
+            </a:r>
+            <a:r>
+              <a:rPr lang="en-US" sz="1200" dirty="0">
+                <a:solidFill>
+                  <a:schemeClr val="bg2">
+                    <a:lumMod val="10000"/>
+                  </a:schemeClr>
+                </a:solidFill>
+                <a:latin typeface="Candara" panose="020E0502030303020204" pitchFamily="34" charset="0"/>
+              </a:rPr>
+              <a:t>, li </a:t>
+            </a:r>
+            <a:r>
+              <a:rPr lang="en-US" sz="1200" dirty="0" err="1">
+                <a:solidFill>
+                  <a:schemeClr val="bg2">
+                    <a:lumMod val="10000"/>
+                  </a:schemeClr>
+                </a:solidFill>
+                <a:latin typeface="Candara" panose="020E0502030303020204" pitchFamily="34" charset="0"/>
+              </a:rPr>
+              <a:t>abbiamo</a:t>
+            </a:r>
+            <a:r>
+              <a:rPr lang="en-US" sz="1200" dirty="0">
+                <a:solidFill>
+                  <a:schemeClr val="bg2">
+                    <a:lumMod val="10000"/>
+                  </a:schemeClr>
+                </a:solidFill>
+                <a:latin typeface="Candara" panose="020E0502030303020204" pitchFamily="34" charset="0"/>
+              </a:rPr>
+              <a:t> </a:t>
+            </a:r>
+            <a:r>
+              <a:rPr lang="en-US" sz="1200" dirty="0" err="1">
+                <a:solidFill>
+                  <a:schemeClr val="bg2">
+                    <a:lumMod val="10000"/>
+                  </a:schemeClr>
+                </a:solidFill>
+                <a:latin typeface="Candara" panose="020E0502030303020204" pitchFamily="34" charset="0"/>
+              </a:rPr>
+              <a:t>ignorati</a:t>
+            </a:r>
+            <a:r>
+              <a:rPr lang="en-US" sz="1200" dirty="0">
+                <a:solidFill>
+                  <a:schemeClr val="bg2">
+                    <a:lumMod val="10000"/>
+                  </a:schemeClr>
+                </a:solidFill>
+                <a:latin typeface="Candara" panose="020E0502030303020204" pitchFamily="34" charset="0"/>
+              </a:rPr>
+              <a:t>, </a:t>
+            </a:r>
+            <a:r>
+              <a:rPr lang="en-US" sz="1200" dirty="0" err="1">
+                <a:solidFill>
+                  <a:schemeClr val="bg2">
+                    <a:lumMod val="10000"/>
+                  </a:schemeClr>
+                </a:solidFill>
+                <a:latin typeface="Candara" panose="020E0502030303020204" pitchFamily="34" charset="0"/>
+              </a:rPr>
+              <a:t>eliminandoli</a:t>
+            </a:r>
+            <a:r>
+              <a:rPr lang="en-US" sz="1200" dirty="0">
+                <a:solidFill>
+                  <a:schemeClr val="bg2">
+                    <a:lumMod val="10000"/>
+                  </a:schemeClr>
+                </a:solidFill>
+                <a:latin typeface="Candara" panose="020E0502030303020204" pitchFamily="34" charset="0"/>
+              </a:rPr>
+              <a:t> </a:t>
+            </a:r>
+            <a:r>
+              <a:rPr lang="en-US" sz="1200" dirty="0" err="1">
+                <a:solidFill>
+                  <a:schemeClr val="bg2">
+                    <a:lumMod val="10000"/>
+                  </a:schemeClr>
+                </a:solidFill>
+                <a:latin typeface="Candara" panose="020E0502030303020204" pitchFamily="34" charset="0"/>
+              </a:rPr>
+              <a:t>attraverso</a:t>
+            </a:r>
+            <a:r>
+              <a:rPr lang="en-US" sz="1200" dirty="0">
+                <a:solidFill>
+                  <a:schemeClr val="bg2">
+                    <a:lumMod val="10000"/>
+                  </a:schemeClr>
+                </a:solidFill>
+                <a:latin typeface="Candara" panose="020E0502030303020204" pitchFamily="34" charset="0"/>
+              </a:rPr>
+              <a:t> un threshold.</a:t>
+            </a:r>
+          </a:p>
+        </p:txBody>
+      </p:sp>
+      <p:pic>
+        <p:nvPicPr>
+          <p:cNvPr id="12" name="Immagine 11">
+            <a:extLst>
+              <a:ext uri="{FF2B5EF4-FFF2-40B4-BE49-F238E27FC236}">
+                <a16:creationId xmlns:a16="http://schemas.microsoft.com/office/drawing/2014/main" id="{98EB2B6B-1CF8-4736-BA9A-774DD7F560F9}"/>
+              </a:ext>
+            </a:extLst>
+          </p:cNvPr>
+          <p:cNvPicPr>
+            <a:picLocks noChangeAspect="1"/>
+          </p:cNvPicPr>
+          <p:nvPr/>
+        </p:nvPicPr>
+        <p:blipFill>
+          <a:blip r:embed="rId2" cstate="print">
+            <a:extLst>
+              <a:ext uri="{28A0092B-C50C-407E-A947-70E740481C1C}">
+                <a14:useLocalDpi xmlns:a14="http://schemas.microsoft.com/office/drawing/2010/main" val="0"/>
+              </a:ext>
+            </a:extLst>
+          </a:blip>
+          <a:stretch>
+            <a:fillRect/>
+          </a:stretch>
+        </p:blipFill>
+        <p:spPr>
+          <a:xfrm>
+            <a:off x="5556000" y="6220686"/>
+            <a:ext cx="1080000" cy="658286"/>
+          </a:xfrm>
+          <a:prstGeom prst="rect">
+            <a:avLst/>
+          </a:prstGeom>
+        </p:spPr>
+      </p:pic>
+      <p:sp>
+        <p:nvSpPr>
+          <p:cNvPr id="13" name="TextBox 25">
+            <a:extLst>
+              <a:ext uri="{FF2B5EF4-FFF2-40B4-BE49-F238E27FC236}">
+                <a16:creationId xmlns:a16="http://schemas.microsoft.com/office/drawing/2014/main" id="{820FC78E-393A-474E-B8FB-7700FFDC675D}"/>
+              </a:ext>
+            </a:extLst>
+          </p:cNvPr>
+          <p:cNvSpPr txBox="1"/>
+          <p:nvPr/>
+        </p:nvSpPr>
+        <p:spPr>
+          <a:xfrm>
+            <a:off x="3795780" y="2341475"/>
+            <a:ext cx="5256123" cy="929485"/>
+          </a:xfrm>
+          <a:prstGeom prst="rect">
+            <a:avLst/>
+          </a:prstGeom>
+          <a:noFill/>
+        </p:spPr>
+        <p:txBody>
+          <a:bodyPr wrap="square" rtlCol="0">
+            <a:spAutoFit/>
+          </a:bodyPr>
+          <a:lstStyle/>
+          <a:p>
+            <a:pPr algn="ctr" defTabSz="1219170">
+              <a:spcBef>
+                <a:spcPct val="20000"/>
+              </a:spcBef>
+              <a:defRPr/>
+            </a:pPr>
+            <a:r>
+              <a:rPr lang="en-US" sz="1600" b="1" dirty="0" err="1">
+                <a:solidFill>
+                  <a:srgbClr val="189A80"/>
+                </a:solidFill>
+                <a:latin typeface="Candara" panose="020E0502030303020204" pitchFamily="34" charset="0"/>
+              </a:rPr>
+              <a:t>Calcolo</a:t>
+            </a:r>
+            <a:r>
+              <a:rPr lang="en-US" sz="1600" b="1" dirty="0">
+                <a:solidFill>
+                  <a:srgbClr val="189A80"/>
+                </a:solidFill>
+                <a:latin typeface="Candara" panose="020E0502030303020204" pitchFamily="34" charset="0"/>
+              </a:rPr>
+              <a:t> </a:t>
+            </a:r>
+            <a:r>
+              <a:rPr lang="en-US" sz="1600" b="1" dirty="0" err="1">
+                <a:solidFill>
+                  <a:srgbClr val="189A80"/>
+                </a:solidFill>
+                <a:latin typeface="Candara" panose="020E0502030303020204" pitchFamily="34" charset="0"/>
+              </a:rPr>
+              <a:t>cardinalità</a:t>
+            </a:r>
+            <a:r>
+              <a:rPr lang="en-US" sz="1600" b="1" dirty="0">
+                <a:solidFill>
+                  <a:srgbClr val="189A80"/>
+                </a:solidFill>
+                <a:latin typeface="Candara" panose="020E0502030303020204" pitchFamily="34" charset="0"/>
+              </a:rPr>
+              <a:t> F ed actual support</a:t>
+            </a:r>
+            <a:endParaRPr lang="en-US" sz="1600" b="1" dirty="0">
+              <a:solidFill>
+                <a:srgbClr val="34738D"/>
+              </a:solidFill>
+              <a:latin typeface="Candara" panose="020E0502030303020204" pitchFamily="34" charset="0"/>
+            </a:endParaRPr>
+          </a:p>
+          <a:p>
+            <a:pPr algn="ctr" defTabSz="1219170">
+              <a:spcBef>
+                <a:spcPct val="20000"/>
+              </a:spcBef>
+              <a:defRPr/>
+            </a:pPr>
+            <a:r>
+              <a:rPr lang="en-US" sz="1200" dirty="0">
+                <a:solidFill>
+                  <a:schemeClr val="bg2">
+                    <a:lumMod val="10000"/>
+                  </a:schemeClr>
+                </a:solidFill>
+                <a:latin typeface="Candara" panose="020E0502030303020204" pitchFamily="34" charset="0"/>
+              </a:rPr>
+              <a:t>Il </a:t>
+            </a:r>
+            <a:r>
+              <a:rPr lang="en-US" sz="1200" dirty="0" err="1">
+                <a:solidFill>
+                  <a:schemeClr val="bg2">
+                    <a:lumMod val="10000"/>
+                  </a:schemeClr>
+                </a:solidFill>
+                <a:latin typeface="Candara" panose="020E0502030303020204" pitchFamily="34" charset="0"/>
+              </a:rPr>
+              <a:t>calcolo</a:t>
+            </a:r>
+            <a:r>
+              <a:rPr lang="en-US" sz="1200" dirty="0">
+                <a:solidFill>
+                  <a:schemeClr val="bg2">
+                    <a:lumMod val="10000"/>
+                  </a:schemeClr>
+                </a:solidFill>
+                <a:latin typeface="Candara" panose="020E0502030303020204" pitchFamily="34" charset="0"/>
+              </a:rPr>
+              <a:t> del support error non </a:t>
+            </a:r>
+            <a:r>
+              <a:rPr lang="en-US" sz="1200" dirty="0" err="1">
+                <a:solidFill>
+                  <a:schemeClr val="bg2">
+                    <a:lumMod val="10000"/>
+                  </a:schemeClr>
+                </a:solidFill>
+                <a:latin typeface="Candara" panose="020E0502030303020204" pitchFamily="34" charset="0"/>
+              </a:rPr>
+              <a:t>viene</a:t>
+            </a:r>
+            <a:r>
+              <a:rPr lang="en-US" sz="1200" dirty="0">
+                <a:solidFill>
+                  <a:schemeClr val="bg2">
+                    <a:lumMod val="10000"/>
+                  </a:schemeClr>
+                </a:solidFill>
+                <a:latin typeface="Candara" panose="020E0502030303020204" pitchFamily="34" charset="0"/>
+              </a:rPr>
+              <a:t> </a:t>
+            </a:r>
+            <a:r>
+              <a:rPr lang="en-US" sz="1200" dirty="0" err="1">
+                <a:solidFill>
+                  <a:schemeClr val="bg2">
+                    <a:lumMod val="10000"/>
+                  </a:schemeClr>
+                </a:solidFill>
+                <a:latin typeface="Candara" panose="020E0502030303020204" pitchFamily="34" charset="0"/>
+              </a:rPr>
+              <a:t>aggiornato</a:t>
+            </a:r>
+            <a:r>
+              <a:rPr lang="en-US" sz="1200" dirty="0">
+                <a:solidFill>
+                  <a:schemeClr val="bg2">
+                    <a:lumMod val="10000"/>
+                  </a:schemeClr>
+                </a:solidFill>
+                <a:latin typeface="Candara" panose="020E0502030303020204" pitchFamily="34" charset="0"/>
+              </a:rPr>
+              <a:t> per </a:t>
+            </a:r>
+            <a:r>
+              <a:rPr lang="en-US" sz="1200" dirty="0" err="1">
+                <a:solidFill>
+                  <a:schemeClr val="bg2">
+                    <a:lumMod val="10000"/>
+                  </a:schemeClr>
+                </a:solidFill>
+                <a:latin typeface="Candara" panose="020E0502030303020204" pitchFamily="34" charset="0"/>
+              </a:rPr>
+              <a:t>evitare</a:t>
+            </a:r>
+            <a:r>
+              <a:rPr lang="en-US" sz="1200" dirty="0">
+                <a:solidFill>
+                  <a:schemeClr val="bg2">
+                    <a:lumMod val="10000"/>
+                  </a:schemeClr>
+                </a:solidFill>
+                <a:latin typeface="Candara" panose="020E0502030303020204" pitchFamily="34" charset="0"/>
+              </a:rPr>
+              <a:t> una </a:t>
+            </a:r>
+            <a:r>
+              <a:rPr lang="en-US" sz="1200" dirty="0" err="1">
+                <a:solidFill>
+                  <a:schemeClr val="bg2">
+                    <a:lumMod val="10000"/>
+                  </a:schemeClr>
+                </a:solidFill>
+                <a:latin typeface="Candara" panose="020E0502030303020204" pitchFamily="34" charset="0"/>
+              </a:rPr>
+              <a:t>divisione</a:t>
+            </a:r>
+            <a:r>
+              <a:rPr lang="en-US" sz="1200" dirty="0">
+                <a:solidFill>
+                  <a:schemeClr val="bg2">
+                    <a:lumMod val="10000"/>
+                  </a:schemeClr>
+                </a:solidFill>
+                <a:latin typeface="Candara" panose="020E0502030303020204" pitchFamily="34" charset="0"/>
+              </a:rPr>
+              <a:t> per zero. F </a:t>
+            </a:r>
+            <a:r>
+              <a:rPr lang="en-US" sz="1200" dirty="0" err="1">
+                <a:solidFill>
+                  <a:schemeClr val="bg2">
+                    <a:lumMod val="10000"/>
+                  </a:schemeClr>
+                </a:solidFill>
+                <a:latin typeface="Candara" panose="020E0502030303020204" pitchFamily="34" charset="0"/>
+              </a:rPr>
+              <a:t>invece</a:t>
+            </a:r>
+            <a:r>
+              <a:rPr lang="en-US" sz="1200" dirty="0">
+                <a:solidFill>
+                  <a:schemeClr val="bg2">
+                    <a:lumMod val="10000"/>
+                  </a:schemeClr>
+                </a:solidFill>
+                <a:latin typeface="Candara" panose="020E0502030303020204" pitchFamily="34" charset="0"/>
+              </a:rPr>
+              <a:t> </a:t>
+            </a:r>
+            <a:r>
+              <a:rPr lang="en-US" sz="1200" dirty="0" err="1">
+                <a:solidFill>
+                  <a:schemeClr val="bg2">
+                    <a:lumMod val="10000"/>
+                  </a:schemeClr>
+                </a:solidFill>
+                <a:latin typeface="Candara" panose="020E0502030303020204" pitchFamily="34" charset="0"/>
+              </a:rPr>
+              <a:t>viene</a:t>
+            </a:r>
+            <a:r>
+              <a:rPr lang="en-US" sz="1200" dirty="0">
+                <a:solidFill>
+                  <a:schemeClr val="bg2">
+                    <a:lumMod val="10000"/>
+                  </a:schemeClr>
+                </a:solidFill>
+                <a:latin typeface="Candara" panose="020E0502030303020204" pitchFamily="34" charset="0"/>
+              </a:rPr>
+              <a:t> </a:t>
+            </a:r>
+            <a:r>
+              <a:rPr lang="en-US" sz="1200" dirty="0" err="1">
+                <a:solidFill>
+                  <a:schemeClr val="bg2">
+                    <a:lumMod val="10000"/>
+                  </a:schemeClr>
+                </a:solidFill>
+                <a:latin typeface="Candara" panose="020E0502030303020204" pitchFamily="34" charset="0"/>
+              </a:rPr>
+              <a:t>settata</a:t>
+            </a:r>
+            <a:r>
+              <a:rPr lang="en-US" sz="1200" dirty="0">
+                <a:solidFill>
+                  <a:schemeClr val="bg2">
+                    <a:lumMod val="10000"/>
+                  </a:schemeClr>
+                </a:solidFill>
+                <a:latin typeface="Candara" panose="020E0502030303020204" pitchFamily="34" charset="0"/>
+              </a:rPr>
+              <a:t> a -1 per </a:t>
+            </a:r>
+            <a:r>
+              <a:rPr lang="en-US" sz="1200" dirty="0" err="1">
+                <a:solidFill>
+                  <a:schemeClr val="bg2">
+                    <a:lumMod val="10000"/>
+                  </a:schemeClr>
+                </a:solidFill>
+                <a:latin typeface="Candara" panose="020E0502030303020204" pitchFamily="34" charset="0"/>
+              </a:rPr>
+              <a:t>evidenziare</a:t>
+            </a:r>
+            <a:r>
+              <a:rPr lang="en-US" sz="1200" dirty="0">
+                <a:solidFill>
+                  <a:schemeClr val="bg2">
+                    <a:lumMod val="10000"/>
+                  </a:schemeClr>
+                </a:solidFill>
+                <a:latin typeface="Candara" panose="020E0502030303020204" pitchFamily="34" charset="0"/>
+              </a:rPr>
+              <a:t> </a:t>
+            </a:r>
+            <a:r>
+              <a:rPr lang="en-US" sz="1200" dirty="0" err="1">
+                <a:solidFill>
+                  <a:schemeClr val="bg2">
+                    <a:lumMod val="10000"/>
+                  </a:schemeClr>
+                </a:solidFill>
+                <a:latin typeface="Candara" panose="020E0502030303020204" pitchFamily="34" charset="0"/>
+              </a:rPr>
+              <a:t>il</a:t>
+            </a:r>
+            <a:r>
+              <a:rPr lang="en-US" sz="1200" dirty="0">
+                <a:solidFill>
+                  <a:schemeClr val="bg2">
+                    <a:lumMod val="10000"/>
+                  </a:schemeClr>
+                </a:solidFill>
+                <a:latin typeface="Candara" panose="020E0502030303020204" pitchFamily="34" charset="0"/>
+              </a:rPr>
+              <a:t> </a:t>
+            </a:r>
+            <a:r>
+              <a:rPr lang="en-US" sz="1200" dirty="0" err="1">
+                <a:solidFill>
+                  <a:schemeClr val="bg2">
+                    <a:lumMod val="10000"/>
+                  </a:schemeClr>
+                </a:solidFill>
+                <a:latin typeface="Candara" panose="020E0502030303020204" pitchFamily="34" charset="0"/>
+              </a:rPr>
+              <a:t>fatto</a:t>
+            </a:r>
+            <a:r>
+              <a:rPr lang="en-US" sz="1200" dirty="0">
+                <a:solidFill>
+                  <a:schemeClr val="bg2">
+                    <a:lumMod val="10000"/>
+                  </a:schemeClr>
+                </a:solidFill>
+                <a:latin typeface="Candara" panose="020E0502030303020204" pitchFamily="34" charset="0"/>
+              </a:rPr>
+              <a:t> </a:t>
+            </a:r>
+            <a:r>
+              <a:rPr lang="en-US" sz="1200" dirty="0" err="1">
+                <a:solidFill>
+                  <a:schemeClr val="bg2">
+                    <a:lumMod val="10000"/>
+                  </a:schemeClr>
+                </a:solidFill>
+                <a:latin typeface="Candara" panose="020E0502030303020204" pitchFamily="34" charset="0"/>
+              </a:rPr>
+              <a:t>che</a:t>
+            </a:r>
+            <a:r>
+              <a:rPr lang="en-US" sz="1200" dirty="0">
+                <a:solidFill>
+                  <a:schemeClr val="bg2">
+                    <a:lumMod val="10000"/>
+                  </a:schemeClr>
+                </a:solidFill>
+                <a:latin typeface="Candara" panose="020E0502030303020204" pitchFamily="34" charset="0"/>
+              </a:rPr>
+              <a:t> la </a:t>
+            </a:r>
+            <a:r>
+              <a:rPr lang="en-US" sz="1200" dirty="0" err="1">
+                <a:solidFill>
+                  <a:schemeClr val="bg2">
+                    <a:lumMod val="10000"/>
+                  </a:schemeClr>
+                </a:solidFill>
+                <a:latin typeface="Candara" panose="020E0502030303020204" pitchFamily="34" charset="0"/>
+              </a:rPr>
+              <a:t>cardinalità</a:t>
+            </a:r>
+            <a:r>
+              <a:rPr lang="en-US" sz="1200" dirty="0">
+                <a:solidFill>
+                  <a:schemeClr val="bg2">
+                    <a:lumMod val="10000"/>
+                  </a:schemeClr>
+                </a:solidFill>
+                <a:latin typeface="Candara" panose="020E0502030303020204" pitchFamily="34" charset="0"/>
+              </a:rPr>
+              <a:t> </a:t>
+            </a:r>
+            <a:r>
+              <a:rPr lang="en-US" sz="1200" dirty="0" err="1">
+                <a:solidFill>
+                  <a:schemeClr val="bg2">
+                    <a:lumMod val="10000"/>
+                  </a:schemeClr>
+                </a:solidFill>
+                <a:latin typeface="Candara" panose="020E0502030303020204" pitchFamily="34" charset="0"/>
+              </a:rPr>
+              <a:t>sia</a:t>
+            </a:r>
+            <a:r>
+              <a:rPr lang="en-US" sz="1200" dirty="0">
+                <a:solidFill>
+                  <a:schemeClr val="bg2">
+                    <a:lumMod val="10000"/>
+                  </a:schemeClr>
+                </a:solidFill>
+                <a:latin typeface="Candara" panose="020E0502030303020204" pitchFamily="34" charset="0"/>
+              </a:rPr>
+              <a:t> </a:t>
+            </a:r>
+            <a:r>
+              <a:rPr lang="en-US" sz="1200" dirty="0" err="1">
+                <a:solidFill>
+                  <a:schemeClr val="bg2">
+                    <a:lumMod val="10000"/>
+                  </a:schemeClr>
+                </a:solidFill>
+                <a:latin typeface="Candara" panose="020E0502030303020204" pitchFamily="34" charset="0"/>
+              </a:rPr>
+              <a:t>uguale</a:t>
+            </a:r>
+            <a:r>
+              <a:rPr lang="en-US" sz="1200" dirty="0">
+                <a:solidFill>
+                  <a:schemeClr val="bg2">
+                    <a:lumMod val="10000"/>
+                  </a:schemeClr>
+                </a:solidFill>
+                <a:latin typeface="Candara" panose="020E0502030303020204" pitchFamily="34" charset="0"/>
+              </a:rPr>
+              <a:t> a zero ed </a:t>
+            </a:r>
+            <a:r>
+              <a:rPr lang="en-US" sz="1200" dirty="0" err="1">
+                <a:solidFill>
+                  <a:schemeClr val="bg2">
+                    <a:lumMod val="10000"/>
+                  </a:schemeClr>
+                </a:solidFill>
+                <a:latin typeface="Candara" panose="020E0502030303020204" pitchFamily="34" charset="0"/>
+              </a:rPr>
+              <a:t>evitare</a:t>
+            </a:r>
+            <a:r>
+              <a:rPr lang="en-US" sz="1200" dirty="0">
+                <a:solidFill>
+                  <a:schemeClr val="bg2">
+                    <a:lumMod val="10000"/>
+                  </a:schemeClr>
+                </a:solidFill>
+                <a:latin typeface="Candara" panose="020E0502030303020204" pitchFamily="34" charset="0"/>
+              </a:rPr>
+              <a:t> una </a:t>
+            </a:r>
+            <a:r>
+              <a:rPr lang="en-US" sz="1200" dirty="0" err="1">
+                <a:solidFill>
+                  <a:schemeClr val="bg2">
+                    <a:lumMod val="10000"/>
+                  </a:schemeClr>
+                </a:solidFill>
+                <a:latin typeface="Candara" panose="020E0502030303020204" pitchFamily="34" charset="0"/>
+              </a:rPr>
+              <a:t>divisione</a:t>
+            </a:r>
+            <a:r>
+              <a:rPr lang="en-US" sz="1200" dirty="0">
+                <a:solidFill>
+                  <a:schemeClr val="bg2">
+                    <a:lumMod val="10000"/>
+                  </a:schemeClr>
+                </a:solidFill>
+                <a:latin typeface="Candara" panose="020E0502030303020204" pitchFamily="34" charset="0"/>
+              </a:rPr>
+              <a:t> per zero.</a:t>
+            </a:r>
+          </a:p>
+        </p:txBody>
+      </p:sp>
+      <p:sp>
+        <p:nvSpPr>
+          <p:cNvPr id="14" name="TextBox 25">
+            <a:extLst>
+              <a:ext uri="{FF2B5EF4-FFF2-40B4-BE49-F238E27FC236}">
+                <a16:creationId xmlns:a16="http://schemas.microsoft.com/office/drawing/2014/main" id="{0D4C3E5F-90E6-465D-B735-6FEC71763A9B}"/>
+              </a:ext>
+            </a:extLst>
+          </p:cNvPr>
+          <p:cNvSpPr txBox="1"/>
+          <p:nvPr/>
+        </p:nvSpPr>
+        <p:spPr>
+          <a:xfrm>
+            <a:off x="3795779" y="3276720"/>
             <a:ext cx="5256123" cy="744819"/>
           </a:xfrm>
           <a:prstGeom prst="rect">
@@ -14608,6 +16363,926 @@
               <a:defRPr/>
             </a:pPr>
             <a:r>
+              <a:rPr lang="en-US" sz="1600" b="1" dirty="0">
+                <a:solidFill>
+                  <a:srgbClr val="EF9D27"/>
+                </a:solidFill>
+                <a:latin typeface="Candara" panose="020E0502030303020204" pitchFamily="34" charset="0"/>
+              </a:rPr>
+              <a:t>Tempi di </a:t>
+            </a:r>
+            <a:r>
+              <a:rPr lang="en-US" sz="1600" b="1" dirty="0" err="1">
+                <a:solidFill>
+                  <a:srgbClr val="EF9D27"/>
+                </a:solidFill>
+                <a:latin typeface="Candara" panose="020E0502030303020204" pitchFamily="34" charset="0"/>
+              </a:rPr>
+              <a:t>computazione</a:t>
+            </a:r>
+            <a:endParaRPr lang="en-US" sz="1600" b="1" dirty="0">
+              <a:solidFill>
+                <a:srgbClr val="34738D"/>
+              </a:solidFill>
+              <a:latin typeface="Candara" panose="020E0502030303020204" pitchFamily="34" charset="0"/>
+            </a:endParaRPr>
+          </a:p>
+          <a:p>
+            <a:pPr algn="ctr" defTabSz="1219170">
+              <a:spcBef>
+                <a:spcPct val="20000"/>
+              </a:spcBef>
+              <a:defRPr/>
+            </a:pPr>
+            <a:r>
+              <a:rPr lang="en-US" sz="1200" dirty="0" err="1">
+                <a:solidFill>
+                  <a:schemeClr val="bg2">
+                    <a:lumMod val="10000"/>
+                  </a:schemeClr>
+                </a:solidFill>
+                <a:latin typeface="Candara" panose="020E0502030303020204" pitchFamily="34" charset="0"/>
+              </a:rPr>
+              <a:t>Abbiamo</a:t>
+            </a:r>
+            <a:r>
+              <a:rPr lang="en-US" sz="1200" dirty="0">
+                <a:solidFill>
+                  <a:schemeClr val="bg2">
+                    <a:lumMod val="10000"/>
+                  </a:schemeClr>
+                </a:solidFill>
+                <a:latin typeface="Candara" panose="020E0502030303020204" pitchFamily="34" charset="0"/>
+              </a:rPr>
+              <a:t> </a:t>
+            </a:r>
+            <a:r>
+              <a:rPr lang="en-US" sz="1200" dirty="0" err="1">
+                <a:solidFill>
+                  <a:schemeClr val="bg2">
+                    <a:lumMod val="10000"/>
+                  </a:schemeClr>
+                </a:solidFill>
+                <a:latin typeface="Candara" panose="020E0502030303020204" pitchFamily="34" charset="0"/>
+              </a:rPr>
+              <a:t>applicato</a:t>
+            </a:r>
+            <a:r>
+              <a:rPr lang="en-US" sz="1200" dirty="0">
+                <a:solidFill>
+                  <a:schemeClr val="bg2">
+                    <a:lumMod val="10000"/>
+                  </a:schemeClr>
+                </a:solidFill>
+                <a:latin typeface="Candara" panose="020E0502030303020204" pitchFamily="34" charset="0"/>
+              </a:rPr>
+              <a:t> </a:t>
+            </a:r>
+            <a:r>
+              <a:rPr lang="en-US" sz="1200" dirty="0" err="1">
+                <a:solidFill>
+                  <a:schemeClr val="bg2">
+                    <a:lumMod val="10000"/>
+                  </a:schemeClr>
+                </a:solidFill>
+                <a:latin typeface="Candara" panose="020E0502030303020204" pitchFamily="34" charset="0"/>
+              </a:rPr>
+              <a:t>tutte</a:t>
+            </a:r>
+            <a:r>
+              <a:rPr lang="en-US" sz="1200" dirty="0">
+                <a:solidFill>
+                  <a:schemeClr val="bg2">
+                    <a:lumMod val="10000"/>
+                  </a:schemeClr>
+                </a:solidFill>
+                <a:latin typeface="Candara" panose="020E0502030303020204" pitchFamily="34" charset="0"/>
+              </a:rPr>
+              <a:t> le </a:t>
+            </a:r>
+            <a:r>
+              <a:rPr lang="en-US" sz="1200" dirty="0" err="1">
+                <a:solidFill>
+                  <a:schemeClr val="bg2">
+                    <a:lumMod val="10000"/>
+                  </a:schemeClr>
+                </a:solidFill>
+                <a:latin typeface="Candara" panose="020E0502030303020204" pitchFamily="34" charset="0"/>
+              </a:rPr>
+              <a:t>ottimizzazioni</a:t>
+            </a:r>
+            <a:r>
+              <a:rPr lang="en-US" sz="1200" dirty="0">
+                <a:solidFill>
+                  <a:schemeClr val="bg2">
+                    <a:lumMod val="10000"/>
+                  </a:schemeClr>
+                </a:solidFill>
+                <a:latin typeface="Candara" panose="020E0502030303020204" pitchFamily="34" charset="0"/>
+              </a:rPr>
+              <a:t> </a:t>
+            </a:r>
+            <a:r>
+              <a:rPr lang="en-US" sz="1200" dirty="0" err="1">
+                <a:solidFill>
+                  <a:schemeClr val="bg2">
+                    <a:lumMod val="10000"/>
+                  </a:schemeClr>
+                </a:solidFill>
+                <a:latin typeface="Candara" panose="020E0502030303020204" pitchFamily="34" charset="0"/>
+              </a:rPr>
+              <a:t>citate</a:t>
+            </a:r>
+            <a:r>
+              <a:rPr lang="en-US" sz="1200" dirty="0">
+                <a:solidFill>
+                  <a:schemeClr val="bg2">
+                    <a:lumMod val="10000"/>
+                  </a:schemeClr>
+                </a:solidFill>
+                <a:latin typeface="Candara" panose="020E0502030303020204" pitchFamily="34" charset="0"/>
+              </a:rPr>
+              <a:t> </a:t>
+            </a:r>
+            <a:r>
+              <a:rPr lang="en-US" sz="1200" dirty="0" err="1">
+                <a:solidFill>
+                  <a:schemeClr val="bg2">
+                    <a:lumMod val="10000"/>
+                  </a:schemeClr>
+                </a:solidFill>
+                <a:latin typeface="Candara" panose="020E0502030303020204" pitchFamily="34" charset="0"/>
+              </a:rPr>
+              <a:t>nel</a:t>
+            </a:r>
+            <a:r>
+              <a:rPr lang="en-US" sz="1200" dirty="0">
+                <a:solidFill>
+                  <a:schemeClr val="bg2">
+                    <a:lumMod val="10000"/>
+                  </a:schemeClr>
+                </a:solidFill>
+                <a:latin typeface="Candara" panose="020E0502030303020204" pitchFamily="34" charset="0"/>
+              </a:rPr>
+              <a:t> paper, </a:t>
+            </a:r>
+            <a:r>
+              <a:rPr lang="en-US" sz="1200" dirty="0" err="1">
+                <a:solidFill>
+                  <a:schemeClr val="bg2">
+                    <a:lumMod val="10000"/>
+                  </a:schemeClr>
+                </a:solidFill>
+                <a:latin typeface="Candara" panose="020E0502030303020204" pitchFamily="34" charset="0"/>
+              </a:rPr>
+              <a:t>sia</a:t>
+            </a:r>
+            <a:r>
+              <a:rPr lang="en-US" sz="1200" dirty="0">
+                <a:solidFill>
+                  <a:schemeClr val="bg2">
+                    <a:lumMod val="10000"/>
+                  </a:schemeClr>
+                </a:solidFill>
+                <a:latin typeface="Candara" panose="020E0502030303020204" pitchFamily="34" charset="0"/>
+              </a:rPr>
+              <a:t> </a:t>
+            </a:r>
+            <a:r>
+              <a:rPr lang="en-US" sz="1200" dirty="0" err="1">
+                <a:solidFill>
+                  <a:schemeClr val="bg2">
+                    <a:lumMod val="10000"/>
+                  </a:schemeClr>
+                </a:solidFill>
+                <a:latin typeface="Candara" panose="020E0502030303020204" pitchFamily="34" charset="0"/>
+              </a:rPr>
+              <a:t>altre</a:t>
+            </a:r>
+            <a:r>
+              <a:rPr lang="en-US" sz="1200" dirty="0">
+                <a:solidFill>
+                  <a:schemeClr val="bg2">
+                    <a:lumMod val="10000"/>
+                  </a:schemeClr>
+                </a:solidFill>
+                <a:latin typeface="Candara" panose="020E0502030303020204" pitchFamily="34" charset="0"/>
+              </a:rPr>
+              <a:t> di nostra </a:t>
+            </a:r>
+            <a:r>
+              <a:rPr lang="en-US" sz="1200" dirty="0" err="1">
+                <a:solidFill>
+                  <a:schemeClr val="bg2">
+                    <a:lumMod val="10000"/>
+                  </a:schemeClr>
+                </a:solidFill>
+                <a:latin typeface="Candara" panose="020E0502030303020204" pitchFamily="34" charset="0"/>
+              </a:rPr>
+              <a:t>concezione</a:t>
+            </a:r>
+            <a:r>
+              <a:rPr lang="en-US" sz="1200" dirty="0">
+                <a:solidFill>
+                  <a:schemeClr val="bg2">
+                    <a:lumMod val="10000"/>
+                  </a:schemeClr>
+                </a:solidFill>
+                <a:latin typeface="Candara" panose="020E0502030303020204" pitchFamily="34" charset="0"/>
+              </a:rPr>
+              <a:t>, </a:t>
+            </a:r>
+            <a:r>
+              <a:rPr lang="en-US" sz="1200" dirty="0" err="1">
+                <a:solidFill>
+                  <a:schemeClr val="bg2">
+                    <a:lumMod val="10000"/>
+                  </a:schemeClr>
+                </a:solidFill>
+                <a:latin typeface="Candara" panose="020E0502030303020204" pitchFamily="34" charset="0"/>
+              </a:rPr>
+              <a:t>limitando</a:t>
+            </a:r>
+            <a:r>
+              <a:rPr lang="en-US" sz="1200" dirty="0">
+                <a:solidFill>
+                  <a:schemeClr val="bg2">
+                    <a:lumMod val="10000"/>
+                  </a:schemeClr>
+                </a:solidFill>
+                <a:latin typeface="Candara" panose="020E0502030303020204" pitchFamily="34" charset="0"/>
+              </a:rPr>
+              <a:t> </a:t>
+            </a:r>
+            <a:r>
+              <a:rPr lang="en-US" sz="1200" dirty="0" err="1">
+                <a:solidFill>
+                  <a:schemeClr val="bg2">
+                    <a:lumMod val="10000"/>
+                  </a:schemeClr>
+                </a:solidFill>
+                <a:latin typeface="Candara" panose="020E0502030303020204" pitchFamily="34" charset="0"/>
+              </a:rPr>
+              <a:t>il</a:t>
+            </a:r>
+            <a:r>
+              <a:rPr lang="en-US" sz="1200" dirty="0">
+                <a:solidFill>
+                  <a:schemeClr val="bg2">
+                    <a:lumMod val="10000"/>
+                  </a:schemeClr>
+                </a:solidFill>
+                <a:latin typeface="Candara" panose="020E0502030303020204" pitchFamily="34" charset="0"/>
+              </a:rPr>
+              <a:t> </a:t>
+            </a:r>
+            <a:r>
+              <a:rPr lang="en-US" sz="1200" dirty="0" err="1">
+                <a:solidFill>
+                  <a:schemeClr val="bg2">
+                    <a:lumMod val="10000"/>
+                  </a:schemeClr>
+                </a:solidFill>
+                <a:latin typeface="Candara" panose="020E0502030303020204" pitchFamily="34" charset="0"/>
+              </a:rPr>
+              <a:t>più</a:t>
+            </a:r>
+            <a:r>
+              <a:rPr lang="en-US" sz="1200" dirty="0">
+                <a:solidFill>
+                  <a:schemeClr val="bg2">
+                    <a:lumMod val="10000"/>
+                  </a:schemeClr>
+                </a:solidFill>
+                <a:latin typeface="Candara" panose="020E0502030303020204" pitchFamily="34" charset="0"/>
+              </a:rPr>
+              <a:t> </a:t>
+            </a:r>
+            <a:r>
+              <a:rPr lang="en-US" sz="1200" dirty="0" err="1">
+                <a:solidFill>
+                  <a:schemeClr val="bg2">
+                    <a:lumMod val="10000"/>
+                  </a:schemeClr>
+                </a:solidFill>
+                <a:latin typeface="Candara" panose="020E0502030303020204" pitchFamily="34" charset="0"/>
+              </a:rPr>
+              <a:t>possibile</a:t>
+            </a:r>
+            <a:r>
+              <a:rPr lang="en-US" sz="1200" dirty="0">
+                <a:solidFill>
+                  <a:schemeClr val="bg2">
+                    <a:lumMod val="10000"/>
+                  </a:schemeClr>
+                </a:solidFill>
+                <a:latin typeface="Candara" panose="020E0502030303020204" pitchFamily="34" charset="0"/>
+              </a:rPr>
+              <a:t> </a:t>
+            </a:r>
+            <a:r>
+              <a:rPr lang="en-US" sz="1200" dirty="0" err="1">
+                <a:solidFill>
+                  <a:schemeClr val="bg2">
+                    <a:lumMod val="10000"/>
+                  </a:schemeClr>
+                </a:solidFill>
+                <a:latin typeface="Candara" panose="020E0502030303020204" pitchFamily="34" charset="0"/>
+              </a:rPr>
+              <a:t>i</a:t>
+            </a:r>
+            <a:r>
+              <a:rPr lang="en-US" sz="1200" dirty="0">
+                <a:solidFill>
+                  <a:schemeClr val="bg2">
+                    <a:lumMod val="10000"/>
+                  </a:schemeClr>
+                </a:solidFill>
+                <a:latin typeface="Candara" panose="020E0502030303020204" pitchFamily="34" charset="0"/>
+              </a:rPr>
+              <a:t> tempi di </a:t>
+            </a:r>
+            <a:r>
+              <a:rPr lang="en-US" sz="1200" dirty="0" err="1">
+                <a:solidFill>
+                  <a:schemeClr val="bg2">
+                    <a:lumMod val="10000"/>
+                  </a:schemeClr>
+                </a:solidFill>
+                <a:latin typeface="Candara" panose="020E0502030303020204" pitchFamily="34" charset="0"/>
+              </a:rPr>
+              <a:t>esecuzione</a:t>
+            </a:r>
+            <a:r>
+              <a:rPr lang="en-US" sz="1200" dirty="0">
+                <a:solidFill>
+                  <a:schemeClr val="bg2">
+                    <a:lumMod val="10000"/>
+                  </a:schemeClr>
+                </a:solidFill>
+                <a:latin typeface="Candara" panose="020E0502030303020204" pitchFamily="34" charset="0"/>
+              </a:rPr>
+              <a:t>.</a:t>
+            </a:r>
+          </a:p>
+        </p:txBody>
+      </p:sp>
+      <p:sp>
+        <p:nvSpPr>
+          <p:cNvPr id="15" name="TextBox 25">
+            <a:extLst>
+              <a:ext uri="{FF2B5EF4-FFF2-40B4-BE49-F238E27FC236}">
+                <a16:creationId xmlns:a16="http://schemas.microsoft.com/office/drawing/2014/main" id="{7F91E70A-48DC-46DE-A74F-6CD75A110136}"/>
+              </a:ext>
+            </a:extLst>
+          </p:cNvPr>
+          <p:cNvSpPr txBox="1"/>
+          <p:nvPr/>
+        </p:nvSpPr>
+        <p:spPr>
+          <a:xfrm>
+            <a:off x="3795779" y="4202448"/>
+            <a:ext cx="5256123" cy="744819"/>
+          </a:xfrm>
+          <a:prstGeom prst="rect">
+            <a:avLst/>
+          </a:prstGeom>
+          <a:noFill/>
+        </p:spPr>
+        <p:txBody>
+          <a:bodyPr wrap="square" rtlCol="0">
+            <a:spAutoFit/>
+          </a:bodyPr>
+          <a:lstStyle/>
+          <a:p>
+            <a:pPr algn="ctr" defTabSz="1219170">
+              <a:spcBef>
+                <a:spcPct val="20000"/>
+              </a:spcBef>
+              <a:defRPr/>
+            </a:pPr>
+            <a:r>
+              <a:rPr lang="it-IT" sz="1600" dirty="0">
+                <a:solidFill>
+                  <a:srgbClr val="FF0000"/>
+                </a:solidFill>
+                <a:latin typeface="Candara" panose="020E0502030303020204" pitchFamily="34" charset="0"/>
+              </a:rPr>
+              <a:t>Calcolo </a:t>
+            </a:r>
+            <a:r>
+              <a:rPr lang="el-GR" sz="1600" dirty="0">
+                <a:solidFill>
+                  <a:srgbClr val="FF0000"/>
+                </a:solidFill>
+                <a:latin typeface="Candara" panose="020E0502030303020204" pitchFamily="34" charset="0"/>
+              </a:rPr>
+              <a:t>σ</a:t>
+            </a:r>
+            <a:r>
+              <a:rPr lang="it-IT" sz="1600" dirty="0">
+                <a:solidFill>
+                  <a:srgbClr val="FF0000"/>
+                </a:solidFill>
+                <a:latin typeface="Candara" panose="020E0502030303020204" pitchFamily="34" charset="0"/>
+              </a:rPr>
+              <a:t>+</a:t>
+            </a:r>
+            <a:r>
+              <a:rPr lang="en-US" sz="1600" dirty="0">
+                <a:solidFill>
+                  <a:srgbClr val="FF0000"/>
+                </a:solidFill>
+                <a:latin typeface="Candara" panose="020E0502030303020204" pitchFamily="34" charset="0"/>
+              </a:rPr>
+              <a:t> e </a:t>
+            </a:r>
+            <a:r>
+              <a:rPr lang="el-GR" sz="1600" dirty="0">
+                <a:solidFill>
+                  <a:srgbClr val="FF0000"/>
+                </a:solidFill>
+                <a:latin typeface="Candara" panose="020E0502030303020204" pitchFamily="34" charset="0"/>
+              </a:rPr>
+              <a:t>σ</a:t>
+            </a:r>
+            <a:r>
+              <a:rPr lang="it-IT" sz="1600" dirty="0">
+                <a:solidFill>
+                  <a:srgbClr val="FF0000"/>
+                </a:solidFill>
+                <a:latin typeface="Candara" panose="020E0502030303020204" pitchFamily="34" charset="0"/>
+              </a:rPr>
+              <a:t>-, </a:t>
+            </a:r>
+            <a:r>
+              <a:rPr lang="it-IT" sz="1600" dirty="0" err="1">
+                <a:solidFill>
+                  <a:srgbClr val="FF0000"/>
+                </a:solidFill>
+                <a:latin typeface="Candara" panose="020E0502030303020204" pitchFamily="34" charset="0"/>
+              </a:rPr>
+              <a:t>identity</a:t>
+            </a:r>
+            <a:r>
+              <a:rPr lang="it-IT" sz="1600" dirty="0">
+                <a:solidFill>
+                  <a:srgbClr val="FF0000"/>
+                </a:solidFill>
+                <a:latin typeface="Candara" panose="020E0502030303020204" pitchFamily="34" charset="0"/>
+              </a:rPr>
+              <a:t> </a:t>
+            </a:r>
+            <a:r>
+              <a:rPr lang="it-IT" sz="1600" dirty="0" err="1">
+                <a:solidFill>
+                  <a:srgbClr val="FF0000"/>
+                </a:solidFill>
+                <a:latin typeface="Candara" panose="020E0502030303020204" pitchFamily="34" charset="0"/>
+              </a:rPr>
+              <a:t>error</a:t>
+            </a:r>
+            <a:endParaRPr lang="en-US" sz="1600" b="1" dirty="0">
+              <a:solidFill>
+                <a:srgbClr val="FF0000"/>
+              </a:solidFill>
+              <a:latin typeface="Candara" panose="020E0502030303020204" pitchFamily="34" charset="0"/>
+            </a:endParaRPr>
+          </a:p>
+          <a:p>
+            <a:pPr algn="ctr" defTabSz="1219170">
+              <a:spcBef>
+                <a:spcPct val="20000"/>
+              </a:spcBef>
+              <a:defRPr/>
+            </a:pPr>
+            <a:r>
+              <a:rPr lang="en-US" sz="1200" dirty="0" err="1">
+                <a:solidFill>
+                  <a:schemeClr val="bg2">
+                    <a:lumMod val="10000"/>
+                  </a:schemeClr>
+                </a:solidFill>
+                <a:latin typeface="Candara" panose="020E0502030303020204" pitchFamily="34" charset="0"/>
+              </a:rPr>
+              <a:t>Abbiamo</a:t>
+            </a:r>
+            <a:r>
+              <a:rPr lang="en-US" sz="1200" dirty="0">
+                <a:solidFill>
+                  <a:schemeClr val="bg2">
+                    <a:lumMod val="10000"/>
+                  </a:schemeClr>
+                </a:solidFill>
+                <a:latin typeface="Candara" panose="020E0502030303020204" pitchFamily="34" charset="0"/>
+              </a:rPr>
+              <a:t> </a:t>
+            </a:r>
+            <a:r>
+              <a:rPr lang="en-US" sz="1200" dirty="0" err="1">
+                <a:solidFill>
+                  <a:schemeClr val="bg2">
+                    <a:lumMod val="10000"/>
+                  </a:schemeClr>
+                </a:solidFill>
+                <a:latin typeface="Candara" panose="020E0502030303020204" pitchFamily="34" charset="0"/>
+              </a:rPr>
+              <a:t>distinto</a:t>
+            </a:r>
+            <a:r>
+              <a:rPr lang="en-US" sz="1200" dirty="0">
+                <a:solidFill>
+                  <a:schemeClr val="bg2">
+                    <a:lumMod val="10000"/>
+                  </a:schemeClr>
+                </a:solidFill>
+                <a:latin typeface="Candara" panose="020E0502030303020204" pitchFamily="34" charset="0"/>
+              </a:rPr>
+              <a:t> R in </a:t>
+            </a:r>
+            <a:r>
+              <a:rPr lang="en-US" sz="1200" dirty="0" err="1">
+                <a:solidFill>
+                  <a:schemeClr val="bg2">
+                    <a:lumMod val="10000"/>
+                  </a:schemeClr>
+                </a:solidFill>
+                <a:latin typeface="Candara" panose="020E0502030303020204" pitchFamily="34" charset="0"/>
+              </a:rPr>
+              <a:t>R_plus</a:t>
+            </a:r>
+            <a:r>
+              <a:rPr lang="en-US" sz="1200" dirty="0">
+                <a:solidFill>
+                  <a:schemeClr val="bg2">
+                    <a:lumMod val="10000"/>
+                  </a:schemeClr>
+                </a:solidFill>
+                <a:latin typeface="Candara" panose="020E0502030303020204" pitchFamily="34" charset="0"/>
+              </a:rPr>
+              <a:t> ed </a:t>
+            </a:r>
+            <a:r>
+              <a:rPr lang="en-US" sz="1200" dirty="0" err="1">
+                <a:solidFill>
+                  <a:schemeClr val="bg2">
+                    <a:lumMod val="10000"/>
+                  </a:schemeClr>
+                </a:solidFill>
+                <a:latin typeface="Candara" panose="020E0502030303020204" pitchFamily="34" charset="0"/>
+              </a:rPr>
+              <a:t>R_minus</a:t>
+            </a:r>
+            <a:r>
+              <a:rPr lang="en-US" sz="1200" dirty="0">
+                <a:solidFill>
+                  <a:schemeClr val="bg2">
+                    <a:lumMod val="10000"/>
+                  </a:schemeClr>
+                </a:solidFill>
+                <a:latin typeface="Candara" panose="020E0502030303020204" pitchFamily="34" charset="0"/>
+              </a:rPr>
+              <a:t> (</a:t>
+            </a:r>
+            <a:r>
+              <a:rPr lang="en-US" sz="1200" dirty="0" err="1">
+                <a:solidFill>
+                  <a:schemeClr val="bg2">
+                    <a:lumMod val="10000"/>
+                  </a:schemeClr>
+                </a:solidFill>
+                <a:latin typeface="Candara" panose="020E0502030303020204" pitchFamily="34" charset="0"/>
+              </a:rPr>
+              <a:t>rispettivamente</a:t>
+            </a:r>
+            <a:r>
+              <a:rPr lang="en-US" sz="1200" dirty="0">
+                <a:solidFill>
+                  <a:schemeClr val="bg2">
+                    <a:lumMod val="10000"/>
+                  </a:schemeClr>
+                </a:solidFill>
+                <a:latin typeface="Candara" panose="020E0502030303020204" pitchFamily="34" charset="0"/>
+              </a:rPr>
+              <a:t> per </a:t>
+            </a:r>
+            <a:r>
+              <a:rPr lang="en-US" sz="1200" dirty="0" err="1">
+                <a:solidFill>
+                  <a:schemeClr val="bg2">
+                    <a:lumMod val="10000"/>
+                  </a:schemeClr>
+                </a:solidFill>
+                <a:latin typeface="Candara" panose="020E0502030303020204" pitchFamily="34" charset="0"/>
+              </a:rPr>
+              <a:t>i</a:t>
+            </a:r>
+            <a:r>
+              <a:rPr lang="en-US" sz="1200" dirty="0">
+                <a:solidFill>
+                  <a:schemeClr val="bg2">
+                    <a:lumMod val="10000"/>
+                  </a:schemeClr>
+                </a:solidFill>
+                <a:latin typeface="Candara" panose="020E0502030303020204" pitchFamily="34" charset="0"/>
+              </a:rPr>
+              <a:t> </a:t>
+            </a:r>
+            <a:r>
+              <a:rPr lang="en-US" sz="1200" dirty="0" err="1">
+                <a:solidFill>
+                  <a:schemeClr val="bg2">
+                    <a:lumMod val="10000"/>
+                  </a:schemeClr>
+                </a:solidFill>
+                <a:latin typeface="Candara" panose="020E0502030303020204" pitchFamily="34" charset="0"/>
+              </a:rPr>
+              <a:t>falsi</a:t>
+            </a:r>
+            <a:r>
+              <a:rPr lang="en-US" sz="1200" dirty="0">
+                <a:solidFill>
+                  <a:schemeClr val="bg2">
+                    <a:lumMod val="10000"/>
+                  </a:schemeClr>
+                </a:solidFill>
+                <a:latin typeface="Candara" panose="020E0502030303020204" pitchFamily="34" charset="0"/>
+              </a:rPr>
+              <a:t> </a:t>
+            </a:r>
+            <a:r>
+              <a:rPr lang="en-US" sz="1200" dirty="0" err="1">
+                <a:solidFill>
+                  <a:schemeClr val="bg2">
+                    <a:lumMod val="10000"/>
+                  </a:schemeClr>
+                </a:solidFill>
+                <a:latin typeface="Candara" panose="020E0502030303020204" pitchFamily="34" charset="0"/>
+              </a:rPr>
+              <a:t>positivi</a:t>
+            </a:r>
+            <a:r>
+              <a:rPr lang="en-US" sz="1200" dirty="0">
+                <a:solidFill>
+                  <a:schemeClr val="bg2">
+                    <a:lumMod val="10000"/>
+                  </a:schemeClr>
+                </a:solidFill>
+                <a:latin typeface="Candara" panose="020E0502030303020204" pitchFamily="34" charset="0"/>
+              </a:rPr>
+              <a:t> ed </a:t>
+            </a:r>
+            <a:r>
+              <a:rPr lang="en-US" sz="1200" dirty="0" err="1">
+                <a:solidFill>
+                  <a:schemeClr val="bg2">
+                    <a:lumMod val="10000"/>
+                  </a:schemeClr>
+                </a:solidFill>
+                <a:latin typeface="Candara" panose="020E0502030303020204" pitchFamily="34" charset="0"/>
+              </a:rPr>
+              <a:t>i</a:t>
+            </a:r>
+            <a:r>
+              <a:rPr lang="en-US" sz="1200" dirty="0">
+                <a:solidFill>
+                  <a:schemeClr val="bg2">
+                    <a:lumMod val="10000"/>
+                  </a:schemeClr>
+                </a:solidFill>
+                <a:latin typeface="Candara" panose="020E0502030303020204" pitchFamily="34" charset="0"/>
+              </a:rPr>
+              <a:t> </a:t>
+            </a:r>
+            <a:r>
+              <a:rPr lang="en-US" sz="1200" dirty="0" err="1">
+                <a:solidFill>
+                  <a:schemeClr val="bg2">
+                    <a:lumMod val="10000"/>
+                  </a:schemeClr>
+                </a:solidFill>
+                <a:latin typeface="Candara" panose="020E0502030303020204" pitchFamily="34" charset="0"/>
+              </a:rPr>
+              <a:t>falsi</a:t>
+            </a:r>
+            <a:r>
+              <a:rPr lang="en-US" sz="1200" dirty="0">
+                <a:solidFill>
+                  <a:schemeClr val="bg2">
+                    <a:lumMod val="10000"/>
+                  </a:schemeClr>
+                </a:solidFill>
+                <a:latin typeface="Candara" panose="020E0502030303020204" pitchFamily="34" charset="0"/>
+              </a:rPr>
+              <a:t> </a:t>
+            </a:r>
+            <a:r>
+              <a:rPr lang="en-US" sz="1200" dirty="0" err="1">
+                <a:solidFill>
+                  <a:schemeClr val="bg2">
+                    <a:lumMod val="10000"/>
+                  </a:schemeClr>
+                </a:solidFill>
+                <a:latin typeface="Candara" panose="020E0502030303020204" pitchFamily="34" charset="0"/>
+              </a:rPr>
+              <a:t>negativi</a:t>
+            </a:r>
+            <a:r>
+              <a:rPr lang="en-US" sz="1200" dirty="0">
+                <a:solidFill>
+                  <a:schemeClr val="bg2">
+                    <a:lumMod val="10000"/>
+                  </a:schemeClr>
+                </a:solidFill>
+                <a:latin typeface="Candara" panose="020E0502030303020204" pitchFamily="34" charset="0"/>
+              </a:rPr>
+              <a:t>), </a:t>
+            </a:r>
+            <a:r>
+              <a:rPr lang="en-US" sz="1200" dirty="0" err="1">
+                <a:solidFill>
+                  <a:schemeClr val="bg2">
+                    <a:lumMod val="10000"/>
+                  </a:schemeClr>
+                </a:solidFill>
+                <a:latin typeface="Candara" panose="020E0502030303020204" pitchFamily="34" charset="0"/>
+              </a:rPr>
+              <a:t>ottenendo</a:t>
+            </a:r>
+            <a:r>
+              <a:rPr lang="en-US" sz="1200" dirty="0">
+                <a:solidFill>
+                  <a:schemeClr val="bg2">
+                    <a:lumMod val="10000"/>
+                  </a:schemeClr>
+                </a:solidFill>
+                <a:latin typeface="Candara" panose="020E0502030303020204" pitchFamily="34" charset="0"/>
+              </a:rPr>
+              <a:t> </a:t>
+            </a:r>
+            <a:r>
+              <a:rPr lang="en-US" sz="1200" dirty="0" err="1">
+                <a:solidFill>
+                  <a:schemeClr val="bg2">
+                    <a:lumMod val="10000"/>
+                  </a:schemeClr>
+                </a:solidFill>
+                <a:latin typeface="Candara" panose="020E0502030303020204" pitchFamily="34" charset="0"/>
+              </a:rPr>
+              <a:t>così</a:t>
+            </a:r>
+            <a:r>
+              <a:rPr lang="en-US" sz="1200" dirty="0">
+                <a:solidFill>
+                  <a:schemeClr val="bg2">
+                    <a:lumMod val="10000"/>
+                  </a:schemeClr>
+                </a:solidFill>
+                <a:latin typeface="Candara" panose="020E0502030303020204" pitchFamily="34" charset="0"/>
+              </a:rPr>
+              <a:t> </a:t>
+            </a:r>
+            <a:r>
+              <a:rPr lang="en-US" sz="1200" dirty="0" err="1">
+                <a:solidFill>
+                  <a:schemeClr val="bg2">
+                    <a:lumMod val="10000"/>
+                  </a:schemeClr>
+                </a:solidFill>
+                <a:latin typeface="Candara" panose="020E0502030303020204" pitchFamily="34" charset="0"/>
+              </a:rPr>
+              <a:t>risultati</a:t>
+            </a:r>
+            <a:r>
+              <a:rPr lang="en-US" sz="1200" dirty="0">
+                <a:solidFill>
+                  <a:schemeClr val="bg2">
+                    <a:lumMod val="10000"/>
+                  </a:schemeClr>
+                </a:solidFill>
+                <a:latin typeface="Candara" panose="020E0502030303020204" pitchFamily="34" charset="0"/>
+              </a:rPr>
+              <a:t> </a:t>
+            </a:r>
+            <a:r>
+              <a:rPr lang="en-US" sz="1200" dirty="0" err="1">
+                <a:solidFill>
+                  <a:schemeClr val="bg2">
+                    <a:lumMod val="10000"/>
+                  </a:schemeClr>
+                </a:solidFill>
+                <a:latin typeface="Candara" panose="020E0502030303020204" pitchFamily="34" charset="0"/>
+              </a:rPr>
+              <a:t>sensati</a:t>
+            </a:r>
+            <a:r>
+              <a:rPr lang="en-US" sz="1200" dirty="0">
+                <a:solidFill>
+                  <a:schemeClr val="bg2">
+                    <a:lumMod val="10000"/>
+                  </a:schemeClr>
+                </a:solidFill>
+                <a:latin typeface="Candara" panose="020E0502030303020204" pitchFamily="34" charset="0"/>
+              </a:rPr>
+              <a:t>.</a:t>
+            </a:r>
+          </a:p>
+        </p:txBody>
+      </p:sp>
+      <p:sp>
+        <p:nvSpPr>
+          <p:cNvPr id="16" name="Teardrop 45">
+            <a:extLst>
+              <a:ext uri="{FF2B5EF4-FFF2-40B4-BE49-F238E27FC236}">
+                <a16:creationId xmlns:a16="http://schemas.microsoft.com/office/drawing/2014/main" id="{76E9DDE6-BCA2-440C-99BE-5AC75B222CBC}"/>
+              </a:ext>
+            </a:extLst>
+          </p:cNvPr>
+          <p:cNvSpPr/>
+          <p:nvPr/>
+        </p:nvSpPr>
+        <p:spPr>
+          <a:xfrm rot="2720395">
+            <a:off x="3416065" y="5264133"/>
+            <a:ext cx="360000" cy="360000"/>
+          </a:xfrm>
+          <a:prstGeom prst="teardrop">
+            <a:avLst/>
+          </a:prstGeom>
+          <a:solidFill>
+            <a:srgbClr val="7030A0"/>
+          </a:solidFill>
+          <a:ln>
+            <a:noFill/>
+          </a:ln>
+          <a:effectLst>
+            <a:outerShdw blurRad="50800" dist="38100" algn="l" rotWithShape="0">
+              <a:prstClr val="black">
+                <a:alpha val="40000"/>
+              </a:prstClr>
+            </a:outerShdw>
+          </a:effectLst>
+        </p:spPr>
+        <p:style>
+          <a:lnRef idx="2">
+            <a:schemeClr val="accent1">
+              <a:shade val="50000"/>
+            </a:schemeClr>
+          </a:lnRef>
+          <a:fillRef idx="1">
+            <a:schemeClr val="accent1"/>
+          </a:fillRef>
+          <a:effectRef idx="0">
+            <a:schemeClr val="accent1"/>
+          </a:effectRef>
+          <a:fontRef idx="minor">
+            <a:schemeClr val="lt1"/>
+          </a:fontRef>
+        </p:style>
+        <p:txBody>
+          <a:bodyPr rtlCol="0" anchor="ctr"/>
+          <a:lstStyle/>
+          <a:p>
+            <a:pPr algn="ctr"/>
+            <a:endParaRPr lang="en-US" dirty="0"/>
+          </a:p>
+        </p:txBody>
+      </p:sp>
+      <p:sp>
+        <p:nvSpPr>
+          <p:cNvPr id="17" name="TextBox 25">
+            <a:extLst>
+              <a:ext uri="{FF2B5EF4-FFF2-40B4-BE49-F238E27FC236}">
+                <a16:creationId xmlns:a16="http://schemas.microsoft.com/office/drawing/2014/main" id="{A1AD93D5-92DB-4178-85C4-3D019DEBC4E0}"/>
+              </a:ext>
+            </a:extLst>
+          </p:cNvPr>
+          <p:cNvSpPr txBox="1"/>
+          <p:nvPr/>
+        </p:nvSpPr>
+        <p:spPr>
+          <a:xfrm>
+            <a:off x="3795778" y="5071011"/>
+            <a:ext cx="5256123" cy="560153"/>
+          </a:xfrm>
+          <a:prstGeom prst="rect">
+            <a:avLst/>
+          </a:prstGeom>
+          <a:noFill/>
+        </p:spPr>
+        <p:txBody>
+          <a:bodyPr wrap="square" rtlCol="0">
+            <a:spAutoFit/>
+          </a:bodyPr>
+          <a:lstStyle/>
+          <a:p>
+            <a:pPr algn="ctr" defTabSz="1219170">
+              <a:spcBef>
+                <a:spcPct val="20000"/>
+              </a:spcBef>
+              <a:defRPr/>
+            </a:pPr>
+            <a:r>
               <a:rPr lang="it-IT" sz="1600" dirty="0">
                 <a:solidFill>
                   <a:srgbClr val="7030A0"/>
@@ -14666,183 +17341,7 @@
                 </a:solidFill>
                 <a:latin typeface="Candara" panose="020E0502030303020204" pitchFamily="34" charset="0"/>
               </a:rPr>
-              <a:t>I </a:t>
-            </a:r>
-            <a:r>
-              <a:rPr lang="en-US" sz="1200" dirty="0" err="1">
-                <a:solidFill>
-                  <a:schemeClr val="bg2">
-                    <a:lumMod val="10000"/>
-                  </a:schemeClr>
-                </a:solidFill>
-                <a:latin typeface="Candara" panose="020E0502030303020204" pitchFamily="34" charset="0"/>
-              </a:rPr>
-              <a:t>valori</a:t>
-            </a:r>
-            <a:r>
-              <a:rPr lang="en-US" sz="1200" dirty="0">
-                <a:solidFill>
-                  <a:schemeClr val="bg2">
-                    <a:lumMod val="10000"/>
-                  </a:schemeClr>
-                </a:solidFill>
-                <a:latin typeface="Candara" panose="020E0502030303020204" pitchFamily="34" charset="0"/>
-              </a:rPr>
-              <a:t> </a:t>
-            </a:r>
-            <a:r>
-              <a:rPr lang="en-US" sz="1200" dirty="0" err="1">
-                <a:solidFill>
-                  <a:schemeClr val="bg2">
-                    <a:lumMod val="10000"/>
-                  </a:schemeClr>
-                </a:solidFill>
-                <a:latin typeface="Candara" panose="020E0502030303020204" pitchFamily="34" charset="0"/>
-              </a:rPr>
-              <a:t>ottenuti</a:t>
-            </a:r>
-            <a:r>
-              <a:rPr lang="en-US" sz="1200" dirty="0">
-                <a:solidFill>
-                  <a:schemeClr val="bg2">
-                    <a:lumMod val="10000"/>
-                  </a:schemeClr>
-                </a:solidFill>
-                <a:latin typeface="Candara" panose="020E0502030303020204" pitchFamily="34" charset="0"/>
-              </a:rPr>
-              <a:t> </a:t>
-            </a:r>
-            <a:r>
-              <a:rPr lang="en-US" sz="1200" dirty="0" err="1">
-                <a:solidFill>
-                  <a:schemeClr val="bg2">
-                    <a:lumMod val="10000"/>
-                  </a:schemeClr>
-                </a:solidFill>
-                <a:latin typeface="Candara" panose="020E0502030303020204" pitchFamily="34" charset="0"/>
-              </a:rPr>
-              <a:t>risultato</a:t>
-            </a:r>
-            <a:r>
-              <a:rPr lang="en-US" sz="1200" dirty="0">
-                <a:solidFill>
-                  <a:schemeClr val="bg2">
-                    <a:lumMod val="10000"/>
-                  </a:schemeClr>
-                </a:solidFill>
-                <a:latin typeface="Candara" panose="020E0502030303020204" pitchFamily="34" charset="0"/>
-              </a:rPr>
-              <a:t> </a:t>
-            </a:r>
-            <a:r>
-              <a:rPr lang="en-US" sz="1200" dirty="0" err="1">
-                <a:solidFill>
-                  <a:schemeClr val="bg2">
-                    <a:lumMod val="10000"/>
-                  </a:schemeClr>
-                </a:solidFill>
-                <a:latin typeface="Candara" panose="020E0502030303020204" pitchFamily="34" charset="0"/>
-              </a:rPr>
-              <a:t>totalmente</a:t>
-            </a:r>
-            <a:r>
-              <a:rPr lang="en-US" sz="1200" dirty="0">
-                <a:solidFill>
-                  <a:schemeClr val="bg2">
-                    <a:lumMod val="10000"/>
-                  </a:schemeClr>
-                </a:solidFill>
-                <a:latin typeface="Candara" panose="020E0502030303020204" pitchFamily="34" charset="0"/>
-              </a:rPr>
-              <a:t> </a:t>
-            </a:r>
-            <a:r>
-              <a:rPr lang="en-US" sz="1200" dirty="0" err="1">
-                <a:solidFill>
-                  <a:schemeClr val="bg2">
-                    <a:lumMod val="10000"/>
-                  </a:schemeClr>
-                </a:solidFill>
-                <a:latin typeface="Candara" panose="020E0502030303020204" pitchFamily="34" charset="0"/>
-              </a:rPr>
-              <a:t>divergenti</a:t>
-            </a:r>
-            <a:r>
-              <a:rPr lang="en-US" sz="1200" dirty="0">
-                <a:solidFill>
-                  <a:schemeClr val="bg2">
-                    <a:lumMod val="10000"/>
-                  </a:schemeClr>
-                </a:solidFill>
-                <a:latin typeface="Candara" panose="020E0502030303020204" pitchFamily="34" charset="0"/>
-              </a:rPr>
-              <a:t> rispetto a </a:t>
-            </a:r>
-            <a:r>
-              <a:rPr lang="en-US" sz="1200" dirty="0" err="1">
-                <a:solidFill>
-                  <a:schemeClr val="bg2">
-                    <a:lumMod val="10000"/>
-                  </a:schemeClr>
-                </a:solidFill>
-                <a:latin typeface="Candara" panose="020E0502030303020204" pitchFamily="34" charset="0"/>
-              </a:rPr>
-              <a:t>quelli</a:t>
-            </a:r>
-            <a:r>
-              <a:rPr lang="en-US" sz="1200" dirty="0">
-                <a:solidFill>
-                  <a:schemeClr val="bg2">
-                    <a:lumMod val="10000"/>
-                  </a:schemeClr>
-                </a:solidFill>
-                <a:latin typeface="Candara" panose="020E0502030303020204" pitchFamily="34" charset="0"/>
-              </a:rPr>
-              <a:t> </a:t>
-            </a:r>
-            <a:r>
-              <a:rPr lang="en-US" sz="1200" dirty="0" err="1">
-                <a:solidFill>
-                  <a:schemeClr val="bg2">
-                    <a:lumMod val="10000"/>
-                  </a:schemeClr>
-                </a:solidFill>
-                <a:latin typeface="Candara" panose="020E0502030303020204" pitchFamily="34" charset="0"/>
-              </a:rPr>
-              <a:t>mostrati</a:t>
-            </a:r>
-            <a:r>
-              <a:rPr lang="en-US" sz="1200" dirty="0">
-                <a:solidFill>
-                  <a:schemeClr val="bg2">
-                    <a:lumMod val="10000"/>
-                  </a:schemeClr>
-                </a:solidFill>
-                <a:latin typeface="Candara" panose="020E0502030303020204" pitchFamily="34" charset="0"/>
-              </a:rPr>
-              <a:t> </a:t>
-            </a:r>
-            <a:r>
-              <a:rPr lang="en-US" sz="1200" dirty="0" err="1">
-                <a:solidFill>
-                  <a:schemeClr val="bg2">
-                    <a:lumMod val="10000"/>
-                  </a:schemeClr>
-                </a:solidFill>
-                <a:latin typeface="Candara" panose="020E0502030303020204" pitchFamily="34" charset="0"/>
-              </a:rPr>
-              <a:t>nel</a:t>
-            </a:r>
-            <a:r>
-              <a:rPr lang="en-US" sz="1200" dirty="0">
-                <a:solidFill>
-                  <a:schemeClr val="bg2">
-                    <a:lumMod val="10000"/>
-                  </a:schemeClr>
-                </a:solidFill>
-                <a:latin typeface="Candara" panose="020E0502030303020204" pitchFamily="34" charset="0"/>
-              </a:rPr>
-              <a:t> paper.</a:t>
+              <a:t>TO CHECK</a:t>
             </a:r>
           </a:p>
         </p:txBody>
@@ -14850,7 +17349,7 @@
     </p:spTree>
     <p:extLst>
       <p:ext uri="{BB962C8B-B14F-4D97-AF65-F5344CB8AC3E}">
-        <p14:creationId xmlns:p14="http://schemas.microsoft.com/office/powerpoint/2010/main" val="3236745396"/>
+        <p14:creationId xmlns:p14="http://schemas.microsoft.com/office/powerpoint/2010/main" val="208457323"/>
       </p:ext>
     </p:extLst>
   </p:cSld>
@@ -15761,618 +18260,6 @@
           <a:chExt cx="0" cy="0"/>
         </a:xfrm>
       </p:grpSpPr>
-      <p:sp>
-        <p:nvSpPr>
-          <p:cNvPr id="46" name="Teardrop 45"/>
-          <p:cNvSpPr/>
-          <p:nvPr/>
-        </p:nvSpPr>
-        <p:spPr>
-          <a:xfrm rot="2720395">
-            <a:off x="3416066" y="4395570"/>
-            <a:ext cx="360000" cy="360000"/>
-          </a:xfrm>
-          <a:prstGeom prst="teardrop">
-            <a:avLst/>
-          </a:prstGeom>
-          <a:solidFill>
-            <a:srgbClr val="D34132"/>
-          </a:solidFill>
-          <a:ln>
-            <a:noFill/>
-          </a:ln>
-          <a:effectLst>
-            <a:outerShdw blurRad="50800" dist="38100" algn="l" rotWithShape="0">
-              <a:prstClr val="black">
-                <a:alpha val="40000"/>
-              </a:prstClr>
-            </a:outerShdw>
-          </a:effectLst>
-        </p:spPr>
-        <p:style>
-          <a:lnRef idx="2">
-            <a:schemeClr val="accent1">
-              <a:shade val="50000"/>
-            </a:schemeClr>
-          </a:lnRef>
-          <a:fillRef idx="1">
-            <a:schemeClr val="accent1"/>
-          </a:fillRef>
-          <a:effectRef idx="0">
-            <a:schemeClr val="accent1"/>
-          </a:effectRef>
-          <a:fontRef idx="minor">
-            <a:schemeClr val="lt1"/>
-          </a:fontRef>
-        </p:style>
-        <p:txBody>
-          <a:bodyPr rtlCol="0" anchor="ctr"/>
-          <a:lstStyle/>
-          <a:p>
-            <a:pPr algn="ctr"/>
-            <a:endParaRPr lang="en-US"/>
-          </a:p>
-        </p:txBody>
-      </p:sp>
-      <p:sp>
-        <p:nvSpPr>
-          <p:cNvPr id="45" name="Teardrop 44"/>
-          <p:cNvSpPr/>
-          <p:nvPr/>
-        </p:nvSpPr>
-        <p:spPr>
-          <a:xfrm rot="2720395">
-            <a:off x="3420980" y="3467920"/>
-            <a:ext cx="360000" cy="360000"/>
-          </a:xfrm>
-          <a:prstGeom prst="teardrop">
-            <a:avLst/>
-          </a:prstGeom>
-          <a:solidFill>
-            <a:srgbClr val="EF9D27"/>
-          </a:solidFill>
-          <a:ln>
-            <a:noFill/>
-          </a:ln>
-          <a:effectLst>
-            <a:outerShdw blurRad="50800" dist="38100" algn="l" rotWithShape="0">
-              <a:prstClr val="black">
-                <a:alpha val="40000"/>
-              </a:prstClr>
-            </a:outerShdw>
-          </a:effectLst>
-        </p:spPr>
-        <p:style>
-          <a:lnRef idx="2">
-            <a:schemeClr val="accent1">
-              <a:shade val="50000"/>
-            </a:schemeClr>
-          </a:lnRef>
-          <a:fillRef idx="1">
-            <a:schemeClr val="accent1"/>
-          </a:fillRef>
-          <a:effectRef idx="0">
-            <a:schemeClr val="accent1"/>
-          </a:effectRef>
-          <a:fontRef idx="minor">
-            <a:schemeClr val="lt1"/>
-          </a:fontRef>
-        </p:style>
-        <p:txBody>
-          <a:bodyPr rtlCol="0" anchor="ctr"/>
-          <a:lstStyle/>
-          <a:p>
-            <a:pPr algn="ctr"/>
-            <a:endParaRPr lang="en-US"/>
-          </a:p>
-        </p:txBody>
-      </p:sp>
-      <p:sp>
-        <p:nvSpPr>
-          <p:cNvPr id="44" name="Teardrop 43"/>
-          <p:cNvSpPr/>
-          <p:nvPr/>
-        </p:nvSpPr>
-        <p:spPr>
-          <a:xfrm rot="2720395">
-            <a:off x="3416066" y="2538039"/>
-            <a:ext cx="360000" cy="360000"/>
-          </a:xfrm>
-          <a:prstGeom prst="teardrop">
-            <a:avLst/>
-          </a:prstGeom>
-          <a:solidFill>
-            <a:srgbClr val="189A80"/>
-          </a:solidFill>
-          <a:ln>
-            <a:noFill/>
-          </a:ln>
-          <a:effectLst>
-            <a:outerShdw blurRad="50800" dist="38100" algn="l" rotWithShape="0">
-              <a:prstClr val="black">
-                <a:alpha val="40000"/>
-              </a:prstClr>
-            </a:outerShdw>
-          </a:effectLst>
-        </p:spPr>
-        <p:style>
-          <a:lnRef idx="2">
-            <a:schemeClr val="accent1">
-              <a:shade val="50000"/>
-            </a:schemeClr>
-          </a:lnRef>
-          <a:fillRef idx="1">
-            <a:schemeClr val="accent1"/>
-          </a:fillRef>
-          <a:effectRef idx="0">
-            <a:schemeClr val="accent1"/>
-          </a:effectRef>
-          <a:fontRef idx="minor">
-            <a:schemeClr val="lt1"/>
-          </a:fontRef>
-        </p:style>
-        <p:txBody>
-          <a:bodyPr rtlCol="0" anchor="ctr"/>
-          <a:lstStyle/>
-          <a:p>
-            <a:pPr algn="ctr"/>
-            <a:endParaRPr lang="en-US"/>
-          </a:p>
-        </p:txBody>
-      </p:sp>
-      <p:sp>
-        <p:nvSpPr>
-          <p:cNvPr id="11" name="Teardrop 10"/>
-          <p:cNvSpPr/>
-          <p:nvPr/>
-        </p:nvSpPr>
-        <p:spPr>
-          <a:xfrm rot="2720395">
-            <a:off x="3416065" y="1608157"/>
-            <a:ext cx="360000" cy="360000"/>
-          </a:xfrm>
-          <a:prstGeom prst="teardrop">
-            <a:avLst/>
-          </a:prstGeom>
-          <a:solidFill>
-            <a:srgbClr val="34738D"/>
-          </a:solidFill>
-          <a:ln>
-            <a:noFill/>
-          </a:ln>
-          <a:effectLst>
-            <a:outerShdw blurRad="50800" dist="38100" algn="l" rotWithShape="0">
-              <a:prstClr val="black">
-                <a:alpha val="40000"/>
-              </a:prstClr>
-            </a:outerShdw>
-          </a:effectLst>
-        </p:spPr>
-        <p:style>
-          <a:lnRef idx="2">
-            <a:schemeClr val="accent1">
-              <a:shade val="50000"/>
-            </a:schemeClr>
-          </a:lnRef>
-          <a:fillRef idx="1">
-            <a:schemeClr val="accent1"/>
-          </a:fillRef>
-          <a:effectRef idx="0">
-            <a:schemeClr val="accent1"/>
-          </a:effectRef>
-          <a:fontRef idx="minor">
-            <a:schemeClr val="lt1"/>
-          </a:fontRef>
-        </p:style>
-        <p:txBody>
-          <a:bodyPr rtlCol="0" anchor="ctr"/>
-          <a:lstStyle/>
-          <a:p>
-            <a:pPr algn="ctr"/>
-            <a:endParaRPr lang="en-US"/>
-          </a:p>
-        </p:txBody>
-      </p:sp>
-      <p:sp>
-        <p:nvSpPr>
-          <p:cNvPr id="25" name="TextBox 24"/>
-          <p:cNvSpPr txBox="1"/>
-          <p:nvPr/>
-        </p:nvSpPr>
-        <p:spPr>
-          <a:xfrm>
-            <a:off x="3341511" y="241450"/>
-            <a:ext cx="5508978" cy="769441"/>
-          </a:xfrm>
-          <a:prstGeom prst="rect">
-            <a:avLst/>
-          </a:prstGeom>
-          <a:noFill/>
-        </p:spPr>
-        <p:txBody>
-          <a:bodyPr wrap="square" rtlCol="0">
-            <a:spAutoFit/>
-          </a:bodyPr>
-          <a:lstStyle/>
-          <a:p>
-            <a:pPr algn="ctr"/>
-            <a:r>
-              <a:rPr lang="en-US" sz="4400" b="1" dirty="0" err="1">
-                <a:latin typeface="Candara" panose="020E0502030303020204" pitchFamily="34" charset="0"/>
-              </a:rPr>
-              <a:t>Soluzioni</a:t>
-            </a:r>
-            <a:endParaRPr lang="en-US" sz="4400" b="1" dirty="0">
-              <a:latin typeface="Candara" panose="020E0502030303020204" pitchFamily="34" charset="0"/>
-            </a:endParaRPr>
-          </a:p>
-        </p:txBody>
-      </p:sp>
-      <p:sp>
-        <p:nvSpPr>
-          <p:cNvPr id="26" name="TextBox 25"/>
-          <p:cNvSpPr txBox="1"/>
-          <p:nvPr/>
-        </p:nvSpPr>
-        <p:spPr>
-          <a:xfrm>
-            <a:off x="3795780" y="1415747"/>
-            <a:ext cx="5256123" cy="744819"/>
-          </a:xfrm>
-          <a:prstGeom prst="rect">
-            <a:avLst/>
-          </a:prstGeom>
-          <a:noFill/>
-        </p:spPr>
-        <p:txBody>
-          <a:bodyPr wrap="square" rtlCol="0">
-            <a:spAutoFit/>
-          </a:bodyPr>
-          <a:lstStyle/>
-          <a:p>
-            <a:pPr algn="ctr" defTabSz="1219170">
-              <a:spcBef>
-                <a:spcPct val="20000"/>
-              </a:spcBef>
-              <a:defRPr/>
-            </a:pPr>
-            <a:r>
-              <a:rPr lang="en-US" sz="1600" b="1" dirty="0" err="1">
-                <a:solidFill>
-                  <a:srgbClr val="34738D"/>
-                </a:solidFill>
-                <a:latin typeface="Candara" panose="020E0502030303020204" pitchFamily="34" charset="0"/>
-              </a:rPr>
-              <a:t>Calcolo</a:t>
-            </a:r>
-            <a:r>
-              <a:rPr lang="en-US" sz="1600" b="1" dirty="0">
-                <a:solidFill>
-                  <a:srgbClr val="34738D"/>
-                </a:solidFill>
-                <a:latin typeface="Candara" panose="020E0502030303020204" pitchFamily="34" charset="0"/>
-              </a:rPr>
-              <a:t> di C_T</a:t>
-            </a:r>
-          </a:p>
-          <a:p>
-            <a:pPr algn="ctr" defTabSz="1219170">
-              <a:spcBef>
-                <a:spcPct val="20000"/>
-              </a:spcBef>
-              <a:defRPr/>
-            </a:pPr>
-            <a:r>
-              <a:rPr lang="en-US" sz="1200" dirty="0" err="1">
-                <a:solidFill>
-                  <a:schemeClr val="bg2">
-                    <a:lumMod val="10000"/>
-                  </a:schemeClr>
-                </a:solidFill>
-                <a:latin typeface="Candara" panose="020E0502030303020204" pitchFamily="34" charset="0"/>
-              </a:rPr>
-              <a:t>Abbiamo</a:t>
-            </a:r>
-            <a:r>
-              <a:rPr lang="en-US" sz="1200" dirty="0">
-                <a:solidFill>
-                  <a:schemeClr val="bg2">
-                    <a:lumMod val="10000"/>
-                  </a:schemeClr>
-                </a:solidFill>
-                <a:latin typeface="Candara" panose="020E0502030303020204" pitchFamily="34" charset="0"/>
-              </a:rPr>
-              <a:t> </a:t>
-            </a:r>
-            <a:r>
-              <a:rPr lang="en-US" sz="1200" dirty="0" err="1">
-                <a:solidFill>
-                  <a:schemeClr val="bg2">
-                    <a:lumMod val="10000"/>
-                  </a:schemeClr>
-                </a:solidFill>
-                <a:latin typeface="Candara" panose="020E0502030303020204" pitchFamily="34" charset="0"/>
-              </a:rPr>
-              <a:t>interpretato</a:t>
-            </a:r>
-            <a:r>
-              <a:rPr lang="en-US" sz="1200" dirty="0">
-                <a:solidFill>
-                  <a:schemeClr val="bg2">
-                    <a:lumMod val="10000"/>
-                  </a:schemeClr>
-                </a:solidFill>
-                <a:latin typeface="Candara" panose="020E0502030303020204" pitchFamily="34" charset="0"/>
-              </a:rPr>
-              <a:t> M^-1 come </a:t>
-            </a:r>
-            <a:r>
-              <a:rPr lang="en-US" sz="1200" dirty="0" err="1">
-                <a:solidFill>
-                  <a:schemeClr val="bg2">
-                    <a:lumMod val="10000"/>
-                  </a:schemeClr>
-                </a:solidFill>
-                <a:latin typeface="Candara" panose="020E0502030303020204" pitchFamily="34" charset="0"/>
-              </a:rPr>
-              <a:t>rotazione</a:t>
-            </a:r>
-            <a:r>
-              <a:rPr lang="en-US" sz="1200" dirty="0">
-                <a:solidFill>
-                  <a:schemeClr val="bg2">
-                    <a:lumMod val="10000"/>
-                  </a:schemeClr>
-                </a:solidFill>
-                <a:latin typeface="Candara" panose="020E0502030303020204" pitchFamily="34" charset="0"/>
-              </a:rPr>
-              <a:t> di 90 </a:t>
-            </a:r>
-            <a:r>
-              <a:rPr lang="en-US" sz="1200" dirty="0" err="1">
-                <a:solidFill>
-                  <a:schemeClr val="bg2">
-                    <a:lumMod val="10000"/>
-                  </a:schemeClr>
-                </a:solidFill>
-                <a:latin typeface="Candara" panose="020E0502030303020204" pitchFamily="34" charset="0"/>
-              </a:rPr>
-              <a:t>gradi</a:t>
-            </a:r>
-            <a:r>
-              <a:rPr lang="en-US" sz="1200" dirty="0">
-                <a:solidFill>
-                  <a:schemeClr val="bg2">
-                    <a:lumMod val="10000"/>
-                  </a:schemeClr>
-                </a:solidFill>
-                <a:latin typeface="Candara" panose="020E0502030303020204" pitchFamily="34" charset="0"/>
-              </a:rPr>
-              <a:t> </a:t>
-            </a:r>
-            <a:r>
-              <a:rPr lang="en-US" sz="1200" dirty="0" err="1">
-                <a:solidFill>
-                  <a:schemeClr val="bg2">
-                    <a:lumMod val="10000"/>
-                  </a:schemeClr>
-                </a:solidFill>
-                <a:latin typeface="Candara" panose="020E0502030303020204" pitchFamily="34" charset="0"/>
-              </a:rPr>
-              <a:t>della</a:t>
-            </a:r>
-            <a:r>
-              <a:rPr lang="en-US" sz="1200" dirty="0">
-                <a:solidFill>
-                  <a:schemeClr val="bg2">
-                    <a:lumMod val="10000"/>
-                  </a:schemeClr>
-                </a:solidFill>
-                <a:latin typeface="Candara" panose="020E0502030303020204" pitchFamily="34" charset="0"/>
-              </a:rPr>
-              <a:t> </a:t>
-            </a:r>
-            <a:r>
-              <a:rPr lang="en-US" sz="1200" dirty="0" err="1">
-                <a:solidFill>
-                  <a:schemeClr val="bg2">
-                    <a:lumMod val="10000"/>
-                  </a:schemeClr>
-                </a:solidFill>
-                <a:latin typeface="Candara" panose="020E0502030303020204" pitchFamily="34" charset="0"/>
-              </a:rPr>
-              <a:t>matrice</a:t>
-            </a:r>
-            <a:r>
-              <a:rPr lang="en-US" sz="1200" dirty="0">
-                <a:solidFill>
-                  <a:schemeClr val="bg2">
-                    <a:lumMod val="10000"/>
-                  </a:schemeClr>
-                </a:solidFill>
-                <a:latin typeface="Candara" panose="020E0502030303020204" pitchFamily="34" charset="0"/>
-              </a:rPr>
-              <a:t> M </a:t>
-            </a:r>
-            <a:r>
-              <a:rPr lang="en-US" sz="1200" dirty="0" err="1">
-                <a:solidFill>
-                  <a:schemeClr val="bg2">
-                    <a:lumMod val="10000"/>
-                  </a:schemeClr>
-                </a:solidFill>
-                <a:latin typeface="Candara" panose="020E0502030303020204" pitchFamily="34" charset="0"/>
-              </a:rPr>
-              <a:t>stessa</a:t>
-            </a:r>
-            <a:r>
-              <a:rPr lang="en-US" sz="1200" dirty="0">
-                <a:solidFill>
-                  <a:schemeClr val="bg2">
-                    <a:lumMod val="10000"/>
-                  </a:schemeClr>
-                </a:solidFill>
-                <a:latin typeface="Candara" panose="020E0502030303020204" pitchFamily="34" charset="0"/>
-              </a:rPr>
-              <a:t>, </a:t>
-            </a:r>
-            <a:r>
-              <a:rPr lang="en-US" sz="1200" dirty="0" err="1">
-                <a:solidFill>
-                  <a:schemeClr val="bg2">
-                    <a:lumMod val="10000"/>
-                  </a:schemeClr>
-                </a:solidFill>
-                <a:latin typeface="Candara" panose="020E0502030303020204" pitchFamily="34" charset="0"/>
-              </a:rPr>
-              <a:t>ottenendo</a:t>
-            </a:r>
-            <a:r>
-              <a:rPr lang="en-US" sz="1200" dirty="0">
-                <a:solidFill>
-                  <a:schemeClr val="bg2">
-                    <a:lumMod val="10000"/>
-                  </a:schemeClr>
-                </a:solidFill>
-                <a:latin typeface="Candara" panose="020E0502030303020204" pitchFamily="34" charset="0"/>
-              </a:rPr>
-              <a:t> </a:t>
-            </a:r>
-            <a:r>
-              <a:rPr lang="en-US" sz="1200" dirty="0" err="1">
-                <a:solidFill>
-                  <a:schemeClr val="bg2">
-                    <a:lumMod val="10000"/>
-                  </a:schemeClr>
-                </a:solidFill>
-                <a:latin typeface="Candara" panose="020E0502030303020204" pitchFamily="34" charset="0"/>
-              </a:rPr>
-              <a:t>così</a:t>
-            </a:r>
-            <a:r>
-              <a:rPr lang="en-US" sz="1200" dirty="0">
-                <a:solidFill>
-                  <a:schemeClr val="bg2">
-                    <a:lumMod val="10000"/>
-                  </a:schemeClr>
-                </a:solidFill>
-                <a:latin typeface="Candara" panose="020E0502030303020204" pitchFamily="34" charset="0"/>
-              </a:rPr>
-              <a:t> </a:t>
-            </a:r>
-            <a:r>
-              <a:rPr lang="en-US" sz="1200" dirty="0" err="1">
-                <a:solidFill>
-                  <a:schemeClr val="bg2">
-                    <a:lumMod val="10000"/>
-                  </a:schemeClr>
-                </a:solidFill>
-                <a:latin typeface="Candara" panose="020E0502030303020204" pitchFamily="34" charset="0"/>
-              </a:rPr>
-              <a:t>risultati</a:t>
-            </a:r>
-            <a:r>
-              <a:rPr lang="en-US" sz="1200" dirty="0">
-                <a:solidFill>
-                  <a:schemeClr val="bg2">
-                    <a:lumMod val="10000"/>
-                  </a:schemeClr>
-                </a:solidFill>
-                <a:latin typeface="Candara" panose="020E0502030303020204" pitchFamily="34" charset="0"/>
-              </a:rPr>
-              <a:t> </a:t>
-            </a:r>
-            <a:r>
-              <a:rPr lang="en-US" sz="1200" dirty="0" err="1">
-                <a:solidFill>
-                  <a:schemeClr val="bg2">
-                    <a:lumMod val="10000"/>
-                  </a:schemeClr>
-                </a:solidFill>
-                <a:latin typeface="Candara" panose="020E0502030303020204" pitchFamily="34" charset="0"/>
-              </a:rPr>
-              <a:t>matematicamente</a:t>
-            </a:r>
-            <a:r>
-              <a:rPr lang="en-US" sz="1200" dirty="0">
-                <a:solidFill>
-                  <a:schemeClr val="bg2">
-                    <a:lumMod val="10000"/>
-                  </a:schemeClr>
-                </a:solidFill>
-                <a:latin typeface="Candara" panose="020E0502030303020204" pitchFamily="34" charset="0"/>
-              </a:rPr>
-              <a:t> non </a:t>
-            </a:r>
-            <a:r>
-              <a:rPr lang="en-US" sz="1200" dirty="0" err="1">
-                <a:solidFill>
-                  <a:schemeClr val="bg2">
-                    <a:lumMod val="10000"/>
-                  </a:schemeClr>
-                </a:solidFill>
-                <a:latin typeface="Candara" panose="020E0502030303020204" pitchFamily="34" charset="0"/>
-              </a:rPr>
-              <a:t>incoerenti</a:t>
-            </a:r>
-            <a:r>
-              <a:rPr lang="en-US" sz="1200" dirty="0">
-                <a:solidFill>
-                  <a:schemeClr val="bg2">
-                    <a:lumMod val="10000"/>
-                  </a:schemeClr>
-                </a:solidFill>
-                <a:latin typeface="Candara" panose="020E0502030303020204" pitchFamily="34" charset="0"/>
-              </a:rPr>
-              <a:t> con </a:t>
-            </a:r>
-            <a:r>
-              <a:rPr lang="en-US" sz="1200" dirty="0" err="1">
-                <a:solidFill>
-                  <a:schemeClr val="bg2">
-                    <a:lumMod val="10000"/>
-                  </a:schemeClr>
-                </a:solidFill>
-                <a:latin typeface="Candara" panose="020E0502030303020204" pitchFamily="34" charset="0"/>
-              </a:rPr>
-              <a:t>quanto</a:t>
-            </a:r>
-            <a:r>
-              <a:rPr lang="en-US" sz="1200" dirty="0">
-                <a:solidFill>
-                  <a:schemeClr val="bg2">
-                    <a:lumMod val="10000"/>
-                  </a:schemeClr>
-                </a:solidFill>
-                <a:latin typeface="Candara" panose="020E0502030303020204" pitchFamily="34" charset="0"/>
-              </a:rPr>
-              <a:t> </a:t>
-            </a:r>
-            <a:r>
-              <a:rPr lang="en-US" sz="1200" dirty="0" err="1">
-                <a:solidFill>
-                  <a:schemeClr val="bg2">
-                    <a:lumMod val="10000"/>
-                  </a:schemeClr>
-                </a:solidFill>
-                <a:latin typeface="Candara" panose="020E0502030303020204" pitchFamily="34" charset="0"/>
-              </a:rPr>
-              <a:t>atteso</a:t>
-            </a:r>
-            <a:r>
-              <a:rPr lang="en-US" sz="1200" dirty="0">
-                <a:solidFill>
-                  <a:schemeClr val="bg2">
-                    <a:lumMod val="10000"/>
-                  </a:schemeClr>
-                </a:solidFill>
-                <a:latin typeface="Candara" panose="020E0502030303020204" pitchFamily="34" charset="0"/>
-              </a:rPr>
-              <a:t>.</a:t>
-            </a:r>
-          </a:p>
-        </p:txBody>
-      </p:sp>
       <p:pic>
         <p:nvPicPr>
           <p:cNvPr id="12" name="Immagine 11">
@@ -16409,12 +18296,351 @@
           </a:prstGeom>
         </p:spPr>
       </p:pic>
+      <p:graphicFrame>
+        <p:nvGraphicFramePr>
+          <p:cNvPr id="3" name="Tabella 2">
+            <a:extLst>
+              <a:ext uri="{FF2B5EF4-FFF2-40B4-BE49-F238E27FC236}">
+                <a16:creationId xmlns:a16="http://schemas.microsoft.com/office/drawing/2014/main" id="{132FD78C-0A8D-439E-A795-9E8932E88610}"/>
+              </a:ext>
+            </a:extLst>
+          </p:cNvPr>
+          <p:cNvGraphicFramePr>
+            <a:graphicFrameLocks noGrp="1"/>
+          </p:cNvGraphicFramePr>
+          <p:nvPr>
+            <p:extLst>
+              <p:ext uri="{D42A27DB-BD31-4B8C-83A1-F6EECF244321}">
+                <p14:modId xmlns:p14="http://schemas.microsoft.com/office/powerpoint/2010/main" val="4138299859"/>
+              </p:ext>
+            </p:extLst>
+          </p:nvPr>
+        </p:nvGraphicFramePr>
+        <p:xfrm>
+          <a:off x="1362045" y="1732326"/>
+          <a:ext cx="9467910" cy="2697549"/>
+        </p:xfrm>
+        <a:graphic>
+          <a:graphicData uri="http://schemas.openxmlformats.org/drawingml/2006/table">
+            <a:tbl>
+              <a:tblPr firstRow="1" bandRow="1">
+                <a:tableStyleId>{5C22544A-7EE6-4342-B048-85BDC9FD1C3A}</a:tableStyleId>
+              </a:tblPr>
+              <a:tblGrid>
+                <a:gridCol w="1893582">
+                  <a:extLst>
+                    <a:ext uri="{9D8B030D-6E8A-4147-A177-3AD203B41FA5}">
+                      <a16:colId xmlns:a16="http://schemas.microsoft.com/office/drawing/2014/main" val="493467813"/>
+                    </a:ext>
+                  </a:extLst>
+                </a:gridCol>
+                <a:gridCol w="1893582">
+                  <a:extLst>
+                    <a:ext uri="{9D8B030D-6E8A-4147-A177-3AD203B41FA5}">
+                      <a16:colId xmlns:a16="http://schemas.microsoft.com/office/drawing/2014/main" val="3036483849"/>
+                    </a:ext>
+                  </a:extLst>
+                </a:gridCol>
+                <a:gridCol w="1893582">
+                  <a:extLst>
+                    <a:ext uri="{9D8B030D-6E8A-4147-A177-3AD203B41FA5}">
+                      <a16:colId xmlns:a16="http://schemas.microsoft.com/office/drawing/2014/main" val="2058978727"/>
+                    </a:ext>
+                  </a:extLst>
+                </a:gridCol>
+                <a:gridCol w="1893582">
+                  <a:extLst>
+                    <a:ext uri="{9D8B030D-6E8A-4147-A177-3AD203B41FA5}">
+                      <a16:colId xmlns:a16="http://schemas.microsoft.com/office/drawing/2014/main" val="3471609030"/>
+                    </a:ext>
+                  </a:extLst>
+                </a:gridCol>
+                <a:gridCol w="1893582">
+                  <a:extLst>
+                    <a:ext uri="{9D8B030D-6E8A-4147-A177-3AD203B41FA5}">
+                      <a16:colId xmlns:a16="http://schemas.microsoft.com/office/drawing/2014/main" val="3451426914"/>
+                    </a:ext>
+                  </a:extLst>
+                </a:gridCol>
+              </a:tblGrid>
+              <a:tr h="899183">
+                <a:tc>
+                  <a:txBody>
+                    <a:bodyPr/>
+                    <a:lstStyle/>
+                    <a:p>
+                      <a:r>
+                        <a:rPr lang="it-IT" dirty="0"/>
+                        <a:t>Dataset</a:t>
+                      </a:r>
+                    </a:p>
+                  </a:txBody>
+                  <a:tcPr/>
+                </a:tc>
+                <a:tc>
+                  <a:txBody>
+                    <a:bodyPr/>
+                    <a:lstStyle/>
+                    <a:p>
+                      <a:r>
+                        <a:rPr lang="it-IT" dirty="0"/>
+                        <a:t># </a:t>
+                      </a:r>
+                      <a:r>
+                        <a:rPr lang="it-IT" dirty="0" err="1"/>
+                        <a:t>tuples</a:t>
+                      </a:r>
+                      <a:endParaRPr lang="it-IT" dirty="0"/>
+                    </a:p>
+                  </a:txBody>
+                  <a:tcPr/>
+                </a:tc>
+                <a:tc>
+                  <a:txBody>
+                    <a:bodyPr/>
+                    <a:lstStyle/>
+                    <a:p>
+                      <a:r>
+                        <a:rPr lang="it-IT" sz="1800" dirty="0">
+                          <a:solidFill>
+                            <a:schemeClr val="bg1"/>
+                          </a:solidFill>
+                          <a:latin typeface="Candara" panose="020E0502030303020204" pitchFamily="34" charset="0"/>
+                        </a:rPr>
+                        <a:t># items</a:t>
+                      </a:r>
+                      <a:endParaRPr lang="it-IT" dirty="0">
+                        <a:solidFill>
+                          <a:schemeClr val="bg1"/>
+                        </a:solidFill>
+                      </a:endParaRPr>
+                    </a:p>
+                  </a:txBody>
+                  <a:tcPr/>
+                </a:tc>
+                <a:tc>
+                  <a:txBody>
+                    <a:bodyPr/>
+                    <a:lstStyle/>
+                    <a:p>
+                      <a:r>
+                        <a:rPr lang="it-IT" sz="1800" dirty="0">
+                          <a:solidFill>
+                            <a:schemeClr val="bg1"/>
+                          </a:solidFill>
+                          <a:latin typeface="Candara" panose="020E0502030303020204" pitchFamily="34" charset="0"/>
+                        </a:rPr>
+                        <a:t>p</a:t>
+                      </a:r>
+                      <a:endParaRPr lang="it-IT" dirty="0">
+                        <a:solidFill>
+                          <a:schemeClr val="bg1"/>
+                        </a:solidFill>
+                      </a:endParaRPr>
+                    </a:p>
+                  </a:txBody>
+                  <a:tcPr/>
+                </a:tc>
+                <a:tc>
+                  <a:txBody>
+                    <a:bodyPr/>
+                    <a:lstStyle/>
+                    <a:p>
+                      <a:pPr marL="0" marR="0" lvl="0" indent="0" algn="l" defTabSz="914400" rtl="0" eaLnBrk="1" fontAlgn="auto" latinLnBrk="0" hangingPunct="1">
+                        <a:lnSpc>
+                          <a:spcPct val="100000"/>
+                        </a:lnSpc>
+                        <a:spcBef>
+                          <a:spcPts val="0"/>
+                        </a:spcBef>
+                        <a:spcAft>
+                          <a:spcPts val="0"/>
+                        </a:spcAft>
+                        <a:buClrTx/>
+                        <a:buSzTx/>
+                        <a:buFontTx/>
+                        <a:buNone/>
+                        <a:tabLst/>
+                        <a:defRPr/>
+                      </a:pPr>
+                      <a:r>
+                        <a:rPr lang="it-IT" sz="1800" dirty="0">
+                          <a:solidFill>
+                            <a:schemeClr val="bg1"/>
+                          </a:solidFill>
+                          <a:latin typeface="Candara" panose="020E0502030303020204" pitchFamily="34" charset="0"/>
+                        </a:rPr>
+                        <a:t>privacy</a:t>
+                      </a:r>
+                      <a:endParaRPr lang="it-IT" dirty="0">
+                        <a:solidFill>
+                          <a:schemeClr val="bg1"/>
+                        </a:solidFill>
+                      </a:endParaRPr>
+                    </a:p>
+                  </a:txBody>
+                  <a:tcPr/>
+                </a:tc>
+                <a:extLst>
+                  <a:ext uri="{0D108BD9-81ED-4DB2-BD59-A6C34878D82A}">
+                    <a16:rowId xmlns:a16="http://schemas.microsoft.com/office/drawing/2014/main" val="350517259"/>
+                  </a:ext>
+                </a:extLst>
+              </a:tr>
+              <a:tr h="899183">
+                <a:tc>
+                  <a:txBody>
+                    <a:bodyPr/>
+                    <a:lstStyle/>
+                    <a:p>
+                      <a:r>
+                        <a:rPr lang="it-IT" dirty="0"/>
+                        <a:t>Paper</a:t>
+                      </a:r>
+                    </a:p>
+                  </a:txBody>
+                  <a:tcPr/>
+                </a:tc>
+                <a:tc>
+                  <a:txBody>
+                    <a:bodyPr/>
+                    <a:lstStyle/>
+                    <a:p>
+                      <a:r>
+                        <a:rPr lang="it-IT" dirty="0"/>
+                        <a:t>0.6 * 10^6</a:t>
+                      </a:r>
+                    </a:p>
+                  </a:txBody>
+                  <a:tcPr/>
+                </a:tc>
+                <a:tc>
+                  <a:txBody>
+                    <a:bodyPr/>
+                    <a:lstStyle/>
+                    <a:p>
+                      <a:r>
+                        <a:rPr lang="it-IT" dirty="0"/>
+                        <a:t>500</a:t>
+                      </a:r>
+                    </a:p>
+                  </a:txBody>
+                  <a:tcPr/>
+                </a:tc>
+                <a:tc>
+                  <a:txBody>
+                    <a:bodyPr/>
+                    <a:lstStyle/>
+                    <a:p>
+                      <a:r>
+                        <a:rPr lang="it-IT" dirty="0"/>
+                        <a:t>0.9</a:t>
+                      </a:r>
+                    </a:p>
+                  </a:txBody>
+                  <a:tcPr/>
+                </a:tc>
+                <a:tc>
+                  <a:txBody>
+                    <a:bodyPr/>
+                    <a:lstStyle/>
+                    <a:p>
+                      <a:r>
+                        <a:rPr lang="it-IT" dirty="0"/>
+                        <a:t>83%</a:t>
+                      </a:r>
+                    </a:p>
+                  </a:txBody>
+                  <a:tcPr/>
+                </a:tc>
+                <a:extLst>
+                  <a:ext uri="{0D108BD9-81ED-4DB2-BD59-A6C34878D82A}">
+                    <a16:rowId xmlns:a16="http://schemas.microsoft.com/office/drawing/2014/main" val="784247334"/>
+                  </a:ext>
+                </a:extLst>
+              </a:tr>
+              <a:tr h="899183">
+                <a:tc>
+                  <a:txBody>
+                    <a:bodyPr/>
+                    <a:lstStyle/>
+                    <a:p>
+                      <a:r>
+                        <a:rPr lang="it-IT" dirty="0"/>
+                        <a:t>Nostro</a:t>
+                      </a:r>
+                    </a:p>
+                  </a:txBody>
+                  <a:tcPr/>
+                </a:tc>
+                <a:tc>
+                  <a:txBody>
+                    <a:bodyPr/>
+                    <a:lstStyle/>
+                    <a:p>
+                      <a:r>
+                        <a:rPr lang="it-IT" dirty="0"/>
+                        <a:t>7.5 * 10^3</a:t>
+                      </a:r>
+                    </a:p>
+                  </a:txBody>
+                  <a:tcPr/>
+                </a:tc>
+                <a:tc>
+                  <a:txBody>
+                    <a:bodyPr/>
+                    <a:lstStyle/>
+                    <a:p>
+                      <a:r>
+                        <a:rPr lang="it-IT" dirty="0"/>
+                        <a:t>119</a:t>
+                      </a:r>
+                    </a:p>
+                  </a:txBody>
+                  <a:tcPr/>
+                </a:tc>
+                <a:tc>
+                  <a:txBody>
+                    <a:bodyPr/>
+                    <a:lstStyle/>
+                    <a:p>
+                      <a:r>
+                        <a:rPr lang="it-IT" dirty="0"/>
+                        <a:t>0.9</a:t>
+                      </a:r>
+                    </a:p>
+                  </a:txBody>
+                  <a:tcPr/>
+                </a:tc>
+                <a:tc>
+                  <a:txBody>
+                    <a:bodyPr/>
+                    <a:lstStyle/>
+                    <a:p>
+                      <a:r>
+                        <a:rPr lang="it-IT" dirty="0"/>
+                        <a:t>71%</a:t>
+                      </a:r>
+                    </a:p>
+                  </a:txBody>
+                  <a:tcPr/>
+                </a:tc>
+                <a:extLst>
+                  <a:ext uri="{0D108BD9-81ED-4DB2-BD59-A6C34878D82A}">
+                    <a16:rowId xmlns:a16="http://schemas.microsoft.com/office/drawing/2014/main" val="215805885"/>
+                  </a:ext>
+                </a:extLst>
+              </a:tr>
+            </a:tbl>
+          </a:graphicData>
+        </a:graphic>
+      </p:graphicFrame>
       <p:sp>
         <p:nvSpPr>
-          <p:cNvPr id="13" name="TextBox 25">
+          <p:cNvPr id="21" name="TextBox 24">
             <a:extLst>
               <a:ext uri="{FF2B5EF4-FFF2-40B4-BE49-F238E27FC236}">
-                <a16:creationId xmlns:a16="http://schemas.microsoft.com/office/drawing/2014/main" id="{820FC78E-393A-474E-B8FB-7700FFDC675D}"/>
+                <a16:creationId xmlns:a16="http://schemas.microsoft.com/office/drawing/2014/main" id="{44E9E053-469C-491E-9985-BB69E2617219}"/>
               </a:ext>
             </a:extLst>
           </p:cNvPr>
@@ -16423,8 +18649,8 @@
         </p:nvSpPr>
         <p:spPr>
           <a:xfrm>
-            <a:off x="3795780" y="2341475"/>
-            <a:ext cx="5256123" cy="929485"/>
+            <a:off x="3341511" y="241450"/>
+            <a:ext cx="5508978" cy="769441"/>
           </a:xfrm>
           <a:prstGeom prst="rect">
             <a:avLst/>
@@ -16437,1904 +18663,12 @@
           </a:bodyPr>
           <a:lstStyle/>
           <a:p>
-            <a:pPr algn="ctr" defTabSz="1219170">
-              <a:spcBef>
-                <a:spcPct val="20000"/>
-              </a:spcBef>
-              <a:defRPr/>
-            </a:pPr>
-            <a:r>
-              <a:rPr lang="en-US" sz="1600" b="1" dirty="0" err="1">
-                <a:solidFill>
-                  <a:srgbClr val="189A80"/>
-                </a:solidFill>
-                <a:latin typeface="Candara" panose="020E0502030303020204" pitchFamily="34" charset="0"/>
-              </a:rPr>
-              <a:t>Calcolo</a:t>
-            </a:r>
-            <a:r>
-              <a:rPr lang="en-US" sz="1600" b="1" dirty="0">
-                <a:solidFill>
-                  <a:srgbClr val="189A80"/>
-                </a:solidFill>
-                <a:latin typeface="Candara" panose="020E0502030303020204" pitchFamily="34" charset="0"/>
-              </a:rPr>
-              <a:t> </a:t>
-            </a:r>
-            <a:r>
-              <a:rPr lang="en-US" sz="1600" b="1" dirty="0" err="1">
-                <a:solidFill>
-                  <a:srgbClr val="189A80"/>
-                </a:solidFill>
-                <a:latin typeface="Candara" panose="020E0502030303020204" pitchFamily="34" charset="0"/>
-              </a:rPr>
-              <a:t>cardinalità</a:t>
-            </a:r>
-            <a:r>
-              <a:rPr lang="en-US" sz="1600" b="1" dirty="0">
-                <a:solidFill>
-                  <a:srgbClr val="189A80"/>
-                </a:solidFill>
-                <a:latin typeface="Candara" panose="020E0502030303020204" pitchFamily="34" charset="0"/>
-              </a:rPr>
-              <a:t> F ed actual support</a:t>
-            </a:r>
-            <a:endParaRPr lang="en-US" sz="1600" b="1" dirty="0">
-              <a:solidFill>
-                <a:srgbClr val="34738D"/>
-              </a:solidFill>
-              <a:latin typeface="Candara" panose="020E0502030303020204" pitchFamily="34" charset="0"/>
-            </a:endParaRPr>
-          </a:p>
-          <a:p>
-            <a:pPr algn="ctr" defTabSz="1219170">
-              <a:spcBef>
-                <a:spcPct val="20000"/>
-              </a:spcBef>
-              <a:defRPr/>
-            </a:pPr>
-            <a:r>
-              <a:rPr lang="en-US" sz="1200" dirty="0">
-                <a:solidFill>
-                  <a:schemeClr val="bg2">
-                    <a:lumMod val="10000"/>
-                  </a:schemeClr>
-                </a:solidFill>
-                <a:latin typeface="Candara" panose="020E0502030303020204" pitchFamily="34" charset="0"/>
-              </a:rPr>
-              <a:t>Il </a:t>
-            </a:r>
-            <a:r>
-              <a:rPr lang="en-US" sz="1200" dirty="0" err="1">
-                <a:solidFill>
-                  <a:schemeClr val="bg2">
-                    <a:lumMod val="10000"/>
-                  </a:schemeClr>
-                </a:solidFill>
-                <a:latin typeface="Candara" panose="020E0502030303020204" pitchFamily="34" charset="0"/>
-              </a:rPr>
-              <a:t>calcolo</a:t>
-            </a:r>
-            <a:r>
-              <a:rPr lang="en-US" sz="1200" dirty="0">
-                <a:solidFill>
-                  <a:schemeClr val="bg2">
-                    <a:lumMod val="10000"/>
-                  </a:schemeClr>
-                </a:solidFill>
-                <a:latin typeface="Candara" panose="020E0502030303020204" pitchFamily="34" charset="0"/>
-              </a:rPr>
-              <a:t> del support error non </a:t>
-            </a:r>
-            <a:r>
-              <a:rPr lang="en-US" sz="1200" dirty="0" err="1">
-                <a:solidFill>
-                  <a:schemeClr val="bg2">
-                    <a:lumMod val="10000"/>
-                  </a:schemeClr>
-                </a:solidFill>
-                <a:latin typeface="Candara" panose="020E0502030303020204" pitchFamily="34" charset="0"/>
-              </a:rPr>
-              <a:t>viene</a:t>
-            </a:r>
-            <a:r>
-              <a:rPr lang="en-US" sz="1200" dirty="0">
-                <a:solidFill>
-                  <a:schemeClr val="bg2">
-                    <a:lumMod val="10000"/>
-                  </a:schemeClr>
-                </a:solidFill>
-                <a:latin typeface="Candara" panose="020E0502030303020204" pitchFamily="34" charset="0"/>
-              </a:rPr>
-              <a:t> </a:t>
-            </a:r>
-            <a:r>
-              <a:rPr lang="en-US" sz="1200" dirty="0" err="1">
-                <a:solidFill>
-                  <a:schemeClr val="bg2">
-                    <a:lumMod val="10000"/>
-                  </a:schemeClr>
-                </a:solidFill>
-                <a:latin typeface="Candara" panose="020E0502030303020204" pitchFamily="34" charset="0"/>
-              </a:rPr>
-              <a:t>aggiornato</a:t>
-            </a:r>
-            <a:r>
-              <a:rPr lang="en-US" sz="1200" dirty="0">
-                <a:solidFill>
-                  <a:schemeClr val="bg2">
-                    <a:lumMod val="10000"/>
-                  </a:schemeClr>
-                </a:solidFill>
-                <a:latin typeface="Candara" panose="020E0502030303020204" pitchFamily="34" charset="0"/>
-              </a:rPr>
-              <a:t> per </a:t>
-            </a:r>
-            <a:r>
-              <a:rPr lang="en-US" sz="1200" dirty="0" err="1">
-                <a:solidFill>
-                  <a:schemeClr val="bg2">
-                    <a:lumMod val="10000"/>
-                  </a:schemeClr>
-                </a:solidFill>
-                <a:latin typeface="Candara" panose="020E0502030303020204" pitchFamily="34" charset="0"/>
-              </a:rPr>
-              <a:t>evitare</a:t>
-            </a:r>
-            <a:r>
-              <a:rPr lang="en-US" sz="1200" dirty="0">
-                <a:solidFill>
-                  <a:schemeClr val="bg2">
-                    <a:lumMod val="10000"/>
-                  </a:schemeClr>
-                </a:solidFill>
-                <a:latin typeface="Candara" panose="020E0502030303020204" pitchFamily="34" charset="0"/>
-              </a:rPr>
-              <a:t> una </a:t>
-            </a:r>
-            <a:r>
-              <a:rPr lang="en-US" sz="1200" dirty="0" err="1">
-                <a:solidFill>
-                  <a:schemeClr val="bg2">
-                    <a:lumMod val="10000"/>
-                  </a:schemeClr>
-                </a:solidFill>
-                <a:latin typeface="Candara" panose="020E0502030303020204" pitchFamily="34" charset="0"/>
-              </a:rPr>
-              <a:t>divisione</a:t>
-            </a:r>
-            <a:r>
-              <a:rPr lang="en-US" sz="1200" dirty="0">
-                <a:solidFill>
-                  <a:schemeClr val="bg2">
-                    <a:lumMod val="10000"/>
-                  </a:schemeClr>
-                </a:solidFill>
-                <a:latin typeface="Candara" panose="020E0502030303020204" pitchFamily="34" charset="0"/>
-              </a:rPr>
-              <a:t> per zero. F </a:t>
-            </a:r>
-            <a:r>
-              <a:rPr lang="en-US" sz="1200" dirty="0" err="1">
-                <a:solidFill>
-                  <a:schemeClr val="bg2">
-                    <a:lumMod val="10000"/>
-                  </a:schemeClr>
-                </a:solidFill>
-                <a:latin typeface="Candara" panose="020E0502030303020204" pitchFamily="34" charset="0"/>
-              </a:rPr>
-              <a:t>invece</a:t>
-            </a:r>
-            <a:r>
-              <a:rPr lang="en-US" sz="1200" dirty="0">
-                <a:solidFill>
-                  <a:schemeClr val="bg2">
-                    <a:lumMod val="10000"/>
-                  </a:schemeClr>
-                </a:solidFill>
-                <a:latin typeface="Candara" panose="020E0502030303020204" pitchFamily="34" charset="0"/>
-              </a:rPr>
-              <a:t> </a:t>
-            </a:r>
-            <a:r>
-              <a:rPr lang="en-US" sz="1200" dirty="0" err="1">
-                <a:solidFill>
-                  <a:schemeClr val="bg2">
-                    <a:lumMod val="10000"/>
-                  </a:schemeClr>
-                </a:solidFill>
-                <a:latin typeface="Candara" panose="020E0502030303020204" pitchFamily="34" charset="0"/>
-              </a:rPr>
-              <a:t>viene</a:t>
-            </a:r>
-            <a:r>
-              <a:rPr lang="en-US" sz="1200" dirty="0">
-                <a:solidFill>
-                  <a:schemeClr val="bg2">
-                    <a:lumMod val="10000"/>
-                  </a:schemeClr>
-                </a:solidFill>
-                <a:latin typeface="Candara" panose="020E0502030303020204" pitchFamily="34" charset="0"/>
-              </a:rPr>
-              <a:t> </a:t>
-            </a:r>
-            <a:r>
-              <a:rPr lang="en-US" sz="1200" dirty="0" err="1">
-                <a:solidFill>
-                  <a:schemeClr val="bg2">
-                    <a:lumMod val="10000"/>
-                  </a:schemeClr>
-                </a:solidFill>
-                <a:latin typeface="Candara" panose="020E0502030303020204" pitchFamily="34" charset="0"/>
-              </a:rPr>
-              <a:t>settata</a:t>
-            </a:r>
-            <a:r>
-              <a:rPr lang="en-US" sz="1200" dirty="0">
-                <a:solidFill>
-                  <a:schemeClr val="bg2">
-                    <a:lumMod val="10000"/>
-                  </a:schemeClr>
-                </a:solidFill>
-                <a:latin typeface="Candara" panose="020E0502030303020204" pitchFamily="34" charset="0"/>
-              </a:rPr>
-              <a:t> a -1 per </a:t>
-            </a:r>
-            <a:r>
-              <a:rPr lang="en-US" sz="1200" dirty="0" err="1">
-                <a:solidFill>
-                  <a:schemeClr val="bg2">
-                    <a:lumMod val="10000"/>
-                  </a:schemeClr>
-                </a:solidFill>
-                <a:latin typeface="Candara" panose="020E0502030303020204" pitchFamily="34" charset="0"/>
-              </a:rPr>
-              <a:t>evidenziare</a:t>
-            </a:r>
-            <a:r>
-              <a:rPr lang="en-US" sz="1200" dirty="0">
-                <a:solidFill>
-                  <a:schemeClr val="bg2">
-                    <a:lumMod val="10000"/>
-                  </a:schemeClr>
-                </a:solidFill>
-                <a:latin typeface="Candara" panose="020E0502030303020204" pitchFamily="34" charset="0"/>
-              </a:rPr>
-              <a:t> </a:t>
-            </a:r>
-            <a:r>
-              <a:rPr lang="en-US" sz="1200" dirty="0" err="1">
-                <a:solidFill>
-                  <a:schemeClr val="bg2">
-                    <a:lumMod val="10000"/>
-                  </a:schemeClr>
-                </a:solidFill>
-                <a:latin typeface="Candara" panose="020E0502030303020204" pitchFamily="34" charset="0"/>
-              </a:rPr>
-              <a:t>il</a:t>
-            </a:r>
-            <a:r>
-              <a:rPr lang="en-US" sz="1200" dirty="0">
-                <a:solidFill>
-                  <a:schemeClr val="bg2">
-                    <a:lumMod val="10000"/>
-                  </a:schemeClr>
-                </a:solidFill>
-                <a:latin typeface="Candara" panose="020E0502030303020204" pitchFamily="34" charset="0"/>
-              </a:rPr>
-              <a:t> </a:t>
-            </a:r>
-            <a:r>
-              <a:rPr lang="en-US" sz="1200" dirty="0" err="1">
-                <a:solidFill>
-                  <a:schemeClr val="bg2">
-                    <a:lumMod val="10000"/>
-                  </a:schemeClr>
-                </a:solidFill>
-                <a:latin typeface="Candara" panose="020E0502030303020204" pitchFamily="34" charset="0"/>
-              </a:rPr>
-              <a:t>fatto</a:t>
-            </a:r>
-            <a:r>
-              <a:rPr lang="en-US" sz="1200" dirty="0">
-                <a:solidFill>
-                  <a:schemeClr val="bg2">
-                    <a:lumMod val="10000"/>
-                  </a:schemeClr>
-                </a:solidFill>
-                <a:latin typeface="Candara" panose="020E0502030303020204" pitchFamily="34" charset="0"/>
-              </a:rPr>
-              <a:t> </a:t>
-            </a:r>
-            <a:r>
-              <a:rPr lang="en-US" sz="1200" dirty="0" err="1">
-                <a:solidFill>
-                  <a:schemeClr val="bg2">
-                    <a:lumMod val="10000"/>
-                  </a:schemeClr>
-                </a:solidFill>
-                <a:latin typeface="Candara" panose="020E0502030303020204" pitchFamily="34" charset="0"/>
-              </a:rPr>
-              <a:t>che</a:t>
-            </a:r>
-            <a:r>
-              <a:rPr lang="en-US" sz="1200" dirty="0">
-                <a:solidFill>
-                  <a:schemeClr val="bg2">
-                    <a:lumMod val="10000"/>
-                  </a:schemeClr>
-                </a:solidFill>
-                <a:latin typeface="Candara" panose="020E0502030303020204" pitchFamily="34" charset="0"/>
-              </a:rPr>
-              <a:t> la </a:t>
-            </a:r>
-            <a:r>
-              <a:rPr lang="en-US" sz="1200" dirty="0" err="1">
-                <a:solidFill>
-                  <a:schemeClr val="bg2">
-                    <a:lumMod val="10000"/>
-                  </a:schemeClr>
-                </a:solidFill>
-                <a:latin typeface="Candara" panose="020E0502030303020204" pitchFamily="34" charset="0"/>
-              </a:rPr>
-              <a:t>cardinalità</a:t>
-            </a:r>
-            <a:r>
-              <a:rPr lang="en-US" sz="1200" dirty="0">
-                <a:solidFill>
-                  <a:schemeClr val="bg2">
-                    <a:lumMod val="10000"/>
-                  </a:schemeClr>
-                </a:solidFill>
-                <a:latin typeface="Candara" panose="020E0502030303020204" pitchFamily="34" charset="0"/>
-              </a:rPr>
-              <a:t> </a:t>
-            </a:r>
-            <a:r>
-              <a:rPr lang="en-US" sz="1200" dirty="0" err="1">
-                <a:solidFill>
-                  <a:schemeClr val="bg2">
-                    <a:lumMod val="10000"/>
-                  </a:schemeClr>
-                </a:solidFill>
-                <a:latin typeface="Candara" panose="020E0502030303020204" pitchFamily="34" charset="0"/>
-              </a:rPr>
-              <a:t>sia</a:t>
-            </a:r>
-            <a:r>
-              <a:rPr lang="en-US" sz="1200" dirty="0">
-                <a:solidFill>
-                  <a:schemeClr val="bg2">
-                    <a:lumMod val="10000"/>
-                  </a:schemeClr>
-                </a:solidFill>
-                <a:latin typeface="Candara" panose="020E0502030303020204" pitchFamily="34" charset="0"/>
-              </a:rPr>
-              <a:t> </a:t>
-            </a:r>
-            <a:r>
-              <a:rPr lang="en-US" sz="1200" dirty="0" err="1">
-                <a:solidFill>
-                  <a:schemeClr val="bg2">
-                    <a:lumMod val="10000"/>
-                  </a:schemeClr>
-                </a:solidFill>
-                <a:latin typeface="Candara" panose="020E0502030303020204" pitchFamily="34" charset="0"/>
-              </a:rPr>
-              <a:t>uguale</a:t>
-            </a:r>
-            <a:r>
-              <a:rPr lang="en-US" sz="1200" dirty="0">
-                <a:solidFill>
-                  <a:schemeClr val="bg2">
-                    <a:lumMod val="10000"/>
-                  </a:schemeClr>
-                </a:solidFill>
-                <a:latin typeface="Candara" panose="020E0502030303020204" pitchFamily="34" charset="0"/>
-              </a:rPr>
-              <a:t> a zero ed </a:t>
-            </a:r>
-            <a:r>
-              <a:rPr lang="en-US" sz="1200" dirty="0" err="1">
-                <a:solidFill>
-                  <a:schemeClr val="bg2">
-                    <a:lumMod val="10000"/>
-                  </a:schemeClr>
-                </a:solidFill>
-                <a:latin typeface="Candara" panose="020E0502030303020204" pitchFamily="34" charset="0"/>
-              </a:rPr>
-              <a:t>evitare</a:t>
-            </a:r>
-            <a:r>
-              <a:rPr lang="en-US" sz="1200" dirty="0">
-                <a:solidFill>
-                  <a:schemeClr val="bg2">
-                    <a:lumMod val="10000"/>
-                  </a:schemeClr>
-                </a:solidFill>
-                <a:latin typeface="Candara" panose="020E0502030303020204" pitchFamily="34" charset="0"/>
-              </a:rPr>
-              <a:t> una </a:t>
-            </a:r>
-            <a:r>
-              <a:rPr lang="en-US" sz="1200" dirty="0" err="1">
-                <a:solidFill>
-                  <a:schemeClr val="bg2">
-                    <a:lumMod val="10000"/>
-                  </a:schemeClr>
-                </a:solidFill>
-                <a:latin typeface="Candara" panose="020E0502030303020204" pitchFamily="34" charset="0"/>
-              </a:rPr>
-              <a:t>divisione</a:t>
-            </a:r>
-            <a:r>
-              <a:rPr lang="en-US" sz="1200" dirty="0">
-                <a:solidFill>
-                  <a:schemeClr val="bg2">
-                    <a:lumMod val="10000"/>
-                  </a:schemeClr>
-                </a:solidFill>
-                <a:latin typeface="Candara" panose="020E0502030303020204" pitchFamily="34" charset="0"/>
-              </a:rPr>
-              <a:t> per zero.</a:t>
-            </a:r>
-          </a:p>
-        </p:txBody>
-      </p:sp>
-      <p:sp>
-        <p:nvSpPr>
-          <p:cNvPr id="14" name="TextBox 25">
-            <a:extLst>
-              <a:ext uri="{FF2B5EF4-FFF2-40B4-BE49-F238E27FC236}">
-                <a16:creationId xmlns:a16="http://schemas.microsoft.com/office/drawing/2014/main" id="{0D4C3E5F-90E6-465D-B735-6FEC71763A9B}"/>
-              </a:ext>
-            </a:extLst>
-          </p:cNvPr>
-          <p:cNvSpPr txBox="1"/>
-          <p:nvPr/>
-        </p:nvSpPr>
-        <p:spPr>
-          <a:xfrm>
-            <a:off x="3795779" y="3276720"/>
-            <a:ext cx="5256123" cy="744819"/>
-          </a:xfrm>
-          <a:prstGeom prst="rect">
-            <a:avLst/>
-          </a:prstGeom>
-          <a:noFill/>
-        </p:spPr>
-        <p:txBody>
-          <a:bodyPr wrap="square" rtlCol="0">
-            <a:spAutoFit/>
-          </a:bodyPr>
-          <a:lstStyle/>
-          <a:p>
-            <a:pPr algn="ctr" defTabSz="1219170">
-              <a:spcBef>
-                <a:spcPct val="20000"/>
-              </a:spcBef>
-              <a:defRPr/>
-            </a:pPr>
-            <a:r>
-              <a:rPr lang="en-US" sz="1600" b="1" dirty="0">
-                <a:solidFill>
-                  <a:srgbClr val="EF9D27"/>
-                </a:solidFill>
-                <a:latin typeface="Candara" panose="020E0502030303020204" pitchFamily="34" charset="0"/>
-              </a:rPr>
-              <a:t>Tempi di </a:t>
-            </a:r>
-            <a:r>
-              <a:rPr lang="en-US" sz="1600" b="1" dirty="0" err="1">
-                <a:solidFill>
-                  <a:srgbClr val="EF9D27"/>
-                </a:solidFill>
-                <a:latin typeface="Candara" panose="020E0502030303020204" pitchFamily="34" charset="0"/>
-              </a:rPr>
-              <a:t>computazione</a:t>
-            </a:r>
-            <a:endParaRPr lang="en-US" sz="1600" b="1" dirty="0">
-              <a:solidFill>
-                <a:srgbClr val="34738D"/>
-              </a:solidFill>
-              <a:latin typeface="Candara" panose="020E0502030303020204" pitchFamily="34" charset="0"/>
-            </a:endParaRPr>
-          </a:p>
-          <a:p>
-            <a:pPr algn="ctr" defTabSz="1219170">
-              <a:spcBef>
-                <a:spcPct val="20000"/>
-              </a:spcBef>
-              <a:defRPr/>
-            </a:pPr>
-            <a:r>
-              <a:rPr lang="en-US" sz="1200" dirty="0" err="1">
-                <a:solidFill>
-                  <a:schemeClr val="bg2">
-                    <a:lumMod val="10000"/>
-                  </a:schemeClr>
-                </a:solidFill>
-                <a:latin typeface="Candara" panose="020E0502030303020204" pitchFamily="34" charset="0"/>
-              </a:rPr>
-              <a:t>Abbiamo</a:t>
-            </a:r>
-            <a:r>
-              <a:rPr lang="en-US" sz="1200" dirty="0">
-                <a:solidFill>
-                  <a:schemeClr val="bg2">
-                    <a:lumMod val="10000"/>
-                  </a:schemeClr>
-                </a:solidFill>
-                <a:latin typeface="Candara" panose="020E0502030303020204" pitchFamily="34" charset="0"/>
-              </a:rPr>
-              <a:t> </a:t>
-            </a:r>
-            <a:r>
-              <a:rPr lang="en-US" sz="1200" dirty="0" err="1">
-                <a:solidFill>
-                  <a:schemeClr val="bg2">
-                    <a:lumMod val="10000"/>
-                  </a:schemeClr>
-                </a:solidFill>
-                <a:latin typeface="Candara" panose="020E0502030303020204" pitchFamily="34" charset="0"/>
-              </a:rPr>
-              <a:t>limitato</a:t>
-            </a:r>
-            <a:r>
-              <a:rPr lang="en-US" sz="1200" dirty="0">
-                <a:solidFill>
-                  <a:schemeClr val="bg2">
-                    <a:lumMod val="10000"/>
-                  </a:schemeClr>
-                </a:solidFill>
-                <a:latin typeface="Candara" panose="020E0502030303020204" pitchFamily="34" charset="0"/>
-              </a:rPr>
-              <a:t> le </a:t>
-            </a:r>
-            <a:r>
-              <a:rPr lang="en-US" sz="1200" dirty="0" err="1">
-                <a:solidFill>
-                  <a:schemeClr val="bg2">
-                    <a:lumMod val="10000"/>
-                  </a:schemeClr>
-                </a:solidFill>
-                <a:latin typeface="Candara" panose="020E0502030303020204" pitchFamily="34" charset="0"/>
-              </a:rPr>
-              <a:t>dimensioni</a:t>
-            </a:r>
-            <a:r>
-              <a:rPr lang="en-US" sz="1200" dirty="0">
-                <a:solidFill>
-                  <a:schemeClr val="bg2">
-                    <a:lumMod val="10000"/>
-                  </a:schemeClr>
-                </a:solidFill>
-                <a:latin typeface="Candara" panose="020E0502030303020204" pitchFamily="34" charset="0"/>
-              </a:rPr>
-              <a:t> </a:t>
-            </a:r>
-            <a:r>
-              <a:rPr lang="en-US" sz="1200" dirty="0" err="1">
-                <a:solidFill>
-                  <a:schemeClr val="bg2">
-                    <a:lumMod val="10000"/>
-                  </a:schemeClr>
-                </a:solidFill>
-                <a:latin typeface="Candara" panose="020E0502030303020204" pitchFamily="34" charset="0"/>
-              </a:rPr>
-              <a:t>analizzando</a:t>
-            </a:r>
-            <a:r>
-              <a:rPr lang="en-US" sz="1200" dirty="0">
-                <a:solidFill>
-                  <a:schemeClr val="bg2">
-                    <a:lumMod val="10000"/>
-                  </a:schemeClr>
-                </a:solidFill>
-                <a:latin typeface="Candara" panose="020E0502030303020204" pitchFamily="34" charset="0"/>
-              </a:rPr>
-              <a:t> set </a:t>
-            </a:r>
-            <a:r>
-              <a:rPr lang="en-US" sz="1200" dirty="0" err="1">
-                <a:solidFill>
-                  <a:schemeClr val="bg2">
-                    <a:lumMod val="10000"/>
-                  </a:schemeClr>
-                </a:solidFill>
-                <a:latin typeface="Candara" panose="020E0502030303020204" pitchFamily="34" charset="0"/>
-              </a:rPr>
-              <a:t>ristretti</a:t>
-            </a:r>
-            <a:r>
-              <a:rPr lang="en-US" sz="1200" dirty="0">
-                <a:solidFill>
-                  <a:schemeClr val="bg2">
-                    <a:lumMod val="10000"/>
-                  </a:schemeClr>
-                </a:solidFill>
-                <a:latin typeface="Candara" panose="020E0502030303020204" pitchFamily="34" charset="0"/>
-              </a:rPr>
-              <a:t> e non </a:t>
-            </a:r>
-            <a:r>
-              <a:rPr lang="en-US" sz="1200" dirty="0" err="1">
-                <a:solidFill>
-                  <a:schemeClr val="bg2">
-                    <a:lumMod val="10000"/>
-                  </a:schemeClr>
-                </a:solidFill>
-                <a:latin typeface="Candara" panose="020E0502030303020204" pitchFamily="34" charset="0"/>
-              </a:rPr>
-              <a:t>andando</a:t>
-            </a:r>
-            <a:r>
-              <a:rPr lang="en-US" sz="1200" dirty="0">
-                <a:solidFill>
-                  <a:schemeClr val="bg2">
-                    <a:lumMod val="10000"/>
-                  </a:schemeClr>
-                </a:solidFill>
-                <a:latin typeface="Candara" panose="020E0502030303020204" pitchFamily="34" charset="0"/>
-              </a:rPr>
-              <a:t> </a:t>
-            </a:r>
-            <a:r>
-              <a:rPr lang="en-US" sz="1200" dirty="0" err="1">
-                <a:solidFill>
-                  <a:schemeClr val="bg2">
-                    <a:lumMod val="10000"/>
-                  </a:schemeClr>
-                </a:solidFill>
-                <a:latin typeface="Candara" panose="020E0502030303020204" pitchFamily="34" charset="0"/>
-              </a:rPr>
-              <a:t>oltre</a:t>
-            </a:r>
-            <a:r>
-              <a:rPr lang="en-US" sz="1200" dirty="0">
-                <a:solidFill>
-                  <a:schemeClr val="bg2">
-                    <a:lumMod val="10000"/>
-                  </a:schemeClr>
-                </a:solidFill>
-                <a:latin typeface="Candara" panose="020E0502030303020204" pitchFamily="34" charset="0"/>
-              </a:rPr>
-              <a:t> </a:t>
-            </a:r>
-            <a:r>
-              <a:rPr lang="en-US" sz="1200" dirty="0" err="1">
-                <a:solidFill>
-                  <a:schemeClr val="bg2">
-                    <a:lumMod val="10000"/>
-                  </a:schemeClr>
-                </a:solidFill>
-                <a:latin typeface="Candara" panose="020E0502030303020204" pitchFamily="34" charset="0"/>
-              </a:rPr>
-              <a:t>il</a:t>
-            </a:r>
-            <a:r>
-              <a:rPr lang="en-US" sz="1200" dirty="0">
-                <a:solidFill>
-                  <a:schemeClr val="bg2">
-                    <a:lumMod val="10000"/>
-                  </a:schemeClr>
-                </a:solidFill>
-                <a:latin typeface="Candara" panose="020E0502030303020204" pitchFamily="34" charset="0"/>
-              </a:rPr>
-              <a:t> 3-itemset. I tempi di </a:t>
-            </a:r>
-            <a:r>
-              <a:rPr lang="en-US" sz="1200" dirty="0" err="1">
-                <a:solidFill>
-                  <a:schemeClr val="bg2">
-                    <a:lumMod val="10000"/>
-                  </a:schemeClr>
-                </a:solidFill>
-                <a:latin typeface="Candara" panose="020E0502030303020204" pitchFamily="34" charset="0"/>
-              </a:rPr>
-              <a:t>computazione</a:t>
-            </a:r>
-            <a:r>
-              <a:rPr lang="en-US" sz="1200" dirty="0">
-                <a:solidFill>
-                  <a:schemeClr val="bg2">
-                    <a:lumMod val="10000"/>
-                  </a:schemeClr>
-                </a:solidFill>
-                <a:latin typeface="Candara" panose="020E0502030303020204" pitchFamily="34" charset="0"/>
-              </a:rPr>
-              <a:t> </a:t>
-            </a:r>
-            <a:r>
-              <a:rPr lang="en-US" sz="1200" dirty="0" err="1">
-                <a:solidFill>
-                  <a:schemeClr val="bg2">
-                    <a:lumMod val="10000"/>
-                  </a:schemeClr>
-                </a:solidFill>
-                <a:latin typeface="Candara" panose="020E0502030303020204" pitchFamily="34" charset="0"/>
-              </a:rPr>
-              <a:t>rimangono</a:t>
-            </a:r>
-            <a:r>
-              <a:rPr lang="en-US" sz="1200" dirty="0">
-                <a:solidFill>
-                  <a:schemeClr val="bg2">
-                    <a:lumMod val="10000"/>
-                  </a:schemeClr>
-                </a:solidFill>
-                <a:latin typeface="Candara" panose="020E0502030303020204" pitchFamily="34" charset="0"/>
-              </a:rPr>
-              <a:t> </a:t>
-            </a:r>
-            <a:r>
-              <a:rPr lang="en-US" sz="1200" dirty="0" err="1">
-                <a:solidFill>
-                  <a:schemeClr val="bg2">
-                    <a:lumMod val="10000"/>
-                  </a:schemeClr>
-                </a:solidFill>
-                <a:latin typeface="Candara" panose="020E0502030303020204" pitchFamily="34" charset="0"/>
-              </a:rPr>
-              <a:t>comunque</a:t>
-            </a:r>
-            <a:r>
-              <a:rPr lang="en-US" sz="1200" dirty="0">
-                <a:solidFill>
-                  <a:schemeClr val="bg2">
-                    <a:lumMod val="10000"/>
-                  </a:schemeClr>
-                </a:solidFill>
-                <a:latin typeface="Candara" panose="020E0502030303020204" pitchFamily="34" charset="0"/>
-              </a:rPr>
-              <a:t> </a:t>
-            </a:r>
-            <a:r>
-              <a:rPr lang="en-US" sz="1200" dirty="0" err="1">
-                <a:solidFill>
-                  <a:schemeClr val="bg2">
-                    <a:lumMod val="10000"/>
-                  </a:schemeClr>
-                </a:solidFill>
-                <a:latin typeface="Candara" panose="020E0502030303020204" pitchFamily="34" charset="0"/>
-              </a:rPr>
-              <a:t>superiori</a:t>
-            </a:r>
-            <a:r>
-              <a:rPr lang="en-US" sz="1200" dirty="0">
-                <a:solidFill>
-                  <a:schemeClr val="bg2">
-                    <a:lumMod val="10000"/>
-                  </a:schemeClr>
-                </a:solidFill>
-                <a:latin typeface="Candara" panose="020E0502030303020204" pitchFamily="34" charset="0"/>
-              </a:rPr>
-              <a:t> </a:t>
-            </a:r>
-            <a:r>
-              <a:rPr lang="en-US" sz="1200" dirty="0" err="1">
-                <a:solidFill>
-                  <a:schemeClr val="bg2">
-                    <a:lumMod val="10000"/>
-                  </a:schemeClr>
-                </a:solidFill>
-                <a:latin typeface="Candara" panose="020E0502030303020204" pitchFamily="34" charset="0"/>
-              </a:rPr>
-              <a:t>alle</a:t>
-            </a:r>
-            <a:r>
-              <a:rPr lang="en-US" sz="1200" dirty="0">
-                <a:solidFill>
-                  <a:schemeClr val="bg2">
-                    <a:lumMod val="10000"/>
-                  </a:schemeClr>
-                </a:solidFill>
-                <a:latin typeface="Candara" panose="020E0502030303020204" pitchFamily="34" charset="0"/>
-              </a:rPr>
-              <a:t> 12 ore.</a:t>
-            </a:r>
-          </a:p>
-        </p:txBody>
-      </p:sp>
-      <p:sp>
-        <p:nvSpPr>
-          <p:cNvPr id="15" name="TextBox 25">
-            <a:extLst>
-              <a:ext uri="{FF2B5EF4-FFF2-40B4-BE49-F238E27FC236}">
-                <a16:creationId xmlns:a16="http://schemas.microsoft.com/office/drawing/2014/main" id="{7F91E70A-48DC-46DE-A74F-6CD75A110136}"/>
-              </a:ext>
-            </a:extLst>
-          </p:cNvPr>
-          <p:cNvSpPr txBox="1"/>
-          <p:nvPr/>
-        </p:nvSpPr>
-        <p:spPr>
-          <a:xfrm>
-            <a:off x="3795779" y="4202448"/>
-            <a:ext cx="5256123" cy="929485"/>
-          </a:xfrm>
-          <a:prstGeom prst="rect">
-            <a:avLst/>
-          </a:prstGeom>
-          <a:noFill/>
-        </p:spPr>
-        <p:txBody>
-          <a:bodyPr wrap="square" rtlCol="0">
-            <a:spAutoFit/>
-          </a:bodyPr>
-          <a:lstStyle/>
-          <a:p>
-            <a:pPr algn="ctr" defTabSz="1219170">
-              <a:spcBef>
-                <a:spcPct val="20000"/>
-              </a:spcBef>
-              <a:defRPr/>
-            </a:pPr>
-            <a:r>
-              <a:rPr lang="it-IT" sz="1600" dirty="0">
-                <a:solidFill>
-                  <a:srgbClr val="FF0000"/>
-                </a:solidFill>
-                <a:latin typeface="Candara" panose="020E0502030303020204" pitchFamily="34" charset="0"/>
-              </a:rPr>
-              <a:t>Calcolo </a:t>
-            </a:r>
-            <a:r>
-              <a:rPr lang="el-GR" sz="1600" dirty="0">
-                <a:solidFill>
-                  <a:srgbClr val="FF0000"/>
-                </a:solidFill>
-                <a:latin typeface="Candara" panose="020E0502030303020204" pitchFamily="34" charset="0"/>
-              </a:rPr>
-              <a:t>σ</a:t>
-            </a:r>
-            <a:r>
-              <a:rPr lang="it-IT" sz="1600" dirty="0">
-                <a:solidFill>
-                  <a:srgbClr val="FF0000"/>
-                </a:solidFill>
-                <a:latin typeface="Candara" panose="020E0502030303020204" pitchFamily="34" charset="0"/>
-              </a:rPr>
-              <a:t>+</a:t>
-            </a:r>
-            <a:r>
-              <a:rPr lang="en-US" sz="1600" dirty="0">
-                <a:solidFill>
-                  <a:srgbClr val="FF0000"/>
-                </a:solidFill>
-                <a:latin typeface="Candara" panose="020E0502030303020204" pitchFamily="34" charset="0"/>
-              </a:rPr>
-              <a:t> e </a:t>
-            </a:r>
-            <a:r>
-              <a:rPr lang="el-GR" sz="1600" dirty="0">
-                <a:solidFill>
-                  <a:srgbClr val="FF0000"/>
-                </a:solidFill>
-                <a:latin typeface="Candara" panose="020E0502030303020204" pitchFamily="34" charset="0"/>
-              </a:rPr>
-              <a:t>σ</a:t>
-            </a:r>
-            <a:r>
-              <a:rPr lang="it-IT" sz="1600" dirty="0">
-                <a:solidFill>
-                  <a:srgbClr val="FF0000"/>
-                </a:solidFill>
-                <a:latin typeface="Candara" panose="020E0502030303020204" pitchFamily="34" charset="0"/>
-              </a:rPr>
-              <a:t>-, </a:t>
-            </a:r>
-            <a:r>
-              <a:rPr lang="it-IT" sz="1600" dirty="0" err="1">
-                <a:solidFill>
-                  <a:srgbClr val="FF0000"/>
-                </a:solidFill>
-                <a:latin typeface="Candara" panose="020E0502030303020204" pitchFamily="34" charset="0"/>
-              </a:rPr>
-              <a:t>identity</a:t>
-            </a:r>
-            <a:r>
-              <a:rPr lang="it-IT" sz="1600" dirty="0">
-                <a:solidFill>
-                  <a:srgbClr val="FF0000"/>
-                </a:solidFill>
-                <a:latin typeface="Candara" panose="020E0502030303020204" pitchFamily="34" charset="0"/>
-              </a:rPr>
-              <a:t> </a:t>
-            </a:r>
-            <a:r>
-              <a:rPr lang="it-IT" sz="1600" dirty="0" err="1">
-                <a:solidFill>
-                  <a:srgbClr val="FF0000"/>
-                </a:solidFill>
-                <a:latin typeface="Candara" panose="020E0502030303020204" pitchFamily="34" charset="0"/>
-              </a:rPr>
-              <a:t>error</a:t>
-            </a:r>
-            <a:endParaRPr lang="en-US" sz="1600" b="1" dirty="0">
-              <a:solidFill>
-                <a:srgbClr val="FF0000"/>
-              </a:solidFill>
-              <a:latin typeface="Candara" panose="020E0502030303020204" pitchFamily="34" charset="0"/>
-            </a:endParaRPr>
-          </a:p>
-          <a:p>
-            <a:pPr algn="ctr" defTabSz="1219170">
-              <a:spcBef>
-                <a:spcPct val="20000"/>
-              </a:spcBef>
-              <a:defRPr/>
-            </a:pPr>
-            <a:r>
-              <a:rPr lang="en-US" sz="1200" dirty="0" err="1">
-                <a:solidFill>
-                  <a:schemeClr val="bg2">
-                    <a:lumMod val="10000"/>
-                  </a:schemeClr>
-                </a:solidFill>
-                <a:latin typeface="Candara" panose="020E0502030303020204" pitchFamily="34" charset="0"/>
-              </a:rPr>
-              <a:t>Calcoliamo</a:t>
-            </a:r>
-            <a:r>
-              <a:rPr lang="en-US" sz="1200" dirty="0">
-                <a:solidFill>
-                  <a:schemeClr val="bg2">
-                    <a:lumMod val="10000"/>
-                  </a:schemeClr>
-                </a:solidFill>
-                <a:latin typeface="Candara" panose="020E0502030303020204" pitchFamily="34" charset="0"/>
-              </a:rPr>
-              <a:t> </a:t>
-            </a:r>
-            <a:r>
-              <a:rPr lang="en-US" sz="1200" dirty="0" err="1">
-                <a:solidFill>
-                  <a:schemeClr val="bg2">
-                    <a:lumMod val="10000"/>
-                  </a:schemeClr>
-                </a:solidFill>
-                <a:latin typeface="Candara" panose="020E0502030303020204" pitchFamily="34" charset="0"/>
-              </a:rPr>
-              <a:t>comunque</a:t>
-            </a:r>
-            <a:r>
-              <a:rPr lang="en-US" sz="1200" dirty="0">
-                <a:solidFill>
-                  <a:schemeClr val="bg2">
-                    <a:lumMod val="10000"/>
-                  </a:schemeClr>
-                </a:solidFill>
-                <a:latin typeface="Candara" panose="020E0502030303020204" pitchFamily="34" charset="0"/>
-              </a:rPr>
-              <a:t> </a:t>
-            </a:r>
-            <a:r>
-              <a:rPr lang="en-US" sz="1200" dirty="0" err="1">
-                <a:solidFill>
-                  <a:schemeClr val="bg2">
-                    <a:lumMod val="10000"/>
-                  </a:schemeClr>
-                </a:solidFill>
-                <a:latin typeface="Candara" panose="020E0502030303020204" pitchFamily="34" charset="0"/>
-              </a:rPr>
-              <a:t>entrambi</a:t>
-            </a:r>
-            <a:r>
-              <a:rPr lang="en-US" sz="1200" dirty="0">
-                <a:solidFill>
-                  <a:schemeClr val="bg2">
-                    <a:lumMod val="10000"/>
-                  </a:schemeClr>
-                </a:solidFill>
-                <a:latin typeface="Candara" panose="020E0502030303020204" pitchFamily="34" charset="0"/>
-              </a:rPr>
-              <a:t> </a:t>
-            </a:r>
-            <a:r>
-              <a:rPr lang="en-US" sz="1200" dirty="0" err="1">
-                <a:solidFill>
-                  <a:schemeClr val="bg2">
-                    <a:lumMod val="10000"/>
-                  </a:schemeClr>
-                </a:solidFill>
-                <a:latin typeface="Candara" panose="020E0502030303020204" pitchFamily="34" charset="0"/>
-              </a:rPr>
-              <a:t>i</a:t>
-            </a:r>
-            <a:r>
-              <a:rPr lang="en-US" sz="1200" dirty="0">
-                <a:solidFill>
-                  <a:schemeClr val="bg2">
-                    <a:lumMod val="10000"/>
-                  </a:schemeClr>
-                </a:solidFill>
-                <a:latin typeface="Candara" panose="020E0502030303020204" pitchFamily="34" charset="0"/>
-              </a:rPr>
-              <a:t> </a:t>
-            </a:r>
-            <a:r>
-              <a:rPr lang="en-US" sz="1200" dirty="0" err="1">
-                <a:solidFill>
-                  <a:schemeClr val="bg2">
-                    <a:lumMod val="10000"/>
-                  </a:schemeClr>
-                </a:solidFill>
-                <a:latin typeface="Candara" panose="020E0502030303020204" pitchFamily="34" charset="0"/>
-              </a:rPr>
-              <a:t>valori</a:t>
-            </a:r>
-            <a:r>
-              <a:rPr lang="en-US" sz="1200" dirty="0">
-                <a:solidFill>
-                  <a:schemeClr val="bg2">
-                    <a:lumMod val="10000"/>
-                  </a:schemeClr>
-                </a:solidFill>
-                <a:latin typeface="Candara" panose="020E0502030303020204" pitchFamily="34" charset="0"/>
-              </a:rPr>
-              <a:t> di sigma, </a:t>
-            </a:r>
-            <a:r>
-              <a:rPr lang="en-US" sz="1200" dirty="0" err="1">
-                <a:solidFill>
-                  <a:schemeClr val="bg2">
-                    <a:lumMod val="10000"/>
-                  </a:schemeClr>
-                </a:solidFill>
-                <a:latin typeface="Candara" panose="020E0502030303020204" pitchFamily="34" charset="0"/>
-              </a:rPr>
-              <a:t>ottenendo</a:t>
-            </a:r>
-            <a:r>
-              <a:rPr lang="en-US" sz="1200" dirty="0">
-                <a:solidFill>
-                  <a:schemeClr val="bg2">
-                    <a:lumMod val="10000"/>
-                  </a:schemeClr>
-                </a:solidFill>
-                <a:latin typeface="Candara" panose="020E0502030303020204" pitchFamily="34" charset="0"/>
-              </a:rPr>
-              <a:t> </a:t>
-            </a:r>
-            <a:r>
-              <a:rPr lang="en-US" sz="1200" dirty="0" err="1">
-                <a:solidFill>
-                  <a:schemeClr val="bg2">
-                    <a:lumMod val="10000"/>
-                  </a:schemeClr>
-                </a:solidFill>
-                <a:latin typeface="Candara" panose="020E0502030303020204" pitchFamily="34" charset="0"/>
-              </a:rPr>
-              <a:t>però</a:t>
-            </a:r>
-            <a:r>
-              <a:rPr lang="en-US" sz="1200" dirty="0">
-                <a:solidFill>
-                  <a:schemeClr val="bg2">
-                    <a:lumMod val="10000"/>
-                  </a:schemeClr>
-                </a:solidFill>
-                <a:latin typeface="Candara" panose="020E0502030303020204" pitchFamily="34" charset="0"/>
-              </a:rPr>
-              <a:t> </a:t>
-            </a:r>
-            <a:r>
-              <a:rPr lang="en-US" sz="1200" dirty="0" err="1">
-                <a:solidFill>
-                  <a:schemeClr val="bg2">
-                    <a:lumMod val="10000"/>
-                  </a:schemeClr>
-                </a:solidFill>
-                <a:latin typeface="Candara" panose="020E0502030303020204" pitchFamily="34" charset="0"/>
-              </a:rPr>
-              <a:t>valori</a:t>
-            </a:r>
-            <a:r>
-              <a:rPr lang="en-US" sz="1200" dirty="0">
-                <a:solidFill>
-                  <a:schemeClr val="bg2">
-                    <a:lumMod val="10000"/>
-                  </a:schemeClr>
-                </a:solidFill>
-                <a:latin typeface="Candara" panose="020E0502030303020204" pitchFamily="34" charset="0"/>
-              </a:rPr>
-              <a:t> molto </a:t>
-            </a:r>
-            <a:r>
-              <a:rPr lang="en-US" sz="1200" dirty="0" err="1">
-                <a:solidFill>
-                  <a:schemeClr val="bg2">
-                    <a:lumMod val="10000"/>
-                  </a:schemeClr>
-                </a:solidFill>
-                <a:latin typeface="Candara" panose="020E0502030303020204" pitchFamily="34" charset="0"/>
-              </a:rPr>
-              <a:t>più</a:t>
-            </a:r>
-            <a:r>
-              <a:rPr lang="en-US" sz="1200" dirty="0">
-                <a:solidFill>
-                  <a:schemeClr val="bg2">
-                    <a:lumMod val="10000"/>
-                  </a:schemeClr>
-                </a:solidFill>
-                <a:latin typeface="Candara" panose="020E0502030303020204" pitchFamily="34" charset="0"/>
-              </a:rPr>
-              <a:t> </a:t>
-            </a:r>
-            <a:r>
-              <a:rPr lang="en-US" sz="1200" dirty="0" err="1">
-                <a:solidFill>
-                  <a:schemeClr val="bg2">
-                    <a:lumMod val="10000"/>
-                  </a:schemeClr>
-                </a:solidFill>
-                <a:latin typeface="Candara" panose="020E0502030303020204" pitchFamily="34" charset="0"/>
-              </a:rPr>
-              <a:t>grandi</a:t>
-            </a:r>
-            <a:r>
-              <a:rPr lang="en-US" sz="1200" dirty="0">
-                <a:solidFill>
-                  <a:schemeClr val="bg2">
-                    <a:lumMod val="10000"/>
-                  </a:schemeClr>
-                </a:solidFill>
-                <a:latin typeface="Candara" panose="020E0502030303020204" pitchFamily="34" charset="0"/>
-              </a:rPr>
-              <a:t> rispetto a </a:t>
-            </a:r>
-            <a:r>
-              <a:rPr lang="en-US" sz="1200" dirty="0" err="1">
-                <a:solidFill>
-                  <a:schemeClr val="bg2">
-                    <a:lumMod val="10000"/>
-                  </a:schemeClr>
-                </a:solidFill>
-                <a:latin typeface="Candara" panose="020E0502030303020204" pitchFamily="34" charset="0"/>
-              </a:rPr>
-              <a:t>quelli</a:t>
-            </a:r>
-            <a:r>
-              <a:rPr lang="en-US" sz="1200" dirty="0">
-                <a:solidFill>
-                  <a:schemeClr val="bg2">
-                    <a:lumMod val="10000"/>
-                  </a:schemeClr>
-                </a:solidFill>
-                <a:latin typeface="Candara" panose="020E0502030303020204" pitchFamily="34" charset="0"/>
-              </a:rPr>
-              <a:t> </a:t>
-            </a:r>
-            <a:r>
-              <a:rPr lang="en-US" sz="1200" dirty="0" err="1">
-                <a:solidFill>
-                  <a:schemeClr val="bg2">
-                    <a:lumMod val="10000"/>
-                  </a:schemeClr>
-                </a:solidFill>
-                <a:latin typeface="Candara" panose="020E0502030303020204" pitchFamily="34" charset="0"/>
-              </a:rPr>
-              <a:t>mostrati</a:t>
-            </a:r>
-            <a:r>
-              <a:rPr lang="en-US" sz="1200" dirty="0">
-                <a:solidFill>
-                  <a:schemeClr val="bg2">
-                    <a:lumMod val="10000"/>
-                  </a:schemeClr>
-                </a:solidFill>
-                <a:latin typeface="Candara" panose="020E0502030303020204" pitchFamily="34" charset="0"/>
-              </a:rPr>
-              <a:t>. Non </a:t>
-            </a:r>
-            <a:r>
-              <a:rPr lang="en-US" sz="1200" dirty="0" err="1">
-                <a:solidFill>
-                  <a:schemeClr val="bg2">
-                    <a:lumMod val="10000"/>
-                  </a:schemeClr>
-                </a:solidFill>
-                <a:latin typeface="Candara" panose="020E0502030303020204" pitchFamily="34" charset="0"/>
-              </a:rPr>
-              <a:t>sono</a:t>
-            </a:r>
-            <a:r>
-              <a:rPr lang="en-US" sz="1200" dirty="0">
-                <a:solidFill>
-                  <a:schemeClr val="bg2">
-                    <a:lumMod val="10000"/>
-                  </a:schemeClr>
-                </a:solidFill>
-                <a:latin typeface="Candara" panose="020E0502030303020204" pitchFamily="34" charset="0"/>
-              </a:rPr>
-              <a:t>, </a:t>
-            </a:r>
-            <a:r>
-              <a:rPr lang="en-US" sz="1200" dirty="0" err="1">
-                <a:solidFill>
-                  <a:schemeClr val="bg2">
-                    <a:lumMod val="10000"/>
-                  </a:schemeClr>
-                </a:solidFill>
-                <a:latin typeface="Candara" panose="020E0502030303020204" pitchFamily="34" charset="0"/>
-              </a:rPr>
-              <a:t>però</a:t>
-            </a:r>
-            <a:r>
-              <a:rPr lang="en-US" sz="1200" dirty="0">
-                <a:solidFill>
-                  <a:schemeClr val="bg2">
-                    <a:lumMod val="10000"/>
-                  </a:schemeClr>
-                </a:solidFill>
-                <a:latin typeface="Candara" panose="020E0502030303020204" pitchFamily="34" charset="0"/>
-              </a:rPr>
-              <a:t>, </a:t>
-            </a:r>
-            <a:r>
-              <a:rPr lang="en-US" sz="1200" dirty="0" err="1">
-                <a:solidFill>
-                  <a:schemeClr val="bg2">
-                    <a:lumMod val="10000"/>
-                  </a:schemeClr>
-                </a:solidFill>
-                <a:latin typeface="Candara" panose="020E0502030303020204" pitchFamily="34" charset="0"/>
-              </a:rPr>
-              <a:t>possibili</a:t>
-            </a:r>
-            <a:r>
-              <a:rPr lang="en-US" sz="1200" dirty="0">
-                <a:solidFill>
-                  <a:schemeClr val="bg2">
-                    <a:lumMod val="10000"/>
-                  </a:schemeClr>
-                </a:solidFill>
-                <a:latin typeface="Candara" panose="020E0502030303020204" pitchFamily="34" charset="0"/>
-              </a:rPr>
-              <a:t> </a:t>
-            </a:r>
-            <a:r>
-              <a:rPr lang="en-US" sz="1200" dirty="0" err="1">
-                <a:solidFill>
-                  <a:schemeClr val="bg2">
-                    <a:lumMod val="10000"/>
-                  </a:schemeClr>
-                </a:solidFill>
-                <a:latin typeface="Candara" panose="020E0502030303020204" pitchFamily="34" charset="0"/>
-              </a:rPr>
-              <a:t>altre</a:t>
-            </a:r>
-            <a:r>
-              <a:rPr lang="en-US" sz="1200" dirty="0">
-                <a:solidFill>
-                  <a:schemeClr val="bg2">
-                    <a:lumMod val="10000"/>
-                  </a:schemeClr>
-                </a:solidFill>
-                <a:latin typeface="Candara" panose="020E0502030303020204" pitchFamily="34" charset="0"/>
-              </a:rPr>
-              <a:t> </a:t>
-            </a:r>
-            <a:r>
-              <a:rPr lang="en-US" sz="1200" dirty="0" err="1">
-                <a:solidFill>
-                  <a:schemeClr val="bg2">
-                    <a:lumMod val="10000"/>
-                  </a:schemeClr>
-                </a:solidFill>
-                <a:latin typeface="Candara" panose="020E0502030303020204" pitchFamily="34" charset="0"/>
-              </a:rPr>
-              <a:t>interpretazioni</a:t>
-            </a:r>
-            <a:r>
-              <a:rPr lang="en-US" sz="1200" dirty="0">
-                <a:solidFill>
-                  <a:schemeClr val="bg2">
-                    <a:lumMod val="10000"/>
-                  </a:schemeClr>
-                </a:solidFill>
-                <a:latin typeface="Candara" panose="020E0502030303020204" pitchFamily="34" charset="0"/>
-              </a:rPr>
-              <a:t>, </a:t>
-            </a:r>
-            <a:r>
-              <a:rPr lang="en-US" sz="1200" dirty="0" err="1">
-                <a:solidFill>
-                  <a:schemeClr val="bg2">
-                    <a:lumMod val="10000"/>
-                  </a:schemeClr>
-                </a:solidFill>
-                <a:latin typeface="Candara" panose="020E0502030303020204" pitchFamily="34" charset="0"/>
-              </a:rPr>
-              <a:t>essendo</a:t>
-            </a:r>
-            <a:r>
-              <a:rPr lang="en-US" sz="1200" dirty="0">
-                <a:solidFill>
-                  <a:schemeClr val="bg2">
-                    <a:lumMod val="10000"/>
-                  </a:schemeClr>
-                </a:solidFill>
-                <a:latin typeface="Candara" panose="020E0502030303020204" pitchFamily="34" charset="0"/>
-              </a:rPr>
-              <a:t> </a:t>
-            </a:r>
-            <a:r>
-              <a:rPr lang="en-US" sz="1200" dirty="0" err="1">
-                <a:solidFill>
-                  <a:schemeClr val="bg2">
-                    <a:lumMod val="10000"/>
-                  </a:schemeClr>
-                </a:solidFill>
-                <a:latin typeface="Candara" panose="020E0502030303020204" pitchFamily="34" charset="0"/>
-              </a:rPr>
-              <a:t>nel</a:t>
-            </a:r>
-            <a:r>
-              <a:rPr lang="en-US" sz="1200" dirty="0">
-                <a:solidFill>
-                  <a:schemeClr val="bg2">
-                    <a:lumMod val="10000"/>
-                  </a:schemeClr>
-                </a:solidFill>
-                <a:latin typeface="Candara" panose="020E0502030303020204" pitchFamily="34" charset="0"/>
-              </a:rPr>
-              <a:t> paper </a:t>
-            </a:r>
-            <a:r>
-              <a:rPr lang="en-US" sz="1200" dirty="0" err="1">
-                <a:solidFill>
-                  <a:schemeClr val="bg2">
-                    <a:lumMod val="10000"/>
-                  </a:schemeClr>
-                </a:solidFill>
-                <a:latin typeface="Candara" panose="020E0502030303020204" pitchFamily="34" charset="0"/>
-              </a:rPr>
-              <a:t>mostrati</a:t>
-            </a:r>
-            <a:r>
-              <a:rPr lang="en-US" sz="1200" dirty="0">
-                <a:solidFill>
-                  <a:schemeClr val="bg2">
-                    <a:lumMod val="10000"/>
-                  </a:schemeClr>
-                </a:solidFill>
-                <a:latin typeface="Candara" panose="020E0502030303020204" pitchFamily="34" charset="0"/>
-              </a:rPr>
-              <a:t> </a:t>
-            </a:r>
-            <a:r>
-              <a:rPr lang="en-US" sz="1200" dirty="0" err="1">
-                <a:solidFill>
-                  <a:schemeClr val="bg2">
-                    <a:lumMod val="10000"/>
-                  </a:schemeClr>
-                </a:solidFill>
-                <a:latin typeface="Candara" panose="020E0502030303020204" pitchFamily="34" charset="0"/>
-              </a:rPr>
-              <a:t>valori</a:t>
-            </a:r>
-            <a:r>
-              <a:rPr lang="en-US" sz="1200" dirty="0">
-                <a:solidFill>
-                  <a:schemeClr val="bg2">
-                    <a:lumMod val="10000"/>
-                  </a:schemeClr>
-                </a:solidFill>
-                <a:latin typeface="Candara" panose="020E0502030303020204" pitchFamily="34" charset="0"/>
-              </a:rPr>
-              <a:t> </a:t>
-            </a:r>
-            <a:r>
-              <a:rPr lang="en-US" sz="1200" dirty="0" err="1">
-                <a:solidFill>
-                  <a:schemeClr val="bg2">
-                    <a:lumMod val="10000"/>
-                  </a:schemeClr>
-                </a:solidFill>
-                <a:latin typeface="Candara" panose="020E0502030303020204" pitchFamily="34" charset="0"/>
-              </a:rPr>
-              <a:t>sempre</a:t>
-            </a:r>
-            <a:r>
-              <a:rPr lang="en-US" sz="1200" dirty="0">
-                <a:solidFill>
-                  <a:schemeClr val="bg2">
-                    <a:lumMod val="10000"/>
-                  </a:schemeClr>
-                </a:solidFill>
-                <a:latin typeface="Candara" panose="020E0502030303020204" pitchFamily="34" charset="0"/>
-              </a:rPr>
-              <a:t> &gt;= 0.</a:t>
-            </a:r>
-          </a:p>
-        </p:txBody>
-      </p:sp>
-      <p:sp>
-        <p:nvSpPr>
-          <p:cNvPr id="16" name="Teardrop 45">
-            <a:extLst>
-              <a:ext uri="{FF2B5EF4-FFF2-40B4-BE49-F238E27FC236}">
-                <a16:creationId xmlns:a16="http://schemas.microsoft.com/office/drawing/2014/main" id="{76E9DDE6-BCA2-440C-99BE-5AC75B222CBC}"/>
-              </a:ext>
-            </a:extLst>
-          </p:cNvPr>
-          <p:cNvSpPr/>
-          <p:nvPr/>
-        </p:nvSpPr>
-        <p:spPr>
-          <a:xfrm rot="2720395">
-            <a:off x="3416065" y="5264133"/>
-            <a:ext cx="360000" cy="360000"/>
-          </a:xfrm>
-          <a:prstGeom prst="teardrop">
-            <a:avLst/>
-          </a:prstGeom>
-          <a:solidFill>
-            <a:srgbClr val="7030A0"/>
-          </a:solidFill>
-          <a:ln>
-            <a:noFill/>
-          </a:ln>
-          <a:effectLst>
-            <a:outerShdw blurRad="50800" dist="38100" algn="l" rotWithShape="0">
-              <a:prstClr val="black">
-                <a:alpha val="40000"/>
-              </a:prstClr>
-            </a:outerShdw>
-          </a:effectLst>
-        </p:spPr>
-        <p:style>
-          <a:lnRef idx="2">
-            <a:schemeClr val="accent1">
-              <a:shade val="50000"/>
-            </a:schemeClr>
-          </a:lnRef>
-          <a:fillRef idx="1">
-            <a:schemeClr val="accent1"/>
-          </a:fillRef>
-          <a:effectRef idx="0">
-            <a:schemeClr val="accent1"/>
-          </a:effectRef>
-          <a:fontRef idx="minor">
-            <a:schemeClr val="lt1"/>
-          </a:fontRef>
-        </p:style>
-        <p:txBody>
-          <a:bodyPr rtlCol="0" anchor="ctr"/>
-          <a:lstStyle/>
-          <a:p>
             <a:pPr algn="ctr"/>
-            <a:endParaRPr lang="en-US" dirty="0"/>
-          </a:p>
-        </p:txBody>
-      </p:sp>
-      <p:sp>
-        <p:nvSpPr>
-          <p:cNvPr id="17" name="TextBox 25">
-            <a:extLst>
-              <a:ext uri="{FF2B5EF4-FFF2-40B4-BE49-F238E27FC236}">
-                <a16:creationId xmlns:a16="http://schemas.microsoft.com/office/drawing/2014/main" id="{A1AD93D5-92DB-4178-85C4-3D019DEBC4E0}"/>
-              </a:ext>
-            </a:extLst>
-          </p:cNvPr>
-          <p:cNvSpPr txBox="1"/>
-          <p:nvPr/>
-        </p:nvSpPr>
-        <p:spPr>
-          <a:xfrm>
-            <a:off x="3795778" y="5071011"/>
-            <a:ext cx="5256123" cy="744819"/>
-          </a:xfrm>
-          <a:prstGeom prst="rect">
-            <a:avLst/>
-          </a:prstGeom>
-          <a:noFill/>
-        </p:spPr>
-        <p:txBody>
-          <a:bodyPr wrap="square" rtlCol="0">
-            <a:spAutoFit/>
-          </a:bodyPr>
-          <a:lstStyle/>
-          <a:p>
-            <a:pPr algn="ctr" defTabSz="1219170">
-              <a:spcBef>
-                <a:spcPct val="20000"/>
-              </a:spcBef>
-              <a:defRPr/>
-            </a:pPr>
-            <a:r>
-              <a:rPr lang="it-IT" sz="1600" dirty="0">
-                <a:solidFill>
-                  <a:srgbClr val="7030A0"/>
-                </a:solidFill>
-                <a:latin typeface="Candara" panose="020E0502030303020204" pitchFamily="34" charset="0"/>
-              </a:rPr>
-              <a:t>Calcolo </a:t>
-            </a:r>
-            <a:r>
-              <a:rPr lang="el-GR" sz="1600" dirty="0">
-                <a:solidFill>
-                  <a:srgbClr val="7030A0"/>
-                </a:solidFill>
-                <a:latin typeface="Candara" panose="020E0502030303020204" pitchFamily="34" charset="0"/>
-              </a:rPr>
-              <a:t>ρ</a:t>
-            </a:r>
-            <a:r>
-              <a:rPr lang="it-IT" sz="1600" dirty="0">
-                <a:solidFill>
-                  <a:srgbClr val="7030A0"/>
-                </a:solidFill>
-                <a:latin typeface="Candara" panose="020E0502030303020204" pitchFamily="34" charset="0"/>
-              </a:rPr>
-              <a:t>, support </a:t>
-            </a:r>
-            <a:r>
-              <a:rPr lang="it-IT" sz="1600" dirty="0" err="1">
-                <a:solidFill>
-                  <a:srgbClr val="7030A0"/>
-                </a:solidFill>
-                <a:latin typeface="Candara" panose="020E0502030303020204" pitchFamily="34" charset="0"/>
-              </a:rPr>
-              <a:t>error</a:t>
-            </a:r>
-            <a:endParaRPr lang="en-US" sz="1600" b="1" dirty="0">
-              <a:solidFill>
-                <a:srgbClr val="7030A0"/>
-              </a:solidFill>
-              <a:latin typeface="Candara" panose="020E0502030303020204" pitchFamily="34" charset="0"/>
-            </a:endParaRPr>
-          </a:p>
-          <a:p>
-            <a:pPr algn="ctr" defTabSz="1219170">
-              <a:spcBef>
-                <a:spcPct val="20000"/>
-              </a:spcBef>
-              <a:defRPr/>
-            </a:pPr>
-            <a:r>
-              <a:rPr lang="en-US" sz="1200" dirty="0">
-                <a:solidFill>
-                  <a:schemeClr val="bg2">
-                    <a:lumMod val="10000"/>
-                  </a:schemeClr>
-                </a:solidFill>
-                <a:latin typeface="Candara" panose="020E0502030303020204" pitchFamily="34" charset="0"/>
-              </a:rPr>
-              <a:t>Non </a:t>
-            </a:r>
-            <a:r>
-              <a:rPr lang="en-US" sz="1200" dirty="0" err="1">
-                <a:solidFill>
-                  <a:schemeClr val="bg2">
-                    <a:lumMod val="10000"/>
-                  </a:schemeClr>
-                </a:solidFill>
-                <a:latin typeface="Candara" panose="020E0502030303020204" pitchFamily="34" charset="0"/>
-              </a:rPr>
-              <a:t>trovando</a:t>
-            </a:r>
-            <a:r>
-              <a:rPr lang="en-US" sz="1200" dirty="0">
-                <a:solidFill>
-                  <a:schemeClr val="bg2">
-                    <a:lumMod val="10000"/>
-                  </a:schemeClr>
-                </a:solidFill>
-                <a:latin typeface="Candara" panose="020E0502030303020204" pitchFamily="34" charset="0"/>
-              </a:rPr>
-              <a:t> </a:t>
-            </a:r>
-            <a:r>
-              <a:rPr lang="en-US" sz="1200" dirty="0" err="1">
-                <a:solidFill>
-                  <a:schemeClr val="bg2">
-                    <a:lumMod val="10000"/>
-                  </a:schemeClr>
-                </a:solidFill>
-                <a:latin typeface="Candara" panose="020E0502030303020204" pitchFamily="34" charset="0"/>
-              </a:rPr>
-              <a:t>migliori</a:t>
-            </a:r>
-            <a:r>
-              <a:rPr lang="en-US" sz="1200" dirty="0">
-                <a:solidFill>
-                  <a:schemeClr val="bg2">
-                    <a:lumMod val="10000"/>
-                  </a:schemeClr>
-                </a:solidFill>
-                <a:latin typeface="Candara" panose="020E0502030303020204" pitchFamily="34" charset="0"/>
-              </a:rPr>
-              <a:t> </a:t>
-            </a:r>
-            <a:r>
-              <a:rPr lang="en-US" sz="1200" dirty="0" err="1">
-                <a:solidFill>
-                  <a:schemeClr val="bg2">
-                    <a:lumMod val="10000"/>
-                  </a:schemeClr>
-                </a:solidFill>
-                <a:latin typeface="Candara" panose="020E0502030303020204" pitchFamily="34" charset="0"/>
-              </a:rPr>
-              <a:t>interpretazioni</a:t>
-            </a:r>
-            <a:r>
-              <a:rPr lang="en-US" sz="1200" dirty="0">
-                <a:solidFill>
-                  <a:schemeClr val="bg2">
-                    <a:lumMod val="10000"/>
-                  </a:schemeClr>
-                </a:solidFill>
-                <a:latin typeface="Candara" panose="020E0502030303020204" pitchFamily="34" charset="0"/>
-              </a:rPr>
-              <a:t>, </a:t>
-            </a:r>
-            <a:r>
-              <a:rPr lang="en-US" sz="1200" dirty="0" err="1">
-                <a:solidFill>
-                  <a:schemeClr val="bg2">
-                    <a:lumMod val="10000"/>
-                  </a:schemeClr>
-                </a:solidFill>
-                <a:latin typeface="Candara" panose="020E0502030303020204" pitchFamily="34" charset="0"/>
-              </a:rPr>
-              <a:t>abbiamo</a:t>
-            </a:r>
-            <a:r>
-              <a:rPr lang="en-US" sz="1200" dirty="0">
-                <a:solidFill>
-                  <a:schemeClr val="bg2">
-                    <a:lumMod val="10000"/>
-                  </a:schemeClr>
-                </a:solidFill>
-                <a:latin typeface="Candara" panose="020E0502030303020204" pitchFamily="34" charset="0"/>
-              </a:rPr>
-              <a:t> </a:t>
-            </a:r>
-            <a:r>
-              <a:rPr lang="en-US" sz="1200" dirty="0" err="1">
-                <a:solidFill>
-                  <a:schemeClr val="bg2">
-                    <a:lumMod val="10000"/>
-                  </a:schemeClr>
-                </a:solidFill>
-                <a:latin typeface="Candara" panose="020E0502030303020204" pitchFamily="34" charset="0"/>
-              </a:rPr>
-              <a:t>considerato</a:t>
-            </a:r>
-            <a:r>
-              <a:rPr lang="en-US" sz="1200" dirty="0">
-                <a:solidFill>
-                  <a:schemeClr val="bg2">
-                    <a:lumMod val="10000"/>
-                  </a:schemeClr>
-                </a:solidFill>
-                <a:latin typeface="Candara" panose="020E0502030303020204" pitchFamily="34" charset="0"/>
-              </a:rPr>
-              <a:t> come </a:t>
-            </a:r>
-            <a:r>
-              <a:rPr lang="en-US" sz="1200" dirty="0" err="1">
-                <a:solidFill>
-                  <a:schemeClr val="bg2">
-                    <a:lumMod val="10000"/>
-                  </a:schemeClr>
-                </a:solidFill>
-                <a:latin typeface="Candara" panose="020E0502030303020204" pitchFamily="34" charset="0"/>
-              </a:rPr>
-              <a:t>validi</a:t>
-            </a:r>
-            <a:r>
-              <a:rPr lang="en-US" sz="1200" dirty="0">
-                <a:solidFill>
-                  <a:schemeClr val="bg2">
-                    <a:lumMod val="10000"/>
-                  </a:schemeClr>
-                </a:solidFill>
-                <a:latin typeface="Candara" panose="020E0502030303020204" pitchFamily="34" charset="0"/>
-              </a:rPr>
-              <a:t> </a:t>
-            </a:r>
-            <a:r>
-              <a:rPr lang="en-US" sz="1200" dirty="0" err="1">
-                <a:solidFill>
-                  <a:schemeClr val="bg2">
-                    <a:lumMod val="10000"/>
-                  </a:schemeClr>
-                </a:solidFill>
-                <a:latin typeface="Candara" panose="020E0502030303020204" pitchFamily="34" charset="0"/>
-              </a:rPr>
-              <a:t>i</a:t>
-            </a:r>
-            <a:r>
-              <a:rPr lang="en-US" sz="1200" dirty="0">
-                <a:solidFill>
-                  <a:schemeClr val="bg2">
-                    <a:lumMod val="10000"/>
-                  </a:schemeClr>
-                </a:solidFill>
-                <a:latin typeface="Candara" panose="020E0502030303020204" pitchFamily="34" charset="0"/>
-              </a:rPr>
-              <a:t> </a:t>
-            </a:r>
-            <a:r>
-              <a:rPr lang="en-US" sz="1200" dirty="0" err="1">
-                <a:solidFill>
-                  <a:schemeClr val="bg2">
-                    <a:lumMod val="10000"/>
-                  </a:schemeClr>
-                </a:solidFill>
-                <a:latin typeface="Candara" panose="020E0502030303020204" pitchFamily="34" charset="0"/>
-              </a:rPr>
-              <a:t>risultati</a:t>
-            </a:r>
-            <a:r>
-              <a:rPr lang="en-US" sz="1200" dirty="0">
-                <a:solidFill>
-                  <a:schemeClr val="bg2">
-                    <a:lumMod val="10000"/>
-                  </a:schemeClr>
-                </a:solidFill>
-                <a:latin typeface="Candara" panose="020E0502030303020204" pitchFamily="34" charset="0"/>
-              </a:rPr>
-              <a:t> </a:t>
-            </a:r>
-            <a:r>
-              <a:rPr lang="en-US" sz="1200" dirty="0" err="1">
-                <a:solidFill>
-                  <a:schemeClr val="bg2">
-                    <a:lumMod val="10000"/>
-                  </a:schemeClr>
-                </a:solidFill>
-                <a:latin typeface="Candara" panose="020E0502030303020204" pitchFamily="34" charset="0"/>
-              </a:rPr>
-              <a:t>ottenuti</a:t>
-            </a:r>
-            <a:r>
-              <a:rPr lang="en-US" sz="1200" dirty="0">
-                <a:solidFill>
-                  <a:schemeClr val="bg2">
-                    <a:lumMod val="10000"/>
-                  </a:schemeClr>
-                </a:solidFill>
-                <a:latin typeface="Candara" panose="020E0502030303020204" pitchFamily="34" charset="0"/>
-              </a:rPr>
-              <a:t>, </a:t>
-            </a:r>
-            <a:r>
-              <a:rPr lang="en-US" sz="1200" dirty="0" err="1">
-                <a:solidFill>
-                  <a:schemeClr val="bg2">
-                    <a:lumMod val="10000"/>
-                  </a:schemeClr>
-                </a:solidFill>
-                <a:latin typeface="Candara" panose="020E0502030303020204" pitchFamily="34" charset="0"/>
-              </a:rPr>
-              <a:t>contraddicendo</a:t>
-            </a:r>
-            <a:r>
-              <a:rPr lang="en-US" sz="1200" dirty="0">
-                <a:solidFill>
-                  <a:schemeClr val="bg2">
-                    <a:lumMod val="10000"/>
-                  </a:schemeClr>
-                </a:solidFill>
-                <a:latin typeface="Candara" panose="020E0502030303020204" pitchFamily="34" charset="0"/>
-              </a:rPr>
-              <a:t> </a:t>
-            </a:r>
-            <a:r>
-              <a:rPr lang="en-US" sz="1200" dirty="0" err="1">
-                <a:solidFill>
-                  <a:schemeClr val="bg2">
-                    <a:lumMod val="10000"/>
-                  </a:schemeClr>
-                </a:solidFill>
-                <a:latin typeface="Candara" panose="020E0502030303020204" pitchFamily="34" charset="0"/>
-              </a:rPr>
-              <a:t>quindi</a:t>
-            </a:r>
-            <a:r>
-              <a:rPr lang="en-US" sz="1200" dirty="0">
-                <a:solidFill>
-                  <a:schemeClr val="bg2">
-                    <a:lumMod val="10000"/>
-                  </a:schemeClr>
-                </a:solidFill>
-                <a:latin typeface="Candara" panose="020E0502030303020204" pitchFamily="34" charset="0"/>
-              </a:rPr>
-              <a:t> </a:t>
-            </a:r>
-            <a:r>
-              <a:rPr lang="en-US" sz="1200" dirty="0" err="1">
-                <a:solidFill>
-                  <a:schemeClr val="bg2">
-                    <a:lumMod val="10000"/>
-                  </a:schemeClr>
-                </a:solidFill>
-                <a:latin typeface="Candara" panose="020E0502030303020204" pitchFamily="34" charset="0"/>
-              </a:rPr>
-              <a:t>quanto</a:t>
-            </a:r>
-            <a:r>
-              <a:rPr lang="en-US" sz="1200" dirty="0">
-                <a:solidFill>
-                  <a:schemeClr val="bg2">
-                    <a:lumMod val="10000"/>
-                  </a:schemeClr>
-                </a:solidFill>
-                <a:latin typeface="Candara" panose="020E0502030303020204" pitchFamily="34" charset="0"/>
-              </a:rPr>
-              <a:t> </a:t>
-            </a:r>
-            <a:r>
-              <a:rPr lang="en-US" sz="1200" dirty="0" err="1">
-                <a:solidFill>
-                  <a:schemeClr val="bg2">
-                    <a:lumMod val="10000"/>
-                  </a:schemeClr>
-                </a:solidFill>
-                <a:latin typeface="Candara" panose="020E0502030303020204" pitchFamily="34" charset="0"/>
-              </a:rPr>
-              <a:t>affermato</a:t>
-            </a:r>
-            <a:r>
-              <a:rPr lang="en-US" sz="1200" dirty="0">
-                <a:solidFill>
-                  <a:schemeClr val="bg2">
-                    <a:lumMod val="10000"/>
-                  </a:schemeClr>
-                </a:solidFill>
-                <a:latin typeface="Candara" panose="020E0502030303020204" pitchFamily="34" charset="0"/>
-              </a:rPr>
-              <a:t> </a:t>
-            </a:r>
-            <a:r>
-              <a:rPr lang="en-US" sz="1200" dirty="0" err="1">
-                <a:solidFill>
-                  <a:schemeClr val="bg2">
-                    <a:lumMod val="10000"/>
-                  </a:schemeClr>
-                </a:solidFill>
-                <a:latin typeface="Candara" panose="020E0502030303020204" pitchFamily="34" charset="0"/>
-              </a:rPr>
-              <a:t>nel</a:t>
-            </a:r>
-            <a:r>
-              <a:rPr lang="en-US" sz="1200" dirty="0">
-                <a:solidFill>
-                  <a:schemeClr val="bg2">
-                    <a:lumMod val="10000"/>
-                  </a:schemeClr>
-                </a:solidFill>
-                <a:latin typeface="Candara" panose="020E0502030303020204" pitchFamily="34" charset="0"/>
-              </a:rPr>
-              <a:t> </a:t>
-            </a:r>
-            <a:r>
-              <a:rPr lang="en-US" sz="1200" dirty="0" err="1">
-                <a:solidFill>
-                  <a:schemeClr val="bg2">
-                    <a:lumMod val="10000"/>
-                  </a:schemeClr>
-                </a:solidFill>
-                <a:latin typeface="Candara" panose="020E0502030303020204" pitchFamily="34" charset="0"/>
-              </a:rPr>
-              <a:t>documento</a:t>
-            </a:r>
-            <a:r>
-              <a:rPr lang="en-US" sz="1200" dirty="0">
-                <a:solidFill>
-                  <a:schemeClr val="bg2">
-                    <a:lumMod val="10000"/>
-                  </a:schemeClr>
-                </a:solidFill>
-                <a:latin typeface="Candara" panose="020E0502030303020204" pitchFamily="34" charset="0"/>
-              </a:rPr>
-              <a:t>.</a:t>
+            <a:r>
+              <a:rPr lang="en-US" sz="4400" b="1" dirty="0">
+                <a:latin typeface="Candara" panose="020E0502030303020204" pitchFamily="34" charset="0"/>
+              </a:rPr>
+              <a:t>Dataset</a:t>
             </a:r>
           </a:p>
         </p:txBody>
@@ -18342,7 +18676,7 @@
     </p:spTree>
     <p:extLst>
       <p:ext uri="{BB962C8B-B14F-4D97-AF65-F5344CB8AC3E}">
-        <p14:creationId xmlns:p14="http://schemas.microsoft.com/office/powerpoint/2010/main" val="208457323"/>
+        <p14:creationId xmlns:p14="http://schemas.microsoft.com/office/powerpoint/2010/main" val="751510436"/>
       </p:ext>
     </p:extLst>
   </p:cSld>
@@ -18386,7 +18720,7 @@
                                           </p:stCondLst>
                                         </p:cTn>
                                         <p:tgtEl>
-                                          <p:spTgt spid="25"/>
+                                          <p:spTgt spid="21"/>
                                         </p:tgtEl>
                                         <p:attrNameLst>
                                           <p:attrName>style.visibility</p:attrName>
@@ -18400,792 +18734,7 @@
                                       <p:cBhvr>
                                         <p:cTn id="7" dur="500"/>
                                         <p:tgtEl>
-                                          <p:spTgt spid="25"/>
-                                        </p:tgtEl>
-                                      </p:cBhvr>
-                                    </p:animEffect>
-                                  </p:childTnLst>
-                                </p:cTn>
-                              </p:par>
-                            </p:childTnLst>
-                          </p:cTn>
-                        </p:par>
-                      </p:childTnLst>
-                    </p:cTn>
-                  </p:par>
-                  <p:par>
-                    <p:cTn id="8" fill="hold">
-                      <p:stCondLst>
-                        <p:cond delay="indefinite"/>
-                      </p:stCondLst>
-                      <p:childTnLst>
-                        <p:par>
-                          <p:cTn id="9" fill="hold">
-                            <p:stCondLst>
-                              <p:cond delay="0"/>
-                            </p:stCondLst>
-                            <p:childTnLst>
-                              <p:par>
-                                <p:cTn id="10" presetID="49" presetClass="entr" presetSubtype="0" decel="100000" fill="hold" grpId="0" nodeType="clickEffect">
-                                  <p:stCondLst>
-                                    <p:cond delay="0"/>
-                                  </p:stCondLst>
-                                  <p:childTnLst>
-                                    <p:set>
-                                      <p:cBhvr>
-                                        <p:cTn id="11" dur="1" fill="hold">
-                                          <p:stCondLst>
-                                            <p:cond delay="0"/>
-                                          </p:stCondLst>
-                                        </p:cTn>
-                                        <p:tgtEl>
-                                          <p:spTgt spid="11"/>
-                                        </p:tgtEl>
-                                        <p:attrNameLst>
-                                          <p:attrName>style.visibility</p:attrName>
-                                        </p:attrNameLst>
-                                      </p:cBhvr>
-                                      <p:to>
-                                        <p:strVal val="visible"/>
-                                      </p:to>
-                                    </p:set>
-                                    <p:anim calcmode="lin" valueType="num">
-                                      <p:cBhvr>
-                                        <p:cTn id="12" dur="500" fill="hold"/>
-                                        <p:tgtEl>
-                                          <p:spTgt spid="11"/>
-                                        </p:tgtEl>
-                                        <p:attrNameLst>
-                                          <p:attrName>ppt_w</p:attrName>
-                                        </p:attrNameLst>
-                                      </p:cBhvr>
-                                      <p:tavLst>
-                                        <p:tav tm="0">
-                                          <p:val>
-                                            <p:fltVal val="0"/>
-                                          </p:val>
-                                        </p:tav>
-                                        <p:tav tm="100000">
-                                          <p:val>
-                                            <p:strVal val="#ppt_w"/>
-                                          </p:val>
-                                        </p:tav>
-                                      </p:tavLst>
-                                    </p:anim>
-                                    <p:anim calcmode="lin" valueType="num">
-                                      <p:cBhvr>
-                                        <p:cTn id="13" dur="500" fill="hold"/>
-                                        <p:tgtEl>
-                                          <p:spTgt spid="11"/>
-                                        </p:tgtEl>
-                                        <p:attrNameLst>
-                                          <p:attrName>ppt_h</p:attrName>
-                                        </p:attrNameLst>
-                                      </p:cBhvr>
-                                      <p:tavLst>
-                                        <p:tav tm="0">
-                                          <p:val>
-                                            <p:fltVal val="0"/>
-                                          </p:val>
-                                        </p:tav>
-                                        <p:tav tm="100000">
-                                          <p:val>
-                                            <p:strVal val="#ppt_h"/>
-                                          </p:val>
-                                        </p:tav>
-                                      </p:tavLst>
-                                    </p:anim>
-                                    <p:anim calcmode="lin" valueType="num">
-                                      <p:cBhvr>
-                                        <p:cTn id="14" dur="500" fill="hold"/>
-                                        <p:tgtEl>
-                                          <p:spTgt spid="11"/>
-                                        </p:tgtEl>
-                                        <p:attrNameLst>
-                                          <p:attrName>style.rotation</p:attrName>
-                                        </p:attrNameLst>
-                                      </p:cBhvr>
-                                      <p:tavLst>
-                                        <p:tav tm="0">
-                                          <p:val>
-                                            <p:fltVal val="360"/>
-                                          </p:val>
-                                        </p:tav>
-                                        <p:tav tm="100000">
-                                          <p:val>
-                                            <p:fltVal val="0"/>
-                                          </p:val>
-                                        </p:tav>
-                                      </p:tavLst>
-                                    </p:anim>
-                                    <p:animEffect transition="in" filter="fade">
-                                      <p:cBhvr>
-                                        <p:cTn id="15" dur="500"/>
-                                        <p:tgtEl>
-                                          <p:spTgt spid="11"/>
-                                        </p:tgtEl>
-                                      </p:cBhvr>
-                                    </p:animEffect>
-                                  </p:childTnLst>
-                                </p:cTn>
-                              </p:par>
-                              <p:par>
-                                <p:cTn id="16" presetID="22" presetClass="entr" presetSubtype="1" fill="hold" grpId="0" nodeType="withEffect">
-                                  <p:stCondLst>
-                                    <p:cond delay="0"/>
-                                  </p:stCondLst>
-                                  <p:childTnLst>
-                                    <p:set>
-                                      <p:cBhvr>
-                                        <p:cTn id="17" dur="1" fill="hold">
-                                          <p:stCondLst>
-                                            <p:cond delay="0"/>
-                                          </p:stCondLst>
-                                        </p:cTn>
-                                        <p:tgtEl>
-                                          <p:spTgt spid="26"/>
-                                        </p:tgtEl>
-                                        <p:attrNameLst>
-                                          <p:attrName>style.visibility</p:attrName>
-                                        </p:attrNameLst>
-                                      </p:cBhvr>
-                                      <p:to>
-                                        <p:strVal val="visible"/>
-                                      </p:to>
-                                    </p:set>
-                                    <p:animEffect transition="in" filter="wipe(up)">
-                                      <p:cBhvr>
-                                        <p:cTn id="18" dur="500"/>
-                                        <p:tgtEl>
-                                          <p:spTgt spid="26"/>
-                                        </p:tgtEl>
-                                      </p:cBhvr>
-                                    </p:animEffect>
-                                  </p:childTnLst>
-                                </p:cTn>
-                              </p:par>
-                            </p:childTnLst>
-                          </p:cTn>
-                        </p:par>
-                      </p:childTnLst>
-                    </p:cTn>
-                  </p:par>
-                  <p:par>
-                    <p:cTn id="19" fill="hold">
-                      <p:stCondLst>
-                        <p:cond delay="indefinite"/>
-                      </p:stCondLst>
-                      <p:childTnLst>
-                        <p:par>
-                          <p:cTn id="20" fill="hold">
-                            <p:stCondLst>
-                              <p:cond delay="0"/>
-                            </p:stCondLst>
-                            <p:childTnLst>
-                              <p:par>
-                                <p:cTn id="21" presetID="49" presetClass="entr" presetSubtype="0" decel="100000" fill="hold" grpId="0" nodeType="clickEffect">
-                                  <p:stCondLst>
-                                    <p:cond delay="0"/>
-                                  </p:stCondLst>
-                                  <p:childTnLst>
-                                    <p:set>
-                                      <p:cBhvr>
-                                        <p:cTn id="22" dur="1" fill="hold">
-                                          <p:stCondLst>
-                                            <p:cond delay="0"/>
-                                          </p:stCondLst>
-                                        </p:cTn>
-                                        <p:tgtEl>
-                                          <p:spTgt spid="44"/>
-                                        </p:tgtEl>
-                                        <p:attrNameLst>
-                                          <p:attrName>style.visibility</p:attrName>
-                                        </p:attrNameLst>
-                                      </p:cBhvr>
-                                      <p:to>
-                                        <p:strVal val="visible"/>
-                                      </p:to>
-                                    </p:set>
-                                    <p:anim calcmode="lin" valueType="num">
-                                      <p:cBhvr>
-                                        <p:cTn id="23" dur="500" fill="hold"/>
-                                        <p:tgtEl>
-                                          <p:spTgt spid="44"/>
-                                        </p:tgtEl>
-                                        <p:attrNameLst>
-                                          <p:attrName>ppt_w</p:attrName>
-                                        </p:attrNameLst>
-                                      </p:cBhvr>
-                                      <p:tavLst>
-                                        <p:tav tm="0">
-                                          <p:val>
-                                            <p:fltVal val="0"/>
-                                          </p:val>
-                                        </p:tav>
-                                        <p:tav tm="100000">
-                                          <p:val>
-                                            <p:strVal val="#ppt_w"/>
-                                          </p:val>
-                                        </p:tav>
-                                      </p:tavLst>
-                                    </p:anim>
-                                    <p:anim calcmode="lin" valueType="num">
-                                      <p:cBhvr>
-                                        <p:cTn id="24" dur="500" fill="hold"/>
-                                        <p:tgtEl>
-                                          <p:spTgt spid="44"/>
-                                        </p:tgtEl>
-                                        <p:attrNameLst>
-                                          <p:attrName>ppt_h</p:attrName>
-                                        </p:attrNameLst>
-                                      </p:cBhvr>
-                                      <p:tavLst>
-                                        <p:tav tm="0">
-                                          <p:val>
-                                            <p:fltVal val="0"/>
-                                          </p:val>
-                                        </p:tav>
-                                        <p:tav tm="100000">
-                                          <p:val>
-                                            <p:strVal val="#ppt_h"/>
-                                          </p:val>
-                                        </p:tav>
-                                      </p:tavLst>
-                                    </p:anim>
-                                    <p:anim calcmode="lin" valueType="num">
-                                      <p:cBhvr>
-                                        <p:cTn id="25" dur="500" fill="hold"/>
-                                        <p:tgtEl>
-                                          <p:spTgt spid="44"/>
-                                        </p:tgtEl>
-                                        <p:attrNameLst>
-                                          <p:attrName>style.rotation</p:attrName>
-                                        </p:attrNameLst>
-                                      </p:cBhvr>
-                                      <p:tavLst>
-                                        <p:tav tm="0">
-                                          <p:val>
-                                            <p:fltVal val="360"/>
-                                          </p:val>
-                                        </p:tav>
-                                        <p:tav tm="100000">
-                                          <p:val>
-                                            <p:fltVal val="0"/>
-                                          </p:val>
-                                        </p:tav>
-                                      </p:tavLst>
-                                    </p:anim>
-                                    <p:animEffect transition="in" filter="fade">
-                                      <p:cBhvr>
-                                        <p:cTn id="26" dur="500"/>
-                                        <p:tgtEl>
-                                          <p:spTgt spid="44"/>
-                                        </p:tgtEl>
-                                      </p:cBhvr>
-                                    </p:animEffect>
-                                  </p:childTnLst>
-                                </p:cTn>
-                              </p:par>
-                              <p:par>
-                                <p:cTn id="27" presetID="22" presetClass="entr" presetSubtype="1" fill="hold" grpId="0" nodeType="withEffect">
-                                  <p:stCondLst>
-                                    <p:cond delay="0"/>
-                                  </p:stCondLst>
-                                  <p:childTnLst>
-                                    <p:set>
-                                      <p:cBhvr>
-                                        <p:cTn id="28" dur="1" fill="hold">
-                                          <p:stCondLst>
-                                            <p:cond delay="0"/>
-                                          </p:stCondLst>
-                                        </p:cTn>
-                                        <p:tgtEl>
-                                          <p:spTgt spid="13"/>
-                                        </p:tgtEl>
-                                        <p:attrNameLst>
-                                          <p:attrName>style.visibility</p:attrName>
-                                        </p:attrNameLst>
-                                      </p:cBhvr>
-                                      <p:to>
-                                        <p:strVal val="visible"/>
-                                      </p:to>
-                                    </p:set>
-                                    <p:animEffect transition="in" filter="wipe(up)">
-                                      <p:cBhvr>
-                                        <p:cTn id="29" dur="500"/>
-                                        <p:tgtEl>
-                                          <p:spTgt spid="13"/>
-                                        </p:tgtEl>
-                                      </p:cBhvr>
-                                    </p:animEffect>
-                                  </p:childTnLst>
-                                </p:cTn>
-                              </p:par>
-                            </p:childTnLst>
-                          </p:cTn>
-                        </p:par>
-                      </p:childTnLst>
-                    </p:cTn>
-                  </p:par>
-                  <p:par>
-                    <p:cTn id="30" fill="hold">
-                      <p:stCondLst>
-                        <p:cond delay="indefinite"/>
-                      </p:stCondLst>
-                      <p:childTnLst>
-                        <p:par>
-                          <p:cTn id="31" fill="hold">
-                            <p:stCondLst>
-                              <p:cond delay="0"/>
-                            </p:stCondLst>
-                            <p:childTnLst>
-                              <p:par>
-                                <p:cTn id="32" presetID="49" presetClass="entr" presetSubtype="0" decel="100000" fill="hold" grpId="0" nodeType="clickEffect">
-                                  <p:stCondLst>
-                                    <p:cond delay="0"/>
-                                  </p:stCondLst>
-                                  <p:childTnLst>
-                                    <p:set>
-                                      <p:cBhvr>
-                                        <p:cTn id="33" dur="1" fill="hold">
-                                          <p:stCondLst>
-                                            <p:cond delay="0"/>
-                                          </p:stCondLst>
-                                        </p:cTn>
-                                        <p:tgtEl>
-                                          <p:spTgt spid="45"/>
-                                        </p:tgtEl>
-                                        <p:attrNameLst>
-                                          <p:attrName>style.visibility</p:attrName>
-                                        </p:attrNameLst>
-                                      </p:cBhvr>
-                                      <p:to>
-                                        <p:strVal val="visible"/>
-                                      </p:to>
-                                    </p:set>
-                                    <p:anim calcmode="lin" valueType="num">
-                                      <p:cBhvr>
-                                        <p:cTn id="34" dur="500" fill="hold"/>
-                                        <p:tgtEl>
-                                          <p:spTgt spid="45"/>
-                                        </p:tgtEl>
-                                        <p:attrNameLst>
-                                          <p:attrName>ppt_w</p:attrName>
-                                        </p:attrNameLst>
-                                      </p:cBhvr>
-                                      <p:tavLst>
-                                        <p:tav tm="0">
-                                          <p:val>
-                                            <p:fltVal val="0"/>
-                                          </p:val>
-                                        </p:tav>
-                                        <p:tav tm="100000">
-                                          <p:val>
-                                            <p:strVal val="#ppt_w"/>
-                                          </p:val>
-                                        </p:tav>
-                                      </p:tavLst>
-                                    </p:anim>
-                                    <p:anim calcmode="lin" valueType="num">
-                                      <p:cBhvr>
-                                        <p:cTn id="35" dur="500" fill="hold"/>
-                                        <p:tgtEl>
-                                          <p:spTgt spid="45"/>
-                                        </p:tgtEl>
-                                        <p:attrNameLst>
-                                          <p:attrName>ppt_h</p:attrName>
-                                        </p:attrNameLst>
-                                      </p:cBhvr>
-                                      <p:tavLst>
-                                        <p:tav tm="0">
-                                          <p:val>
-                                            <p:fltVal val="0"/>
-                                          </p:val>
-                                        </p:tav>
-                                        <p:tav tm="100000">
-                                          <p:val>
-                                            <p:strVal val="#ppt_h"/>
-                                          </p:val>
-                                        </p:tav>
-                                      </p:tavLst>
-                                    </p:anim>
-                                    <p:anim calcmode="lin" valueType="num">
-                                      <p:cBhvr>
-                                        <p:cTn id="36" dur="500" fill="hold"/>
-                                        <p:tgtEl>
-                                          <p:spTgt spid="45"/>
-                                        </p:tgtEl>
-                                        <p:attrNameLst>
-                                          <p:attrName>style.rotation</p:attrName>
-                                        </p:attrNameLst>
-                                      </p:cBhvr>
-                                      <p:tavLst>
-                                        <p:tav tm="0">
-                                          <p:val>
-                                            <p:fltVal val="360"/>
-                                          </p:val>
-                                        </p:tav>
-                                        <p:tav tm="100000">
-                                          <p:val>
-                                            <p:fltVal val="0"/>
-                                          </p:val>
-                                        </p:tav>
-                                      </p:tavLst>
-                                    </p:anim>
-                                    <p:animEffect transition="in" filter="fade">
-                                      <p:cBhvr>
-                                        <p:cTn id="37" dur="500"/>
-                                        <p:tgtEl>
-                                          <p:spTgt spid="45"/>
-                                        </p:tgtEl>
-                                      </p:cBhvr>
-                                    </p:animEffect>
-                                  </p:childTnLst>
-                                </p:cTn>
-                              </p:par>
-                              <p:par>
-                                <p:cTn id="38" presetID="22" presetClass="entr" presetSubtype="1" fill="hold" grpId="0" nodeType="withEffect">
-                                  <p:stCondLst>
-                                    <p:cond delay="0"/>
-                                  </p:stCondLst>
-                                  <p:childTnLst>
-                                    <p:set>
-                                      <p:cBhvr>
-                                        <p:cTn id="39" dur="1" fill="hold">
-                                          <p:stCondLst>
-                                            <p:cond delay="0"/>
-                                          </p:stCondLst>
-                                        </p:cTn>
-                                        <p:tgtEl>
-                                          <p:spTgt spid="14"/>
-                                        </p:tgtEl>
-                                        <p:attrNameLst>
-                                          <p:attrName>style.visibility</p:attrName>
-                                        </p:attrNameLst>
-                                      </p:cBhvr>
-                                      <p:to>
-                                        <p:strVal val="visible"/>
-                                      </p:to>
-                                    </p:set>
-                                    <p:animEffect transition="in" filter="wipe(up)">
-                                      <p:cBhvr>
-                                        <p:cTn id="40" dur="500"/>
-                                        <p:tgtEl>
-                                          <p:spTgt spid="14"/>
-                                        </p:tgtEl>
-                                      </p:cBhvr>
-                                    </p:animEffect>
-                                  </p:childTnLst>
-                                </p:cTn>
-                              </p:par>
-                            </p:childTnLst>
-                          </p:cTn>
-                        </p:par>
-                      </p:childTnLst>
-                    </p:cTn>
-                  </p:par>
-                  <p:par>
-                    <p:cTn id="41" fill="hold">
-                      <p:stCondLst>
-                        <p:cond delay="indefinite"/>
-                      </p:stCondLst>
-                      <p:childTnLst>
-                        <p:par>
-                          <p:cTn id="42" fill="hold">
-                            <p:stCondLst>
-                              <p:cond delay="0"/>
-                            </p:stCondLst>
-                            <p:childTnLst>
-                              <p:par>
-                                <p:cTn id="43" presetID="49" presetClass="entr" presetSubtype="0" decel="100000" fill="hold" grpId="0" nodeType="clickEffect">
-                                  <p:stCondLst>
-                                    <p:cond delay="0"/>
-                                  </p:stCondLst>
-                                  <p:childTnLst>
-                                    <p:set>
-                                      <p:cBhvr>
-                                        <p:cTn id="44" dur="1" fill="hold">
-                                          <p:stCondLst>
-                                            <p:cond delay="0"/>
-                                          </p:stCondLst>
-                                        </p:cTn>
-                                        <p:tgtEl>
-                                          <p:spTgt spid="46"/>
-                                        </p:tgtEl>
-                                        <p:attrNameLst>
-                                          <p:attrName>style.visibility</p:attrName>
-                                        </p:attrNameLst>
-                                      </p:cBhvr>
-                                      <p:to>
-                                        <p:strVal val="visible"/>
-                                      </p:to>
-                                    </p:set>
-                                    <p:anim calcmode="lin" valueType="num">
-                                      <p:cBhvr>
-                                        <p:cTn id="45" dur="500" fill="hold"/>
-                                        <p:tgtEl>
-                                          <p:spTgt spid="46"/>
-                                        </p:tgtEl>
-                                        <p:attrNameLst>
-                                          <p:attrName>ppt_w</p:attrName>
-                                        </p:attrNameLst>
-                                      </p:cBhvr>
-                                      <p:tavLst>
-                                        <p:tav tm="0">
-                                          <p:val>
-                                            <p:fltVal val="0"/>
-                                          </p:val>
-                                        </p:tav>
-                                        <p:tav tm="100000">
-                                          <p:val>
-                                            <p:strVal val="#ppt_w"/>
-                                          </p:val>
-                                        </p:tav>
-                                      </p:tavLst>
-                                    </p:anim>
-                                    <p:anim calcmode="lin" valueType="num">
-                                      <p:cBhvr>
-                                        <p:cTn id="46" dur="500" fill="hold"/>
-                                        <p:tgtEl>
-                                          <p:spTgt spid="46"/>
-                                        </p:tgtEl>
-                                        <p:attrNameLst>
-                                          <p:attrName>ppt_h</p:attrName>
-                                        </p:attrNameLst>
-                                      </p:cBhvr>
-                                      <p:tavLst>
-                                        <p:tav tm="0">
-                                          <p:val>
-                                            <p:fltVal val="0"/>
-                                          </p:val>
-                                        </p:tav>
-                                        <p:tav tm="100000">
-                                          <p:val>
-                                            <p:strVal val="#ppt_h"/>
-                                          </p:val>
-                                        </p:tav>
-                                      </p:tavLst>
-                                    </p:anim>
-                                    <p:anim calcmode="lin" valueType="num">
-                                      <p:cBhvr>
-                                        <p:cTn id="47" dur="500" fill="hold"/>
-                                        <p:tgtEl>
-                                          <p:spTgt spid="46"/>
-                                        </p:tgtEl>
-                                        <p:attrNameLst>
-                                          <p:attrName>style.rotation</p:attrName>
-                                        </p:attrNameLst>
-                                      </p:cBhvr>
-                                      <p:tavLst>
-                                        <p:tav tm="0">
-                                          <p:val>
-                                            <p:fltVal val="360"/>
-                                          </p:val>
-                                        </p:tav>
-                                        <p:tav tm="100000">
-                                          <p:val>
-                                            <p:fltVal val="0"/>
-                                          </p:val>
-                                        </p:tav>
-                                      </p:tavLst>
-                                    </p:anim>
-                                    <p:animEffect transition="in" filter="fade">
-                                      <p:cBhvr>
-                                        <p:cTn id="48" dur="500"/>
-                                        <p:tgtEl>
-                                          <p:spTgt spid="46"/>
-                                        </p:tgtEl>
-                                      </p:cBhvr>
-                                    </p:animEffect>
-                                  </p:childTnLst>
-                                </p:cTn>
-                              </p:par>
-                              <p:par>
-                                <p:cTn id="49" presetID="22" presetClass="entr" presetSubtype="1" fill="hold" grpId="0" nodeType="withEffect">
-                                  <p:stCondLst>
-                                    <p:cond delay="0"/>
-                                  </p:stCondLst>
-                                  <p:childTnLst>
-                                    <p:set>
-                                      <p:cBhvr>
-                                        <p:cTn id="50" dur="1" fill="hold">
-                                          <p:stCondLst>
-                                            <p:cond delay="0"/>
-                                          </p:stCondLst>
-                                        </p:cTn>
-                                        <p:tgtEl>
-                                          <p:spTgt spid="15"/>
-                                        </p:tgtEl>
-                                        <p:attrNameLst>
-                                          <p:attrName>style.visibility</p:attrName>
-                                        </p:attrNameLst>
-                                      </p:cBhvr>
-                                      <p:to>
-                                        <p:strVal val="visible"/>
-                                      </p:to>
-                                    </p:set>
-                                    <p:animEffect transition="in" filter="wipe(up)">
-                                      <p:cBhvr>
-                                        <p:cTn id="51" dur="500"/>
-                                        <p:tgtEl>
-                                          <p:spTgt spid="15"/>
-                                        </p:tgtEl>
-                                      </p:cBhvr>
-                                    </p:animEffect>
-                                  </p:childTnLst>
-                                </p:cTn>
-                              </p:par>
-                            </p:childTnLst>
-                          </p:cTn>
-                        </p:par>
-                      </p:childTnLst>
-                    </p:cTn>
-                  </p:par>
-                  <p:par>
-                    <p:cTn id="52" fill="hold">
-                      <p:stCondLst>
-                        <p:cond delay="indefinite"/>
-                      </p:stCondLst>
-                      <p:childTnLst>
-                        <p:par>
-                          <p:cTn id="53" fill="hold">
-                            <p:stCondLst>
-                              <p:cond delay="0"/>
-                            </p:stCondLst>
-                            <p:childTnLst>
-                              <p:par>
-                                <p:cTn id="54" presetID="49" presetClass="entr" presetSubtype="0" decel="100000" fill="hold" grpId="0" nodeType="clickEffect">
-                                  <p:stCondLst>
-                                    <p:cond delay="0"/>
-                                  </p:stCondLst>
-                                  <p:childTnLst>
-                                    <p:set>
-                                      <p:cBhvr>
-                                        <p:cTn id="55" dur="1" fill="hold">
-                                          <p:stCondLst>
-                                            <p:cond delay="0"/>
-                                          </p:stCondLst>
-                                        </p:cTn>
-                                        <p:tgtEl>
-                                          <p:spTgt spid="16"/>
-                                        </p:tgtEl>
-                                        <p:attrNameLst>
-                                          <p:attrName>style.visibility</p:attrName>
-                                        </p:attrNameLst>
-                                      </p:cBhvr>
-                                      <p:to>
-                                        <p:strVal val="visible"/>
-                                      </p:to>
-                                    </p:set>
-                                    <p:anim calcmode="lin" valueType="num">
-                                      <p:cBhvr>
-                                        <p:cTn id="56" dur="500" fill="hold"/>
-                                        <p:tgtEl>
-                                          <p:spTgt spid="16"/>
-                                        </p:tgtEl>
-                                        <p:attrNameLst>
-                                          <p:attrName>ppt_w</p:attrName>
-                                        </p:attrNameLst>
-                                      </p:cBhvr>
-                                      <p:tavLst>
-                                        <p:tav tm="0">
-                                          <p:val>
-                                            <p:fltVal val="0"/>
-                                          </p:val>
-                                        </p:tav>
-                                        <p:tav tm="100000">
-                                          <p:val>
-                                            <p:strVal val="#ppt_w"/>
-                                          </p:val>
-                                        </p:tav>
-                                      </p:tavLst>
-                                    </p:anim>
-                                    <p:anim calcmode="lin" valueType="num">
-                                      <p:cBhvr>
-                                        <p:cTn id="57" dur="500" fill="hold"/>
-                                        <p:tgtEl>
-                                          <p:spTgt spid="16"/>
-                                        </p:tgtEl>
-                                        <p:attrNameLst>
-                                          <p:attrName>ppt_h</p:attrName>
-                                        </p:attrNameLst>
-                                      </p:cBhvr>
-                                      <p:tavLst>
-                                        <p:tav tm="0">
-                                          <p:val>
-                                            <p:fltVal val="0"/>
-                                          </p:val>
-                                        </p:tav>
-                                        <p:tav tm="100000">
-                                          <p:val>
-                                            <p:strVal val="#ppt_h"/>
-                                          </p:val>
-                                        </p:tav>
-                                      </p:tavLst>
-                                    </p:anim>
-                                    <p:anim calcmode="lin" valueType="num">
-                                      <p:cBhvr>
-                                        <p:cTn id="58" dur="500" fill="hold"/>
-                                        <p:tgtEl>
-                                          <p:spTgt spid="16"/>
-                                        </p:tgtEl>
-                                        <p:attrNameLst>
-                                          <p:attrName>style.rotation</p:attrName>
-                                        </p:attrNameLst>
-                                      </p:cBhvr>
-                                      <p:tavLst>
-                                        <p:tav tm="0">
-                                          <p:val>
-                                            <p:fltVal val="360"/>
-                                          </p:val>
-                                        </p:tav>
-                                        <p:tav tm="100000">
-                                          <p:val>
-                                            <p:fltVal val="0"/>
-                                          </p:val>
-                                        </p:tav>
-                                      </p:tavLst>
-                                    </p:anim>
-                                    <p:animEffect transition="in" filter="fade">
-                                      <p:cBhvr>
-                                        <p:cTn id="59" dur="500"/>
-                                        <p:tgtEl>
-                                          <p:spTgt spid="16"/>
-                                        </p:tgtEl>
-                                      </p:cBhvr>
-                                    </p:animEffect>
-                                  </p:childTnLst>
-                                </p:cTn>
-                              </p:par>
-                              <p:par>
-                                <p:cTn id="60" presetID="22" presetClass="entr" presetSubtype="1" fill="hold" grpId="0" nodeType="withEffect">
-                                  <p:stCondLst>
-                                    <p:cond delay="0"/>
-                                  </p:stCondLst>
-                                  <p:childTnLst>
-                                    <p:set>
-                                      <p:cBhvr>
-                                        <p:cTn id="61" dur="1" fill="hold">
-                                          <p:stCondLst>
-                                            <p:cond delay="0"/>
-                                          </p:stCondLst>
-                                        </p:cTn>
-                                        <p:tgtEl>
-                                          <p:spTgt spid="17"/>
-                                        </p:tgtEl>
-                                        <p:attrNameLst>
-                                          <p:attrName>style.visibility</p:attrName>
-                                        </p:attrNameLst>
-                                      </p:cBhvr>
-                                      <p:to>
-                                        <p:strVal val="visible"/>
-                                      </p:to>
-                                    </p:set>
-                                    <p:animEffect transition="in" filter="wipe(up)">
-                                      <p:cBhvr>
-                                        <p:cTn id="62" dur="500"/>
-                                        <p:tgtEl>
-                                          <p:spTgt spid="17"/>
+                                          <p:spTgt spid="21"/>
                                         </p:tgtEl>
                                       </p:cBhvr>
                                     </p:animEffect>
@@ -19220,17 +18769,7 @@
       </p:par>
     </p:tnLst>
     <p:bldLst>
-      <p:bldP spid="46" grpId="0" animBg="1"/>
-      <p:bldP spid="45" grpId="0" animBg="1"/>
-      <p:bldP spid="44" grpId="0" animBg="1"/>
-      <p:bldP spid="11" grpId="0" animBg="1"/>
-      <p:bldP spid="25" grpId="0"/>
-      <p:bldP spid="26" grpId="0"/>
-      <p:bldP spid="13" grpId="0"/>
-      <p:bldP spid="14" grpId="0"/>
-      <p:bldP spid="15" grpId="0"/>
-      <p:bldP spid="16" grpId="0" animBg="1"/>
-      <p:bldP spid="17" grpId="0"/>
+      <p:bldP spid="21" grpId="0"/>
     </p:bldLst>
   </p:timing>
 </p:sld>
@@ -20093,7 +19632,7 @@
               <a:rPr lang="en-US" sz="2400" b="1" dirty="0">
                 <a:latin typeface="Candara" panose="020E0502030303020204" pitchFamily="34" charset="0"/>
               </a:rPr>
-              <a:t>: p=0.7, </a:t>
+              <a:t>: p=0.9, </a:t>
             </a:r>
             <a:r>
               <a:rPr lang="en-US" sz="2400" b="1" dirty="0" err="1">

--- a/docs/Presentazione.pptx
+++ b/docs/Presentazione.pptx
@@ -204,7 +204,7 @@
           <a:p>
             <a:fld id="{B70D0873-D02A-4646-AD63-4D060B4B73E7}" type="datetimeFigureOut">
               <a:rPr lang="it-IT" smtClean="0"/>
-              <a:t>23/03/2019</a:t>
+              <a:t>24/03/2019</a:t>
             </a:fld>
             <a:endParaRPr lang="it-IT"/>
           </a:p>
@@ -685,7 +685,7 @@
           <a:p>
             <a:fld id="{63A1C593-65D0-4073-BCC9-577B9352EA97}" type="datetimeFigureOut">
               <a:rPr lang="en-US" smtClean="0"/>
-              <a:t>3/23/2019</a:t>
+              <a:t>3/24/2019</a:t>
             </a:fld>
             <a:endParaRPr lang="en-US"/>
           </a:p>
@@ -853,7 +853,7 @@
           <a:p>
             <a:fld id="{63A1C593-65D0-4073-BCC9-577B9352EA97}" type="datetimeFigureOut">
               <a:rPr lang="en-US" smtClean="0"/>
-              <a:t>3/23/2019</a:t>
+              <a:t>3/24/2019</a:t>
             </a:fld>
             <a:endParaRPr lang="en-US"/>
           </a:p>
@@ -1031,7 +1031,7 @@
           <a:p>
             <a:fld id="{63A1C593-65D0-4073-BCC9-577B9352EA97}" type="datetimeFigureOut">
               <a:rPr lang="en-US" smtClean="0"/>
-              <a:t>3/23/2019</a:t>
+              <a:t>3/24/2019</a:t>
             </a:fld>
             <a:endParaRPr lang="en-US"/>
           </a:p>
@@ -1471,7 +1471,7 @@
           <a:p>
             <a:fld id="{63A1C593-65D0-4073-BCC9-577B9352EA97}" type="datetimeFigureOut">
               <a:rPr lang="en-US" smtClean="0"/>
-              <a:t>3/23/2019</a:t>
+              <a:t>3/24/2019</a:t>
             </a:fld>
             <a:endParaRPr lang="en-US"/>
           </a:p>
@@ -1716,7 +1716,7 @@
           <a:p>
             <a:fld id="{63A1C593-65D0-4073-BCC9-577B9352EA97}" type="datetimeFigureOut">
               <a:rPr lang="en-US" smtClean="0"/>
-              <a:t>3/23/2019</a:t>
+              <a:t>3/24/2019</a:t>
             </a:fld>
             <a:endParaRPr lang="en-US"/>
           </a:p>
@@ -1945,7 +1945,7 @@
           <a:p>
             <a:fld id="{63A1C593-65D0-4073-BCC9-577B9352EA97}" type="datetimeFigureOut">
               <a:rPr lang="en-US" smtClean="0"/>
-              <a:t>3/23/2019</a:t>
+              <a:t>3/24/2019</a:t>
             </a:fld>
             <a:endParaRPr lang="en-US"/>
           </a:p>
@@ -2309,7 +2309,7 @@
           <a:p>
             <a:fld id="{63A1C593-65D0-4073-BCC9-577B9352EA97}" type="datetimeFigureOut">
               <a:rPr lang="en-US" smtClean="0"/>
-              <a:t>3/23/2019</a:t>
+              <a:t>3/24/2019</a:t>
             </a:fld>
             <a:endParaRPr lang="en-US"/>
           </a:p>
@@ -2426,7 +2426,7 @@
           <a:p>
             <a:fld id="{63A1C593-65D0-4073-BCC9-577B9352EA97}" type="datetimeFigureOut">
               <a:rPr lang="en-US" smtClean="0"/>
-              <a:t>3/23/2019</a:t>
+              <a:t>3/24/2019</a:t>
             </a:fld>
             <a:endParaRPr lang="en-US"/>
           </a:p>
@@ -2521,7 +2521,7 @@
           <a:p>
             <a:fld id="{63A1C593-65D0-4073-BCC9-577B9352EA97}" type="datetimeFigureOut">
               <a:rPr lang="en-US" smtClean="0"/>
-              <a:t>3/23/2019</a:t>
+              <a:t>3/24/2019</a:t>
             </a:fld>
             <a:endParaRPr lang="en-US"/>
           </a:p>
@@ -2796,7 +2796,7 @@
           <a:p>
             <a:fld id="{63A1C593-65D0-4073-BCC9-577B9352EA97}" type="datetimeFigureOut">
               <a:rPr lang="en-US" smtClean="0"/>
-              <a:t>3/23/2019</a:t>
+              <a:t>3/24/2019</a:t>
             </a:fld>
             <a:endParaRPr lang="en-US"/>
           </a:p>
@@ -3048,7 +3048,7 @@
           <a:p>
             <a:fld id="{63A1C593-65D0-4073-BCC9-577B9352EA97}" type="datetimeFigureOut">
               <a:rPr lang="en-US" smtClean="0"/>
-              <a:t>3/23/2019</a:t>
+              <a:t>3/24/2019</a:t>
             </a:fld>
             <a:endParaRPr lang="en-US"/>
           </a:p>
@@ -3269,7 +3269,7 @@
           <a:p>
             <a:fld id="{63A1C593-65D0-4073-BCC9-577B9352EA97}" type="datetimeFigureOut">
               <a:rPr lang="en-US" smtClean="0"/>
-              <a:t>3/23/2019</a:t>
+              <a:t>3/24/2019</a:t>
             </a:fld>
             <a:endParaRPr lang="en-US"/>
           </a:p>
@@ -12032,7 +12032,7 @@
         </p:nvSpPr>
         <p:spPr>
           <a:xfrm rot="2720395">
-            <a:off x="3416066" y="4396529"/>
+            <a:off x="3401319" y="4135204"/>
             <a:ext cx="360000" cy="360000"/>
           </a:xfrm>
           <a:prstGeom prst="teardrop">
@@ -12085,7 +12085,7 @@
         </p:nvSpPr>
         <p:spPr>
           <a:xfrm rot="2720395">
-            <a:off x="3420980" y="3468879"/>
+            <a:off x="3406233" y="3390882"/>
             <a:ext cx="360000" cy="360000"/>
           </a:xfrm>
           <a:prstGeom prst="teardrop">
@@ -12138,7 +12138,7 @@
         </p:nvSpPr>
         <p:spPr>
           <a:xfrm rot="2720395">
-            <a:off x="3416066" y="2538998"/>
+            <a:off x="3406233" y="2350115"/>
             <a:ext cx="360000" cy="360000"/>
           </a:xfrm>
           <a:prstGeom prst="teardrop">
@@ -12191,7 +12191,7 @@
         </p:nvSpPr>
         <p:spPr>
           <a:xfrm rot="2720395">
-            <a:off x="3416065" y="1609116"/>
+            <a:off x="3406233" y="1299830"/>
             <a:ext cx="360000" cy="360000"/>
           </a:xfrm>
           <a:prstGeom prst="teardrop">
@@ -12279,7 +12279,7 @@
         </p:nvSpPr>
         <p:spPr>
           <a:xfrm>
-            <a:off x="3795780" y="1416706"/>
+            <a:off x="3785948" y="1107420"/>
             <a:ext cx="5256123" cy="929485"/>
           </a:xfrm>
           <a:prstGeom prst="rect">
@@ -12326,7 +12326,7 @@
               <a:defRPr/>
             </a:pPr>
             <a:r>
-              <a:rPr lang="en-US" sz="1200" dirty="0" err="1">
+              <a:rPr lang="en-US" sz="1200" b="1" dirty="0" err="1">
                 <a:solidFill>
                   <a:schemeClr val="bg2">
                     <a:lumMod val="10000"/>
@@ -12337,7 +12337,7 @@
               <a:t>Nonostante</a:t>
             </a:r>
             <a:r>
-              <a:rPr lang="en-US" sz="1200" dirty="0">
+              <a:rPr lang="en-US" sz="1200" b="1" dirty="0">
                 <a:solidFill>
                   <a:schemeClr val="bg2">
                     <a:lumMod val="10000"/>
@@ -12348,7 +12348,7 @@
               <a:t> </a:t>
             </a:r>
             <a:r>
-              <a:rPr lang="en-US" sz="1200" dirty="0" err="1">
+              <a:rPr lang="en-US" sz="1200" b="1" dirty="0" err="1">
                 <a:solidFill>
                   <a:schemeClr val="bg2">
                     <a:lumMod val="10000"/>
@@ -12359,7 +12359,7 @@
               <a:t>il</a:t>
             </a:r>
             <a:r>
-              <a:rPr lang="en-US" sz="1200" dirty="0">
+              <a:rPr lang="en-US" sz="1200" b="1" dirty="0">
                 <a:solidFill>
                   <a:schemeClr val="bg2">
                     <a:lumMod val="10000"/>
@@ -12370,7 +12370,7 @@
               <a:t> </a:t>
             </a:r>
             <a:r>
-              <a:rPr lang="en-US" sz="1200" dirty="0" err="1">
+              <a:rPr lang="en-US" sz="1200" b="1" dirty="0" err="1">
                 <a:solidFill>
                   <a:schemeClr val="bg2">
                     <a:lumMod val="10000"/>
@@ -12381,7 +12381,7 @@
               <a:t>metodo</a:t>
             </a:r>
             <a:r>
-              <a:rPr lang="en-US" sz="1200" dirty="0">
+              <a:rPr lang="en-US" sz="1200" b="1" dirty="0">
                 <a:solidFill>
                   <a:schemeClr val="bg2">
                     <a:lumMod val="10000"/>
@@ -12392,7 +12392,7 @@
               <a:t> </a:t>
             </a:r>
             <a:r>
-              <a:rPr lang="en-US" sz="1200" dirty="0" err="1">
+              <a:rPr lang="en-US" sz="1200" b="1" dirty="0" err="1">
                 <a:solidFill>
                   <a:schemeClr val="bg2">
                     <a:lumMod val="10000"/>
@@ -12403,7 +12403,7 @@
               <a:t>proposto</a:t>
             </a:r>
             <a:r>
-              <a:rPr lang="en-US" sz="1200" dirty="0">
+              <a:rPr lang="en-US" sz="1200" b="1" dirty="0">
                 <a:solidFill>
                   <a:schemeClr val="bg2">
                     <a:lumMod val="10000"/>
@@ -12414,7 +12414,7 @@
               <a:t> </a:t>
             </a:r>
             <a:r>
-              <a:rPr lang="en-US" sz="1200" dirty="0" err="1">
+              <a:rPr lang="en-US" sz="1200" b="1" dirty="0" err="1">
                 <a:solidFill>
                   <a:schemeClr val="bg2">
                     <a:lumMod val="10000"/>
@@ -12425,7 +12425,7 @@
               <a:t>sia</a:t>
             </a:r>
             <a:r>
-              <a:rPr lang="en-US" sz="1200" dirty="0">
+              <a:rPr lang="en-US" sz="1200" b="1" dirty="0">
                 <a:solidFill>
                   <a:schemeClr val="bg2">
                     <a:lumMod val="10000"/>
@@ -12436,7 +12436,7 @@
               <a:t> di facile </a:t>
             </a:r>
             <a:r>
-              <a:rPr lang="en-US" sz="1200" dirty="0" err="1">
+              <a:rPr lang="en-US" sz="1200" b="1" dirty="0" err="1">
                 <a:solidFill>
                   <a:schemeClr val="bg2">
                     <a:lumMod val="10000"/>
@@ -12447,7 +12447,7 @@
               <a:t>comprensione</a:t>
             </a:r>
             <a:r>
-              <a:rPr lang="en-US" sz="1200" dirty="0">
+              <a:rPr lang="en-US" sz="1200" b="1" dirty="0">
                 <a:solidFill>
                   <a:schemeClr val="bg2">
                     <a:lumMod val="10000"/>
@@ -12458,7 +12458,7 @@
               <a:t>, </a:t>
             </a:r>
             <a:r>
-              <a:rPr lang="en-US" sz="1200" dirty="0" err="1">
+              <a:rPr lang="en-US" sz="1200" b="1" dirty="0" err="1">
                 <a:solidFill>
                   <a:schemeClr val="bg2">
                     <a:lumMod val="10000"/>
@@ -12469,7 +12469,7 @@
               <a:t>algebricamente</a:t>
             </a:r>
             <a:r>
-              <a:rPr lang="en-US" sz="1200" dirty="0">
+              <a:rPr lang="en-US" sz="1200" b="1" dirty="0">
                 <a:solidFill>
                   <a:schemeClr val="bg2">
                     <a:lumMod val="10000"/>
@@ -12480,7 +12480,7 @@
               <a:t> </a:t>
             </a:r>
             <a:r>
-              <a:rPr lang="en-US" sz="1200" dirty="0" err="1">
+              <a:rPr lang="en-US" sz="1200" b="1" dirty="0" err="1">
                 <a:solidFill>
                   <a:schemeClr val="bg2">
                     <a:lumMod val="10000"/>
@@ -12491,7 +12491,7 @@
               <a:t>otteniamo</a:t>
             </a:r>
             <a:r>
-              <a:rPr lang="en-US" sz="1200" dirty="0">
+              <a:rPr lang="en-US" sz="1200" b="1" dirty="0">
                 <a:solidFill>
                   <a:schemeClr val="bg2">
                     <a:lumMod val="10000"/>
@@ -12502,7 +12502,7 @@
               <a:t> di tanto in tanto </a:t>
             </a:r>
             <a:r>
-              <a:rPr lang="en-US" sz="1200" dirty="0" err="1">
+              <a:rPr lang="en-US" sz="1200" b="1" dirty="0" err="1">
                 <a:solidFill>
                   <a:schemeClr val="bg2">
                     <a:lumMod val="10000"/>
@@ -12513,7 +12513,7 @@
               <a:t>risultati</a:t>
             </a:r>
             <a:r>
-              <a:rPr lang="en-US" sz="1200" dirty="0">
+              <a:rPr lang="en-US" sz="1200" b="1" dirty="0">
                 <a:solidFill>
                   <a:schemeClr val="bg2">
                     <a:lumMod val="10000"/>
@@ -12524,7 +12524,7 @@
               <a:t> </a:t>
             </a:r>
             <a:r>
-              <a:rPr lang="en-US" sz="1200" dirty="0" err="1">
+              <a:rPr lang="en-US" sz="1200" b="1" dirty="0" err="1">
                 <a:solidFill>
                   <a:schemeClr val="bg2">
                     <a:lumMod val="10000"/>
@@ -12535,7 +12535,7 @@
               <a:t>scorretti</a:t>
             </a:r>
             <a:r>
-              <a:rPr lang="en-US" sz="1200" dirty="0">
+              <a:rPr lang="en-US" sz="1200" b="1" dirty="0">
                 <a:solidFill>
                   <a:schemeClr val="bg2">
                     <a:lumMod val="10000"/>
@@ -12546,7 +12546,7 @@
               <a:t> con </a:t>
             </a:r>
             <a:r>
-              <a:rPr lang="en-US" sz="1200" dirty="0" err="1">
+              <a:rPr lang="en-US" sz="1200" b="1" dirty="0" err="1">
                 <a:solidFill>
                   <a:schemeClr val="bg2">
                     <a:lumMod val="10000"/>
@@ -12557,7 +12557,7 @@
               <a:t>valori</a:t>
             </a:r>
             <a:r>
-              <a:rPr lang="en-US" sz="1200" dirty="0">
+              <a:rPr lang="en-US" sz="1200" b="1" dirty="0">
                 <a:solidFill>
                   <a:schemeClr val="bg2">
                     <a:lumMod val="10000"/>
@@ -12568,7 +12568,7 @@
               <a:t> </a:t>
             </a:r>
             <a:r>
-              <a:rPr lang="en-US" sz="1200" dirty="0" err="1">
+              <a:rPr lang="en-US" sz="1200" b="1" dirty="0" err="1">
                 <a:solidFill>
                   <a:schemeClr val="bg2">
                     <a:lumMod val="10000"/>
@@ -12579,7 +12579,7 @@
               <a:t>negativi</a:t>
             </a:r>
             <a:r>
-              <a:rPr lang="en-US" sz="1200" dirty="0">
+              <a:rPr lang="en-US" sz="1200" b="1" dirty="0">
                 <a:solidFill>
                   <a:schemeClr val="bg2">
                     <a:lumMod val="10000"/>
@@ -12590,7 +12590,7 @@
               <a:t>, per </a:t>
             </a:r>
             <a:r>
-              <a:rPr lang="en-US" sz="1200" dirty="0" err="1">
+              <a:rPr lang="en-US" sz="1200" b="1" dirty="0" err="1">
                 <a:solidFill>
                   <a:schemeClr val="bg2">
                     <a:lumMod val="10000"/>
@@ -12601,7 +12601,7 @@
               <a:t>qualunque</a:t>
             </a:r>
             <a:r>
-              <a:rPr lang="en-US" sz="1200" dirty="0">
+              <a:rPr lang="en-US" sz="1200" b="1" dirty="0">
                 <a:solidFill>
                   <a:schemeClr val="bg2">
                     <a:lumMod val="10000"/>
@@ -12664,7 +12664,7 @@
         </p:nvSpPr>
         <p:spPr>
           <a:xfrm>
-            <a:off x="3795780" y="2342434"/>
+            <a:off x="3785947" y="2153551"/>
             <a:ext cx="5256123" cy="929485"/>
           </a:xfrm>
           <a:prstGeom prst="rect">
@@ -12735,7 +12735,7 @@
               <a:defRPr/>
             </a:pPr>
             <a:r>
-              <a:rPr lang="en-US" sz="1200" dirty="0">
+              <a:rPr lang="en-US" sz="1200" b="1" dirty="0">
                 <a:solidFill>
                   <a:schemeClr val="bg2">
                     <a:lumMod val="10000"/>
@@ -12746,7 +12746,7 @@
               <a:t>Per un dataset </a:t>
             </a:r>
             <a:r>
-              <a:rPr lang="en-US" sz="1200" dirty="0" err="1">
+              <a:rPr lang="en-US" sz="1200" b="1" dirty="0" err="1">
                 <a:solidFill>
                   <a:schemeClr val="bg2">
                     <a:lumMod val="10000"/>
@@ -12757,7 +12757,7 @@
               <a:t>sparso</a:t>
             </a:r>
             <a:r>
-              <a:rPr lang="en-US" sz="1200" dirty="0">
+              <a:rPr lang="en-US" sz="1200" b="1" dirty="0">
                 <a:solidFill>
                   <a:schemeClr val="bg2">
                     <a:lumMod val="10000"/>
@@ -12768,7 +12768,7 @@
               <a:t>, capita </a:t>
             </a:r>
             <a:r>
-              <a:rPr lang="en-US" sz="1200" dirty="0" err="1">
+              <a:rPr lang="en-US" sz="1200" b="1" dirty="0" err="1">
                 <a:solidFill>
                   <a:schemeClr val="bg2">
                     <a:lumMod val="10000"/>
@@ -12779,7 +12779,7 @@
               <a:t>che</a:t>
             </a:r>
             <a:r>
-              <a:rPr lang="en-US" sz="1200" dirty="0">
+              <a:rPr lang="en-US" sz="1200" b="1" dirty="0">
                 <a:solidFill>
                   <a:schemeClr val="bg2">
                     <a:lumMod val="10000"/>
@@ -12790,7 +12790,7 @@
               <a:t> </a:t>
             </a:r>
             <a:r>
-              <a:rPr lang="en-US" sz="1200" dirty="0" err="1">
+              <a:rPr lang="en-US" sz="1200" b="1" dirty="0" err="1">
                 <a:solidFill>
                   <a:schemeClr val="bg2">
                     <a:lumMod val="10000"/>
@@ -12801,7 +12801,7 @@
               <a:t>l’actual</a:t>
             </a:r>
             <a:r>
-              <a:rPr lang="en-US" sz="1200" dirty="0">
+              <a:rPr lang="en-US" sz="1200" b="1" dirty="0">
                 <a:solidFill>
                   <a:schemeClr val="bg2">
                     <a:lumMod val="10000"/>
@@ -12812,7 +12812,7 @@
               <a:t> support </a:t>
             </a:r>
             <a:r>
-              <a:rPr lang="en-US" sz="1200" dirty="0" err="1">
+              <a:rPr lang="en-US" sz="1200" b="1" dirty="0" err="1">
                 <a:solidFill>
                   <a:schemeClr val="bg2">
                     <a:lumMod val="10000"/>
@@ -12823,7 +12823,29 @@
               <a:t>ottenuto</a:t>
             </a:r>
             <a:r>
-              <a:rPr lang="en-US" sz="1200" dirty="0">
+              <a:rPr lang="en-US" sz="1200" b="1" dirty="0">
+                <a:solidFill>
+                  <a:schemeClr val="bg2">
+                    <a:lumMod val="10000"/>
+                  </a:schemeClr>
+                </a:solidFill>
+                <a:latin typeface="Candara" panose="020E0502030303020204" pitchFamily="34" charset="0"/>
+              </a:rPr>
+              <a:t> (e </a:t>
+            </a:r>
+            <a:r>
+              <a:rPr lang="en-US" sz="1200" b="1" dirty="0" err="1">
+                <a:solidFill>
+                  <a:schemeClr val="bg2">
+                    <a:lumMod val="10000"/>
+                  </a:schemeClr>
+                </a:solidFill>
+                <a:latin typeface="Candara" panose="020E0502030303020204" pitchFamily="34" charset="0"/>
+              </a:rPr>
+              <a:t>quindi</a:t>
+            </a:r>
+            <a:r>
+              <a:rPr lang="en-US" sz="1200" b="1" dirty="0">
                 <a:solidFill>
                   <a:schemeClr val="bg2">
                     <a:lumMod val="10000"/>
@@ -12834,7 +12856,29 @@
               <a:t> </a:t>
             </a:r>
             <a:r>
-              <a:rPr lang="en-US" sz="1200" dirty="0" err="1">
+              <a:rPr lang="en-US" sz="1200" b="1" dirty="0" err="1">
+                <a:solidFill>
+                  <a:schemeClr val="bg2">
+                    <a:lumMod val="10000"/>
+                  </a:schemeClr>
+                </a:solidFill>
+                <a:latin typeface="Candara" panose="020E0502030303020204" pitchFamily="34" charset="0"/>
+              </a:rPr>
+              <a:t>anche</a:t>
+            </a:r>
+            <a:r>
+              <a:rPr lang="en-US" sz="1200" b="1" dirty="0">
+                <a:solidFill>
+                  <a:schemeClr val="bg2">
+                    <a:lumMod val="10000"/>
+                  </a:schemeClr>
+                </a:solidFill>
+                <a:latin typeface="Candara" panose="020E0502030303020204" pitchFamily="34" charset="0"/>
+              </a:rPr>
+              <a:t> F) </a:t>
+            </a:r>
+            <a:r>
+              <a:rPr lang="en-US" sz="1200" b="1" dirty="0" err="1">
                 <a:solidFill>
                   <a:schemeClr val="bg2">
                     <a:lumMod val="10000"/>
@@ -12845,7 +12889,7 @@
               <a:t>abbia</a:t>
             </a:r>
             <a:r>
-              <a:rPr lang="en-US" sz="1200" dirty="0">
+              <a:rPr lang="en-US" sz="1200" b="1" dirty="0">
                 <a:solidFill>
                   <a:schemeClr val="bg2">
                     <a:lumMod val="10000"/>
@@ -12856,7 +12900,7 @@
               <a:t> </a:t>
             </a:r>
             <a:r>
-              <a:rPr lang="en-US" sz="1200" dirty="0" err="1">
+              <a:rPr lang="en-US" sz="1200" b="1" dirty="0" err="1">
                 <a:solidFill>
                   <a:schemeClr val="bg2">
                     <a:lumMod val="10000"/>
@@ -12867,7 +12911,7 @@
               <a:t>valore</a:t>
             </a:r>
             <a:r>
-              <a:rPr lang="en-US" sz="1200" dirty="0">
+              <a:rPr lang="en-US" sz="1200" b="1" dirty="0">
                 <a:solidFill>
                   <a:schemeClr val="bg2">
                     <a:lumMod val="10000"/>
@@ -12878,7 +12922,7 @@
               <a:t> </a:t>
             </a:r>
             <a:r>
-              <a:rPr lang="en-US" sz="1200" dirty="0" err="1">
+              <a:rPr lang="en-US" sz="1200" b="1" dirty="0" err="1">
                 <a:solidFill>
                   <a:schemeClr val="bg2">
                     <a:lumMod val="10000"/>
@@ -12889,7 +12933,7 @@
               <a:t>pari</a:t>
             </a:r>
             <a:r>
-              <a:rPr lang="en-US" sz="1200" dirty="0">
+              <a:rPr lang="en-US" sz="1200" b="1" dirty="0">
                 <a:solidFill>
                   <a:schemeClr val="bg2">
                     <a:lumMod val="10000"/>
@@ -12900,7 +12944,7 @@
               <a:t> a zero, </a:t>
             </a:r>
             <a:r>
-              <a:rPr lang="en-US" sz="1200" dirty="0" err="1">
+              <a:rPr lang="en-US" sz="1200" b="1" dirty="0" err="1">
                 <a:solidFill>
                   <a:schemeClr val="bg2">
                     <a:lumMod val="10000"/>
@@ -12911,7 +12955,7 @@
               <a:t>creando</a:t>
             </a:r>
             <a:r>
-              <a:rPr lang="en-US" sz="1200" dirty="0">
+              <a:rPr lang="en-US" sz="1200" b="1" dirty="0">
                 <a:solidFill>
                   <a:schemeClr val="bg2">
                     <a:lumMod val="10000"/>
@@ -12922,7 +12966,7 @@
               <a:t> </a:t>
             </a:r>
             <a:r>
-              <a:rPr lang="en-US" sz="1200" dirty="0" err="1">
+              <a:rPr lang="en-US" sz="1200" b="1" dirty="0" err="1">
                 <a:solidFill>
                   <a:schemeClr val="bg2">
                     <a:lumMod val="10000"/>
@@ -12933,7 +12977,7 @@
               <a:t>problemi</a:t>
             </a:r>
             <a:r>
-              <a:rPr lang="en-US" sz="1200" dirty="0">
+              <a:rPr lang="en-US" sz="1200" b="1" dirty="0">
                 <a:solidFill>
                   <a:schemeClr val="bg2">
                     <a:lumMod val="10000"/>
@@ -12944,7 +12988,7 @@
               <a:t> </a:t>
             </a:r>
             <a:r>
-              <a:rPr lang="en-US" sz="1200" dirty="0" err="1">
+              <a:rPr lang="en-US" sz="1200" b="1" dirty="0" err="1">
                 <a:solidFill>
                   <a:schemeClr val="bg2">
                     <a:lumMod val="10000"/>
@@ -12955,7 +12999,7 @@
               <a:t>algebrici</a:t>
             </a:r>
             <a:r>
-              <a:rPr lang="en-US" sz="1200" dirty="0">
+              <a:rPr lang="en-US" sz="1200" b="1" dirty="0">
                 <a:solidFill>
                   <a:schemeClr val="bg2">
                     <a:lumMod val="10000"/>
@@ -12966,7 +13010,7 @@
               <a:t> </a:t>
             </a:r>
             <a:r>
-              <a:rPr lang="en-US" sz="1200" dirty="0" err="1">
+              <a:rPr lang="en-US" sz="1200" b="1" dirty="0" err="1">
                 <a:solidFill>
                   <a:schemeClr val="bg2">
                     <a:lumMod val="10000"/>
@@ -12977,7 +13021,7 @@
               <a:t>dovuti</a:t>
             </a:r>
             <a:r>
-              <a:rPr lang="en-US" sz="1200" dirty="0">
+              <a:rPr lang="en-US" sz="1200" b="1" dirty="0">
                 <a:solidFill>
                   <a:schemeClr val="bg2">
                     <a:lumMod val="10000"/>
@@ -12988,7 +13032,7 @@
               <a:t> </a:t>
             </a:r>
             <a:r>
-              <a:rPr lang="en-US" sz="1200" dirty="0" err="1">
+              <a:rPr lang="en-US" sz="1200" b="1" dirty="0" err="1">
                 <a:solidFill>
                   <a:schemeClr val="bg2">
                     <a:lumMod val="10000"/>
@@ -12999,7 +13043,7 @@
               <a:t>alla</a:t>
             </a:r>
             <a:r>
-              <a:rPr lang="en-US" sz="1200" dirty="0">
+              <a:rPr lang="en-US" sz="1200" b="1" dirty="0">
                 <a:solidFill>
                   <a:schemeClr val="bg2">
                     <a:lumMod val="10000"/>
@@ -13010,7 +13054,7 @@
               <a:t> </a:t>
             </a:r>
             <a:r>
-              <a:rPr lang="en-US" sz="1200" dirty="0" err="1">
+              <a:rPr lang="en-US" sz="1200" b="1" dirty="0" err="1">
                 <a:solidFill>
                   <a:schemeClr val="bg2">
                     <a:lumMod val="10000"/>
@@ -13021,7 +13065,7 @@
               <a:t>divisione</a:t>
             </a:r>
             <a:r>
-              <a:rPr lang="en-US" sz="1200" dirty="0">
+              <a:rPr lang="en-US" sz="1200" b="1" dirty="0">
                 <a:solidFill>
                   <a:schemeClr val="bg2">
                     <a:lumMod val="10000"/>
@@ -13032,7 +13076,7 @@
               <a:t> </a:t>
             </a:r>
             <a:r>
-              <a:rPr lang="en-US" sz="1200" dirty="0" err="1">
+              <a:rPr lang="en-US" sz="1200" b="1" dirty="0" err="1">
                 <a:solidFill>
                   <a:schemeClr val="bg2">
                     <a:lumMod val="10000"/>
@@ -13043,7 +13087,7 @@
               <a:t>presente</a:t>
             </a:r>
             <a:r>
-              <a:rPr lang="en-US" sz="1200" dirty="0">
+              <a:rPr lang="en-US" sz="1200" b="1" dirty="0">
                 <a:solidFill>
                   <a:schemeClr val="bg2">
                     <a:lumMod val="10000"/>
@@ -13054,7 +13098,7 @@
               <a:t> </a:t>
             </a:r>
             <a:r>
-              <a:rPr lang="en-US" sz="1200" dirty="0" err="1">
+              <a:rPr lang="en-US" sz="1200" b="1" dirty="0" err="1">
                 <a:solidFill>
                   <a:schemeClr val="bg2">
                     <a:lumMod val="10000"/>
@@ -13065,7 +13109,7 @@
               <a:t>nella</a:t>
             </a:r>
             <a:r>
-              <a:rPr lang="en-US" sz="1200" dirty="0">
+              <a:rPr lang="en-US" sz="1200" b="1" dirty="0">
                 <a:solidFill>
                   <a:schemeClr val="bg2">
                     <a:lumMod val="10000"/>
@@ -13076,7 +13120,7 @@
               <a:t> formula di cui al </a:t>
             </a:r>
             <a:r>
-              <a:rPr lang="en-US" sz="1200" dirty="0" err="1">
+              <a:rPr lang="en-US" sz="1200" b="1" dirty="0" err="1">
                 <a:solidFill>
                   <a:schemeClr val="bg2">
                     <a:lumMod val="10000"/>
@@ -13087,7 +13131,7 @@
               <a:t>paragrafo</a:t>
             </a:r>
             <a:r>
-              <a:rPr lang="en-US" sz="1200" dirty="0">
+              <a:rPr lang="en-US" sz="1200" b="1" dirty="0">
                 <a:solidFill>
                   <a:schemeClr val="bg2">
                     <a:lumMod val="10000"/>
@@ -13114,7 +13158,7 @@
         </p:nvSpPr>
         <p:spPr>
           <a:xfrm>
-            <a:off x="3795779" y="3277679"/>
+            <a:off x="3781032" y="3199682"/>
             <a:ext cx="5256123" cy="744819"/>
           </a:xfrm>
           <a:prstGeom prst="rect">
@@ -13167,7 +13211,7 @@
               <a:defRPr/>
             </a:pPr>
             <a:r>
-              <a:rPr lang="en-US" sz="1200" dirty="0" err="1">
+              <a:rPr lang="en-US" sz="1200" b="1" dirty="0" err="1">
                 <a:solidFill>
                   <a:schemeClr val="bg2">
                     <a:lumMod val="10000"/>
@@ -13178,7 +13222,7 @@
               <a:t>Anche</a:t>
             </a:r>
             <a:r>
-              <a:rPr lang="en-US" sz="1200" dirty="0">
+              <a:rPr lang="en-US" sz="1200" b="1" dirty="0">
                 <a:solidFill>
                   <a:schemeClr val="bg2">
                     <a:lumMod val="10000"/>
@@ -13189,7 +13233,7 @@
               <a:t> con un dataset molto </a:t>
             </a:r>
             <a:r>
-              <a:rPr lang="en-US" sz="1200" dirty="0" err="1">
+              <a:rPr lang="en-US" sz="1200" b="1" dirty="0" err="1">
                 <a:solidFill>
                   <a:schemeClr val="bg2">
                     <a:lumMod val="10000"/>
@@ -13200,7 +13244,7 @@
               <a:t>ridotto</a:t>
             </a:r>
             <a:r>
-              <a:rPr lang="en-US" sz="1200" dirty="0">
+              <a:rPr lang="en-US" sz="1200" b="1" dirty="0">
                 <a:solidFill>
                   <a:schemeClr val="bg2">
                     <a:lumMod val="10000"/>
@@ -13211,7 +13255,7 @@
               <a:t> quale </a:t>
             </a:r>
             <a:r>
-              <a:rPr lang="en-US" sz="1200" dirty="0" err="1">
+              <a:rPr lang="en-US" sz="1200" b="1" dirty="0" err="1">
                 <a:solidFill>
                   <a:schemeClr val="bg2">
                     <a:lumMod val="10000"/>
@@ -13222,7 +13266,7 @@
               <a:t>quello</a:t>
             </a:r>
             <a:r>
-              <a:rPr lang="en-US" sz="1200" dirty="0">
+              <a:rPr lang="en-US" sz="1200" b="1" dirty="0">
                 <a:solidFill>
                   <a:schemeClr val="bg2">
                     <a:lumMod val="10000"/>
@@ -13233,7 +13277,7 @@
               <a:t> </a:t>
             </a:r>
             <a:r>
-              <a:rPr lang="en-US" sz="1200" dirty="0" err="1">
+              <a:rPr lang="en-US" sz="1200" b="1" dirty="0" err="1">
                 <a:solidFill>
                   <a:schemeClr val="bg2">
                     <a:lumMod val="10000"/>
@@ -13244,7 +13288,7 @@
               <a:t>considerato</a:t>
             </a:r>
             <a:r>
-              <a:rPr lang="en-US" sz="1200" dirty="0">
+              <a:rPr lang="en-US" sz="1200" b="1" dirty="0">
                 <a:solidFill>
                   <a:schemeClr val="bg2">
                     <a:lumMod val="10000"/>
@@ -13255,7 +13299,7 @@
               <a:t>, </a:t>
             </a:r>
             <a:r>
-              <a:rPr lang="en-US" sz="1200" dirty="0" err="1">
+              <a:rPr lang="en-US" sz="1200" b="1" dirty="0" err="1">
                 <a:solidFill>
                   <a:schemeClr val="bg2">
                     <a:lumMod val="10000"/>
@@ -13266,7 +13310,7 @@
               <a:t>i</a:t>
             </a:r>
             <a:r>
-              <a:rPr lang="en-US" sz="1200" dirty="0">
+              <a:rPr lang="en-US" sz="1200" b="1" dirty="0">
                 <a:solidFill>
                   <a:schemeClr val="bg2">
                     <a:lumMod val="10000"/>
@@ -13277,7 +13321,7 @@
               <a:t> tempi di </a:t>
             </a:r>
             <a:r>
-              <a:rPr lang="en-US" sz="1200" dirty="0" err="1">
+              <a:rPr lang="en-US" sz="1200" b="1" dirty="0" err="1">
                 <a:solidFill>
                   <a:schemeClr val="bg2">
                     <a:lumMod val="10000"/>
@@ -13288,7 +13332,7 @@
               <a:t>esecuzione</a:t>
             </a:r>
             <a:r>
-              <a:rPr lang="en-US" sz="1200" dirty="0">
+              <a:rPr lang="en-US" sz="1200" b="1" dirty="0">
                 <a:solidFill>
                   <a:schemeClr val="bg2">
                     <a:lumMod val="10000"/>
@@ -13299,7 +13343,7 @@
               <a:t> </a:t>
             </a:r>
             <a:r>
-              <a:rPr lang="en-US" sz="1200" dirty="0" err="1">
+              <a:rPr lang="en-US" sz="1200" b="1" dirty="0" err="1">
                 <a:solidFill>
                   <a:schemeClr val="bg2">
                     <a:lumMod val="10000"/>
@@ -13310,7 +13354,7 @@
               <a:t>risultano</a:t>
             </a:r>
             <a:r>
-              <a:rPr lang="en-US" sz="1200" dirty="0">
+              <a:rPr lang="en-US" sz="1200" b="1" dirty="0">
                 <a:solidFill>
                   <a:schemeClr val="bg2">
                     <a:lumMod val="10000"/>
@@ -13321,7 +13365,7 @@
               <a:t> </a:t>
             </a:r>
             <a:r>
-              <a:rPr lang="en-US" sz="1200" dirty="0" err="1">
+              <a:rPr lang="en-US" sz="1200" b="1" dirty="0" err="1">
                 <a:solidFill>
                   <a:schemeClr val="bg2">
                     <a:lumMod val="10000"/>
@@ -13332,7 +13376,7 @@
               <a:t>elevati</a:t>
             </a:r>
             <a:r>
-              <a:rPr lang="en-US" sz="1200" dirty="0">
+              <a:rPr lang="en-US" sz="1200" b="1" dirty="0">
                 <a:solidFill>
                   <a:schemeClr val="bg2">
                     <a:lumMod val="10000"/>
@@ -13359,7 +13403,7 @@
         </p:nvSpPr>
         <p:spPr>
           <a:xfrm>
-            <a:off x="3795779" y="4203407"/>
+            <a:off x="3781032" y="3942082"/>
             <a:ext cx="5256123" cy="929485"/>
           </a:xfrm>
           <a:prstGeom prst="rect">
@@ -13380,7 +13424,7 @@
               <a:defRPr/>
             </a:pPr>
             <a:r>
-              <a:rPr lang="it-IT" sz="1600" dirty="0">
+              <a:rPr lang="it-IT" sz="1600" b="1" dirty="0">
                 <a:solidFill>
                   <a:srgbClr val="FF0000"/>
                 </a:solidFill>
@@ -13389,7 +13433,7 @@
               <a:t>Calcolo </a:t>
             </a:r>
             <a:r>
-              <a:rPr lang="el-GR" sz="1600" dirty="0">
+              <a:rPr lang="el-GR" sz="1600" b="1" dirty="0">
                 <a:solidFill>
                   <a:srgbClr val="FF0000"/>
                 </a:solidFill>
@@ -13398,7 +13442,7 @@
               <a:t>σ</a:t>
             </a:r>
             <a:r>
-              <a:rPr lang="it-IT" sz="1600" dirty="0">
+              <a:rPr lang="it-IT" sz="1600" b="1" dirty="0">
                 <a:solidFill>
                   <a:srgbClr val="FF0000"/>
                 </a:solidFill>
@@ -13407,7 +13451,7 @@
               <a:t>+</a:t>
             </a:r>
             <a:r>
-              <a:rPr lang="en-US" sz="1600" dirty="0">
+              <a:rPr lang="en-US" sz="1600" b="1" dirty="0">
                 <a:solidFill>
                   <a:srgbClr val="FF0000"/>
                 </a:solidFill>
@@ -13416,7 +13460,7 @@
               <a:t> e </a:t>
             </a:r>
             <a:r>
-              <a:rPr lang="el-GR" sz="1600" dirty="0">
+              <a:rPr lang="el-GR" sz="1600" b="1" dirty="0">
                 <a:solidFill>
                   <a:srgbClr val="FF0000"/>
                 </a:solidFill>
@@ -13425,7 +13469,7 @@
               <a:t>σ</a:t>
             </a:r>
             <a:r>
-              <a:rPr lang="it-IT" sz="1600" dirty="0">
+              <a:rPr lang="it-IT" sz="1600" b="1" dirty="0">
                 <a:solidFill>
                   <a:srgbClr val="FF0000"/>
                 </a:solidFill>
@@ -13434,7 +13478,7 @@
               <a:t>-, </a:t>
             </a:r>
             <a:r>
-              <a:rPr lang="it-IT" sz="1600" dirty="0" err="1">
+              <a:rPr lang="it-IT" sz="1600" b="1" dirty="0" err="1">
                 <a:solidFill>
                   <a:srgbClr val="FF0000"/>
                 </a:solidFill>
@@ -13443,7 +13487,7 @@
               <a:t>identity</a:t>
             </a:r>
             <a:r>
-              <a:rPr lang="it-IT" sz="1600" dirty="0">
+              <a:rPr lang="it-IT" sz="1600" b="1" dirty="0">
                 <a:solidFill>
                   <a:srgbClr val="FF0000"/>
                 </a:solidFill>
@@ -13452,7 +13496,7 @@
               <a:t> </a:t>
             </a:r>
             <a:r>
-              <a:rPr lang="it-IT" sz="1600" dirty="0" err="1">
+              <a:rPr lang="it-IT" sz="1600" b="1" dirty="0" err="1">
                 <a:solidFill>
                   <a:srgbClr val="FF0000"/>
                 </a:solidFill>
@@ -13475,7 +13519,7 @@
               <a:defRPr/>
             </a:pPr>
             <a:r>
-              <a:rPr lang="en-US" sz="1200" dirty="0">
+              <a:rPr lang="en-US" sz="1200" b="1" dirty="0">
                 <a:solidFill>
                   <a:schemeClr val="bg2">
                     <a:lumMod val="10000"/>
@@ -13486,7 +13530,7 @@
               <a:t>Le due </a:t>
             </a:r>
             <a:r>
-              <a:rPr lang="en-US" sz="1200" dirty="0" err="1">
+              <a:rPr lang="en-US" sz="1200" b="1" dirty="0" err="1">
                 <a:solidFill>
                   <a:schemeClr val="bg2">
                     <a:lumMod val="10000"/>
@@ -13497,7 +13541,7 @@
               <a:t>misure</a:t>
             </a:r>
             <a:r>
-              <a:rPr lang="en-US" sz="1200" dirty="0">
+              <a:rPr lang="en-US" sz="1200" b="1" dirty="0">
                 <a:solidFill>
                   <a:schemeClr val="bg2">
                     <a:lumMod val="10000"/>
@@ -13508,7 +13552,7 @@
               <a:t>, per </a:t>
             </a:r>
             <a:r>
-              <a:rPr lang="en-US" sz="1200" dirty="0" err="1">
+              <a:rPr lang="en-US" sz="1200" b="1" dirty="0" err="1">
                 <a:solidFill>
                   <a:schemeClr val="bg2">
                     <a:lumMod val="10000"/>
@@ -13519,7 +13563,7 @@
               <a:t>costruzione</a:t>
             </a:r>
             <a:r>
-              <a:rPr lang="en-US" sz="1200" dirty="0">
+              <a:rPr lang="en-US" sz="1200" b="1" dirty="0">
                 <a:solidFill>
                   <a:schemeClr val="bg2">
                     <a:lumMod val="10000"/>
@@ -13530,7 +13574,7 @@
               <a:t> (</a:t>
             </a:r>
             <a:r>
-              <a:rPr lang="en-US" sz="1200" dirty="0" err="1">
+              <a:rPr lang="en-US" sz="1200" b="1" dirty="0" err="1">
                 <a:solidFill>
                   <a:schemeClr val="bg2">
                     <a:lumMod val="10000"/>
@@ -13541,7 +13585,7 @@
               <a:t>viene</a:t>
             </a:r>
             <a:r>
-              <a:rPr lang="en-US" sz="1200" dirty="0">
+              <a:rPr lang="en-US" sz="1200" b="1" dirty="0">
                 <a:solidFill>
                   <a:schemeClr val="bg2">
                     <a:lumMod val="10000"/>
@@ -13552,7 +13596,7 @@
               <a:t> </a:t>
             </a:r>
             <a:r>
-              <a:rPr lang="en-US" sz="1200" dirty="0" err="1">
+              <a:rPr lang="en-US" sz="1200" b="1" dirty="0" err="1">
                 <a:solidFill>
                   <a:schemeClr val="bg2">
                     <a:lumMod val="10000"/>
@@ -13563,7 +13607,7 @@
               <a:t>utilizzato</a:t>
             </a:r>
             <a:r>
-              <a:rPr lang="en-US" sz="1200" dirty="0">
+              <a:rPr lang="en-US" sz="1200" b="1" dirty="0">
                 <a:solidFill>
                   <a:schemeClr val="bg2">
                     <a:lumMod val="10000"/>
@@ -13574,7 +13618,7 @@
               <a:t> </a:t>
             </a:r>
             <a:r>
-              <a:rPr lang="en-US" sz="1200" dirty="0" err="1">
+              <a:rPr lang="en-US" sz="1200" b="1" dirty="0" err="1">
                 <a:solidFill>
                   <a:schemeClr val="bg2">
                     <a:lumMod val="10000"/>
@@ -13585,7 +13629,7 @@
               <a:t>il</a:t>
             </a:r>
             <a:r>
-              <a:rPr lang="en-US" sz="1200" dirty="0">
+              <a:rPr lang="en-US" sz="1200" b="1" dirty="0">
                 <a:solidFill>
                   <a:schemeClr val="bg2">
                     <a:lumMod val="10000"/>
@@ -13596,7 +13640,7 @@
               <a:t> modulo di una </a:t>
             </a:r>
             <a:r>
-              <a:rPr lang="en-US" sz="1200" dirty="0" err="1">
+              <a:rPr lang="en-US" sz="1200" b="1" dirty="0" err="1">
                 <a:solidFill>
                   <a:schemeClr val="bg2">
                     <a:lumMod val="10000"/>
@@ -13607,7 +13651,7 @@
               <a:t>differenza</a:t>
             </a:r>
             <a:r>
-              <a:rPr lang="en-US" sz="1200" dirty="0">
+              <a:rPr lang="en-US" sz="1200" b="1" dirty="0">
                 <a:solidFill>
                   <a:schemeClr val="bg2">
                     <a:lumMod val="10000"/>
@@ -13618,7 +13662,7 @@
               <a:t>, </a:t>
             </a:r>
             <a:r>
-              <a:rPr lang="en-US" sz="1200" dirty="0" err="1">
+              <a:rPr lang="en-US" sz="1200" b="1" dirty="0" err="1">
                 <a:solidFill>
                   <a:schemeClr val="bg2">
                     <a:lumMod val="10000"/>
@@ -13629,7 +13673,7 @@
               <a:t>diviso</a:t>
             </a:r>
             <a:r>
-              <a:rPr lang="en-US" sz="1200" dirty="0">
+              <a:rPr lang="en-US" sz="1200" b="1" dirty="0">
                 <a:solidFill>
                   <a:schemeClr val="bg2">
                     <a:lumMod val="10000"/>
@@ -13640,7 +13684,7 @@
               <a:t> una </a:t>
             </a:r>
             <a:r>
-              <a:rPr lang="en-US" sz="1200" dirty="0" err="1">
+              <a:rPr lang="en-US" sz="1200" b="1" dirty="0" err="1">
                 <a:solidFill>
                   <a:schemeClr val="bg2">
                     <a:lumMod val="10000"/>
@@ -13651,7 +13695,7 @@
               <a:t>costante</a:t>
             </a:r>
             <a:r>
-              <a:rPr lang="en-US" sz="1200" dirty="0">
+              <a:rPr lang="en-US" sz="1200" b="1" dirty="0">
                 <a:solidFill>
                   <a:schemeClr val="bg2">
                     <a:lumMod val="10000"/>
@@ -13662,7 +13706,7 @@
               <a:t>), </a:t>
             </a:r>
             <a:r>
-              <a:rPr lang="en-US" sz="1200" dirty="0" err="1">
+              <a:rPr lang="en-US" sz="1200" b="1" dirty="0" err="1">
                 <a:solidFill>
                   <a:schemeClr val="bg2">
                     <a:lumMod val="10000"/>
@@ -13673,7 +13717,7 @@
               <a:t>devono</a:t>
             </a:r>
             <a:r>
-              <a:rPr lang="en-US" sz="1200" dirty="0">
+              <a:rPr lang="en-US" sz="1200" b="1" dirty="0">
                 <a:solidFill>
                   <a:schemeClr val="bg2">
                     <a:lumMod val="10000"/>
@@ -13684,7 +13728,7 @@
               <a:t> </a:t>
             </a:r>
             <a:r>
-              <a:rPr lang="en-US" sz="1200" dirty="0" err="1">
+              <a:rPr lang="en-US" sz="1200" b="1" dirty="0" err="1">
                 <a:solidFill>
                   <a:schemeClr val="bg2">
                     <a:lumMod val="10000"/>
@@ -13695,7 +13739,7 @@
               <a:t>essere</a:t>
             </a:r>
             <a:r>
-              <a:rPr lang="en-US" sz="1200" dirty="0">
+              <a:rPr lang="en-US" sz="1200" b="1" dirty="0">
                 <a:solidFill>
                   <a:schemeClr val="bg2">
                     <a:lumMod val="10000"/>
@@ -13706,7 +13750,7 @@
               <a:t> </a:t>
             </a:r>
             <a:r>
-              <a:rPr lang="en-US" sz="1200" dirty="0" err="1">
+              <a:rPr lang="en-US" sz="1200" b="1" dirty="0" err="1">
                 <a:solidFill>
                   <a:schemeClr val="bg2">
                     <a:lumMod val="10000"/>
@@ -13717,7 +13761,7 @@
               <a:t>uguali</a:t>
             </a:r>
             <a:r>
-              <a:rPr lang="en-US" sz="1200" dirty="0">
+              <a:rPr lang="en-US" sz="1200" b="1" dirty="0">
                 <a:solidFill>
                   <a:schemeClr val="bg2">
                     <a:lumMod val="10000"/>
@@ -13728,7 +13772,7 @@
               <a:t>, e </a:t>
             </a:r>
             <a:r>
-              <a:rPr lang="en-US" sz="1200" dirty="0" err="1">
+              <a:rPr lang="en-US" sz="1200" b="1" dirty="0" err="1">
                 <a:solidFill>
                   <a:schemeClr val="bg2">
                     <a:lumMod val="10000"/>
@@ -13739,7 +13783,7 @@
               <a:t>quindi</a:t>
             </a:r>
             <a:r>
-              <a:rPr lang="en-US" sz="1200" dirty="0">
+              <a:rPr lang="en-US" sz="1200" b="1" dirty="0">
                 <a:solidFill>
                   <a:schemeClr val="bg2">
                     <a:lumMod val="10000"/>
@@ -13750,7 +13794,7 @@
               <a:t> non ha </a:t>
             </a:r>
             <a:r>
-              <a:rPr lang="en-US" sz="1200" dirty="0" err="1">
+              <a:rPr lang="en-US" sz="1200" b="1" dirty="0" err="1">
                 <a:solidFill>
                   <a:schemeClr val="bg2">
                     <a:lumMod val="10000"/>
@@ -13761,7 +13805,7 @@
               <a:t>senso</a:t>
             </a:r>
             <a:r>
-              <a:rPr lang="en-US" sz="1200" dirty="0">
+              <a:rPr lang="en-US" sz="1200" b="1" dirty="0">
                 <a:solidFill>
                   <a:schemeClr val="bg2">
                     <a:lumMod val="10000"/>
@@ -13772,7 +13816,7 @@
               <a:t> </a:t>
             </a:r>
             <a:r>
-              <a:rPr lang="en-US" sz="1200" dirty="0" err="1">
+              <a:rPr lang="en-US" sz="1200" b="1" dirty="0" err="1">
                 <a:solidFill>
                   <a:schemeClr val="bg2">
                     <a:lumMod val="10000"/>
@@ -13783,7 +13827,7 @@
               <a:t>calcolarle</a:t>
             </a:r>
             <a:r>
-              <a:rPr lang="en-US" sz="1200" dirty="0">
+              <a:rPr lang="en-US" sz="1200" b="1" dirty="0">
                 <a:solidFill>
                   <a:schemeClr val="bg2">
                     <a:lumMod val="10000"/>
@@ -13794,7 +13838,7 @@
               <a:t> come </a:t>
             </a:r>
             <a:r>
-              <a:rPr lang="en-US" sz="1200" dirty="0" err="1">
+              <a:rPr lang="en-US" sz="1200" b="1" dirty="0" err="1">
                 <a:solidFill>
                   <a:schemeClr val="bg2">
                     <a:lumMod val="10000"/>
@@ -13805,7 +13849,7 @@
               <a:t>mostrato</a:t>
             </a:r>
             <a:r>
-              <a:rPr lang="en-US" sz="1200" dirty="0">
+              <a:rPr lang="en-US" sz="1200" b="1" dirty="0">
                 <a:solidFill>
                   <a:schemeClr val="bg2">
                     <a:lumMod val="10000"/>
@@ -13816,7 +13860,7 @@
               <a:t> </a:t>
             </a:r>
             <a:r>
-              <a:rPr lang="en-US" sz="1200" dirty="0" err="1">
+              <a:rPr lang="en-US" sz="1200" b="1" dirty="0" err="1">
                 <a:solidFill>
                   <a:schemeClr val="bg2">
                     <a:lumMod val="10000"/>
@@ -13827,7 +13871,7 @@
               <a:t>nel</a:t>
             </a:r>
             <a:r>
-              <a:rPr lang="en-US" sz="1200" dirty="0">
+              <a:rPr lang="en-US" sz="1200" b="1" dirty="0">
                 <a:solidFill>
                   <a:schemeClr val="bg2">
                     <a:lumMod val="10000"/>
@@ -13854,7 +13898,7 @@
         </p:nvSpPr>
         <p:spPr>
           <a:xfrm rot="2720395">
-            <a:off x="3416065" y="5265092"/>
+            <a:off x="3416065" y="5180838"/>
             <a:ext cx="360000" cy="360000"/>
           </a:xfrm>
           <a:prstGeom prst="teardrop">
@@ -13913,8 +13957,8 @@
         </p:nvSpPr>
         <p:spPr>
           <a:xfrm>
-            <a:off x="3795778" y="5071970"/>
-            <a:ext cx="5256123" cy="560153"/>
+            <a:off x="3795778" y="4987716"/>
+            <a:ext cx="5256123" cy="929485"/>
           </a:xfrm>
           <a:prstGeom prst="rect">
             <a:avLst/>
@@ -13934,7 +13978,7 @@
               <a:defRPr/>
             </a:pPr>
             <a:r>
-              <a:rPr lang="it-IT" sz="1600" dirty="0">
+              <a:rPr lang="it-IT" sz="1600" b="1" dirty="0">
                 <a:solidFill>
                   <a:srgbClr val="7030A0"/>
                 </a:solidFill>
@@ -13943,7 +13987,7 @@
               <a:t>Calcolo </a:t>
             </a:r>
             <a:r>
-              <a:rPr lang="el-GR" sz="1600" dirty="0">
+              <a:rPr lang="el-GR" sz="1600" b="1" dirty="0">
                 <a:solidFill>
                   <a:srgbClr val="7030A0"/>
                 </a:solidFill>
@@ -13952,7 +13996,7 @@
               <a:t>ρ</a:t>
             </a:r>
             <a:r>
-              <a:rPr lang="it-IT" sz="1600" dirty="0">
+              <a:rPr lang="it-IT" sz="1600" b="1" dirty="0">
                 <a:solidFill>
                   <a:srgbClr val="7030A0"/>
                 </a:solidFill>
@@ -13961,7 +14005,7 @@
               <a:t>, support </a:t>
             </a:r>
             <a:r>
-              <a:rPr lang="it-IT" sz="1600" dirty="0" err="1">
+              <a:rPr lang="it-IT" sz="1600" b="1" dirty="0" err="1">
                 <a:solidFill>
                   <a:srgbClr val="7030A0"/>
                 </a:solidFill>
@@ -13984,15 +14028,411 @@
               <a:defRPr/>
             </a:pPr>
             <a:r>
-              <a:rPr lang="en-US" sz="1200" dirty="0">
-                <a:solidFill>
-                  <a:schemeClr val="bg2">
-                    <a:lumMod val="10000"/>
-                  </a:schemeClr>
-                </a:solidFill>
-                <a:latin typeface="Candara" panose="020E0502030303020204" pitchFamily="34" charset="0"/>
-              </a:rPr>
-              <a:t>TO CHECK</a:t>
+              <a:rPr lang="en-US" sz="1200" b="1" dirty="0">
+                <a:solidFill>
+                  <a:schemeClr val="bg2">
+                    <a:lumMod val="10000"/>
+                  </a:schemeClr>
+                </a:solidFill>
+                <a:latin typeface="Candara" panose="020E0502030303020204" pitchFamily="34" charset="0"/>
+              </a:rPr>
+              <a:t>F </a:t>
+            </a:r>
+            <a:r>
+              <a:rPr lang="en-US" sz="1200" b="1" dirty="0" err="1">
+                <a:solidFill>
+                  <a:schemeClr val="bg2">
+                    <a:lumMod val="10000"/>
+                  </a:schemeClr>
+                </a:solidFill>
+                <a:latin typeface="Candara" panose="020E0502030303020204" pitchFamily="34" charset="0"/>
+              </a:rPr>
+              <a:t>piccola</a:t>
+            </a:r>
+            <a:r>
+              <a:rPr lang="en-US" sz="1200" b="1" dirty="0">
+                <a:solidFill>
+                  <a:schemeClr val="bg2">
+                    <a:lumMod val="10000"/>
+                  </a:schemeClr>
+                </a:solidFill>
+                <a:latin typeface="Candara" panose="020E0502030303020204" pitchFamily="34" charset="0"/>
+              </a:rPr>
+              <a:t> </a:t>
+            </a:r>
+            <a:r>
+              <a:rPr lang="en-US" sz="1200" b="1" dirty="0" err="1">
+                <a:solidFill>
+                  <a:schemeClr val="bg2">
+                    <a:lumMod val="10000"/>
+                  </a:schemeClr>
+                </a:solidFill>
+                <a:latin typeface="Candara" panose="020E0502030303020204" pitchFamily="34" charset="0"/>
+              </a:rPr>
+              <a:t>presente</a:t>
+            </a:r>
+            <a:r>
+              <a:rPr lang="en-US" sz="1200" b="1" dirty="0">
+                <a:solidFill>
+                  <a:schemeClr val="bg2">
+                    <a:lumMod val="10000"/>
+                  </a:schemeClr>
+                </a:solidFill>
+                <a:latin typeface="Candara" panose="020E0502030303020204" pitchFamily="34" charset="0"/>
+              </a:rPr>
+              <a:t> </a:t>
+            </a:r>
+            <a:r>
+              <a:rPr lang="en-US" sz="1200" b="1" dirty="0" err="1">
+                <a:solidFill>
+                  <a:schemeClr val="bg2">
+                    <a:lumMod val="10000"/>
+                  </a:schemeClr>
+                </a:solidFill>
+                <a:latin typeface="Candara" panose="020E0502030303020204" pitchFamily="34" charset="0"/>
+              </a:rPr>
+              <a:t>nella</a:t>
+            </a:r>
+            <a:r>
+              <a:rPr lang="en-US" sz="1200" b="1" dirty="0">
+                <a:solidFill>
+                  <a:schemeClr val="bg2">
+                    <a:lumMod val="10000"/>
+                  </a:schemeClr>
+                </a:solidFill>
+                <a:latin typeface="Candara" panose="020E0502030303020204" pitchFamily="34" charset="0"/>
+              </a:rPr>
+              <a:t> formula di cui al </a:t>
+            </a:r>
+            <a:r>
+              <a:rPr lang="en-US" sz="1200" b="1" dirty="0" err="1">
+                <a:solidFill>
+                  <a:schemeClr val="bg2">
+                    <a:lumMod val="10000"/>
+                  </a:schemeClr>
+                </a:solidFill>
+                <a:latin typeface="Candara" panose="020E0502030303020204" pitchFamily="34" charset="0"/>
+              </a:rPr>
+              <a:t>paragrafo</a:t>
+            </a:r>
+            <a:r>
+              <a:rPr lang="en-US" sz="1200" b="1" dirty="0">
+                <a:solidFill>
+                  <a:schemeClr val="bg2">
+                    <a:lumMod val="10000"/>
+                  </a:schemeClr>
+                </a:solidFill>
+                <a:latin typeface="Candara" panose="020E0502030303020204" pitchFamily="34" charset="0"/>
+              </a:rPr>
+              <a:t> 6.3 </a:t>
+            </a:r>
+            <a:r>
+              <a:rPr lang="en-US" sz="1200" b="1" dirty="0" err="1">
+                <a:solidFill>
+                  <a:schemeClr val="bg2">
+                    <a:lumMod val="10000"/>
+                  </a:schemeClr>
+                </a:solidFill>
+                <a:latin typeface="Candara" panose="020E0502030303020204" pitchFamily="34" charset="0"/>
+              </a:rPr>
+              <a:t>deriva</a:t>
+            </a:r>
+            <a:r>
+              <a:rPr lang="en-US" sz="1200" b="1" dirty="0">
+                <a:solidFill>
+                  <a:schemeClr val="bg2">
+                    <a:lumMod val="10000"/>
+                  </a:schemeClr>
+                </a:solidFill>
+                <a:latin typeface="Candara" panose="020E0502030303020204" pitchFamily="34" charset="0"/>
+              </a:rPr>
+              <a:t> </a:t>
+            </a:r>
+            <a:r>
+              <a:rPr lang="en-US" sz="1200" b="1" dirty="0" err="1">
+                <a:solidFill>
+                  <a:schemeClr val="bg2">
+                    <a:lumMod val="10000"/>
+                  </a:schemeClr>
+                </a:solidFill>
+                <a:latin typeface="Candara" panose="020E0502030303020204" pitchFamily="34" charset="0"/>
+              </a:rPr>
+              <a:t>dallo</a:t>
+            </a:r>
+            <a:r>
+              <a:rPr lang="en-US" sz="1200" b="1" dirty="0">
+                <a:solidFill>
+                  <a:schemeClr val="bg2">
+                    <a:lumMod val="10000"/>
+                  </a:schemeClr>
+                </a:solidFill>
+                <a:latin typeface="Candara" panose="020E0502030303020204" pitchFamily="34" charset="0"/>
+              </a:rPr>
+              <a:t> </a:t>
+            </a:r>
+            <a:r>
+              <a:rPr lang="en-US" sz="1200" b="1" dirty="0" err="1">
+                <a:solidFill>
+                  <a:schemeClr val="bg2">
+                    <a:lumMod val="10000"/>
+                  </a:schemeClr>
+                </a:solidFill>
+                <a:latin typeface="Candara" panose="020E0502030303020204" pitchFamily="34" charset="0"/>
+              </a:rPr>
+              <a:t>stesso</a:t>
+            </a:r>
+            <a:r>
+              <a:rPr lang="en-US" sz="1200" b="1" dirty="0">
+                <a:solidFill>
+                  <a:schemeClr val="bg2">
+                    <a:lumMod val="10000"/>
+                  </a:schemeClr>
+                </a:solidFill>
+                <a:latin typeface="Candara" panose="020E0502030303020204" pitchFamily="34" charset="0"/>
+              </a:rPr>
+              <a:t> </a:t>
+            </a:r>
+            <a:r>
+              <a:rPr lang="en-US" sz="1200" b="1" dirty="0" err="1">
+                <a:solidFill>
+                  <a:schemeClr val="bg2">
+                    <a:lumMod val="10000"/>
+                  </a:schemeClr>
+                </a:solidFill>
+                <a:latin typeface="Candara" panose="020E0502030303020204" pitchFamily="34" charset="0"/>
+              </a:rPr>
+              <a:t>concetto</a:t>
+            </a:r>
+            <a:r>
+              <a:rPr lang="en-US" sz="1200" b="1" dirty="0">
+                <a:solidFill>
+                  <a:schemeClr val="bg2">
+                    <a:lumMod val="10000"/>
+                  </a:schemeClr>
+                </a:solidFill>
+                <a:latin typeface="Candara" panose="020E0502030303020204" pitchFamily="34" charset="0"/>
+              </a:rPr>
+              <a:t> </a:t>
+            </a:r>
+            <a:r>
+              <a:rPr lang="en-US" sz="1200" b="1" dirty="0" err="1">
+                <a:solidFill>
+                  <a:schemeClr val="bg2">
+                    <a:lumMod val="10000"/>
+                  </a:schemeClr>
+                </a:solidFill>
+                <a:latin typeface="Candara" panose="020E0502030303020204" pitchFamily="34" charset="0"/>
+              </a:rPr>
+              <a:t>della</a:t>
+            </a:r>
+            <a:r>
+              <a:rPr lang="en-US" sz="1200" b="1" dirty="0">
+                <a:solidFill>
+                  <a:schemeClr val="bg2">
+                    <a:lumMod val="10000"/>
+                  </a:schemeClr>
+                </a:solidFill>
+                <a:latin typeface="Candara" panose="020E0502030303020204" pitchFamily="34" charset="0"/>
+              </a:rPr>
+              <a:t> F </a:t>
+            </a:r>
+            <a:r>
+              <a:rPr lang="en-US" sz="1200" b="1" dirty="0" err="1">
+                <a:solidFill>
+                  <a:schemeClr val="bg2">
+                    <a:lumMod val="10000"/>
+                  </a:schemeClr>
+                </a:solidFill>
+                <a:latin typeface="Candara" panose="020E0502030303020204" pitchFamily="34" charset="0"/>
+              </a:rPr>
+              <a:t>grande</a:t>
+            </a:r>
+            <a:r>
+              <a:rPr lang="en-US" sz="1200" b="1" dirty="0">
+                <a:solidFill>
+                  <a:schemeClr val="bg2">
+                    <a:lumMod val="10000"/>
+                  </a:schemeClr>
+                </a:solidFill>
+                <a:latin typeface="Candara" panose="020E0502030303020204" pitchFamily="34" charset="0"/>
+              </a:rPr>
+              <a:t> </a:t>
+            </a:r>
+            <a:r>
+              <a:rPr lang="en-US" sz="1200" b="1" dirty="0" err="1">
+                <a:solidFill>
+                  <a:schemeClr val="bg2">
+                    <a:lumMod val="10000"/>
+                  </a:schemeClr>
+                </a:solidFill>
+                <a:latin typeface="Candara" panose="020E0502030303020204" pitchFamily="34" charset="0"/>
+              </a:rPr>
+              <a:t>descritta</a:t>
+            </a:r>
+            <a:r>
+              <a:rPr lang="en-US" sz="1200" b="1" dirty="0">
+                <a:solidFill>
+                  <a:schemeClr val="bg2">
+                    <a:lumMod val="10000"/>
+                  </a:schemeClr>
+                </a:solidFill>
+                <a:latin typeface="Candara" panose="020E0502030303020204" pitchFamily="34" charset="0"/>
+              </a:rPr>
+              <a:t> </a:t>
+            </a:r>
+            <a:r>
+              <a:rPr lang="en-US" sz="1200" b="1" dirty="0" err="1">
+                <a:solidFill>
+                  <a:schemeClr val="bg2">
+                    <a:lumMod val="10000"/>
+                  </a:schemeClr>
+                </a:solidFill>
+                <a:latin typeface="Candara" panose="020E0502030303020204" pitchFamily="34" charset="0"/>
+              </a:rPr>
+              <a:t>nella</a:t>
+            </a:r>
+            <a:r>
+              <a:rPr lang="en-US" sz="1200" b="1" dirty="0">
+                <a:solidFill>
+                  <a:schemeClr val="bg2">
+                    <a:lumMod val="10000"/>
+                  </a:schemeClr>
+                </a:solidFill>
+                <a:latin typeface="Candara" panose="020E0502030303020204" pitchFamily="34" charset="0"/>
+              </a:rPr>
+              <a:t> formula </a:t>
+            </a:r>
+            <a:r>
+              <a:rPr lang="en-US" sz="1200" b="1" dirty="0" err="1">
+                <a:solidFill>
+                  <a:schemeClr val="bg2">
+                    <a:lumMod val="10000"/>
+                  </a:schemeClr>
+                </a:solidFill>
+                <a:latin typeface="Candara" panose="020E0502030303020204" pitchFamily="34" charset="0"/>
+              </a:rPr>
+              <a:t>dell’identity</a:t>
+            </a:r>
+            <a:r>
+              <a:rPr lang="en-US" sz="1200" b="1" dirty="0">
+                <a:solidFill>
+                  <a:schemeClr val="bg2">
+                    <a:lumMod val="10000"/>
+                  </a:schemeClr>
+                </a:solidFill>
+                <a:latin typeface="Candara" panose="020E0502030303020204" pitchFamily="34" charset="0"/>
+              </a:rPr>
+              <a:t> error. Le due, </a:t>
+            </a:r>
+            <a:r>
+              <a:rPr lang="en-US" sz="1200" b="1" dirty="0" err="1">
+                <a:solidFill>
+                  <a:schemeClr val="bg2">
+                    <a:lumMod val="10000"/>
+                  </a:schemeClr>
+                </a:solidFill>
+                <a:latin typeface="Candara" panose="020E0502030303020204" pitchFamily="34" charset="0"/>
+              </a:rPr>
+              <a:t>però</a:t>
+            </a:r>
+            <a:r>
+              <a:rPr lang="en-US" sz="1200" b="1" dirty="0">
+                <a:solidFill>
+                  <a:schemeClr val="bg2">
+                    <a:lumMod val="10000"/>
+                  </a:schemeClr>
+                </a:solidFill>
+                <a:latin typeface="Candara" panose="020E0502030303020204" pitchFamily="34" charset="0"/>
+              </a:rPr>
+              <a:t>, </a:t>
+            </a:r>
+            <a:r>
+              <a:rPr lang="en-US" sz="1200" b="1" dirty="0" err="1">
+                <a:solidFill>
+                  <a:schemeClr val="bg2">
+                    <a:lumMod val="10000"/>
+                  </a:schemeClr>
+                </a:solidFill>
+                <a:latin typeface="Candara" panose="020E0502030303020204" pitchFamily="34" charset="0"/>
+              </a:rPr>
+              <a:t>presentano</a:t>
+            </a:r>
+            <a:r>
+              <a:rPr lang="en-US" sz="1200" b="1" dirty="0">
+                <a:solidFill>
+                  <a:schemeClr val="bg2">
+                    <a:lumMod val="10000"/>
+                  </a:schemeClr>
+                </a:solidFill>
+                <a:latin typeface="Candara" panose="020E0502030303020204" pitchFamily="34" charset="0"/>
+              </a:rPr>
+              <a:t> </a:t>
+            </a:r>
+            <a:r>
+              <a:rPr lang="en-US" sz="1200" b="1" dirty="0" err="1">
+                <a:solidFill>
+                  <a:schemeClr val="bg2">
+                    <a:lumMod val="10000"/>
+                  </a:schemeClr>
+                </a:solidFill>
+                <a:latin typeface="Candara" panose="020E0502030303020204" pitchFamily="34" charset="0"/>
+              </a:rPr>
+              <a:t>appunto</a:t>
+            </a:r>
+            <a:r>
+              <a:rPr lang="en-US" sz="1200" b="1" dirty="0">
+                <a:solidFill>
+                  <a:schemeClr val="bg2">
+                    <a:lumMod val="10000"/>
+                  </a:schemeClr>
+                </a:solidFill>
+                <a:latin typeface="Candara" panose="020E0502030303020204" pitchFamily="34" charset="0"/>
+              </a:rPr>
+              <a:t> </a:t>
+            </a:r>
+            <a:r>
+              <a:rPr lang="en-US" sz="1200" b="1" dirty="0" err="1">
+                <a:solidFill>
+                  <a:schemeClr val="bg2">
+                    <a:lumMod val="10000"/>
+                  </a:schemeClr>
+                </a:solidFill>
+                <a:latin typeface="Candara" panose="020E0502030303020204" pitchFamily="34" charset="0"/>
+              </a:rPr>
+              <a:t>notazioni</a:t>
+            </a:r>
+            <a:r>
+              <a:rPr lang="en-US" sz="1200" b="1" dirty="0">
+                <a:solidFill>
+                  <a:schemeClr val="bg2">
+                    <a:lumMod val="10000"/>
+                  </a:schemeClr>
+                </a:solidFill>
+                <a:latin typeface="Candara" panose="020E0502030303020204" pitchFamily="34" charset="0"/>
+              </a:rPr>
+              <a:t> </a:t>
+            </a:r>
+            <a:r>
+              <a:rPr lang="en-US" sz="1200" b="1" dirty="0" err="1">
+                <a:solidFill>
+                  <a:schemeClr val="bg2">
+                    <a:lumMod val="10000"/>
+                  </a:schemeClr>
+                </a:solidFill>
+                <a:latin typeface="Candara" panose="020E0502030303020204" pitchFamily="34" charset="0"/>
+              </a:rPr>
+              <a:t>distinte</a:t>
+            </a:r>
+            <a:r>
+              <a:rPr lang="en-US" sz="1200" b="1" dirty="0">
+                <a:solidFill>
+                  <a:schemeClr val="bg2">
+                    <a:lumMod val="10000"/>
+                  </a:schemeClr>
+                </a:solidFill>
+                <a:latin typeface="Candara" panose="020E0502030303020204" pitchFamily="34" charset="0"/>
+              </a:rPr>
+              <a:t>.</a:t>
             </a:r>
           </a:p>
         </p:txBody>
@@ -14919,7 +15359,7 @@
         </p:nvSpPr>
         <p:spPr>
           <a:xfrm rot="2720395">
-            <a:off x="3416066" y="4395570"/>
+            <a:off x="3407486" y="4450053"/>
             <a:ext cx="360000" cy="360000"/>
           </a:xfrm>
           <a:prstGeom prst="teardrop">
@@ -14972,7 +15412,7 @@
         </p:nvSpPr>
         <p:spPr>
           <a:xfrm rot="2720395">
-            <a:off x="3420980" y="3467920"/>
+            <a:off x="3416062" y="3581116"/>
             <a:ext cx="360000" cy="360000"/>
           </a:xfrm>
           <a:prstGeom prst="teardrop">
@@ -15025,7 +15465,7 @@
         </p:nvSpPr>
         <p:spPr>
           <a:xfrm rot="2720395">
-            <a:off x="3416066" y="2538039"/>
+            <a:off x="3407486" y="2532603"/>
             <a:ext cx="360000" cy="360000"/>
           </a:xfrm>
           <a:prstGeom prst="teardrop">
@@ -15078,7 +15518,7 @@
         </p:nvSpPr>
         <p:spPr>
           <a:xfrm rot="2720395">
-            <a:off x="3416063" y="1480268"/>
+            <a:off x="3407486" y="1308060"/>
             <a:ext cx="360000" cy="360000"/>
           </a:xfrm>
           <a:prstGeom prst="teardrop">
@@ -15166,7 +15606,7 @@
         </p:nvSpPr>
         <p:spPr>
           <a:xfrm>
-            <a:off x="3795778" y="1287858"/>
+            <a:off x="3778624" y="1104911"/>
             <a:ext cx="5256123" cy="1114151"/>
           </a:xfrm>
           <a:prstGeom prst="rect">
@@ -15213,7 +15653,7 @@
               <a:defRPr/>
             </a:pPr>
             <a:r>
-              <a:rPr lang="en-US" sz="1200" dirty="0">
+              <a:rPr lang="en-US" sz="1200" b="1" dirty="0">
                 <a:solidFill>
                   <a:schemeClr val="bg2">
                     <a:lumMod val="10000"/>
@@ -15224,7 +15664,7 @@
               <a:t>Dal </a:t>
             </a:r>
             <a:r>
-              <a:rPr lang="en-US" sz="1200" dirty="0" err="1">
+              <a:rPr lang="en-US" sz="1200" b="1" dirty="0" err="1">
                 <a:solidFill>
                   <a:schemeClr val="bg2">
                     <a:lumMod val="10000"/>
@@ -15235,7 +15675,7 @@
               <a:t>momento</a:t>
             </a:r>
             <a:r>
-              <a:rPr lang="en-US" sz="1200" dirty="0">
+              <a:rPr lang="en-US" sz="1200" b="1" dirty="0">
                 <a:solidFill>
                   <a:schemeClr val="bg2">
                     <a:lumMod val="10000"/>
@@ -15246,7 +15686,7 @@
               <a:t> </a:t>
             </a:r>
             <a:r>
-              <a:rPr lang="en-US" sz="1200" dirty="0" err="1">
+              <a:rPr lang="en-US" sz="1200" b="1" dirty="0" err="1">
                 <a:solidFill>
                   <a:schemeClr val="bg2">
                     <a:lumMod val="10000"/>
@@ -15257,7 +15697,7 @@
               <a:t>che</a:t>
             </a:r>
             <a:r>
-              <a:rPr lang="en-US" sz="1200" dirty="0">
+              <a:rPr lang="en-US" sz="1200" b="1" dirty="0">
                 <a:solidFill>
                   <a:schemeClr val="bg2">
                     <a:lumMod val="10000"/>
@@ -15268,7 +15708,7 @@
               <a:t> la </a:t>
             </a:r>
             <a:r>
-              <a:rPr lang="en-US" sz="1200" dirty="0" err="1">
+              <a:rPr lang="en-US" sz="1200" b="1" dirty="0" err="1">
                 <a:solidFill>
                   <a:schemeClr val="bg2">
                     <a:lumMod val="10000"/>
@@ -15279,7 +15719,7 @@
               <a:t>presenza</a:t>
             </a:r>
             <a:r>
-              <a:rPr lang="en-US" sz="1200" dirty="0">
+              <a:rPr lang="en-US" sz="1200" b="1" dirty="0">
                 <a:solidFill>
                   <a:schemeClr val="bg2">
                     <a:lumMod val="10000"/>
@@ -15290,7 +15730,7 @@
               <a:t> di </a:t>
             </a:r>
             <a:r>
-              <a:rPr lang="en-US" sz="1200" dirty="0" err="1">
+              <a:rPr lang="en-US" sz="1200" b="1" dirty="0" err="1">
                 <a:solidFill>
                   <a:schemeClr val="bg2">
                     <a:lumMod val="10000"/>
@@ -15301,7 +15741,7 @@
               <a:t>eventuali</a:t>
             </a:r>
             <a:r>
-              <a:rPr lang="en-US" sz="1200" dirty="0">
+              <a:rPr lang="en-US" sz="1200" b="1" dirty="0">
                 <a:solidFill>
                   <a:schemeClr val="bg2">
                     <a:lumMod val="10000"/>
@@ -15312,7 +15752,7 @@
               <a:t> numeri </a:t>
             </a:r>
             <a:r>
-              <a:rPr lang="en-US" sz="1200" dirty="0" err="1">
+              <a:rPr lang="en-US" sz="1200" b="1" dirty="0" err="1">
                 <a:solidFill>
                   <a:schemeClr val="bg2">
                     <a:lumMod val="10000"/>
@@ -15323,7 +15763,7 @@
               <a:t>negativi</a:t>
             </a:r>
             <a:r>
-              <a:rPr lang="en-US" sz="1200" dirty="0">
+              <a:rPr lang="en-US" sz="1200" b="1" dirty="0">
                 <a:solidFill>
                   <a:schemeClr val="bg2">
                     <a:lumMod val="10000"/>
@@ -15334,7 +15774,7 @@
               <a:t> non </a:t>
             </a:r>
             <a:r>
-              <a:rPr lang="en-US" sz="1200" dirty="0" err="1">
+              <a:rPr lang="en-US" sz="1200" b="1" dirty="0" err="1">
                 <a:solidFill>
                   <a:schemeClr val="bg2">
                     <a:lumMod val="10000"/>
@@ -15345,7 +15785,7 @@
               <a:t>influiva</a:t>
             </a:r>
             <a:r>
-              <a:rPr lang="en-US" sz="1200" dirty="0">
+              <a:rPr lang="en-US" sz="1200" b="1" dirty="0">
                 <a:solidFill>
                   <a:schemeClr val="bg2">
                     <a:lumMod val="10000"/>
@@ -15356,7 +15796,7 @@
               <a:t> </a:t>
             </a:r>
             <a:r>
-              <a:rPr lang="en-US" sz="1200" dirty="0" err="1">
+              <a:rPr lang="en-US" sz="1200" b="1" dirty="0" err="1">
                 <a:solidFill>
                   <a:schemeClr val="bg2">
                     <a:lumMod val="10000"/>
@@ -15367,7 +15807,7 @@
               <a:t>sul</a:t>
             </a:r>
             <a:r>
-              <a:rPr lang="en-US" sz="1200" dirty="0">
+              <a:rPr lang="en-US" sz="1200" b="1" dirty="0">
                 <a:solidFill>
                   <a:schemeClr val="bg2">
                     <a:lumMod val="10000"/>
@@ -15378,7 +15818,7 @@
               <a:t> </a:t>
             </a:r>
             <a:r>
-              <a:rPr lang="en-US" sz="1200" dirty="0" err="1">
+              <a:rPr lang="en-US" sz="1200" b="1" dirty="0" err="1">
                 <a:solidFill>
                   <a:schemeClr val="bg2">
                     <a:lumMod val="10000"/>
@@ -15389,7 +15829,7 @@
               <a:t>funzionamento</a:t>
             </a:r>
             <a:r>
-              <a:rPr lang="en-US" sz="1200" dirty="0">
+              <a:rPr lang="en-US" sz="1200" b="1" dirty="0">
                 <a:solidFill>
                   <a:schemeClr val="bg2">
                     <a:lumMod val="10000"/>
@@ -15400,7 +15840,7 @@
               <a:t> del </a:t>
             </a:r>
             <a:r>
-              <a:rPr lang="en-US" sz="1200" dirty="0" err="1">
+              <a:rPr lang="en-US" sz="1200" b="1" dirty="0" err="1">
                 <a:solidFill>
                   <a:schemeClr val="bg2">
                     <a:lumMod val="10000"/>
@@ -15411,7 +15851,7 @@
               <a:t>sistema</a:t>
             </a:r>
             <a:r>
-              <a:rPr lang="en-US" sz="1200" dirty="0">
+              <a:rPr lang="en-US" sz="1200" b="1" dirty="0">
                 <a:solidFill>
                   <a:schemeClr val="bg2">
                     <a:lumMod val="10000"/>
@@ -15422,7 +15862,7 @@
               <a:t> e, </a:t>
             </a:r>
             <a:r>
-              <a:rPr lang="en-US" sz="1200" dirty="0" err="1">
+              <a:rPr lang="en-US" sz="1200" b="1" dirty="0" err="1">
                 <a:solidFill>
                   <a:schemeClr val="bg2">
                     <a:lumMod val="10000"/>
@@ -15433,7 +15873,7 @@
               <a:t>essendoci</a:t>
             </a:r>
             <a:r>
-              <a:rPr lang="en-US" sz="1200" dirty="0">
+              <a:rPr lang="en-US" sz="1200" b="1" dirty="0">
                 <a:solidFill>
                   <a:schemeClr val="bg2">
                     <a:lumMod val="10000"/>
@@ -15444,7 +15884,7 @@
               <a:t> </a:t>
             </a:r>
             <a:r>
-              <a:rPr lang="en-US" sz="1200" dirty="0" err="1">
+              <a:rPr lang="en-US" sz="1200" b="1" dirty="0" err="1">
                 <a:solidFill>
                   <a:schemeClr val="bg2">
                     <a:lumMod val="10000"/>
@@ -15455,7 +15895,7 @@
               <a:t>accorti</a:t>
             </a:r>
             <a:r>
-              <a:rPr lang="en-US" sz="1200" dirty="0">
+              <a:rPr lang="en-US" sz="1200" b="1" dirty="0">
                 <a:solidFill>
                   <a:schemeClr val="bg2">
                     <a:lumMod val="10000"/>
@@ -15466,7 +15906,7 @@
               <a:t> </a:t>
             </a:r>
             <a:r>
-              <a:rPr lang="en-US" sz="1200" dirty="0" err="1">
+              <a:rPr lang="en-US" sz="1200" b="1" dirty="0" err="1">
                 <a:solidFill>
                   <a:schemeClr val="bg2">
                     <a:lumMod val="10000"/>
@@ -15477,7 +15917,7 @@
               <a:t>che</a:t>
             </a:r>
             <a:r>
-              <a:rPr lang="en-US" sz="1200" dirty="0">
+              <a:rPr lang="en-US" sz="1200" b="1" dirty="0">
                 <a:solidFill>
                   <a:schemeClr val="bg2">
                     <a:lumMod val="10000"/>
@@ -15488,7 +15928,7 @@
               <a:t> </a:t>
             </a:r>
             <a:r>
-              <a:rPr lang="en-US" sz="1200" dirty="0" err="1">
+              <a:rPr lang="en-US" sz="1200" b="1" dirty="0" err="1">
                 <a:solidFill>
                   <a:schemeClr val="bg2">
                     <a:lumMod val="10000"/>
@@ -15499,7 +15939,7 @@
               <a:t>i</a:t>
             </a:r>
             <a:r>
-              <a:rPr lang="en-US" sz="1200" dirty="0">
+              <a:rPr lang="en-US" sz="1200" b="1" dirty="0">
                 <a:solidFill>
                   <a:schemeClr val="bg2">
                     <a:lumMod val="10000"/>
@@ -15510,7 +15950,7 @@
               <a:t> numeri </a:t>
             </a:r>
             <a:r>
-              <a:rPr lang="en-US" sz="1200" dirty="0" err="1">
+              <a:rPr lang="en-US" sz="1200" b="1" dirty="0" err="1">
                 <a:solidFill>
                   <a:schemeClr val="bg2">
                     <a:lumMod val="10000"/>
@@ -15521,7 +15961,7 @@
               <a:t>negativi</a:t>
             </a:r>
             <a:r>
-              <a:rPr lang="en-US" sz="1200" dirty="0">
+              <a:rPr lang="en-US" sz="1200" b="1" dirty="0">
                 <a:solidFill>
                   <a:schemeClr val="bg2">
                     <a:lumMod val="10000"/>
@@ -15532,7 +15972,7 @@
               <a:t> </a:t>
             </a:r>
             <a:r>
-              <a:rPr lang="en-US" sz="1200" dirty="0" err="1">
+              <a:rPr lang="en-US" sz="1200" b="1" dirty="0" err="1">
                 <a:solidFill>
                   <a:schemeClr val="bg2">
                     <a:lumMod val="10000"/>
@@ -15543,7 +15983,7 @@
               <a:t>nel</a:t>
             </a:r>
             <a:r>
-              <a:rPr lang="en-US" sz="1200" dirty="0">
+              <a:rPr lang="en-US" sz="1200" b="1" dirty="0">
                 <a:solidFill>
                   <a:schemeClr val="bg2">
                     <a:lumMod val="10000"/>
@@ -15554,7 +15994,7 @@
               <a:t> C_T </a:t>
             </a:r>
             <a:r>
-              <a:rPr lang="en-US" sz="1200" dirty="0" err="1">
+              <a:rPr lang="en-US" sz="1200" b="1" dirty="0" err="1">
                 <a:solidFill>
                   <a:schemeClr val="bg2">
                     <a:lumMod val="10000"/>
@@ -15565,7 +16005,7 @@
               <a:t>ricostruito</a:t>
             </a:r>
             <a:r>
-              <a:rPr lang="en-US" sz="1200" dirty="0">
+              <a:rPr lang="en-US" sz="1200" b="1" dirty="0">
                 <a:solidFill>
                   <a:schemeClr val="bg2">
                     <a:lumMod val="10000"/>
@@ -15576,7 +16016,7 @@
               <a:t> </a:t>
             </a:r>
             <a:r>
-              <a:rPr lang="en-US" sz="1200" dirty="0" err="1">
+              <a:rPr lang="en-US" sz="1200" b="1" dirty="0" err="1">
                 <a:solidFill>
                   <a:schemeClr val="bg2">
                     <a:lumMod val="10000"/>
@@ -15587,7 +16027,7 @@
               <a:t>corrispondevano</a:t>
             </a:r>
             <a:r>
-              <a:rPr lang="en-US" sz="1200" dirty="0">
+              <a:rPr lang="en-US" sz="1200" b="1" dirty="0">
                 <a:solidFill>
                   <a:schemeClr val="bg2">
                     <a:lumMod val="10000"/>
@@ -15598,7 +16038,7 @@
               <a:t> a numeri di </a:t>
             </a:r>
             <a:r>
-              <a:rPr lang="en-US" sz="1200" dirty="0" err="1">
+              <a:rPr lang="en-US" sz="1200" b="1" dirty="0" err="1">
                 <a:solidFill>
                   <a:schemeClr val="bg2">
                     <a:lumMod val="10000"/>
@@ -15609,7 +16049,7 @@
               <a:t>valore</a:t>
             </a:r>
             <a:r>
-              <a:rPr lang="en-US" sz="1200" dirty="0">
+              <a:rPr lang="en-US" sz="1200" b="1" dirty="0">
                 <a:solidFill>
                   <a:schemeClr val="bg2">
                     <a:lumMod val="10000"/>
@@ -15620,7 +16060,7 @@
               <a:t> </a:t>
             </a:r>
             <a:r>
-              <a:rPr lang="en-US" sz="1200" dirty="0" err="1">
+              <a:rPr lang="en-US" sz="1200" b="1" dirty="0" err="1">
                 <a:solidFill>
                   <a:schemeClr val="bg2">
                     <a:lumMod val="10000"/>
@@ -15631,7 +16071,7 @@
               <a:t>pari</a:t>
             </a:r>
             <a:r>
-              <a:rPr lang="en-US" sz="1200" dirty="0">
+              <a:rPr lang="en-US" sz="1200" b="1" dirty="0">
                 <a:solidFill>
                   <a:schemeClr val="bg2">
                     <a:lumMod val="10000"/>
@@ -15642,7 +16082,7 @@
               <a:t> o </a:t>
             </a:r>
             <a:r>
-              <a:rPr lang="en-US" sz="1200" dirty="0" err="1">
+              <a:rPr lang="en-US" sz="1200" b="1" dirty="0" err="1">
                 <a:solidFill>
                   <a:schemeClr val="bg2">
                     <a:lumMod val="10000"/>
@@ -15653,7 +16093,7 @@
               <a:t>poco</a:t>
             </a:r>
             <a:r>
-              <a:rPr lang="en-US" sz="1200" dirty="0">
+              <a:rPr lang="en-US" sz="1200" b="1" dirty="0">
                 <a:solidFill>
                   <a:schemeClr val="bg2">
                     <a:lumMod val="10000"/>
@@ -15664,7 +16104,7 @@
               <a:t> </a:t>
             </a:r>
             <a:r>
-              <a:rPr lang="en-US" sz="1200" dirty="0" err="1">
+              <a:rPr lang="en-US" sz="1200" b="1" dirty="0" err="1">
                 <a:solidFill>
                   <a:schemeClr val="bg2">
                     <a:lumMod val="10000"/>
@@ -15675,7 +16115,7 @@
               <a:t>superiore</a:t>
             </a:r>
             <a:r>
-              <a:rPr lang="en-US" sz="1200" dirty="0">
+              <a:rPr lang="en-US" sz="1200" b="1" dirty="0">
                 <a:solidFill>
                   <a:schemeClr val="bg2">
                     <a:lumMod val="10000"/>
@@ -15686,7 +16126,7 @@
               <a:t> a zero </a:t>
             </a:r>
             <a:r>
-              <a:rPr lang="en-US" sz="1200" dirty="0" err="1">
+              <a:rPr lang="en-US" sz="1200" b="1" dirty="0" err="1">
                 <a:solidFill>
                   <a:schemeClr val="bg2">
                     <a:lumMod val="10000"/>
@@ -15697,7 +16137,7 @@
               <a:t>nel</a:t>
             </a:r>
             <a:r>
-              <a:rPr lang="en-US" sz="1200" dirty="0">
+              <a:rPr lang="en-US" sz="1200" b="1" dirty="0">
                 <a:solidFill>
                   <a:schemeClr val="bg2">
                     <a:lumMod val="10000"/>
@@ -15708,7 +16148,7 @@
               <a:t> C_T </a:t>
             </a:r>
             <a:r>
-              <a:rPr lang="en-US" sz="1200" dirty="0" err="1">
+              <a:rPr lang="en-US" sz="1200" b="1" dirty="0" err="1">
                 <a:solidFill>
                   <a:schemeClr val="bg2">
                     <a:lumMod val="10000"/>
@@ -15719,7 +16159,7 @@
               <a:t>vero</a:t>
             </a:r>
             <a:r>
-              <a:rPr lang="en-US" sz="1200" dirty="0">
+              <a:rPr lang="en-US" sz="1200" b="1" dirty="0">
                 <a:solidFill>
                   <a:schemeClr val="bg2">
                     <a:lumMod val="10000"/>
@@ -15730,7 +16170,7 @@
               <a:t>, li </a:t>
             </a:r>
             <a:r>
-              <a:rPr lang="en-US" sz="1200" dirty="0" err="1">
+              <a:rPr lang="en-US" sz="1200" b="1" dirty="0" err="1">
                 <a:solidFill>
                   <a:schemeClr val="bg2">
                     <a:lumMod val="10000"/>
@@ -15741,7 +16181,7 @@
               <a:t>abbiamo</a:t>
             </a:r>
             <a:r>
-              <a:rPr lang="en-US" sz="1200" dirty="0">
+              <a:rPr lang="en-US" sz="1200" b="1" dirty="0">
                 <a:solidFill>
                   <a:schemeClr val="bg2">
                     <a:lumMod val="10000"/>
@@ -15752,7 +16192,7 @@
               <a:t> </a:t>
             </a:r>
             <a:r>
-              <a:rPr lang="en-US" sz="1200" dirty="0" err="1">
+              <a:rPr lang="en-US" sz="1200" b="1" dirty="0" err="1">
                 <a:solidFill>
                   <a:schemeClr val="bg2">
                     <a:lumMod val="10000"/>
@@ -15763,7 +16203,7 @@
               <a:t>ignorati</a:t>
             </a:r>
             <a:r>
-              <a:rPr lang="en-US" sz="1200" dirty="0">
+              <a:rPr lang="en-US" sz="1200" b="1" dirty="0">
                 <a:solidFill>
                   <a:schemeClr val="bg2">
                     <a:lumMod val="10000"/>
@@ -15774,7 +16214,7 @@
               <a:t>, </a:t>
             </a:r>
             <a:r>
-              <a:rPr lang="en-US" sz="1200" dirty="0" err="1">
+              <a:rPr lang="en-US" sz="1200" b="1" dirty="0" err="1">
                 <a:solidFill>
                   <a:schemeClr val="bg2">
                     <a:lumMod val="10000"/>
@@ -15785,7 +16225,7 @@
               <a:t>eliminandoli</a:t>
             </a:r>
             <a:r>
-              <a:rPr lang="en-US" sz="1200" dirty="0">
+              <a:rPr lang="en-US" sz="1200" b="1" dirty="0">
                 <a:solidFill>
                   <a:schemeClr val="bg2">
                     <a:lumMod val="10000"/>
@@ -15796,7 +16236,7 @@
               <a:t> </a:t>
             </a:r>
             <a:r>
-              <a:rPr lang="en-US" sz="1200" dirty="0" err="1">
+              <a:rPr lang="en-US" sz="1200" b="1" dirty="0" err="1">
                 <a:solidFill>
                   <a:schemeClr val="bg2">
                     <a:lumMod val="10000"/>
@@ -15807,7 +16247,7 @@
               <a:t>attraverso</a:t>
             </a:r>
             <a:r>
-              <a:rPr lang="en-US" sz="1200" dirty="0">
+              <a:rPr lang="en-US" sz="1200" b="1" dirty="0">
                 <a:solidFill>
                   <a:schemeClr val="bg2">
                     <a:lumMod val="10000"/>
@@ -15870,7 +16310,7 @@
         </p:nvSpPr>
         <p:spPr>
           <a:xfrm>
-            <a:off x="3795780" y="2341475"/>
+            <a:off x="3787200" y="2336039"/>
             <a:ext cx="5256123" cy="929485"/>
           </a:xfrm>
           <a:prstGeom prst="rect">
@@ -15941,7 +16381,7 @@
               <a:defRPr/>
             </a:pPr>
             <a:r>
-              <a:rPr lang="en-US" sz="1200" dirty="0">
+              <a:rPr lang="en-US" sz="1200" b="1" dirty="0">
                 <a:solidFill>
                   <a:schemeClr val="bg2">
                     <a:lumMod val="10000"/>
@@ -15952,7 +16392,7 @@
               <a:t>Il </a:t>
             </a:r>
             <a:r>
-              <a:rPr lang="en-US" sz="1200" dirty="0" err="1">
+              <a:rPr lang="en-US" sz="1200" b="1" dirty="0" err="1">
                 <a:solidFill>
                   <a:schemeClr val="bg2">
                     <a:lumMod val="10000"/>
@@ -15963,7 +16403,7 @@
               <a:t>calcolo</a:t>
             </a:r>
             <a:r>
-              <a:rPr lang="en-US" sz="1200" dirty="0">
+              <a:rPr lang="en-US" sz="1200" b="1" dirty="0">
                 <a:solidFill>
                   <a:schemeClr val="bg2">
                     <a:lumMod val="10000"/>
@@ -15974,7 +16414,7 @@
               <a:t> del support error non </a:t>
             </a:r>
             <a:r>
-              <a:rPr lang="en-US" sz="1200" dirty="0" err="1">
+              <a:rPr lang="en-US" sz="1200" b="1" dirty="0" err="1">
                 <a:solidFill>
                   <a:schemeClr val="bg2">
                     <a:lumMod val="10000"/>
@@ -15985,7 +16425,7 @@
               <a:t>viene</a:t>
             </a:r>
             <a:r>
-              <a:rPr lang="en-US" sz="1200" dirty="0">
+              <a:rPr lang="en-US" sz="1200" b="1" dirty="0">
                 <a:solidFill>
                   <a:schemeClr val="bg2">
                     <a:lumMod val="10000"/>
@@ -15996,7 +16436,7 @@
               <a:t> </a:t>
             </a:r>
             <a:r>
-              <a:rPr lang="en-US" sz="1200" dirty="0" err="1">
+              <a:rPr lang="en-US" sz="1200" b="1" dirty="0" err="1">
                 <a:solidFill>
                   <a:schemeClr val="bg2">
                     <a:lumMod val="10000"/>
@@ -16007,7 +16447,7 @@
               <a:t>aggiornato</a:t>
             </a:r>
             <a:r>
-              <a:rPr lang="en-US" sz="1200" dirty="0">
+              <a:rPr lang="en-US" sz="1200" b="1" dirty="0">
                 <a:solidFill>
                   <a:schemeClr val="bg2">
                     <a:lumMod val="10000"/>
@@ -16018,7 +16458,7 @@
               <a:t> per </a:t>
             </a:r>
             <a:r>
-              <a:rPr lang="en-US" sz="1200" dirty="0" err="1">
+              <a:rPr lang="en-US" sz="1200" b="1" dirty="0" err="1">
                 <a:solidFill>
                   <a:schemeClr val="bg2">
                     <a:lumMod val="10000"/>
@@ -16029,7 +16469,7 @@
               <a:t>evitare</a:t>
             </a:r>
             <a:r>
-              <a:rPr lang="en-US" sz="1200" dirty="0">
+              <a:rPr lang="en-US" sz="1200" b="1" dirty="0">
                 <a:solidFill>
                   <a:schemeClr val="bg2">
                     <a:lumMod val="10000"/>
@@ -16040,7 +16480,7 @@
               <a:t> una </a:t>
             </a:r>
             <a:r>
-              <a:rPr lang="en-US" sz="1200" dirty="0" err="1">
+              <a:rPr lang="en-US" sz="1200" b="1" dirty="0" err="1">
                 <a:solidFill>
                   <a:schemeClr val="bg2">
                     <a:lumMod val="10000"/>
@@ -16051,7 +16491,7 @@
               <a:t>divisione</a:t>
             </a:r>
             <a:r>
-              <a:rPr lang="en-US" sz="1200" dirty="0">
+              <a:rPr lang="en-US" sz="1200" b="1" dirty="0">
                 <a:solidFill>
                   <a:schemeClr val="bg2">
                     <a:lumMod val="10000"/>
@@ -16062,7 +16502,7 @@
               <a:t> per zero. F </a:t>
             </a:r>
             <a:r>
-              <a:rPr lang="en-US" sz="1200" dirty="0" err="1">
+              <a:rPr lang="en-US" sz="1200" b="1" dirty="0" err="1">
                 <a:solidFill>
                   <a:schemeClr val="bg2">
                     <a:lumMod val="10000"/>
@@ -16073,7 +16513,7 @@
               <a:t>invece</a:t>
             </a:r>
             <a:r>
-              <a:rPr lang="en-US" sz="1200" dirty="0">
+              <a:rPr lang="en-US" sz="1200" b="1" dirty="0">
                 <a:solidFill>
                   <a:schemeClr val="bg2">
                     <a:lumMod val="10000"/>
@@ -16084,7 +16524,7 @@
               <a:t> </a:t>
             </a:r>
             <a:r>
-              <a:rPr lang="en-US" sz="1200" dirty="0" err="1">
+              <a:rPr lang="en-US" sz="1200" b="1" dirty="0" err="1">
                 <a:solidFill>
                   <a:schemeClr val="bg2">
                     <a:lumMod val="10000"/>
@@ -16095,7 +16535,7 @@
               <a:t>viene</a:t>
             </a:r>
             <a:r>
-              <a:rPr lang="en-US" sz="1200" dirty="0">
+              <a:rPr lang="en-US" sz="1200" b="1" dirty="0">
                 <a:solidFill>
                   <a:schemeClr val="bg2">
                     <a:lumMod val="10000"/>
@@ -16106,7 +16546,7 @@
               <a:t> </a:t>
             </a:r>
             <a:r>
-              <a:rPr lang="en-US" sz="1200" dirty="0" err="1">
+              <a:rPr lang="en-US" sz="1200" b="1" dirty="0" err="1">
                 <a:solidFill>
                   <a:schemeClr val="bg2">
                     <a:lumMod val="10000"/>
@@ -16117,7 +16557,7 @@
               <a:t>settata</a:t>
             </a:r>
             <a:r>
-              <a:rPr lang="en-US" sz="1200" dirty="0">
+              <a:rPr lang="en-US" sz="1200" b="1" dirty="0">
                 <a:solidFill>
                   <a:schemeClr val="bg2">
                     <a:lumMod val="10000"/>
@@ -16128,7 +16568,7 @@
               <a:t> a -1 per </a:t>
             </a:r>
             <a:r>
-              <a:rPr lang="en-US" sz="1200" dirty="0" err="1">
+              <a:rPr lang="en-US" sz="1200" b="1" dirty="0" err="1">
                 <a:solidFill>
                   <a:schemeClr val="bg2">
                     <a:lumMod val="10000"/>
@@ -16139,7 +16579,7 @@
               <a:t>evidenziare</a:t>
             </a:r>
             <a:r>
-              <a:rPr lang="en-US" sz="1200" dirty="0">
+              <a:rPr lang="en-US" sz="1200" b="1" dirty="0">
                 <a:solidFill>
                   <a:schemeClr val="bg2">
                     <a:lumMod val="10000"/>
@@ -16150,7 +16590,7 @@
               <a:t> </a:t>
             </a:r>
             <a:r>
-              <a:rPr lang="en-US" sz="1200" dirty="0" err="1">
+              <a:rPr lang="en-US" sz="1200" b="1" dirty="0" err="1">
                 <a:solidFill>
                   <a:schemeClr val="bg2">
                     <a:lumMod val="10000"/>
@@ -16161,7 +16601,7 @@
               <a:t>il</a:t>
             </a:r>
             <a:r>
-              <a:rPr lang="en-US" sz="1200" dirty="0">
+              <a:rPr lang="en-US" sz="1200" b="1" dirty="0">
                 <a:solidFill>
                   <a:schemeClr val="bg2">
                     <a:lumMod val="10000"/>
@@ -16172,7 +16612,7 @@
               <a:t> </a:t>
             </a:r>
             <a:r>
-              <a:rPr lang="en-US" sz="1200" dirty="0" err="1">
+              <a:rPr lang="en-US" sz="1200" b="1" dirty="0" err="1">
                 <a:solidFill>
                   <a:schemeClr val="bg2">
                     <a:lumMod val="10000"/>
@@ -16183,7 +16623,7 @@
               <a:t>fatto</a:t>
             </a:r>
             <a:r>
-              <a:rPr lang="en-US" sz="1200" dirty="0">
+              <a:rPr lang="en-US" sz="1200" b="1" dirty="0">
                 <a:solidFill>
                   <a:schemeClr val="bg2">
                     <a:lumMod val="10000"/>
@@ -16194,7 +16634,7 @@
               <a:t> </a:t>
             </a:r>
             <a:r>
-              <a:rPr lang="en-US" sz="1200" dirty="0" err="1">
+              <a:rPr lang="en-US" sz="1200" b="1" dirty="0" err="1">
                 <a:solidFill>
                   <a:schemeClr val="bg2">
                     <a:lumMod val="10000"/>
@@ -16205,7 +16645,7 @@
               <a:t>che</a:t>
             </a:r>
             <a:r>
-              <a:rPr lang="en-US" sz="1200" dirty="0">
+              <a:rPr lang="en-US" sz="1200" b="1" dirty="0">
                 <a:solidFill>
                   <a:schemeClr val="bg2">
                     <a:lumMod val="10000"/>
@@ -16216,7 +16656,7 @@
               <a:t> la </a:t>
             </a:r>
             <a:r>
-              <a:rPr lang="en-US" sz="1200" dirty="0" err="1">
+              <a:rPr lang="en-US" sz="1200" b="1" dirty="0" err="1">
                 <a:solidFill>
                   <a:schemeClr val="bg2">
                     <a:lumMod val="10000"/>
@@ -16227,7 +16667,7 @@
               <a:t>cardinalità</a:t>
             </a:r>
             <a:r>
-              <a:rPr lang="en-US" sz="1200" dirty="0">
+              <a:rPr lang="en-US" sz="1200" b="1" dirty="0">
                 <a:solidFill>
                   <a:schemeClr val="bg2">
                     <a:lumMod val="10000"/>
@@ -16238,7 +16678,7 @@
               <a:t> </a:t>
             </a:r>
             <a:r>
-              <a:rPr lang="en-US" sz="1200" dirty="0" err="1">
+              <a:rPr lang="en-US" sz="1200" b="1" dirty="0" err="1">
                 <a:solidFill>
                   <a:schemeClr val="bg2">
                     <a:lumMod val="10000"/>
@@ -16249,7 +16689,7 @@
               <a:t>sia</a:t>
             </a:r>
             <a:r>
-              <a:rPr lang="en-US" sz="1200" dirty="0">
+              <a:rPr lang="en-US" sz="1200" b="1" dirty="0">
                 <a:solidFill>
                   <a:schemeClr val="bg2">
                     <a:lumMod val="10000"/>
@@ -16260,7 +16700,7 @@
               <a:t> </a:t>
             </a:r>
             <a:r>
-              <a:rPr lang="en-US" sz="1200" dirty="0" err="1">
+              <a:rPr lang="en-US" sz="1200" b="1" dirty="0" err="1">
                 <a:solidFill>
                   <a:schemeClr val="bg2">
                     <a:lumMod val="10000"/>
@@ -16271,7 +16711,7 @@
               <a:t>uguale</a:t>
             </a:r>
             <a:r>
-              <a:rPr lang="en-US" sz="1200" dirty="0">
+              <a:rPr lang="en-US" sz="1200" b="1" dirty="0">
                 <a:solidFill>
                   <a:schemeClr val="bg2">
                     <a:lumMod val="10000"/>
@@ -16282,7 +16722,7 @@
               <a:t> a zero ed </a:t>
             </a:r>
             <a:r>
-              <a:rPr lang="en-US" sz="1200" dirty="0" err="1">
+              <a:rPr lang="en-US" sz="1200" b="1" dirty="0" err="1">
                 <a:solidFill>
                   <a:schemeClr val="bg2">
                     <a:lumMod val="10000"/>
@@ -16293,7 +16733,7 @@
               <a:t>evitare</a:t>
             </a:r>
             <a:r>
-              <a:rPr lang="en-US" sz="1200" dirty="0">
+              <a:rPr lang="en-US" sz="1200" b="1" dirty="0">
                 <a:solidFill>
                   <a:schemeClr val="bg2">
                     <a:lumMod val="10000"/>
@@ -16304,7 +16744,7 @@
               <a:t> una </a:t>
             </a:r>
             <a:r>
-              <a:rPr lang="en-US" sz="1200" dirty="0" err="1">
+              <a:rPr lang="en-US" sz="1200" b="1" dirty="0" err="1">
                 <a:solidFill>
                   <a:schemeClr val="bg2">
                     <a:lumMod val="10000"/>
@@ -16315,7 +16755,7 @@
               <a:t>divisione</a:t>
             </a:r>
             <a:r>
-              <a:rPr lang="en-US" sz="1200" dirty="0">
+              <a:rPr lang="en-US" sz="1200" b="1" dirty="0">
                 <a:solidFill>
                   <a:schemeClr val="bg2">
                     <a:lumMod val="10000"/>
@@ -16342,7 +16782,7 @@
         </p:nvSpPr>
         <p:spPr>
           <a:xfrm>
-            <a:off x="3795779" y="3276720"/>
+            <a:off x="3790861" y="3389916"/>
             <a:ext cx="5256123" cy="744819"/>
           </a:xfrm>
           <a:prstGeom prst="rect">
@@ -16395,7 +16835,7 @@
               <a:defRPr/>
             </a:pPr>
             <a:r>
-              <a:rPr lang="en-US" sz="1200" dirty="0" err="1">
+              <a:rPr lang="en-US" sz="1200" b="1" dirty="0" err="1">
                 <a:solidFill>
                   <a:schemeClr val="bg2">
                     <a:lumMod val="10000"/>
@@ -16406,7 +16846,7 @@
               <a:t>Abbiamo</a:t>
             </a:r>
             <a:r>
-              <a:rPr lang="en-US" sz="1200" dirty="0">
+              <a:rPr lang="en-US" sz="1200" b="1" dirty="0">
                 <a:solidFill>
                   <a:schemeClr val="bg2">
                     <a:lumMod val="10000"/>
@@ -16417,7 +16857,7 @@
               <a:t> </a:t>
             </a:r>
             <a:r>
-              <a:rPr lang="en-US" sz="1200" dirty="0" err="1">
+              <a:rPr lang="en-US" sz="1200" b="1" dirty="0" err="1">
                 <a:solidFill>
                   <a:schemeClr val="bg2">
                     <a:lumMod val="10000"/>
@@ -16428,7 +16868,7 @@
               <a:t>applicato</a:t>
             </a:r>
             <a:r>
-              <a:rPr lang="en-US" sz="1200" dirty="0">
+              <a:rPr lang="en-US" sz="1200" b="1" dirty="0">
                 <a:solidFill>
                   <a:schemeClr val="bg2">
                     <a:lumMod val="10000"/>
@@ -16439,7 +16879,29 @@
               <a:t> </a:t>
             </a:r>
             <a:r>
-              <a:rPr lang="en-US" sz="1200" dirty="0" err="1">
+              <a:rPr lang="en-US" sz="1200" b="1" dirty="0" err="1">
+                <a:solidFill>
+                  <a:schemeClr val="bg2">
+                    <a:lumMod val="10000"/>
+                  </a:schemeClr>
+                </a:solidFill>
+                <a:latin typeface="Candara" panose="020E0502030303020204" pitchFamily="34" charset="0"/>
+              </a:rPr>
+              <a:t>sia</a:t>
+            </a:r>
+            <a:r>
+              <a:rPr lang="en-US" sz="1200" b="1" dirty="0">
+                <a:solidFill>
+                  <a:schemeClr val="bg2">
+                    <a:lumMod val="10000"/>
+                  </a:schemeClr>
+                </a:solidFill>
+                <a:latin typeface="Candara" panose="020E0502030303020204" pitchFamily="34" charset="0"/>
+              </a:rPr>
+              <a:t> </a:t>
+            </a:r>
+            <a:r>
+              <a:rPr lang="en-US" sz="1200" b="1" dirty="0" err="1">
                 <a:solidFill>
                   <a:schemeClr val="bg2">
                     <a:lumMod val="10000"/>
@@ -16450,7 +16912,7 @@
               <a:t>tutte</a:t>
             </a:r>
             <a:r>
-              <a:rPr lang="en-US" sz="1200" dirty="0">
+              <a:rPr lang="en-US" sz="1200" b="1" dirty="0">
                 <a:solidFill>
                   <a:schemeClr val="bg2">
                     <a:lumMod val="10000"/>
@@ -16461,7 +16923,7 @@
               <a:t> le </a:t>
             </a:r>
             <a:r>
-              <a:rPr lang="en-US" sz="1200" dirty="0" err="1">
+              <a:rPr lang="en-US" sz="1200" b="1" dirty="0" err="1">
                 <a:solidFill>
                   <a:schemeClr val="bg2">
                     <a:lumMod val="10000"/>
@@ -16472,7 +16934,7 @@
               <a:t>ottimizzazioni</a:t>
             </a:r>
             <a:r>
-              <a:rPr lang="en-US" sz="1200" dirty="0">
+              <a:rPr lang="en-US" sz="1200" b="1" dirty="0">
                 <a:solidFill>
                   <a:schemeClr val="bg2">
                     <a:lumMod val="10000"/>
@@ -16483,7 +16945,7 @@
               <a:t> </a:t>
             </a:r>
             <a:r>
-              <a:rPr lang="en-US" sz="1200" dirty="0" err="1">
+              <a:rPr lang="en-US" sz="1200" b="1" dirty="0" err="1">
                 <a:solidFill>
                   <a:schemeClr val="bg2">
                     <a:lumMod val="10000"/>
@@ -16494,7 +16956,7 @@
               <a:t>citate</a:t>
             </a:r>
             <a:r>
-              <a:rPr lang="en-US" sz="1200" dirty="0">
+              <a:rPr lang="en-US" sz="1200" b="1" dirty="0">
                 <a:solidFill>
                   <a:schemeClr val="bg2">
                     <a:lumMod val="10000"/>
@@ -16505,7 +16967,7 @@
               <a:t> </a:t>
             </a:r>
             <a:r>
-              <a:rPr lang="en-US" sz="1200" dirty="0" err="1">
+              <a:rPr lang="en-US" sz="1200" b="1" dirty="0" err="1">
                 <a:solidFill>
                   <a:schemeClr val="bg2">
                     <a:lumMod val="10000"/>
@@ -16516,7 +16978,7 @@
               <a:t>nel</a:t>
             </a:r>
             <a:r>
-              <a:rPr lang="en-US" sz="1200" dirty="0">
+              <a:rPr lang="en-US" sz="1200" b="1" dirty="0">
                 <a:solidFill>
                   <a:schemeClr val="bg2">
                     <a:lumMod val="10000"/>
@@ -16527,7 +16989,7 @@
               <a:t> paper, </a:t>
             </a:r>
             <a:r>
-              <a:rPr lang="en-US" sz="1200" dirty="0" err="1">
+              <a:rPr lang="en-US" sz="1200" b="1" dirty="0" err="1">
                 <a:solidFill>
                   <a:schemeClr val="bg2">
                     <a:lumMod val="10000"/>
@@ -16538,7 +17000,7 @@
               <a:t>sia</a:t>
             </a:r>
             <a:r>
-              <a:rPr lang="en-US" sz="1200" dirty="0">
+              <a:rPr lang="en-US" sz="1200" b="1" dirty="0">
                 <a:solidFill>
                   <a:schemeClr val="bg2">
                     <a:lumMod val="10000"/>
@@ -16549,7 +17011,7 @@
               <a:t> </a:t>
             </a:r>
             <a:r>
-              <a:rPr lang="en-US" sz="1200" dirty="0" err="1">
+              <a:rPr lang="en-US" sz="1200" b="1" dirty="0" err="1">
                 <a:solidFill>
                   <a:schemeClr val="bg2">
                     <a:lumMod val="10000"/>
@@ -16560,7 +17022,7 @@
               <a:t>altre</a:t>
             </a:r>
             <a:r>
-              <a:rPr lang="en-US" sz="1200" dirty="0">
+              <a:rPr lang="en-US" sz="1200" b="1" dirty="0">
                 <a:solidFill>
                   <a:schemeClr val="bg2">
                     <a:lumMod val="10000"/>
@@ -16571,7 +17033,7 @@
               <a:t> di nostra </a:t>
             </a:r>
             <a:r>
-              <a:rPr lang="en-US" sz="1200" dirty="0" err="1">
+              <a:rPr lang="en-US" sz="1200" b="1" dirty="0" err="1">
                 <a:solidFill>
                   <a:schemeClr val="bg2">
                     <a:lumMod val="10000"/>
@@ -16582,7 +17044,7 @@
               <a:t>concezione</a:t>
             </a:r>
             <a:r>
-              <a:rPr lang="en-US" sz="1200" dirty="0">
+              <a:rPr lang="en-US" sz="1200" b="1" dirty="0">
                 <a:solidFill>
                   <a:schemeClr val="bg2">
                     <a:lumMod val="10000"/>
@@ -16593,7 +17055,7 @@
               <a:t>, </a:t>
             </a:r>
             <a:r>
-              <a:rPr lang="en-US" sz="1200" dirty="0" err="1">
+              <a:rPr lang="en-US" sz="1200" b="1" dirty="0" err="1">
                 <a:solidFill>
                   <a:schemeClr val="bg2">
                     <a:lumMod val="10000"/>
@@ -16604,7 +17066,7 @@
               <a:t>limitando</a:t>
             </a:r>
             <a:r>
-              <a:rPr lang="en-US" sz="1200" dirty="0">
+              <a:rPr lang="en-US" sz="1200" b="1" dirty="0">
                 <a:solidFill>
                   <a:schemeClr val="bg2">
                     <a:lumMod val="10000"/>
@@ -16615,7 +17077,7 @@
               <a:t> </a:t>
             </a:r>
             <a:r>
-              <a:rPr lang="en-US" sz="1200" dirty="0" err="1">
+              <a:rPr lang="en-US" sz="1200" b="1" dirty="0" err="1">
                 <a:solidFill>
                   <a:schemeClr val="bg2">
                     <a:lumMod val="10000"/>
@@ -16626,7 +17088,7 @@
               <a:t>il</a:t>
             </a:r>
             <a:r>
-              <a:rPr lang="en-US" sz="1200" dirty="0">
+              <a:rPr lang="en-US" sz="1200" b="1" dirty="0">
                 <a:solidFill>
                   <a:schemeClr val="bg2">
                     <a:lumMod val="10000"/>
@@ -16637,7 +17099,7 @@
               <a:t> </a:t>
             </a:r>
             <a:r>
-              <a:rPr lang="en-US" sz="1200" dirty="0" err="1">
+              <a:rPr lang="en-US" sz="1200" b="1" dirty="0" err="1">
                 <a:solidFill>
                   <a:schemeClr val="bg2">
                     <a:lumMod val="10000"/>
@@ -16648,7 +17110,7 @@
               <a:t>più</a:t>
             </a:r>
             <a:r>
-              <a:rPr lang="en-US" sz="1200" dirty="0">
+              <a:rPr lang="en-US" sz="1200" b="1" dirty="0">
                 <a:solidFill>
                   <a:schemeClr val="bg2">
                     <a:lumMod val="10000"/>
@@ -16659,7 +17121,7 @@
               <a:t> </a:t>
             </a:r>
             <a:r>
-              <a:rPr lang="en-US" sz="1200" dirty="0" err="1">
+              <a:rPr lang="en-US" sz="1200" b="1" dirty="0" err="1">
                 <a:solidFill>
                   <a:schemeClr val="bg2">
                     <a:lumMod val="10000"/>
@@ -16670,7 +17132,7 @@
               <a:t>possibile</a:t>
             </a:r>
             <a:r>
-              <a:rPr lang="en-US" sz="1200" dirty="0">
+              <a:rPr lang="en-US" sz="1200" b="1" dirty="0">
                 <a:solidFill>
                   <a:schemeClr val="bg2">
                     <a:lumMod val="10000"/>
@@ -16681,7 +17143,7 @@
               <a:t> </a:t>
             </a:r>
             <a:r>
-              <a:rPr lang="en-US" sz="1200" dirty="0" err="1">
+              <a:rPr lang="en-US" sz="1200" b="1" dirty="0" err="1">
                 <a:solidFill>
                   <a:schemeClr val="bg2">
                     <a:lumMod val="10000"/>
@@ -16692,7 +17154,7 @@
               <a:t>i</a:t>
             </a:r>
             <a:r>
-              <a:rPr lang="en-US" sz="1200" dirty="0">
+              <a:rPr lang="en-US" sz="1200" b="1" dirty="0">
                 <a:solidFill>
                   <a:schemeClr val="bg2">
                     <a:lumMod val="10000"/>
@@ -16703,7 +17165,7 @@
               <a:t> tempi di </a:t>
             </a:r>
             <a:r>
-              <a:rPr lang="en-US" sz="1200" dirty="0" err="1">
+              <a:rPr lang="en-US" sz="1200" b="1" dirty="0" err="1">
                 <a:solidFill>
                   <a:schemeClr val="bg2">
                     <a:lumMod val="10000"/>
@@ -16714,7 +17176,7 @@
               <a:t>esecuzione</a:t>
             </a:r>
             <a:r>
-              <a:rPr lang="en-US" sz="1200" dirty="0">
+              <a:rPr lang="en-US" sz="1200" b="1" dirty="0">
                 <a:solidFill>
                   <a:schemeClr val="bg2">
                     <a:lumMod val="10000"/>
@@ -16741,7 +17203,7 @@
         </p:nvSpPr>
         <p:spPr>
           <a:xfrm>
-            <a:off x="3795779" y="4202448"/>
+            <a:off x="3787199" y="4256931"/>
             <a:ext cx="5256123" cy="744819"/>
           </a:xfrm>
           <a:prstGeom prst="rect">
@@ -16762,7 +17224,7 @@
               <a:defRPr/>
             </a:pPr>
             <a:r>
-              <a:rPr lang="it-IT" sz="1600" dirty="0">
+              <a:rPr lang="it-IT" sz="1600" b="1" dirty="0">
                 <a:solidFill>
                   <a:srgbClr val="FF0000"/>
                 </a:solidFill>
@@ -16771,7 +17233,7 @@
               <a:t>Calcolo </a:t>
             </a:r>
             <a:r>
-              <a:rPr lang="el-GR" sz="1600" dirty="0">
+              <a:rPr lang="el-GR" sz="1600" b="1" dirty="0">
                 <a:solidFill>
                   <a:srgbClr val="FF0000"/>
                 </a:solidFill>
@@ -16780,7 +17242,7 @@
               <a:t>σ</a:t>
             </a:r>
             <a:r>
-              <a:rPr lang="it-IT" sz="1600" dirty="0">
+              <a:rPr lang="it-IT" sz="1600" b="1" dirty="0">
                 <a:solidFill>
                   <a:srgbClr val="FF0000"/>
                 </a:solidFill>
@@ -16789,7 +17251,7 @@
               <a:t>+</a:t>
             </a:r>
             <a:r>
-              <a:rPr lang="en-US" sz="1600" dirty="0">
+              <a:rPr lang="en-US" sz="1600" b="1" dirty="0">
                 <a:solidFill>
                   <a:srgbClr val="FF0000"/>
                 </a:solidFill>
@@ -16798,7 +17260,7 @@
               <a:t> e </a:t>
             </a:r>
             <a:r>
-              <a:rPr lang="el-GR" sz="1600" dirty="0">
+              <a:rPr lang="el-GR" sz="1600" b="1" dirty="0">
                 <a:solidFill>
                   <a:srgbClr val="FF0000"/>
                 </a:solidFill>
@@ -16807,7 +17269,7 @@
               <a:t>σ</a:t>
             </a:r>
             <a:r>
-              <a:rPr lang="it-IT" sz="1600" dirty="0">
+              <a:rPr lang="it-IT" sz="1600" b="1" dirty="0">
                 <a:solidFill>
                   <a:srgbClr val="FF0000"/>
                 </a:solidFill>
@@ -16816,7 +17278,7 @@
               <a:t>-, </a:t>
             </a:r>
             <a:r>
-              <a:rPr lang="it-IT" sz="1600" dirty="0" err="1">
+              <a:rPr lang="it-IT" sz="1600" b="1" dirty="0" err="1">
                 <a:solidFill>
                   <a:srgbClr val="FF0000"/>
                 </a:solidFill>
@@ -16825,7 +17287,7 @@
               <a:t>identity</a:t>
             </a:r>
             <a:r>
-              <a:rPr lang="it-IT" sz="1600" dirty="0">
+              <a:rPr lang="it-IT" sz="1600" b="1" dirty="0">
                 <a:solidFill>
                   <a:srgbClr val="FF0000"/>
                 </a:solidFill>
@@ -16834,7 +17296,7 @@
               <a:t> </a:t>
             </a:r>
             <a:r>
-              <a:rPr lang="it-IT" sz="1600" dirty="0" err="1">
+              <a:rPr lang="it-IT" sz="1600" b="1" dirty="0" err="1">
                 <a:solidFill>
                   <a:srgbClr val="FF0000"/>
                 </a:solidFill>
@@ -16857,7 +17319,7 @@
               <a:defRPr/>
             </a:pPr>
             <a:r>
-              <a:rPr lang="en-US" sz="1200" dirty="0" err="1">
+              <a:rPr lang="en-US" sz="1200" b="1" dirty="0" err="1">
                 <a:solidFill>
                   <a:schemeClr val="bg2">
                     <a:lumMod val="10000"/>
@@ -16868,7 +17330,7 @@
               <a:t>Abbiamo</a:t>
             </a:r>
             <a:r>
-              <a:rPr lang="en-US" sz="1200" dirty="0">
+              <a:rPr lang="en-US" sz="1200" b="1" dirty="0">
                 <a:solidFill>
                   <a:schemeClr val="bg2">
                     <a:lumMod val="10000"/>
@@ -16879,7 +17341,7 @@
               <a:t> </a:t>
             </a:r>
             <a:r>
-              <a:rPr lang="en-US" sz="1200" dirty="0" err="1">
+              <a:rPr lang="en-US" sz="1200" b="1" dirty="0" err="1">
                 <a:solidFill>
                   <a:schemeClr val="bg2">
                     <a:lumMod val="10000"/>
@@ -16890,7 +17352,7 @@
               <a:t>distinto</a:t>
             </a:r>
             <a:r>
-              <a:rPr lang="en-US" sz="1200" dirty="0">
+              <a:rPr lang="en-US" sz="1200" b="1" dirty="0">
                 <a:solidFill>
                   <a:schemeClr val="bg2">
                     <a:lumMod val="10000"/>
@@ -16901,7 +17363,7 @@
               <a:t> R in </a:t>
             </a:r>
             <a:r>
-              <a:rPr lang="en-US" sz="1200" dirty="0" err="1">
+              <a:rPr lang="en-US" sz="1200" b="1" dirty="0" err="1">
                 <a:solidFill>
                   <a:schemeClr val="bg2">
                     <a:lumMod val="10000"/>
@@ -16912,7 +17374,7 @@
               <a:t>R_plus</a:t>
             </a:r>
             <a:r>
-              <a:rPr lang="en-US" sz="1200" dirty="0">
+              <a:rPr lang="en-US" sz="1200" b="1" dirty="0">
                 <a:solidFill>
                   <a:schemeClr val="bg2">
                     <a:lumMod val="10000"/>
@@ -16923,7 +17385,7 @@
               <a:t> ed </a:t>
             </a:r>
             <a:r>
-              <a:rPr lang="en-US" sz="1200" dirty="0" err="1">
+              <a:rPr lang="en-US" sz="1200" b="1" dirty="0" err="1">
                 <a:solidFill>
                   <a:schemeClr val="bg2">
                     <a:lumMod val="10000"/>
@@ -16934,7 +17396,7 @@
               <a:t>R_minus</a:t>
             </a:r>
             <a:r>
-              <a:rPr lang="en-US" sz="1200" dirty="0">
+              <a:rPr lang="en-US" sz="1200" b="1" dirty="0">
                 <a:solidFill>
                   <a:schemeClr val="bg2">
                     <a:lumMod val="10000"/>
@@ -16945,7 +17407,7 @@
               <a:t> (</a:t>
             </a:r>
             <a:r>
-              <a:rPr lang="en-US" sz="1200" dirty="0" err="1">
+              <a:rPr lang="en-US" sz="1200" b="1" dirty="0" err="1">
                 <a:solidFill>
                   <a:schemeClr val="bg2">
                     <a:lumMod val="10000"/>
@@ -16956,7 +17418,7 @@
               <a:t>rispettivamente</a:t>
             </a:r>
             <a:r>
-              <a:rPr lang="en-US" sz="1200" dirty="0">
+              <a:rPr lang="en-US" sz="1200" b="1" dirty="0">
                 <a:solidFill>
                   <a:schemeClr val="bg2">
                     <a:lumMod val="10000"/>
@@ -16967,7 +17429,7 @@
               <a:t> per </a:t>
             </a:r>
             <a:r>
-              <a:rPr lang="en-US" sz="1200" dirty="0" err="1">
+              <a:rPr lang="en-US" sz="1200" b="1" dirty="0" err="1">
                 <a:solidFill>
                   <a:schemeClr val="bg2">
                     <a:lumMod val="10000"/>
@@ -16978,7 +17440,7 @@
               <a:t>i</a:t>
             </a:r>
             <a:r>
-              <a:rPr lang="en-US" sz="1200" dirty="0">
+              <a:rPr lang="en-US" sz="1200" b="1" dirty="0">
                 <a:solidFill>
                   <a:schemeClr val="bg2">
                     <a:lumMod val="10000"/>
@@ -16989,7 +17451,7 @@
               <a:t> </a:t>
             </a:r>
             <a:r>
-              <a:rPr lang="en-US" sz="1200" dirty="0" err="1">
+              <a:rPr lang="en-US" sz="1200" b="1" dirty="0" err="1">
                 <a:solidFill>
                   <a:schemeClr val="bg2">
                     <a:lumMod val="10000"/>
@@ -17000,7 +17462,7 @@
               <a:t>falsi</a:t>
             </a:r>
             <a:r>
-              <a:rPr lang="en-US" sz="1200" dirty="0">
+              <a:rPr lang="en-US" sz="1200" b="1" dirty="0">
                 <a:solidFill>
                   <a:schemeClr val="bg2">
                     <a:lumMod val="10000"/>
@@ -17011,7 +17473,7 @@
               <a:t> </a:t>
             </a:r>
             <a:r>
-              <a:rPr lang="en-US" sz="1200" dirty="0" err="1">
+              <a:rPr lang="en-US" sz="1200" b="1" dirty="0" err="1">
                 <a:solidFill>
                   <a:schemeClr val="bg2">
                     <a:lumMod val="10000"/>
@@ -17022,7 +17484,7 @@
               <a:t>positivi</a:t>
             </a:r>
             <a:r>
-              <a:rPr lang="en-US" sz="1200" dirty="0">
+              <a:rPr lang="en-US" sz="1200" b="1" dirty="0">
                 <a:solidFill>
                   <a:schemeClr val="bg2">
                     <a:lumMod val="10000"/>
@@ -17033,7 +17495,7 @@
               <a:t> ed </a:t>
             </a:r>
             <a:r>
-              <a:rPr lang="en-US" sz="1200" dirty="0" err="1">
+              <a:rPr lang="en-US" sz="1200" b="1" dirty="0" err="1">
                 <a:solidFill>
                   <a:schemeClr val="bg2">
                     <a:lumMod val="10000"/>
@@ -17044,7 +17506,7 @@
               <a:t>i</a:t>
             </a:r>
             <a:r>
-              <a:rPr lang="en-US" sz="1200" dirty="0">
+              <a:rPr lang="en-US" sz="1200" b="1" dirty="0">
                 <a:solidFill>
                   <a:schemeClr val="bg2">
                     <a:lumMod val="10000"/>
@@ -17055,7 +17517,7 @@
               <a:t> </a:t>
             </a:r>
             <a:r>
-              <a:rPr lang="en-US" sz="1200" dirty="0" err="1">
+              <a:rPr lang="en-US" sz="1200" b="1" dirty="0" err="1">
                 <a:solidFill>
                   <a:schemeClr val="bg2">
                     <a:lumMod val="10000"/>
@@ -17066,7 +17528,7 @@
               <a:t>falsi</a:t>
             </a:r>
             <a:r>
-              <a:rPr lang="en-US" sz="1200" dirty="0">
+              <a:rPr lang="en-US" sz="1200" b="1" dirty="0">
                 <a:solidFill>
                   <a:schemeClr val="bg2">
                     <a:lumMod val="10000"/>
@@ -17077,7 +17539,7 @@
               <a:t> </a:t>
             </a:r>
             <a:r>
-              <a:rPr lang="en-US" sz="1200" dirty="0" err="1">
+              <a:rPr lang="en-US" sz="1200" b="1" dirty="0" err="1">
                 <a:solidFill>
                   <a:schemeClr val="bg2">
                     <a:lumMod val="10000"/>
@@ -17088,7 +17550,7 @@
               <a:t>negativi</a:t>
             </a:r>
             <a:r>
-              <a:rPr lang="en-US" sz="1200" dirty="0">
+              <a:rPr lang="en-US" sz="1200" b="1" dirty="0">
                 <a:solidFill>
                   <a:schemeClr val="bg2">
                     <a:lumMod val="10000"/>
@@ -17099,7 +17561,7 @@
               <a:t>), </a:t>
             </a:r>
             <a:r>
-              <a:rPr lang="en-US" sz="1200" dirty="0" err="1">
+              <a:rPr lang="en-US" sz="1200" b="1" dirty="0" err="1">
                 <a:solidFill>
                   <a:schemeClr val="bg2">
                     <a:lumMod val="10000"/>
@@ -17110,7 +17572,7 @@
               <a:t>ottenendo</a:t>
             </a:r>
             <a:r>
-              <a:rPr lang="en-US" sz="1200" dirty="0">
+              <a:rPr lang="en-US" sz="1200" b="1" dirty="0">
                 <a:solidFill>
                   <a:schemeClr val="bg2">
                     <a:lumMod val="10000"/>
@@ -17121,7 +17583,7 @@
               <a:t> </a:t>
             </a:r>
             <a:r>
-              <a:rPr lang="en-US" sz="1200" dirty="0" err="1">
+              <a:rPr lang="en-US" sz="1200" b="1" dirty="0" err="1">
                 <a:solidFill>
                   <a:schemeClr val="bg2">
                     <a:lumMod val="10000"/>
@@ -17132,7 +17594,7 @@
               <a:t>così</a:t>
             </a:r>
             <a:r>
-              <a:rPr lang="en-US" sz="1200" dirty="0">
+              <a:rPr lang="en-US" sz="1200" b="1" dirty="0">
                 <a:solidFill>
                   <a:schemeClr val="bg2">
                     <a:lumMod val="10000"/>
@@ -17143,7 +17605,7 @@
               <a:t> </a:t>
             </a:r>
             <a:r>
-              <a:rPr lang="en-US" sz="1200" dirty="0" err="1">
+              <a:rPr lang="en-US" sz="1200" b="1" dirty="0" err="1">
                 <a:solidFill>
                   <a:schemeClr val="bg2">
                     <a:lumMod val="10000"/>
@@ -17154,7 +17616,7 @@
               <a:t>risultati</a:t>
             </a:r>
             <a:r>
-              <a:rPr lang="en-US" sz="1200" dirty="0">
+              <a:rPr lang="en-US" sz="1200" b="1" dirty="0">
                 <a:solidFill>
                   <a:schemeClr val="bg2">
                     <a:lumMod val="10000"/>
@@ -17165,7 +17627,7 @@
               <a:t> </a:t>
             </a:r>
             <a:r>
-              <a:rPr lang="en-US" sz="1200" dirty="0" err="1">
+              <a:rPr lang="en-US" sz="1200" b="1" dirty="0" err="1">
                 <a:solidFill>
                   <a:schemeClr val="bg2">
                     <a:lumMod val="10000"/>
@@ -17176,7 +17638,7 @@
               <a:t>sensati</a:t>
             </a:r>
             <a:r>
-              <a:rPr lang="en-US" sz="1200" dirty="0">
+              <a:rPr lang="en-US" sz="1200" b="1" dirty="0">
                 <a:solidFill>
                   <a:schemeClr val="bg2">
                     <a:lumMod val="10000"/>
@@ -17203,7 +17665,7 @@
         </p:nvSpPr>
         <p:spPr>
           <a:xfrm rot="2720395">
-            <a:off x="3416065" y="5264133"/>
+            <a:off x="3398911" y="5317068"/>
             <a:ext cx="360000" cy="360000"/>
           </a:xfrm>
           <a:prstGeom prst="teardrop">
@@ -17262,8 +17724,8 @@
         </p:nvSpPr>
         <p:spPr>
           <a:xfrm>
-            <a:off x="3795778" y="5071011"/>
-            <a:ext cx="5256123" cy="560153"/>
+            <a:off x="3778624" y="5123946"/>
+            <a:ext cx="5256123" cy="929485"/>
           </a:xfrm>
           <a:prstGeom prst="rect">
             <a:avLst/>
@@ -17283,7 +17745,7 @@
               <a:defRPr/>
             </a:pPr>
             <a:r>
-              <a:rPr lang="it-IT" sz="1600" dirty="0">
+              <a:rPr lang="it-IT" sz="1600" b="1" dirty="0">
                 <a:solidFill>
                   <a:srgbClr val="7030A0"/>
                 </a:solidFill>
@@ -17292,7 +17754,7 @@
               <a:t>Calcolo </a:t>
             </a:r>
             <a:r>
-              <a:rPr lang="el-GR" sz="1600" dirty="0">
+              <a:rPr lang="el-GR" sz="1600" b="1" dirty="0">
                 <a:solidFill>
                   <a:srgbClr val="7030A0"/>
                 </a:solidFill>
@@ -17301,7 +17763,7 @@
               <a:t>ρ</a:t>
             </a:r>
             <a:r>
-              <a:rPr lang="it-IT" sz="1600" dirty="0">
+              <a:rPr lang="it-IT" sz="1600" b="1" dirty="0">
                 <a:solidFill>
                   <a:srgbClr val="7030A0"/>
                 </a:solidFill>
@@ -17310,7 +17772,7 @@
               <a:t>, support </a:t>
             </a:r>
             <a:r>
-              <a:rPr lang="it-IT" sz="1600" dirty="0" err="1">
+              <a:rPr lang="it-IT" sz="1600" b="1" dirty="0" err="1">
                 <a:solidFill>
                   <a:srgbClr val="7030A0"/>
                 </a:solidFill>
@@ -17333,15 +17795,313 @@
               <a:defRPr/>
             </a:pPr>
             <a:r>
-              <a:rPr lang="en-US" sz="1200" dirty="0">
-                <a:solidFill>
-                  <a:schemeClr val="bg2">
-                    <a:lumMod val="10000"/>
-                  </a:schemeClr>
-                </a:solidFill>
-                <a:latin typeface="Candara" panose="020E0502030303020204" pitchFamily="34" charset="0"/>
-              </a:rPr>
-              <a:t>TO CHECK</a:t>
+              <a:rPr lang="en-US" sz="1200" b="1" dirty="0" err="1">
+                <a:solidFill>
+                  <a:schemeClr val="bg2">
+                    <a:lumMod val="10000"/>
+                  </a:schemeClr>
+                </a:solidFill>
+                <a:latin typeface="Candara" panose="020E0502030303020204" pitchFamily="34" charset="0"/>
+              </a:rPr>
+              <a:t>Abbiamo</a:t>
+            </a:r>
+            <a:r>
+              <a:rPr lang="en-US" sz="1200" b="1" dirty="0">
+                <a:solidFill>
+                  <a:schemeClr val="bg2">
+                    <a:lumMod val="10000"/>
+                  </a:schemeClr>
+                </a:solidFill>
+                <a:latin typeface="Candara" panose="020E0502030303020204" pitchFamily="34" charset="0"/>
+              </a:rPr>
+              <a:t> </a:t>
+            </a:r>
+            <a:r>
+              <a:rPr lang="en-US" sz="1200" b="1" dirty="0" err="1">
+                <a:solidFill>
+                  <a:schemeClr val="bg2">
+                    <a:lumMod val="10000"/>
+                  </a:schemeClr>
+                </a:solidFill>
+                <a:latin typeface="Candara" panose="020E0502030303020204" pitchFamily="34" charset="0"/>
+              </a:rPr>
+              <a:t>considerato</a:t>
+            </a:r>
+            <a:r>
+              <a:rPr lang="en-US" sz="1200" b="1" dirty="0">
+                <a:solidFill>
+                  <a:schemeClr val="bg2">
+                    <a:lumMod val="10000"/>
+                  </a:schemeClr>
+                </a:solidFill>
+                <a:latin typeface="Candara" panose="020E0502030303020204" pitchFamily="34" charset="0"/>
+              </a:rPr>
+              <a:t> la </a:t>
+            </a:r>
+            <a:r>
+              <a:rPr lang="en-US" sz="1200" b="1" dirty="0" err="1">
+                <a:solidFill>
+                  <a:schemeClr val="bg2">
+                    <a:lumMod val="10000"/>
+                  </a:schemeClr>
+                </a:solidFill>
+                <a:latin typeface="Candara" panose="020E0502030303020204" pitchFamily="34" charset="0"/>
+              </a:rPr>
+              <a:t>distinzione</a:t>
+            </a:r>
+            <a:r>
+              <a:rPr lang="en-US" sz="1200" b="1" dirty="0">
+                <a:solidFill>
+                  <a:schemeClr val="bg2">
+                    <a:lumMod val="10000"/>
+                  </a:schemeClr>
+                </a:solidFill>
+                <a:latin typeface="Candara" panose="020E0502030303020204" pitchFamily="34" charset="0"/>
+              </a:rPr>
+              <a:t> </a:t>
+            </a:r>
+            <a:r>
+              <a:rPr lang="en-US" sz="1200" b="1" dirty="0" err="1">
+                <a:solidFill>
+                  <a:schemeClr val="bg2">
+                    <a:lumMod val="10000"/>
+                  </a:schemeClr>
+                </a:solidFill>
+                <a:latin typeface="Candara" panose="020E0502030303020204" pitchFamily="34" charset="0"/>
+              </a:rPr>
+              <a:t>tra</a:t>
+            </a:r>
+            <a:r>
+              <a:rPr lang="en-US" sz="1200" b="1" dirty="0">
+                <a:solidFill>
+                  <a:schemeClr val="bg2">
+                    <a:lumMod val="10000"/>
+                  </a:schemeClr>
+                </a:solidFill>
+                <a:latin typeface="Candara" panose="020E0502030303020204" pitchFamily="34" charset="0"/>
+              </a:rPr>
+              <a:t> le due F come un </a:t>
+            </a:r>
+            <a:r>
+              <a:rPr lang="en-US" sz="1200" b="1" dirty="0" err="1">
+                <a:solidFill>
+                  <a:schemeClr val="bg2">
+                    <a:lumMod val="10000"/>
+                  </a:schemeClr>
+                </a:solidFill>
+                <a:latin typeface="Candara" panose="020E0502030303020204" pitchFamily="34" charset="0"/>
+              </a:rPr>
+              <a:t>refuso</a:t>
+            </a:r>
+            <a:r>
+              <a:rPr lang="en-US" sz="1200" b="1" dirty="0">
+                <a:solidFill>
+                  <a:schemeClr val="bg2">
+                    <a:lumMod val="10000"/>
+                  </a:schemeClr>
+                </a:solidFill>
+                <a:latin typeface="Candara" panose="020E0502030303020204" pitchFamily="34" charset="0"/>
+              </a:rPr>
+              <a:t>, </a:t>
+            </a:r>
+            <a:r>
+              <a:rPr lang="en-US" sz="1200" b="1" dirty="0" err="1">
+                <a:solidFill>
+                  <a:schemeClr val="bg2">
+                    <a:lumMod val="10000"/>
+                  </a:schemeClr>
+                </a:solidFill>
+                <a:latin typeface="Candara" panose="020E0502030303020204" pitchFamily="34" charset="0"/>
+              </a:rPr>
+              <a:t>anche</a:t>
+            </a:r>
+            <a:r>
+              <a:rPr lang="en-US" sz="1200" b="1" dirty="0">
+                <a:solidFill>
+                  <a:schemeClr val="bg2">
+                    <a:lumMod val="10000"/>
+                  </a:schemeClr>
+                </a:solidFill>
+                <a:latin typeface="Candara" panose="020E0502030303020204" pitchFamily="34" charset="0"/>
+              </a:rPr>
+              <a:t> </a:t>
+            </a:r>
+            <a:r>
+              <a:rPr lang="en-US" sz="1200" b="1" dirty="0" err="1">
+                <a:solidFill>
+                  <a:schemeClr val="bg2">
+                    <a:lumMod val="10000"/>
+                  </a:schemeClr>
+                </a:solidFill>
+                <a:latin typeface="Candara" panose="020E0502030303020204" pitchFamily="34" charset="0"/>
+              </a:rPr>
+              <a:t>basandoci</a:t>
+            </a:r>
+            <a:r>
+              <a:rPr lang="en-US" sz="1200" b="1" dirty="0">
+                <a:solidFill>
+                  <a:schemeClr val="bg2">
+                    <a:lumMod val="10000"/>
+                  </a:schemeClr>
+                </a:solidFill>
+                <a:latin typeface="Candara" panose="020E0502030303020204" pitchFamily="34" charset="0"/>
+              </a:rPr>
+              <a:t> </a:t>
+            </a:r>
+            <a:r>
+              <a:rPr lang="en-US" sz="1200" b="1" dirty="0" err="1">
+                <a:solidFill>
+                  <a:schemeClr val="bg2">
+                    <a:lumMod val="10000"/>
+                  </a:schemeClr>
+                </a:solidFill>
+                <a:latin typeface="Candara" panose="020E0502030303020204" pitchFamily="34" charset="0"/>
+              </a:rPr>
+              <a:t>su</a:t>
+            </a:r>
+            <a:r>
+              <a:rPr lang="en-US" sz="1200" b="1" dirty="0">
+                <a:solidFill>
+                  <a:schemeClr val="bg2">
+                    <a:lumMod val="10000"/>
+                  </a:schemeClr>
+                </a:solidFill>
+                <a:latin typeface="Candara" panose="020E0502030303020204" pitchFamily="34" charset="0"/>
+              </a:rPr>
+              <a:t> un </a:t>
+            </a:r>
+            <a:r>
+              <a:rPr lang="en-US" sz="1200" b="1" dirty="0" err="1">
+                <a:solidFill>
+                  <a:schemeClr val="bg2">
+                    <a:lumMod val="10000"/>
+                  </a:schemeClr>
+                </a:solidFill>
+                <a:latin typeface="Candara" panose="020E0502030303020204" pitchFamily="34" charset="0"/>
+              </a:rPr>
+              <a:t>altro</a:t>
+            </a:r>
+            <a:r>
+              <a:rPr lang="en-US" sz="1200" b="1" dirty="0">
+                <a:solidFill>
+                  <a:schemeClr val="bg2">
+                    <a:lumMod val="10000"/>
+                  </a:schemeClr>
+                </a:solidFill>
+                <a:latin typeface="Candara" panose="020E0502030303020204" pitchFamily="34" charset="0"/>
+              </a:rPr>
+              <a:t> file </a:t>
+            </a:r>
+            <a:r>
+              <a:rPr lang="en-US" sz="1200" b="1" dirty="0" err="1">
+                <a:solidFill>
+                  <a:schemeClr val="bg2">
+                    <a:lumMod val="10000"/>
+                  </a:schemeClr>
+                </a:solidFill>
+                <a:latin typeface="Candara" panose="020E0502030303020204" pitchFamily="34" charset="0"/>
+              </a:rPr>
+              <a:t>trovato</a:t>
+            </a:r>
+            <a:r>
+              <a:rPr lang="en-US" sz="1200" b="1" dirty="0">
+                <a:solidFill>
+                  <a:schemeClr val="bg2">
+                    <a:lumMod val="10000"/>
+                  </a:schemeClr>
+                </a:solidFill>
+                <a:latin typeface="Candara" panose="020E0502030303020204" pitchFamily="34" charset="0"/>
+              </a:rPr>
+              <a:t> online (</a:t>
+            </a:r>
+            <a:r>
+              <a:rPr lang="en-US" sz="1200" b="1" dirty="0">
+                <a:solidFill>
+                  <a:schemeClr val="bg2">
+                    <a:lumMod val="10000"/>
+                  </a:schemeClr>
+                </a:solidFill>
+                <a:latin typeface="Candara" panose="020E0502030303020204" pitchFamily="34" charset="0"/>
+                <a:hlinkClick r:id="rId3"/>
+              </a:rPr>
+              <a:t>link</a:t>
+            </a:r>
+            <a:r>
+              <a:rPr lang="en-US" sz="1200" b="1" dirty="0">
+                <a:solidFill>
+                  <a:schemeClr val="bg2">
+                    <a:lumMod val="10000"/>
+                  </a:schemeClr>
+                </a:solidFill>
+                <a:latin typeface="Candara" panose="020E0502030303020204" pitchFamily="34" charset="0"/>
+              </a:rPr>
+              <a:t>) </a:t>
+            </a:r>
+            <a:r>
+              <a:rPr lang="en-US" sz="1200" b="1" dirty="0" err="1">
+                <a:solidFill>
+                  <a:schemeClr val="bg2">
+                    <a:lumMod val="10000"/>
+                  </a:schemeClr>
+                </a:solidFill>
+                <a:latin typeface="Candara" panose="020E0502030303020204" pitchFamily="34" charset="0"/>
+              </a:rPr>
+              <a:t>che</a:t>
+            </a:r>
+            <a:r>
+              <a:rPr lang="en-US" sz="1200" b="1" dirty="0">
+                <a:solidFill>
+                  <a:schemeClr val="bg2">
+                    <a:lumMod val="10000"/>
+                  </a:schemeClr>
+                </a:solidFill>
+                <a:latin typeface="Candara" panose="020E0502030303020204" pitchFamily="34" charset="0"/>
+              </a:rPr>
+              <a:t> </a:t>
+            </a:r>
+            <a:r>
+              <a:rPr lang="en-US" sz="1200" b="1" dirty="0" err="1">
+                <a:solidFill>
+                  <a:schemeClr val="bg2">
+                    <a:lumMod val="10000"/>
+                  </a:schemeClr>
+                </a:solidFill>
+                <a:latin typeface="Candara" panose="020E0502030303020204" pitchFamily="34" charset="0"/>
+              </a:rPr>
+              <a:t>confermava</a:t>
+            </a:r>
+            <a:r>
+              <a:rPr lang="en-US" sz="1200" b="1" dirty="0">
+                <a:solidFill>
+                  <a:schemeClr val="bg2">
+                    <a:lumMod val="10000"/>
+                  </a:schemeClr>
+                </a:solidFill>
+                <a:latin typeface="Candara" panose="020E0502030303020204" pitchFamily="34" charset="0"/>
+              </a:rPr>
+              <a:t> la nostra </a:t>
+            </a:r>
+            <a:r>
+              <a:rPr lang="en-US" sz="1200" b="1" dirty="0" err="1">
+                <a:solidFill>
+                  <a:schemeClr val="bg2">
+                    <a:lumMod val="10000"/>
+                  </a:schemeClr>
+                </a:solidFill>
+                <a:latin typeface="Candara" panose="020E0502030303020204" pitchFamily="34" charset="0"/>
+              </a:rPr>
+              <a:t>interpretazione</a:t>
+            </a:r>
+            <a:r>
+              <a:rPr lang="en-US" sz="1200" b="1" dirty="0">
+                <a:solidFill>
+                  <a:schemeClr val="bg2">
+                    <a:lumMod val="10000"/>
+                  </a:schemeClr>
+                </a:solidFill>
+                <a:latin typeface="Candara" panose="020E0502030303020204" pitchFamily="34" charset="0"/>
+              </a:rPr>
+              <a:t>.</a:t>
             </a:r>
           </a:p>
         </p:txBody>
@@ -18800,7 +19560,7 @@
         </p:nvSpPr>
         <p:spPr>
           <a:xfrm>
-            <a:off x="2260816" y="1181072"/>
+            <a:off x="2260816" y="1515693"/>
             <a:ext cx="7670367" cy="461665"/>
           </a:xfrm>
           <a:prstGeom prst="rect">
@@ -18819,7 +19579,7 @@
               <a:rPr lang="en-US" sz="2400" b="1" dirty="0">
                 <a:latin typeface="Candara" panose="020E0502030303020204" pitchFamily="34" charset="0"/>
               </a:rPr>
-              <a:t>Paper: p=0.9, </a:t>
+              <a:t>p=0.9, </a:t>
             </a:r>
             <a:r>
               <a:rPr lang="en-US" sz="2400" b="1" dirty="0" err="1">
@@ -18831,19 +19591,7 @@
               <a:rPr lang="en-US" sz="2400" b="1" dirty="0">
                 <a:latin typeface="Candara" panose="020E0502030303020204" pitchFamily="34" charset="0"/>
               </a:rPr>
-              <a:t>=0.25%, 0.6 </a:t>
-            </a:r>
-            <a:r>
-              <a:rPr lang="en-US" sz="2400" b="1" dirty="0" err="1">
-                <a:latin typeface="Candara" panose="020E0502030303020204" pitchFamily="34" charset="0"/>
-              </a:rPr>
-              <a:t>mln</a:t>
-            </a:r>
-            <a:r>
-              <a:rPr lang="en-US" sz="2400" b="1" dirty="0">
-                <a:latin typeface="Candara" panose="020E0502030303020204" pitchFamily="34" charset="0"/>
-              </a:rPr>
-              <a:t> tuples, 500 items </a:t>
+              <a:t>=0.25%, 0.6mln tuples, 500 items </a:t>
             </a:r>
           </a:p>
         </p:txBody>
@@ -18896,10 +19644,16 @@
           <p:cNvGraphicFramePr>
             <a:graphicFrameLocks noGrp="1"/>
           </p:cNvGraphicFramePr>
-          <p:nvPr/>
+          <p:nvPr>
+            <p:extLst>
+              <p:ext uri="{D42A27DB-BD31-4B8C-83A1-F6EECF244321}">
+                <p14:modId xmlns:p14="http://schemas.microsoft.com/office/powerpoint/2010/main" val="2676648023"/>
+              </p:ext>
+            </p:extLst>
+          </p:nvPr>
         </p:nvGraphicFramePr>
         <p:xfrm>
-          <a:off x="2032000" y="1790374"/>
+          <a:off x="2032000" y="2124995"/>
           <a:ext cx="8128000" cy="1112520"/>
         </p:xfrm>
         <a:graphic>
@@ -19242,11 +19996,17 @@
           <p:cNvGraphicFramePr>
             <a:graphicFrameLocks noGrp="1"/>
           </p:cNvGraphicFramePr>
-          <p:nvPr/>
+          <p:nvPr>
+            <p:extLst>
+              <p:ext uri="{D42A27DB-BD31-4B8C-83A1-F6EECF244321}">
+                <p14:modId xmlns:p14="http://schemas.microsoft.com/office/powerpoint/2010/main" val="3780991919"/>
+              </p:ext>
+            </p:extLst>
+          </p:nvPr>
         </p:nvGraphicFramePr>
         <p:xfrm>
-          <a:off x="2032000" y="3896620"/>
-          <a:ext cx="8128000" cy="1112520"/>
+          <a:off x="1184029" y="4554447"/>
+          <a:ext cx="4064000" cy="1112520"/>
         </p:xfrm>
         <a:graphic>
           <a:graphicData uri="http://schemas.openxmlformats.org/drawingml/2006/table">
@@ -19255,35 +20015,557 @@
                 <a:tableStyleId>{5C22544A-7EE6-4342-B048-85BDC9FD1C3A}</a:tableStyleId>
               </a:tblPr>
               <a:tblGrid>
-                <a:gridCol w="1625600">
+                <a:gridCol w="812800">
                   <a:extLst>
                     <a:ext uri="{9D8B030D-6E8A-4147-A177-3AD203B41FA5}">
                       <a16:colId xmlns:a16="http://schemas.microsoft.com/office/drawing/2014/main" val="493467813"/>
                     </a:ext>
                   </a:extLst>
                 </a:gridCol>
-                <a:gridCol w="1625600">
+                <a:gridCol w="812800">
                   <a:extLst>
                     <a:ext uri="{9D8B030D-6E8A-4147-A177-3AD203B41FA5}">
                       <a16:colId xmlns:a16="http://schemas.microsoft.com/office/drawing/2014/main" val="3036483849"/>
                     </a:ext>
                   </a:extLst>
                 </a:gridCol>
-                <a:gridCol w="1625600">
+                <a:gridCol w="812800">
                   <a:extLst>
                     <a:ext uri="{9D8B030D-6E8A-4147-A177-3AD203B41FA5}">
                       <a16:colId xmlns:a16="http://schemas.microsoft.com/office/drawing/2014/main" val="2058978727"/>
                     </a:ext>
                   </a:extLst>
                 </a:gridCol>
-                <a:gridCol w="1625600">
+                <a:gridCol w="812800">
                   <a:extLst>
                     <a:ext uri="{9D8B030D-6E8A-4147-A177-3AD203B41FA5}">
                       <a16:colId xmlns:a16="http://schemas.microsoft.com/office/drawing/2014/main" val="3471609030"/>
                     </a:ext>
                   </a:extLst>
                 </a:gridCol>
-                <a:gridCol w="1625600">
+                <a:gridCol w="812800">
+                  <a:extLst>
+                    <a:ext uri="{9D8B030D-6E8A-4147-A177-3AD203B41FA5}">
+                      <a16:colId xmlns:a16="http://schemas.microsoft.com/office/drawing/2014/main" val="3451426914"/>
+                    </a:ext>
+                  </a:extLst>
+                </a:gridCol>
+              </a:tblGrid>
+              <a:tr h="370840">
+                <a:tc>
+                  <a:txBody>
+                    <a:bodyPr/>
+                    <a:lstStyle/>
+                    <a:p>
+                      <a:r>
+                        <a:rPr lang="it-IT" dirty="0"/>
+                        <a:t>LEVEL</a:t>
+                      </a:r>
+                    </a:p>
+                  </a:txBody>
+                  <a:tcPr/>
+                </a:tc>
+                <a:tc>
+                  <a:txBody>
+                    <a:bodyPr/>
+                    <a:lstStyle/>
+                    <a:p>
+                      <a:r>
+                        <a:rPr lang="it-IT" dirty="0"/>
+                        <a:t>|F|</a:t>
+                      </a:r>
+                    </a:p>
+                  </a:txBody>
+                  <a:tcPr/>
+                </a:tc>
+                <a:tc>
+                  <a:txBody>
+                    <a:bodyPr/>
+                    <a:lstStyle/>
+                    <a:p>
+                      <a:r>
+                        <a:rPr lang="el-GR" sz="1800" dirty="0">
+                          <a:solidFill>
+                            <a:schemeClr val="bg1"/>
+                          </a:solidFill>
+                          <a:latin typeface="Candara" panose="020E0502030303020204" pitchFamily="34" charset="0"/>
+                        </a:rPr>
+                        <a:t>ρ</a:t>
+                      </a:r>
+                      <a:endParaRPr lang="it-IT" dirty="0">
+                        <a:solidFill>
+                          <a:schemeClr val="bg1"/>
+                        </a:solidFill>
+                      </a:endParaRPr>
+                    </a:p>
+                  </a:txBody>
+                  <a:tcPr/>
+                </a:tc>
+                <a:tc>
+                  <a:txBody>
+                    <a:bodyPr/>
+                    <a:lstStyle/>
+                    <a:p>
+                      <a:r>
+                        <a:rPr lang="el-GR" sz="1800" dirty="0">
+                          <a:solidFill>
+                            <a:schemeClr val="bg1"/>
+                          </a:solidFill>
+                          <a:latin typeface="Candara" panose="020E0502030303020204" pitchFamily="34" charset="0"/>
+                        </a:rPr>
+                        <a:t>σ</a:t>
+                      </a:r>
+                      <a:r>
+                        <a:rPr lang="it-IT" sz="1800" dirty="0">
+                          <a:solidFill>
+                            <a:schemeClr val="bg1"/>
+                          </a:solidFill>
+                          <a:latin typeface="Candara" panose="020E0502030303020204" pitchFamily="34" charset="0"/>
+                        </a:rPr>
+                        <a:t>-</a:t>
+                      </a:r>
+                      <a:endParaRPr lang="it-IT" dirty="0">
+                        <a:solidFill>
+                          <a:schemeClr val="bg1"/>
+                        </a:solidFill>
+                      </a:endParaRPr>
+                    </a:p>
+                  </a:txBody>
+                  <a:tcPr/>
+                </a:tc>
+                <a:tc>
+                  <a:txBody>
+                    <a:bodyPr/>
+                    <a:lstStyle/>
+                    <a:p>
+                      <a:pPr marL="0" marR="0" lvl="0" indent="0" algn="l" defTabSz="914400" rtl="0" eaLnBrk="1" fontAlgn="auto" latinLnBrk="0" hangingPunct="1">
+                        <a:lnSpc>
+                          <a:spcPct val="100000"/>
+                        </a:lnSpc>
+                        <a:spcBef>
+                          <a:spcPts val="0"/>
+                        </a:spcBef>
+                        <a:spcAft>
+                          <a:spcPts val="0"/>
+                        </a:spcAft>
+                        <a:buClrTx/>
+                        <a:buSzTx/>
+                        <a:buFontTx/>
+                        <a:buNone/>
+                        <a:tabLst/>
+                        <a:defRPr/>
+                      </a:pPr>
+                      <a:r>
+                        <a:rPr lang="el-GR" sz="1800" dirty="0">
+                          <a:solidFill>
+                            <a:schemeClr val="bg1"/>
+                          </a:solidFill>
+                          <a:latin typeface="Candara" panose="020E0502030303020204" pitchFamily="34" charset="0"/>
+                        </a:rPr>
+                        <a:t>σ</a:t>
+                      </a:r>
+                      <a:r>
+                        <a:rPr lang="it-IT" sz="1800" dirty="0">
+                          <a:solidFill>
+                            <a:schemeClr val="bg1"/>
+                          </a:solidFill>
+                          <a:latin typeface="Candara" panose="020E0502030303020204" pitchFamily="34" charset="0"/>
+                        </a:rPr>
+                        <a:t>+</a:t>
+                      </a:r>
+                      <a:endParaRPr lang="it-IT" dirty="0">
+                        <a:solidFill>
+                          <a:schemeClr val="bg1"/>
+                        </a:solidFill>
+                      </a:endParaRPr>
+                    </a:p>
+                  </a:txBody>
+                  <a:tcPr/>
+                </a:tc>
+                <a:extLst>
+                  <a:ext uri="{0D108BD9-81ED-4DB2-BD59-A6C34878D82A}">
+                    <a16:rowId xmlns:a16="http://schemas.microsoft.com/office/drawing/2014/main" val="350517259"/>
+                  </a:ext>
+                </a:extLst>
+              </a:tr>
+              <a:tr h="370840">
+                <a:tc>
+                  <a:txBody>
+                    <a:bodyPr/>
+                    <a:lstStyle/>
+                    <a:p>
+                      <a:r>
+                        <a:rPr lang="it-IT" dirty="0"/>
+                        <a:t>2</a:t>
+                      </a:r>
+                    </a:p>
+                  </a:txBody>
+                  <a:tcPr/>
+                </a:tc>
+                <a:tc>
+                  <a:txBody>
+                    <a:bodyPr/>
+                    <a:lstStyle/>
+                    <a:p>
+                      <a:r>
+                        <a:rPr lang="it-IT" dirty="0"/>
+                        <a:t>27</a:t>
+                      </a:r>
+                    </a:p>
+                  </a:txBody>
+                  <a:tcPr/>
+                </a:tc>
+                <a:tc>
+                  <a:txBody>
+                    <a:bodyPr/>
+                    <a:lstStyle/>
+                    <a:p>
+                      <a:r>
+                        <a:rPr lang="it-IT" dirty="0"/>
+                        <a:t>7.19</a:t>
+                      </a:r>
+                    </a:p>
+                  </a:txBody>
+                  <a:tcPr/>
+                </a:tc>
+                <a:tc>
+                  <a:txBody>
+                    <a:bodyPr/>
+                    <a:lstStyle/>
+                    <a:p>
+                      <a:r>
+                        <a:rPr lang="it-IT" dirty="0"/>
+                        <a:t>88.9</a:t>
+                      </a:r>
+                    </a:p>
+                  </a:txBody>
+                  <a:tcPr/>
+                </a:tc>
+                <a:tc>
+                  <a:txBody>
+                    <a:bodyPr/>
+                    <a:lstStyle/>
+                    <a:p>
+                      <a:r>
+                        <a:rPr lang="it-IT" dirty="0"/>
+                        <a:t>88.9</a:t>
+                      </a:r>
+                    </a:p>
+                  </a:txBody>
+                  <a:tcPr/>
+                </a:tc>
+                <a:extLst>
+                  <a:ext uri="{0D108BD9-81ED-4DB2-BD59-A6C34878D82A}">
+                    <a16:rowId xmlns:a16="http://schemas.microsoft.com/office/drawing/2014/main" val="784247334"/>
+                  </a:ext>
+                </a:extLst>
+              </a:tr>
+              <a:tr h="370840">
+                <a:tc>
+                  <a:txBody>
+                    <a:bodyPr/>
+                    <a:lstStyle/>
+                    <a:p>
+                      <a:r>
+                        <a:rPr lang="it-IT" dirty="0"/>
+                        <a:t>3</a:t>
+                      </a:r>
+                    </a:p>
+                  </a:txBody>
+                  <a:tcPr/>
+                </a:tc>
+                <a:tc>
+                  <a:txBody>
+                    <a:bodyPr/>
+                    <a:lstStyle/>
+                    <a:p>
+                      <a:r>
+                        <a:rPr lang="it-IT" dirty="0"/>
+                        <a:t>0</a:t>
+                      </a:r>
+                    </a:p>
+                  </a:txBody>
+                  <a:tcPr/>
+                </a:tc>
+                <a:tc>
+                  <a:txBody>
+                    <a:bodyPr/>
+                    <a:lstStyle/>
+                    <a:p>
+                      <a:r>
+                        <a:rPr lang="it-IT" dirty="0"/>
+                        <a:t>0</a:t>
+                      </a:r>
+                    </a:p>
+                  </a:txBody>
+                  <a:tcPr/>
+                </a:tc>
+                <a:tc>
+                  <a:txBody>
+                    <a:bodyPr/>
+                    <a:lstStyle/>
+                    <a:p>
+                      <a:r>
+                        <a:rPr lang="it-IT" dirty="0"/>
+                        <a:t>0</a:t>
+                      </a:r>
+                    </a:p>
+                  </a:txBody>
+                  <a:tcPr/>
+                </a:tc>
+                <a:tc>
+                  <a:txBody>
+                    <a:bodyPr/>
+                    <a:lstStyle/>
+                    <a:p>
+                      <a:r>
+                        <a:rPr lang="it-IT" dirty="0"/>
+                        <a:t>0</a:t>
+                      </a:r>
+                    </a:p>
+                  </a:txBody>
+                  <a:tcPr/>
+                </a:tc>
+                <a:extLst>
+                  <a:ext uri="{0D108BD9-81ED-4DB2-BD59-A6C34878D82A}">
+                    <a16:rowId xmlns:a16="http://schemas.microsoft.com/office/drawing/2014/main" val="215805885"/>
+                  </a:ext>
+                </a:extLst>
+              </a:tr>
+            </a:tbl>
+          </a:graphicData>
+        </a:graphic>
+      </p:graphicFrame>
+      <p:sp>
+        <p:nvSpPr>
+          <p:cNvPr id="21" name="TextBox 24">
+            <a:extLst>
+              <a:ext uri="{FF2B5EF4-FFF2-40B4-BE49-F238E27FC236}">
+                <a16:creationId xmlns:a16="http://schemas.microsoft.com/office/drawing/2014/main" id="{44E9E053-469C-491E-9985-BB69E2617219}"/>
+              </a:ext>
+            </a:extLst>
+          </p:cNvPr>
+          <p:cNvSpPr txBox="1"/>
+          <p:nvPr/>
+        </p:nvSpPr>
+        <p:spPr>
+          <a:xfrm>
+            <a:off x="3341511" y="241450"/>
+            <a:ext cx="5508978" cy="769441"/>
+          </a:xfrm>
+          <a:prstGeom prst="rect">
+            <a:avLst/>
+          </a:prstGeom>
+          <a:noFill/>
+        </p:spPr>
+        <p:txBody>
+          <a:bodyPr wrap="square" rtlCol="0">
+            <a:spAutoFit/>
+          </a:bodyPr>
+          <a:lstStyle/>
+          <a:p>
+            <a:pPr algn="ctr"/>
+            <a:r>
+              <a:rPr lang="en-US" sz="4400" b="1" dirty="0" err="1">
+                <a:latin typeface="Candara" panose="020E0502030303020204" pitchFamily="34" charset="0"/>
+              </a:rPr>
+              <a:t>Risultati</a:t>
+            </a:r>
+            <a:endParaRPr lang="en-US" sz="4400" b="1" dirty="0">
+              <a:latin typeface="Candara" panose="020E0502030303020204" pitchFamily="34" charset="0"/>
+            </a:endParaRPr>
+          </a:p>
+        </p:txBody>
+      </p:sp>
+      <p:sp>
+        <p:nvSpPr>
+          <p:cNvPr id="22" name="TextBox 24">
+            <a:extLst>
+              <a:ext uri="{FF2B5EF4-FFF2-40B4-BE49-F238E27FC236}">
+                <a16:creationId xmlns:a16="http://schemas.microsoft.com/office/drawing/2014/main" id="{FAFB8F33-0148-4527-9A6B-B68EEAFF484E}"/>
+              </a:ext>
+            </a:extLst>
+          </p:cNvPr>
+          <p:cNvSpPr txBox="1"/>
+          <p:nvPr/>
+        </p:nvSpPr>
+        <p:spPr>
+          <a:xfrm>
+            <a:off x="336059" y="3994062"/>
+            <a:ext cx="5759939" cy="461665"/>
+          </a:xfrm>
+          <a:prstGeom prst="rect">
+            <a:avLst/>
+          </a:prstGeom>
+          <a:noFill/>
+        </p:spPr>
+        <p:txBody>
+          <a:bodyPr wrap="square" rtlCol="0">
+            <a:spAutoFit/>
+          </a:bodyPr>
+          <a:lstStyle/>
+          <a:p>
+            <a:pPr algn="ctr"/>
+            <a:r>
+              <a:rPr lang="en-US" sz="2400" b="1" dirty="0">
+                <a:latin typeface="Candara" panose="020E0502030303020204" pitchFamily="34" charset="0"/>
+              </a:rPr>
+              <a:t>p=0.9, </a:t>
+            </a:r>
+            <a:r>
+              <a:rPr lang="en-US" sz="2400" b="1" dirty="0" err="1">
+                <a:latin typeface="Candara" panose="020E0502030303020204" pitchFamily="34" charset="0"/>
+              </a:rPr>
+              <a:t>sup_min</a:t>
+            </a:r>
+            <a:r>
+              <a:rPr lang="en-US" sz="2400" b="1" dirty="0">
+                <a:latin typeface="Candara" panose="020E0502030303020204" pitchFamily="34" charset="0"/>
+              </a:rPr>
+              <a:t>=2.5%, 7.5k tuples, 119 items</a:t>
+            </a:r>
+          </a:p>
+        </p:txBody>
+      </p:sp>
+      <p:sp>
+        <p:nvSpPr>
+          <p:cNvPr id="8" name="TextBox 24">
+            <a:extLst>
+              <a:ext uri="{FF2B5EF4-FFF2-40B4-BE49-F238E27FC236}">
+                <a16:creationId xmlns:a16="http://schemas.microsoft.com/office/drawing/2014/main" id="{2A0F39F8-26A0-429D-ABA1-67A699E8B159}"/>
+              </a:ext>
+            </a:extLst>
+          </p:cNvPr>
+          <p:cNvSpPr txBox="1"/>
+          <p:nvPr/>
+        </p:nvSpPr>
+        <p:spPr>
+          <a:xfrm>
+            <a:off x="2260813" y="3491463"/>
+            <a:ext cx="7670367" cy="584775"/>
+          </a:xfrm>
+          <a:prstGeom prst="rect">
+            <a:avLst/>
+          </a:prstGeom>
+          <a:noFill/>
+        </p:spPr>
+        <p:txBody>
+          <a:bodyPr wrap="square" rtlCol="0">
+            <a:spAutoFit/>
+          </a:bodyPr>
+          <a:lstStyle/>
+          <a:p>
+            <a:pPr algn="ctr"/>
+            <a:r>
+              <a:rPr lang="en-US" sz="3200" b="1" dirty="0" err="1">
+                <a:latin typeface="Candara" panose="020E0502030303020204" pitchFamily="34" charset="0"/>
+              </a:rPr>
+              <a:t>Nostri</a:t>
+            </a:r>
+            <a:endParaRPr lang="en-US" sz="3200" b="1" dirty="0">
+              <a:latin typeface="Candara" panose="020E0502030303020204" pitchFamily="34" charset="0"/>
+            </a:endParaRPr>
+          </a:p>
+        </p:txBody>
+      </p:sp>
+      <p:sp>
+        <p:nvSpPr>
+          <p:cNvPr id="10" name="TextBox 24">
+            <a:extLst>
+              <a:ext uri="{FF2B5EF4-FFF2-40B4-BE49-F238E27FC236}">
+                <a16:creationId xmlns:a16="http://schemas.microsoft.com/office/drawing/2014/main" id="{3662679F-298B-400C-BEE8-4E66BFDDDBA8}"/>
+              </a:ext>
+            </a:extLst>
+          </p:cNvPr>
+          <p:cNvSpPr txBox="1"/>
+          <p:nvPr/>
+        </p:nvSpPr>
+        <p:spPr>
+          <a:xfrm>
+            <a:off x="2260814" y="993884"/>
+            <a:ext cx="7670367" cy="584775"/>
+          </a:xfrm>
+          <a:prstGeom prst="rect">
+            <a:avLst/>
+          </a:prstGeom>
+          <a:noFill/>
+        </p:spPr>
+        <p:txBody>
+          <a:bodyPr wrap="square" rtlCol="0">
+            <a:spAutoFit/>
+          </a:bodyPr>
+          <a:lstStyle/>
+          <a:p>
+            <a:pPr algn="ctr"/>
+            <a:r>
+              <a:rPr lang="en-US" sz="3200" b="1" dirty="0">
+                <a:latin typeface="Candara" panose="020E0502030303020204" pitchFamily="34" charset="0"/>
+              </a:rPr>
+              <a:t>Paper</a:t>
+            </a:r>
+          </a:p>
+        </p:txBody>
+      </p:sp>
+      <p:graphicFrame>
+        <p:nvGraphicFramePr>
+          <p:cNvPr id="11" name="Tabella 10">
+            <a:extLst>
+              <a:ext uri="{FF2B5EF4-FFF2-40B4-BE49-F238E27FC236}">
+                <a16:creationId xmlns:a16="http://schemas.microsoft.com/office/drawing/2014/main" id="{58A79712-E243-464B-98F9-B32725418957}"/>
+              </a:ext>
+            </a:extLst>
+          </p:cNvPr>
+          <p:cNvGraphicFramePr>
+            <a:graphicFrameLocks noGrp="1"/>
+          </p:cNvGraphicFramePr>
+          <p:nvPr>
+            <p:extLst>
+              <p:ext uri="{D42A27DB-BD31-4B8C-83A1-F6EECF244321}">
+                <p14:modId xmlns:p14="http://schemas.microsoft.com/office/powerpoint/2010/main" val="182432056"/>
+              </p:ext>
+            </p:extLst>
+          </p:nvPr>
+        </p:nvGraphicFramePr>
+        <p:xfrm>
+          <a:off x="6943971" y="4554447"/>
+          <a:ext cx="4064000" cy="1112520"/>
+        </p:xfrm>
+        <a:graphic>
+          <a:graphicData uri="http://schemas.openxmlformats.org/drawingml/2006/table">
+            <a:tbl>
+              <a:tblPr firstRow="1" bandRow="1">
+                <a:tableStyleId>{5C22544A-7EE6-4342-B048-85BDC9FD1C3A}</a:tableStyleId>
+              </a:tblPr>
+              <a:tblGrid>
+                <a:gridCol w="812800">
+                  <a:extLst>
+                    <a:ext uri="{9D8B030D-6E8A-4147-A177-3AD203B41FA5}">
+                      <a16:colId xmlns:a16="http://schemas.microsoft.com/office/drawing/2014/main" val="493467813"/>
+                    </a:ext>
+                  </a:extLst>
+                </a:gridCol>
+                <a:gridCol w="812800">
+                  <a:extLst>
+                    <a:ext uri="{9D8B030D-6E8A-4147-A177-3AD203B41FA5}">
+                      <a16:colId xmlns:a16="http://schemas.microsoft.com/office/drawing/2014/main" val="3036483849"/>
+                    </a:ext>
+                  </a:extLst>
+                </a:gridCol>
+                <a:gridCol w="812800">
+                  <a:extLst>
+                    <a:ext uri="{9D8B030D-6E8A-4147-A177-3AD203B41FA5}">
+                      <a16:colId xmlns:a16="http://schemas.microsoft.com/office/drawing/2014/main" val="2058978727"/>
+                    </a:ext>
+                  </a:extLst>
+                </a:gridCol>
+                <a:gridCol w="812800">
+                  <a:extLst>
+                    <a:ext uri="{9D8B030D-6E8A-4147-A177-3AD203B41FA5}">
+                      <a16:colId xmlns:a16="http://schemas.microsoft.com/office/drawing/2014/main" val="3471609030"/>
+                    </a:ext>
+                  </a:extLst>
+                </a:gridCol>
+                <a:gridCol w="812800">
                   <a:extLst>
                     <a:ext uri="{9D8B030D-6E8A-4147-A177-3AD203B41FA5}">
                       <a16:colId xmlns:a16="http://schemas.microsoft.com/office/drawing/2014/main" val="3451426914"/>
@@ -19457,7 +20739,7 @@
                     <a:bodyPr/>
                     <a:lstStyle/>
                     <a:p>
-                      <a:endParaRPr lang="it-IT"/>
+                      <a:endParaRPr lang="it-IT" dirty="0"/>
                     </a:p>
                   </a:txBody>
                   <a:tcPr/>
@@ -19467,7 +20749,7 @@
                     <a:bodyPr/>
                     <a:lstStyle/>
                     <a:p>
-                      <a:endParaRPr lang="it-IT"/>
+                      <a:endParaRPr lang="it-IT" dirty="0"/>
                     </a:p>
                   </a:txBody>
                   <a:tcPr/>
@@ -19477,7 +20759,7 @@
                     <a:bodyPr/>
                     <a:lstStyle/>
                     <a:p>
-                      <a:endParaRPr lang="it-IT"/>
+                      <a:endParaRPr lang="it-IT" dirty="0"/>
                     </a:p>
                   </a:txBody>
                   <a:tcPr/>
@@ -19507,7 +20789,7 @@
                     <a:bodyPr/>
                     <a:lstStyle/>
                     <a:p>
-                      <a:endParaRPr lang="it-IT"/>
+                      <a:endParaRPr lang="it-IT" dirty="0"/>
                     </a:p>
                   </a:txBody>
                   <a:tcPr/>
@@ -19527,7 +20809,7 @@
                     <a:bodyPr/>
                     <a:lstStyle/>
                     <a:p>
-                      <a:endParaRPr lang="it-IT"/>
+                      <a:endParaRPr lang="it-IT" dirty="0"/>
                     </a:p>
                   </a:txBody>
                   <a:tcPr/>
@@ -19554,10 +20836,10 @@
       </p:graphicFrame>
       <p:sp>
         <p:nvSpPr>
-          <p:cNvPr id="21" name="TextBox 24">
+          <p:cNvPr id="13" name="TextBox 24">
             <a:extLst>
               <a:ext uri="{FF2B5EF4-FFF2-40B4-BE49-F238E27FC236}">
-                <a16:creationId xmlns:a16="http://schemas.microsoft.com/office/drawing/2014/main" id="{44E9E053-469C-491E-9985-BB69E2617219}"/>
+                <a16:creationId xmlns:a16="http://schemas.microsoft.com/office/drawing/2014/main" id="{7ABD7022-4BFD-45FA-8626-3610318C99BB}"/>
               </a:ext>
             </a:extLst>
           </p:cNvPr>
@@ -19566,8 +20848,8 @@
         </p:nvSpPr>
         <p:spPr>
           <a:xfrm>
-            <a:off x="3341511" y="241450"/>
-            <a:ext cx="5508978" cy="769441"/>
+            <a:off x="6248398" y="3994062"/>
+            <a:ext cx="5931876" cy="461665"/>
           </a:xfrm>
           <a:prstGeom prst="rect">
             <a:avLst/>
@@ -19582,57 +20864,10 @@
           <a:p>
             <a:pPr algn="ctr"/>
             <a:r>
-              <a:rPr lang="en-US" sz="4400" b="1" dirty="0" err="1">
-                <a:latin typeface="Candara" panose="020E0502030303020204" pitchFamily="34" charset="0"/>
-              </a:rPr>
-              <a:t>Risultati</a:t>
-            </a:r>
-            <a:endParaRPr lang="en-US" sz="4400" b="1" dirty="0">
-              <a:latin typeface="Candara" panose="020E0502030303020204" pitchFamily="34" charset="0"/>
-            </a:endParaRPr>
-          </a:p>
-        </p:txBody>
-      </p:sp>
-      <p:sp>
-        <p:nvSpPr>
-          <p:cNvPr id="22" name="TextBox 24">
-            <a:extLst>
-              <a:ext uri="{FF2B5EF4-FFF2-40B4-BE49-F238E27FC236}">
-                <a16:creationId xmlns:a16="http://schemas.microsoft.com/office/drawing/2014/main" id="{FAFB8F33-0148-4527-9A6B-B68EEAFF484E}"/>
-              </a:ext>
-            </a:extLst>
-          </p:cNvPr>
-          <p:cNvSpPr txBox="1"/>
-          <p:nvPr/>
-        </p:nvSpPr>
-        <p:spPr>
-          <a:xfrm>
-            <a:off x="2460108" y="3234635"/>
-            <a:ext cx="7271781" cy="461665"/>
-          </a:xfrm>
-          <a:prstGeom prst="rect">
-            <a:avLst/>
-          </a:prstGeom>
-          <a:noFill/>
-        </p:spPr>
-        <p:txBody>
-          <a:bodyPr wrap="square" rtlCol="0">
-            <a:spAutoFit/>
-          </a:bodyPr>
-          <a:lstStyle/>
-          <a:p>
-            <a:pPr algn="ctr"/>
-            <a:r>
-              <a:rPr lang="en-US" sz="2400" b="1" dirty="0" err="1">
-                <a:latin typeface="Candara" panose="020E0502030303020204" pitchFamily="34" charset="0"/>
-              </a:rPr>
-              <a:t>Nostri</a:t>
-            </a:r>
-            <a:r>
               <a:rPr lang="en-US" sz="2400" b="1" dirty="0">
                 <a:latin typeface="Candara" panose="020E0502030303020204" pitchFamily="34" charset="0"/>
               </a:rPr>
-              <a:t>: p=0.9, </a:t>
+              <a:t>p=0.9, </a:t>
             </a:r>
             <a:r>
               <a:rPr lang="en-US" sz="2400" b="1" dirty="0" err="1">
@@ -19787,6 +21022,111 @@
                                   </p:childTnLst>
                                 </p:cTn>
                               </p:par>
+                              <p:par>
+                                <p:cTn id="14" presetID="22" presetClass="entr" presetSubtype="8" fill="hold" grpId="0" nodeType="withEffect">
+                                  <p:stCondLst>
+                                    <p:cond delay="0"/>
+                                  </p:stCondLst>
+                                  <p:childTnLst>
+                                    <p:set>
+                                      <p:cBhvr>
+                                        <p:cTn id="15" dur="1" fill="hold">
+                                          <p:stCondLst>
+                                            <p:cond delay="0"/>
+                                          </p:stCondLst>
+                                        </p:cTn>
+                                        <p:tgtEl>
+                                          <p:spTgt spid="8"/>
+                                        </p:tgtEl>
+                                        <p:attrNameLst>
+                                          <p:attrName>style.visibility</p:attrName>
+                                        </p:attrNameLst>
+                                      </p:cBhvr>
+                                      <p:to>
+                                        <p:strVal val="visible"/>
+                                      </p:to>
+                                    </p:set>
+                                    <p:animEffect transition="in" filter="wipe(left)">
+                                      <p:cBhvr>
+                                        <p:cTn id="16" dur="500"/>
+                                        <p:tgtEl>
+                                          <p:spTgt spid="8"/>
+                                        </p:tgtEl>
+                                      </p:cBhvr>
+                                    </p:animEffect>
+                                  </p:childTnLst>
+                                </p:cTn>
+                              </p:par>
+                              <p:par>
+                                <p:cTn id="17" presetID="22" presetClass="entr" presetSubtype="8" fill="hold" grpId="0" nodeType="withEffect">
+                                  <p:stCondLst>
+                                    <p:cond delay="0"/>
+                                  </p:stCondLst>
+                                  <p:childTnLst>
+                                    <p:set>
+                                      <p:cBhvr>
+                                        <p:cTn id="18" dur="1" fill="hold">
+                                          <p:stCondLst>
+                                            <p:cond delay="0"/>
+                                          </p:stCondLst>
+                                        </p:cTn>
+                                        <p:tgtEl>
+                                          <p:spTgt spid="10"/>
+                                        </p:tgtEl>
+                                        <p:attrNameLst>
+                                          <p:attrName>style.visibility</p:attrName>
+                                        </p:attrNameLst>
+                                      </p:cBhvr>
+                                      <p:to>
+                                        <p:strVal val="visible"/>
+                                      </p:to>
+                                    </p:set>
+                                    <p:animEffect transition="in" filter="wipe(left)">
+                                      <p:cBhvr>
+                                        <p:cTn id="19" dur="500"/>
+                                        <p:tgtEl>
+                                          <p:spTgt spid="10"/>
+                                        </p:tgtEl>
+                                      </p:cBhvr>
+                                    </p:animEffect>
+                                  </p:childTnLst>
+                                </p:cTn>
+                              </p:par>
+                              <p:par>
+                                <p:cTn id="20" presetID="22" presetClass="entr" presetSubtype="8" fill="hold" grpId="0" nodeType="withEffect">
+                                  <p:stCondLst>
+                                    <p:cond delay="0"/>
+                                  </p:stCondLst>
+                                  <p:childTnLst>
+                                    <p:set>
+                                      <p:cBhvr>
+                                        <p:cTn id="21" dur="1" fill="hold">
+                                          <p:stCondLst>
+                                            <p:cond delay="0"/>
+                                          </p:stCondLst>
+                                        </p:cTn>
+                                        <p:tgtEl>
+                                          <p:spTgt spid="13"/>
+                                        </p:tgtEl>
+                                        <p:attrNameLst>
+                                          <p:attrName>style.visibility</p:attrName>
+                                        </p:attrNameLst>
+                                      </p:cBhvr>
+                                      <p:to>
+                                        <p:strVal val="visible"/>
+                                      </p:to>
+                                    </p:set>
+                                    <p:animEffect transition="in" filter="wipe(left)">
+                                      <p:cBhvr>
+                                        <p:cTn id="22" dur="500"/>
+                                        <p:tgtEl>
+                                          <p:spTgt spid="13"/>
+                                        </p:tgtEl>
+                                      </p:cBhvr>
+                                    </p:animEffect>
+                                  </p:childTnLst>
+                                </p:cTn>
+                              </p:par>
                             </p:childTnLst>
                           </p:cTn>
                         </p:par>
@@ -19818,6 +21158,9 @@
       <p:bldP spid="25" grpId="0"/>
       <p:bldP spid="21" grpId="0"/>
       <p:bldP spid="22" grpId="0"/>
+      <p:bldP spid="8" grpId="0"/>
+      <p:bldP spid="10" grpId="0"/>
+      <p:bldP spid="13" grpId="0"/>
     </p:bldLst>
   </p:timing>
 </p:sld>

--- a/docs/Presentazione.pptx
+++ b/docs/Presentazione.pptx
@@ -204,7 +204,7 @@
           <a:p>
             <a:fld id="{B70D0873-D02A-4646-AD63-4D060B4B73E7}" type="datetimeFigureOut">
               <a:rPr lang="it-IT" smtClean="0"/>
-              <a:t>24/03/2019</a:t>
+              <a:t>26/03/2019</a:t>
             </a:fld>
             <a:endParaRPr lang="it-IT"/>
           </a:p>
@@ -685,7 +685,7 @@
           <a:p>
             <a:fld id="{63A1C593-65D0-4073-BCC9-577B9352EA97}" type="datetimeFigureOut">
               <a:rPr lang="en-US" smtClean="0"/>
-              <a:t>3/24/2019</a:t>
+              <a:t>3/26/2019</a:t>
             </a:fld>
             <a:endParaRPr lang="en-US"/>
           </a:p>
@@ -853,7 +853,7 @@
           <a:p>
             <a:fld id="{63A1C593-65D0-4073-BCC9-577B9352EA97}" type="datetimeFigureOut">
               <a:rPr lang="en-US" smtClean="0"/>
-              <a:t>3/24/2019</a:t>
+              <a:t>3/26/2019</a:t>
             </a:fld>
             <a:endParaRPr lang="en-US"/>
           </a:p>
@@ -1031,7 +1031,7 @@
           <a:p>
             <a:fld id="{63A1C593-65D0-4073-BCC9-577B9352EA97}" type="datetimeFigureOut">
               <a:rPr lang="en-US" smtClean="0"/>
-              <a:t>3/24/2019</a:t>
+              <a:t>3/26/2019</a:t>
             </a:fld>
             <a:endParaRPr lang="en-US"/>
           </a:p>
@@ -1471,7 +1471,7 @@
           <a:p>
             <a:fld id="{63A1C593-65D0-4073-BCC9-577B9352EA97}" type="datetimeFigureOut">
               <a:rPr lang="en-US" smtClean="0"/>
-              <a:t>3/24/2019</a:t>
+              <a:t>3/26/2019</a:t>
             </a:fld>
             <a:endParaRPr lang="en-US"/>
           </a:p>
@@ -1716,7 +1716,7 @@
           <a:p>
             <a:fld id="{63A1C593-65D0-4073-BCC9-577B9352EA97}" type="datetimeFigureOut">
               <a:rPr lang="en-US" smtClean="0"/>
-              <a:t>3/24/2019</a:t>
+              <a:t>3/26/2019</a:t>
             </a:fld>
             <a:endParaRPr lang="en-US"/>
           </a:p>
@@ -1945,7 +1945,7 @@
           <a:p>
             <a:fld id="{63A1C593-65D0-4073-BCC9-577B9352EA97}" type="datetimeFigureOut">
               <a:rPr lang="en-US" smtClean="0"/>
-              <a:t>3/24/2019</a:t>
+              <a:t>3/26/2019</a:t>
             </a:fld>
             <a:endParaRPr lang="en-US"/>
           </a:p>
@@ -2309,7 +2309,7 @@
           <a:p>
             <a:fld id="{63A1C593-65D0-4073-BCC9-577B9352EA97}" type="datetimeFigureOut">
               <a:rPr lang="en-US" smtClean="0"/>
-              <a:t>3/24/2019</a:t>
+              <a:t>3/26/2019</a:t>
             </a:fld>
             <a:endParaRPr lang="en-US"/>
           </a:p>
@@ -2426,7 +2426,7 @@
           <a:p>
             <a:fld id="{63A1C593-65D0-4073-BCC9-577B9352EA97}" type="datetimeFigureOut">
               <a:rPr lang="en-US" smtClean="0"/>
-              <a:t>3/24/2019</a:t>
+              <a:t>3/26/2019</a:t>
             </a:fld>
             <a:endParaRPr lang="en-US"/>
           </a:p>
@@ -2521,7 +2521,7 @@
           <a:p>
             <a:fld id="{63A1C593-65D0-4073-BCC9-577B9352EA97}" type="datetimeFigureOut">
               <a:rPr lang="en-US" smtClean="0"/>
-              <a:t>3/24/2019</a:t>
+              <a:t>3/26/2019</a:t>
             </a:fld>
             <a:endParaRPr lang="en-US"/>
           </a:p>
@@ -2796,7 +2796,7 @@
           <a:p>
             <a:fld id="{63A1C593-65D0-4073-BCC9-577B9352EA97}" type="datetimeFigureOut">
               <a:rPr lang="en-US" smtClean="0"/>
-              <a:t>3/24/2019</a:t>
+              <a:t>3/26/2019</a:t>
             </a:fld>
             <a:endParaRPr lang="en-US"/>
           </a:p>
@@ -3048,7 +3048,7 @@
           <a:p>
             <a:fld id="{63A1C593-65D0-4073-BCC9-577B9352EA97}" type="datetimeFigureOut">
               <a:rPr lang="en-US" smtClean="0"/>
-              <a:t>3/24/2019</a:t>
+              <a:t>3/26/2019</a:t>
             </a:fld>
             <a:endParaRPr lang="en-US"/>
           </a:p>
@@ -3269,7 +3269,7 @@
           <a:p>
             <a:fld id="{63A1C593-65D0-4073-BCC9-577B9352EA97}" type="datetimeFigureOut">
               <a:rPr lang="en-US" smtClean="0"/>
-              <a:t>3/24/2019</a:t>
+              <a:t>3/26/2019</a:t>
             </a:fld>
             <a:endParaRPr lang="en-US"/>
           </a:p>
@@ -19647,14 +19647,14 @@
           <p:nvPr>
             <p:extLst>
               <p:ext uri="{D42A27DB-BD31-4B8C-83A1-F6EECF244321}">
-                <p14:modId xmlns:p14="http://schemas.microsoft.com/office/powerpoint/2010/main" val="2676648023"/>
+                <p14:modId xmlns:p14="http://schemas.microsoft.com/office/powerpoint/2010/main" val="3312857248"/>
               </p:ext>
             </p:extLst>
           </p:nvPr>
         </p:nvGraphicFramePr>
         <p:xfrm>
           <a:off x="2032000" y="2124995"/>
-          <a:ext cx="8128000" cy="1112520"/>
+          <a:ext cx="8128000" cy="1483360"/>
         </p:xfrm>
         <a:graphic>
           <a:graphicData uri="http://schemas.openxmlformats.org/drawingml/2006/table">
@@ -19705,6 +19705,7 @@
                     <a:bodyPr/>
                     <a:lstStyle/>
                     <a:p>
+                      <a:pPr algn="ctr"/>
                       <a:r>
                         <a:rPr lang="it-IT" dirty="0"/>
                         <a:t>LEVEL</a:t>
@@ -19718,6 +19719,7 @@
                     <a:bodyPr/>
                     <a:lstStyle/>
                     <a:p>
+                      <a:pPr algn="ctr"/>
                       <a:r>
                         <a:rPr lang="it-IT" dirty="0"/>
                         <a:t>|F|</a:t>
@@ -19731,6 +19733,7 @@
                     <a:bodyPr/>
                     <a:lstStyle/>
                     <a:p>
+                      <a:pPr algn="ctr"/>
                       <a:r>
                         <a:rPr lang="el-GR" sz="1800" dirty="0">
                           <a:solidFill>
@@ -19754,6 +19757,7 @@
                     <a:bodyPr/>
                     <a:lstStyle/>
                     <a:p>
+                      <a:pPr algn="ctr"/>
                       <a:r>
                         <a:rPr lang="el-GR" sz="1800" dirty="0">
                           <a:solidFill>
@@ -19786,7 +19790,7 @@
                     <a:bodyPr/>
                     <a:lstStyle/>
                     <a:p>
-                      <a:pPr marL="0" marR="0" lvl="0" indent="0" algn="l" defTabSz="914400" rtl="0" eaLnBrk="1" fontAlgn="auto" latinLnBrk="0" hangingPunct="1">
+                      <a:pPr marL="0" marR="0" lvl="0" indent="0" algn="ctr" defTabSz="914400" rtl="0" eaLnBrk="1" fontAlgn="auto" latinLnBrk="0" hangingPunct="1">
                         <a:lnSpc>
                           <a:spcPct val="100000"/>
                         </a:lnSpc>
@@ -19842,9 +19846,10 @@
                     <a:bodyPr/>
                     <a:lstStyle/>
                     <a:p>
+                      <a:pPr algn="ctr"/>
                       <a:r>
                         <a:rPr lang="it-IT" dirty="0"/>
-                        <a:t>2</a:t>
+                        <a:t>1</a:t>
                       </a:r>
                     </a:p>
                   </a:txBody>
@@ -19855,9 +19860,10 @@
                     <a:bodyPr/>
                     <a:lstStyle/>
                     <a:p>
+                      <a:pPr algn="ctr"/>
                       <a:r>
                         <a:rPr lang="it-IT" dirty="0"/>
-                        <a:t>239</a:t>
+                        <a:t>249</a:t>
                       </a:r>
                     </a:p>
                   </a:txBody>
@@ -19868,9 +19874,10 @@
                     <a:bodyPr/>
                     <a:lstStyle/>
                     <a:p>
+                      <a:pPr algn="ctr"/>
                       <a:r>
                         <a:rPr lang="it-IT" dirty="0"/>
-                        <a:t>3.87</a:t>
+                        <a:t>5.89</a:t>
                       </a:r>
                     </a:p>
                   </a:txBody>
@@ -19881,9 +19888,10 @@
                     <a:bodyPr/>
                     <a:lstStyle/>
                     <a:p>
+                      <a:pPr algn="ctr"/>
                       <a:r>
                         <a:rPr lang="it-IT" dirty="0"/>
-                        <a:t>6.69</a:t>
+                        <a:t>4.02</a:t>
                       </a:r>
                     </a:p>
                   </a:txBody>
@@ -19894,9 +19902,10 @@
                     <a:bodyPr/>
                     <a:lstStyle/>
                     <a:p>
+                      <a:pPr algn="ctr"/>
                       <a:r>
                         <a:rPr lang="it-IT" dirty="0"/>
-                        <a:t>7.11</a:t>
+                        <a:t>2.81</a:t>
                       </a:r>
                     </a:p>
                   </a:txBody>
@@ -19914,6 +19923,84 @@
                     <a:bodyPr/>
                     <a:lstStyle/>
                     <a:p>
+                      <a:pPr algn="ctr"/>
+                      <a:r>
+                        <a:rPr lang="it-IT" dirty="0"/>
+                        <a:t>2</a:t>
+                      </a:r>
+                    </a:p>
+                  </a:txBody>
+                  <a:tcPr/>
+                </a:tc>
+                <a:tc>
+                  <a:txBody>
+                    <a:bodyPr/>
+                    <a:lstStyle/>
+                    <a:p>
+                      <a:pPr algn="ctr"/>
+                      <a:r>
+                        <a:rPr lang="it-IT" dirty="0"/>
+                        <a:t>239</a:t>
+                      </a:r>
+                    </a:p>
+                  </a:txBody>
+                  <a:tcPr/>
+                </a:tc>
+                <a:tc>
+                  <a:txBody>
+                    <a:bodyPr/>
+                    <a:lstStyle/>
+                    <a:p>
+                      <a:pPr algn="ctr"/>
+                      <a:r>
+                        <a:rPr lang="it-IT" dirty="0"/>
+                        <a:t>3.87</a:t>
+                      </a:r>
+                    </a:p>
+                  </a:txBody>
+                  <a:tcPr/>
+                </a:tc>
+                <a:tc>
+                  <a:txBody>
+                    <a:bodyPr/>
+                    <a:lstStyle/>
+                    <a:p>
+                      <a:pPr algn="ctr"/>
+                      <a:r>
+                        <a:rPr lang="it-IT" dirty="0"/>
+                        <a:t>6.69</a:t>
+                      </a:r>
+                    </a:p>
+                  </a:txBody>
+                  <a:tcPr/>
+                </a:tc>
+                <a:tc>
+                  <a:txBody>
+                    <a:bodyPr/>
+                    <a:lstStyle/>
+                    <a:p>
+                      <a:pPr algn="ctr"/>
+                      <a:r>
+                        <a:rPr lang="it-IT" dirty="0"/>
+                        <a:t>7.11</a:t>
+                      </a:r>
+                    </a:p>
+                  </a:txBody>
+                  <a:tcPr/>
+                </a:tc>
+                <a:extLst>
+                  <a:ext uri="{0D108BD9-81ED-4DB2-BD59-A6C34878D82A}">
+                    <a16:rowId xmlns:a16="http://schemas.microsoft.com/office/drawing/2014/main" val="215805885"/>
+                  </a:ext>
+                </a:extLst>
+              </a:tr>
+              <a:tr h="370840">
+                <a:tc>
+                  <a:txBody>
+                    <a:bodyPr/>
+                    <a:lstStyle/>
+                    <a:p>
+                      <a:pPr algn="ctr"/>
                       <a:r>
                         <a:rPr lang="it-IT" dirty="0"/>
                         <a:t>3</a:t>
@@ -19927,6 +20014,7 @@
                     <a:bodyPr/>
                     <a:lstStyle/>
                     <a:p>
+                      <a:pPr algn="ctr"/>
                       <a:r>
                         <a:rPr lang="it-IT" dirty="0"/>
                         <a:t>73</a:t>
@@ -19940,6 +20028,7 @@
                     <a:bodyPr/>
                     <a:lstStyle/>
                     <a:p>
+                      <a:pPr algn="ctr"/>
                       <a:r>
                         <a:rPr lang="it-IT" dirty="0"/>
                         <a:t>2.60</a:t>
@@ -19953,6 +20042,7 @@
                     <a:bodyPr/>
                     <a:lstStyle/>
                     <a:p>
+                      <a:pPr algn="ctr"/>
                       <a:r>
                         <a:rPr lang="it-IT" dirty="0"/>
                         <a:t>10.96</a:t>
@@ -19966,6 +20056,7 @@
                     <a:bodyPr/>
                     <a:lstStyle/>
                     <a:p>
+                      <a:pPr algn="ctr"/>
                       <a:r>
                         <a:rPr lang="it-IT" dirty="0"/>
                         <a:t>9.59</a:t>
@@ -19976,7 +20067,7 @@
                 </a:tc>
                 <a:extLst>
                   <a:ext uri="{0D108BD9-81ED-4DB2-BD59-A6C34878D82A}">
-                    <a16:rowId xmlns:a16="http://schemas.microsoft.com/office/drawing/2014/main" val="215805885"/>
+                    <a16:rowId xmlns:a16="http://schemas.microsoft.com/office/drawing/2014/main" val="276599703"/>
                   </a:ext>
                 </a:extLst>
               </a:tr>
@@ -19999,14 +20090,14 @@
           <p:nvPr>
             <p:extLst>
               <p:ext uri="{D42A27DB-BD31-4B8C-83A1-F6EECF244321}">
-                <p14:modId xmlns:p14="http://schemas.microsoft.com/office/powerpoint/2010/main" val="3780991919"/>
+                <p14:modId xmlns:p14="http://schemas.microsoft.com/office/powerpoint/2010/main" val="2045808307"/>
               </p:ext>
             </p:extLst>
           </p:nvPr>
         </p:nvGraphicFramePr>
         <p:xfrm>
-          <a:off x="1184029" y="4554447"/>
-          <a:ext cx="4064000" cy="1112520"/>
+          <a:off x="1184028" y="4794902"/>
+          <a:ext cx="4064000" cy="1483360"/>
         </p:xfrm>
         <a:graphic>
           <a:graphicData uri="http://schemas.openxmlformats.org/drawingml/2006/table">
@@ -20057,6 +20148,7 @@
                     <a:bodyPr/>
                     <a:lstStyle/>
                     <a:p>
+                      <a:pPr algn="ctr"/>
                       <a:r>
                         <a:rPr lang="it-IT" dirty="0"/>
                         <a:t>LEVEL</a:t>
@@ -20070,6 +20162,7 @@
                     <a:bodyPr/>
                     <a:lstStyle/>
                     <a:p>
+                      <a:pPr algn="ctr"/>
                       <a:r>
                         <a:rPr lang="it-IT" dirty="0"/>
                         <a:t>|F|</a:t>
@@ -20083,6 +20176,7 @@
                     <a:bodyPr/>
                     <a:lstStyle/>
                     <a:p>
+                      <a:pPr algn="ctr"/>
                       <a:r>
                         <a:rPr lang="el-GR" sz="1800" dirty="0">
                           <a:solidFill>
@@ -20106,6 +20200,7 @@
                     <a:bodyPr/>
                     <a:lstStyle/>
                     <a:p>
+                      <a:pPr algn="ctr"/>
                       <a:r>
                         <a:rPr lang="el-GR" sz="1800" dirty="0">
                           <a:solidFill>
@@ -20138,7 +20233,7 @@
                     <a:bodyPr/>
                     <a:lstStyle/>
                     <a:p>
-                      <a:pPr marL="0" marR="0" lvl="0" indent="0" algn="l" defTabSz="914400" rtl="0" eaLnBrk="1" fontAlgn="auto" latinLnBrk="0" hangingPunct="1">
+                      <a:pPr marL="0" marR="0" lvl="0" indent="0" algn="ctr" defTabSz="914400" rtl="0" eaLnBrk="1" fontAlgn="auto" latinLnBrk="0" hangingPunct="1">
                         <a:lnSpc>
                           <a:spcPct val="100000"/>
                         </a:lnSpc>
@@ -20194,6 +20289,84 @@
                     <a:bodyPr/>
                     <a:lstStyle/>
                     <a:p>
+                      <a:pPr algn="ctr"/>
+                      <a:r>
+                        <a:rPr lang="it-IT" dirty="0"/>
+                        <a:t>1</a:t>
+                      </a:r>
+                    </a:p>
+                  </a:txBody>
+                  <a:tcPr/>
+                </a:tc>
+                <a:tc>
+                  <a:txBody>
+                    <a:bodyPr/>
+                    <a:lstStyle/>
+                    <a:p>
+                      <a:pPr algn="ctr"/>
+                      <a:r>
+                        <a:rPr lang="it-IT" dirty="0"/>
+                        <a:t>46</a:t>
+                      </a:r>
+                    </a:p>
+                  </a:txBody>
+                  <a:tcPr/>
+                </a:tc>
+                <a:tc>
+                  <a:txBody>
+                    <a:bodyPr/>
+                    <a:lstStyle/>
+                    <a:p>
+                      <a:pPr algn="ctr"/>
+                      <a:r>
+                        <a:rPr lang="it-IT" dirty="0"/>
+                        <a:t>6.08</a:t>
+                      </a:r>
+                    </a:p>
+                  </a:txBody>
+                  <a:tcPr/>
+                </a:tc>
+                <a:tc>
+                  <a:txBody>
+                    <a:bodyPr/>
+                    <a:lstStyle/>
+                    <a:p>
+                      <a:pPr algn="ctr"/>
+                      <a:r>
+                        <a:rPr lang="it-IT" dirty="0"/>
+                        <a:t>91.30</a:t>
+                      </a:r>
+                    </a:p>
+                  </a:txBody>
+                  <a:tcPr/>
+                </a:tc>
+                <a:tc>
+                  <a:txBody>
+                    <a:bodyPr/>
+                    <a:lstStyle/>
+                    <a:p>
+                      <a:pPr algn="ctr"/>
+                      <a:r>
+                        <a:rPr lang="it-IT" dirty="0"/>
+                        <a:t>95.65</a:t>
+                      </a:r>
+                    </a:p>
+                  </a:txBody>
+                  <a:tcPr/>
+                </a:tc>
+                <a:extLst>
+                  <a:ext uri="{0D108BD9-81ED-4DB2-BD59-A6C34878D82A}">
+                    <a16:rowId xmlns:a16="http://schemas.microsoft.com/office/drawing/2014/main" val="1809370955"/>
+                  </a:ext>
+                </a:extLst>
+              </a:tr>
+              <a:tr h="370840">
+                <a:tc>
+                  <a:txBody>
+                    <a:bodyPr/>
+                    <a:lstStyle/>
+                    <a:p>
+                      <a:pPr algn="ctr"/>
                       <a:r>
                         <a:rPr lang="it-IT" dirty="0"/>
                         <a:t>2</a:t>
@@ -20207,6 +20380,7 @@
                     <a:bodyPr/>
                     <a:lstStyle/>
                     <a:p>
+                      <a:pPr algn="ctr"/>
                       <a:r>
                         <a:rPr lang="it-IT" dirty="0"/>
                         <a:t>27</a:t>
@@ -20220,6 +20394,7 @@
                     <a:bodyPr/>
                     <a:lstStyle/>
                     <a:p>
+                      <a:pPr algn="ctr"/>
                       <a:r>
                         <a:rPr lang="it-IT" dirty="0"/>
                         <a:t>7.19</a:t>
@@ -20233,6 +20408,7 @@
                     <a:bodyPr/>
                     <a:lstStyle/>
                     <a:p>
+                      <a:pPr algn="ctr"/>
                       <a:r>
                         <a:rPr lang="it-IT" dirty="0"/>
                         <a:t>88.9</a:t>
@@ -20246,6 +20422,7 @@
                     <a:bodyPr/>
                     <a:lstStyle/>
                     <a:p>
+                      <a:pPr algn="ctr"/>
                       <a:r>
                         <a:rPr lang="it-IT" dirty="0"/>
                         <a:t>88.9</a:t>
@@ -20266,6 +20443,7 @@
                     <a:bodyPr/>
                     <a:lstStyle/>
                     <a:p>
+                      <a:pPr algn="ctr"/>
                       <a:r>
                         <a:rPr lang="it-IT" dirty="0"/>
                         <a:t>3</a:t>
@@ -20279,6 +20457,7 @@
                     <a:bodyPr/>
                     <a:lstStyle/>
                     <a:p>
+                      <a:pPr algn="ctr"/>
                       <a:r>
                         <a:rPr lang="it-IT" dirty="0"/>
                         <a:t>0</a:t>
@@ -20292,6 +20471,7 @@
                     <a:bodyPr/>
                     <a:lstStyle/>
                     <a:p>
+                      <a:pPr algn="ctr"/>
                       <a:r>
                         <a:rPr lang="it-IT" dirty="0"/>
                         <a:t>0</a:t>
@@ -20305,6 +20485,7 @@
                     <a:bodyPr/>
                     <a:lstStyle/>
                     <a:p>
+                      <a:pPr algn="ctr"/>
                       <a:r>
                         <a:rPr lang="it-IT" dirty="0"/>
                         <a:t>0</a:t>
@@ -20318,6 +20499,7 @@
                     <a:bodyPr/>
                     <a:lstStyle/>
                     <a:p>
+                      <a:pPr algn="ctr"/>
                       <a:r>
                         <a:rPr lang="it-IT" dirty="0"/>
                         <a:t>0</a:t>
@@ -20392,7 +20574,7 @@
         <p:spPr>
           <a:xfrm>
             <a:off x="336059" y="3994062"/>
-            <a:ext cx="5759939" cy="461665"/>
+            <a:ext cx="5759939" cy="830997"/>
           </a:xfrm>
           <a:prstGeom prst="rect">
             <a:avLst/>
@@ -20423,6 +20605,39 @@
                 <a:latin typeface="Candara" panose="020E0502030303020204" pitchFamily="34" charset="0"/>
               </a:rPr>
               <a:t>=2.5%, 7.5k tuples, 119 items</a:t>
+            </a:r>
+          </a:p>
+          <a:p>
+            <a:pPr algn="ctr"/>
+            <a:r>
+              <a:rPr lang="en-US" sz="2400" b="1" dirty="0">
+                <a:latin typeface="Candara" panose="020E0502030303020204" pitchFamily="34" charset="0"/>
+              </a:rPr>
+              <a:t>(</a:t>
+            </a:r>
+            <a:r>
+              <a:rPr lang="en-US" sz="2400" b="1" dirty="0" err="1">
+                <a:latin typeface="Candara" panose="020E0502030303020204" pitchFamily="34" charset="0"/>
+              </a:rPr>
+              <a:t>terminato</a:t>
+            </a:r>
+            <a:r>
+              <a:rPr lang="en-US" sz="2400" b="1" dirty="0">
+                <a:latin typeface="Candara" panose="020E0502030303020204" pitchFamily="34" charset="0"/>
+              </a:rPr>
+              <a:t> </a:t>
+            </a:r>
+            <a:r>
+              <a:rPr lang="en-US" sz="2400" b="1" dirty="0" err="1">
+                <a:latin typeface="Candara" panose="020E0502030303020204" pitchFamily="34" charset="0"/>
+              </a:rPr>
+              <a:t>dopo</a:t>
+            </a:r>
+            <a:r>
+              <a:rPr lang="en-US" sz="2400" b="1" dirty="0">
+                <a:latin typeface="Candara" panose="020E0502030303020204" pitchFamily="34" charset="0"/>
+              </a:rPr>
+              <a:t> 4h)</a:t>
             </a:r>
           </a:p>
         </p:txBody>
@@ -20521,14 +20736,14 @@
           <p:nvPr>
             <p:extLst>
               <p:ext uri="{D42A27DB-BD31-4B8C-83A1-F6EECF244321}">
-                <p14:modId xmlns:p14="http://schemas.microsoft.com/office/powerpoint/2010/main" val="182432056"/>
+                <p14:modId xmlns:p14="http://schemas.microsoft.com/office/powerpoint/2010/main" val="164246553"/>
               </p:ext>
             </p:extLst>
           </p:nvPr>
         </p:nvGraphicFramePr>
         <p:xfrm>
-          <a:off x="6943971" y="4554447"/>
-          <a:ext cx="4064000" cy="1112520"/>
+          <a:off x="6943973" y="4794902"/>
+          <a:ext cx="4064000" cy="1483360"/>
         </p:xfrm>
         <a:graphic>
           <a:graphicData uri="http://schemas.openxmlformats.org/drawingml/2006/table">
@@ -20579,6 +20794,7 @@
                     <a:bodyPr/>
                     <a:lstStyle/>
                     <a:p>
+                      <a:pPr algn="ctr"/>
                       <a:r>
                         <a:rPr lang="it-IT" dirty="0"/>
                         <a:t>LEVEL</a:t>
@@ -20592,6 +20808,7 @@
                     <a:bodyPr/>
                     <a:lstStyle/>
                     <a:p>
+                      <a:pPr algn="ctr"/>
                       <a:r>
                         <a:rPr lang="it-IT" dirty="0"/>
                         <a:t>|F|</a:t>
@@ -20605,6 +20822,7 @@
                     <a:bodyPr/>
                     <a:lstStyle/>
                     <a:p>
+                      <a:pPr algn="ctr"/>
                       <a:r>
                         <a:rPr lang="el-GR" sz="1800" dirty="0">
                           <a:solidFill>
@@ -20628,6 +20846,7 @@
                     <a:bodyPr/>
                     <a:lstStyle/>
                     <a:p>
+                      <a:pPr algn="ctr"/>
                       <a:r>
                         <a:rPr lang="el-GR" sz="1800" dirty="0">
                           <a:solidFill>
@@ -20660,7 +20879,7 @@
                     <a:bodyPr/>
                     <a:lstStyle/>
                     <a:p>
-                      <a:pPr marL="0" marR="0" lvl="0" indent="0" algn="l" defTabSz="914400" rtl="0" eaLnBrk="1" fontAlgn="auto" latinLnBrk="0" hangingPunct="1">
+                      <a:pPr marL="0" marR="0" lvl="0" indent="0" algn="ctr" defTabSz="914400" rtl="0" eaLnBrk="1" fontAlgn="auto" latinLnBrk="0" hangingPunct="1">
                         <a:lnSpc>
                           <a:spcPct val="100000"/>
                         </a:lnSpc>
@@ -20716,6 +20935,84 @@
                     <a:bodyPr/>
                     <a:lstStyle/>
                     <a:p>
+                      <a:pPr algn="ctr"/>
+                      <a:r>
+                        <a:rPr lang="it-IT" dirty="0"/>
+                        <a:t>1</a:t>
+                      </a:r>
+                    </a:p>
+                  </a:txBody>
+                  <a:tcPr/>
+                </a:tc>
+                <a:tc>
+                  <a:txBody>
+                    <a:bodyPr/>
+                    <a:lstStyle/>
+                    <a:p>
+                      <a:pPr algn="ctr"/>
+                      <a:r>
+                        <a:rPr lang="it-IT" dirty="0"/>
+                        <a:t>75</a:t>
+                      </a:r>
+                    </a:p>
+                  </a:txBody>
+                  <a:tcPr/>
+                </a:tc>
+                <a:tc>
+                  <a:txBody>
+                    <a:bodyPr/>
+                    <a:lstStyle/>
+                    <a:p>
+                      <a:pPr algn="ctr"/>
+                      <a:r>
+                        <a:rPr lang="it-IT" dirty="0"/>
+                        <a:t>12.51</a:t>
+                      </a:r>
+                    </a:p>
+                  </a:txBody>
+                  <a:tcPr/>
+                </a:tc>
+                <a:tc>
+                  <a:txBody>
+                    <a:bodyPr/>
+                    <a:lstStyle/>
+                    <a:p>
+                      <a:pPr algn="ctr"/>
+                      <a:r>
+                        <a:rPr lang="it-IT" dirty="0"/>
+                        <a:t>92</a:t>
+                      </a:r>
+                    </a:p>
+                  </a:txBody>
+                  <a:tcPr/>
+                </a:tc>
+                <a:tc>
+                  <a:txBody>
+                    <a:bodyPr/>
+                    <a:lstStyle/>
+                    <a:p>
+                      <a:pPr algn="ctr"/>
+                      <a:r>
+                        <a:rPr lang="it-IT" dirty="0"/>
+                        <a:t>88</a:t>
+                      </a:r>
+                    </a:p>
+                  </a:txBody>
+                  <a:tcPr/>
+                </a:tc>
+                <a:extLst>
+                  <a:ext uri="{0D108BD9-81ED-4DB2-BD59-A6C34878D82A}">
+                    <a16:rowId xmlns:a16="http://schemas.microsoft.com/office/drawing/2014/main" val="1908325561"/>
+                  </a:ext>
+                </a:extLst>
+              </a:tr>
+              <a:tr h="370840">
+                <a:tc>
+                  <a:txBody>
+                    <a:bodyPr/>
+                    <a:lstStyle/>
+                    <a:p>
+                      <a:pPr algn="ctr"/>
                       <a:r>
                         <a:rPr lang="it-IT" dirty="0"/>
                         <a:t>2</a:t>
@@ -20729,7 +21026,11 @@
                     <a:bodyPr/>
                     <a:lstStyle/>
                     <a:p>
-                      <a:endParaRPr lang="it-IT" dirty="0"/>
+                      <a:pPr algn="ctr"/>
+                      <a:r>
+                        <a:rPr lang="it-IT" dirty="0"/>
+                        <a:t>165</a:t>
+                      </a:r>
                     </a:p>
                   </a:txBody>
                   <a:tcPr/>
@@ -20739,7 +21040,11 @@
                     <a:bodyPr/>
                     <a:lstStyle/>
                     <a:p>
-                      <a:endParaRPr lang="it-IT" dirty="0"/>
+                      <a:pPr algn="ctr"/>
+                      <a:r>
+                        <a:rPr lang="it-IT" dirty="0"/>
+                        <a:t>12.54</a:t>
+                      </a:r>
                     </a:p>
                   </a:txBody>
                   <a:tcPr/>
@@ -20749,7 +21054,11 @@
                     <a:bodyPr/>
                     <a:lstStyle/>
                     <a:p>
-                      <a:endParaRPr lang="it-IT" dirty="0"/>
+                      <a:pPr algn="ctr"/>
+                      <a:r>
+                        <a:rPr lang="it-IT" dirty="0"/>
+                        <a:t>84.24</a:t>
+                      </a:r>
                     </a:p>
                   </a:txBody>
                   <a:tcPr/>
@@ -20759,7 +21068,11 @@
                     <a:bodyPr/>
                     <a:lstStyle/>
                     <a:p>
-                      <a:endParaRPr lang="it-IT" dirty="0"/>
+                      <a:pPr algn="ctr"/>
+                      <a:r>
+                        <a:rPr lang="it-IT" dirty="0"/>
+                        <a:t>85.45</a:t>
+                      </a:r>
                     </a:p>
                   </a:txBody>
                   <a:tcPr/>
@@ -20776,6 +21089,7 @@
                     <a:bodyPr/>
                     <a:lstStyle/>
                     <a:p>
+                      <a:pPr algn="ctr"/>
                       <a:r>
                         <a:rPr lang="it-IT" dirty="0"/>
                         <a:t>3</a:t>
@@ -20789,7 +21103,11 @@
                     <a:bodyPr/>
                     <a:lstStyle/>
                     <a:p>
-                      <a:endParaRPr lang="it-IT" dirty="0"/>
+                      <a:pPr algn="ctr"/>
+                      <a:r>
+                        <a:rPr lang="it-IT" dirty="0"/>
+                        <a:t>ND</a:t>
+                      </a:r>
                     </a:p>
                   </a:txBody>
                   <a:tcPr/>
@@ -20799,7 +21117,11 @@
                     <a:bodyPr/>
                     <a:lstStyle/>
                     <a:p>
-                      <a:endParaRPr lang="it-IT" dirty="0"/>
+                      <a:pPr algn="ctr"/>
+                      <a:r>
+                        <a:rPr lang="it-IT" dirty="0"/>
+                        <a:t>ND</a:t>
+                      </a:r>
                     </a:p>
                   </a:txBody>
                   <a:tcPr/>
@@ -20809,7 +21131,11 @@
                     <a:bodyPr/>
                     <a:lstStyle/>
                     <a:p>
-                      <a:endParaRPr lang="it-IT" dirty="0"/>
+                      <a:pPr algn="ctr"/>
+                      <a:r>
+                        <a:rPr lang="it-IT" dirty="0"/>
+                        <a:t>ND</a:t>
+                      </a:r>
                     </a:p>
                   </a:txBody>
                   <a:tcPr/>
@@ -20819,7 +21145,11 @@
                     <a:bodyPr/>
                     <a:lstStyle/>
                     <a:p>
-                      <a:endParaRPr lang="it-IT" dirty="0"/>
+                      <a:pPr algn="ctr"/>
+                      <a:r>
+                        <a:rPr lang="it-IT" dirty="0"/>
+                        <a:t>ND</a:t>
+                      </a:r>
                     </a:p>
                   </a:txBody>
                   <a:tcPr/>
@@ -20849,7 +21179,7 @@
         <p:spPr>
           <a:xfrm>
             <a:off x="6248398" y="3994062"/>
-            <a:ext cx="5931876" cy="461665"/>
+            <a:ext cx="5931876" cy="830997"/>
           </a:xfrm>
           <a:prstGeom prst="rect">
             <a:avLst/>
@@ -20879,7 +21209,40 @@
               <a:rPr lang="en-US" sz="2400" b="1" dirty="0">
                 <a:latin typeface="Candara" panose="020E0502030303020204" pitchFamily="34" charset="0"/>
               </a:rPr>
-              <a:t>=0.25%, 7.5k tuples, 119 items</a:t>
+              <a:t>=1%, 7.5k tuples, 119 items</a:t>
+            </a:r>
+          </a:p>
+          <a:p>
+            <a:pPr algn="ctr"/>
+            <a:r>
+              <a:rPr lang="en-US" sz="2400" b="1" dirty="0">
+                <a:latin typeface="Candara" panose="020E0502030303020204" pitchFamily="34" charset="0"/>
+              </a:rPr>
+              <a:t>(NON </a:t>
+            </a:r>
+            <a:r>
+              <a:rPr lang="en-US" sz="2400" b="1" dirty="0" err="1">
+                <a:latin typeface="Candara" panose="020E0502030303020204" pitchFamily="34" charset="0"/>
+              </a:rPr>
+              <a:t>terminato</a:t>
+            </a:r>
+            <a:r>
+              <a:rPr lang="en-US" sz="2400" b="1" dirty="0">
+                <a:latin typeface="Candara" panose="020E0502030303020204" pitchFamily="34" charset="0"/>
+              </a:rPr>
+              <a:t> </a:t>
+            </a:r>
+            <a:r>
+              <a:rPr lang="en-US" sz="2400" b="1" dirty="0" err="1">
+                <a:latin typeface="Candara" panose="020E0502030303020204" pitchFamily="34" charset="0"/>
+              </a:rPr>
+              <a:t>dopo</a:t>
+            </a:r>
+            <a:r>
+              <a:rPr lang="en-US" sz="2400" b="1" dirty="0">
+                <a:latin typeface="Candara" panose="020E0502030303020204" pitchFamily="34" charset="0"/>
+              </a:rPr>
+              <a:t> 23h)</a:t>
             </a:r>
           </a:p>
         </p:txBody>

--- a/docs/Presentazione.pptx
+++ b/docs/Presentazione.pptx
@@ -19071,7 +19071,7 @@
           <p:nvPr>
             <p:extLst>
               <p:ext uri="{D42A27DB-BD31-4B8C-83A1-F6EECF244321}">
-                <p14:modId xmlns:p14="http://schemas.microsoft.com/office/powerpoint/2010/main" val="4138299859"/>
+                <p14:modId xmlns:p14="http://schemas.microsoft.com/office/powerpoint/2010/main" val="2468794663"/>
               </p:ext>
             </p:extLst>
           </p:nvPr>
@@ -19129,6 +19129,7 @@
                     <a:bodyPr/>
                     <a:lstStyle/>
                     <a:p>
+                      <a:pPr algn="ctr"/>
                       <a:r>
                         <a:rPr lang="it-IT" dirty="0"/>
                         <a:t>Dataset</a:t>
@@ -19142,6 +19143,7 @@
                     <a:bodyPr/>
                     <a:lstStyle/>
                     <a:p>
+                      <a:pPr algn="ctr"/>
                       <a:r>
                         <a:rPr lang="it-IT" dirty="0"/>
                         <a:t># </a:t>
@@ -19160,6 +19162,7 @@
                     <a:bodyPr/>
                     <a:lstStyle/>
                     <a:p>
+                      <a:pPr algn="ctr"/>
                       <a:r>
                         <a:rPr lang="it-IT" sz="1800" dirty="0">
                           <a:solidFill>
@@ -19183,6 +19186,7 @@
                     <a:bodyPr/>
                     <a:lstStyle/>
                     <a:p>
+                      <a:pPr algn="ctr"/>
                       <a:r>
                         <a:rPr lang="it-IT" sz="1800" dirty="0">
                           <a:solidFill>
@@ -19206,7 +19210,7 @@
                     <a:bodyPr/>
                     <a:lstStyle/>
                     <a:p>
-                      <a:pPr marL="0" marR="0" lvl="0" indent="0" algn="l" defTabSz="914400" rtl="0" eaLnBrk="1" fontAlgn="auto" latinLnBrk="0" hangingPunct="1">
+                      <a:pPr marL="0" marR="0" lvl="0" indent="0" algn="ctr" defTabSz="914400" rtl="0" eaLnBrk="1" fontAlgn="auto" latinLnBrk="0" hangingPunct="1">
                         <a:lnSpc>
                           <a:spcPct val="100000"/>
                         </a:lnSpc>
@@ -19253,6 +19257,7 @@
                     <a:bodyPr/>
                     <a:lstStyle/>
                     <a:p>
+                      <a:pPr algn="ctr"/>
                       <a:r>
                         <a:rPr lang="it-IT" dirty="0"/>
                         <a:t>Paper</a:t>
@@ -19266,6 +19271,7 @@
                     <a:bodyPr/>
                     <a:lstStyle/>
                     <a:p>
+                      <a:pPr algn="ctr"/>
                       <a:r>
                         <a:rPr lang="it-IT" dirty="0"/>
                         <a:t>0.6 * 10^6</a:t>
@@ -19279,6 +19285,7 @@
                     <a:bodyPr/>
                     <a:lstStyle/>
                     <a:p>
+                      <a:pPr algn="ctr"/>
                       <a:r>
                         <a:rPr lang="it-IT" dirty="0"/>
                         <a:t>500</a:t>
@@ -19292,6 +19299,7 @@
                     <a:bodyPr/>
                     <a:lstStyle/>
                     <a:p>
+                      <a:pPr algn="ctr"/>
                       <a:r>
                         <a:rPr lang="it-IT" dirty="0"/>
                         <a:t>0.9</a:t>
@@ -19305,6 +19313,7 @@
                     <a:bodyPr/>
                     <a:lstStyle/>
                     <a:p>
+                      <a:pPr algn="ctr"/>
                       <a:r>
                         <a:rPr lang="it-IT" dirty="0"/>
                         <a:t>83%</a:t>
@@ -19325,6 +19334,7 @@
                     <a:bodyPr/>
                     <a:lstStyle/>
                     <a:p>
+                      <a:pPr algn="ctr"/>
                       <a:r>
                         <a:rPr lang="it-IT" dirty="0"/>
                         <a:t>Nostro</a:t>
@@ -19338,6 +19348,7 @@
                     <a:bodyPr/>
                     <a:lstStyle/>
                     <a:p>
+                      <a:pPr algn="ctr"/>
                       <a:r>
                         <a:rPr lang="it-IT" dirty="0"/>
                         <a:t>7.5 * 10^3</a:t>
@@ -19351,6 +19362,7 @@
                     <a:bodyPr/>
                     <a:lstStyle/>
                     <a:p>
+                      <a:pPr algn="ctr"/>
                       <a:r>
                         <a:rPr lang="it-IT" dirty="0"/>
                         <a:t>119</a:t>
@@ -19364,6 +19376,7 @@
                     <a:bodyPr/>
                     <a:lstStyle/>
                     <a:p>
+                      <a:pPr algn="ctr"/>
                       <a:r>
                         <a:rPr lang="it-IT" dirty="0"/>
                         <a:t>0.9</a:t>
@@ -19377,6 +19390,7 @@
                     <a:bodyPr/>
                     <a:lstStyle/>
                     <a:p>
+                      <a:pPr algn="ctr"/>
                       <a:r>
                         <a:rPr lang="it-IT" dirty="0"/>
                         <a:t>71%</a:t>
@@ -20656,7 +20670,7 @@
         </p:nvSpPr>
         <p:spPr>
           <a:xfrm>
-            <a:off x="2260813" y="3491463"/>
+            <a:off x="2260813" y="3569916"/>
             <a:ext cx="7670367" cy="584775"/>
           </a:xfrm>
           <a:prstGeom prst="rect">

--- a/docs/Presentazione.pptx
+++ b/docs/Presentazione.pptx
@@ -20104,7 +20104,7 @@
           <p:nvPr>
             <p:extLst>
               <p:ext uri="{D42A27DB-BD31-4B8C-83A1-F6EECF244321}">
-                <p14:modId xmlns:p14="http://schemas.microsoft.com/office/powerpoint/2010/main" val="2045808307"/>
+                <p14:modId xmlns:p14="http://schemas.microsoft.com/office/powerpoint/2010/main" val="3282602759"/>
               </p:ext>
             </p:extLst>
           </p:nvPr>
@@ -20348,7 +20348,7 @@
                       <a:pPr algn="ctr"/>
                       <a:r>
                         <a:rPr lang="it-IT" dirty="0"/>
-                        <a:t>91.30</a:t>
+                        <a:t>8.69</a:t>
                       </a:r>
                     </a:p>
                   </a:txBody>
@@ -20362,7 +20362,7 @@
                       <a:pPr algn="ctr"/>
                       <a:r>
                         <a:rPr lang="it-IT" dirty="0"/>
-                        <a:t>95.65</a:t>
+                        <a:t>4.34</a:t>
                       </a:r>
                     </a:p>
                   </a:txBody>
@@ -20425,7 +20425,7 @@
                       <a:pPr algn="ctr"/>
                       <a:r>
                         <a:rPr lang="it-IT" dirty="0"/>
-                        <a:t>88.9</a:t>
+                        <a:t>11.11</a:t>
                       </a:r>
                     </a:p>
                   </a:txBody>
@@ -20439,7 +20439,7 @@
                       <a:pPr algn="ctr"/>
                       <a:r>
                         <a:rPr lang="it-IT" dirty="0"/>
-                        <a:t>88.9</a:t>
+                        <a:t>11.11</a:t>
                       </a:r>
                     </a:p>
                   </a:txBody>
@@ -20750,7 +20750,7 @@
           <p:nvPr>
             <p:extLst>
               <p:ext uri="{D42A27DB-BD31-4B8C-83A1-F6EECF244321}">
-                <p14:modId xmlns:p14="http://schemas.microsoft.com/office/powerpoint/2010/main" val="164246553"/>
+                <p14:modId xmlns:p14="http://schemas.microsoft.com/office/powerpoint/2010/main" val="102218658"/>
               </p:ext>
             </p:extLst>
           </p:nvPr>
@@ -20994,7 +20994,7 @@
                       <a:pPr algn="ctr"/>
                       <a:r>
                         <a:rPr lang="it-IT" dirty="0"/>
-                        <a:t>92</a:t>
+                        <a:t>8</a:t>
                       </a:r>
                     </a:p>
                   </a:txBody>
@@ -21008,7 +21008,7 @@
                       <a:pPr algn="ctr"/>
                       <a:r>
                         <a:rPr lang="it-IT" dirty="0"/>
-                        <a:t>88</a:t>
+                        <a:t>12</a:t>
                       </a:r>
                     </a:p>
                   </a:txBody>
@@ -21057,7 +21057,7 @@
                       <a:pPr algn="ctr"/>
                       <a:r>
                         <a:rPr lang="it-IT" dirty="0"/>
-                        <a:t>12.54</a:t>
+                        <a:t>12.55</a:t>
                       </a:r>
                     </a:p>
                   </a:txBody>
@@ -21071,7 +21071,7 @@
                       <a:pPr algn="ctr"/>
                       <a:r>
                         <a:rPr lang="it-IT" dirty="0"/>
-                        <a:t>84.24</a:t>
+                        <a:t>15.75</a:t>
                       </a:r>
                     </a:p>
                   </a:txBody>
@@ -21085,7 +21085,7 @@
                       <a:pPr algn="ctr"/>
                       <a:r>
                         <a:rPr lang="it-IT" dirty="0"/>
-                        <a:t>85.45</a:t>
+                        <a:t>14.54</a:t>
                       </a:r>
                     </a:p>
                   </a:txBody>

--- a/docs/Presentazione.pptx
+++ b/docs/Presentazione.pptx
@@ -5,7 +5,7 @@
     <p:sldMasterId id="2147483648" r:id="rId1"/>
   </p:sldMasterIdLst>
   <p:notesMasterIdLst>
-    <p:notesMasterId r:id="rId10"/>
+    <p:notesMasterId r:id="rId11"/>
   </p:notesMasterIdLst>
   <p:sldIdLst>
     <p:sldId id="457" r:id="rId2"/>
@@ -15,7 +15,8 @@
     <p:sldId id="458" r:id="rId6"/>
     <p:sldId id="459" r:id="rId7"/>
     <p:sldId id="460" r:id="rId8"/>
-    <p:sldId id="390" r:id="rId9"/>
+    <p:sldId id="461" r:id="rId9"/>
+    <p:sldId id="390" r:id="rId10"/>
   </p:sldIdLst>
   <p:sldSz cx="12192000" cy="6858000"/>
   <p:notesSz cx="6858000" cy="9144000"/>
@@ -116,7 +117,18 @@
   </p:defaultTextStyle>
   <p:extLst>
     <p:ext uri="{EFAFB233-063F-42B5-8137-9DF3F51BA10A}">
-      <p15:sldGuideLst xmlns:p15="http://schemas.microsoft.com/office/powerpoint/2012/main"/>
+      <p15:sldGuideLst xmlns:p15="http://schemas.microsoft.com/office/powerpoint/2012/main">
+        <p15:guide id="1" orient="horz" pos="2160">
+          <p15:clr>
+            <a:srgbClr val="A4A3A4"/>
+          </p15:clr>
+        </p15:guide>
+        <p15:guide id="2" pos="3840">
+          <p15:clr>
+            <a:srgbClr val="A4A3A4"/>
+          </p15:clr>
+        </p15:guide>
+      </p15:sldGuideLst>
     </p:ext>
   </p:extLst>
 </p:presentation>
@@ -204,6 +216,7 @@
           <a:p>
             <a:fld id="{B70D0873-D02A-4646-AD63-4D060B4B73E7}" type="datetimeFigureOut">
               <a:rPr lang="it-IT" smtClean="0"/>
+              <a:pPr/>
               <a:t>26/03/2019</a:t>
             </a:fld>
             <a:endParaRPr lang="it-IT"/>
@@ -362,6 +375,7 @@
           <a:p>
             <a:fld id="{79C08692-5BAB-4904-B5AB-C6174984D6F9}" type="slidenum">
               <a:rPr lang="it-IT" smtClean="0"/>
+              <a:pPr/>
               <a:t>‹N›</a:t>
             </a:fld>
             <a:endParaRPr lang="it-IT"/>
@@ -685,6 +699,7 @@
           <a:p>
             <a:fld id="{63A1C593-65D0-4073-BCC9-577B9352EA97}" type="datetimeFigureOut">
               <a:rPr lang="en-US" smtClean="0"/>
+              <a:pPr/>
               <a:t>3/26/2019</a:t>
             </a:fld>
             <a:endParaRPr lang="en-US"/>
@@ -727,6 +742,7 @@
           <a:p>
             <a:fld id="{9B618960-8005-486C-9A75-10CB2AAC16F9}" type="slidenum">
               <a:rPr lang="en-US" smtClean="0"/>
+              <a:pPr/>
               <a:t>‹N›</a:t>
             </a:fld>
             <a:endParaRPr lang="en-US"/>
@@ -853,6 +869,7 @@
           <a:p>
             <a:fld id="{63A1C593-65D0-4073-BCC9-577B9352EA97}" type="datetimeFigureOut">
               <a:rPr lang="en-US" smtClean="0"/>
+              <a:pPr/>
               <a:t>3/26/2019</a:t>
             </a:fld>
             <a:endParaRPr lang="en-US"/>
@@ -895,6 +912,7 @@
           <a:p>
             <a:fld id="{9B618960-8005-486C-9A75-10CB2AAC16F9}" type="slidenum">
               <a:rPr lang="en-US" smtClean="0"/>
+              <a:pPr/>
               <a:t>‹N›</a:t>
             </a:fld>
             <a:endParaRPr lang="en-US"/>
@@ -1031,6 +1049,7 @@
           <a:p>
             <a:fld id="{63A1C593-65D0-4073-BCC9-577B9352EA97}" type="datetimeFigureOut">
               <a:rPr lang="en-US" smtClean="0"/>
+              <a:pPr/>
               <a:t>3/26/2019</a:t>
             </a:fld>
             <a:endParaRPr lang="en-US"/>
@@ -1073,6 +1092,7 @@
           <a:p>
             <a:fld id="{9B618960-8005-486C-9A75-10CB2AAC16F9}" type="slidenum">
               <a:rPr lang="en-US" smtClean="0"/>
+              <a:pPr/>
               <a:t>‹N›</a:t>
             </a:fld>
             <a:endParaRPr lang="en-US"/>
@@ -1164,6 +1184,7 @@
           <a:p>
             <a:fld id="{C73A5C34-6B76-4AF1-BC39-A0EE85CE817B}" type="slidenum">
               <a:rPr lang="ru-RU" smtClean="0"/>
+              <a:pPr/>
               <a:t>‹N›</a:t>
             </a:fld>
             <a:endParaRPr lang="ru-RU"/>
@@ -1471,6 +1492,7 @@
           <a:p>
             <a:fld id="{63A1C593-65D0-4073-BCC9-577B9352EA97}" type="datetimeFigureOut">
               <a:rPr lang="en-US" smtClean="0"/>
+              <a:pPr/>
               <a:t>3/26/2019</a:t>
             </a:fld>
             <a:endParaRPr lang="en-US"/>
@@ -1513,6 +1535,7 @@
           <a:p>
             <a:fld id="{9B618960-8005-486C-9A75-10CB2AAC16F9}" type="slidenum">
               <a:rPr lang="en-US" smtClean="0"/>
+              <a:pPr/>
               <a:t>‹N›</a:t>
             </a:fld>
             <a:endParaRPr lang="en-US"/>
@@ -1716,6 +1739,7 @@
           <a:p>
             <a:fld id="{63A1C593-65D0-4073-BCC9-577B9352EA97}" type="datetimeFigureOut">
               <a:rPr lang="en-US" smtClean="0"/>
+              <a:pPr/>
               <a:t>3/26/2019</a:t>
             </a:fld>
             <a:endParaRPr lang="en-US"/>
@@ -1758,6 +1782,7 @@
           <a:p>
             <a:fld id="{9B618960-8005-486C-9A75-10CB2AAC16F9}" type="slidenum">
               <a:rPr lang="en-US" smtClean="0"/>
+              <a:pPr/>
               <a:t>‹N›</a:t>
             </a:fld>
             <a:endParaRPr lang="en-US"/>
@@ -1945,6 +1970,7 @@
           <a:p>
             <a:fld id="{63A1C593-65D0-4073-BCC9-577B9352EA97}" type="datetimeFigureOut">
               <a:rPr lang="en-US" smtClean="0"/>
+              <a:pPr/>
               <a:t>3/26/2019</a:t>
             </a:fld>
             <a:endParaRPr lang="en-US"/>
@@ -1987,6 +2013,7 @@
           <a:p>
             <a:fld id="{9B618960-8005-486C-9A75-10CB2AAC16F9}" type="slidenum">
               <a:rPr lang="en-US" smtClean="0"/>
+              <a:pPr/>
               <a:t>‹N›</a:t>
             </a:fld>
             <a:endParaRPr lang="en-US"/>
@@ -2309,6 +2336,7 @@
           <a:p>
             <a:fld id="{63A1C593-65D0-4073-BCC9-577B9352EA97}" type="datetimeFigureOut">
               <a:rPr lang="en-US" smtClean="0"/>
+              <a:pPr/>
               <a:t>3/26/2019</a:t>
             </a:fld>
             <a:endParaRPr lang="en-US"/>
@@ -2351,6 +2379,7 @@
           <a:p>
             <a:fld id="{9B618960-8005-486C-9A75-10CB2AAC16F9}" type="slidenum">
               <a:rPr lang="en-US" smtClean="0"/>
+              <a:pPr/>
               <a:t>‹N›</a:t>
             </a:fld>
             <a:endParaRPr lang="en-US"/>
@@ -2426,6 +2455,7 @@
           <a:p>
             <a:fld id="{63A1C593-65D0-4073-BCC9-577B9352EA97}" type="datetimeFigureOut">
               <a:rPr lang="en-US" smtClean="0"/>
+              <a:pPr/>
               <a:t>3/26/2019</a:t>
             </a:fld>
             <a:endParaRPr lang="en-US"/>
@@ -2468,6 +2498,7 @@
           <a:p>
             <a:fld id="{9B618960-8005-486C-9A75-10CB2AAC16F9}" type="slidenum">
               <a:rPr lang="en-US" smtClean="0"/>
+              <a:pPr/>
               <a:t>‹N›</a:t>
             </a:fld>
             <a:endParaRPr lang="en-US"/>
@@ -2521,6 +2552,7 @@
           <a:p>
             <a:fld id="{63A1C593-65D0-4073-BCC9-577B9352EA97}" type="datetimeFigureOut">
               <a:rPr lang="en-US" smtClean="0"/>
+              <a:pPr/>
               <a:t>3/26/2019</a:t>
             </a:fld>
             <a:endParaRPr lang="en-US"/>
@@ -2563,6 +2595,7 @@
           <a:p>
             <a:fld id="{9B618960-8005-486C-9A75-10CB2AAC16F9}" type="slidenum">
               <a:rPr lang="en-US" smtClean="0"/>
+              <a:pPr/>
               <a:t>‹N›</a:t>
             </a:fld>
             <a:endParaRPr lang="en-US"/>
@@ -2796,6 +2829,7 @@
           <a:p>
             <a:fld id="{63A1C593-65D0-4073-BCC9-577B9352EA97}" type="datetimeFigureOut">
               <a:rPr lang="en-US" smtClean="0"/>
+              <a:pPr/>
               <a:t>3/26/2019</a:t>
             </a:fld>
             <a:endParaRPr lang="en-US"/>
@@ -2838,6 +2872,7 @@
           <a:p>
             <a:fld id="{9B618960-8005-486C-9A75-10CB2AAC16F9}" type="slidenum">
               <a:rPr lang="en-US" smtClean="0"/>
+              <a:pPr/>
               <a:t>‹N›</a:t>
             </a:fld>
             <a:endParaRPr lang="en-US"/>
@@ -3048,6 +3083,7 @@
           <a:p>
             <a:fld id="{63A1C593-65D0-4073-BCC9-577B9352EA97}" type="datetimeFigureOut">
               <a:rPr lang="en-US" smtClean="0"/>
+              <a:pPr/>
               <a:t>3/26/2019</a:t>
             </a:fld>
             <a:endParaRPr lang="en-US"/>
@@ -3090,6 +3126,7 @@
           <a:p>
             <a:fld id="{9B618960-8005-486C-9A75-10CB2AAC16F9}" type="slidenum">
               <a:rPr lang="en-US" smtClean="0"/>
+              <a:pPr/>
               <a:t>‹N›</a:t>
             </a:fld>
             <a:endParaRPr lang="en-US"/>
@@ -3115,7 +3152,7 @@
     <p:bg>
       <p:bgPr>
         <a:blipFill dpi="0" rotWithShape="1">
-          <a:blip r:embed="rId16">
+          <a:blip r:embed="rId16" cstate="print">
             <a:alphaModFix amt="20000"/>
             <a:lum/>
           </a:blip>
@@ -3269,6 +3306,7 @@
           <a:p>
             <a:fld id="{63A1C593-65D0-4073-BCC9-577B9352EA97}" type="datetimeFigureOut">
               <a:rPr lang="en-US" smtClean="0"/>
+              <a:pPr/>
               <a:t>3/26/2019</a:t>
             </a:fld>
             <a:endParaRPr lang="en-US"/>
@@ -3347,6 +3385,7 @@
           <a:p>
             <a:fld id="{9B618960-8005-486C-9A75-10CB2AAC16F9}" type="slidenum">
               <a:rPr lang="en-US" smtClean="0"/>
+              <a:pPr/>
               <a:t>‹N›</a:t>
             </a:fld>
             <a:endParaRPr lang="en-US"/>
@@ -21568,6 +21607,2138 @@
         </p:nvSpPr>
         <p:spPr>
           <a:xfrm>
+            <a:off x="3341511" y="258228"/>
+            <a:ext cx="5508978" cy="1446550"/>
+          </a:xfrm>
+          <a:prstGeom prst="rect">
+            <a:avLst/>
+          </a:prstGeom>
+          <a:noFill/>
+        </p:spPr>
+        <p:txBody>
+          <a:bodyPr wrap="square" rtlCol="0">
+            <a:spAutoFit/>
+          </a:bodyPr>
+          <a:lstStyle/>
+          <a:p>
+            <a:pPr algn="ctr"/>
+            <a:r>
+              <a:rPr lang="en-US" sz="4400" b="1" dirty="0">
+                <a:latin typeface="Candara" panose="020E0502030303020204" pitchFamily="34" charset="0"/>
+              </a:rPr>
+              <a:t>In </a:t>
+            </a:r>
+            <a:r>
+              <a:rPr lang="en-US" sz="4400" b="1" dirty="0" err="1">
+                <a:latin typeface="Candara" panose="020E0502030303020204" pitchFamily="34" charset="0"/>
+              </a:rPr>
+              <a:t>conclusione</a:t>
+            </a:r>
+            <a:endParaRPr lang="en-US" sz="4400" b="1" dirty="0">
+              <a:latin typeface="Candara" panose="020E0502030303020204" pitchFamily="34" charset="0"/>
+            </a:endParaRPr>
+          </a:p>
+          <a:p>
+            <a:pPr algn="ctr"/>
+            <a:endParaRPr lang="en-US" sz="4400" b="1" dirty="0">
+              <a:solidFill>
+                <a:schemeClr val="bg1"/>
+              </a:solidFill>
+              <a:latin typeface="Candara" panose="020E0502030303020204" pitchFamily="34" charset="0"/>
+            </a:endParaRPr>
+          </a:p>
+        </p:txBody>
+      </p:sp>
+      <p:sp>
+        <p:nvSpPr>
+          <p:cNvPr id="31" name="TextBox 30"/>
+          <p:cNvSpPr txBox="1"/>
+          <p:nvPr/>
+        </p:nvSpPr>
+        <p:spPr>
+          <a:xfrm>
+            <a:off x="1165311" y="1435639"/>
+            <a:ext cx="4352210" cy="2222147"/>
+          </a:xfrm>
+          <a:prstGeom prst="rect">
+            <a:avLst/>
+          </a:prstGeom>
+          <a:noFill/>
+        </p:spPr>
+        <p:txBody>
+          <a:bodyPr wrap="square" rtlCol="0">
+            <a:spAutoFit/>
+          </a:bodyPr>
+          <a:lstStyle/>
+          <a:p>
+            <a:pPr algn="ctr" defTabSz="1219170">
+              <a:spcBef>
+                <a:spcPct val="20000"/>
+              </a:spcBef>
+              <a:defRPr/>
+            </a:pPr>
+            <a:r>
+              <a:rPr lang="en-US" sz="2000" b="1" dirty="0" err="1">
+                <a:solidFill>
+                  <a:srgbClr val="D34132"/>
+                </a:solidFill>
+                <a:latin typeface="Candara" panose="020E0502030303020204" pitchFamily="34" charset="0"/>
+              </a:rPr>
+              <a:t>Risultati</a:t>
+            </a:r>
+            <a:r>
+              <a:rPr lang="en-US" sz="2000" b="1" dirty="0">
+                <a:solidFill>
+                  <a:srgbClr val="D34132"/>
+                </a:solidFill>
+                <a:latin typeface="Candara" panose="020E0502030303020204" pitchFamily="34" charset="0"/>
+              </a:rPr>
+              <a:t> Paper</a:t>
+            </a:r>
+          </a:p>
+          <a:p>
+            <a:pPr algn="ctr" defTabSz="1219170">
+              <a:spcBef>
+                <a:spcPct val="20000"/>
+              </a:spcBef>
+              <a:defRPr/>
+            </a:pPr>
+            <a:endParaRPr lang="en-US" sz="1600" b="1" dirty="0">
+              <a:solidFill>
+                <a:srgbClr val="D34132"/>
+              </a:solidFill>
+              <a:latin typeface="Candara" panose="020E0502030303020204" pitchFamily="34" charset="0"/>
+            </a:endParaRPr>
+          </a:p>
+          <a:p>
+            <a:pPr algn="ctr" defTabSz="1219170">
+              <a:spcBef>
+                <a:spcPct val="20000"/>
+              </a:spcBef>
+              <a:defRPr/>
+            </a:pPr>
+            <a:r>
+              <a:rPr lang="en-US" sz="1600" b="1" dirty="0">
+                <a:solidFill>
+                  <a:schemeClr val="bg2">
+                    <a:lumMod val="10000"/>
+                  </a:schemeClr>
+                </a:solidFill>
+                <a:latin typeface="Candara" panose="020E0502030303020204" pitchFamily="34" charset="0"/>
+              </a:rPr>
+              <a:t>Il paper conclude </a:t>
+            </a:r>
+            <a:r>
+              <a:rPr lang="en-US" sz="1600" b="1" dirty="0" err="1">
+                <a:solidFill>
+                  <a:schemeClr val="bg2">
+                    <a:lumMod val="10000"/>
+                  </a:schemeClr>
+                </a:solidFill>
+                <a:latin typeface="Candara" panose="020E0502030303020204" pitchFamily="34" charset="0"/>
+              </a:rPr>
+              <a:t>affermando</a:t>
+            </a:r>
+            <a:r>
+              <a:rPr lang="en-US" sz="1600" b="1" dirty="0">
+                <a:solidFill>
+                  <a:schemeClr val="bg2">
+                    <a:lumMod val="10000"/>
+                  </a:schemeClr>
+                </a:solidFill>
+                <a:latin typeface="Candara" panose="020E0502030303020204" pitchFamily="34" charset="0"/>
+              </a:rPr>
+              <a:t> </a:t>
+            </a:r>
+            <a:r>
+              <a:rPr lang="en-US" sz="1600" b="1" dirty="0" err="1">
+                <a:solidFill>
+                  <a:schemeClr val="bg2">
+                    <a:lumMod val="10000"/>
+                  </a:schemeClr>
+                </a:solidFill>
+                <a:latin typeface="Candara" panose="020E0502030303020204" pitchFamily="34" charset="0"/>
+              </a:rPr>
+              <a:t>che</a:t>
+            </a:r>
+            <a:r>
+              <a:rPr lang="en-US" sz="1600" b="1" dirty="0">
+                <a:solidFill>
+                  <a:schemeClr val="bg2">
+                    <a:lumMod val="10000"/>
+                  </a:schemeClr>
+                </a:solidFill>
+                <a:latin typeface="Candara" panose="020E0502030303020204" pitchFamily="34" charset="0"/>
+              </a:rPr>
+              <a:t>, con </a:t>
+            </a:r>
+            <a:r>
+              <a:rPr lang="en-US" sz="1600" b="1" dirty="0" err="1">
+                <a:solidFill>
+                  <a:schemeClr val="bg2">
+                    <a:lumMod val="10000"/>
+                  </a:schemeClr>
+                </a:solidFill>
+                <a:latin typeface="Candara" panose="020E0502030303020204" pitchFamily="34" charset="0"/>
+              </a:rPr>
+              <a:t>una</a:t>
+            </a:r>
+            <a:r>
+              <a:rPr lang="en-US" sz="1600" b="1" dirty="0">
+                <a:solidFill>
+                  <a:schemeClr val="bg2">
+                    <a:lumMod val="10000"/>
+                  </a:schemeClr>
+                </a:solidFill>
+                <a:latin typeface="Candara" panose="020E0502030303020204" pitchFamily="34" charset="0"/>
+              </a:rPr>
+              <a:t> </a:t>
+            </a:r>
+            <a:r>
+              <a:rPr lang="en-US" sz="1600" b="1" dirty="0" err="1">
+                <a:solidFill>
+                  <a:schemeClr val="bg2">
+                    <a:lumMod val="10000"/>
+                  </a:schemeClr>
+                </a:solidFill>
+                <a:latin typeface="Candara" panose="020E0502030303020204" pitchFamily="34" charset="0"/>
+              </a:rPr>
+              <a:t>distorsione</a:t>
+            </a:r>
+            <a:r>
+              <a:rPr lang="en-US" sz="1600" b="1" dirty="0">
+                <a:solidFill>
+                  <a:schemeClr val="bg2">
+                    <a:lumMod val="10000"/>
+                  </a:schemeClr>
+                </a:solidFill>
+                <a:latin typeface="Candara" panose="020E0502030303020204" pitchFamily="34" charset="0"/>
+              </a:rPr>
+              <a:t> </a:t>
+            </a:r>
+            <a:r>
+              <a:rPr lang="en-US" sz="1600" b="1" dirty="0" err="1">
+                <a:solidFill>
+                  <a:schemeClr val="bg2">
+                    <a:lumMod val="10000"/>
+                  </a:schemeClr>
+                </a:solidFill>
+                <a:latin typeface="Candara" panose="020E0502030303020204" pitchFamily="34" charset="0"/>
+              </a:rPr>
+              <a:t>probabilistica</a:t>
+            </a:r>
+            <a:r>
+              <a:rPr lang="en-US" sz="1600" b="1" dirty="0">
+                <a:solidFill>
+                  <a:schemeClr val="bg2">
+                    <a:lumMod val="10000"/>
+                  </a:schemeClr>
+                </a:solidFill>
+                <a:latin typeface="Candara" panose="020E0502030303020204" pitchFamily="34" charset="0"/>
+              </a:rPr>
+              <a:t>  </a:t>
+            </a:r>
+            <a:r>
+              <a:rPr lang="en-US" sz="1600" b="1" dirty="0" err="1">
+                <a:solidFill>
+                  <a:schemeClr val="bg2">
+                    <a:lumMod val="10000"/>
+                  </a:schemeClr>
+                </a:solidFill>
+                <a:latin typeface="Candara" panose="020E0502030303020204" pitchFamily="34" charset="0"/>
+              </a:rPr>
+              <a:t>dovuta</a:t>
+            </a:r>
+            <a:r>
+              <a:rPr lang="en-US" sz="1600" b="1" dirty="0">
+                <a:solidFill>
+                  <a:schemeClr val="bg2">
+                    <a:lumMod val="10000"/>
+                  </a:schemeClr>
+                </a:solidFill>
+                <a:latin typeface="Candara" panose="020E0502030303020204" pitchFamily="34" charset="0"/>
+              </a:rPr>
+              <a:t> a p=0.9, è </a:t>
+            </a:r>
+            <a:r>
+              <a:rPr lang="en-US" sz="1600" b="1" dirty="0" err="1">
+                <a:solidFill>
+                  <a:schemeClr val="bg2">
+                    <a:lumMod val="10000"/>
+                  </a:schemeClr>
+                </a:solidFill>
+                <a:latin typeface="Candara" panose="020E0502030303020204" pitchFamily="34" charset="0"/>
+              </a:rPr>
+              <a:t>possibile</a:t>
+            </a:r>
+            <a:r>
+              <a:rPr lang="en-US" sz="1600" b="1" dirty="0">
+                <a:solidFill>
+                  <a:schemeClr val="bg2">
+                    <a:lumMod val="10000"/>
+                  </a:schemeClr>
+                </a:solidFill>
+                <a:latin typeface="Candara" panose="020E0502030303020204" pitchFamily="34" charset="0"/>
+              </a:rPr>
+              <a:t> </a:t>
+            </a:r>
+            <a:r>
+              <a:rPr lang="en-US" sz="1600" b="1" dirty="0" err="1">
+                <a:solidFill>
+                  <a:schemeClr val="bg2">
+                    <a:lumMod val="10000"/>
+                  </a:schemeClr>
+                </a:solidFill>
+                <a:latin typeface="Candara" panose="020E0502030303020204" pitchFamily="34" charset="0"/>
+              </a:rPr>
+              <a:t>ottenere</a:t>
+            </a:r>
+            <a:r>
+              <a:rPr lang="en-US" sz="1600" b="1" dirty="0">
+                <a:solidFill>
+                  <a:schemeClr val="bg2">
+                    <a:lumMod val="10000"/>
+                  </a:schemeClr>
+                </a:solidFill>
+                <a:latin typeface="Candara" panose="020E0502030303020204" pitchFamily="34" charset="0"/>
+              </a:rPr>
+              <a:t> un </a:t>
+            </a:r>
+            <a:r>
+              <a:rPr lang="en-US" sz="1600" b="1" dirty="0" err="1">
+                <a:solidFill>
+                  <a:schemeClr val="bg2">
+                    <a:lumMod val="10000"/>
+                  </a:schemeClr>
+                </a:solidFill>
+                <a:latin typeface="Candara" panose="020E0502030303020204" pitchFamily="34" charset="0"/>
+              </a:rPr>
+              <a:t>risultato</a:t>
+            </a:r>
+            <a:r>
+              <a:rPr lang="en-US" sz="1600" b="1" dirty="0">
+                <a:solidFill>
+                  <a:schemeClr val="bg2">
+                    <a:lumMod val="10000"/>
+                  </a:schemeClr>
+                </a:solidFill>
+                <a:latin typeface="Candara" panose="020E0502030303020204" pitchFamily="34" charset="0"/>
+              </a:rPr>
+              <a:t> </a:t>
+            </a:r>
+            <a:r>
+              <a:rPr lang="en-US" sz="1600" b="1" dirty="0" err="1">
+                <a:solidFill>
+                  <a:schemeClr val="bg2">
+                    <a:lumMod val="10000"/>
+                  </a:schemeClr>
+                </a:solidFill>
+                <a:latin typeface="Candara" panose="020E0502030303020204" pitchFamily="34" charset="0"/>
+              </a:rPr>
+              <a:t>di</a:t>
+            </a:r>
+            <a:r>
+              <a:rPr lang="en-US" sz="1600" b="1" dirty="0">
+                <a:solidFill>
+                  <a:schemeClr val="bg2">
+                    <a:lumMod val="10000"/>
+                  </a:schemeClr>
+                </a:solidFill>
+                <a:latin typeface="Candara" panose="020E0502030303020204" pitchFamily="34" charset="0"/>
+              </a:rPr>
+              <a:t> privacy </a:t>
+            </a:r>
+            <a:r>
+              <a:rPr lang="en-US" sz="1600" b="1" dirty="0" err="1">
+                <a:solidFill>
+                  <a:schemeClr val="bg2">
+                    <a:lumMod val="10000"/>
+                  </a:schemeClr>
+                </a:solidFill>
+                <a:latin typeface="Candara" panose="020E0502030303020204" pitchFamily="34" charset="0"/>
+              </a:rPr>
+              <a:t>superiore</a:t>
+            </a:r>
+            <a:r>
+              <a:rPr lang="en-US" sz="1600" b="1" dirty="0">
+                <a:solidFill>
+                  <a:schemeClr val="bg2">
+                    <a:lumMod val="10000"/>
+                  </a:schemeClr>
+                </a:solidFill>
+                <a:latin typeface="Candara" panose="020E0502030303020204" pitchFamily="34" charset="0"/>
+              </a:rPr>
+              <a:t> a 80% con, </a:t>
+            </a:r>
+            <a:r>
+              <a:rPr lang="en-US" sz="1600" b="1" dirty="0" err="1">
+                <a:solidFill>
+                  <a:schemeClr val="bg2">
+                    <a:lumMod val="10000"/>
+                  </a:schemeClr>
+                </a:solidFill>
+                <a:latin typeface="Candara" panose="020E0502030303020204" pitchFamily="34" charset="0"/>
+              </a:rPr>
+              <a:t>contemporaneamente</a:t>
+            </a:r>
+            <a:r>
+              <a:rPr lang="en-US" sz="1600" b="1" dirty="0">
+                <a:solidFill>
+                  <a:schemeClr val="bg2">
+                    <a:lumMod val="10000"/>
+                  </a:schemeClr>
+                </a:solidFill>
+                <a:latin typeface="Candara" panose="020E0502030303020204" pitchFamily="34" charset="0"/>
+              </a:rPr>
+              <a:t>, un </a:t>
+            </a:r>
+            <a:r>
+              <a:rPr lang="en-US" sz="1600" b="1" dirty="0" err="1">
+                <a:solidFill>
+                  <a:schemeClr val="bg2">
+                    <a:lumMod val="10000"/>
+                  </a:schemeClr>
+                </a:solidFill>
+                <a:latin typeface="Candara" panose="020E0502030303020204" pitchFamily="34" charset="0"/>
+              </a:rPr>
+              <a:t>errore</a:t>
+            </a:r>
+            <a:r>
+              <a:rPr lang="en-US" sz="1600" b="1" dirty="0">
+                <a:solidFill>
+                  <a:schemeClr val="bg2">
+                    <a:lumMod val="10000"/>
+                  </a:schemeClr>
+                </a:solidFill>
+                <a:latin typeface="Candara" panose="020E0502030303020204" pitchFamily="34" charset="0"/>
+              </a:rPr>
+              <a:t> del 10%. Il </a:t>
+            </a:r>
+            <a:r>
+              <a:rPr lang="en-US" sz="1600" b="1" dirty="0" err="1">
+                <a:solidFill>
+                  <a:schemeClr val="bg2">
+                    <a:lumMod val="10000"/>
+                  </a:schemeClr>
+                </a:solidFill>
+                <a:latin typeface="Candara" panose="020E0502030303020204" pitchFamily="34" charset="0"/>
+              </a:rPr>
+              <a:t>tutto</a:t>
+            </a:r>
+            <a:r>
+              <a:rPr lang="en-US" sz="1600" b="1" dirty="0">
+                <a:solidFill>
+                  <a:schemeClr val="bg2">
+                    <a:lumMod val="10000"/>
+                  </a:schemeClr>
+                </a:solidFill>
+                <a:latin typeface="Candara" panose="020E0502030303020204" pitchFamily="34" charset="0"/>
+              </a:rPr>
+              <a:t> </a:t>
+            </a:r>
+            <a:r>
+              <a:rPr lang="en-US" sz="1600" b="1" dirty="0" err="1">
+                <a:solidFill>
+                  <a:schemeClr val="bg2">
+                    <a:lumMod val="10000"/>
+                  </a:schemeClr>
+                </a:solidFill>
+                <a:latin typeface="Candara" panose="020E0502030303020204" pitchFamily="34" charset="0"/>
+              </a:rPr>
+              <a:t>rimanendo</a:t>
+            </a:r>
+            <a:r>
+              <a:rPr lang="en-US" sz="1600" b="1" dirty="0">
+                <a:solidFill>
+                  <a:schemeClr val="bg2">
+                    <a:lumMod val="10000"/>
+                  </a:schemeClr>
+                </a:solidFill>
+                <a:latin typeface="Candara" panose="020E0502030303020204" pitchFamily="34" charset="0"/>
+              </a:rPr>
+              <a:t> in tempi </a:t>
+            </a:r>
+            <a:r>
+              <a:rPr lang="en-US" sz="1600" b="1" dirty="0" err="1">
+                <a:solidFill>
+                  <a:schemeClr val="bg2">
+                    <a:lumMod val="10000"/>
+                  </a:schemeClr>
+                </a:solidFill>
+                <a:latin typeface="Candara" panose="020E0502030303020204" pitchFamily="34" charset="0"/>
+              </a:rPr>
+              <a:t>di</a:t>
+            </a:r>
+            <a:r>
+              <a:rPr lang="en-US" sz="1600" b="1" dirty="0">
+                <a:solidFill>
+                  <a:schemeClr val="bg2">
+                    <a:lumMod val="10000"/>
+                  </a:schemeClr>
+                </a:solidFill>
+                <a:latin typeface="Candara" panose="020E0502030303020204" pitchFamily="34" charset="0"/>
+              </a:rPr>
+              <a:t> </a:t>
+            </a:r>
+            <a:r>
+              <a:rPr lang="en-US" sz="1600" b="1" dirty="0" err="1">
+                <a:solidFill>
+                  <a:schemeClr val="bg2">
+                    <a:lumMod val="10000"/>
+                  </a:schemeClr>
+                </a:solidFill>
+                <a:latin typeface="Candara" panose="020E0502030303020204" pitchFamily="34" charset="0"/>
+              </a:rPr>
+              <a:t>computazione</a:t>
+            </a:r>
+            <a:r>
+              <a:rPr lang="en-US" sz="1600" b="1" dirty="0">
+                <a:solidFill>
+                  <a:schemeClr val="bg2">
+                    <a:lumMod val="10000"/>
+                  </a:schemeClr>
+                </a:solidFill>
+                <a:latin typeface="Candara" panose="020E0502030303020204" pitchFamily="34" charset="0"/>
+              </a:rPr>
+              <a:t> </a:t>
+            </a:r>
+            <a:r>
+              <a:rPr lang="en-US" sz="1600" b="1" dirty="0" err="1">
+                <a:solidFill>
+                  <a:schemeClr val="bg2">
+                    <a:lumMod val="10000"/>
+                  </a:schemeClr>
+                </a:solidFill>
+                <a:latin typeface="Candara" panose="020E0502030303020204" pitchFamily="34" charset="0"/>
+              </a:rPr>
+              <a:t>adeguati</a:t>
+            </a:r>
+            <a:r>
+              <a:rPr lang="en-US" sz="1600" b="1" dirty="0">
+                <a:solidFill>
+                  <a:schemeClr val="bg2">
+                    <a:lumMod val="10000"/>
+                  </a:schemeClr>
+                </a:solidFill>
+                <a:latin typeface="Candara" panose="020E0502030303020204" pitchFamily="34" charset="0"/>
+              </a:rPr>
+              <a:t>.</a:t>
+            </a:r>
+          </a:p>
+        </p:txBody>
+      </p:sp>
+      <p:sp>
+        <p:nvSpPr>
+          <p:cNvPr id="32" name="TextBox 31"/>
+          <p:cNvSpPr txBox="1"/>
+          <p:nvPr/>
+        </p:nvSpPr>
+        <p:spPr>
+          <a:xfrm>
+            <a:off x="6674289" y="1426811"/>
+            <a:ext cx="4352400" cy="3699474"/>
+          </a:xfrm>
+          <a:prstGeom prst="rect">
+            <a:avLst/>
+          </a:prstGeom>
+          <a:noFill/>
+        </p:spPr>
+        <p:txBody>
+          <a:bodyPr wrap="square" rtlCol="0">
+            <a:spAutoFit/>
+          </a:bodyPr>
+          <a:lstStyle/>
+          <a:p>
+            <a:pPr algn="ctr" defTabSz="1219170">
+              <a:spcBef>
+                <a:spcPct val="20000"/>
+              </a:spcBef>
+              <a:defRPr/>
+            </a:pPr>
+            <a:r>
+              <a:rPr lang="en-US" sz="2000" b="1" dirty="0" err="1">
+                <a:solidFill>
+                  <a:srgbClr val="34738D"/>
+                </a:solidFill>
+                <a:latin typeface="Candara" panose="020E0502030303020204" pitchFamily="34" charset="0"/>
+              </a:rPr>
+              <a:t>Risultati</a:t>
+            </a:r>
+            <a:r>
+              <a:rPr lang="en-US" sz="2000" b="1" dirty="0">
+                <a:solidFill>
+                  <a:srgbClr val="34738D"/>
+                </a:solidFill>
+                <a:latin typeface="Candara" panose="020E0502030303020204" pitchFamily="34" charset="0"/>
+              </a:rPr>
+              <a:t> </a:t>
+            </a:r>
+            <a:r>
+              <a:rPr lang="en-US" sz="2000" b="1" dirty="0" err="1">
+                <a:solidFill>
+                  <a:srgbClr val="34738D"/>
+                </a:solidFill>
+                <a:latin typeface="Candara" panose="020E0502030303020204" pitchFamily="34" charset="0"/>
+              </a:rPr>
+              <a:t>Esperimento</a:t>
+            </a:r>
+            <a:endParaRPr lang="en-US" sz="2000" b="1" dirty="0">
+              <a:solidFill>
+                <a:srgbClr val="34738D"/>
+              </a:solidFill>
+              <a:latin typeface="Candara" panose="020E0502030303020204" pitchFamily="34" charset="0"/>
+            </a:endParaRPr>
+          </a:p>
+          <a:p>
+            <a:pPr algn="ctr" defTabSz="1219170">
+              <a:spcBef>
+                <a:spcPct val="20000"/>
+              </a:spcBef>
+              <a:defRPr/>
+            </a:pPr>
+            <a:endParaRPr lang="en-US" sz="1600" b="1" dirty="0">
+              <a:solidFill>
+                <a:srgbClr val="34738D"/>
+              </a:solidFill>
+              <a:latin typeface="Candara" panose="020E0502030303020204" pitchFamily="34" charset="0"/>
+            </a:endParaRPr>
+          </a:p>
+          <a:p>
+            <a:pPr algn="ctr" defTabSz="1219170">
+              <a:spcBef>
+                <a:spcPct val="20000"/>
+              </a:spcBef>
+              <a:defRPr/>
+            </a:pPr>
+            <a:r>
+              <a:rPr lang="en-US" sz="1600" b="1" dirty="0" err="1">
+                <a:solidFill>
+                  <a:schemeClr val="bg2">
+                    <a:lumMod val="10000"/>
+                  </a:schemeClr>
+                </a:solidFill>
+                <a:latin typeface="Candara" panose="020E0502030303020204" pitchFamily="34" charset="0"/>
+              </a:rPr>
+              <a:t>Dalla</a:t>
+            </a:r>
+            <a:r>
+              <a:rPr lang="en-US" sz="1600" b="1" dirty="0">
+                <a:solidFill>
+                  <a:schemeClr val="bg2">
+                    <a:lumMod val="10000"/>
+                  </a:schemeClr>
+                </a:solidFill>
+                <a:latin typeface="Candara" panose="020E0502030303020204" pitchFamily="34" charset="0"/>
+              </a:rPr>
+              <a:t> nostra </a:t>
+            </a:r>
+            <a:r>
+              <a:rPr lang="en-US" sz="1600" b="1" dirty="0" err="1">
+                <a:solidFill>
+                  <a:schemeClr val="bg2">
+                    <a:lumMod val="10000"/>
+                  </a:schemeClr>
+                </a:solidFill>
+                <a:latin typeface="Candara" panose="020E0502030303020204" pitchFamily="34" charset="0"/>
+              </a:rPr>
+              <a:t>esperienza</a:t>
+            </a:r>
+            <a:r>
+              <a:rPr lang="en-US" sz="1600" b="1" dirty="0">
+                <a:solidFill>
+                  <a:schemeClr val="bg2">
+                    <a:lumMod val="10000"/>
+                  </a:schemeClr>
+                </a:solidFill>
+                <a:latin typeface="Candara" panose="020E0502030303020204" pitchFamily="34" charset="0"/>
+              </a:rPr>
+              <a:t> </a:t>
+            </a:r>
+            <a:r>
+              <a:rPr lang="en-US" sz="1600" b="1" dirty="0" err="1">
+                <a:solidFill>
+                  <a:schemeClr val="bg2">
+                    <a:lumMod val="10000"/>
+                  </a:schemeClr>
+                </a:solidFill>
+                <a:latin typeface="Candara" panose="020E0502030303020204" pitchFamily="34" charset="0"/>
+              </a:rPr>
+              <a:t>empirica</a:t>
+            </a:r>
+            <a:r>
+              <a:rPr lang="en-US" sz="1600" b="1" dirty="0">
+                <a:solidFill>
+                  <a:schemeClr val="bg2">
+                    <a:lumMod val="10000"/>
+                  </a:schemeClr>
+                </a:solidFill>
+                <a:latin typeface="Candara" panose="020E0502030303020204" pitchFamily="34" charset="0"/>
+              </a:rPr>
+              <a:t>, </a:t>
+            </a:r>
+            <a:r>
+              <a:rPr lang="en-US" sz="1600" b="1" dirty="0" err="1">
+                <a:solidFill>
+                  <a:schemeClr val="bg2">
+                    <a:lumMod val="10000"/>
+                  </a:schemeClr>
+                </a:solidFill>
+                <a:latin typeface="Candara" panose="020E0502030303020204" pitchFamily="34" charset="0"/>
+              </a:rPr>
+              <a:t>invece</a:t>
+            </a:r>
+            <a:r>
+              <a:rPr lang="en-US" sz="1600" b="1" dirty="0">
+                <a:solidFill>
+                  <a:schemeClr val="bg2">
+                    <a:lumMod val="10000"/>
+                  </a:schemeClr>
+                </a:solidFill>
+                <a:latin typeface="Candara" panose="020E0502030303020204" pitchFamily="34" charset="0"/>
+              </a:rPr>
+              <a:t>, </a:t>
+            </a:r>
+            <a:r>
+              <a:rPr lang="en-US" sz="1600" b="1" dirty="0" err="1">
+                <a:solidFill>
+                  <a:schemeClr val="bg2">
+                    <a:lumMod val="10000"/>
+                  </a:schemeClr>
+                </a:solidFill>
+                <a:latin typeface="Candara" panose="020E0502030303020204" pitchFamily="34" charset="0"/>
+              </a:rPr>
+              <a:t>dobbiamo</a:t>
+            </a:r>
+            <a:r>
+              <a:rPr lang="en-US" sz="1600" b="1" dirty="0">
+                <a:solidFill>
+                  <a:schemeClr val="bg2">
+                    <a:lumMod val="10000"/>
+                  </a:schemeClr>
+                </a:solidFill>
+                <a:latin typeface="Candara" panose="020E0502030303020204" pitchFamily="34" charset="0"/>
+              </a:rPr>
+              <a:t> </a:t>
+            </a:r>
+            <a:r>
+              <a:rPr lang="en-US" sz="1600" b="1" dirty="0" err="1">
+                <a:solidFill>
+                  <a:schemeClr val="bg2">
+                    <a:lumMod val="10000"/>
+                  </a:schemeClr>
+                </a:solidFill>
+                <a:latin typeface="Candara" panose="020E0502030303020204" pitchFamily="34" charset="0"/>
+              </a:rPr>
+              <a:t>concludere</a:t>
+            </a:r>
+            <a:r>
+              <a:rPr lang="en-US" sz="1600" b="1" dirty="0">
+                <a:solidFill>
+                  <a:schemeClr val="bg2">
+                    <a:lumMod val="10000"/>
+                  </a:schemeClr>
+                </a:solidFill>
+                <a:latin typeface="Candara" panose="020E0502030303020204" pitchFamily="34" charset="0"/>
+              </a:rPr>
+              <a:t> con un </a:t>
+            </a:r>
+            <a:r>
+              <a:rPr lang="en-US" sz="1600" b="1" dirty="0" err="1">
+                <a:solidFill>
+                  <a:schemeClr val="bg2">
+                    <a:lumMod val="10000"/>
+                  </a:schemeClr>
+                </a:solidFill>
+                <a:latin typeface="Candara" panose="020E0502030303020204" pitchFamily="34" charset="0"/>
+              </a:rPr>
+              <a:t>pensiero</a:t>
+            </a:r>
+            <a:r>
+              <a:rPr lang="en-US" sz="1600" b="1" dirty="0">
+                <a:solidFill>
+                  <a:schemeClr val="bg2">
+                    <a:lumMod val="10000"/>
+                  </a:schemeClr>
+                </a:solidFill>
+                <a:latin typeface="Candara" panose="020E0502030303020204" pitchFamily="34" charset="0"/>
+              </a:rPr>
+              <a:t> </a:t>
+            </a:r>
+            <a:r>
+              <a:rPr lang="en-US" sz="1600" b="1" dirty="0" err="1">
+                <a:solidFill>
+                  <a:schemeClr val="bg2">
+                    <a:lumMod val="10000"/>
+                  </a:schemeClr>
+                </a:solidFill>
+                <a:latin typeface="Candara" panose="020E0502030303020204" pitchFamily="34" charset="0"/>
+              </a:rPr>
+              <a:t>meno</a:t>
+            </a:r>
+            <a:r>
+              <a:rPr lang="en-US" sz="1600" b="1" dirty="0">
+                <a:solidFill>
+                  <a:schemeClr val="bg2">
+                    <a:lumMod val="10000"/>
+                  </a:schemeClr>
+                </a:solidFill>
+                <a:latin typeface="Candara" panose="020E0502030303020204" pitchFamily="34" charset="0"/>
+              </a:rPr>
+              <a:t> </a:t>
+            </a:r>
+            <a:r>
+              <a:rPr lang="en-US" sz="1600" b="1" dirty="0" err="1">
+                <a:solidFill>
+                  <a:schemeClr val="bg2">
+                    <a:lumMod val="10000"/>
+                  </a:schemeClr>
+                </a:solidFill>
+                <a:latin typeface="Candara" panose="020E0502030303020204" pitchFamily="34" charset="0"/>
+              </a:rPr>
+              <a:t>ottimista</a:t>
+            </a:r>
+            <a:r>
+              <a:rPr lang="en-US" sz="1600" b="1" dirty="0">
+                <a:solidFill>
+                  <a:schemeClr val="bg2">
+                    <a:lumMod val="10000"/>
+                  </a:schemeClr>
+                </a:solidFill>
+                <a:latin typeface="Candara" panose="020E0502030303020204" pitchFamily="34" charset="0"/>
+              </a:rPr>
+              <a:t>. La privacy </a:t>
+            </a:r>
+            <a:r>
+              <a:rPr lang="en-US" sz="1600" b="1" dirty="0" err="1">
+                <a:solidFill>
+                  <a:schemeClr val="bg2">
+                    <a:lumMod val="10000"/>
+                  </a:schemeClr>
+                </a:solidFill>
+                <a:latin typeface="Candara" panose="020E0502030303020204" pitchFamily="34" charset="0"/>
+              </a:rPr>
+              <a:t>ottenuta</a:t>
+            </a:r>
+            <a:r>
+              <a:rPr lang="en-US" sz="1600" b="1" dirty="0">
+                <a:solidFill>
+                  <a:schemeClr val="bg2">
+                    <a:lumMod val="10000"/>
+                  </a:schemeClr>
+                </a:solidFill>
+                <a:latin typeface="Candara" panose="020E0502030303020204" pitchFamily="34" charset="0"/>
+              </a:rPr>
+              <a:t> </a:t>
+            </a:r>
+            <a:r>
+              <a:rPr lang="en-US" sz="1600" b="1" dirty="0" err="1">
+                <a:solidFill>
+                  <a:schemeClr val="bg2">
+                    <a:lumMod val="10000"/>
+                  </a:schemeClr>
+                </a:solidFill>
+                <a:latin typeface="Candara" panose="020E0502030303020204" pitchFamily="34" charset="0"/>
+              </a:rPr>
+              <a:t>si</a:t>
+            </a:r>
+            <a:r>
+              <a:rPr lang="en-US" sz="1600" b="1" dirty="0">
+                <a:solidFill>
+                  <a:schemeClr val="bg2">
+                    <a:lumMod val="10000"/>
+                  </a:schemeClr>
+                </a:solidFill>
+                <a:latin typeface="Candara" panose="020E0502030303020204" pitchFamily="34" charset="0"/>
+              </a:rPr>
+              <a:t> </a:t>
+            </a:r>
+            <a:r>
+              <a:rPr lang="en-US" sz="1600" b="1" dirty="0" err="1">
+                <a:solidFill>
+                  <a:schemeClr val="bg2">
+                    <a:lumMod val="10000"/>
+                  </a:schemeClr>
+                </a:solidFill>
+                <a:latin typeface="Candara" panose="020E0502030303020204" pitchFamily="34" charset="0"/>
+              </a:rPr>
+              <a:t>assesta</a:t>
+            </a:r>
+            <a:r>
+              <a:rPr lang="en-US" sz="1600" b="1" dirty="0">
+                <a:solidFill>
+                  <a:schemeClr val="bg2">
+                    <a:lumMod val="10000"/>
+                  </a:schemeClr>
+                </a:solidFill>
+                <a:latin typeface="Candara" panose="020E0502030303020204" pitchFamily="34" charset="0"/>
+              </a:rPr>
+              <a:t>, come </a:t>
+            </a:r>
+            <a:r>
+              <a:rPr lang="en-US" sz="1600" b="1" dirty="0" err="1">
+                <a:solidFill>
+                  <a:schemeClr val="bg2">
+                    <a:lumMod val="10000"/>
+                  </a:schemeClr>
+                </a:solidFill>
+                <a:latin typeface="Candara" panose="020E0502030303020204" pitchFamily="34" charset="0"/>
+              </a:rPr>
+              <a:t>detto</a:t>
+            </a:r>
+            <a:r>
+              <a:rPr lang="en-US" sz="1600" b="1" dirty="0">
+                <a:solidFill>
+                  <a:schemeClr val="bg2">
+                    <a:lumMod val="10000"/>
+                  </a:schemeClr>
+                </a:solidFill>
+                <a:latin typeface="Candara" panose="020E0502030303020204" pitchFamily="34" charset="0"/>
+              </a:rPr>
+              <a:t>, a </a:t>
+            </a:r>
+            <a:r>
+              <a:rPr lang="en-US" sz="1600" b="1" dirty="0" err="1">
+                <a:solidFill>
+                  <a:schemeClr val="bg2">
+                    <a:lumMod val="10000"/>
+                  </a:schemeClr>
+                </a:solidFill>
+                <a:latin typeface="Candara" panose="020E0502030303020204" pitchFamily="34" charset="0"/>
+              </a:rPr>
+              <a:t>valori</a:t>
+            </a:r>
+            <a:r>
+              <a:rPr lang="en-US" sz="1600" b="1" dirty="0">
+                <a:solidFill>
+                  <a:schemeClr val="bg2">
+                    <a:lumMod val="10000"/>
+                  </a:schemeClr>
+                </a:solidFill>
+                <a:latin typeface="Candara" panose="020E0502030303020204" pitchFamily="34" charset="0"/>
+              </a:rPr>
+              <a:t> </a:t>
+            </a:r>
+            <a:r>
+              <a:rPr lang="en-US" sz="1600" b="1" dirty="0" err="1">
+                <a:solidFill>
+                  <a:schemeClr val="bg2">
+                    <a:lumMod val="10000"/>
+                  </a:schemeClr>
+                </a:solidFill>
+                <a:latin typeface="Candara" panose="020E0502030303020204" pitchFamily="34" charset="0"/>
+              </a:rPr>
+              <a:t>inotrno</a:t>
+            </a:r>
+            <a:r>
+              <a:rPr lang="en-US" sz="1600" b="1" dirty="0">
+                <a:solidFill>
+                  <a:schemeClr val="bg2">
+                    <a:lumMod val="10000"/>
+                  </a:schemeClr>
+                </a:solidFill>
+                <a:latin typeface="Candara" panose="020E0502030303020204" pitchFamily="34" charset="0"/>
+              </a:rPr>
+              <a:t> al 70%. </a:t>
+            </a:r>
+            <a:r>
+              <a:rPr lang="en-US" sz="1600" b="1" dirty="0" err="1">
+                <a:solidFill>
+                  <a:schemeClr val="bg2">
+                    <a:lumMod val="10000"/>
+                  </a:schemeClr>
+                </a:solidFill>
+                <a:latin typeface="Candara" panose="020E0502030303020204" pitchFamily="34" charset="0"/>
+              </a:rPr>
+              <a:t>Nonostante</a:t>
+            </a:r>
+            <a:r>
+              <a:rPr lang="en-US" sz="1600" b="1" dirty="0">
+                <a:solidFill>
+                  <a:schemeClr val="bg2">
+                    <a:lumMod val="10000"/>
+                  </a:schemeClr>
+                </a:solidFill>
+                <a:latin typeface="Candara" panose="020E0502030303020204" pitchFamily="34" charset="0"/>
+              </a:rPr>
+              <a:t> non </a:t>
+            </a:r>
+            <a:r>
+              <a:rPr lang="en-US" sz="1600" b="1" dirty="0" err="1">
+                <a:solidFill>
+                  <a:schemeClr val="bg2">
+                    <a:lumMod val="10000"/>
+                  </a:schemeClr>
+                </a:solidFill>
+                <a:latin typeface="Candara" panose="020E0502030303020204" pitchFamily="34" charset="0"/>
+              </a:rPr>
+              <a:t>sia</a:t>
+            </a:r>
+            <a:r>
+              <a:rPr lang="en-US" sz="1600" b="1" dirty="0">
+                <a:solidFill>
+                  <a:schemeClr val="bg2">
+                    <a:lumMod val="10000"/>
+                  </a:schemeClr>
+                </a:solidFill>
+                <a:latin typeface="Candara" panose="020E0502030303020204" pitchFamily="34" charset="0"/>
+              </a:rPr>
+              <a:t> </a:t>
+            </a:r>
+            <a:r>
+              <a:rPr lang="en-US" sz="1600" b="1" dirty="0" err="1">
+                <a:solidFill>
+                  <a:schemeClr val="bg2">
+                    <a:lumMod val="10000"/>
+                  </a:schemeClr>
+                </a:solidFill>
+                <a:latin typeface="Candara" panose="020E0502030303020204" pitchFamily="34" charset="0"/>
+              </a:rPr>
+              <a:t>chiara</a:t>
+            </a:r>
+            <a:r>
+              <a:rPr lang="en-US" sz="1600" b="1" dirty="0">
+                <a:solidFill>
+                  <a:schemeClr val="bg2">
+                    <a:lumMod val="10000"/>
+                  </a:schemeClr>
+                </a:solidFill>
+                <a:latin typeface="Candara" panose="020E0502030303020204" pitchFamily="34" charset="0"/>
+              </a:rPr>
+              <a:t> la </a:t>
+            </a:r>
+            <a:r>
+              <a:rPr lang="en-US" sz="1600" b="1" dirty="0" err="1">
+                <a:solidFill>
+                  <a:schemeClr val="bg2">
+                    <a:lumMod val="10000"/>
+                  </a:schemeClr>
+                </a:solidFill>
+                <a:latin typeface="Candara" panose="020E0502030303020204" pitchFamily="34" charset="0"/>
+              </a:rPr>
+              <a:t>metrica</a:t>
+            </a:r>
+            <a:r>
+              <a:rPr lang="en-US" sz="1600" b="1" dirty="0">
+                <a:solidFill>
+                  <a:schemeClr val="bg2">
+                    <a:lumMod val="10000"/>
+                  </a:schemeClr>
+                </a:solidFill>
+                <a:latin typeface="Candara" panose="020E0502030303020204" pitchFamily="34" charset="0"/>
+              </a:rPr>
+              <a:t> </a:t>
+            </a:r>
+            <a:r>
+              <a:rPr lang="en-US" sz="1600" b="1" dirty="0" err="1">
+                <a:solidFill>
+                  <a:schemeClr val="bg2">
+                    <a:lumMod val="10000"/>
+                  </a:schemeClr>
+                </a:solidFill>
+                <a:latin typeface="Candara" panose="020E0502030303020204" pitchFamily="34" charset="0"/>
+              </a:rPr>
+              <a:t>su</a:t>
+            </a:r>
+            <a:r>
+              <a:rPr lang="en-US" sz="1600" b="1" dirty="0">
+                <a:solidFill>
+                  <a:schemeClr val="bg2">
+                    <a:lumMod val="10000"/>
+                  </a:schemeClr>
+                </a:solidFill>
+                <a:latin typeface="Candara" panose="020E0502030303020204" pitchFamily="34" charset="0"/>
+              </a:rPr>
+              <a:t> cui </a:t>
+            </a:r>
+            <a:r>
+              <a:rPr lang="en-US" sz="1600" b="1" dirty="0" err="1">
+                <a:solidFill>
+                  <a:schemeClr val="bg2">
+                    <a:lumMod val="10000"/>
+                  </a:schemeClr>
+                </a:solidFill>
+                <a:latin typeface="Candara" panose="020E0502030303020204" pitchFamily="34" charset="0"/>
+              </a:rPr>
+              <a:t>viene</a:t>
+            </a:r>
+            <a:r>
+              <a:rPr lang="en-US" sz="1600" b="1" dirty="0">
+                <a:solidFill>
+                  <a:schemeClr val="bg2">
+                    <a:lumMod val="10000"/>
+                  </a:schemeClr>
+                </a:solidFill>
+                <a:latin typeface="Candara" panose="020E0502030303020204" pitchFamily="34" charset="0"/>
+              </a:rPr>
+              <a:t> </a:t>
+            </a:r>
+            <a:r>
+              <a:rPr lang="en-US" sz="1600" b="1" dirty="0" err="1">
+                <a:solidFill>
+                  <a:schemeClr val="bg2">
+                    <a:lumMod val="10000"/>
+                  </a:schemeClr>
+                </a:solidFill>
+                <a:latin typeface="Candara" panose="020E0502030303020204" pitchFamily="34" charset="0"/>
+              </a:rPr>
+              <a:t>basato</a:t>
+            </a:r>
+            <a:r>
+              <a:rPr lang="en-US" sz="1600" b="1" dirty="0">
+                <a:solidFill>
+                  <a:schemeClr val="bg2">
+                    <a:lumMod val="10000"/>
+                  </a:schemeClr>
+                </a:solidFill>
+                <a:latin typeface="Candara" panose="020E0502030303020204" pitchFamily="34" charset="0"/>
+              </a:rPr>
+              <a:t> </a:t>
+            </a:r>
+            <a:r>
+              <a:rPr lang="en-US" sz="1600" b="1" dirty="0" err="1">
+                <a:solidFill>
+                  <a:schemeClr val="bg2">
+                    <a:lumMod val="10000"/>
+                  </a:schemeClr>
+                </a:solidFill>
+                <a:latin typeface="Candara" panose="020E0502030303020204" pitchFamily="34" charset="0"/>
+              </a:rPr>
+              <a:t>l’errore</a:t>
+            </a:r>
+            <a:r>
+              <a:rPr lang="en-US" sz="1600" b="1" dirty="0">
+                <a:solidFill>
+                  <a:schemeClr val="bg2">
+                    <a:lumMod val="10000"/>
+                  </a:schemeClr>
+                </a:solidFill>
+                <a:latin typeface="Candara" panose="020E0502030303020204" pitchFamily="34" charset="0"/>
+              </a:rPr>
+              <a:t>, </a:t>
+            </a:r>
+            <a:r>
+              <a:rPr lang="en-US" sz="1600" b="1" dirty="0" err="1">
+                <a:solidFill>
+                  <a:schemeClr val="bg2">
+                    <a:lumMod val="10000"/>
+                  </a:schemeClr>
+                </a:solidFill>
+                <a:latin typeface="Candara" panose="020E0502030303020204" pitchFamily="34" charset="0"/>
+              </a:rPr>
+              <a:t>ci</a:t>
+            </a:r>
+            <a:r>
+              <a:rPr lang="en-US" sz="1600" b="1" dirty="0">
+                <a:solidFill>
+                  <a:schemeClr val="bg2">
+                    <a:lumMod val="10000"/>
+                  </a:schemeClr>
+                </a:solidFill>
+                <a:latin typeface="Candara" panose="020E0502030303020204" pitchFamily="34" charset="0"/>
+              </a:rPr>
+              <a:t> </a:t>
+            </a:r>
+            <a:r>
+              <a:rPr lang="en-US" sz="1600" b="1" dirty="0" err="1">
+                <a:solidFill>
+                  <a:schemeClr val="bg2">
+                    <a:lumMod val="10000"/>
+                  </a:schemeClr>
+                </a:solidFill>
+                <a:latin typeface="Candara" panose="020E0502030303020204" pitchFamily="34" charset="0"/>
+              </a:rPr>
+              <a:t>sentiamo</a:t>
+            </a:r>
+            <a:r>
+              <a:rPr lang="en-US" sz="1600" b="1" dirty="0">
+                <a:solidFill>
+                  <a:schemeClr val="bg2">
+                    <a:lumMod val="10000"/>
+                  </a:schemeClr>
+                </a:solidFill>
+                <a:latin typeface="Candara" panose="020E0502030303020204" pitchFamily="34" charset="0"/>
+              </a:rPr>
+              <a:t> </a:t>
+            </a:r>
+            <a:r>
+              <a:rPr lang="en-US" sz="1600" b="1" dirty="0" err="1">
+                <a:solidFill>
+                  <a:schemeClr val="bg2">
+                    <a:lumMod val="10000"/>
+                  </a:schemeClr>
+                </a:solidFill>
+                <a:latin typeface="Candara" panose="020E0502030303020204" pitchFamily="34" charset="0"/>
+              </a:rPr>
+              <a:t>di</a:t>
+            </a:r>
+            <a:r>
+              <a:rPr lang="en-US" sz="1600" b="1" dirty="0">
+                <a:solidFill>
+                  <a:schemeClr val="bg2">
+                    <a:lumMod val="10000"/>
+                  </a:schemeClr>
+                </a:solidFill>
+                <a:latin typeface="Candara" panose="020E0502030303020204" pitchFamily="34" charset="0"/>
+              </a:rPr>
+              <a:t> </a:t>
+            </a:r>
+            <a:r>
+              <a:rPr lang="en-US" sz="1600" b="1" dirty="0" err="1">
+                <a:solidFill>
+                  <a:schemeClr val="bg2">
+                    <a:lumMod val="10000"/>
+                  </a:schemeClr>
+                </a:solidFill>
+                <a:latin typeface="Candara" panose="020E0502030303020204" pitchFamily="34" charset="0"/>
+              </a:rPr>
+              <a:t>concludere</a:t>
+            </a:r>
+            <a:r>
+              <a:rPr lang="en-US" sz="1600" b="1" dirty="0">
+                <a:solidFill>
+                  <a:schemeClr val="bg2">
+                    <a:lumMod val="10000"/>
+                  </a:schemeClr>
+                </a:solidFill>
+                <a:latin typeface="Candara" panose="020E0502030303020204" pitchFamily="34" charset="0"/>
+              </a:rPr>
+              <a:t> </a:t>
+            </a:r>
+            <a:r>
+              <a:rPr lang="en-US" sz="1600" b="1" dirty="0" err="1">
+                <a:solidFill>
+                  <a:schemeClr val="bg2">
+                    <a:lumMod val="10000"/>
+                  </a:schemeClr>
+                </a:solidFill>
+                <a:latin typeface="Candara" panose="020E0502030303020204" pitchFamily="34" charset="0"/>
+              </a:rPr>
+              <a:t>di</a:t>
+            </a:r>
+            <a:r>
+              <a:rPr lang="en-US" sz="1600" b="1" dirty="0">
+                <a:solidFill>
+                  <a:schemeClr val="bg2">
+                    <a:lumMod val="10000"/>
+                  </a:schemeClr>
+                </a:solidFill>
+                <a:latin typeface="Candara" panose="020E0502030303020204" pitchFamily="34" charset="0"/>
+              </a:rPr>
+              <a:t> aver, in </a:t>
+            </a:r>
+            <a:r>
+              <a:rPr lang="en-US" sz="1600" b="1" dirty="0" err="1">
+                <a:solidFill>
+                  <a:schemeClr val="bg2">
+                    <a:lumMod val="10000"/>
+                  </a:schemeClr>
+                </a:solidFill>
+                <a:latin typeface="Candara" panose="020E0502030303020204" pitchFamily="34" charset="0"/>
+              </a:rPr>
+              <a:t>questo</a:t>
+            </a:r>
+            <a:r>
+              <a:rPr lang="en-US" sz="1600" b="1" dirty="0">
+                <a:solidFill>
+                  <a:schemeClr val="bg2">
+                    <a:lumMod val="10000"/>
+                  </a:schemeClr>
+                </a:solidFill>
+                <a:latin typeface="Candara" panose="020E0502030303020204" pitchFamily="34" charset="0"/>
+              </a:rPr>
+              <a:t> campo, </a:t>
+            </a:r>
+            <a:r>
+              <a:rPr lang="en-US" sz="1600" b="1" dirty="0" err="1">
+                <a:solidFill>
+                  <a:schemeClr val="bg2">
+                    <a:lumMod val="10000"/>
+                  </a:schemeClr>
+                </a:solidFill>
+                <a:latin typeface="Candara" panose="020E0502030303020204" pitchFamily="34" charset="0"/>
+              </a:rPr>
+              <a:t>ottenuto</a:t>
+            </a:r>
+            <a:r>
+              <a:rPr lang="en-US" sz="1600" b="1" dirty="0">
+                <a:solidFill>
+                  <a:schemeClr val="bg2">
+                    <a:lumMod val="10000"/>
+                  </a:schemeClr>
+                </a:solidFill>
+                <a:latin typeface="Candara" panose="020E0502030303020204" pitchFamily="34" charset="0"/>
+              </a:rPr>
+              <a:t> </a:t>
+            </a:r>
+            <a:r>
+              <a:rPr lang="en-US" sz="1600" b="1" dirty="0" err="1">
+                <a:solidFill>
+                  <a:schemeClr val="bg2">
+                    <a:lumMod val="10000"/>
+                  </a:schemeClr>
+                </a:solidFill>
+                <a:latin typeface="Candara" panose="020E0502030303020204" pitchFamily="34" charset="0"/>
+              </a:rPr>
+              <a:t>valori</a:t>
+            </a:r>
+            <a:r>
+              <a:rPr lang="en-US" sz="1600" b="1" dirty="0">
+                <a:solidFill>
+                  <a:schemeClr val="bg2">
+                    <a:lumMod val="10000"/>
+                  </a:schemeClr>
+                </a:solidFill>
+                <a:latin typeface="Candara" panose="020E0502030303020204" pitchFamily="34" charset="0"/>
+              </a:rPr>
+              <a:t> </a:t>
+            </a:r>
+            <a:r>
+              <a:rPr lang="en-US" sz="1600" b="1" dirty="0" err="1">
+                <a:solidFill>
+                  <a:schemeClr val="bg2">
+                    <a:lumMod val="10000"/>
+                  </a:schemeClr>
+                </a:solidFill>
+                <a:latin typeface="Candara" panose="020E0502030303020204" pitchFamily="34" charset="0"/>
+              </a:rPr>
+              <a:t>simili</a:t>
+            </a:r>
+            <a:r>
+              <a:rPr lang="en-US" sz="1600" b="1" dirty="0">
+                <a:solidFill>
+                  <a:schemeClr val="bg2">
+                    <a:lumMod val="10000"/>
+                  </a:schemeClr>
+                </a:solidFill>
+                <a:latin typeface="Candara" panose="020E0502030303020204" pitchFamily="34" charset="0"/>
+              </a:rPr>
+              <a:t> e </a:t>
+            </a:r>
+            <a:r>
+              <a:rPr lang="en-US" sz="1600" b="1" dirty="0" err="1">
+                <a:solidFill>
+                  <a:schemeClr val="bg2">
+                    <a:lumMod val="10000"/>
+                  </a:schemeClr>
+                </a:solidFill>
+                <a:latin typeface="Candara" panose="020E0502030303020204" pitchFamily="34" charset="0"/>
+              </a:rPr>
+              <a:t>coerenti</a:t>
+            </a:r>
+            <a:r>
+              <a:rPr lang="en-US" sz="1600" b="1" dirty="0">
+                <a:solidFill>
+                  <a:schemeClr val="bg2">
+                    <a:lumMod val="10000"/>
+                  </a:schemeClr>
+                </a:solidFill>
+                <a:latin typeface="Candara" panose="020E0502030303020204" pitchFamily="34" charset="0"/>
+              </a:rPr>
+              <a:t> con </a:t>
+            </a:r>
+            <a:r>
+              <a:rPr lang="en-US" sz="1600" b="1" dirty="0" err="1">
+                <a:solidFill>
+                  <a:schemeClr val="bg2">
+                    <a:lumMod val="10000"/>
+                  </a:schemeClr>
+                </a:solidFill>
+                <a:latin typeface="Candara" panose="020E0502030303020204" pitchFamily="34" charset="0"/>
+              </a:rPr>
+              <a:t>quelli</a:t>
+            </a:r>
+            <a:r>
+              <a:rPr lang="en-US" sz="1600" b="1" dirty="0">
+                <a:solidFill>
+                  <a:schemeClr val="bg2">
+                    <a:lumMod val="10000"/>
+                  </a:schemeClr>
+                </a:solidFill>
+                <a:latin typeface="Candara" panose="020E0502030303020204" pitchFamily="34" charset="0"/>
+              </a:rPr>
+              <a:t> </a:t>
+            </a:r>
+            <a:r>
+              <a:rPr lang="en-US" sz="1600" b="1" dirty="0" err="1">
+                <a:solidFill>
+                  <a:schemeClr val="bg2">
+                    <a:lumMod val="10000"/>
+                  </a:schemeClr>
+                </a:solidFill>
+                <a:latin typeface="Candara" panose="020E0502030303020204" pitchFamily="34" charset="0"/>
+              </a:rPr>
+              <a:t>descritti</a:t>
+            </a:r>
+            <a:r>
+              <a:rPr lang="en-US" sz="1600" b="1" dirty="0">
+                <a:solidFill>
+                  <a:schemeClr val="bg2">
+                    <a:lumMod val="10000"/>
+                  </a:schemeClr>
+                </a:solidFill>
+                <a:latin typeface="Candara" panose="020E0502030303020204" pitchFamily="34" charset="0"/>
+              </a:rPr>
+              <a:t>; </a:t>
+            </a:r>
+            <a:r>
+              <a:rPr lang="en-US" sz="1600" b="1" dirty="0" err="1">
+                <a:solidFill>
+                  <a:schemeClr val="bg2">
+                    <a:lumMod val="10000"/>
+                  </a:schemeClr>
+                </a:solidFill>
+                <a:latin typeface="Candara" panose="020E0502030303020204" pitchFamily="34" charset="0"/>
+              </a:rPr>
+              <a:t>d’altro</a:t>
+            </a:r>
+            <a:r>
+              <a:rPr lang="en-US" sz="1600" b="1" dirty="0">
+                <a:solidFill>
+                  <a:schemeClr val="bg2">
+                    <a:lumMod val="10000"/>
+                  </a:schemeClr>
+                </a:solidFill>
+                <a:latin typeface="Candara" panose="020E0502030303020204" pitchFamily="34" charset="0"/>
+              </a:rPr>
+              <a:t> canto, </a:t>
+            </a:r>
+            <a:r>
+              <a:rPr lang="en-US" sz="1600" b="1" dirty="0" err="1">
+                <a:solidFill>
+                  <a:schemeClr val="bg2">
+                    <a:lumMod val="10000"/>
+                  </a:schemeClr>
+                </a:solidFill>
+                <a:latin typeface="Candara" panose="020E0502030303020204" pitchFamily="34" charset="0"/>
+              </a:rPr>
+              <a:t>i</a:t>
+            </a:r>
+            <a:r>
+              <a:rPr lang="en-US" sz="1600" b="1" dirty="0">
+                <a:solidFill>
+                  <a:schemeClr val="bg2">
+                    <a:lumMod val="10000"/>
+                  </a:schemeClr>
+                </a:solidFill>
+                <a:latin typeface="Candara" panose="020E0502030303020204" pitchFamily="34" charset="0"/>
+              </a:rPr>
+              <a:t> tempi </a:t>
+            </a:r>
+            <a:r>
+              <a:rPr lang="en-US" sz="1600" b="1" dirty="0" err="1">
+                <a:solidFill>
+                  <a:schemeClr val="bg2">
+                    <a:lumMod val="10000"/>
+                  </a:schemeClr>
+                </a:solidFill>
+                <a:latin typeface="Candara" panose="020E0502030303020204" pitchFamily="34" charset="0"/>
+              </a:rPr>
+              <a:t>di</a:t>
+            </a:r>
+            <a:r>
+              <a:rPr lang="en-US" sz="1600" b="1" dirty="0">
+                <a:solidFill>
+                  <a:schemeClr val="bg2">
+                    <a:lumMod val="10000"/>
+                  </a:schemeClr>
+                </a:solidFill>
+                <a:latin typeface="Candara" panose="020E0502030303020204" pitchFamily="34" charset="0"/>
+              </a:rPr>
+              <a:t> </a:t>
+            </a:r>
+            <a:r>
+              <a:rPr lang="en-US" sz="1600" b="1" dirty="0" err="1">
+                <a:solidFill>
+                  <a:schemeClr val="bg2">
+                    <a:lumMod val="10000"/>
+                  </a:schemeClr>
+                </a:solidFill>
+                <a:latin typeface="Candara" panose="020E0502030303020204" pitchFamily="34" charset="0"/>
+              </a:rPr>
+              <a:t>computazione</a:t>
+            </a:r>
+            <a:r>
+              <a:rPr lang="en-US" sz="1600" b="1" dirty="0">
+                <a:solidFill>
+                  <a:schemeClr val="bg2">
+                    <a:lumMod val="10000"/>
+                  </a:schemeClr>
+                </a:solidFill>
+                <a:latin typeface="Candara" panose="020E0502030303020204" pitchFamily="34" charset="0"/>
+              </a:rPr>
+              <a:t> </a:t>
+            </a:r>
+            <a:r>
+              <a:rPr lang="en-US" sz="1600" b="1" dirty="0" err="1">
+                <a:solidFill>
+                  <a:schemeClr val="bg2">
+                    <a:lumMod val="10000"/>
+                  </a:schemeClr>
+                </a:solidFill>
+                <a:latin typeface="Candara" panose="020E0502030303020204" pitchFamily="34" charset="0"/>
+              </a:rPr>
+              <a:t>riscontrati</a:t>
+            </a:r>
+            <a:r>
+              <a:rPr lang="en-US" sz="1600" b="1" dirty="0">
+                <a:solidFill>
+                  <a:schemeClr val="bg2">
+                    <a:lumMod val="10000"/>
+                  </a:schemeClr>
+                </a:solidFill>
+                <a:latin typeface="Candara" panose="020E0502030303020204" pitchFamily="34" charset="0"/>
+              </a:rPr>
+              <a:t>, </a:t>
+            </a:r>
+            <a:r>
+              <a:rPr lang="en-US" sz="1600" b="1" dirty="0" err="1">
+                <a:solidFill>
+                  <a:schemeClr val="bg2">
+                    <a:lumMod val="10000"/>
+                  </a:schemeClr>
+                </a:solidFill>
+                <a:latin typeface="Candara" panose="020E0502030303020204" pitchFamily="34" charset="0"/>
+              </a:rPr>
+              <a:t>sono</a:t>
+            </a:r>
+            <a:r>
+              <a:rPr lang="en-US" sz="1600" b="1" dirty="0">
+                <a:solidFill>
+                  <a:schemeClr val="bg2">
+                    <a:lumMod val="10000"/>
+                  </a:schemeClr>
+                </a:solidFill>
+                <a:latin typeface="Candara" panose="020E0502030303020204" pitchFamily="34" charset="0"/>
+              </a:rPr>
+              <a:t> </a:t>
+            </a:r>
+            <a:r>
+              <a:rPr lang="en-US" sz="1600" b="1" dirty="0" err="1">
+                <a:solidFill>
+                  <a:schemeClr val="bg2">
+                    <a:lumMod val="10000"/>
+                  </a:schemeClr>
+                </a:solidFill>
+                <a:latin typeface="Candara" panose="020E0502030303020204" pitchFamily="34" charset="0"/>
+              </a:rPr>
+              <a:t>da</a:t>
+            </a:r>
+            <a:r>
+              <a:rPr lang="en-US" sz="1600" b="1" dirty="0">
+                <a:solidFill>
+                  <a:schemeClr val="bg2">
+                    <a:lumMod val="10000"/>
+                  </a:schemeClr>
+                </a:solidFill>
+                <a:latin typeface="Candara" panose="020E0502030303020204" pitchFamily="34" charset="0"/>
+              </a:rPr>
+              <a:t> </a:t>
+            </a:r>
+            <a:r>
+              <a:rPr lang="en-US" sz="1600" b="1" dirty="0" err="1">
+                <a:solidFill>
+                  <a:schemeClr val="bg2">
+                    <a:lumMod val="10000"/>
+                  </a:schemeClr>
+                </a:solidFill>
+                <a:latin typeface="Candara" panose="020E0502030303020204" pitchFamily="34" charset="0"/>
+              </a:rPr>
+              <a:t>considerarsi</a:t>
+            </a:r>
+            <a:r>
+              <a:rPr lang="en-US" sz="1600" b="1" dirty="0">
+                <a:solidFill>
+                  <a:schemeClr val="bg2">
+                    <a:lumMod val="10000"/>
+                  </a:schemeClr>
+                </a:solidFill>
+                <a:latin typeface="Candara" panose="020E0502030303020204" pitchFamily="34" charset="0"/>
+              </a:rPr>
+              <a:t> </a:t>
+            </a:r>
+            <a:r>
+              <a:rPr lang="en-US" sz="1600" b="1" dirty="0" err="1">
+                <a:solidFill>
+                  <a:schemeClr val="bg2">
+                    <a:lumMod val="10000"/>
+                  </a:schemeClr>
+                </a:solidFill>
+                <a:latin typeface="Candara" panose="020E0502030303020204" pitchFamily="34" charset="0"/>
+              </a:rPr>
+              <a:t>proibitivi</a:t>
+            </a:r>
+            <a:r>
+              <a:rPr lang="en-US" sz="1600" b="1" dirty="0">
+                <a:solidFill>
+                  <a:schemeClr val="bg2">
+                    <a:lumMod val="10000"/>
+                  </a:schemeClr>
+                </a:solidFill>
+                <a:latin typeface="Candara" panose="020E0502030303020204" pitchFamily="34" charset="0"/>
+              </a:rPr>
+              <a:t>. </a:t>
+            </a:r>
+            <a:r>
+              <a:rPr lang="en-US" sz="1600" b="1" dirty="0" err="1">
+                <a:solidFill>
+                  <a:schemeClr val="bg2">
+                    <a:lumMod val="10000"/>
+                  </a:schemeClr>
+                </a:solidFill>
+                <a:latin typeface="Candara" panose="020E0502030303020204" pitchFamily="34" charset="0"/>
+              </a:rPr>
+              <a:t>Cio</a:t>
+            </a:r>
+            <a:r>
+              <a:rPr lang="en-US" sz="1600" b="1" dirty="0">
+                <a:solidFill>
+                  <a:schemeClr val="bg2">
+                    <a:lumMod val="10000"/>
+                  </a:schemeClr>
+                </a:solidFill>
+                <a:latin typeface="Candara" panose="020E0502030303020204" pitchFamily="34" charset="0"/>
+              </a:rPr>
+              <a:t> è </a:t>
+            </a:r>
+            <a:r>
+              <a:rPr lang="en-US" sz="1600" b="1" dirty="0" err="1">
+                <a:solidFill>
+                  <a:schemeClr val="bg2">
+                    <a:lumMod val="10000"/>
+                  </a:schemeClr>
+                </a:solidFill>
+                <a:latin typeface="Candara" panose="020E0502030303020204" pitchFamily="34" charset="0"/>
+              </a:rPr>
+              <a:t>forse</a:t>
+            </a:r>
+            <a:r>
+              <a:rPr lang="en-US" sz="1600" b="1" dirty="0">
+                <a:solidFill>
+                  <a:schemeClr val="bg2">
+                    <a:lumMod val="10000"/>
+                  </a:schemeClr>
+                </a:solidFill>
+                <a:latin typeface="Candara" panose="020E0502030303020204" pitchFamily="34" charset="0"/>
+              </a:rPr>
+              <a:t> </a:t>
+            </a:r>
+            <a:r>
+              <a:rPr lang="en-US" sz="1600" b="1" dirty="0" err="1">
+                <a:solidFill>
+                  <a:schemeClr val="bg2">
+                    <a:lumMod val="10000"/>
+                  </a:schemeClr>
+                </a:solidFill>
+                <a:latin typeface="Candara" panose="020E0502030303020204" pitchFamily="34" charset="0"/>
+              </a:rPr>
+              <a:t>dovuto</a:t>
+            </a:r>
+            <a:r>
+              <a:rPr lang="en-US" sz="1600" b="1" dirty="0">
+                <a:solidFill>
+                  <a:schemeClr val="bg2">
+                    <a:lumMod val="10000"/>
+                  </a:schemeClr>
+                </a:solidFill>
+                <a:latin typeface="Candara" panose="020E0502030303020204" pitchFamily="34" charset="0"/>
+              </a:rPr>
+              <a:t> </a:t>
+            </a:r>
+            <a:r>
+              <a:rPr lang="en-US" sz="1600" b="1" dirty="0" err="1">
+                <a:solidFill>
+                  <a:schemeClr val="bg2">
+                    <a:lumMod val="10000"/>
+                  </a:schemeClr>
+                </a:solidFill>
+                <a:latin typeface="Candara" panose="020E0502030303020204" pitchFamily="34" charset="0"/>
+              </a:rPr>
+              <a:t>anche</a:t>
+            </a:r>
+            <a:r>
+              <a:rPr lang="en-US" sz="1600" b="1" dirty="0">
+                <a:solidFill>
+                  <a:schemeClr val="bg2">
+                    <a:lumMod val="10000"/>
+                  </a:schemeClr>
+                </a:solidFill>
+                <a:latin typeface="Candara" panose="020E0502030303020204" pitchFamily="34" charset="0"/>
+              </a:rPr>
+              <a:t> al </a:t>
+            </a:r>
+            <a:r>
+              <a:rPr lang="en-US" sz="1600" b="1" dirty="0" err="1">
+                <a:solidFill>
+                  <a:schemeClr val="bg2">
+                    <a:lumMod val="10000"/>
+                  </a:schemeClr>
+                </a:solidFill>
+                <a:latin typeface="Candara" panose="020E0502030303020204" pitchFamily="34" charset="0"/>
+              </a:rPr>
+              <a:t>linguaggio</a:t>
+            </a:r>
+            <a:r>
+              <a:rPr lang="en-US" sz="1600" b="1" dirty="0">
+                <a:solidFill>
+                  <a:schemeClr val="bg2">
+                    <a:lumMod val="10000"/>
+                  </a:schemeClr>
+                </a:solidFill>
+                <a:latin typeface="Candara" panose="020E0502030303020204" pitchFamily="34" charset="0"/>
+              </a:rPr>
+              <a:t> </a:t>
+            </a:r>
+            <a:r>
+              <a:rPr lang="en-US" sz="1600" b="1" dirty="0" err="1">
+                <a:solidFill>
+                  <a:schemeClr val="bg2">
+                    <a:lumMod val="10000"/>
+                  </a:schemeClr>
+                </a:solidFill>
+                <a:latin typeface="Candara" panose="020E0502030303020204" pitchFamily="34" charset="0"/>
+              </a:rPr>
+              <a:t>scelto</a:t>
+            </a:r>
+            <a:r>
+              <a:rPr lang="en-US" sz="1600" b="1" dirty="0">
+                <a:solidFill>
+                  <a:schemeClr val="bg2">
+                    <a:lumMod val="10000"/>
+                  </a:schemeClr>
+                </a:solidFill>
+                <a:latin typeface="Candara" panose="020E0502030303020204" pitchFamily="34" charset="0"/>
+              </a:rPr>
+              <a:t> per </a:t>
+            </a:r>
+            <a:r>
+              <a:rPr lang="en-US" sz="1600" b="1" dirty="0" err="1">
+                <a:solidFill>
+                  <a:schemeClr val="bg2">
+                    <a:lumMod val="10000"/>
+                  </a:schemeClr>
+                </a:solidFill>
+                <a:latin typeface="Candara" panose="020E0502030303020204" pitchFamily="34" charset="0"/>
+              </a:rPr>
+              <a:t>l’implementazione</a:t>
+            </a:r>
+            <a:r>
+              <a:rPr lang="en-US" sz="1600" b="1" dirty="0">
+                <a:solidFill>
+                  <a:schemeClr val="bg2">
+                    <a:lumMod val="10000"/>
+                  </a:schemeClr>
+                </a:solidFill>
+                <a:latin typeface="Candara" panose="020E0502030303020204" pitchFamily="34" charset="0"/>
+              </a:rPr>
+              <a:t>, </a:t>
+            </a:r>
+            <a:r>
+              <a:rPr lang="en-US" sz="1600" b="1" dirty="0" err="1">
+                <a:solidFill>
+                  <a:schemeClr val="bg2">
+                    <a:lumMod val="10000"/>
+                  </a:schemeClr>
+                </a:solidFill>
+                <a:latin typeface="Candara" panose="020E0502030303020204" pitchFamily="34" charset="0"/>
+              </a:rPr>
+              <a:t>poco</a:t>
+            </a:r>
+            <a:r>
+              <a:rPr lang="en-US" sz="1600" b="1" dirty="0">
+                <a:solidFill>
+                  <a:schemeClr val="bg2">
+                    <a:lumMod val="10000"/>
+                  </a:schemeClr>
+                </a:solidFill>
+                <a:latin typeface="Candara" panose="020E0502030303020204" pitchFamily="34" charset="0"/>
+              </a:rPr>
+              <a:t> </a:t>
+            </a:r>
+            <a:r>
+              <a:rPr lang="en-US" sz="1600" b="1" dirty="0" err="1">
+                <a:solidFill>
+                  <a:schemeClr val="bg2">
+                    <a:lumMod val="10000"/>
+                  </a:schemeClr>
+                </a:solidFill>
+                <a:latin typeface="Candara" panose="020E0502030303020204" pitchFamily="34" charset="0"/>
+              </a:rPr>
+              <a:t>adatto</a:t>
+            </a:r>
+            <a:r>
+              <a:rPr lang="en-US" sz="1600" b="1" dirty="0">
+                <a:solidFill>
+                  <a:schemeClr val="bg2">
+                    <a:lumMod val="10000"/>
+                  </a:schemeClr>
+                </a:solidFill>
+                <a:latin typeface="Candara" panose="020E0502030303020204" pitchFamily="34" charset="0"/>
+              </a:rPr>
+              <a:t> a </a:t>
+            </a:r>
+            <a:r>
+              <a:rPr lang="en-US" sz="1600" b="1" dirty="0" err="1">
+                <a:solidFill>
+                  <a:schemeClr val="bg2">
+                    <a:lumMod val="10000"/>
+                  </a:schemeClr>
+                </a:solidFill>
+                <a:latin typeface="Candara" panose="020E0502030303020204" pitchFamily="34" charset="0"/>
+              </a:rPr>
+              <a:t>cicli</a:t>
+            </a:r>
+            <a:r>
+              <a:rPr lang="en-US" sz="1600" b="1" dirty="0">
+                <a:solidFill>
+                  <a:schemeClr val="bg2">
+                    <a:lumMod val="10000"/>
+                  </a:schemeClr>
+                </a:solidFill>
+                <a:latin typeface="Candara" panose="020E0502030303020204" pitchFamily="34" charset="0"/>
+              </a:rPr>
+              <a:t> e </a:t>
+            </a:r>
+            <a:r>
+              <a:rPr lang="en-US" sz="1600" b="1" dirty="0" err="1">
+                <a:solidFill>
+                  <a:schemeClr val="bg2">
+                    <a:lumMod val="10000"/>
+                  </a:schemeClr>
+                </a:solidFill>
+                <a:latin typeface="Candara" panose="020E0502030303020204" pitchFamily="34" charset="0"/>
+              </a:rPr>
+              <a:t>gestione</a:t>
+            </a:r>
+            <a:r>
+              <a:rPr lang="en-US" sz="1600" b="1" dirty="0">
+                <a:solidFill>
+                  <a:schemeClr val="bg2">
+                    <a:lumMod val="10000"/>
+                  </a:schemeClr>
+                </a:solidFill>
+                <a:latin typeface="Candara" panose="020E0502030303020204" pitchFamily="34" charset="0"/>
+              </a:rPr>
+              <a:t> </a:t>
+            </a:r>
+            <a:r>
+              <a:rPr lang="en-US" sz="1600" b="1" dirty="0" err="1">
+                <a:solidFill>
+                  <a:schemeClr val="bg2">
+                    <a:lumMod val="10000"/>
+                  </a:schemeClr>
+                </a:solidFill>
+                <a:latin typeface="Candara" panose="020E0502030303020204" pitchFamily="34" charset="0"/>
+              </a:rPr>
+              <a:t>di</a:t>
+            </a:r>
+            <a:r>
+              <a:rPr lang="en-US" sz="1600" b="1" dirty="0">
+                <a:solidFill>
+                  <a:schemeClr val="bg2">
+                    <a:lumMod val="10000"/>
+                  </a:schemeClr>
+                </a:solidFill>
+                <a:latin typeface="Candara" panose="020E0502030303020204" pitchFamily="34" charset="0"/>
+              </a:rPr>
+              <a:t> </a:t>
+            </a:r>
+            <a:r>
+              <a:rPr lang="en-US" sz="1600" b="1" dirty="0" err="1">
+                <a:solidFill>
+                  <a:schemeClr val="bg2">
+                    <a:lumMod val="10000"/>
+                  </a:schemeClr>
+                </a:solidFill>
+                <a:latin typeface="Candara" panose="020E0502030303020204" pitchFamily="34" charset="0"/>
+              </a:rPr>
+              <a:t>calcoli</a:t>
+            </a:r>
+            <a:r>
+              <a:rPr lang="en-US" sz="1600" b="1" dirty="0">
+                <a:solidFill>
+                  <a:schemeClr val="bg2">
+                    <a:lumMod val="10000"/>
+                  </a:schemeClr>
+                </a:solidFill>
+                <a:latin typeface="Candara" panose="020E0502030303020204" pitchFamily="34" charset="0"/>
+              </a:rPr>
+              <a:t> </a:t>
+            </a:r>
+            <a:r>
+              <a:rPr lang="en-US" sz="1600" b="1" dirty="0" err="1">
+                <a:solidFill>
+                  <a:schemeClr val="bg2">
+                    <a:lumMod val="10000"/>
+                  </a:schemeClr>
+                </a:solidFill>
+                <a:latin typeface="Candara" panose="020E0502030303020204" pitchFamily="34" charset="0"/>
+              </a:rPr>
+              <a:t>matriciali</a:t>
+            </a:r>
+            <a:endParaRPr lang="en-US" sz="1600" b="1" dirty="0">
+              <a:solidFill>
+                <a:schemeClr val="bg2">
+                  <a:lumMod val="10000"/>
+                </a:schemeClr>
+              </a:solidFill>
+              <a:latin typeface="Candara" panose="020E0502030303020204" pitchFamily="34" charset="0"/>
+            </a:endParaRPr>
+          </a:p>
+        </p:txBody>
+      </p:sp>
+      <p:pic>
+        <p:nvPicPr>
+          <p:cNvPr id="23" name="Immagine 22">
+            <a:extLst>
+              <a:ext uri="{FF2B5EF4-FFF2-40B4-BE49-F238E27FC236}">
+                <a16:creationId xmlns:a16="http://schemas.microsoft.com/office/drawing/2014/main" id="{06700C91-7681-4F88-B0E0-1064CFAAF233}"/>
+              </a:ext>
+            </a:extLst>
+          </p:cNvPr>
+          <p:cNvPicPr>
+            <a:picLocks noChangeAspect="1"/>
+          </p:cNvPicPr>
+          <p:nvPr/>
+        </p:nvPicPr>
+        <p:blipFill>
+          <a:blip r:embed="rId2" cstate="print">
+            <a:extLst>
+              <a:ext uri="{28A0092B-C50C-407E-A947-70E740481C1C}">
+                <a14:useLocalDpi xmlns:a14="http://schemas.microsoft.com/office/drawing/2010/main" val="0"/>
+              </a:ext>
+            </a:extLst>
+          </a:blip>
+          <a:stretch>
+            <a:fillRect/>
+          </a:stretch>
+        </p:blipFill>
+        <p:spPr>
+          <a:xfrm>
+            <a:off x="5556000" y="6220686"/>
+            <a:ext cx="1080000" cy="658286"/>
+          </a:xfrm>
+          <a:prstGeom prst="rect">
+            <a:avLst/>
+          </a:prstGeom>
+        </p:spPr>
+      </p:pic>
+    </p:spTree>
+    <p:extLst>
+      <p:ext uri="{BB962C8B-B14F-4D97-AF65-F5344CB8AC3E}">
+        <p14:creationId xmlns:p14="http://schemas.microsoft.com/office/powerpoint/2010/main" val="3498377729"/>
+      </p:ext>
+    </p:extLst>
+  </p:cSld>
+  <p:clrMapOvr>
+    <a:masterClrMapping/>
+  </p:clrMapOvr>
+  <p:timing>
+    <p:tnLst>
+      <p:par>
+        <p:cTn id="1" dur="indefinite" restart="never" nodeType="tmRoot">
+          <p:childTnLst>
+            <p:seq concurrent="1" nextAc="seek">
+              <p:cTn id="2" dur="indefinite" nodeType="mainSeq">
+                <p:childTnLst>
+                  <p:par>
+                    <p:cTn id="3" fill="hold">
+                      <p:stCondLst>
+                        <p:cond delay="indefinite"/>
+                        <p:cond evt="onBegin" delay="0">
+                          <p:tn val="2"/>
+                        </p:cond>
+                      </p:stCondLst>
+                      <p:childTnLst>
+                        <p:par>
+                          <p:cTn id="4" fill="hold">
+                            <p:stCondLst>
+                              <p:cond delay="0"/>
+                            </p:stCondLst>
+                            <p:childTnLst>
+                              <p:par>
+                                <p:cTn id="5" presetID="22" presetClass="entr" presetSubtype="8" fill="hold" grpId="0" nodeType="afterEffect">
+                                  <p:stCondLst>
+                                    <p:cond delay="0"/>
+                                  </p:stCondLst>
+                                  <p:childTnLst>
+                                    <p:set>
+                                      <p:cBhvr>
+                                        <p:cTn id="6" dur="1" fill="hold">
+                                          <p:stCondLst>
+                                            <p:cond delay="0"/>
+                                          </p:stCondLst>
+                                        </p:cTn>
+                                        <p:tgtEl>
+                                          <p:spTgt spid="7"/>
+                                        </p:tgtEl>
+                                        <p:attrNameLst>
+                                          <p:attrName>style.visibility</p:attrName>
+                                        </p:attrNameLst>
+                                      </p:cBhvr>
+                                      <p:to>
+                                        <p:strVal val="visible"/>
+                                      </p:to>
+                                    </p:set>
+                                    <p:animEffect transition="in" filter="wipe(left)">
+                                      <p:cBhvr>
+                                        <p:cTn id="7" dur="500"/>
+                                        <p:tgtEl>
+                                          <p:spTgt spid="7"/>
+                                        </p:tgtEl>
+                                      </p:cBhvr>
+                                    </p:animEffect>
+                                  </p:childTnLst>
+                                </p:cTn>
+                              </p:par>
+                            </p:childTnLst>
+                          </p:cTn>
+                        </p:par>
+                        <p:par>
+                          <p:cTn id="8" fill="hold">
+                            <p:stCondLst>
+                              <p:cond delay="500"/>
+                            </p:stCondLst>
+                            <p:childTnLst>
+                              <p:par>
+                                <p:cTn id="9" presetID="22" presetClass="entr" presetSubtype="8" fill="hold" grpId="0" nodeType="afterEffect">
+                                  <p:stCondLst>
+                                    <p:cond delay="0"/>
+                                  </p:stCondLst>
+                                  <p:childTnLst>
+                                    <p:set>
+                                      <p:cBhvr>
+                                        <p:cTn id="10" dur="1" fill="hold">
+                                          <p:stCondLst>
+                                            <p:cond delay="0"/>
+                                          </p:stCondLst>
+                                        </p:cTn>
+                                        <p:tgtEl>
+                                          <p:spTgt spid="31"/>
+                                        </p:tgtEl>
+                                        <p:attrNameLst>
+                                          <p:attrName>style.visibility</p:attrName>
+                                        </p:attrNameLst>
+                                      </p:cBhvr>
+                                      <p:to>
+                                        <p:strVal val="visible"/>
+                                      </p:to>
+                                    </p:set>
+                                    <p:animEffect transition="in" filter="wipe(left)">
+                                      <p:cBhvr>
+                                        <p:cTn id="11" dur="500"/>
+                                        <p:tgtEl>
+                                          <p:spTgt spid="31"/>
+                                        </p:tgtEl>
+                                      </p:cBhvr>
+                                    </p:animEffect>
+                                  </p:childTnLst>
+                                </p:cTn>
+                              </p:par>
+                            </p:childTnLst>
+                          </p:cTn>
+                        </p:par>
+                        <p:par>
+                          <p:cTn id="12" fill="hold">
+                            <p:stCondLst>
+                              <p:cond delay="1000"/>
+                            </p:stCondLst>
+                            <p:childTnLst>
+                              <p:par>
+                                <p:cTn id="13" presetID="22" presetClass="entr" presetSubtype="8" fill="hold" grpId="0" nodeType="afterEffect">
+                                  <p:stCondLst>
+                                    <p:cond delay="0"/>
+                                  </p:stCondLst>
+                                  <p:childTnLst>
+                                    <p:set>
+                                      <p:cBhvr>
+                                        <p:cTn id="14" dur="1" fill="hold">
+                                          <p:stCondLst>
+                                            <p:cond delay="0"/>
+                                          </p:stCondLst>
+                                        </p:cTn>
+                                        <p:tgtEl>
+                                          <p:spTgt spid="32"/>
+                                        </p:tgtEl>
+                                        <p:attrNameLst>
+                                          <p:attrName>style.visibility</p:attrName>
+                                        </p:attrNameLst>
+                                      </p:cBhvr>
+                                      <p:to>
+                                        <p:strVal val="visible"/>
+                                      </p:to>
+                                    </p:set>
+                                    <p:animEffect transition="in" filter="wipe(left)">
+                                      <p:cBhvr>
+                                        <p:cTn id="15" dur="500"/>
+                                        <p:tgtEl>
+                                          <p:spTgt spid="32"/>
+                                        </p:tgtEl>
+                                      </p:cBhvr>
+                                    </p:animEffect>
+                                  </p:childTnLst>
+                                </p:cTn>
+                              </p:par>
+                            </p:childTnLst>
+                          </p:cTn>
+                        </p:par>
+                      </p:childTnLst>
+                    </p:cTn>
+                  </p:par>
+                </p:childTnLst>
+              </p:cTn>
+              <p:prevCondLst>
+                <p:cond evt="onPrev" delay="0">
+                  <p:tgtEl>
+                    <p:sldTgt/>
+                  </p:tgtEl>
+                </p:cond>
+              </p:prevCondLst>
+              <p:nextCondLst>
+                <p:cond evt="onNext" delay="0">
+                  <p:tgtEl>
+                    <p:sldTgt/>
+                  </p:tgtEl>
+                </p:cond>
+              </p:nextCondLst>
+            </p:seq>
+          </p:childTnLst>
+        </p:cTn>
+      </p:par>
+    </p:tnLst>
+    <p:bldLst>
+      <p:bldP spid="7" grpId="0"/>
+      <p:bldP spid="31" grpId="0"/>
+      <p:bldP spid="32" grpId="0"/>
+    </p:bldLst>
+  </p:timing>
+</p:sld>
+</file>
+
+<file path=ppt/slides/slide9.xml><?xml version="1.0" encoding="utf-8"?>
+<p:sld xmlns:a="http://schemas.openxmlformats.org/drawingml/2006/main" xmlns:r="http://schemas.openxmlformats.org/officeDocument/2006/relationships" xmlns:p="http://schemas.openxmlformats.org/presentationml/2006/main">
+  <p:cSld>
+    <p:spTree>
+      <p:nvGrpSpPr>
+        <p:cNvPr id="1" name=""/>
+        <p:cNvGrpSpPr/>
+        <p:nvPr/>
+      </p:nvGrpSpPr>
+      <p:grpSpPr>
+        <a:xfrm>
+          <a:off x="0" y="0"/>
+          <a:ext cx="0" cy="0"/>
+          <a:chOff x="0" y="0"/>
+          <a:chExt cx="0" cy="0"/>
+        </a:xfrm>
+      </p:grpSpPr>
+      <p:sp>
+        <p:nvSpPr>
+          <p:cNvPr id="7" name="TextBox 6"/>
+          <p:cNvSpPr txBox="1"/>
+          <p:nvPr/>
+        </p:nvSpPr>
+        <p:spPr>
+          <a:xfrm>
             <a:off x="3341510" y="1797783"/>
             <a:ext cx="5508978" cy="1446550"/>
           </a:xfrm>
@@ -21908,7 +24079,7 @@
     </a:clrScheme>
     <a:fontScheme name="Office">
       <a:majorFont>
-        <a:latin typeface="Calibri Light" panose="020F0302020204030204"/>
+        <a:latin typeface="Calibri Light"/>
         <a:ea typeface=""/>
         <a:cs typeface=""/>
         <a:font script="Jpan" typeface="ＭＳ Ｐゴシック"/>
@@ -21943,7 +24114,7 @@
         <a:font script="Geor" typeface="Sylfaen"/>
       </a:majorFont>
       <a:minorFont>
-        <a:latin typeface="Calibri" panose="020F0502020204030204"/>
+        <a:latin typeface="Calibri"/>
         <a:ea typeface=""/>
         <a:cs typeface=""/>
         <a:font script="Jpan" typeface="ＭＳ Ｐゴシック"/>
@@ -22169,7 +24340,7 @@
     </a:clrScheme>
     <a:fontScheme name="Office">
       <a:majorFont>
-        <a:latin typeface="Calibri Light" panose="020F0302020204030204"/>
+        <a:latin typeface="Calibri Light"/>
         <a:ea typeface=""/>
         <a:cs typeface=""/>
         <a:font script="Jpan" typeface="游ゴシック Light"/>
@@ -22221,7 +24392,7 @@
         <a:font script="Tfng" typeface="Ebrima"/>
       </a:majorFont>
       <a:minorFont>
-        <a:latin typeface="Calibri" panose="020F0502020204030204"/>
+        <a:latin typeface="Calibri"/>
         <a:ea typeface=""/>
         <a:cs typeface=""/>
         <a:font script="Jpan" typeface="游ゴシック"/>

--- a/docs/Presentazione.pptx
+++ b/docs/Presentazione.pptx
@@ -23418,6 +23418,28 @@
                 </a:solidFill>
                 <a:latin typeface="Candara" panose="020E0502030303020204" pitchFamily="34" charset="0"/>
               </a:rPr>
+              <a:t> di </a:t>
+            </a:r>
+            <a:r>
+              <a:rPr lang="en-US" sz="1600" b="1" dirty="0" err="1">
+                <a:solidFill>
+                  <a:schemeClr val="bg2">
+                    <a:lumMod val="10000"/>
+                  </a:schemeClr>
+                </a:solidFill>
+                <a:latin typeface="Candara" panose="020E0502030303020204" pitchFamily="34" charset="0"/>
+              </a:rPr>
+              <a:t>calcoli</a:t>
+            </a:r>
+            <a:r>
+              <a:rPr lang="en-US" sz="1600" b="1" dirty="0">
+                <a:solidFill>
+                  <a:schemeClr val="bg2">
+                    <a:lumMod val="10000"/>
+                  </a:schemeClr>
+                </a:solidFill>
+                <a:latin typeface="Candara" panose="020E0502030303020204" pitchFamily="34" charset="0"/>
+              </a:rPr>
               <a:t> </a:t>
             </a:r>
             <a:r>
@@ -23429,7 +23451,7 @@
                 </a:solidFill>
                 <a:latin typeface="Candara" panose="020E0502030303020204" pitchFamily="34" charset="0"/>
               </a:rPr>
-              <a:t>di</a:t>
+              <a:t>matriciali</a:t>
             </a:r>
             <a:r>
               <a:rPr lang="en-US" sz="1600" b="1" dirty="0">
@@ -23440,49 +23462,8 @@
                 </a:solidFill>
                 <a:latin typeface="Candara" panose="020E0502030303020204" pitchFamily="34" charset="0"/>
               </a:rPr>
-              <a:t> </a:t>
-            </a:r>
-            <a:r>
-              <a:rPr lang="en-US" sz="1600" b="1" dirty="0" err="1">
-                <a:solidFill>
-                  <a:schemeClr val="bg2">
-                    <a:lumMod val="10000"/>
-                  </a:schemeClr>
-                </a:solidFill>
-                <a:latin typeface="Candara" panose="020E0502030303020204" pitchFamily="34" charset="0"/>
-              </a:rPr>
-              <a:t>calcoli</a:t>
-            </a:r>
-            <a:r>
-              <a:rPr lang="en-US" sz="1600" b="1" dirty="0">
-                <a:solidFill>
-                  <a:schemeClr val="bg2">
-                    <a:lumMod val="10000"/>
-                  </a:schemeClr>
-                </a:solidFill>
-                <a:latin typeface="Candara" panose="020E0502030303020204" pitchFamily="34" charset="0"/>
-              </a:rPr>
-              <a:t> </a:t>
-            </a:r>
-            <a:r>
-              <a:rPr lang="en-US" sz="1600" b="1" dirty="0" err="1">
-                <a:solidFill>
-                  <a:schemeClr val="bg2">
-                    <a:lumMod val="10000"/>
-                  </a:schemeClr>
-                </a:solidFill>
-                <a:latin typeface="Candara" panose="020E0502030303020204" pitchFamily="34" charset="0"/>
-              </a:rPr>
-              <a:t>matriciali</a:t>
-            </a:r>
-            <a:endParaRPr lang="en-US" sz="1600" b="1" dirty="0">
-              <a:solidFill>
-                <a:schemeClr val="bg2">
-                  <a:lumMod val="10000"/>
-                </a:schemeClr>
-              </a:solidFill>
-              <a:latin typeface="Candara" panose="020E0502030303020204" pitchFamily="34" charset="0"/>
-            </a:endParaRPr>
+              <a:t>.</a:t>
+            </a:r>
           </a:p>
         </p:txBody>
       </p:sp>

--- a/docs/Presentazione.pptx
+++ b/docs/Presentazione.pptx
@@ -6124,73 +6124,7 @@
                 </a:solidFill>
                 <a:latin typeface="Candara" panose="020E0502030303020204" pitchFamily="34" charset="0"/>
               </a:rPr>
-              <a:t> </a:t>
-            </a:r>
-            <a:r>
-              <a:rPr lang="en-US" sz="1600" b="1" dirty="0" err="1">
-                <a:solidFill>
-                  <a:schemeClr val="bg2">
-                    <a:lumMod val="10000"/>
-                  </a:schemeClr>
-                </a:solidFill>
-                <a:latin typeface="Candara" panose="020E0502030303020204" pitchFamily="34" charset="0"/>
-              </a:rPr>
-              <a:t>utilizzando</a:t>
-            </a:r>
-            <a:r>
-              <a:rPr lang="en-US" sz="1600" b="1" dirty="0">
-                <a:solidFill>
-                  <a:schemeClr val="bg2">
-                    <a:lumMod val="10000"/>
-                  </a:schemeClr>
-                </a:solidFill>
-                <a:latin typeface="Candara" panose="020E0502030303020204" pitchFamily="34" charset="0"/>
-              </a:rPr>
-              <a:t> </a:t>
-            </a:r>
-            <a:r>
-              <a:rPr lang="en-US" sz="1600" b="1" dirty="0" err="1">
-                <a:solidFill>
-                  <a:schemeClr val="bg2">
-                    <a:lumMod val="10000"/>
-                  </a:schemeClr>
-                </a:solidFill>
-                <a:latin typeface="Candara" panose="020E0502030303020204" pitchFamily="34" charset="0"/>
-              </a:rPr>
-              <a:t>l’algoritmo</a:t>
-            </a:r>
-            <a:r>
-              <a:rPr lang="en-US" sz="1600" b="1" dirty="0">
-                <a:solidFill>
-                  <a:schemeClr val="bg2">
-                    <a:lumMod val="10000"/>
-                  </a:schemeClr>
-                </a:solidFill>
-                <a:latin typeface="Candara" panose="020E0502030303020204" pitchFamily="34" charset="0"/>
-              </a:rPr>
-              <a:t> </a:t>
-            </a:r>
-            <a:r>
-              <a:rPr lang="en-US" sz="1600" b="1" dirty="0" err="1">
-                <a:solidFill>
-                  <a:schemeClr val="bg2">
-                    <a:lumMod val="10000"/>
-                  </a:schemeClr>
-                </a:solidFill>
-                <a:latin typeface="Candara" panose="020E0502030303020204" pitchFamily="34" charset="0"/>
-              </a:rPr>
-              <a:t>Apriori</a:t>
-            </a:r>
-            <a:r>
-              <a:rPr lang="en-US" sz="1600" b="1" dirty="0">
-                <a:solidFill>
-                  <a:schemeClr val="bg2">
-                    <a:lumMod val="10000"/>
-                  </a:schemeClr>
-                </a:solidFill>
-                <a:latin typeface="Candara" panose="020E0502030303020204" pitchFamily="34" charset="0"/>
-              </a:rPr>
-              <a:t> </a:t>
+              <a:t> dal mining </a:t>
             </a:r>
             <a:r>
               <a:rPr lang="en-US" sz="1600" b="1" dirty="0" err="1">

--- a/docs/Presentazione.pptx
+++ b/docs/Presentazione.pptx
@@ -5830,6 +5830,28 @@
                 </a:solidFill>
                 <a:latin typeface="Candara" panose="020E0502030303020204" pitchFamily="34" charset="0"/>
               </a:rPr>
+              <a:t> di </a:t>
+            </a:r>
+            <a:r>
+              <a:rPr lang="en-US" sz="1600" b="1" dirty="0" err="1">
+                <a:solidFill>
+                  <a:schemeClr val="bg2">
+                    <a:lumMod val="10000"/>
+                  </a:schemeClr>
+                </a:solidFill>
+                <a:latin typeface="Candara" panose="020E0502030303020204" pitchFamily="34" charset="0"/>
+              </a:rPr>
+              <a:t>distorsione</a:t>
+            </a:r>
+            <a:r>
+              <a:rPr lang="en-US" sz="1600" b="1" dirty="0">
+                <a:solidFill>
+                  <a:schemeClr val="bg2">
+                    <a:lumMod val="10000"/>
+                  </a:schemeClr>
+                </a:solidFill>
+                <a:latin typeface="Candara" panose="020E0502030303020204" pitchFamily="34" charset="0"/>
+              </a:rPr>
               <a:t> p </a:t>
             </a:r>
             <a:r>
@@ -5841,51 +5863,7 @@
                 </a:solidFill>
                 <a:latin typeface="Candara" panose="020E0502030303020204" pitchFamily="34" charset="0"/>
               </a:rPr>
-              <a:t>della</a:t>
-            </a:r>
-            <a:r>
-              <a:rPr lang="en-US" sz="1600" b="1" dirty="0">
-                <a:solidFill>
-                  <a:schemeClr val="bg2">
-                    <a:lumMod val="10000"/>
-                  </a:schemeClr>
-                </a:solidFill>
-                <a:latin typeface="Candara" panose="020E0502030303020204" pitchFamily="34" charset="0"/>
-              </a:rPr>
-              <a:t> </a:t>
-            </a:r>
-            <a:r>
-              <a:rPr lang="en-US" sz="1600" b="1" dirty="0" err="1">
-                <a:solidFill>
-                  <a:schemeClr val="bg2">
-                    <a:lumMod val="10000"/>
-                  </a:schemeClr>
-                </a:solidFill>
-                <a:latin typeface="Candara" panose="020E0502030303020204" pitchFamily="34" charset="0"/>
-              </a:rPr>
-              <a:t>distribuzione</a:t>
-            </a:r>
-            <a:r>
-              <a:rPr lang="en-US" sz="1600" b="1" dirty="0">
-                <a:solidFill>
-                  <a:schemeClr val="bg2">
-                    <a:lumMod val="10000"/>
-                  </a:schemeClr>
-                </a:solidFill>
-                <a:latin typeface="Candara" panose="020E0502030303020204" pitchFamily="34" charset="0"/>
-              </a:rPr>
-              <a:t> </a:t>
-            </a:r>
-            <a:r>
-              <a:rPr lang="en-US" sz="1600" b="1" dirty="0" err="1">
-                <a:solidFill>
-                  <a:schemeClr val="bg2">
-                    <a:lumMod val="10000"/>
-                  </a:schemeClr>
-                </a:solidFill>
-                <a:latin typeface="Candara" panose="020E0502030303020204" pitchFamily="34" charset="0"/>
-              </a:rPr>
-              <a:t>usata</a:t>
+              <a:t>utilizzata</a:t>
             </a:r>
             <a:r>
               <a:rPr lang="en-US" sz="1600" b="1" dirty="0">
